--- a/Document/Present.pptx
+++ b/Document/Present.pptx
@@ -5,7 +5,7 @@
     <p:sldMasterId id="2147483648" r:id="rId1"/>
   </p:sldMasterIdLst>
   <p:notesMasterIdLst>
-    <p:notesMasterId r:id="rId19"/>
+    <p:notesMasterId r:id="rId22"/>
   </p:notesMasterIdLst>
   <p:sldIdLst>
     <p:sldId id="256" r:id="rId2"/>
@@ -18,13 +18,16 @@
     <p:sldId id="277" r:id="rId9"/>
     <p:sldId id="269" r:id="rId10"/>
     <p:sldId id="265" r:id="rId11"/>
-    <p:sldId id="276" r:id="rId12"/>
-    <p:sldId id="268" r:id="rId13"/>
-    <p:sldId id="273" r:id="rId14"/>
-    <p:sldId id="274" r:id="rId15"/>
-    <p:sldId id="270" r:id="rId16"/>
-    <p:sldId id="275" r:id="rId17"/>
-    <p:sldId id="271" r:id="rId18"/>
+    <p:sldId id="278" r:id="rId12"/>
+    <p:sldId id="279" r:id="rId13"/>
+    <p:sldId id="280" r:id="rId14"/>
+    <p:sldId id="281" r:id="rId15"/>
+    <p:sldId id="268" r:id="rId16"/>
+    <p:sldId id="273" r:id="rId17"/>
+    <p:sldId id="274" r:id="rId18"/>
+    <p:sldId id="270" r:id="rId19"/>
+    <p:sldId id="275" r:id="rId20"/>
+    <p:sldId id="271" r:id="rId21"/>
   </p:sldIdLst>
   <p:sldSz cx="9144000" cy="6858000" type="screen4x3"/>
   <p:notesSz cx="6858000" cy="9144000"/>
@@ -208,7 +211,7 @@
           <a:p>
             <a:fld id="{5F3C816B-6264-4CFF-B007-776089C8006A}" type="datetimeFigureOut">
               <a:rPr lang="en-US" smtClean="0"/>
-              <a:t>8/21/2013</a:t>
+              <a:t>8/23/2013</a:t>
             </a:fld>
             <a:endParaRPr lang="en-US"/>
           </a:p>
@@ -657,7 +660,7 @@
           <a:p>
             <a:fld id="{8262F83D-21AC-4462-A57F-A062BBC2BA25}" type="datetimeFigureOut">
               <a:rPr lang="en-US" smtClean="0"/>
-              <a:t>8/21/2013</a:t>
+              <a:t>8/23/2013</a:t>
             </a:fld>
             <a:endParaRPr lang="en-US"/>
           </a:p>
@@ -827,7 +830,7 @@
           <a:p>
             <a:fld id="{8262F83D-21AC-4462-A57F-A062BBC2BA25}" type="datetimeFigureOut">
               <a:rPr lang="en-US" smtClean="0"/>
-              <a:t>8/21/2013</a:t>
+              <a:t>8/23/2013</a:t>
             </a:fld>
             <a:endParaRPr lang="en-US"/>
           </a:p>
@@ -1007,7 +1010,7 @@
           <a:p>
             <a:fld id="{8262F83D-21AC-4462-A57F-A062BBC2BA25}" type="datetimeFigureOut">
               <a:rPr lang="en-US" smtClean="0"/>
-              <a:t>8/21/2013</a:t>
+              <a:t>8/23/2013</a:t>
             </a:fld>
             <a:endParaRPr lang="en-US"/>
           </a:p>
@@ -1177,7 +1180,7 @@
           <a:p>
             <a:fld id="{8262F83D-21AC-4462-A57F-A062BBC2BA25}" type="datetimeFigureOut">
               <a:rPr lang="en-US" smtClean="0"/>
-              <a:t>8/21/2013</a:t>
+              <a:t>8/23/2013</a:t>
             </a:fld>
             <a:endParaRPr lang="en-US"/>
           </a:p>
@@ -1423,7 +1426,7 @@
           <a:p>
             <a:fld id="{8262F83D-21AC-4462-A57F-A062BBC2BA25}" type="datetimeFigureOut">
               <a:rPr lang="en-US" smtClean="0"/>
-              <a:t>8/21/2013</a:t>
+              <a:t>8/23/2013</a:t>
             </a:fld>
             <a:endParaRPr lang="en-US"/>
           </a:p>
@@ -1711,7 +1714,7 @@
           <a:p>
             <a:fld id="{8262F83D-21AC-4462-A57F-A062BBC2BA25}" type="datetimeFigureOut">
               <a:rPr lang="en-US" smtClean="0"/>
-              <a:t>8/21/2013</a:t>
+              <a:t>8/23/2013</a:t>
             </a:fld>
             <a:endParaRPr lang="en-US"/>
           </a:p>
@@ -2133,7 +2136,7 @@
           <a:p>
             <a:fld id="{8262F83D-21AC-4462-A57F-A062BBC2BA25}" type="datetimeFigureOut">
               <a:rPr lang="en-US" smtClean="0"/>
-              <a:t>8/21/2013</a:t>
+              <a:t>8/23/2013</a:t>
             </a:fld>
             <a:endParaRPr lang="en-US"/>
           </a:p>
@@ -2268,7 +2271,7 @@
           <a:p>
             <a:fld id="{8262F83D-21AC-4462-A57F-A062BBC2BA25}" type="datetimeFigureOut">
               <a:rPr lang="en-US" smtClean="0"/>
-              <a:t>8/21/2013</a:t>
+              <a:t>8/23/2013</a:t>
             </a:fld>
             <a:endParaRPr lang="en-US"/>
           </a:p>
@@ -2363,7 +2366,7 @@
           <a:p>
             <a:fld id="{8262F83D-21AC-4462-A57F-A062BBC2BA25}" type="datetimeFigureOut">
               <a:rPr lang="en-US" smtClean="0"/>
-              <a:t>8/21/2013</a:t>
+              <a:t>8/23/2013</a:t>
             </a:fld>
             <a:endParaRPr lang="en-US"/>
           </a:p>
@@ -2640,7 +2643,7 @@
           <a:p>
             <a:fld id="{8262F83D-21AC-4462-A57F-A062BBC2BA25}" type="datetimeFigureOut">
               <a:rPr lang="en-US" smtClean="0"/>
-              <a:t>8/21/2013</a:t>
+              <a:t>8/23/2013</a:t>
             </a:fld>
             <a:endParaRPr lang="en-US"/>
           </a:p>
@@ -2893,7 +2896,7 @@
           <a:p>
             <a:fld id="{8262F83D-21AC-4462-A57F-A062BBC2BA25}" type="datetimeFigureOut">
               <a:rPr lang="en-US" smtClean="0"/>
-              <a:t>8/21/2013</a:t>
+              <a:t>8/23/2013</a:t>
             </a:fld>
             <a:endParaRPr lang="en-US"/>
           </a:p>
@@ -3106,7 +3109,7 @@
           <a:p>
             <a:fld id="{8262F83D-21AC-4462-A57F-A062BBC2BA25}" type="datetimeFigureOut">
               <a:rPr lang="en-US" smtClean="0"/>
-              <a:t>8/21/2013</a:t>
+              <a:t>8/23/2013</a:t>
             </a:fld>
             <a:endParaRPr lang="en-US"/>
           </a:p>
@@ -3559,10 +3562,6 @@
               </a:rPr>
               <a:t>Develop C2C Buyer Platform Which Matching Buyer and Service Provider</a:t>
             </a:r>
-            <a:endParaRPr lang="en-US" sz="3600" dirty="0">
-              <a:latin typeface="Segoe UI Light" panose="020B0502040204020203" pitchFamily="34" charset="0"/>
-              <a:cs typeface="Segoe UI Light" panose="020B0502040204020203" pitchFamily="34" charset="0"/>
-            </a:endParaRPr>
           </a:p>
         </p:txBody>
       </p:sp>
@@ -4526,7 +4525,17 @@
                 <a:latin typeface="Segoe UI Light" pitchFamily="34" charset="0"/>
                 <a:cs typeface="Segoe UI Light" pitchFamily="34" charset="0"/>
               </a:rPr>
-              <a:t> Project</a:t>
+              <a:t> </a:t>
+            </a:r>
+            <a:r>
+              <a:rPr lang="en-US" dirty="0" smtClean="0">
+                <a:solidFill>
+                  <a:schemeClr val="bg1"/>
+                </a:solidFill>
+                <a:latin typeface="Segoe UI Light" pitchFamily="34" charset="0"/>
+                <a:cs typeface="Segoe UI Light" pitchFamily="34" charset="0"/>
+              </a:rPr>
+              <a:t>Project</a:t>
             </a:r>
             <a:endParaRPr lang="en-US" dirty="0">
               <a:solidFill>
@@ -4700,62 +4709,6 @@
       </p:sp>
       <p:sp>
         <p:nvSpPr>
-          <p:cNvPr id="25" name="Rectangle 24"/>
-          <p:cNvSpPr/>
-          <p:nvPr/>
-        </p:nvSpPr>
-        <p:spPr>
-          <a:xfrm>
-            <a:off x="0" y="2548787"/>
-            <a:ext cx="1828800" cy="397431"/>
-          </a:xfrm>
-          <a:prstGeom prst="rect">
-            <a:avLst/>
-          </a:prstGeom>
-          <a:solidFill>
-            <a:schemeClr val="bg1">
-              <a:lumMod val="50000"/>
-            </a:schemeClr>
-          </a:solidFill>
-          <a:ln>
-            <a:noFill/>
-          </a:ln>
-        </p:spPr>
-        <p:style>
-          <a:lnRef idx="2">
-            <a:schemeClr val="accent1">
-              <a:shade val="50000"/>
-            </a:schemeClr>
-          </a:lnRef>
-          <a:fillRef idx="1">
-            <a:schemeClr val="accent1"/>
-          </a:fillRef>
-          <a:effectRef idx="0">
-            <a:schemeClr val="accent1"/>
-          </a:effectRef>
-          <a:fontRef idx="minor">
-            <a:schemeClr val="lt1"/>
-          </a:fontRef>
-        </p:style>
-        <p:txBody>
-          <a:bodyPr lIns="822960" rtlCol="0" anchor="ctr"/>
-          <a:lstStyle/>
-          <a:p>
-            <a:endParaRPr lang="en-US" sz="2400" dirty="0">
-              <a:solidFill>
-                <a:schemeClr val="tx1">
-                  <a:lumMod val="75000"/>
-                  <a:lumOff val="25000"/>
-                </a:schemeClr>
-              </a:solidFill>
-              <a:latin typeface="Segoe UI Light" pitchFamily="34" charset="0"/>
-              <a:cs typeface="Segoe UI Light" pitchFamily="34" charset="0"/>
-            </a:endParaRPr>
-          </a:p>
-        </p:txBody>
-      </p:sp>
-      <p:sp>
-        <p:nvSpPr>
           <p:cNvPr id="28" name="TextBox 27"/>
           <p:cNvSpPr txBox="1"/>
           <p:nvPr/>
@@ -4789,52 +4742,6 @@
                 <a:cs typeface="Segoe UI Light" pitchFamily="34" charset="0"/>
               </a:rPr>
               <a:t>Main features</a:t>
-            </a:r>
-            <a:endParaRPr lang="en-US" sz="1400" dirty="0">
-              <a:solidFill>
-                <a:schemeClr val="bg1"/>
-              </a:solidFill>
-              <a:latin typeface="Segoe UI Light" pitchFamily="34" charset="0"/>
-              <a:cs typeface="Segoe UI Light" pitchFamily="34" charset="0"/>
-            </a:endParaRPr>
-          </a:p>
-        </p:txBody>
-      </p:sp>
-      <p:sp>
-        <p:nvSpPr>
-          <p:cNvPr id="29" name="TextBox 28"/>
-          <p:cNvSpPr txBox="1"/>
-          <p:nvPr/>
-        </p:nvSpPr>
-        <p:spPr>
-          <a:xfrm>
-            <a:off x="65598" y="2557343"/>
-            <a:ext cx="1524000" cy="307777"/>
-          </a:xfrm>
-          <a:prstGeom prst="rect">
-            <a:avLst/>
-          </a:prstGeom>
-          <a:noFill/>
-        </p:spPr>
-        <p:txBody>
-          <a:bodyPr wrap="square" rtlCol="0">
-            <a:spAutoFit/>
-          </a:bodyPr>
-          <a:lstStyle/>
-          <a:p>
-            <a:pPr marL="285750" indent="-285750">
-              <a:buFont typeface="Wingdings" pitchFamily="2" charset="2"/>
-              <a:buChar char="Ø"/>
-            </a:pPr>
-            <a:r>
-              <a:rPr lang="en-US" sz="1400" dirty="0" smtClean="0">
-                <a:solidFill>
-                  <a:schemeClr val="bg1"/>
-                </a:solidFill>
-                <a:latin typeface="Segoe UI Light" pitchFamily="34" charset="0"/>
-                <a:cs typeface="Segoe UI Light" pitchFamily="34" charset="0"/>
-              </a:rPr>
-              <a:t>?????</a:t>
             </a:r>
             <a:endParaRPr lang="en-US" sz="1400" dirty="0">
               <a:solidFill>
@@ -4892,7 +4799,7 @@
         <p:spPr>
           <a:xfrm>
             <a:off x="0" y="0"/>
-            <a:ext cx="1828800" cy="6858000"/>
+            <a:ext cx="1796333" cy="6858000"/>
           </a:xfrm>
           <a:prstGeom prst="rect">
             <a:avLst/>
@@ -4939,14 +4846,16 @@
         </p:nvSpPr>
         <p:spPr>
           <a:xfrm>
-            <a:off x="0" y="1219200"/>
-            <a:ext cx="1828800" cy="3657600"/>
+            <a:off x="-32467" y="1219200"/>
+            <a:ext cx="1828800" cy="548640"/>
           </a:xfrm>
           <a:prstGeom prst="rect">
             <a:avLst/>
           </a:prstGeom>
           <a:solidFill>
-            <a:srgbClr val="7030A0"/>
+            <a:schemeClr val="bg1">
+              <a:lumMod val="50000"/>
+            </a:schemeClr>
           </a:solidFill>
           <a:ln>
             <a:noFill/>
@@ -4981,97 +4890,107 @@
       </p:sp>
       <p:sp>
         <p:nvSpPr>
-          <p:cNvPr id="17" name="TextBox 16"/>
-          <p:cNvSpPr txBox="1"/>
-          <p:nvPr/>
-        </p:nvSpPr>
-        <p:spPr>
-          <a:xfrm>
-            <a:off x="2359550" y="1318016"/>
-            <a:ext cx="5867400" cy="2739211"/>
-          </a:xfrm>
-          <a:prstGeom prst="rect">
-            <a:avLst/>
-          </a:prstGeom>
-          <a:noFill/>
-        </p:spPr>
-        <p:txBody>
-          <a:bodyPr wrap="square" rtlCol="0">
-            <a:spAutoFit/>
-          </a:bodyPr>
-          <a:lstStyle/>
-          <a:p>
-            <a:pPr marL="457200" indent="-457200">
-              <a:lnSpc>
-                <a:spcPct val="150000"/>
-              </a:lnSpc>
-              <a:buFont typeface="Wingdings" pitchFamily="2" charset="2"/>
-              <a:buChar char="Ø"/>
-            </a:pPr>
-            <a:r>
-              <a:rPr lang="en-US" sz="3200" dirty="0" smtClean="0">
-                <a:solidFill>
-                  <a:srgbClr val="7030A0"/>
-                </a:solidFill>
-                <a:latin typeface="Segoe UI Light" pitchFamily="34" charset="0"/>
-                <a:cs typeface="Segoe UI Light" pitchFamily="34" charset="0"/>
-              </a:rPr>
-              <a:t>Overall design</a:t>
-            </a:r>
-            <a:endParaRPr lang="en-US" sz="3200" dirty="0">
+          <p:cNvPr id="13" name="Rectangle 12"/>
+          <p:cNvSpPr/>
+          <p:nvPr/>
+        </p:nvSpPr>
+        <p:spPr>
+          <a:xfrm>
+            <a:off x="-32467" y="2494048"/>
+            <a:ext cx="1828800" cy="371072"/>
+          </a:xfrm>
+          <a:prstGeom prst="rect">
+            <a:avLst/>
+          </a:prstGeom>
+          <a:solidFill>
+            <a:schemeClr val="bg1">
+              <a:lumMod val="50000"/>
+            </a:schemeClr>
+          </a:solidFill>
+          <a:ln>
+            <a:noFill/>
+          </a:ln>
+        </p:spPr>
+        <p:style>
+          <a:lnRef idx="2">
+            <a:schemeClr val="accent1">
+              <a:shade val="50000"/>
+            </a:schemeClr>
+          </a:lnRef>
+          <a:fillRef idx="1">
+            <a:schemeClr val="accent1"/>
+          </a:fillRef>
+          <a:effectRef idx="0">
+            <a:schemeClr val="accent1"/>
+          </a:effectRef>
+          <a:fontRef idx="minor">
+            <a:schemeClr val="lt1"/>
+          </a:fontRef>
+        </p:style>
+        <p:txBody>
+          <a:bodyPr lIns="822960" rtlCol="0" anchor="ctr"/>
+          <a:lstStyle/>
+          <a:p>
+            <a:endParaRPr lang="en-US" sz="2400" dirty="0">
               <a:solidFill>
-                <a:srgbClr val="7030A0"/>
+                <a:schemeClr val="tx1">
+                  <a:lumMod val="75000"/>
+                  <a:lumOff val="25000"/>
+                </a:schemeClr>
               </a:solidFill>
               <a:latin typeface="Segoe UI Light" pitchFamily="34" charset="0"/>
               <a:cs typeface="Segoe UI Light" pitchFamily="34" charset="0"/>
             </a:endParaRPr>
           </a:p>
-          <a:p>
-            <a:pPr marL="457200" indent="-457200">
-              <a:lnSpc>
-                <a:spcPct val="150000"/>
-              </a:lnSpc>
-              <a:buFont typeface="Wingdings" pitchFamily="2" charset="2"/>
-              <a:buChar char="Ø"/>
-            </a:pPr>
-            <a:r>
-              <a:rPr lang="en-US" sz="3200" dirty="0" smtClean="0">
-                <a:solidFill>
-                  <a:srgbClr val="7030A0"/>
-                </a:solidFill>
-                <a:latin typeface="Segoe UI Light" pitchFamily="34" charset="0"/>
-                <a:cs typeface="Segoe UI Light" pitchFamily="34" charset="0"/>
-              </a:rPr>
-              <a:t>Main Features</a:t>
-            </a:r>
-            <a:endParaRPr lang="en-US" sz="3200" dirty="0">
+        </p:txBody>
+      </p:sp>
+      <p:sp>
+        <p:nvSpPr>
+          <p:cNvPr id="14" name="Rectangle 13"/>
+          <p:cNvSpPr/>
+          <p:nvPr/>
+        </p:nvSpPr>
+        <p:spPr>
+          <a:xfrm>
+            <a:off x="-35780" y="1750544"/>
+            <a:ext cx="1828800" cy="397431"/>
+          </a:xfrm>
+          <a:prstGeom prst="rect">
+            <a:avLst/>
+          </a:prstGeom>
+          <a:solidFill>
+            <a:srgbClr val="7030A0"/>
+          </a:solidFill>
+          <a:ln>
+            <a:noFill/>
+          </a:ln>
+        </p:spPr>
+        <p:style>
+          <a:lnRef idx="2">
+            <a:schemeClr val="accent1">
+              <a:shade val="50000"/>
+            </a:schemeClr>
+          </a:lnRef>
+          <a:fillRef idx="1">
+            <a:schemeClr val="accent1"/>
+          </a:fillRef>
+          <a:effectRef idx="0">
+            <a:schemeClr val="accent1"/>
+          </a:effectRef>
+          <a:fontRef idx="minor">
+            <a:schemeClr val="lt1"/>
+          </a:fontRef>
+        </p:style>
+        <p:txBody>
+          <a:bodyPr lIns="822960" rtlCol="0" anchor="ctr"/>
+          <a:lstStyle/>
+          <a:p>
+            <a:endParaRPr lang="en-US" sz="2400" dirty="0">
               <a:solidFill>
-                <a:srgbClr val="7030A0"/>
-              </a:solidFill>
-              <a:latin typeface="Segoe UI Light" pitchFamily="34" charset="0"/>
-              <a:cs typeface="Segoe UI Light" pitchFamily="34" charset="0"/>
-            </a:endParaRPr>
-          </a:p>
-          <a:p>
-            <a:pPr marL="457200" indent="-457200">
-              <a:lnSpc>
-                <a:spcPct val="150000"/>
-              </a:lnSpc>
-              <a:buFont typeface="Wingdings" pitchFamily="2" charset="2"/>
-              <a:buChar char="Ø"/>
-            </a:pPr>
-            <a:endParaRPr lang="en-US" sz="3200" dirty="0">
-              <a:solidFill>
-                <a:srgbClr val="7030A0"/>
-              </a:solidFill>
-              <a:latin typeface="Segoe UI Light" pitchFamily="34" charset="0"/>
-              <a:cs typeface="Segoe UI Light" pitchFamily="34" charset="0"/>
-            </a:endParaRPr>
-          </a:p>
-          <a:p>
-            <a:endParaRPr lang="en-US" sz="2800" dirty="0">
-              <a:solidFill>
-                <a:srgbClr val="7030A0"/>
+                <a:schemeClr val="tx1">
+                  <a:lumMod val="75000"/>
+                  <a:lumOff val="25000"/>
+                </a:schemeClr>
               </a:solidFill>
               <a:latin typeface="Segoe UI Light" pitchFamily="34" charset="0"/>
               <a:cs typeface="Segoe UI Light" pitchFamily="34" charset="0"/>
@@ -5128,8 +5047,8 @@
         </p:nvSpPr>
         <p:spPr>
           <a:xfrm>
-            <a:off x="414255" y="2578873"/>
-            <a:ext cx="1295399" cy="707886"/>
+            <a:off x="152400" y="1307471"/>
+            <a:ext cx="1524000" cy="369332"/>
           </a:xfrm>
           <a:prstGeom prst="rect">
             <a:avLst/>
@@ -5143,16 +5062,16 @@
           <a:lstStyle/>
           <a:p>
             <a:r>
-              <a:rPr lang="en-US" sz="2000" dirty="0" smtClean="0">
+              <a:rPr lang="en-US" dirty="0" smtClean="0">
                 <a:solidFill>
                   <a:schemeClr val="bg1"/>
                 </a:solidFill>
                 <a:latin typeface="Segoe UI Light" pitchFamily="34" charset="0"/>
                 <a:cs typeface="Segoe UI Light" pitchFamily="34" charset="0"/>
               </a:rPr>
-              <a:t>Drop It Project</a:t>
-            </a:r>
-            <a:endParaRPr lang="en-US" sz="2400" dirty="0">
+              <a:t>Main Features</a:t>
+            </a:r>
+            <a:endParaRPr lang="en-US" dirty="0">
               <a:solidFill>
                 <a:schemeClr val="bg1"/>
               </a:solidFill>
@@ -5164,7 +5083,7 @@
       </p:sp>
       <p:sp>
         <p:nvSpPr>
-          <p:cNvPr id="19" name="TextBox 18"/>
+          <p:cNvPr id="22" name="TextBox 21"/>
           <p:cNvSpPr txBox="1"/>
           <p:nvPr/>
         </p:nvSpPr>
@@ -5220,10 +5139,306 @@
           </a:p>
         </p:txBody>
       </p:sp>
+      <p:sp>
+        <p:nvSpPr>
+          <p:cNvPr id="6" name="TextBox 5"/>
+          <p:cNvSpPr txBox="1"/>
+          <p:nvPr/>
+        </p:nvSpPr>
+        <p:spPr>
+          <a:xfrm>
+            <a:off x="178242" y="1798751"/>
+            <a:ext cx="1524000" cy="307777"/>
+          </a:xfrm>
+          <a:prstGeom prst="rect">
+            <a:avLst/>
+          </a:prstGeom>
+          <a:noFill/>
+        </p:spPr>
+        <p:txBody>
+          <a:bodyPr wrap="square" rtlCol="0">
+            <a:spAutoFit/>
+          </a:bodyPr>
+          <a:lstStyle/>
+          <a:p>
+            <a:pPr marL="285750" indent="-285750">
+              <a:buFont typeface="Wingdings" pitchFamily="2" charset="2"/>
+              <a:buChar char="Ø"/>
+            </a:pPr>
+            <a:r>
+              <a:rPr lang="en-US" sz="1400" dirty="0" smtClean="0">
+                <a:solidFill>
+                  <a:schemeClr val="bg1"/>
+                </a:solidFill>
+                <a:latin typeface="Segoe UI Light" pitchFamily="34" charset="0"/>
+                <a:cs typeface="Segoe UI Light" pitchFamily="34" charset="0"/>
+              </a:rPr>
+              <a:t>Sell Ticket</a:t>
+            </a:r>
+            <a:endParaRPr lang="en-US" sz="1400" dirty="0">
+              <a:solidFill>
+                <a:schemeClr val="bg1"/>
+              </a:solidFill>
+              <a:latin typeface="Segoe UI Light" pitchFamily="34" charset="0"/>
+              <a:cs typeface="Segoe UI Light" pitchFamily="34" charset="0"/>
+            </a:endParaRPr>
+          </a:p>
+        </p:txBody>
+      </p:sp>
+      <p:sp>
+        <p:nvSpPr>
+          <p:cNvPr id="23" name="Rectangle 22"/>
+          <p:cNvSpPr/>
+          <p:nvPr/>
+        </p:nvSpPr>
+        <p:spPr>
+          <a:xfrm>
+            <a:off x="-32467" y="2142605"/>
+            <a:ext cx="1828800" cy="397431"/>
+          </a:xfrm>
+          <a:prstGeom prst="rect">
+            <a:avLst/>
+          </a:prstGeom>
+          <a:solidFill>
+            <a:schemeClr val="bg1">
+              <a:lumMod val="50000"/>
+            </a:schemeClr>
+          </a:solidFill>
+          <a:ln>
+            <a:noFill/>
+          </a:ln>
+        </p:spPr>
+        <p:style>
+          <a:lnRef idx="2">
+            <a:schemeClr val="accent1">
+              <a:shade val="50000"/>
+            </a:schemeClr>
+          </a:lnRef>
+          <a:fillRef idx="1">
+            <a:schemeClr val="accent1"/>
+          </a:fillRef>
+          <a:effectRef idx="0">
+            <a:schemeClr val="accent1"/>
+          </a:effectRef>
+          <a:fontRef idx="minor">
+            <a:schemeClr val="lt1"/>
+          </a:fontRef>
+        </p:style>
+        <p:txBody>
+          <a:bodyPr lIns="822960" rtlCol="0" anchor="ctr"/>
+          <a:lstStyle/>
+          <a:p>
+            <a:endParaRPr lang="en-US" sz="2400" dirty="0">
+              <a:solidFill>
+                <a:schemeClr val="tx1">
+                  <a:lumMod val="75000"/>
+                  <a:lumOff val="25000"/>
+                </a:schemeClr>
+              </a:solidFill>
+              <a:latin typeface="Segoe UI Light" pitchFamily="34" charset="0"/>
+              <a:cs typeface="Segoe UI Light" pitchFamily="34" charset="0"/>
+            </a:endParaRPr>
+          </a:p>
+        </p:txBody>
+      </p:sp>
+      <p:sp>
+        <p:nvSpPr>
+          <p:cNvPr id="28" name="TextBox 27"/>
+          <p:cNvSpPr txBox="1"/>
+          <p:nvPr/>
+        </p:nvSpPr>
+        <p:spPr>
+          <a:xfrm>
+            <a:off x="178241" y="2181901"/>
+            <a:ext cx="1524000" cy="307777"/>
+          </a:xfrm>
+          <a:prstGeom prst="rect">
+            <a:avLst/>
+          </a:prstGeom>
+          <a:noFill/>
+        </p:spPr>
+        <p:txBody>
+          <a:bodyPr wrap="square" rtlCol="0">
+            <a:spAutoFit/>
+          </a:bodyPr>
+          <a:lstStyle/>
+          <a:p>
+            <a:pPr marL="285750" indent="-285750">
+              <a:buFont typeface="Wingdings" pitchFamily="2" charset="2"/>
+              <a:buChar char="Ø"/>
+            </a:pPr>
+            <a:r>
+              <a:rPr lang="en-US" sz="1400" dirty="0" smtClean="0">
+                <a:solidFill>
+                  <a:schemeClr val="bg1"/>
+                </a:solidFill>
+                <a:latin typeface="Segoe UI Light" pitchFamily="34" charset="0"/>
+                <a:cs typeface="Segoe UI Light" pitchFamily="34" charset="0"/>
+              </a:rPr>
+              <a:t>Buy Ticket</a:t>
+            </a:r>
+            <a:endParaRPr lang="en-US" sz="1400" dirty="0">
+              <a:solidFill>
+                <a:schemeClr val="bg1"/>
+              </a:solidFill>
+              <a:latin typeface="Segoe UI Light" pitchFamily="34" charset="0"/>
+              <a:cs typeface="Segoe UI Light" pitchFamily="34" charset="0"/>
+            </a:endParaRPr>
+          </a:p>
+        </p:txBody>
+      </p:sp>
+      <p:sp>
+        <p:nvSpPr>
+          <p:cNvPr id="29" name="TextBox 28"/>
+          <p:cNvSpPr txBox="1"/>
+          <p:nvPr/>
+        </p:nvSpPr>
+        <p:spPr>
+          <a:xfrm>
+            <a:off x="178241" y="2494048"/>
+            <a:ext cx="1524000" cy="307777"/>
+          </a:xfrm>
+          <a:prstGeom prst="rect">
+            <a:avLst/>
+          </a:prstGeom>
+          <a:noFill/>
+        </p:spPr>
+        <p:txBody>
+          <a:bodyPr wrap="square" rtlCol="0">
+            <a:spAutoFit/>
+          </a:bodyPr>
+          <a:lstStyle/>
+          <a:p>
+            <a:pPr marL="285750" indent="-285750">
+              <a:buFont typeface="Wingdings" pitchFamily="2" charset="2"/>
+              <a:buChar char="Ø"/>
+            </a:pPr>
+            <a:r>
+              <a:rPr lang="en-US" sz="1400" dirty="0" smtClean="0">
+                <a:solidFill>
+                  <a:schemeClr val="bg1"/>
+                </a:solidFill>
+                <a:latin typeface="Segoe UI Light" pitchFamily="34" charset="0"/>
+                <a:cs typeface="Segoe UI Light" pitchFamily="34" charset="0"/>
+              </a:rPr>
+              <a:t>Notification</a:t>
+            </a:r>
+            <a:endParaRPr lang="en-US" sz="1400" dirty="0">
+              <a:solidFill>
+                <a:schemeClr val="bg1"/>
+              </a:solidFill>
+              <a:latin typeface="Segoe UI Light" pitchFamily="34" charset="0"/>
+              <a:cs typeface="Segoe UI Light" pitchFamily="34" charset="0"/>
+            </a:endParaRPr>
+          </a:p>
+        </p:txBody>
+      </p:sp>
+      <p:sp>
+        <p:nvSpPr>
+          <p:cNvPr id="15" name="Rectangle 14"/>
+          <p:cNvSpPr/>
+          <p:nvPr/>
+        </p:nvSpPr>
+        <p:spPr>
+          <a:xfrm>
+            <a:off x="-32467" y="2847327"/>
+            <a:ext cx="1825488" cy="371072"/>
+          </a:xfrm>
+          <a:prstGeom prst="rect">
+            <a:avLst/>
+          </a:prstGeom>
+          <a:solidFill>
+            <a:schemeClr val="bg1">
+              <a:lumMod val="50000"/>
+            </a:schemeClr>
+          </a:solidFill>
+          <a:ln>
+            <a:noFill/>
+          </a:ln>
+        </p:spPr>
+        <p:style>
+          <a:lnRef idx="2">
+            <a:schemeClr val="accent1">
+              <a:shade val="50000"/>
+            </a:schemeClr>
+          </a:lnRef>
+          <a:fillRef idx="1">
+            <a:schemeClr val="accent1"/>
+          </a:fillRef>
+          <a:effectRef idx="0">
+            <a:schemeClr val="accent1"/>
+          </a:effectRef>
+          <a:fontRef idx="minor">
+            <a:schemeClr val="lt1"/>
+          </a:fontRef>
+        </p:style>
+        <p:txBody>
+          <a:bodyPr lIns="822960" rtlCol="0" anchor="ctr"/>
+          <a:lstStyle/>
+          <a:p>
+            <a:endParaRPr lang="en-US" sz="2400" dirty="0">
+              <a:solidFill>
+                <a:schemeClr val="tx1">
+                  <a:lumMod val="75000"/>
+                  <a:lumOff val="25000"/>
+                </a:schemeClr>
+              </a:solidFill>
+              <a:latin typeface="Segoe UI Light" pitchFamily="34" charset="0"/>
+              <a:cs typeface="Segoe UI Light" pitchFamily="34" charset="0"/>
+            </a:endParaRPr>
+          </a:p>
+        </p:txBody>
+      </p:sp>
+      <p:sp>
+        <p:nvSpPr>
+          <p:cNvPr id="16" name="TextBox 15"/>
+          <p:cNvSpPr txBox="1"/>
+          <p:nvPr/>
+        </p:nvSpPr>
+        <p:spPr>
+          <a:xfrm>
+            <a:off x="170952" y="2847327"/>
+            <a:ext cx="1524000" cy="307777"/>
+          </a:xfrm>
+          <a:prstGeom prst="rect">
+            <a:avLst/>
+          </a:prstGeom>
+          <a:noFill/>
+        </p:spPr>
+        <p:txBody>
+          <a:bodyPr wrap="square" rtlCol="0">
+            <a:spAutoFit/>
+          </a:bodyPr>
+          <a:lstStyle/>
+          <a:p>
+            <a:pPr marL="285750" indent="-285750">
+              <a:buFont typeface="Wingdings" pitchFamily="2" charset="2"/>
+              <a:buChar char="Ø"/>
+            </a:pPr>
+            <a:r>
+              <a:rPr lang="en-US" sz="1400" dirty="0" smtClean="0">
+                <a:solidFill>
+                  <a:schemeClr val="bg1"/>
+                </a:solidFill>
+                <a:latin typeface="Segoe UI Light" pitchFamily="34" charset="0"/>
+                <a:cs typeface="Segoe UI Light" pitchFamily="34" charset="0"/>
+              </a:rPr>
+              <a:t>Request </a:t>
+            </a:r>
+            <a:endParaRPr lang="en-US" sz="1400" dirty="0">
+              <a:solidFill>
+                <a:schemeClr val="bg1"/>
+              </a:solidFill>
+              <a:latin typeface="Segoe UI Light" pitchFamily="34" charset="0"/>
+              <a:cs typeface="Segoe UI Light" pitchFamily="34" charset="0"/>
+            </a:endParaRPr>
+          </a:p>
+        </p:txBody>
+      </p:sp>
     </p:spTree>
     <p:extLst>
       <p:ext uri="{BB962C8B-B14F-4D97-AF65-F5344CB8AC3E}">
-        <p14:creationId xmlns:p14="http://schemas.microsoft.com/office/powerpoint/2010/main" val="3076971677"/>
+        <p14:creationId xmlns:p14="http://schemas.microsoft.com/office/powerpoint/2010/main" val="2708514320"/>
       </p:ext>
     </p:extLst>
   </p:cSld>
@@ -5266,6 +5481,2052 @@
         <p:spPr>
           <a:xfrm>
             <a:off x="0" y="0"/>
+            <a:ext cx="1796333" cy="6858000"/>
+          </a:xfrm>
+          <a:prstGeom prst="rect">
+            <a:avLst/>
+          </a:prstGeom>
+          <a:solidFill>
+            <a:schemeClr val="bg1">
+              <a:lumMod val="95000"/>
+            </a:schemeClr>
+          </a:solidFill>
+          <a:ln>
+            <a:noFill/>
+          </a:ln>
+        </p:spPr>
+        <p:style>
+          <a:lnRef idx="2">
+            <a:schemeClr val="accent1">
+              <a:shade val="50000"/>
+            </a:schemeClr>
+          </a:lnRef>
+          <a:fillRef idx="1">
+            <a:schemeClr val="accent1"/>
+          </a:fillRef>
+          <a:effectRef idx="0">
+            <a:schemeClr val="accent1"/>
+          </a:effectRef>
+          <a:fontRef idx="minor">
+            <a:schemeClr val="lt1"/>
+          </a:fontRef>
+        </p:style>
+        <p:txBody>
+          <a:bodyPr rtlCol="0" anchor="ctr"/>
+          <a:lstStyle/>
+          <a:p>
+            <a:pPr algn="ctr"/>
+            <a:endParaRPr lang="en-US"/>
+          </a:p>
+        </p:txBody>
+      </p:sp>
+      <p:sp>
+        <p:nvSpPr>
+          <p:cNvPr id="4" name="Rectangle 3"/>
+          <p:cNvSpPr/>
+          <p:nvPr/>
+        </p:nvSpPr>
+        <p:spPr>
+          <a:xfrm>
+            <a:off x="-32467" y="1219200"/>
+            <a:ext cx="1828800" cy="548640"/>
+          </a:xfrm>
+          <a:prstGeom prst="rect">
+            <a:avLst/>
+          </a:prstGeom>
+          <a:solidFill>
+            <a:schemeClr val="bg1">
+              <a:lumMod val="50000"/>
+            </a:schemeClr>
+          </a:solidFill>
+          <a:ln>
+            <a:noFill/>
+          </a:ln>
+        </p:spPr>
+        <p:style>
+          <a:lnRef idx="2">
+            <a:schemeClr val="accent1">
+              <a:shade val="50000"/>
+            </a:schemeClr>
+          </a:lnRef>
+          <a:fillRef idx="1">
+            <a:schemeClr val="accent1"/>
+          </a:fillRef>
+          <a:effectRef idx="0">
+            <a:schemeClr val="accent1"/>
+          </a:effectRef>
+          <a:fontRef idx="minor">
+            <a:schemeClr val="lt1"/>
+          </a:fontRef>
+        </p:style>
+        <p:txBody>
+          <a:bodyPr lIns="822960" rtlCol="0" anchor="ctr"/>
+          <a:lstStyle/>
+          <a:p>
+            <a:endParaRPr lang="en-US" sz="2400" dirty="0">
+              <a:latin typeface="Segoe UI Light" pitchFamily="34" charset="0"/>
+              <a:cs typeface="Segoe UI Light" pitchFamily="34" charset="0"/>
+            </a:endParaRPr>
+          </a:p>
+        </p:txBody>
+      </p:sp>
+      <p:sp>
+        <p:nvSpPr>
+          <p:cNvPr id="13" name="Rectangle 12"/>
+          <p:cNvSpPr/>
+          <p:nvPr/>
+        </p:nvSpPr>
+        <p:spPr>
+          <a:xfrm>
+            <a:off x="-28493" y="2540036"/>
+            <a:ext cx="1828800" cy="371072"/>
+          </a:xfrm>
+          <a:prstGeom prst="rect">
+            <a:avLst/>
+          </a:prstGeom>
+          <a:solidFill>
+            <a:schemeClr val="bg1">
+              <a:lumMod val="50000"/>
+            </a:schemeClr>
+          </a:solidFill>
+          <a:ln>
+            <a:noFill/>
+          </a:ln>
+        </p:spPr>
+        <p:style>
+          <a:lnRef idx="2">
+            <a:schemeClr val="accent1">
+              <a:shade val="50000"/>
+            </a:schemeClr>
+          </a:lnRef>
+          <a:fillRef idx="1">
+            <a:schemeClr val="accent1"/>
+          </a:fillRef>
+          <a:effectRef idx="0">
+            <a:schemeClr val="accent1"/>
+          </a:effectRef>
+          <a:fontRef idx="minor">
+            <a:schemeClr val="lt1"/>
+          </a:fontRef>
+        </p:style>
+        <p:txBody>
+          <a:bodyPr lIns="822960" rtlCol="0" anchor="ctr"/>
+          <a:lstStyle/>
+          <a:p>
+            <a:endParaRPr lang="en-US" sz="2400" dirty="0">
+              <a:solidFill>
+                <a:schemeClr val="tx1">
+                  <a:lumMod val="75000"/>
+                  <a:lumOff val="25000"/>
+                </a:schemeClr>
+              </a:solidFill>
+              <a:latin typeface="Segoe UI Light" pitchFamily="34" charset="0"/>
+              <a:cs typeface="Segoe UI Light" pitchFamily="34" charset="0"/>
+            </a:endParaRPr>
+          </a:p>
+        </p:txBody>
+      </p:sp>
+      <p:sp>
+        <p:nvSpPr>
+          <p:cNvPr id="14" name="Rectangle 13"/>
+          <p:cNvSpPr/>
+          <p:nvPr/>
+        </p:nvSpPr>
+        <p:spPr>
+          <a:xfrm>
+            <a:off x="-35780" y="1750544"/>
+            <a:ext cx="1828800" cy="397431"/>
+          </a:xfrm>
+          <a:prstGeom prst="rect">
+            <a:avLst/>
+          </a:prstGeom>
+          <a:solidFill>
+            <a:schemeClr val="bg1">
+              <a:lumMod val="50000"/>
+            </a:schemeClr>
+          </a:solidFill>
+          <a:ln>
+            <a:noFill/>
+          </a:ln>
+        </p:spPr>
+        <p:style>
+          <a:lnRef idx="2">
+            <a:schemeClr val="accent1">
+              <a:shade val="50000"/>
+            </a:schemeClr>
+          </a:lnRef>
+          <a:fillRef idx="1">
+            <a:schemeClr val="accent1"/>
+          </a:fillRef>
+          <a:effectRef idx="0">
+            <a:schemeClr val="accent1"/>
+          </a:effectRef>
+          <a:fontRef idx="minor">
+            <a:schemeClr val="lt1"/>
+          </a:fontRef>
+        </p:style>
+        <p:txBody>
+          <a:bodyPr lIns="822960" rtlCol="0" anchor="ctr"/>
+          <a:lstStyle/>
+          <a:p>
+            <a:endParaRPr lang="en-US" sz="2400" dirty="0">
+              <a:solidFill>
+                <a:schemeClr val="tx1">
+                  <a:lumMod val="75000"/>
+                  <a:lumOff val="25000"/>
+                </a:schemeClr>
+              </a:solidFill>
+              <a:latin typeface="Segoe UI Light" pitchFamily="34" charset="0"/>
+              <a:cs typeface="Segoe UI Light" pitchFamily="34" charset="0"/>
+            </a:endParaRPr>
+          </a:p>
+        </p:txBody>
+      </p:sp>
+      <p:pic>
+        <p:nvPicPr>
+          <p:cNvPr id="12" name="Picture 11" descr="C:\Users\iLucas\Desktop\logo_fpt_university_doc copy.png"/>
+          <p:cNvPicPr>
+            <a:picLocks noChangeAspect="1" noChangeArrowheads="1"/>
+          </p:cNvPicPr>
+          <p:nvPr/>
+        </p:nvPicPr>
+        <p:blipFill>
+          <a:blip r:embed="rId2" cstate="print">
+            <a:extLst>
+              <a:ext uri="{28A0092B-C50C-407E-A947-70E740481C1C}">
+                <a14:useLocalDpi xmlns:a14="http://schemas.microsoft.com/office/drawing/2010/main" val="0"/>
+              </a:ext>
+            </a:extLst>
+          </a:blip>
+          <a:srcRect/>
+          <a:stretch>
+            <a:fillRect/>
+          </a:stretch>
+        </p:blipFill>
+        <p:spPr bwMode="auto">
+          <a:xfrm>
+            <a:off x="415580" y="66329"/>
+            <a:ext cx="997640" cy="773302"/>
+          </a:xfrm>
+          <a:prstGeom prst="rect">
+            <a:avLst/>
+          </a:prstGeom>
+          <a:noFill/>
+          <a:extLst>
+            <a:ext uri="{909E8E84-426E-40DD-AFC4-6F175D3DCCD1}">
+              <a14:hiddenFill xmlns:a14="http://schemas.microsoft.com/office/drawing/2010/main">
+                <a:solidFill>
+                  <a:srgbClr val="FFFFFF"/>
+                </a:solidFill>
+              </a14:hiddenFill>
+            </a:ext>
+          </a:extLst>
+        </p:spPr>
+      </p:pic>
+      <p:sp>
+        <p:nvSpPr>
+          <p:cNvPr id="5" name="TextBox 4"/>
+          <p:cNvSpPr txBox="1"/>
+          <p:nvPr/>
+        </p:nvSpPr>
+        <p:spPr>
+          <a:xfrm>
+            <a:off x="152400" y="1307471"/>
+            <a:ext cx="1524000" cy="369332"/>
+          </a:xfrm>
+          <a:prstGeom prst="rect">
+            <a:avLst/>
+          </a:prstGeom>
+          <a:noFill/>
+        </p:spPr>
+        <p:txBody>
+          <a:bodyPr wrap="square" rtlCol="0">
+            <a:spAutoFit/>
+          </a:bodyPr>
+          <a:lstStyle/>
+          <a:p>
+            <a:r>
+              <a:rPr lang="en-US" dirty="0" smtClean="0">
+                <a:solidFill>
+                  <a:schemeClr val="bg1"/>
+                </a:solidFill>
+                <a:latin typeface="Segoe UI Light" pitchFamily="34" charset="0"/>
+                <a:cs typeface="Segoe UI Light" pitchFamily="34" charset="0"/>
+              </a:rPr>
+              <a:t>Main Features</a:t>
+            </a:r>
+            <a:endParaRPr lang="en-US" dirty="0">
+              <a:solidFill>
+                <a:schemeClr val="bg1"/>
+              </a:solidFill>
+              <a:latin typeface="Segoe UI Light" pitchFamily="34" charset="0"/>
+              <a:cs typeface="Segoe UI Light" pitchFamily="34" charset="0"/>
+            </a:endParaRPr>
+          </a:p>
+        </p:txBody>
+      </p:sp>
+      <p:sp>
+        <p:nvSpPr>
+          <p:cNvPr id="22" name="TextBox 21"/>
+          <p:cNvSpPr txBox="1"/>
+          <p:nvPr/>
+        </p:nvSpPr>
+        <p:spPr>
+          <a:xfrm>
+            <a:off x="1828800" y="96028"/>
+            <a:ext cx="3352800" cy="400110"/>
+          </a:xfrm>
+          <a:prstGeom prst="rect">
+            <a:avLst/>
+          </a:prstGeom>
+          <a:noFill/>
+        </p:spPr>
+        <p:txBody>
+          <a:bodyPr wrap="square" rtlCol="0">
+            <a:spAutoFit/>
+          </a:bodyPr>
+          <a:lstStyle/>
+          <a:p>
+            <a:r>
+              <a:rPr lang="en-US" sz="2000" b="1" dirty="0">
+                <a:solidFill>
+                  <a:srgbClr val="7030A0"/>
+                </a:solidFill>
+                <a:latin typeface="Segoe UI Light" panose="020B0502040204020203" pitchFamily="34" charset="0"/>
+                <a:ea typeface="+mj-ea"/>
+                <a:cs typeface="Segoe UI Light" panose="020B0502040204020203" pitchFamily="34" charset="0"/>
+              </a:rPr>
+              <a:t>Group </a:t>
+            </a:r>
+            <a:r>
+              <a:rPr lang="en-US" sz="2000" b="1" dirty="0" smtClean="0">
+                <a:solidFill>
+                  <a:srgbClr val="7030A0"/>
+                </a:solidFill>
+                <a:latin typeface="Segoe UI Light" panose="020B0502040204020203" pitchFamily="34" charset="0"/>
+                <a:ea typeface="+mj-ea"/>
+                <a:cs typeface="Segoe UI Light" panose="020B0502040204020203" pitchFamily="34" charset="0"/>
+              </a:rPr>
+              <a:t>8 - Drop </a:t>
+            </a:r>
+            <a:r>
+              <a:rPr lang="en-US" sz="2000" b="1" dirty="0">
+                <a:solidFill>
+                  <a:srgbClr val="7030A0"/>
+                </a:solidFill>
+                <a:latin typeface="Segoe UI Light" panose="020B0502040204020203" pitchFamily="34" charset="0"/>
+                <a:ea typeface="+mj-ea"/>
+                <a:cs typeface="Segoe UI Light" panose="020B0502040204020203" pitchFamily="34" charset="0"/>
+              </a:rPr>
+              <a:t>It</a:t>
+            </a:r>
+          </a:p>
+        </p:txBody>
+      </p:sp>
+      <p:sp>
+        <p:nvSpPr>
+          <p:cNvPr id="6" name="TextBox 5"/>
+          <p:cNvSpPr txBox="1"/>
+          <p:nvPr/>
+        </p:nvSpPr>
+        <p:spPr>
+          <a:xfrm>
+            <a:off x="178242" y="1798751"/>
+            <a:ext cx="1524000" cy="307777"/>
+          </a:xfrm>
+          <a:prstGeom prst="rect">
+            <a:avLst/>
+          </a:prstGeom>
+          <a:noFill/>
+        </p:spPr>
+        <p:txBody>
+          <a:bodyPr wrap="square" rtlCol="0">
+            <a:spAutoFit/>
+          </a:bodyPr>
+          <a:lstStyle/>
+          <a:p>
+            <a:pPr marL="285750" indent="-285750">
+              <a:buFont typeface="Wingdings" pitchFamily="2" charset="2"/>
+              <a:buChar char="Ø"/>
+            </a:pPr>
+            <a:r>
+              <a:rPr lang="en-US" sz="1400" dirty="0" smtClean="0">
+                <a:solidFill>
+                  <a:schemeClr val="bg1"/>
+                </a:solidFill>
+                <a:latin typeface="Segoe UI Light" pitchFamily="34" charset="0"/>
+                <a:cs typeface="Segoe UI Light" pitchFamily="34" charset="0"/>
+              </a:rPr>
+              <a:t>Sell Ticket</a:t>
+            </a:r>
+            <a:endParaRPr lang="en-US" sz="1400" dirty="0">
+              <a:solidFill>
+                <a:schemeClr val="bg1"/>
+              </a:solidFill>
+              <a:latin typeface="Segoe UI Light" pitchFamily="34" charset="0"/>
+              <a:cs typeface="Segoe UI Light" pitchFamily="34" charset="0"/>
+            </a:endParaRPr>
+          </a:p>
+        </p:txBody>
+      </p:sp>
+      <p:sp>
+        <p:nvSpPr>
+          <p:cNvPr id="23" name="Rectangle 22"/>
+          <p:cNvSpPr/>
+          <p:nvPr/>
+        </p:nvSpPr>
+        <p:spPr>
+          <a:xfrm>
+            <a:off x="-32467" y="2142605"/>
+            <a:ext cx="1828800" cy="397431"/>
+          </a:xfrm>
+          <a:prstGeom prst="rect">
+            <a:avLst/>
+          </a:prstGeom>
+          <a:solidFill>
+            <a:srgbClr val="7030A0"/>
+          </a:solidFill>
+          <a:ln>
+            <a:noFill/>
+          </a:ln>
+        </p:spPr>
+        <p:style>
+          <a:lnRef idx="2">
+            <a:schemeClr val="accent1">
+              <a:shade val="50000"/>
+            </a:schemeClr>
+          </a:lnRef>
+          <a:fillRef idx="1">
+            <a:schemeClr val="accent1"/>
+          </a:fillRef>
+          <a:effectRef idx="0">
+            <a:schemeClr val="accent1"/>
+          </a:effectRef>
+          <a:fontRef idx="minor">
+            <a:schemeClr val="lt1"/>
+          </a:fontRef>
+        </p:style>
+        <p:txBody>
+          <a:bodyPr lIns="822960" rtlCol="0" anchor="ctr"/>
+          <a:lstStyle/>
+          <a:p>
+            <a:endParaRPr lang="en-US" sz="2400" dirty="0">
+              <a:solidFill>
+                <a:schemeClr val="tx1">
+                  <a:lumMod val="75000"/>
+                  <a:lumOff val="25000"/>
+                </a:schemeClr>
+              </a:solidFill>
+              <a:latin typeface="Segoe UI Light" pitchFamily="34" charset="0"/>
+              <a:cs typeface="Segoe UI Light" pitchFamily="34" charset="0"/>
+            </a:endParaRPr>
+          </a:p>
+        </p:txBody>
+      </p:sp>
+      <p:sp>
+        <p:nvSpPr>
+          <p:cNvPr id="28" name="TextBox 27"/>
+          <p:cNvSpPr txBox="1"/>
+          <p:nvPr/>
+        </p:nvSpPr>
+        <p:spPr>
+          <a:xfrm>
+            <a:off x="178241" y="2181901"/>
+            <a:ext cx="1524000" cy="307777"/>
+          </a:xfrm>
+          <a:prstGeom prst="rect">
+            <a:avLst/>
+          </a:prstGeom>
+          <a:noFill/>
+        </p:spPr>
+        <p:txBody>
+          <a:bodyPr wrap="square" rtlCol="0">
+            <a:spAutoFit/>
+          </a:bodyPr>
+          <a:lstStyle/>
+          <a:p>
+            <a:pPr marL="285750" indent="-285750">
+              <a:buFont typeface="Wingdings" pitchFamily="2" charset="2"/>
+              <a:buChar char="Ø"/>
+            </a:pPr>
+            <a:r>
+              <a:rPr lang="en-US" sz="1400" dirty="0" smtClean="0">
+                <a:solidFill>
+                  <a:schemeClr val="bg1"/>
+                </a:solidFill>
+                <a:latin typeface="Segoe UI Light" pitchFamily="34" charset="0"/>
+                <a:cs typeface="Segoe UI Light" pitchFamily="34" charset="0"/>
+              </a:rPr>
+              <a:t>Buy Ticket</a:t>
+            </a:r>
+            <a:endParaRPr lang="en-US" sz="1400" dirty="0">
+              <a:solidFill>
+                <a:schemeClr val="bg1"/>
+              </a:solidFill>
+              <a:latin typeface="Segoe UI Light" pitchFamily="34" charset="0"/>
+              <a:cs typeface="Segoe UI Light" pitchFamily="34" charset="0"/>
+            </a:endParaRPr>
+          </a:p>
+        </p:txBody>
+      </p:sp>
+      <p:sp>
+        <p:nvSpPr>
+          <p:cNvPr id="29" name="TextBox 28"/>
+          <p:cNvSpPr txBox="1"/>
+          <p:nvPr/>
+        </p:nvSpPr>
+        <p:spPr>
+          <a:xfrm>
+            <a:off x="178241" y="2571683"/>
+            <a:ext cx="1524000" cy="307777"/>
+          </a:xfrm>
+          <a:prstGeom prst="rect">
+            <a:avLst/>
+          </a:prstGeom>
+          <a:noFill/>
+        </p:spPr>
+        <p:txBody>
+          <a:bodyPr wrap="square" rtlCol="0">
+            <a:spAutoFit/>
+          </a:bodyPr>
+          <a:lstStyle/>
+          <a:p>
+            <a:pPr marL="285750" indent="-285750">
+              <a:buFont typeface="Wingdings" pitchFamily="2" charset="2"/>
+              <a:buChar char="Ø"/>
+            </a:pPr>
+            <a:r>
+              <a:rPr lang="en-US" sz="1400" dirty="0" smtClean="0">
+                <a:solidFill>
+                  <a:schemeClr val="bg1"/>
+                </a:solidFill>
+                <a:latin typeface="Segoe UI Light" pitchFamily="34" charset="0"/>
+                <a:cs typeface="Segoe UI Light" pitchFamily="34" charset="0"/>
+              </a:rPr>
+              <a:t>Notification</a:t>
+            </a:r>
+            <a:endParaRPr lang="en-US" sz="1400" dirty="0">
+              <a:solidFill>
+                <a:schemeClr val="bg1"/>
+              </a:solidFill>
+              <a:latin typeface="Segoe UI Light" pitchFamily="34" charset="0"/>
+              <a:cs typeface="Segoe UI Light" pitchFamily="34" charset="0"/>
+            </a:endParaRPr>
+          </a:p>
+        </p:txBody>
+      </p:sp>
+      <p:sp>
+        <p:nvSpPr>
+          <p:cNvPr id="15" name="Rectangle 14"/>
+          <p:cNvSpPr/>
+          <p:nvPr/>
+        </p:nvSpPr>
+        <p:spPr>
+          <a:xfrm>
+            <a:off x="-28493" y="2911108"/>
+            <a:ext cx="1825488" cy="429532"/>
+          </a:xfrm>
+          <a:prstGeom prst="rect">
+            <a:avLst/>
+          </a:prstGeom>
+          <a:solidFill>
+            <a:schemeClr val="bg1">
+              <a:lumMod val="50000"/>
+            </a:schemeClr>
+          </a:solidFill>
+          <a:ln>
+            <a:noFill/>
+          </a:ln>
+        </p:spPr>
+        <p:style>
+          <a:lnRef idx="2">
+            <a:schemeClr val="accent1">
+              <a:shade val="50000"/>
+            </a:schemeClr>
+          </a:lnRef>
+          <a:fillRef idx="1">
+            <a:schemeClr val="accent1"/>
+          </a:fillRef>
+          <a:effectRef idx="0">
+            <a:schemeClr val="accent1"/>
+          </a:effectRef>
+          <a:fontRef idx="minor">
+            <a:schemeClr val="lt1"/>
+          </a:fontRef>
+        </p:style>
+        <p:txBody>
+          <a:bodyPr lIns="822960" rtlCol="0" anchor="ctr"/>
+          <a:lstStyle/>
+          <a:p>
+            <a:endParaRPr lang="en-US" sz="2400" dirty="0">
+              <a:solidFill>
+                <a:schemeClr val="tx1">
+                  <a:lumMod val="75000"/>
+                  <a:lumOff val="25000"/>
+                </a:schemeClr>
+              </a:solidFill>
+              <a:latin typeface="Segoe UI Light" pitchFamily="34" charset="0"/>
+              <a:cs typeface="Segoe UI Light" pitchFamily="34" charset="0"/>
+            </a:endParaRPr>
+          </a:p>
+        </p:txBody>
+      </p:sp>
+      <p:sp>
+        <p:nvSpPr>
+          <p:cNvPr id="16" name="TextBox 15"/>
+          <p:cNvSpPr txBox="1"/>
+          <p:nvPr/>
+        </p:nvSpPr>
+        <p:spPr>
+          <a:xfrm>
+            <a:off x="178242" y="2911108"/>
+            <a:ext cx="1524000" cy="307777"/>
+          </a:xfrm>
+          <a:prstGeom prst="rect">
+            <a:avLst/>
+          </a:prstGeom>
+          <a:noFill/>
+        </p:spPr>
+        <p:txBody>
+          <a:bodyPr wrap="square" rtlCol="0">
+            <a:spAutoFit/>
+          </a:bodyPr>
+          <a:lstStyle/>
+          <a:p>
+            <a:pPr marL="285750" indent="-285750">
+              <a:buFont typeface="Wingdings" pitchFamily="2" charset="2"/>
+              <a:buChar char="Ø"/>
+            </a:pPr>
+            <a:r>
+              <a:rPr lang="en-US" sz="1400" dirty="0" smtClean="0">
+                <a:solidFill>
+                  <a:schemeClr val="bg1"/>
+                </a:solidFill>
+                <a:latin typeface="Segoe UI Light" pitchFamily="34" charset="0"/>
+                <a:cs typeface="Segoe UI Light" pitchFamily="34" charset="0"/>
+              </a:rPr>
+              <a:t>Request</a:t>
+            </a:r>
+            <a:endParaRPr lang="en-US" sz="1400" dirty="0">
+              <a:solidFill>
+                <a:schemeClr val="bg1"/>
+              </a:solidFill>
+              <a:latin typeface="Segoe UI Light" pitchFamily="34" charset="0"/>
+              <a:cs typeface="Segoe UI Light" pitchFamily="34" charset="0"/>
+            </a:endParaRPr>
+          </a:p>
+        </p:txBody>
+      </p:sp>
+    </p:spTree>
+    <p:extLst>
+      <p:ext uri="{BB962C8B-B14F-4D97-AF65-F5344CB8AC3E}">
+        <p14:creationId xmlns:p14="http://schemas.microsoft.com/office/powerpoint/2010/main" val="3982022119"/>
+      </p:ext>
+    </p:extLst>
+  </p:cSld>
+  <p:clrMapOvr>
+    <a:masterClrMapping/>
+  </p:clrMapOvr>
+  <p:timing>
+    <p:tnLst>
+      <p:par>
+        <p:cTn id="1" dur="indefinite" restart="never" nodeType="tmRoot"/>
+      </p:par>
+    </p:tnLst>
+  </p:timing>
+</p:sld>
+</file>
+
+<file path=ppt/slides/slide13.xml><?xml version="1.0" encoding="utf-8"?>
+<p:sld xmlns:a="http://schemas.openxmlformats.org/drawingml/2006/main" xmlns:r="http://schemas.openxmlformats.org/officeDocument/2006/relationships" xmlns:p="http://schemas.openxmlformats.org/presentationml/2006/main">
+  <p:cSld>
+    <p:spTree>
+      <p:nvGrpSpPr>
+        <p:cNvPr id="1" name=""/>
+        <p:cNvGrpSpPr/>
+        <p:nvPr/>
+      </p:nvGrpSpPr>
+      <p:grpSpPr>
+        <a:xfrm>
+          <a:off x="0" y="0"/>
+          <a:ext cx="0" cy="0"/>
+          <a:chOff x="0" y="0"/>
+          <a:chExt cx="0" cy="0"/>
+        </a:xfrm>
+      </p:grpSpPr>
+      <p:sp>
+        <p:nvSpPr>
+          <p:cNvPr id="2" name="Rectangle 1"/>
+          <p:cNvSpPr/>
+          <p:nvPr/>
+        </p:nvSpPr>
+        <p:spPr>
+          <a:xfrm>
+            <a:off x="0" y="0"/>
+            <a:ext cx="1796333" cy="6858000"/>
+          </a:xfrm>
+          <a:prstGeom prst="rect">
+            <a:avLst/>
+          </a:prstGeom>
+          <a:solidFill>
+            <a:schemeClr val="bg1">
+              <a:lumMod val="95000"/>
+            </a:schemeClr>
+          </a:solidFill>
+          <a:ln>
+            <a:noFill/>
+          </a:ln>
+        </p:spPr>
+        <p:style>
+          <a:lnRef idx="2">
+            <a:schemeClr val="accent1">
+              <a:shade val="50000"/>
+            </a:schemeClr>
+          </a:lnRef>
+          <a:fillRef idx="1">
+            <a:schemeClr val="accent1"/>
+          </a:fillRef>
+          <a:effectRef idx="0">
+            <a:schemeClr val="accent1"/>
+          </a:effectRef>
+          <a:fontRef idx="minor">
+            <a:schemeClr val="lt1"/>
+          </a:fontRef>
+        </p:style>
+        <p:txBody>
+          <a:bodyPr rtlCol="0" anchor="ctr"/>
+          <a:lstStyle/>
+          <a:p>
+            <a:pPr algn="ctr"/>
+            <a:endParaRPr lang="en-US"/>
+          </a:p>
+        </p:txBody>
+      </p:sp>
+      <p:sp>
+        <p:nvSpPr>
+          <p:cNvPr id="4" name="Rectangle 3"/>
+          <p:cNvSpPr/>
+          <p:nvPr/>
+        </p:nvSpPr>
+        <p:spPr>
+          <a:xfrm>
+            <a:off x="-32467" y="1219200"/>
+            <a:ext cx="1828800" cy="548640"/>
+          </a:xfrm>
+          <a:prstGeom prst="rect">
+            <a:avLst/>
+          </a:prstGeom>
+          <a:solidFill>
+            <a:schemeClr val="bg1">
+              <a:lumMod val="50000"/>
+            </a:schemeClr>
+          </a:solidFill>
+          <a:ln>
+            <a:noFill/>
+          </a:ln>
+        </p:spPr>
+        <p:style>
+          <a:lnRef idx="2">
+            <a:schemeClr val="accent1">
+              <a:shade val="50000"/>
+            </a:schemeClr>
+          </a:lnRef>
+          <a:fillRef idx="1">
+            <a:schemeClr val="accent1"/>
+          </a:fillRef>
+          <a:effectRef idx="0">
+            <a:schemeClr val="accent1"/>
+          </a:effectRef>
+          <a:fontRef idx="minor">
+            <a:schemeClr val="lt1"/>
+          </a:fontRef>
+        </p:style>
+        <p:txBody>
+          <a:bodyPr lIns="822960" rtlCol="0" anchor="ctr"/>
+          <a:lstStyle/>
+          <a:p>
+            <a:endParaRPr lang="en-US" sz="2400" dirty="0">
+              <a:latin typeface="Segoe UI Light" pitchFamily="34" charset="0"/>
+              <a:cs typeface="Segoe UI Light" pitchFamily="34" charset="0"/>
+            </a:endParaRPr>
+          </a:p>
+        </p:txBody>
+      </p:sp>
+      <p:sp>
+        <p:nvSpPr>
+          <p:cNvPr id="13" name="Rectangle 12"/>
+          <p:cNvSpPr/>
+          <p:nvPr/>
+        </p:nvSpPr>
+        <p:spPr>
+          <a:xfrm>
+            <a:off x="-32467" y="2470029"/>
+            <a:ext cx="1828800" cy="395091"/>
+          </a:xfrm>
+          <a:prstGeom prst="rect">
+            <a:avLst/>
+          </a:prstGeom>
+          <a:solidFill>
+            <a:srgbClr val="7030A0"/>
+          </a:solidFill>
+          <a:ln>
+            <a:noFill/>
+          </a:ln>
+        </p:spPr>
+        <p:style>
+          <a:lnRef idx="2">
+            <a:schemeClr val="accent1">
+              <a:shade val="50000"/>
+            </a:schemeClr>
+          </a:lnRef>
+          <a:fillRef idx="1">
+            <a:schemeClr val="accent1"/>
+          </a:fillRef>
+          <a:effectRef idx="0">
+            <a:schemeClr val="accent1"/>
+          </a:effectRef>
+          <a:fontRef idx="minor">
+            <a:schemeClr val="lt1"/>
+          </a:fontRef>
+        </p:style>
+        <p:txBody>
+          <a:bodyPr lIns="822960" rtlCol="0" anchor="ctr"/>
+          <a:lstStyle/>
+          <a:p>
+            <a:endParaRPr lang="en-US" sz="2400" dirty="0">
+              <a:solidFill>
+                <a:schemeClr val="tx1">
+                  <a:lumMod val="75000"/>
+                  <a:lumOff val="25000"/>
+                </a:schemeClr>
+              </a:solidFill>
+              <a:latin typeface="Segoe UI Light" pitchFamily="34" charset="0"/>
+              <a:cs typeface="Segoe UI Light" pitchFamily="34" charset="0"/>
+            </a:endParaRPr>
+          </a:p>
+        </p:txBody>
+      </p:sp>
+      <p:sp>
+        <p:nvSpPr>
+          <p:cNvPr id="14" name="Rectangle 13"/>
+          <p:cNvSpPr/>
+          <p:nvPr/>
+        </p:nvSpPr>
+        <p:spPr>
+          <a:xfrm>
+            <a:off x="-35780" y="1750544"/>
+            <a:ext cx="1828800" cy="397431"/>
+          </a:xfrm>
+          <a:prstGeom prst="rect">
+            <a:avLst/>
+          </a:prstGeom>
+          <a:solidFill>
+            <a:schemeClr val="bg1">
+              <a:lumMod val="50000"/>
+            </a:schemeClr>
+          </a:solidFill>
+          <a:ln>
+            <a:noFill/>
+          </a:ln>
+        </p:spPr>
+        <p:style>
+          <a:lnRef idx="2">
+            <a:schemeClr val="accent1">
+              <a:shade val="50000"/>
+            </a:schemeClr>
+          </a:lnRef>
+          <a:fillRef idx="1">
+            <a:schemeClr val="accent1"/>
+          </a:fillRef>
+          <a:effectRef idx="0">
+            <a:schemeClr val="accent1"/>
+          </a:effectRef>
+          <a:fontRef idx="minor">
+            <a:schemeClr val="lt1"/>
+          </a:fontRef>
+        </p:style>
+        <p:txBody>
+          <a:bodyPr lIns="822960" rtlCol="0" anchor="ctr"/>
+          <a:lstStyle/>
+          <a:p>
+            <a:endParaRPr lang="en-US" sz="2400" dirty="0">
+              <a:solidFill>
+                <a:schemeClr val="tx1">
+                  <a:lumMod val="75000"/>
+                  <a:lumOff val="25000"/>
+                </a:schemeClr>
+              </a:solidFill>
+              <a:latin typeface="Segoe UI Light" pitchFamily="34" charset="0"/>
+              <a:cs typeface="Segoe UI Light" pitchFamily="34" charset="0"/>
+            </a:endParaRPr>
+          </a:p>
+        </p:txBody>
+      </p:sp>
+      <p:pic>
+        <p:nvPicPr>
+          <p:cNvPr id="12" name="Picture 11" descr="C:\Users\iLucas\Desktop\logo_fpt_university_doc copy.png"/>
+          <p:cNvPicPr>
+            <a:picLocks noChangeAspect="1" noChangeArrowheads="1"/>
+          </p:cNvPicPr>
+          <p:nvPr/>
+        </p:nvPicPr>
+        <p:blipFill>
+          <a:blip r:embed="rId2" cstate="print">
+            <a:extLst>
+              <a:ext uri="{28A0092B-C50C-407E-A947-70E740481C1C}">
+                <a14:useLocalDpi xmlns:a14="http://schemas.microsoft.com/office/drawing/2010/main" val="0"/>
+              </a:ext>
+            </a:extLst>
+          </a:blip>
+          <a:srcRect/>
+          <a:stretch>
+            <a:fillRect/>
+          </a:stretch>
+        </p:blipFill>
+        <p:spPr bwMode="auto">
+          <a:xfrm>
+            <a:off x="415580" y="66329"/>
+            <a:ext cx="997640" cy="773302"/>
+          </a:xfrm>
+          <a:prstGeom prst="rect">
+            <a:avLst/>
+          </a:prstGeom>
+          <a:noFill/>
+          <a:extLst>
+            <a:ext uri="{909E8E84-426E-40DD-AFC4-6F175D3DCCD1}">
+              <a14:hiddenFill xmlns:a14="http://schemas.microsoft.com/office/drawing/2010/main">
+                <a:solidFill>
+                  <a:srgbClr val="FFFFFF"/>
+                </a:solidFill>
+              </a14:hiddenFill>
+            </a:ext>
+          </a:extLst>
+        </p:spPr>
+      </p:pic>
+      <p:sp>
+        <p:nvSpPr>
+          <p:cNvPr id="5" name="TextBox 4"/>
+          <p:cNvSpPr txBox="1"/>
+          <p:nvPr/>
+        </p:nvSpPr>
+        <p:spPr>
+          <a:xfrm>
+            <a:off x="152400" y="1307471"/>
+            <a:ext cx="1524000" cy="369332"/>
+          </a:xfrm>
+          <a:prstGeom prst="rect">
+            <a:avLst/>
+          </a:prstGeom>
+          <a:noFill/>
+        </p:spPr>
+        <p:txBody>
+          <a:bodyPr wrap="square" rtlCol="0">
+            <a:spAutoFit/>
+          </a:bodyPr>
+          <a:lstStyle/>
+          <a:p>
+            <a:r>
+              <a:rPr lang="en-US" dirty="0" smtClean="0">
+                <a:solidFill>
+                  <a:schemeClr val="bg1"/>
+                </a:solidFill>
+                <a:latin typeface="Segoe UI Light" pitchFamily="34" charset="0"/>
+                <a:cs typeface="Segoe UI Light" pitchFamily="34" charset="0"/>
+              </a:rPr>
+              <a:t>Main Features</a:t>
+            </a:r>
+            <a:endParaRPr lang="en-US" dirty="0">
+              <a:solidFill>
+                <a:schemeClr val="bg1"/>
+              </a:solidFill>
+              <a:latin typeface="Segoe UI Light" pitchFamily="34" charset="0"/>
+              <a:cs typeface="Segoe UI Light" pitchFamily="34" charset="0"/>
+            </a:endParaRPr>
+          </a:p>
+        </p:txBody>
+      </p:sp>
+      <p:sp>
+        <p:nvSpPr>
+          <p:cNvPr id="22" name="TextBox 21"/>
+          <p:cNvSpPr txBox="1"/>
+          <p:nvPr/>
+        </p:nvSpPr>
+        <p:spPr>
+          <a:xfrm>
+            <a:off x="1828800" y="96028"/>
+            <a:ext cx="3352800" cy="400110"/>
+          </a:xfrm>
+          <a:prstGeom prst="rect">
+            <a:avLst/>
+          </a:prstGeom>
+          <a:noFill/>
+        </p:spPr>
+        <p:txBody>
+          <a:bodyPr wrap="square" rtlCol="0">
+            <a:spAutoFit/>
+          </a:bodyPr>
+          <a:lstStyle/>
+          <a:p>
+            <a:r>
+              <a:rPr lang="en-US" sz="2000" b="1" dirty="0">
+                <a:solidFill>
+                  <a:srgbClr val="7030A0"/>
+                </a:solidFill>
+                <a:latin typeface="Segoe UI Light" panose="020B0502040204020203" pitchFamily="34" charset="0"/>
+                <a:ea typeface="+mj-ea"/>
+                <a:cs typeface="Segoe UI Light" panose="020B0502040204020203" pitchFamily="34" charset="0"/>
+              </a:rPr>
+              <a:t>Group </a:t>
+            </a:r>
+            <a:r>
+              <a:rPr lang="en-US" sz="2000" b="1" dirty="0" smtClean="0">
+                <a:solidFill>
+                  <a:srgbClr val="7030A0"/>
+                </a:solidFill>
+                <a:latin typeface="Segoe UI Light" panose="020B0502040204020203" pitchFamily="34" charset="0"/>
+                <a:ea typeface="+mj-ea"/>
+                <a:cs typeface="Segoe UI Light" panose="020B0502040204020203" pitchFamily="34" charset="0"/>
+              </a:rPr>
+              <a:t>8 - Drop </a:t>
+            </a:r>
+            <a:r>
+              <a:rPr lang="en-US" sz="2000" b="1" dirty="0">
+                <a:solidFill>
+                  <a:srgbClr val="7030A0"/>
+                </a:solidFill>
+                <a:latin typeface="Segoe UI Light" panose="020B0502040204020203" pitchFamily="34" charset="0"/>
+                <a:ea typeface="+mj-ea"/>
+                <a:cs typeface="Segoe UI Light" panose="020B0502040204020203" pitchFamily="34" charset="0"/>
+              </a:rPr>
+              <a:t>It</a:t>
+            </a:r>
+          </a:p>
+        </p:txBody>
+      </p:sp>
+      <p:sp>
+        <p:nvSpPr>
+          <p:cNvPr id="6" name="TextBox 5"/>
+          <p:cNvSpPr txBox="1"/>
+          <p:nvPr/>
+        </p:nvSpPr>
+        <p:spPr>
+          <a:xfrm>
+            <a:off x="178242" y="1798751"/>
+            <a:ext cx="1524000" cy="307777"/>
+          </a:xfrm>
+          <a:prstGeom prst="rect">
+            <a:avLst/>
+          </a:prstGeom>
+          <a:noFill/>
+        </p:spPr>
+        <p:txBody>
+          <a:bodyPr wrap="square" rtlCol="0">
+            <a:spAutoFit/>
+          </a:bodyPr>
+          <a:lstStyle/>
+          <a:p>
+            <a:pPr marL="285750" indent="-285750">
+              <a:buFont typeface="Wingdings" pitchFamily="2" charset="2"/>
+              <a:buChar char="Ø"/>
+            </a:pPr>
+            <a:r>
+              <a:rPr lang="en-US" sz="1400" dirty="0" smtClean="0">
+                <a:solidFill>
+                  <a:schemeClr val="bg1"/>
+                </a:solidFill>
+                <a:latin typeface="Segoe UI Light" pitchFamily="34" charset="0"/>
+                <a:cs typeface="Segoe UI Light" pitchFamily="34" charset="0"/>
+              </a:rPr>
+              <a:t>Sell Ticket</a:t>
+            </a:r>
+            <a:endParaRPr lang="en-US" sz="1400" dirty="0">
+              <a:solidFill>
+                <a:schemeClr val="bg1"/>
+              </a:solidFill>
+              <a:latin typeface="Segoe UI Light" pitchFamily="34" charset="0"/>
+              <a:cs typeface="Segoe UI Light" pitchFamily="34" charset="0"/>
+            </a:endParaRPr>
+          </a:p>
+        </p:txBody>
+      </p:sp>
+      <p:sp>
+        <p:nvSpPr>
+          <p:cNvPr id="23" name="Rectangle 22"/>
+          <p:cNvSpPr/>
+          <p:nvPr/>
+        </p:nvSpPr>
+        <p:spPr>
+          <a:xfrm>
+            <a:off x="-32467" y="2142605"/>
+            <a:ext cx="1828800" cy="347073"/>
+          </a:xfrm>
+          <a:prstGeom prst="rect">
+            <a:avLst/>
+          </a:prstGeom>
+          <a:solidFill>
+            <a:schemeClr val="bg1">
+              <a:lumMod val="50000"/>
+            </a:schemeClr>
+          </a:solidFill>
+          <a:ln>
+            <a:noFill/>
+          </a:ln>
+        </p:spPr>
+        <p:style>
+          <a:lnRef idx="2">
+            <a:schemeClr val="accent1">
+              <a:shade val="50000"/>
+            </a:schemeClr>
+          </a:lnRef>
+          <a:fillRef idx="1">
+            <a:schemeClr val="accent1"/>
+          </a:fillRef>
+          <a:effectRef idx="0">
+            <a:schemeClr val="accent1"/>
+          </a:effectRef>
+          <a:fontRef idx="minor">
+            <a:schemeClr val="lt1"/>
+          </a:fontRef>
+        </p:style>
+        <p:txBody>
+          <a:bodyPr lIns="822960" rtlCol="0" anchor="ctr"/>
+          <a:lstStyle/>
+          <a:p>
+            <a:endParaRPr lang="en-US" sz="2400" dirty="0">
+              <a:solidFill>
+                <a:schemeClr val="tx1">
+                  <a:lumMod val="75000"/>
+                  <a:lumOff val="25000"/>
+                </a:schemeClr>
+              </a:solidFill>
+              <a:latin typeface="Segoe UI Light" pitchFamily="34" charset="0"/>
+              <a:cs typeface="Segoe UI Light" pitchFamily="34" charset="0"/>
+            </a:endParaRPr>
+          </a:p>
+        </p:txBody>
+      </p:sp>
+      <p:sp>
+        <p:nvSpPr>
+          <p:cNvPr id="28" name="TextBox 27"/>
+          <p:cNvSpPr txBox="1"/>
+          <p:nvPr/>
+        </p:nvSpPr>
+        <p:spPr>
+          <a:xfrm>
+            <a:off x="183543" y="2162252"/>
+            <a:ext cx="1524000" cy="307777"/>
+          </a:xfrm>
+          <a:prstGeom prst="rect">
+            <a:avLst/>
+          </a:prstGeom>
+          <a:noFill/>
+        </p:spPr>
+        <p:txBody>
+          <a:bodyPr wrap="square" rtlCol="0">
+            <a:spAutoFit/>
+          </a:bodyPr>
+          <a:lstStyle/>
+          <a:p>
+            <a:pPr marL="285750" indent="-285750">
+              <a:buFont typeface="Wingdings" pitchFamily="2" charset="2"/>
+              <a:buChar char="Ø"/>
+            </a:pPr>
+            <a:r>
+              <a:rPr lang="en-US" sz="1400" dirty="0" smtClean="0">
+                <a:solidFill>
+                  <a:schemeClr val="bg1"/>
+                </a:solidFill>
+                <a:latin typeface="Segoe UI Light" pitchFamily="34" charset="0"/>
+                <a:cs typeface="Segoe UI Light" pitchFamily="34" charset="0"/>
+              </a:rPr>
+              <a:t>Buy Ticket</a:t>
+            </a:r>
+            <a:endParaRPr lang="en-US" sz="1400" dirty="0">
+              <a:solidFill>
+                <a:schemeClr val="bg1"/>
+              </a:solidFill>
+              <a:latin typeface="Segoe UI Light" pitchFamily="34" charset="0"/>
+              <a:cs typeface="Segoe UI Light" pitchFamily="34" charset="0"/>
+            </a:endParaRPr>
+          </a:p>
+        </p:txBody>
+      </p:sp>
+      <p:sp>
+        <p:nvSpPr>
+          <p:cNvPr id="29" name="TextBox 28"/>
+          <p:cNvSpPr txBox="1"/>
+          <p:nvPr/>
+        </p:nvSpPr>
+        <p:spPr>
+          <a:xfrm>
+            <a:off x="178241" y="2494048"/>
+            <a:ext cx="1524000" cy="307777"/>
+          </a:xfrm>
+          <a:prstGeom prst="rect">
+            <a:avLst/>
+          </a:prstGeom>
+          <a:noFill/>
+        </p:spPr>
+        <p:txBody>
+          <a:bodyPr wrap="square" rtlCol="0">
+            <a:spAutoFit/>
+          </a:bodyPr>
+          <a:lstStyle/>
+          <a:p>
+            <a:pPr marL="285750" indent="-285750">
+              <a:buFont typeface="Wingdings" pitchFamily="2" charset="2"/>
+              <a:buChar char="Ø"/>
+            </a:pPr>
+            <a:r>
+              <a:rPr lang="en-US" sz="1400" dirty="0" smtClean="0">
+                <a:solidFill>
+                  <a:schemeClr val="bg1"/>
+                </a:solidFill>
+                <a:latin typeface="Segoe UI Light" pitchFamily="34" charset="0"/>
+                <a:cs typeface="Segoe UI Light" pitchFamily="34" charset="0"/>
+              </a:rPr>
+              <a:t>Notification</a:t>
+            </a:r>
+            <a:endParaRPr lang="en-US" sz="1400" dirty="0">
+              <a:solidFill>
+                <a:schemeClr val="bg1"/>
+              </a:solidFill>
+              <a:latin typeface="Segoe UI Light" pitchFamily="34" charset="0"/>
+              <a:cs typeface="Segoe UI Light" pitchFamily="34" charset="0"/>
+            </a:endParaRPr>
+          </a:p>
+        </p:txBody>
+      </p:sp>
+      <p:sp>
+        <p:nvSpPr>
+          <p:cNvPr id="15" name="Rectangle 14"/>
+          <p:cNvSpPr/>
+          <p:nvPr/>
+        </p:nvSpPr>
+        <p:spPr>
+          <a:xfrm>
+            <a:off x="-32467" y="2847327"/>
+            <a:ext cx="1825488" cy="371072"/>
+          </a:xfrm>
+          <a:prstGeom prst="rect">
+            <a:avLst/>
+          </a:prstGeom>
+          <a:solidFill>
+            <a:schemeClr val="bg1">
+              <a:lumMod val="50000"/>
+            </a:schemeClr>
+          </a:solidFill>
+          <a:ln>
+            <a:noFill/>
+          </a:ln>
+        </p:spPr>
+        <p:style>
+          <a:lnRef idx="2">
+            <a:schemeClr val="accent1">
+              <a:shade val="50000"/>
+            </a:schemeClr>
+          </a:lnRef>
+          <a:fillRef idx="1">
+            <a:schemeClr val="accent1"/>
+          </a:fillRef>
+          <a:effectRef idx="0">
+            <a:schemeClr val="accent1"/>
+          </a:effectRef>
+          <a:fontRef idx="minor">
+            <a:schemeClr val="lt1"/>
+          </a:fontRef>
+        </p:style>
+        <p:txBody>
+          <a:bodyPr lIns="822960" rtlCol="0" anchor="ctr"/>
+          <a:lstStyle/>
+          <a:p>
+            <a:endParaRPr lang="en-US" sz="2400" dirty="0">
+              <a:solidFill>
+                <a:schemeClr val="tx1">
+                  <a:lumMod val="75000"/>
+                  <a:lumOff val="25000"/>
+                </a:schemeClr>
+              </a:solidFill>
+              <a:latin typeface="Segoe UI Light" pitchFamily="34" charset="0"/>
+              <a:cs typeface="Segoe UI Light" pitchFamily="34" charset="0"/>
+            </a:endParaRPr>
+          </a:p>
+        </p:txBody>
+      </p:sp>
+      <p:sp>
+        <p:nvSpPr>
+          <p:cNvPr id="16" name="TextBox 15"/>
+          <p:cNvSpPr txBox="1"/>
+          <p:nvPr/>
+        </p:nvSpPr>
+        <p:spPr>
+          <a:xfrm>
+            <a:off x="170952" y="2847327"/>
+            <a:ext cx="1524000" cy="307777"/>
+          </a:xfrm>
+          <a:prstGeom prst="rect">
+            <a:avLst/>
+          </a:prstGeom>
+          <a:noFill/>
+        </p:spPr>
+        <p:txBody>
+          <a:bodyPr wrap="square" rtlCol="0">
+            <a:spAutoFit/>
+          </a:bodyPr>
+          <a:lstStyle/>
+          <a:p>
+            <a:pPr marL="285750" indent="-285750">
+              <a:buFont typeface="Wingdings" pitchFamily="2" charset="2"/>
+              <a:buChar char="Ø"/>
+            </a:pPr>
+            <a:r>
+              <a:rPr lang="en-US" sz="1400" dirty="0" smtClean="0">
+                <a:solidFill>
+                  <a:schemeClr val="bg1"/>
+                </a:solidFill>
+                <a:latin typeface="Segoe UI Light" pitchFamily="34" charset="0"/>
+                <a:cs typeface="Segoe UI Light" pitchFamily="34" charset="0"/>
+              </a:rPr>
+              <a:t>Request</a:t>
+            </a:r>
+            <a:endParaRPr lang="en-US" sz="1400" dirty="0">
+              <a:solidFill>
+                <a:schemeClr val="bg1"/>
+              </a:solidFill>
+              <a:latin typeface="Segoe UI Light" pitchFamily="34" charset="0"/>
+              <a:cs typeface="Segoe UI Light" pitchFamily="34" charset="0"/>
+            </a:endParaRPr>
+          </a:p>
+        </p:txBody>
+      </p:sp>
+    </p:spTree>
+    <p:extLst>
+      <p:ext uri="{BB962C8B-B14F-4D97-AF65-F5344CB8AC3E}">
+        <p14:creationId xmlns:p14="http://schemas.microsoft.com/office/powerpoint/2010/main" val="3765816860"/>
+      </p:ext>
+    </p:extLst>
+  </p:cSld>
+  <p:clrMapOvr>
+    <a:masterClrMapping/>
+  </p:clrMapOvr>
+  <p:timing>
+    <p:tnLst>
+      <p:par>
+        <p:cTn id="1" dur="indefinite" restart="never" nodeType="tmRoot"/>
+      </p:par>
+    </p:tnLst>
+  </p:timing>
+</p:sld>
+</file>
+
+<file path=ppt/slides/slide14.xml><?xml version="1.0" encoding="utf-8"?>
+<p:sld xmlns:a="http://schemas.openxmlformats.org/drawingml/2006/main" xmlns:r="http://schemas.openxmlformats.org/officeDocument/2006/relationships" xmlns:p="http://schemas.openxmlformats.org/presentationml/2006/main">
+  <p:cSld>
+    <p:spTree>
+      <p:nvGrpSpPr>
+        <p:cNvPr id="1" name=""/>
+        <p:cNvGrpSpPr/>
+        <p:nvPr/>
+      </p:nvGrpSpPr>
+      <p:grpSpPr>
+        <a:xfrm>
+          <a:off x="0" y="0"/>
+          <a:ext cx="0" cy="0"/>
+          <a:chOff x="0" y="0"/>
+          <a:chExt cx="0" cy="0"/>
+        </a:xfrm>
+      </p:grpSpPr>
+      <p:sp>
+        <p:nvSpPr>
+          <p:cNvPr id="2" name="Rectangle 1"/>
+          <p:cNvSpPr/>
+          <p:nvPr/>
+        </p:nvSpPr>
+        <p:spPr>
+          <a:xfrm>
+            <a:off x="0" y="0"/>
+            <a:ext cx="1796333" cy="6858000"/>
+          </a:xfrm>
+          <a:prstGeom prst="rect">
+            <a:avLst/>
+          </a:prstGeom>
+          <a:solidFill>
+            <a:schemeClr val="bg1">
+              <a:lumMod val="95000"/>
+            </a:schemeClr>
+          </a:solidFill>
+          <a:ln>
+            <a:noFill/>
+          </a:ln>
+        </p:spPr>
+        <p:style>
+          <a:lnRef idx="2">
+            <a:schemeClr val="accent1">
+              <a:shade val="50000"/>
+            </a:schemeClr>
+          </a:lnRef>
+          <a:fillRef idx="1">
+            <a:schemeClr val="accent1"/>
+          </a:fillRef>
+          <a:effectRef idx="0">
+            <a:schemeClr val="accent1"/>
+          </a:effectRef>
+          <a:fontRef idx="minor">
+            <a:schemeClr val="lt1"/>
+          </a:fontRef>
+        </p:style>
+        <p:txBody>
+          <a:bodyPr rtlCol="0" anchor="ctr"/>
+          <a:lstStyle/>
+          <a:p>
+            <a:pPr algn="ctr"/>
+            <a:endParaRPr lang="en-US"/>
+          </a:p>
+        </p:txBody>
+      </p:sp>
+      <p:sp>
+        <p:nvSpPr>
+          <p:cNvPr id="4" name="Rectangle 3"/>
+          <p:cNvSpPr/>
+          <p:nvPr/>
+        </p:nvSpPr>
+        <p:spPr>
+          <a:xfrm>
+            <a:off x="-32467" y="1219200"/>
+            <a:ext cx="1828800" cy="548640"/>
+          </a:xfrm>
+          <a:prstGeom prst="rect">
+            <a:avLst/>
+          </a:prstGeom>
+          <a:solidFill>
+            <a:schemeClr val="bg1">
+              <a:lumMod val="50000"/>
+            </a:schemeClr>
+          </a:solidFill>
+          <a:ln>
+            <a:noFill/>
+          </a:ln>
+        </p:spPr>
+        <p:style>
+          <a:lnRef idx="2">
+            <a:schemeClr val="accent1">
+              <a:shade val="50000"/>
+            </a:schemeClr>
+          </a:lnRef>
+          <a:fillRef idx="1">
+            <a:schemeClr val="accent1"/>
+          </a:fillRef>
+          <a:effectRef idx="0">
+            <a:schemeClr val="accent1"/>
+          </a:effectRef>
+          <a:fontRef idx="minor">
+            <a:schemeClr val="lt1"/>
+          </a:fontRef>
+        </p:style>
+        <p:txBody>
+          <a:bodyPr lIns="822960" rtlCol="0" anchor="ctr"/>
+          <a:lstStyle/>
+          <a:p>
+            <a:endParaRPr lang="en-US" sz="2400" dirty="0">
+              <a:latin typeface="Segoe UI Light" pitchFamily="34" charset="0"/>
+              <a:cs typeface="Segoe UI Light" pitchFamily="34" charset="0"/>
+            </a:endParaRPr>
+          </a:p>
+        </p:txBody>
+      </p:sp>
+      <p:sp>
+        <p:nvSpPr>
+          <p:cNvPr id="13" name="Rectangle 12"/>
+          <p:cNvSpPr/>
+          <p:nvPr/>
+        </p:nvSpPr>
+        <p:spPr>
+          <a:xfrm>
+            <a:off x="-32467" y="2494048"/>
+            <a:ext cx="1828800" cy="371072"/>
+          </a:xfrm>
+          <a:prstGeom prst="rect">
+            <a:avLst/>
+          </a:prstGeom>
+          <a:solidFill>
+            <a:schemeClr val="bg1">
+              <a:lumMod val="50000"/>
+            </a:schemeClr>
+          </a:solidFill>
+          <a:ln>
+            <a:noFill/>
+          </a:ln>
+        </p:spPr>
+        <p:style>
+          <a:lnRef idx="2">
+            <a:schemeClr val="accent1">
+              <a:shade val="50000"/>
+            </a:schemeClr>
+          </a:lnRef>
+          <a:fillRef idx="1">
+            <a:schemeClr val="accent1"/>
+          </a:fillRef>
+          <a:effectRef idx="0">
+            <a:schemeClr val="accent1"/>
+          </a:effectRef>
+          <a:fontRef idx="minor">
+            <a:schemeClr val="lt1"/>
+          </a:fontRef>
+        </p:style>
+        <p:txBody>
+          <a:bodyPr lIns="822960" rtlCol="0" anchor="ctr"/>
+          <a:lstStyle/>
+          <a:p>
+            <a:endParaRPr lang="en-US" sz="2400" dirty="0">
+              <a:solidFill>
+                <a:schemeClr val="tx1">
+                  <a:lumMod val="75000"/>
+                  <a:lumOff val="25000"/>
+                </a:schemeClr>
+              </a:solidFill>
+              <a:latin typeface="Segoe UI Light" pitchFamily="34" charset="0"/>
+              <a:cs typeface="Segoe UI Light" pitchFamily="34" charset="0"/>
+            </a:endParaRPr>
+          </a:p>
+        </p:txBody>
+      </p:sp>
+      <p:sp>
+        <p:nvSpPr>
+          <p:cNvPr id="14" name="Rectangle 13"/>
+          <p:cNvSpPr/>
+          <p:nvPr/>
+        </p:nvSpPr>
+        <p:spPr>
+          <a:xfrm>
+            <a:off x="-35780" y="1750544"/>
+            <a:ext cx="1828800" cy="397431"/>
+          </a:xfrm>
+          <a:prstGeom prst="rect">
+            <a:avLst/>
+          </a:prstGeom>
+          <a:solidFill>
+            <a:schemeClr val="bg1">
+              <a:lumMod val="50000"/>
+            </a:schemeClr>
+          </a:solidFill>
+          <a:ln>
+            <a:noFill/>
+          </a:ln>
+        </p:spPr>
+        <p:style>
+          <a:lnRef idx="2">
+            <a:schemeClr val="accent1">
+              <a:shade val="50000"/>
+            </a:schemeClr>
+          </a:lnRef>
+          <a:fillRef idx="1">
+            <a:schemeClr val="accent1"/>
+          </a:fillRef>
+          <a:effectRef idx="0">
+            <a:schemeClr val="accent1"/>
+          </a:effectRef>
+          <a:fontRef idx="minor">
+            <a:schemeClr val="lt1"/>
+          </a:fontRef>
+        </p:style>
+        <p:txBody>
+          <a:bodyPr lIns="822960" rtlCol="0" anchor="ctr"/>
+          <a:lstStyle/>
+          <a:p>
+            <a:endParaRPr lang="en-US" sz="2400" dirty="0">
+              <a:solidFill>
+                <a:schemeClr val="tx1">
+                  <a:lumMod val="75000"/>
+                  <a:lumOff val="25000"/>
+                </a:schemeClr>
+              </a:solidFill>
+              <a:latin typeface="Segoe UI Light" pitchFamily="34" charset="0"/>
+              <a:cs typeface="Segoe UI Light" pitchFamily="34" charset="0"/>
+            </a:endParaRPr>
+          </a:p>
+        </p:txBody>
+      </p:sp>
+      <p:pic>
+        <p:nvPicPr>
+          <p:cNvPr id="12" name="Picture 11" descr="C:\Users\iLucas\Desktop\logo_fpt_university_doc copy.png"/>
+          <p:cNvPicPr>
+            <a:picLocks noChangeAspect="1" noChangeArrowheads="1"/>
+          </p:cNvPicPr>
+          <p:nvPr/>
+        </p:nvPicPr>
+        <p:blipFill>
+          <a:blip r:embed="rId2" cstate="print">
+            <a:extLst>
+              <a:ext uri="{28A0092B-C50C-407E-A947-70E740481C1C}">
+                <a14:useLocalDpi xmlns:a14="http://schemas.microsoft.com/office/drawing/2010/main" val="0"/>
+              </a:ext>
+            </a:extLst>
+          </a:blip>
+          <a:srcRect/>
+          <a:stretch>
+            <a:fillRect/>
+          </a:stretch>
+        </p:blipFill>
+        <p:spPr bwMode="auto">
+          <a:xfrm>
+            <a:off x="415580" y="66329"/>
+            <a:ext cx="997640" cy="773302"/>
+          </a:xfrm>
+          <a:prstGeom prst="rect">
+            <a:avLst/>
+          </a:prstGeom>
+          <a:noFill/>
+          <a:extLst>
+            <a:ext uri="{909E8E84-426E-40DD-AFC4-6F175D3DCCD1}">
+              <a14:hiddenFill xmlns:a14="http://schemas.microsoft.com/office/drawing/2010/main">
+                <a:solidFill>
+                  <a:srgbClr val="FFFFFF"/>
+                </a:solidFill>
+              </a14:hiddenFill>
+            </a:ext>
+          </a:extLst>
+        </p:spPr>
+      </p:pic>
+      <p:sp>
+        <p:nvSpPr>
+          <p:cNvPr id="5" name="TextBox 4"/>
+          <p:cNvSpPr txBox="1"/>
+          <p:nvPr/>
+        </p:nvSpPr>
+        <p:spPr>
+          <a:xfrm>
+            <a:off x="152400" y="1307471"/>
+            <a:ext cx="1524000" cy="369332"/>
+          </a:xfrm>
+          <a:prstGeom prst="rect">
+            <a:avLst/>
+          </a:prstGeom>
+          <a:noFill/>
+        </p:spPr>
+        <p:txBody>
+          <a:bodyPr wrap="square" rtlCol="0">
+            <a:spAutoFit/>
+          </a:bodyPr>
+          <a:lstStyle/>
+          <a:p>
+            <a:r>
+              <a:rPr lang="en-US" dirty="0" smtClean="0">
+                <a:solidFill>
+                  <a:schemeClr val="bg1"/>
+                </a:solidFill>
+                <a:latin typeface="Segoe UI Light" pitchFamily="34" charset="0"/>
+                <a:cs typeface="Segoe UI Light" pitchFamily="34" charset="0"/>
+              </a:rPr>
+              <a:t>Main Features</a:t>
+            </a:r>
+            <a:endParaRPr lang="en-US" dirty="0">
+              <a:solidFill>
+                <a:schemeClr val="bg1"/>
+              </a:solidFill>
+              <a:latin typeface="Segoe UI Light" pitchFamily="34" charset="0"/>
+              <a:cs typeface="Segoe UI Light" pitchFamily="34" charset="0"/>
+            </a:endParaRPr>
+          </a:p>
+        </p:txBody>
+      </p:sp>
+      <p:sp>
+        <p:nvSpPr>
+          <p:cNvPr id="22" name="TextBox 21"/>
+          <p:cNvSpPr txBox="1"/>
+          <p:nvPr/>
+        </p:nvSpPr>
+        <p:spPr>
+          <a:xfrm>
+            <a:off x="1828800" y="96028"/>
+            <a:ext cx="3352800" cy="400110"/>
+          </a:xfrm>
+          <a:prstGeom prst="rect">
+            <a:avLst/>
+          </a:prstGeom>
+          <a:noFill/>
+        </p:spPr>
+        <p:txBody>
+          <a:bodyPr wrap="square" rtlCol="0">
+            <a:spAutoFit/>
+          </a:bodyPr>
+          <a:lstStyle/>
+          <a:p>
+            <a:r>
+              <a:rPr lang="en-US" sz="2000" b="1" dirty="0">
+                <a:solidFill>
+                  <a:srgbClr val="7030A0"/>
+                </a:solidFill>
+                <a:latin typeface="Segoe UI Light" panose="020B0502040204020203" pitchFamily="34" charset="0"/>
+                <a:ea typeface="+mj-ea"/>
+                <a:cs typeface="Segoe UI Light" panose="020B0502040204020203" pitchFamily="34" charset="0"/>
+              </a:rPr>
+              <a:t>Group </a:t>
+            </a:r>
+            <a:r>
+              <a:rPr lang="en-US" sz="2000" b="1" dirty="0" smtClean="0">
+                <a:solidFill>
+                  <a:srgbClr val="7030A0"/>
+                </a:solidFill>
+                <a:latin typeface="Segoe UI Light" panose="020B0502040204020203" pitchFamily="34" charset="0"/>
+                <a:ea typeface="+mj-ea"/>
+                <a:cs typeface="Segoe UI Light" panose="020B0502040204020203" pitchFamily="34" charset="0"/>
+              </a:rPr>
+              <a:t>8 - Drop </a:t>
+            </a:r>
+            <a:r>
+              <a:rPr lang="en-US" sz="2000" b="1" dirty="0">
+                <a:solidFill>
+                  <a:srgbClr val="7030A0"/>
+                </a:solidFill>
+                <a:latin typeface="Segoe UI Light" panose="020B0502040204020203" pitchFamily="34" charset="0"/>
+                <a:ea typeface="+mj-ea"/>
+                <a:cs typeface="Segoe UI Light" panose="020B0502040204020203" pitchFamily="34" charset="0"/>
+              </a:rPr>
+              <a:t>It</a:t>
+            </a:r>
+          </a:p>
+        </p:txBody>
+      </p:sp>
+      <p:sp>
+        <p:nvSpPr>
+          <p:cNvPr id="6" name="TextBox 5"/>
+          <p:cNvSpPr txBox="1"/>
+          <p:nvPr/>
+        </p:nvSpPr>
+        <p:spPr>
+          <a:xfrm>
+            <a:off x="178242" y="1798751"/>
+            <a:ext cx="1524000" cy="307777"/>
+          </a:xfrm>
+          <a:prstGeom prst="rect">
+            <a:avLst/>
+          </a:prstGeom>
+          <a:noFill/>
+        </p:spPr>
+        <p:txBody>
+          <a:bodyPr wrap="square" rtlCol="0">
+            <a:spAutoFit/>
+          </a:bodyPr>
+          <a:lstStyle/>
+          <a:p>
+            <a:pPr marL="285750" indent="-285750">
+              <a:buFont typeface="Wingdings" pitchFamily="2" charset="2"/>
+              <a:buChar char="Ø"/>
+            </a:pPr>
+            <a:r>
+              <a:rPr lang="en-US" sz="1400" dirty="0" smtClean="0">
+                <a:solidFill>
+                  <a:schemeClr val="bg1"/>
+                </a:solidFill>
+                <a:latin typeface="Segoe UI Light" pitchFamily="34" charset="0"/>
+                <a:cs typeface="Segoe UI Light" pitchFamily="34" charset="0"/>
+              </a:rPr>
+              <a:t>Sell Ticket</a:t>
+            </a:r>
+            <a:endParaRPr lang="en-US" sz="1400" dirty="0">
+              <a:solidFill>
+                <a:schemeClr val="bg1"/>
+              </a:solidFill>
+              <a:latin typeface="Segoe UI Light" pitchFamily="34" charset="0"/>
+              <a:cs typeface="Segoe UI Light" pitchFamily="34" charset="0"/>
+            </a:endParaRPr>
+          </a:p>
+        </p:txBody>
+      </p:sp>
+      <p:sp>
+        <p:nvSpPr>
+          <p:cNvPr id="23" name="Rectangle 22"/>
+          <p:cNvSpPr/>
+          <p:nvPr/>
+        </p:nvSpPr>
+        <p:spPr>
+          <a:xfrm>
+            <a:off x="-32467" y="2142605"/>
+            <a:ext cx="1828800" cy="397431"/>
+          </a:xfrm>
+          <a:prstGeom prst="rect">
+            <a:avLst/>
+          </a:prstGeom>
+          <a:solidFill>
+            <a:schemeClr val="bg1">
+              <a:lumMod val="50000"/>
+            </a:schemeClr>
+          </a:solidFill>
+          <a:ln>
+            <a:noFill/>
+          </a:ln>
+        </p:spPr>
+        <p:style>
+          <a:lnRef idx="2">
+            <a:schemeClr val="accent1">
+              <a:shade val="50000"/>
+            </a:schemeClr>
+          </a:lnRef>
+          <a:fillRef idx="1">
+            <a:schemeClr val="accent1"/>
+          </a:fillRef>
+          <a:effectRef idx="0">
+            <a:schemeClr val="accent1"/>
+          </a:effectRef>
+          <a:fontRef idx="minor">
+            <a:schemeClr val="lt1"/>
+          </a:fontRef>
+        </p:style>
+        <p:txBody>
+          <a:bodyPr lIns="822960" rtlCol="0" anchor="ctr"/>
+          <a:lstStyle/>
+          <a:p>
+            <a:endParaRPr lang="en-US" sz="2400" dirty="0">
+              <a:solidFill>
+                <a:schemeClr val="tx1">
+                  <a:lumMod val="75000"/>
+                  <a:lumOff val="25000"/>
+                </a:schemeClr>
+              </a:solidFill>
+              <a:latin typeface="Segoe UI Light" pitchFamily="34" charset="0"/>
+              <a:cs typeface="Segoe UI Light" pitchFamily="34" charset="0"/>
+            </a:endParaRPr>
+          </a:p>
+        </p:txBody>
+      </p:sp>
+      <p:sp>
+        <p:nvSpPr>
+          <p:cNvPr id="28" name="TextBox 27"/>
+          <p:cNvSpPr txBox="1"/>
+          <p:nvPr/>
+        </p:nvSpPr>
+        <p:spPr>
+          <a:xfrm>
+            <a:off x="178241" y="2181901"/>
+            <a:ext cx="1524000" cy="307777"/>
+          </a:xfrm>
+          <a:prstGeom prst="rect">
+            <a:avLst/>
+          </a:prstGeom>
+          <a:noFill/>
+        </p:spPr>
+        <p:txBody>
+          <a:bodyPr wrap="square" rtlCol="0">
+            <a:spAutoFit/>
+          </a:bodyPr>
+          <a:lstStyle/>
+          <a:p>
+            <a:pPr marL="285750" indent="-285750">
+              <a:buFont typeface="Wingdings" pitchFamily="2" charset="2"/>
+              <a:buChar char="Ø"/>
+            </a:pPr>
+            <a:r>
+              <a:rPr lang="en-US" sz="1400" dirty="0" smtClean="0">
+                <a:solidFill>
+                  <a:schemeClr val="bg1"/>
+                </a:solidFill>
+                <a:latin typeface="Segoe UI Light" pitchFamily="34" charset="0"/>
+                <a:cs typeface="Segoe UI Light" pitchFamily="34" charset="0"/>
+              </a:rPr>
+              <a:t>Buy Ticket</a:t>
+            </a:r>
+            <a:endParaRPr lang="en-US" sz="1400" dirty="0">
+              <a:solidFill>
+                <a:schemeClr val="bg1"/>
+              </a:solidFill>
+              <a:latin typeface="Segoe UI Light" pitchFamily="34" charset="0"/>
+              <a:cs typeface="Segoe UI Light" pitchFamily="34" charset="0"/>
+            </a:endParaRPr>
+          </a:p>
+        </p:txBody>
+      </p:sp>
+      <p:sp>
+        <p:nvSpPr>
+          <p:cNvPr id="29" name="TextBox 28"/>
+          <p:cNvSpPr txBox="1"/>
+          <p:nvPr/>
+        </p:nvSpPr>
+        <p:spPr>
+          <a:xfrm>
+            <a:off x="178241" y="2494048"/>
+            <a:ext cx="1524000" cy="307777"/>
+          </a:xfrm>
+          <a:prstGeom prst="rect">
+            <a:avLst/>
+          </a:prstGeom>
+          <a:noFill/>
+        </p:spPr>
+        <p:txBody>
+          <a:bodyPr wrap="square" rtlCol="0">
+            <a:spAutoFit/>
+          </a:bodyPr>
+          <a:lstStyle/>
+          <a:p>
+            <a:pPr marL="285750" indent="-285750">
+              <a:buFont typeface="Wingdings" pitchFamily="2" charset="2"/>
+              <a:buChar char="Ø"/>
+            </a:pPr>
+            <a:r>
+              <a:rPr lang="en-US" sz="1400" dirty="0" smtClean="0">
+                <a:solidFill>
+                  <a:schemeClr val="bg1"/>
+                </a:solidFill>
+                <a:latin typeface="Segoe UI Light" pitchFamily="34" charset="0"/>
+                <a:cs typeface="Segoe UI Light" pitchFamily="34" charset="0"/>
+              </a:rPr>
+              <a:t>Notification</a:t>
+            </a:r>
+            <a:endParaRPr lang="en-US" sz="1400" dirty="0">
+              <a:solidFill>
+                <a:schemeClr val="bg1"/>
+              </a:solidFill>
+              <a:latin typeface="Segoe UI Light" pitchFamily="34" charset="0"/>
+              <a:cs typeface="Segoe UI Light" pitchFamily="34" charset="0"/>
+            </a:endParaRPr>
+          </a:p>
+        </p:txBody>
+      </p:sp>
+      <p:sp>
+        <p:nvSpPr>
+          <p:cNvPr id="15" name="Rectangle 14"/>
+          <p:cNvSpPr/>
+          <p:nvPr/>
+        </p:nvSpPr>
+        <p:spPr>
+          <a:xfrm>
+            <a:off x="-32467" y="2847327"/>
+            <a:ext cx="1825488" cy="371072"/>
+          </a:xfrm>
+          <a:prstGeom prst="rect">
+            <a:avLst/>
+          </a:prstGeom>
+          <a:solidFill>
+            <a:srgbClr val="7030A0"/>
+          </a:solidFill>
+          <a:ln>
+            <a:noFill/>
+          </a:ln>
+        </p:spPr>
+        <p:style>
+          <a:lnRef idx="2">
+            <a:schemeClr val="accent1">
+              <a:shade val="50000"/>
+            </a:schemeClr>
+          </a:lnRef>
+          <a:fillRef idx="1">
+            <a:schemeClr val="accent1"/>
+          </a:fillRef>
+          <a:effectRef idx="0">
+            <a:schemeClr val="accent1"/>
+          </a:effectRef>
+          <a:fontRef idx="minor">
+            <a:schemeClr val="lt1"/>
+          </a:fontRef>
+        </p:style>
+        <p:txBody>
+          <a:bodyPr lIns="822960" rtlCol="0" anchor="ctr"/>
+          <a:lstStyle/>
+          <a:p>
+            <a:endParaRPr lang="en-US" sz="2400" dirty="0">
+              <a:solidFill>
+                <a:schemeClr val="tx1">
+                  <a:lumMod val="75000"/>
+                  <a:lumOff val="25000"/>
+                </a:schemeClr>
+              </a:solidFill>
+              <a:latin typeface="Segoe UI Light" pitchFamily="34" charset="0"/>
+              <a:cs typeface="Segoe UI Light" pitchFamily="34" charset="0"/>
+            </a:endParaRPr>
+          </a:p>
+        </p:txBody>
+      </p:sp>
+      <p:sp>
+        <p:nvSpPr>
+          <p:cNvPr id="16" name="TextBox 15"/>
+          <p:cNvSpPr txBox="1"/>
+          <p:nvPr/>
+        </p:nvSpPr>
+        <p:spPr>
+          <a:xfrm>
+            <a:off x="170952" y="2847327"/>
+            <a:ext cx="1524000" cy="307777"/>
+          </a:xfrm>
+          <a:prstGeom prst="rect">
+            <a:avLst/>
+          </a:prstGeom>
+          <a:noFill/>
+        </p:spPr>
+        <p:txBody>
+          <a:bodyPr wrap="square" rtlCol="0">
+            <a:spAutoFit/>
+          </a:bodyPr>
+          <a:lstStyle/>
+          <a:p>
+            <a:pPr marL="285750" indent="-285750">
+              <a:buFont typeface="Wingdings" pitchFamily="2" charset="2"/>
+              <a:buChar char="Ø"/>
+            </a:pPr>
+            <a:r>
+              <a:rPr lang="en-US" sz="1400" dirty="0" smtClean="0">
+                <a:solidFill>
+                  <a:schemeClr val="bg1"/>
+                </a:solidFill>
+                <a:latin typeface="Segoe UI Light" pitchFamily="34" charset="0"/>
+                <a:cs typeface="Segoe UI Light" pitchFamily="34" charset="0"/>
+              </a:rPr>
+              <a:t>Request</a:t>
+            </a:r>
+            <a:endParaRPr lang="en-US" sz="1400" dirty="0">
+              <a:solidFill>
+                <a:schemeClr val="bg1"/>
+              </a:solidFill>
+              <a:latin typeface="Segoe UI Light" pitchFamily="34" charset="0"/>
+              <a:cs typeface="Segoe UI Light" pitchFamily="34" charset="0"/>
+            </a:endParaRPr>
+          </a:p>
+        </p:txBody>
+      </p:sp>
+    </p:spTree>
+    <p:extLst>
+      <p:ext uri="{BB962C8B-B14F-4D97-AF65-F5344CB8AC3E}">
+        <p14:creationId xmlns:p14="http://schemas.microsoft.com/office/powerpoint/2010/main" val="140219921"/>
+      </p:ext>
+    </p:extLst>
+  </p:cSld>
+  <p:clrMapOvr>
+    <a:masterClrMapping/>
+  </p:clrMapOvr>
+  <p:timing>
+    <p:tnLst>
+      <p:par>
+        <p:cTn id="1" dur="indefinite" restart="never" nodeType="tmRoot"/>
+      </p:par>
+    </p:tnLst>
+  </p:timing>
+</p:sld>
+</file>
+
+<file path=ppt/slides/slide15.xml><?xml version="1.0" encoding="utf-8"?>
+<p:sld xmlns:a="http://schemas.openxmlformats.org/drawingml/2006/main" xmlns:r="http://schemas.openxmlformats.org/officeDocument/2006/relationships" xmlns:p="http://schemas.openxmlformats.org/presentationml/2006/main">
+  <p:cSld>
+    <p:spTree>
+      <p:nvGrpSpPr>
+        <p:cNvPr id="1" name=""/>
+        <p:cNvGrpSpPr/>
+        <p:nvPr/>
+      </p:nvGrpSpPr>
+      <p:grpSpPr>
+        <a:xfrm>
+          <a:off x="0" y="0"/>
+          <a:ext cx="0" cy="0"/>
+          <a:chOff x="0" y="0"/>
+          <a:chExt cx="0" cy="0"/>
+        </a:xfrm>
+      </p:grpSpPr>
+      <p:sp>
+        <p:nvSpPr>
+          <p:cNvPr id="2" name="Rectangle 1"/>
+          <p:cNvSpPr/>
+          <p:nvPr/>
+        </p:nvSpPr>
+        <p:spPr>
+          <a:xfrm>
+            <a:off x="0" y="0"/>
             <a:ext cx="1828800" cy="6858000"/>
           </a:xfrm>
           <a:prstGeom prst="rect">
@@ -5612,7 +7873,7 @@
 </p:sld>
 </file>
 
-<file path=ppt/slides/slide13.xml><?xml version="1.0" encoding="utf-8"?>
+<file path=ppt/slides/slide16.xml><?xml version="1.0" encoding="utf-8"?>
 <p:sld xmlns:a="http://schemas.openxmlformats.org/drawingml/2006/main" xmlns:r="http://schemas.openxmlformats.org/officeDocument/2006/relationships" xmlns:p="http://schemas.openxmlformats.org/presentationml/2006/main">
   <p:cSld>
     <p:spTree>
@@ -6540,7 +8801,7 @@
 </p:sld>
 </file>
 
-<file path=ppt/slides/slide14.xml><?xml version="1.0" encoding="utf-8"?>
+<file path=ppt/slides/slide17.xml><?xml version="1.0" encoding="utf-8"?>
 <p:sld xmlns:a="http://schemas.openxmlformats.org/drawingml/2006/main" xmlns:r="http://schemas.openxmlformats.org/officeDocument/2006/relationships" xmlns:p="http://schemas.openxmlformats.org/presentationml/2006/main">
   <p:cSld>
     <p:spTree>
@@ -7241,7 +9502,7 @@
 </p:sld>
 </file>
 
-<file path=ppt/slides/slide15.xml><?xml version="1.0" encoding="utf-8"?>
+<file path=ppt/slides/slide18.xml><?xml version="1.0" encoding="utf-8"?>
 <p:sld xmlns:a="http://schemas.openxmlformats.org/drawingml/2006/main" xmlns:r="http://schemas.openxmlformats.org/officeDocument/2006/relationships" xmlns:p="http://schemas.openxmlformats.org/presentationml/2006/main">
   <p:cSld>
     <p:spTree>
@@ -7404,7 +9665,7 @@
         <p:spPr>
           <a:xfrm>
             <a:off x="152400" y="2597426"/>
-            <a:ext cx="1600199" cy="400110"/>
+            <a:ext cx="1600199" cy="369332"/>
           </a:xfrm>
           <a:prstGeom prst="rect">
             <a:avLst/>
@@ -7418,14 +9679,14 @@
           <a:lstStyle/>
           <a:p>
             <a:r>
-              <a:rPr lang="en-US" sz="2000" dirty="0" smtClean="0">
+              <a:rPr lang="en-US" dirty="0" smtClean="0">
                 <a:solidFill>
                   <a:schemeClr val="bg1"/>
                 </a:solidFill>
                 <a:latin typeface="Segoe UI Light" pitchFamily="34" charset="0"/>
                 <a:cs typeface="Segoe UI Light" pitchFamily="34" charset="0"/>
               </a:rPr>
-              <a:t>Future Plan</a:t>
+              <a:t>Disadvantage</a:t>
             </a:r>
             <a:endParaRPr lang="en-US" sz="2400" dirty="0">
               <a:solidFill>
@@ -7504,7 +9765,7 @@
         <p:spPr>
           <a:xfrm>
             <a:off x="2286000" y="1219200"/>
-            <a:ext cx="6096000" cy="3662541"/>
+            <a:ext cx="6096000" cy="4216539"/>
           </a:xfrm>
           <a:prstGeom prst="rect">
             <a:avLst/>
@@ -7589,7 +9850,36 @@
                 <a:latin typeface="Segoe UI Light" pitchFamily="34" charset="0"/>
                 <a:cs typeface="Segoe UI Light" pitchFamily="34" charset="0"/>
               </a:rPr>
-              <a:t>Have only one role Admin</a:t>
+              <a:t>Have only one role </a:t>
+            </a:r>
+            <a:r>
+              <a:rPr lang="en-US" sz="2400" dirty="0" smtClean="0">
+                <a:solidFill>
+                  <a:srgbClr val="7030A0"/>
+                </a:solidFill>
+                <a:latin typeface="Segoe UI Light" pitchFamily="34" charset="0"/>
+                <a:cs typeface="Segoe UI Light" pitchFamily="34" charset="0"/>
+              </a:rPr>
+              <a:t>Admin</a:t>
+            </a:r>
+          </a:p>
+          <a:p>
+            <a:pPr marL="342900" indent="-342900">
+              <a:lnSpc>
+                <a:spcPct val="150000"/>
+              </a:lnSpc>
+              <a:buFont typeface="Wingdings" pitchFamily="2" charset="2"/>
+              <a:buChar char="§"/>
+            </a:pPr>
+            <a:r>
+              <a:rPr lang="en-US" sz="2400" dirty="0" smtClean="0">
+                <a:solidFill>
+                  <a:srgbClr val="7030A0"/>
+                </a:solidFill>
+                <a:latin typeface="Segoe UI Light" pitchFamily="34" charset="0"/>
+                <a:cs typeface="Segoe UI Light" pitchFamily="34" charset="0"/>
+              </a:rPr>
+              <a:t>Services only in HCMC</a:t>
             </a:r>
             <a:endParaRPr lang="en-US" sz="2400" dirty="0">
               <a:solidFill>
@@ -7644,7 +9934,7 @@
 </p:sld>
 </file>
 
-<file path=ppt/slides/slide16.xml><?xml version="1.0" encoding="utf-8"?>
+<file path=ppt/slides/slide19.xml><?xml version="1.0" encoding="utf-8"?>
 <p:sld xmlns:a="http://schemas.openxmlformats.org/drawingml/2006/main" xmlns:r="http://schemas.openxmlformats.org/officeDocument/2006/relationships" xmlns:p="http://schemas.openxmlformats.org/presentationml/2006/main">
   <p:cSld>
     <p:spTree>
@@ -7954,7 +10244,27 @@
                 <a:latin typeface="Segoe UI Light" pitchFamily="34" charset="0"/>
                 <a:cs typeface="Segoe UI Light" pitchFamily="34" charset="0"/>
               </a:rPr>
-              <a:t>Allows user buy many tickets</a:t>
+              <a:t>Allows user </a:t>
+            </a:r>
+            <a:r>
+              <a:rPr lang="en-US" sz="2400" dirty="0" smtClean="0">
+                <a:solidFill>
+                  <a:srgbClr val="7030A0"/>
+                </a:solidFill>
+                <a:latin typeface="Segoe UI Light" pitchFamily="34" charset="0"/>
+                <a:cs typeface="Segoe UI Light" pitchFamily="34" charset="0"/>
+              </a:rPr>
+              <a:t>buy &amp; sell </a:t>
+            </a:r>
+            <a:r>
+              <a:rPr lang="en-US" sz="2400" dirty="0" smtClean="0">
+                <a:solidFill>
+                  <a:srgbClr val="7030A0"/>
+                </a:solidFill>
+                <a:latin typeface="Segoe UI Light" pitchFamily="34" charset="0"/>
+                <a:cs typeface="Segoe UI Light" pitchFamily="34" charset="0"/>
+              </a:rPr>
+              <a:t>many tickets</a:t>
             </a:r>
           </a:p>
           <a:p>
@@ -8013,13 +10323,6 @@
               </a:rPr>
               <a:t>Provide shipping nationwide</a:t>
             </a:r>
-            <a:endParaRPr lang="en-US" sz="2400" dirty="0">
-              <a:solidFill>
-                <a:srgbClr val="7030A0"/>
-              </a:solidFill>
-              <a:latin typeface="Segoe UI Light" pitchFamily="34" charset="0"/>
-              <a:cs typeface="Segoe UI Light" pitchFamily="34" charset="0"/>
-            </a:endParaRPr>
           </a:p>
           <a:p>
             <a:pPr>
@@ -8050,321 +10353,6 @@
     <p:extLst>
       <p:ext uri="{BB962C8B-B14F-4D97-AF65-F5344CB8AC3E}">
         <p14:creationId xmlns:p14="http://schemas.microsoft.com/office/powerpoint/2010/main" val="1829961558"/>
-      </p:ext>
-    </p:extLst>
-  </p:cSld>
-  <p:clrMapOvr>
-    <a:masterClrMapping/>
-  </p:clrMapOvr>
-  <p:timing>
-    <p:tnLst>
-      <p:par>
-        <p:cTn id="1" dur="indefinite" restart="never" nodeType="tmRoot"/>
-      </p:par>
-    </p:tnLst>
-  </p:timing>
-</p:sld>
-</file>
-
-<file path=ppt/slides/slide17.xml><?xml version="1.0" encoding="utf-8"?>
-<p:sld xmlns:a="http://schemas.openxmlformats.org/drawingml/2006/main" xmlns:r="http://schemas.openxmlformats.org/officeDocument/2006/relationships" xmlns:p="http://schemas.openxmlformats.org/presentationml/2006/main">
-  <p:cSld>
-    <p:spTree>
-      <p:nvGrpSpPr>
-        <p:cNvPr id="1" name=""/>
-        <p:cNvGrpSpPr/>
-        <p:nvPr/>
-      </p:nvGrpSpPr>
-      <p:grpSpPr>
-        <a:xfrm>
-          <a:off x="0" y="0"/>
-          <a:ext cx="0" cy="0"/>
-          <a:chOff x="0" y="0"/>
-          <a:chExt cx="0" cy="0"/>
-        </a:xfrm>
-      </p:grpSpPr>
-      <p:sp>
-        <p:nvSpPr>
-          <p:cNvPr id="2" name="Rectangle 1"/>
-          <p:cNvSpPr/>
-          <p:nvPr/>
-        </p:nvSpPr>
-        <p:spPr>
-          <a:xfrm>
-            <a:off x="0" y="0"/>
-            <a:ext cx="2667000" cy="6858000"/>
-          </a:xfrm>
-          <a:prstGeom prst="rect">
-            <a:avLst/>
-          </a:prstGeom>
-          <a:solidFill>
-            <a:schemeClr val="bg1">
-              <a:lumMod val="95000"/>
-            </a:schemeClr>
-          </a:solidFill>
-          <a:ln>
-            <a:noFill/>
-          </a:ln>
-        </p:spPr>
-        <p:style>
-          <a:lnRef idx="2">
-            <a:schemeClr val="accent1">
-              <a:shade val="50000"/>
-            </a:schemeClr>
-          </a:lnRef>
-          <a:fillRef idx="1">
-            <a:schemeClr val="accent1"/>
-          </a:fillRef>
-          <a:effectRef idx="0">
-            <a:schemeClr val="accent1"/>
-          </a:effectRef>
-          <a:fontRef idx="minor">
-            <a:schemeClr val="lt1"/>
-          </a:fontRef>
-        </p:style>
-        <p:txBody>
-          <a:bodyPr rtlCol="0" anchor="ctr"/>
-          <a:lstStyle/>
-          <a:p>
-            <a:pPr algn="ctr"/>
-            <a:endParaRPr lang="en-US"/>
-          </a:p>
-        </p:txBody>
-      </p:sp>
-      <p:sp>
-        <p:nvSpPr>
-          <p:cNvPr id="4" name="Rectangle 3"/>
-          <p:cNvSpPr/>
-          <p:nvPr/>
-        </p:nvSpPr>
-        <p:spPr>
-          <a:xfrm>
-            <a:off x="0" y="1219200"/>
-            <a:ext cx="2667000" cy="3657600"/>
-          </a:xfrm>
-          <a:prstGeom prst="rect">
-            <a:avLst/>
-          </a:prstGeom>
-          <a:solidFill>
-            <a:srgbClr val="7030A0"/>
-          </a:solidFill>
-          <a:ln>
-            <a:noFill/>
-          </a:ln>
-        </p:spPr>
-        <p:style>
-          <a:lnRef idx="2">
-            <a:schemeClr val="accent1">
-              <a:shade val="50000"/>
-            </a:schemeClr>
-          </a:lnRef>
-          <a:fillRef idx="1">
-            <a:schemeClr val="accent1"/>
-          </a:fillRef>
-          <a:effectRef idx="0">
-            <a:schemeClr val="accent1"/>
-          </a:effectRef>
-          <a:fontRef idx="minor">
-            <a:schemeClr val="lt1"/>
-          </a:fontRef>
-        </p:style>
-        <p:txBody>
-          <a:bodyPr lIns="822960" rtlCol="0" anchor="ctr"/>
-          <a:lstStyle/>
-          <a:p>
-            <a:endParaRPr lang="en-US" sz="2400" dirty="0">
-              <a:latin typeface="Segoe UI Light" pitchFamily="34" charset="0"/>
-              <a:cs typeface="Segoe UI Light" pitchFamily="34" charset="0"/>
-            </a:endParaRPr>
-          </a:p>
-        </p:txBody>
-      </p:sp>
-      <p:pic>
-        <p:nvPicPr>
-          <p:cNvPr id="12" name="Picture 11" descr="C:\Users\iLucas\Desktop\logo_fpt_university_doc copy.png"/>
-          <p:cNvPicPr>
-            <a:picLocks noChangeAspect="1" noChangeArrowheads="1"/>
-          </p:cNvPicPr>
-          <p:nvPr/>
-        </p:nvPicPr>
-        <p:blipFill>
-          <a:blip r:embed="rId2" cstate="print">
-            <a:extLst>
-              <a:ext uri="{28A0092B-C50C-407E-A947-70E740481C1C}">
-                <a14:useLocalDpi xmlns:a14="http://schemas.microsoft.com/office/drawing/2010/main" val="0"/>
-              </a:ext>
-            </a:extLst>
-          </a:blip>
-          <a:srcRect/>
-          <a:stretch>
-            <a:fillRect/>
-          </a:stretch>
-        </p:blipFill>
-        <p:spPr bwMode="auto">
-          <a:xfrm>
-            <a:off x="415580" y="66329"/>
-            <a:ext cx="997640" cy="773302"/>
-          </a:xfrm>
-          <a:prstGeom prst="rect">
-            <a:avLst/>
-          </a:prstGeom>
-          <a:noFill/>
-          <a:extLst>
-            <a:ext uri="{909E8E84-426E-40DD-AFC4-6F175D3DCCD1}">
-              <a14:hiddenFill xmlns:a14="http://schemas.microsoft.com/office/drawing/2010/main">
-                <a:solidFill>
-                  <a:srgbClr val="FFFFFF"/>
-                </a:solidFill>
-              </a14:hiddenFill>
-            </a:ext>
-          </a:extLst>
-        </p:spPr>
-      </p:pic>
-      <p:sp>
-        <p:nvSpPr>
-          <p:cNvPr id="5" name="TextBox 4"/>
-          <p:cNvSpPr txBox="1"/>
-          <p:nvPr/>
-        </p:nvSpPr>
-        <p:spPr>
-          <a:xfrm>
-            <a:off x="533400" y="2597426"/>
-            <a:ext cx="1600199" cy="707886"/>
-          </a:xfrm>
-          <a:prstGeom prst="rect">
-            <a:avLst/>
-          </a:prstGeom>
-          <a:noFill/>
-        </p:spPr>
-        <p:txBody>
-          <a:bodyPr wrap="square" rtlCol="0">
-            <a:spAutoFit/>
-          </a:bodyPr>
-          <a:lstStyle/>
-          <a:p>
-            <a:r>
-              <a:rPr lang="en-US" sz="4000" dirty="0" smtClean="0">
-                <a:solidFill>
-                  <a:schemeClr val="bg1"/>
-                </a:solidFill>
-                <a:latin typeface="Segoe UI Light" pitchFamily="34" charset="0"/>
-                <a:cs typeface="Segoe UI Light" pitchFamily="34" charset="0"/>
-              </a:rPr>
-              <a:t>Demo</a:t>
-            </a:r>
-            <a:endParaRPr lang="en-US" sz="4400" dirty="0">
-              <a:solidFill>
-                <a:schemeClr val="bg1"/>
-              </a:solidFill>
-              <a:latin typeface="Segoe UI Light" pitchFamily="34" charset="0"/>
-              <a:cs typeface="Segoe UI Light" pitchFamily="34" charset="0"/>
-            </a:endParaRPr>
-          </a:p>
-        </p:txBody>
-      </p:sp>
-      <p:sp>
-        <p:nvSpPr>
-          <p:cNvPr id="19" name="TextBox 18"/>
-          <p:cNvSpPr txBox="1"/>
-          <p:nvPr/>
-        </p:nvSpPr>
-        <p:spPr>
-          <a:xfrm>
-            <a:off x="1828800" y="96028"/>
-            <a:ext cx="3352800" cy="400110"/>
-          </a:xfrm>
-          <a:prstGeom prst="rect">
-            <a:avLst/>
-          </a:prstGeom>
-          <a:noFill/>
-        </p:spPr>
-        <p:txBody>
-          <a:bodyPr wrap="square" rtlCol="0">
-            <a:spAutoFit/>
-          </a:bodyPr>
-          <a:lstStyle/>
-          <a:p>
-            <a:r>
-              <a:rPr lang="en-US" sz="2000" b="1" dirty="0">
-                <a:solidFill>
-                  <a:srgbClr val="7030A0"/>
-                </a:solidFill>
-                <a:latin typeface="Segoe UI Light" panose="020B0502040204020203" pitchFamily="34" charset="0"/>
-                <a:ea typeface="+mj-ea"/>
-                <a:cs typeface="Segoe UI Light" panose="020B0502040204020203" pitchFamily="34" charset="0"/>
-              </a:rPr>
-              <a:t>Group </a:t>
-            </a:r>
-            <a:r>
-              <a:rPr lang="en-US" sz="2000" b="1" dirty="0" smtClean="0">
-                <a:solidFill>
-                  <a:srgbClr val="7030A0"/>
-                </a:solidFill>
-                <a:latin typeface="Segoe UI Light" panose="020B0502040204020203" pitchFamily="34" charset="0"/>
-                <a:ea typeface="+mj-ea"/>
-                <a:cs typeface="Segoe UI Light" panose="020B0502040204020203" pitchFamily="34" charset="0"/>
-              </a:rPr>
-              <a:t>8 - Drop </a:t>
-            </a:r>
-            <a:r>
-              <a:rPr lang="en-US" sz="2000" b="1" dirty="0">
-                <a:solidFill>
-                  <a:srgbClr val="7030A0"/>
-                </a:solidFill>
-                <a:latin typeface="Segoe UI Light" panose="020B0502040204020203" pitchFamily="34" charset="0"/>
-                <a:ea typeface="+mj-ea"/>
-                <a:cs typeface="Segoe UI Light" panose="020B0502040204020203" pitchFamily="34" charset="0"/>
-              </a:rPr>
-              <a:t>It</a:t>
-            </a:r>
-          </a:p>
-        </p:txBody>
-      </p:sp>
-      <p:pic>
-        <p:nvPicPr>
-          <p:cNvPr id="3074" name="Picture 2" descr="C:\Users\Hieu\Desktop\6985220-image-of-q-a-questions-and-answers-on-3d-blocks-isolated-on-a-white-background.jpg"/>
-          <p:cNvPicPr>
-            <a:picLocks noChangeAspect="1" noChangeArrowheads="1"/>
-          </p:cNvPicPr>
-          <p:nvPr/>
-        </p:nvPicPr>
-        <p:blipFill>
-          <a:blip r:embed="rId3" cstate="print">
-            <a:extLst>
-              <a:ext uri="{28A0092B-C50C-407E-A947-70E740481C1C}">
-                <a14:useLocalDpi xmlns:a14="http://schemas.microsoft.com/office/drawing/2010/main" val="0"/>
-              </a:ext>
-            </a:extLst>
-          </a:blip>
-          <a:srcRect/>
-          <a:stretch>
-            <a:fillRect/>
-          </a:stretch>
-        </p:blipFill>
-        <p:spPr bwMode="auto">
-          <a:xfrm>
-            <a:off x="3429000" y="1089174"/>
-            <a:ext cx="4655488" cy="3724390"/>
-          </a:xfrm>
-          <a:prstGeom prst="rect">
-            <a:avLst/>
-          </a:prstGeom>
-          <a:noFill/>
-          <a:extLst>
-            <a:ext uri="{909E8E84-426E-40DD-AFC4-6F175D3DCCD1}">
-              <a14:hiddenFill xmlns:a14="http://schemas.microsoft.com/office/drawing/2010/main">
-                <a:solidFill>
-                  <a:srgbClr val="FFFFFF"/>
-                </a:solidFill>
-              </a14:hiddenFill>
-            </a:ext>
-          </a:extLst>
-        </p:spPr>
-      </p:pic>
-    </p:spTree>
-    <p:extLst>
-      <p:ext uri="{BB962C8B-B14F-4D97-AF65-F5344CB8AC3E}">
-        <p14:creationId xmlns:p14="http://schemas.microsoft.com/office/powerpoint/2010/main" val="617561134"/>
       </p:ext>
     </p:extLst>
   </p:cSld>
@@ -8693,13 +10681,6 @@
               </a:rPr>
               <a:t>Contents</a:t>
             </a:r>
-            <a:endParaRPr lang="en-US" sz="2400" dirty="0">
-              <a:solidFill>
-                <a:schemeClr val="bg1"/>
-              </a:solidFill>
-              <a:latin typeface="Segoe UI Light" pitchFamily="34" charset="0"/>
-              <a:cs typeface="Segoe UI Light" pitchFamily="34" charset="0"/>
-            </a:endParaRPr>
           </a:p>
         </p:txBody>
       </p:sp>
@@ -8765,6 +10746,239 @@
     <p:extLst>
       <p:ext uri="{BB962C8B-B14F-4D97-AF65-F5344CB8AC3E}">
         <p14:creationId xmlns:p14="http://schemas.microsoft.com/office/powerpoint/2010/main" val="4100906987"/>
+      </p:ext>
+    </p:extLst>
+  </p:cSld>
+  <p:clrMapOvr>
+    <a:masterClrMapping/>
+  </p:clrMapOvr>
+  <p:timing>
+    <p:tnLst>
+      <p:par>
+        <p:cTn id="1" dur="indefinite" restart="never" nodeType="tmRoot"/>
+      </p:par>
+    </p:tnLst>
+  </p:timing>
+</p:sld>
+</file>
+
+<file path=ppt/slides/slide20.xml><?xml version="1.0" encoding="utf-8"?>
+<p:sld xmlns:a="http://schemas.openxmlformats.org/drawingml/2006/main" xmlns:r="http://schemas.openxmlformats.org/officeDocument/2006/relationships" xmlns:p="http://schemas.openxmlformats.org/presentationml/2006/main">
+  <p:cSld>
+    <p:spTree>
+      <p:nvGrpSpPr>
+        <p:cNvPr id="1" name=""/>
+        <p:cNvGrpSpPr/>
+        <p:nvPr/>
+      </p:nvGrpSpPr>
+      <p:grpSpPr>
+        <a:xfrm>
+          <a:off x="0" y="0"/>
+          <a:ext cx="0" cy="0"/>
+          <a:chOff x="0" y="0"/>
+          <a:chExt cx="0" cy="0"/>
+        </a:xfrm>
+      </p:grpSpPr>
+      <p:pic>
+        <p:nvPicPr>
+          <p:cNvPr id="12" name="Picture 11" descr="C:\Users\iLucas\Desktop\logo_fpt_university_doc copy.png"/>
+          <p:cNvPicPr>
+            <a:picLocks noChangeAspect="1" noChangeArrowheads="1"/>
+          </p:cNvPicPr>
+          <p:nvPr/>
+        </p:nvPicPr>
+        <p:blipFill>
+          <a:blip r:embed="rId2" cstate="print">
+            <a:extLst>
+              <a:ext uri="{28A0092B-C50C-407E-A947-70E740481C1C}">
+                <a14:useLocalDpi xmlns:a14="http://schemas.microsoft.com/office/drawing/2010/main" val="0"/>
+              </a:ext>
+            </a:extLst>
+          </a:blip>
+          <a:srcRect/>
+          <a:stretch>
+            <a:fillRect/>
+          </a:stretch>
+        </p:blipFill>
+        <p:spPr bwMode="auto">
+          <a:xfrm>
+            <a:off x="415580" y="66329"/>
+            <a:ext cx="997640" cy="773302"/>
+          </a:xfrm>
+          <a:prstGeom prst="rect">
+            <a:avLst/>
+          </a:prstGeom>
+          <a:noFill/>
+          <a:extLst>
+            <a:ext uri="{909E8E84-426E-40DD-AFC4-6F175D3DCCD1}">
+              <a14:hiddenFill xmlns:a14="http://schemas.microsoft.com/office/drawing/2010/main">
+                <a:solidFill>
+                  <a:srgbClr val="FFFFFF"/>
+                </a:solidFill>
+              </a14:hiddenFill>
+            </a:ext>
+          </a:extLst>
+        </p:spPr>
+      </p:pic>
+      <p:sp>
+        <p:nvSpPr>
+          <p:cNvPr id="19" name="TextBox 18"/>
+          <p:cNvSpPr txBox="1"/>
+          <p:nvPr/>
+        </p:nvSpPr>
+        <p:spPr>
+          <a:xfrm>
+            <a:off x="1828800" y="96028"/>
+            <a:ext cx="3352800" cy="400110"/>
+          </a:xfrm>
+          <a:prstGeom prst="rect">
+            <a:avLst/>
+          </a:prstGeom>
+          <a:noFill/>
+        </p:spPr>
+        <p:txBody>
+          <a:bodyPr wrap="square" rtlCol="0">
+            <a:spAutoFit/>
+          </a:bodyPr>
+          <a:lstStyle/>
+          <a:p>
+            <a:r>
+              <a:rPr lang="en-US" sz="2000" b="1" dirty="0">
+                <a:solidFill>
+                  <a:srgbClr val="7030A0"/>
+                </a:solidFill>
+                <a:latin typeface="Segoe UI Light" panose="020B0502040204020203" pitchFamily="34" charset="0"/>
+                <a:ea typeface="+mj-ea"/>
+                <a:cs typeface="Segoe UI Light" panose="020B0502040204020203" pitchFamily="34" charset="0"/>
+              </a:rPr>
+              <a:t>Group </a:t>
+            </a:r>
+            <a:r>
+              <a:rPr lang="en-US" sz="2000" b="1" dirty="0" smtClean="0">
+                <a:solidFill>
+                  <a:srgbClr val="7030A0"/>
+                </a:solidFill>
+                <a:latin typeface="Segoe UI Light" panose="020B0502040204020203" pitchFamily="34" charset="0"/>
+                <a:ea typeface="+mj-ea"/>
+                <a:cs typeface="Segoe UI Light" panose="020B0502040204020203" pitchFamily="34" charset="0"/>
+              </a:rPr>
+              <a:t>8 - Drop </a:t>
+            </a:r>
+            <a:r>
+              <a:rPr lang="en-US" sz="2000" b="1" dirty="0">
+                <a:solidFill>
+                  <a:srgbClr val="7030A0"/>
+                </a:solidFill>
+                <a:latin typeface="Segoe UI Light" panose="020B0502040204020203" pitchFamily="34" charset="0"/>
+                <a:ea typeface="+mj-ea"/>
+                <a:cs typeface="Segoe UI Light" panose="020B0502040204020203" pitchFamily="34" charset="0"/>
+              </a:rPr>
+              <a:t>It</a:t>
+            </a:r>
+          </a:p>
+        </p:txBody>
+      </p:sp>
+      <p:pic>
+        <p:nvPicPr>
+          <p:cNvPr id="3074" name="Picture 2" descr="C:\Users\Hieu\Desktop\6985220-image-of-q-a-questions-and-answers-on-3d-blocks-isolated-on-a-white-background.jpg"/>
+          <p:cNvPicPr>
+            <a:picLocks noChangeAspect="1" noChangeArrowheads="1"/>
+          </p:cNvPicPr>
+          <p:nvPr/>
+        </p:nvPicPr>
+        <p:blipFill>
+          <a:blip r:embed="rId3" cstate="print">
+            <a:extLst>
+              <a:ext uri="{28A0092B-C50C-407E-A947-70E740481C1C}">
+                <a14:useLocalDpi xmlns:a14="http://schemas.microsoft.com/office/drawing/2010/main" val="0"/>
+              </a:ext>
+            </a:extLst>
+          </a:blip>
+          <a:srcRect/>
+          <a:stretch>
+            <a:fillRect/>
+          </a:stretch>
+        </p:blipFill>
+        <p:spPr bwMode="auto">
+          <a:xfrm>
+            <a:off x="2438400" y="2514600"/>
+            <a:ext cx="4274488" cy="3419590"/>
+          </a:xfrm>
+          <a:prstGeom prst="rect">
+            <a:avLst/>
+          </a:prstGeom>
+          <a:noFill/>
+          <a:extLst>
+            <a:ext uri="{909E8E84-426E-40DD-AFC4-6F175D3DCCD1}">
+              <a14:hiddenFill xmlns:a14="http://schemas.microsoft.com/office/drawing/2010/main">
+                <a:solidFill>
+                  <a:srgbClr val="FFFFFF"/>
+                </a:solidFill>
+              </a14:hiddenFill>
+            </a:ext>
+          </a:extLst>
+        </p:spPr>
+      </p:pic>
+      <p:sp>
+        <p:nvSpPr>
+          <p:cNvPr id="3" name="TextBox 2"/>
+          <p:cNvSpPr txBox="1"/>
+          <p:nvPr/>
+        </p:nvSpPr>
+        <p:spPr>
+          <a:xfrm>
+            <a:off x="1600200" y="2286000"/>
+            <a:ext cx="6553200" cy="923330"/>
+          </a:xfrm>
+          <a:prstGeom prst="rect">
+            <a:avLst/>
+          </a:prstGeom>
+          <a:noFill/>
+        </p:spPr>
+        <p:txBody>
+          <a:bodyPr wrap="square" rtlCol="0">
+            <a:spAutoFit/>
+          </a:bodyPr>
+          <a:lstStyle/>
+          <a:p>
+            <a:r>
+              <a:rPr lang="en-US" sz="5400" b="1" i="1" dirty="0">
+                <a:solidFill>
+                  <a:srgbClr val="7030A0"/>
+                </a:solidFill>
+                <a:effectLst>
+                  <a:outerShdw blurRad="38100" dist="38100" dir="2700000" algn="tl">
+                    <a:srgbClr val="000000">
+                      <a:alpha val="43137"/>
+                    </a:srgbClr>
+                  </a:outerShdw>
+                </a:effectLst>
+                <a:latin typeface="Segoe UI Light" pitchFamily="34" charset="0"/>
+                <a:cs typeface="Segoe UI Light" pitchFamily="34" charset="0"/>
+              </a:rPr>
+              <a:t>Thanks for Listening</a:t>
+            </a:r>
+            <a:endParaRPr lang="en-US" sz="5400" b="1" i="1" dirty="0">
+              <a:solidFill>
+                <a:srgbClr val="7030A0"/>
+              </a:solidFill>
+              <a:effectLst>
+                <a:outerShdw blurRad="38100" dist="38100" dir="2700000" algn="tl">
+                  <a:srgbClr val="000000">
+                    <a:alpha val="43137"/>
+                  </a:srgbClr>
+                </a:outerShdw>
+              </a:effectLst>
+              <a:latin typeface="Segoe UI Light" pitchFamily="34" charset="0"/>
+              <a:cs typeface="Segoe UI Light" pitchFamily="34" charset="0"/>
+            </a:endParaRPr>
+          </a:p>
+        </p:txBody>
+      </p:sp>
+    </p:spTree>
+    <p:extLst>
+      <p:ext uri="{BB962C8B-B14F-4D97-AF65-F5344CB8AC3E}">
+        <p14:creationId xmlns:p14="http://schemas.microsoft.com/office/powerpoint/2010/main" val="617561134"/>
       </p:ext>
     </p:extLst>
   </p:cSld>
@@ -9842,13 +12056,6 @@
               </a:rPr>
               <a:t>The People</a:t>
             </a:r>
-            <a:endParaRPr lang="en-US" sz="1400" dirty="0">
-              <a:solidFill>
-                <a:schemeClr val="bg1"/>
-              </a:solidFill>
-              <a:latin typeface="Segoe UI Light" pitchFamily="34" charset="0"/>
-              <a:cs typeface="Segoe UI Light" pitchFamily="34" charset="0"/>
-            </a:endParaRPr>
           </a:p>
         </p:txBody>
       </p:sp>
@@ -11467,13 +13674,6 @@
               </a:rPr>
               <a:t>The People</a:t>
             </a:r>
-            <a:endParaRPr lang="en-US" sz="1400" dirty="0">
-              <a:solidFill>
-                <a:schemeClr val="bg1"/>
-              </a:solidFill>
-              <a:latin typeface="Segoe UI Light" pitchFamily="34" charset="0"/>
-              <a:cs typeface="Segoe UI Light" pitchFamily="34" charset="0"/>
-            </a:endParaRPr>
           </a:p>
         </p:txBody>
       </p:sp>
@@ -11771,13 +13971,6 @@
               </a:rPr>
               <a:t>Our Proposal</a:t>
             </a:r>
-            <a:endParaRPr lang="en-US" sz="1400" dirty="0">
-              <a:solidFill>
-                <a:schemeClr val="bg1"/>
-              </a:solidFill>
-              <a:latin typeface="Segoe UI Light" pitchFamily="34" charset="0"/>
-              <a:cs typeface="Segoe UI Light" pitchFamily="34" charset="0"/>
-            </a:endParaRPr>
           </a:p>
         </p:txBody>
       </p:sp>
@@ -12568,13 +14761,6 @@
               </a:rPr>
               <a:t>The People</a:t>
             </a:r>
-            <a:endParaRPr lang="en-US" sz="1400" dirty="0">
-              <a:solidFill>
-                <a:schemeClr val="bg1"/>
-              </a:solidFill>
-              <a:latin typeface="Segoe UI Light" pitchFamily="34" charset="0"/>
-              <a:cs typeface="Segoe UI Light" pitchFamily="34" charset="0"/>
-            </a:endParaRPr>
           </a:p>
         </p:txBody>
       </p:sp>
@@ -12872,13 +15058,6 @@
               </a:rPr>
               <a:t>Our Proposal</a:t>
             </a:r>
-            <a:endParaRPr lang="en-US" sz="1400" dirty="0">
-              <a:solidFill>
-                <a:schemeClr val="bg1"/>
-              </a:solidFill>
-              <a:latin typeface="Segoe UI Light" pitchFamily="34" charset="0"/>
-              <a:cs typeface="Segoe UI Light" pitchFamily="34" charset="0"/>
-            </a:endParaRPr>
           </a:p>
         </p:txBody>
       </p:sp>
@@ -13390,13 +15569,6 @@
               </a:rPr>
               <a:t>The People</a:t>
             </a:r>
-            <a:endParaRPr lang="en-US" sz="1400" dirty="0">
-              <a:solidFill>
-                <a:schemeClr val="bg1"/>
-              </a:solidFill>
-              <a:latin typeface="Segoe UI Light" pitchFamily="34" charset="0"/>
-              <a:cs typeface="Segoe UI Light" pitchFamily="34" charset="0"/>
-            </a:endParaRPr>
           </a:p>
         </p:txBody>
       </p:sp>
@@ -13778,20 +15950,7 @@
                 <a:latin typeface="Segoe UI Light" pitchFamily="34" charset="0"/>
                 <a:cs typeface="Segoe UI Light" pitchFamily="34" charset="0"/>
               </a:rPr>
-              <a:t>Mostly Introduce </a:t>
-            </a:r>
-            <a:r>
-              <a:rPr lang="en-US" sz="2000" dirty="0">
-                <a:solidFill>
-                  <a:schemeClr val="tx1">
-                    <a:lumMod val="75000"/>
-                    <a:lumOff val="25000"/>
-                  </a:schemeClr>
-                </a:solidFill>
-                <a:latin typeface="Segoe UI Light" pitchFamily="34" charset="0"/>
-                <a:cs typeface="Segoe UI Light" pitchFamily="34" charset="0"/>
-              </a:rPr>
-              <a:t>show, event</a:t>
+              <a:t>Mostly Introduce show, event</a:t>
             </a:r>
           </a:p>
           <a:p>
@@ -13816,44 +15975,8 @@
                 <a:latin typeface="Segoe UI Light" pitchFamily="34" charset="0"/>
                 <a:cs typeface="Segoe UI Light" pitchFamily="34" charset="0"/>
               </a:rPr>
-              <a:t>Weak </a:t>
-            </a:r>
-            <a:r>
-              <a:rPr lang="en-US" sz="2000" dirty="0">
-                <a:solidFill>
-                  <a:schemeClr val="tx1">
-                    <a:lumMod val="75000"/>
-                    <a:lumOff val="25000"/>
-                  </a:schemeClr>
-                </a:solidFill>
-                <a:latin typeface="Segoe UI Light" pitchFamily="34" charset="0"/>
-                <a:cs typeface="Segoe UI Light" pitchFamily="34" charset="0"/>
-              </a:rPr>
-              <a:t>online </a:t>
-            </a:r>
-            <a:r>
-              <a:rPr lang="en-US" sz="2000" dirty="0">
-                <a:solidFill>
-                  <a:schemeClr val="tx1">
-                    <a:lumMod val="75000"/>
-                    <a:lumOff val="25000"/>
-                  </a:schemeClr>
-                </a:solidFill>
-                <a:latin typeface="Segoe UI Light" pitchFamily="34" charset="0"/>
-                <a:cs typeface="Segoe UI Light" pitchFamily="34" charset="0"/>
-              </a:rPr>
-              <a:t>payment</a:t>
-            </a:r>
-            <a:endParaRPr lang="en-US" sz="2000" dirty="0">
-              <a:solidFill>
-                <a:schemeClr val="tx1">
-                  <a:lumMod val="75000"/>
-                  <a:lumOff val="25000"/>
-                </a:schemeClr>
-              </a:solidFill>
-              <a:latin typeface="Segoe UI Light" pitchFamily="34" charset="0"/>
-              <a:cs typeface="Segoe UI Light" pitchFamily="34" charset="0"/>
-            </a:endParaRPr>
+              <a:t>Weak online payment</a:t>
+            </a:r>
           </a:p>
           <a:p>
             <a:pPr lvl="1"/>
@@ -14348,13 +16471,6 @@
               </a:rPr>
               <a:t>The People</a:t>
             </a:r>
-            <a:endParaRPr lang="en-US" sz="1400" dirty="0">
-              <a:solidFill>
-                <a:schemeClr val="bg1"/>
-              </a:solidFill>
-              <a:latin typeface="Segoe UI Light" pitchFamily="34" charset="0"/>
-              <a:cs typeface="Segoe UI Light" pitchFamily="34" charset="0"/>
-            </a:endParaRPr>
           </a:p>
         </p:txBody>
       </p:sp>
@@ -14652,13 +16768,6 @@
               </a:rPr>
               <a:t>Our Proposal</a:t>
             </a:r>
-            <a:endParaRPr lang="en-US" sz="1400" dirty="0">
-              <a:solidFill>
-                <a:schemeClr val="bg1"/>
-              </a:solidFill>
-              <a:latin typeface="Segoe UI Light" pitchFamily="34" charset="0"/>
-              <a:cs typeface="Segoe UI Light" pitchFamily="34" charset="0"/>
-            </a:endParaRPr>
           </a:p>
         </p:txBody>
       </p:sp>
@@ -14757,16 +16866,6 @@
               </a:rPr>
               <a:t>on 2nd ticket market</a:t>
             </a:r>
-            <a:endParaRPr lang="en-US" sz="2000" dirty="0">
-              <a:solidFill>
-                <a:schemeClr val="tx1">
-                  <a:lumMod val="75000"/>
-                  <a:lumOff val="25000"/>
-                </a:schemeClr>
-              </a:solidFill>
-              <a:latin typeface="Segoe UI Light" pitchFamily="34" charset="0"/>
-              <a:cs typeface="Segoe UI Light" pitchFamily="34" charset="0"/>
-            </a:endParaRPr>
           </a:p>
           <a:p>
             <a:pPr marL="342900" indent="-342900">
@@ -14853,44 +16952,8 @@
                 <a:latin typeface="Segoe UI Light" pitchFamily="34" charset="0"/>
                 <a:cs typeface="Segoe UI Light" pitchFamily="34" charset="0"/>
               </a:rPr>
-              <a:t>Online </a:t>
-            </a:r>
-            <a:r>
-              <a:rPr lang="en-US" sz="2000" dirty="0">
-                <a:solidFill>
-                  <a:schemeClr val="tx1">
-                    <a:lumMod val="75000"/>
-                    <a:lumOff val="25000"/>
-                  </a:schemeClr>
-                </a:solidFill>
-                <a:latin typeface="Segoe UI Light" pitchFamily="34" charset="0"/>
-                <a:cs typeface="Segoe UI Light" pitchFamily="34" charset="0"/>
-              </a:rPr>
-              <a:t>payment</a:t>
-            </a:r>
-            <a:r>
-              <a:rPr lang="en-US" sz="2000" dirty="0">
-                <a:solidFill>
-                  <a:schemeClr val="tx1">
-                    <a:lumMod val="75000"/>
-                    <a:lumOff val="25000"/>
-                  </a:schemeClr>
-                </a:solidFill>
-                <a:latin typeface="Segoe UI Light" pitchFamily="34" charset="0"/>
-                <a:cs typeface="Segoe UI Light" pitchFamily="34" charset="0"/>
-              </a:rPr>
-              <a:t>.</a:t>
-            </a:r>
-            <a:endParaRPr lang="en-US" sz="2000" dirty="0">
-              <a:solidFill>
-                <a:schemeClr val="tx1">
-                  <a:lumMod val="75000"/>
-                  <a:lumOff val="25000"/>
-                </a:schemeClr>
-              </a:solidFill>
-              <a:latin typeface="Segoe UI Light" pitchFamily="34" charset="0"/>
-              <a:cs typeface="Segoe UI Light" pitchFamily="34" charset="0"/>
-            </a:endParaRPr>
+              <a:t>Online payment.</a:t>
+            </a:r>
           </a:p>
         </p:txBody>
       </p:sp>

--- a/Document/Present.pptx
+++ b/Document/Present.pptx
@@ -5,7 +5,7 @@
     <p:sldMasterId id="2147483648" r:id="rId1"/>
   </p:sldMasterIdLst>
   <p:notesMasterIdLst>
-    <p:notesMasterId r:id="rId22"/>
+    <p:notesMasterId r:id="rId23"/>
   </p:notesMasterIdLst>
   <p:sldIdLst>
     <p:sldId id="256" r:id="rId2"/>
@@ -25,9 +25,10 @@
     <p:sldId id="268" r:id="rId16"/>
     <p:sldId id="273" r:id="rId17"/>
     <p:sldId id="274" r:id="rId18"/>
-    <p:sldId id="270" r:id="rId19"/>
-    <p:sldId id="275" r:id="rId20"/>
-    <p:sldId id="271" r:id="rId21"/>
+    <p:sldId id="282" r:id="rId19"/>
+    <p:sldId id="270" r:id="rId20"/>
+    <p:sldId id="275" r:id="rId21"/>
+    <p:sldId id="271" r:id="rId22"/>
   </p:sldIdLst>
   <p:sldSz cx="9144000" cy="6858000" type="screen4x3"/>
   <p:notesSz cx="6858000" cy="9144000"/>
@@ -211,7 +212,7 @@
           <a:p>
             <a:fld id="{5F3C816B-6264-4CFF-B007-776089C8006A}" type="datetimeFigureOut">
               <a:rPr lang="en-US" smtClean="0"/>
-              <a:t>8/23/2013</a:t>
+              <a:t>8/24/2013</a:t>
             </a:fld>
             <a:endParaRPr lang="en-US"/>
           </a:p>
@@ -660,7 +661,7 @@
           <a:p>
             <a:fld id="{8262F83D-21AC-4462-A57F-A062BBC2BA25}" type="datetimeFigureOut">
               <a:rPr lang="en-US" smtClean="0"/>
-              <a:t>8/23/2013</a:t>
+              <a:t>8/24/2013</a:t>
             </a:fld>
             <a:endParaRPr lang="en-US"/>
           </a:p>
@@ -830,7 +831,7 @@
           <a:p>
             <a:fld id="{8262F83D-21AC-4462-A57F-A062BBC2BA25}" type="datetimeFigureOut">
               <a:rPr lang="en-US" smtClean="0"/>
-              <a:t>8/23/2013</a:t>
+              <a:t>8/24/2013</a:t>
             </a:fld>
             <a:endParaRPr lang="en-US"/>
           </a:p>
@@ -1010,7 +1011,7 @@
           <a:p>
             <a:fld id="{8262F83D-21AC-4462-A57F-A062BBC2BA25}" type="datetimeFigureOut">
               <a:rPr lang="en-US" smtClean="0"/>
-              <a:t>8/23/2013</a:t>
+              <a:t>8/24/2013</a:t>
             </a:fld>
             <a:endParaRPr lang="en-US"/>
           </a:p>
@@ -1180,7 +1181,7 @@
           <a:p>
             <a:fld id="{8262F83D-21AC-4462-A57F-A062BBC2BA25}" type="datetimeFigureOut">
               <a:rPr lang="en-US" smtClean="0"/>
-              <a:t>8/23/2013</a:t>
+              <a:t>8/24/2013</a:t>
             </a:fld>
             <a:endParaRPr lang="en-US"/>
           </a:p>
@@ -1426,7 +1427,7 @@
           <a:p>
             <a:fld id="{8262F83D-21AC-4462-A57F-A062BBC2BA25}" type="datetimeFigureOut">
               <a:rPr lang="en-US" smtClean="0"/>
-              <a:t>8/23/2013</a:t>
+              <a:t>8/24/2013</a:t>
             </a:fld>
             <a:endParaRPr lang="en-US"/>
           </a:p>
@@ -1714,7 +1715,7 @@
           <a:p>
             <a:fld id="{8262F83D-21AC-4462-A57F-A062BBC2BA25}" type="datetimeFigureOut">
               <a:rPr lang="en-US" smtClean="0"/>
-              <a:t>8/23/2013</a:t>
+              <a:t>8/24/2013</a:t>
             </a:fld>
             <a:endParaRPr lang="en-US"/>
           </a:p>
@@ -2136,7 +2137,7 @@
           <a:p>
             <a:fld id="{8262F83D-21AC-4462-A57F-A062BBC2BA25}" type="datetimeFigureOut">
               <a:rPr lang="en-US" smtClean="0"/>
-              <a:t>8/23/2013</a:t>
+              <a:t>8/24/2013</a:t>
             </a:fld>
             <a:endParaRPr lang="en-US"/>
           </a:p>
@@ -2271,7 +2272,7 @@
           <a:p>
             <a:fld id="{8262F83D-21AC-4462-A57F-A062BBC2BA25}" type="datetimeFigureOut">
               <a:rPr lang="en-US" smtClean="0"/>
-              <a:t>8/23/2013</a:t>
+              <a:t>8/24/2013</a:t>
             </a:fld>
             <a:endParaRPr lang="en-US"/>
           </a:p>
@@ -2366,7 +2367,7 @@
           <a:p>
             <a:fld id="{8262F83D-21AC-4462-A57F-A062BBC2BA25}" type="datetimeFigureOut">
               <a:rPr lang="en-US" smtClean="0"/>
-              <a:t>8/23/2013</a:t>
+              <a:t>8/24/2013</a:t>
             </a:fld>
             <a:endParaRPr lang="en-US"/>
           </a:p>
@@ -2643,7 +2644,7 @@
           <a:p>
             <a:fld id="{8262F83D-21AC-4462-A57F-A062BBC2BA25}" type="datetimeFigureOut">
               <a:rPr lang="en-US" smtClean="0"/>
-              <a:t>8/23/2013</a:t>
+              <a:t>8/24/2013</a:t>
             </a:fld>
             <a:endParaRPr lang="en-US"/>
           </a:p>
@@ -2896,7 +2897,7 @@
           <a:p>
             <a:fld id="{8262F83D-21AC-4462-A57F-A062BBC2BA25}" type="datetimeFigureOut">
               <a:rPr lang="en-US" smtClean="0"/>
-              <a:t>8/23/2013</a:t>
+              <a:t>8/24/2013</a:t>
             </a:fld>
             <a:endParaRPr lang="en-US"/>
           </a:p>
@@ -3109,7 +3110,7 @@
           <a:p>
             <a:fld id="{8262F83D-21AC-4462-A57F-A062BBC2BA25}" type="datetimeFigureOut">
               <a:rPr lang="en-US" smtClean="0"/>
-              <a:t>8/23/2013</a:t>
+              <a:t>8/24/2013</a:t>
             </a:fld>
             <a:endParaRPr lang="en-US"/>
           </a:p>
@@ -4525,17 +4526,7 @@
                 <a:latin typeface="Segoe UI Light" pitchFamily="34" charset="0"/>
                 <a:cs typeface="Segoe UI Light" pitchFamily="34" charset="0"/>
               </a:rPr>
-              <a:t> </a:t>
-            </a:r>
-            <a:r>
-              <a:rPr lang="en-US" dirty="0" smtClean="0">
-                <a:solidFill>
-                  <a:schemeClr val="bg1"/>
-                </a:solidFill>
-                <a:latin typeface="Segoe UI Light" pitchFamily="34" charset="0"/>
-                <a:cs typeface="Segoe UI Light" pitchFamily="34" charset="0"/>
-              </a:rPr>
-              <a:t>Project</a:t>
+              <a:t> Project</a:t>
             </a:r>
             <a:endParaRPr lang="en-US" dirty="0">
               <a:solidFill>
@@ -5435,6 +5426,475 @@
           </a:p>
         </p:txBody>
       </p:sp>
+      <p:pic>
+        <p:nvPicPr>
+          <p:cNvPr id="1029" name="Picture 5" descr="http://www.veryicon.com/icon/png/Avatar/People/Engineer.png"/>
+          <p:cNvPicPr>
+            <a:picLocks noChangeAspect="1" noChangeArrowheads="1"/>
+          </p:cNvPicPr>
+          <p:nvPr/>
+        </p:nvPicPr>
+        <p:blipFill>
+          <a:blip r:embed="rId3">
+            <a:extLst>
+              <a:ext uri="{28A0092B-C50C-407E-A947-70E740481C1C}">
+                <a14:useLocalDpi xmlns:a14="http://schemas.microsoft.com/office/drawing/2010/main" val="0"/>
+              </a:ext>
+            </a:extLst>
+          </a:blip>
+          <a:srcRect/>
+          <a:stretch>
+            <a:fillRect/>
+          </a:stretch>
+        </p:blipFill>
+        <p:spPr bwMode="auto">
+          <a:xfrm>
+            <a:off x="2133600" y="1352565"/>
+            <a:ext cx="1123936" cy="1123936"/>
+          </a:xfrm>
+          <a:prstGeom prst="rect">
+            <a:avLst/>
+          </a:prstGeom>
+          <a:noFill/>
+          <a:extLst>
+            <a:ext uri="{909E8E84-426E-40DD-AFC4-6F175D3DCCD1}">
+              <a14:hiddenFill xmlns:a14="http://schemas.microsoft.com/office/drawing/2010/main">
+                <a:solidFill>
+                  <a:srgbClr val="FFFFFF"/>
+                </a:solidFill>
+              </a14:hiddenFill>
+            </a:ext>
+          </a:extLst>
+        </p:spPr>
+      </p:pic>
+      <p:sp>
+        <p:nvSpPr>
+          <p:cNvPr id="8" name="Right Arrow 7"/>
+          <p:cNvSpPr/>
+          <p:nvPr/>
+        </p:nvSpPr>
+        <p:spPr>
+          <a:xfrm>
+            <a:off x="3257536" y="1914533"/>
+            <a:ext cx="628664" cy="45719"/>
+          </a:xfrm>
+          <a:prstGeom prst="rightArrow">
+            <a:avLst/>
+          </a:prstGeom>
+        </p:spPr>
+        <p:style>
+          <a:lnRef idx="2">
+            <a:schemeClr val="accent1">
+              <a:shade val="50000"/>
+            </a:schemeClr>
+          </a:lnRef>
+          <a:fillRef idx="1">
+            <a:schemeClr val="accent1"/>
+          </a:fillRef>
+          <a:effectRef idx="0">
+            <a:schemeClr val="accent1"/>
+          </a:effectRef>
+          <a:fontRef idx="minor">
+            <a:schemeClr val="lt1"/>
+          </a:fontRef>
+        </p:style>
+        <p:txBody>
+          <a:bodyPr rtlCol="0" anchor="ctr"/>
+          <a:lstStyle/>
+          <a:p>
+            <a:pPr algn="ctr"/>
+            <a:endParaRPr lang="en-US"/>
+          </a:p>
+        </p:txBody>
+      </p:sp>
+      <p:sp>
+        <p:nvSpPr>
+          <p:cNvPr id="9" name="Oval 8"/>
+          <p:cNvSpPr/>
+          <p:nvPr/>
+        </p:nvSpPr>
+        <p:spPr>
+          <a:xfrm>
+            <a:off x="4038600" y="1609265"/>
+            <a:ext cx="1524000" cy="752935"/>
+          </a:xfrm>
+          <a:prstGeom prst="ellipse">
+            <a:avLst/>
+          </a:prstGeom>
+        </p:spPr>
+        <p:style>
+          <a:lnRef idx="2">
+            <a:schemeClr val="accent1">
+              <a:shade val="50000"/>
+            </a:schemeClr>
+          </a:lnRef>
+          <a:fillRef idx="1">
+            <a:schemeClr val="accent1"/>
+          </a:fillRef>
+          <a:effectRef idx="0">
+            <a:schemeClr val="accent1"/>
+          </a:effectRef>
+          <a:fontRef idx="minor">
+            <a:schemeClr val="lt1"/>
+          </a:fontRef>
+        </p:style>
+        <p:txBody>
+          <a:bodyPr rtlCol="0" anchor="ctr"/>
+          <a:lstStyle/>
+          <a:p>
+            <a:pPr algn="ctr"/>
+            <a:r>
+              <a:rPr lang="en-US" dirty="0" smtClean="0"/>
+              <a:t>Login or Registry</a:t>
+            </a:r>
+            <a:endParaRPr lang="en-US" dirty="0"/>
+          </a:p>
+        </p:txBody>
+      </p:sp>
+      <p:sp>
+        <p:nvSpPr>
+          <p:cNvPr id="27" name="Oval 26"/>
+          <p:cNvSpPr/>
+          <p:nvPr/>
+        </p:nvSpPr>
+        <p:spPr>
+          <a:xfrm>
+            <a:off x="6172200" y="1609265"/>
+            <a:ext cx="1752600" cy="752935"/>
+          </a:xfrm>
+          <a:prstGeom prst="ellipse">
+            <a:avLst/>
+          </a:prstGeom>
+        </p:spPr>
+        <p:style>
+          <a:lnRef idx="2">
+            <a:schemeClr val="accent1">
+              <a:shade val="50000"/>
+            </a:schemeClr>
+          </a:lnRef>
+          <a:fillRef idx="1">
+            <a:schemeClr val="accent1"/>
+          </a:fillRef>
+          <a:effectRef idx="0">
+            <a:schemeClr val="accent1"/>
+          </a:effectRef>
+          <a:fontRef idx="minor">
+            <a:schemeClr val="lt1"/>
+          </a:fontRef>
+        </p:style>
+        <p:txBody>
+          <a:bodyPr rtlCol="0" anchor="ctr"/>
+          <a:lstStyle/>
+          <a:p>
+            <a:pPr algn="ctr"/>
+            <a:r>
+              <a:rPr lang="en-US" dirty="0" smtClean="0"/>
+              <a:t>Sell Homepage</a:t>
+            </a:r>
+            <a:endParaRPr lang="en-US" dirty="0"/>
+          </a:p>
+        </p:txBody>
+      </p:sp>
+      <p:sp>
+        <p:nvSpPr>
+          <p:cNvPr id="30" name="Oval 29"/>
+          <p:cNvSpPr/>
+          <p:nvPr/>
+        </p:nvSpPr>
+        <p:spPr>
+          <a:xfrm>
+            <a:off x="6324600" y="3133265"/>
+            <a:ext cx="1524000" cy="752935"/>
+          </a:xfrm>
+          <a:prstGeom prst="ellipse">
+            <a:avLst/>
+          </a:prstGeom>
+        </p:spPr>
+        <p:style>
+          <a:lnRef idx="2">
+            <a:schemeClr val="accent1">
+              <a:shade val="50000"/>
+            </a:schemeClr>
+          </a:lnRef>
+          <a:fillRef idx="1">
+            <a:schemeClr val="accent1"/>
+          </a:fillRef>
+          <a:effectRef idx="0">
+            <a:schemeClr val="accent1"/>
+          </a:effectRef>
+          <a:fontRef idx="minor">
+            <a:schemeClr val="lt1"/>
+          </a:fontRef>
+        </p:style>
+        <p:txBody>
+          <a:bodyPr rtlCol="0" anchor="ctr"/>
+          <a:lstStyle/>
+          <a:p>
+            <a:pPr algn="ctr"/>
+            <a:r>
+              <a:rPr lang="en-US" dirty="0" smtClean="0"/>
+              <a:t>Select Event</a:t>
+            </a:r>
+            <a:endParaRPr lang="en-US" dirty="0"/>
+          </a:p>
+        </p:txBody>
+      </p:sp>
+      <p:sp>
+        <p:nvSpPr>
+          <p:cNvPr id="10" name="Right Arrow 9"/>
+          <p:cNvSpPr/>
+          <p:nvPr/>
+        </p:nvSpPr>
+        <p:spPr>
+          <a:xfrm>
+            <a:off x="5638800" y="1935481"/>
+            <a:ext cx="457200" cy="45719"/>
+          </a:xfrm>
+          <a:prstGeom prst="rightArrow">
+            <a:avLst/>
+          </a:prstGeom>
+        </p:spPr>
+        <p:style>
+          <a:lnRef idx="2">
+            <a:schemeClr val="accent1">
+              <a:shade val="50000"/>
+            </a:schemeClr>
+          </a:lnRef>
+          <a:fillRef idx="1">
+            <a:schemeClr val="accent1"/>
+          </a:fillRef>
+          <a:effectRef idx="0">
+            <a:schemeClr val="accent1"/>
+          </a:effectRef>
+          <a:fontRef idx="minor">
+            <a:schemeClr val="lt1"/>
+          </a:fontRef>
+        </p:style>
+        <p:txBody>
+          <a:bodyPr rtlCol="0" anchor="ctr"/>
+          <a:lstStyle/>
+          <a:p>
+            <a:pPr algn="ctr"/>
+            <a:endParaRPr lang="en-US"/>
+          </a:p>
+        </p:txBody>
+      </p:sp>
+      <p:sp>
+        <p:nvSpPr>
+          <p:cNvPr id="11" name="Down Arrow 10"/>
+          <p:cNvSpPr/>
+          <p:nvPr/>
+        </p:nvSpPr>
+        <p:spPr>
+          <a:xfrm>
+            <a:off x="7086600" y="2476501"/>
+            <a:ext cx="76200" cy="524714"/>
+          </a:xfrm>
+          <a:prstGeom prst="downArrow">
+            <a:avLst/>
+          </a:prstGeom>
+        </p:spPr>
+        <p:style>
+          <a:lnRef idx="2">
+            <a:schemeClr val="accent1">
+              <a:shade val="50000"/>
+            </a:schemeClr>
+          </a:lnRef>
+          <a:fillRef idx="1">
+            <a:schemeClr val="accent1"/>
+          </a:fillRef>
+          <a:effectRef idx="0">
+            <a:schemeClr val="accent1"/>
+          </a:effectRef>
+          <a:fontRef idx="minor">
+            <a:schemeClr val="lt1"/>
+          </a:fontRef>
+        </p:style>
+        <p:txBody>
+          <a:bodyPr rtlCol="0" anchor="ctr"/>
+          <a:lstStyle/>
+          <a:p>
+            <a:pPr algn="ctr"/>
+            <a:endParaRPr lang="en-US"/>
+          </a:p>
+        </p:txBody>
+      </p:sp>
+      <p:sp>
+        <p:nvSpPr>
+          <p:cNvPr id="31" name="Oval 30"/>
+          <p:cNvSpPr/>
+          <p:nvPr/>
+        </p:nvSpPr>
+        <p:spPr>
+          <a:xfrm>
+            <a:off x="3886200" y="3155104"/>
+            <a:ext cx="1752600" cy="722031"/>
+          </a:xfrm>
+          <a:prstGeom prst="ellipse">
+            <a:avLst/>
+          </a:prstGeom>
+        </p:spPr>
+        <p:style>
+          <a:lnRef idx="2">
+            <a:schemeClr val="accent1">
+              <a:shade val="50000"/>
+            </a:schemeClr>
+          </a:lnRef>
+          <a:fillRef idx="1">
+            <a:schemeClr val="accent1"/>
+          </a:fillRef>
+          <a:effectRef idx="0">
+            <a:schemeClr val="accent1"/>
+          </a:effectRef>
+          <a:fontRef idx="minor">
+            <a:schemeClr val="lt1"/>
+          </a:fontRef>
+        </p:style>
+        <p:txBody>
+          <a:bodyPr rtlCol="0" anchor="ctr"/>
+          <a:lstStyle/>
+          <a:p>
+            <a:pPr algn="ctr"/>
+            <a:r>
+              <a:rPr lang="en-US" dirty="0" smtClean="0"/>
+              <a:t>Input </a:t>
+            </a:r>
+            <a:r>
+              <a:rPr lang="en-US" dirty="0" err="1" smtClean="0"/>
+              <a:t>infor</a:t>
+            </a:r>
+            <a:r>
+              <a:rPr lang="en-US" dirty="0" smtClean="0"/>
+              <a:t> &amp; price</a:t>
+            </a:r>
+            <a:endParaRPr lang="en-US" dirty="0"/>
+          </a:p>
+        </p:txBody>
+      </p:sp>
+      <p:sp>
+        <p:nvSpPr>
+          <p:cNvPr id="25" name="Left Arrow 24"/>
+          <p:cNvSpPr/>
+          <p:nvPr/>
+        </p:nvSpPr>
+        <p:spPr>
+          <a:xfrm>
+            <a:off x="5715000" y="3505202"/>
+            <a:ext cx="533400" cy="45719"/>
+          </a:xfrm>
+          <a:prstGeom prst="leftArrow">
+            <a:avLst/>
+          </a:prstGeom>
+        </p:spPr>
+        <p:style>
+          <a:lnRef idx="2">
+            <a:schemeClr val="accent1">
+              <a:shade val="50000"/>
+            </a:schemeClr>
+          </a:lnRef>
+          <a:fillRef idx="1">
+            <a:schemeClr val="accent1"/>
+          </a:fillRef>
+          <a:effectRef idx="0">
+            <a:schemeClr val="accent1"/>
+          </a:effectRef>
+          <a:fontRef idx="minor">
+            <a:schemeClr val="lt1"/>
+          </a:fontRef>
+        </p:style>
+        <p:txBody>
+          <a:bodyPr rtlCol="0" anchor="ctr"/>
+          <a:lstStyle/>
+          <a:p>
+            <a:pPr algn="ctr"/>
+            <a:endParaRPr lang="en-US"/>
+          </a:p>
+        </p:txBody>
+      </p:sp>
+      <p:sp>
+        <p:nvSpPr>
+          <p:cNvPr id="36" name="Oval 35"/>
+          <p:cNvSpPr/>
+          <p:nvPr/>
+        </p:nvSpPr>
+        <p:spPr>
+          <a:xfrm>
+            <a:off x="3962400" y="4733465"/>
+            <a:ext cx="1524000" cy="752935"/>
+          </a:xfrm>
+          <a:prstGeom prst="ellipse">
+            <a:avLst/>
+          </a:prstGeom>
+        </p:spPr>
+        <p:style>
+          <a:lnRef idx="2">
+            <a:schemeClr val="accent1">
+              <a:shade val="50000"/>
+            </a:schemeClr>
+          </a:lnRef>
+          <a:fillRef idx="1">
+            <a:schemeClr val="accent1"/>
+          </a:fillRef>
+          <a:effectRef idx="0">
+            <a:schemeClr val="accent1"/>
+          </a:effectRef>
+          <a:fontRef idx="minor">
+            <a:schemeClr val="lt1"/>
+          </a:fontRef>
+        </p:style>
+        <p:txBody>
+          <a:bodyPr rtlCol="0" anchor="ctr"/>
+          <a:lstStyle/>
+          <a:p>
+            <a:pPr algn="ctr"/>
+            <a:r>
+              <a:rPr lang="en-US" dirty="0" smtClean="0"/>
+              <a:t>Post ticket</a:t>
+            </a:r>
+            <a:endParaRPr lang="en-US" dirty="0"/>
+          </a:p>
+        </p:txBody>
+      </p:sp>
+      <p:sp>
+        <p:nvSpPr>
+          <p:cNvPr id="1025" name="Down Arrow 1024"/>
+          <p:cNvSpPr/>
+          <p:nvPr/>
+        </p:nvSpPr>
+        <p:spPr>
+          <a:xfrm>
+            <a:off x="4678681" y="4038600"/>
+            <a:ext cx="45719" cy="533400"/>
+          </a:xfrm>
+          <a:prstGeom prst="downArrow">
+            <a:avLst/>
+          </a:prstGeom>
+        </p:spPr>
+        <p:style>
+          <a:lnRef idx="2">
+            <a:schemeClr val="accent1">
+              <a:shade val="50000"/>
+            </a:schemeClr>
+          </a:lnRef>
+          <a:fillRef idx="1">
+            <a:schemeClr val="accent1"/>
+          </a:fillRef>
+          <a:effectRef idx="0">
+            <a:schemeClr val="accent1"/>
+          </a:effectRef>
+          <a:fontRef idx="minor">
+            <a:schemeClr val="lt1"/>
+          </a:fontRef>
+        </p:style>
+        <p:txBody>
+          <a:bodyPr rtlCol="0" anchor="ctr"/>
+          <a:lstStyle/>
+          <a:p>
+            <a:pPr algn="ctr"/>
+            <a:endParaRPr lang="en-US"/>
+          </a:p>
+        </p:txBody>
+      </p:sp>
     </p:spTree>
     <p:extLst>
       <p:ext uri="{BB962C8B-B14F-4D97-AF65-F5344CB8AC3E}">
@@ -5572,62 +6032,6 @@
       </p:sp>
       <p:sp>
         <p:nvSpPr>
-          <p:cNvPr id="13" name="Rectangle 12"/>
-          <p:cNvSpPr/>
-          <p:nvPr/>
-        </p:nvSpPr>
-        <p:spPr>
-          <a:xfrm>
-            <a:off x="-28493" y="2540036"/>
-            <a:ext cx="1828800" cy="371072"/>
-          </a:xfrm>
-          <a:prstGeom prst="rect">
-            <a:avLst/>
-          </a:prstGeom>
-          <a:solidFill>
-            <a:schemeClr val="bg1">
-              <a:lumMod val="50000"/>
-            </a:schemeClr>
-          </a:solidFill>
-          <a:ln>
-            <a:noFill/>
-          </a:ln>
-        </p:spPr>
-        <p:style>
-          <a:lnRef idx="2">
-            <a:schemeClr val="accent1">
-              <a:shade val="50000"/>
-            </a:schemeClr>
-          </a:lnRef>
-          <a:fillRef idx="1">
-            <a:schemeClr val="accent1"/>
-          </a:fillRef>
-          <a:effectRef idx="0">
-            <a:schemeClr val="accent1"/>
-          </a:effectRef>
-          <a:fontRef idx="minor">
-            <a:schemeClr val="lt1"/>
-          </a:fontRef>
-        </p:style>
-        <p:txBody>
-          <a:bodyPr lIns="822960" rtlCol="0" anchor="ctr"/>
-          <a:lstStyle/>
-          <a:p>
-            <a:endParaRPr lang="en-US" sz="2400" dirty="0">
-              <a:solidFill>
-                <a:schemeClr val="tx1">
-                  <a:lumMod val="75000"/>
-                  <a:lumOff val="25000"/>
-                </a:schemeClr>
-              </a:solidFill>
-              <a:latin typeface="Segoe UI Light" pitchFamily="34" charset="0"/>
-              <a:cs typeface="Segoe UI Light" pitchFamily="34" charset="0"/>
-            </a:endParaRPr>
-          </a:p>
-        </p:txBody>
-      </p:sp>
-      <p:sp>
-        <p:nvSpPr>
           <p:cNvPr id="14" name="Rectangle 13"/>
           <p:cNvSpPr/>
           <p:nvPr/>
@@ -5971,52 +6375,6 @@
       </p:sp>
       <p:sp>
         <p:nvSpPr>
-          <p:cNvPr id="29" name="TextBox 28"/>
-          <p:cNvSpPr txBox="1"/>
-          <p:nvPr/>
-        </p:nvSpPr>
-        <p:spPr>
-          <a:xfrm>
-            <a:off x="178241" y="2571683"/>
-            <a:ext cx="1524000" cy="307777"/>
-          </a:xfrm>
-          <a:prstGeom prst="rect">
-            <a:avLst/>
-          </a:prstGeom>
-          <a:noFill/>
-        </p:spPr>
-        <p:txBody>
-          <a:bodyPr wrap="square" rtlCol="0">
-            <a:spAutoFit/>
-          </a:bodyPr>
-          <a:lstStyle/>
-          <a:p>
-            <a:pPr marL="285750" indent="-285750">
-              <a:buFont typeface="Wingdings" pitchFamily="2" charset="2"/>
-              <a:buChar char="Ø"/>
-            </a:pPr>
-            <a:r>
-              <a:rPr lang="en-US" sz="1400" dirty="0" smtClean="0">
-                <a:solidFill>
-                  <a:schemeClr val="bg1"/>
-                </a:solidFill>
-                <a:latin typeface="Segoe UI Light" pitchFamily="34" charset="0"/>
-                <a:cs typeface="Segoe UI Light" pitchFamily="34" charset="0"/>
-              </a:rPr>
-              <a:t>Notification</a:t>
-            </a:r>
-            <a:endParaRPr lang="en-US" sz="1400" dirty="0">
-              <a:solidFill>
-                <a:schemeClr val="bg1"/>
-              </a:solidFill>
-              <a:latin typeface="Segoe UI Light" pitchFamily="34" charset="0"/>
-              <a:cs typeface="Segoe UI Light" pitchFamily="34" charset="0"/>
-            </a:endParaRPr>
-          </a:p>
-        </p:txBody>
-      </p:sp>
-      <p:sp>
-        <p:nvSpPr>
           <p:cNvPr id="15" name="Rectangle 14"/>
           <p:cNvSpPr/>
           <p:nvPr/>
@@ -6106,6 +6464,737 @@
                 <a:cs typeface="Segoe UI Light" pitchFamily="34" charset="0"/>
               </a:rPr>
               <a:t>Request</a:t>
+            </a:r>
+            <a:endParaRPr lang="en-US" sz="1400" dirty="0">
+              <a:solidFill>
+                <a:schemeClr val="bg1"/>
+              </a:solidFill>
+              <a:latin typeface="Segoe UI Light" pitchFamily="34" charset="0"/>
+              <a:cs typeface="Segoe UI Light" pitchFamily="34" charset="0"/>
+            </a:endParaRPr>
+          </a:p>
+        </p:txBody>
+      </p:sp>
+      <p:pic>
+        <p:nvPicPr>
+          <p:cNvPr id="18" name="Picture 5" descr="http://www.veryicon.com/icon/png/Avatar/People/Engineer.png"/>
+          <p:cNvPicPr>
+            <a:picLocks noChangeAspect="1" noChangeArrowheads="1"/>
+          </p:cNvPicPr>
+          <p:nvPr/>
+        </p:nvPicPr>
+        <p:blipFill>
+          <a:blip r:embed="rId3">
+            <a:extLst>
+              <a:ext uri="{28A0092B-C50C-407E-A947-70E740481C1C}">
+                <a14:useLocalDpi xmlns:a14="http://schemas.microsoft.com/office/drawing/2010/main" val="0"/>
+              </a:ext>
+            </a:extLst>
+          </a:blip>
+          <a:srcRect/>
+          <a:stretch>
+            <a:fillRect/>
+          </a:stretch>
+        </p:blipFill>
+        <p:spPr bwMode="auto">
+          <a:xfrm>
+            <a:off x="2133600" y="1162064"/>
+            <a:ext cx="1123936" cy="1123936"/>
+          </a:xfrm>
+          <a:prstGeom prst="rect">
+            <a:avLst/>
+          </a:prstGeom>
+          <a:noFill/>
+          <a:extLst>
+            <a:ext uri="{909E8E84-426E-40DD-AFC4-6F175D3DCCD1}">
+              <a14:hiddenFill xmlns:a14="http://schemas.microsoft.com/office/drawing/2010/main">
+                <a:solidFill>
+                  <a:srgbClr val="FFFFFF"/>
+                </a:solidFill>
+              </a14:hiddenFill>
+            </a:ext>
+          </a:extLst>
+        </p:spPr>
+      </p:pic>
+      <p:sp>
+        <p:nvSpPr>
+          <p:cNvPr id="3" name="Right Arrow 2"/>
+          <p:cNvSpPr/>
+          <p:nvPr/>
+        </p:nvSpPr>
+        <p:spPr>
+          <a:xfrm>
+            <a:off x="3200400" y="1706881"/>
+            <a:ext cx="457200" cy="45719"/>
+          </a:xfrm>
+          <a:prstGeom prst="rightArrow">
+            <a:avLst/>
+          </a:prstGeom>
+        </p:spPr>
+        <p:style>
+          <a:lnRef idx="2">
+            <a:schemeClr val="accent1">
+              <a:shade val="50000"/>
+            </a:schemeClr>
+          </a:lnRef>
+          <a:fillRef idx="1">
+            <a:schemeClr val="accent1"/>
+          </a:fillRef>
+          <a:effectRef idx="0">
+            <a:schemeClr val="accent1"/>
+          </a:effectRef>
+          <a:fontRef idx="minor">
+            <a:schemeClr val="lt1"/>
+          </a:fontRef>
+        </p:style>
+        <p:txBody>
+          <a:bodyPr rtlCol="0" anchor="ctr"/>
+          <a:lstStyle/>
+          <a:p>
+            <a:pPr algn="ctr"/>
+            <a:endParaRPr lang="en-US"/>
+          </a:p>
+        </p:txBody>
+      </p:sp>
+      <p:sp>
+        <p:nvSpPr>
+          <p:cNvPr id="7" name="Oval 6"/>
+          <p:cNvSpPr/>
+          <p:nvPr/>
+        </p:nvSpPr>
+        <p:spPr>
+          <a:xfrm>
+            <a:off x="3733800" y="1445219"/>
+            <a:ext cx="1371600" cy="688381"/>
+          </a:xfrm>
+          <a:prstGeom prst="ellipse">
+            <a:avLst/>
+          </a:prstGeom>
+        </p:spPr>
+        <p:style>
+          <a:lnRef idx="2">
+            <a:schemeClr val="accent1">
+              <a:shade val="50000"/>
+            </a:schemeClr>
+          </a:lnRef>
+          <a:fillRef idx="1">
+            <a:schemeClr val="accent1"/>
+          </a:fillRef>
+          <a:effectRef idx="0">
+            <a:schemeClr val="accent1"/>
+          </a:effectRef>
+          <a:fontRef idx="minor">
+            <a:schemeClr val="lt1"/>
+          </a:fontRef>
+        </p:style>
+        <p:txBody>
+          <a:bodyPr rtlCol="0" anchor="ctr"/>
+          <a:lstStyle/>
+          <a:p>
+            <a:pPr algn="ctr"/>
+            <a:r>
+              <a:rPr lang="en-US" dirty="0" smtClean="0"/>
+              <a:t>Select ticket</a:t>
+            </a:r>
+            <a:endParaRPr lang="en-US" dirty="0"/>
+          </a:p>
+        </p:txBody>
+      </p:sp>
+      <p:sp>
+        <p:nvSpPr>
+          <p:cNvPr id="19" name="Oval 18"/>
+          <p:cNvSpPr/>
+          <p:nvPr/>
+        </p:nvSpPr>
+        <p:spPr>
+          <a:xfrm>
+            <a:off x="5715000" y="1447800"/>
+            <a:ext cx="1371600" cy="688381"/>
+          </a:xfrm>
+          <a:prstGeom prst="ellipse">
+            <a:avLst/>
+          </a:prstGeom>
+        </p:spPr>
+        <p:style>
+          <a:lnRef idx="2">
+            <a:schemeClr val="accent1">
+              <a:shade val="50000"/>
+            </a:schemeClr>
+          </a:lnRef>
+          <a:fillRef idx="1">
+            <a:schemeClr val="accent1"/>
+          </a:fillRef>
+          <a:effectRef idx="0">
+            <a:schemeClr val="accent1"/>
+          </a:effectRef>
+          <a:fontRef idx="minor">
+            <a:schemeClr val="lt1"/>
+          </a:fontRef>
+        </p:style>
+        <p:txBody>
+          <a:bodyPr rtlCol="0" anchor="ctr"/>
+          <a:lstStyle/>
+          <a:p>
+            <a:pPr algn="ctr"/>
+            <a:r>
+              <a:rPr lang="en-US" dirty="0" smtClean="0"/>
+              <a:t>Click “</a:t>
+            </a:r>
+            <a:r>
+              <a:rPr lang="en-US" dirty="0" err="1" smtClean="0"/>
+              <a:t>Đặt</a:t>
+            </a:r>
+            <a:r>
+              <a:rPr lang="en-US" dirty="0" smtClean="0"/>
+              <a:t> </a:t>
+            </a:r>
+            <a:r>
+              <a:rPr lang="en-US" dirty="0" err="1" smtClean="0"/>
+              <a:t>vé</a:t>
+            </a:r>
+            <a:r>
+              <a:rPr lang="en-US" dirty="0" smtClean="0"/>
+              <a:t>” </a:t>
+            </a:r>
+            <a:endParaRPr lang="en-US" dirty="0"/>
+          </a:p>
+        </p:txBody>
+      </p:sp>
+      <p:sp>
+        <p:nvSpPr>
+          <p:cNvPr id="20" name="Oval 19"/>
+          <p:cNvSpPr/>
+          <p:nvPr/>
+        </p:nvSpPr>
+        <p:spPr>
+          <a:xfrm>
+            <a:off x="7696200" y="1447800"/>
+            <a:ext cx="1371600" cy="688381"/>
+          </a:xfrm>
+          <a:prstGeom prst="ellipse">
+            <a:avLst/>
+          </a:prstGeom>
+        </p:spPr>
+        <p:style>
+          <a:lnRef idx="2">
+            <a:schemeClr val="accent1">
+              <a:shade val="50000"/>
+            </a:schemeClr>
+          </a:lnRef>
+          <a:fillRef idx="1">
+            <a:schemeClr val="accent1"/>
+          </a:fillRef>
+          <a:effectRef idx="0">
+            <a:schemeClr val="accent1"/>
+          </a:effectRef>
+          <a:fontRef idx="minor">
+            <a:schemeClr val="lt1"/>
+          </a:fontRef>
+        </p:style>
+        <p:txBody>
+          <a:bodyPr rtlCol="0" anchor="ctr"/>
+          <a:lstStyle/>
+          <a:p>
+            <a:pPr algn="ctr"/>
+            <a:r>
+              <a:rPr lang="en-US" dirty="0" smtClean="0"/>
+              <a:t>Input </a:t>
+            </a:r>
+            <a:r>
+              <a:rPr lang="en-US" dirty="0" err="1" smtClean="0"/>
+              <a:t>infor</a:t>
+            </a:r>
+            <a:r>
+              <a:rPr lang="en-US" dirty="0" smtClean="0"/>
+              <a:t> </a:t>
+            </a:r>
+            <a:endParaRPr lang="en-US" dirty="0"/>
+          </a:p>
+        </p:txBody>
+      </p:sp>
+      <p:cxnSp>
+        <p:nvCxnSpPr>
+          <p:cNvPr id="9" name="Straight Connector 8"/>
+          <p:cNvCxnSpPr/>
+          <p:nvPr/>
+        </p:nvCxnSpPr>
+        <p:spPr>
+          <a:xfrm flipH="1" flipV="1">
+            <a:off x="7010400" y="978781"/>
+            <a:ext cx="990600" cy="514739"/>
+          </a:xfrm>
+          <a:prstGeom prst="line">
+            <a:avLst/>
+          </a:prstGeom>
+        </p:spPr>
+        <p:style>
+          <a:lnRef idx="1">
+            <a:schemeClr val="accent1"/>
+          </a:lnRef>
+          <a:fillRef idx="0">
+            <a:schemeClr val="accent1"/>
+          </a:fillRef>
+          <a:effectRef idx="0">
+            <a:schemeClr val="accent1"/>
+          </a:effectRef>
+          <a:fontRef idx="minor">
+            <a:schemeClr val="tx1"/>
+          </a:fontRef>
+        </p:style>
+      </p:cxnSp>
+      <p:sp>
+        <p:nvSpPr>
+          <p:cNvPr id="10" name="TextBox 9"/>
+          <p:cNvSpPr txBox="1"/>
+          <p:nvPr/>
+        </p:nvSpPr>
+        <p:spPr>
+          <a:xfrm>
+            <a:off x="6248400" y="609600"/>
+            <a:ext cx="1466427" cy="369332"/>
+          </a:xfrm>
+          <a:prstGeom prst="rect">
+            <a:avLst/>
+          </a:prstGeom>
+          <a:noFill/>
+        </p:spPr>
+        <p:txBody>
+          <a:bodyPr wrap="none" rtlCol="0">
+            <a:spAutoFit/>
+          </a:bodyPr>
+          <a:lstStyle/>
+          <a:p>
+            <a:r>
+              <a:rPr lang="en-US" dirty="0" smtClean="0"/>
+              <a:t>Require Login</a:t>
+            </a:r>
+            <a:endParaRPr lang="en-US" dirty="0"/>
+          </a:p>
+        </p:txBody>
+      </p:sp>
+      <p:sp>
+        <p:nvSpPr>
+          <p:cNvPr id="24" name="Oval 23"/>
+          <p:cNvSpPr/>
+          <p:nvPr/>
+        </p:nvSpPr>
+        <p:spPr>
+          <a:xfrm>
+            <a:off x="7620000" y="2895600"/>
+            <a:ext cx="1524000" cy="688381"/>
+          </a:xfrm>
+          <a:prstGeom prst="ellipse">
+            <a:avLst/>
+          </a:prstGeom>
+        </p:spPr>
+        <p:style>
+          <a:lnRef idx="2">
+            <a:schemeClr val="accent1">
+              <a:shade val="50000"/>
+            </a:schemeClr>
+          </a:lnRef>
+          <a:fillRef idx="1">
+            <a:schemeClr val="accent1"/>
+          </a:fillRef>
+          <a:effectRef idx="0">
+            <a:schemeClr val="accent1"/>
+          </a:effectRef>
+          <a:fontRef idx="minor">
+            <a:schemeClr val="lt1"/>
+          </a:fontRef>
+        </p:style>
+        <p:txBody>
+          <a:bodyPr rtlCol="0" anchor="ctr"/>
+          <a:lstStyle/>
+          <a:p>
+            <a:pPr algn="ctr"/>
+            <a:r>
+              <a:rPr lang="en-US" dirty="0" smtClean="0"/>
+              <a:t>Checkout</a:t>
+            </a:r>
+            <a:endParaRPr lang="en-US" dirty="0"/>
+          </a:p>
+        </p:txBody>
+      </p:sp>
+      <p:sp>
+        <p:nvSpPr>
+          <p:cNvPr id="25" name="Oval 24"/>
+          <p:cNvSpPr/>
+          <p:nvPr/>
+        </p:nvSpPr>
+        <p:spPr>
+          <a:xfrm>
+            <a:off x="5638800" y="2969219"/>
+            <a:ext cx="1371600" cy="688381"/>
+          </a:xfrm>
+          <a:prstGeom prst="ellipse">
+            <a:avLst/>
+          </a:prstGeom>
+        </p:spPr>
+        <p:style>
+          <a:lnRef idx="2">
+            <a:schemeClr val="accent1">
+              <a:shade val="50000"/>
+            </a:schemeClr>
+          </a:lnRef>
+          <a:fillRef idx="1">
+            <a:schemeClr val="accent1"/>
+          </a:fillRef>
+          <a:effectRef idx="0">
+            <a:schemeClr val="accent1"/>
+          </a:effectRef>
+          <a:fontRef idx="minor">
+            <a:schemeClr val="lt1"/>
+          </a:fontRef>
+        </p:style>
+        <p:txBody>
+          <a:bodyPr rtlCol="0" anchor="ctr"/>
+          <a:lstStyle/>
+          <a:p>
+            <a:pPr algn="ctr"/>
+            <a:r>
+              <a:rPr lang="en-US" dirty="0" err="1" smtClean="0"/>
+              <a:t>Paypal</a:t>
+            </a:r>
+            <a:endParaRPr lang="en-US" dirty="0"/>
+          </a:p>
+        </p:txBody>
+      </p:sp>
+      <p:sp>
+        <p:nvSpPr>
+          <p:cNvPr id="26" name="Oval 25"/>
+          <p:cNvSpPr/>
+          <p:nvPr/>
+        </p:nvSpPr>
+        <p:spPr>
+          <a:xfrm>
+            <a:off x="3505200" y="2971800"/>
+            <a:ext cx="1371600" cy="688381"/>
+          </a:xfrm>
+          <a:prstGeom prst="ellipse">
+            <a:avLst/>
+          </a:prstGeom>
+        </p:spPr>
+        <p:style>
+          <a:lnRef idx="2">
+            <a:schemeClr val="accent1">
+              <a:shade val="50000"/>
+            </a:schemeClr>
+          </a:lnRef>
+          <a:fillRef idx="1">
+            <a:schemeClr val="accent1"/>
+          </a:fillRef>
+          <a:effectRef idx="0">
+            <a:schemeClr val="accent1"/>
+          </a:effectRef>
+          <a:fontRef idx="minor">
+            <a:schemeClr val="lt1"/>
+          </a:fontRef>
+        </p:style>
+        <p:txBody>
+          <a:bodyPr rtlCol="0" anchor="ctr"/>
+          <a:lstStyle/>
+          <a:p>
+            <a:pPr algn="ctr"/>
+            <a:r>
+              <a:rPr lang="en-US" dirty="0" smtClean="0"/>
+              <a:t>Wait shipping</a:t>
+            </a:r>
+            <a:endParaRPr lang="en-US" dirty="0"/>
+          </a:p>
+        </p:txBody>
+      </p:sp>
+      <p:sp>
+        <p:nvSpPr>
+          <p:cNvPr id="21" name="Right Arrow 20"/>
+          <p:cNvSpPr/>
+          <p:nvPr/>
+        </p:nvSpPr>
+        <p:spPr>
+          <a:xfrm>
+            <a:off x="5257800" y="1767840"/>
+            <a:ext cx="381000" cy="45719"/>
+          </a:xfrm>
+          <a:prstGeom prst="rightArrow">
+            <a:avLst/>
+          </a:prstGeom>
+        </p:spPr>
+        <p:style>
+          <a:lnRef idx="2">
+            <a:schemeClr val="accent1">
+              <a:shade val="50000"/>
+            </a:schemeClr>
+          </a:lnRef>
+          <a:fillRef idx="1">
+            <a:schemeClr val="accent1"/>
+          </a:fillRef>
+          <a:effectRef idx="0">
+            <a:schemeClr val="accent1"/>
+          </a:effectRef>
+          <a:fontRef idx="minor">
+            <a:schemeClr val="lt1"/>
+          </a:fontRef>
+        </p:style>
+        <p:txBody>
+          <a:bodyPr rtlCol="0" anchor="ctr"/>
+          <a:lstStyle/>
+          <a:p>
+            <a:pPr algn="ctr"/>
+            <a:endParaRPr lang="en-US"/>
+          </a:p>
+        </p:txBody>
+      </p:sp>
+      <p:sp>
+        <p:nvSpPr>
+          <p:cNvPr id="30" name="Right Arrow 29"/>
+          <p:cNvSpPr/>
+          <p:nvPr/>
+        </p:nvSpPr>
+        <p:spPr>
+          <a:xfrm>
+            <a:off x="7239000" y="1752600"/>
+            <a:ext cx="381000" cy="45719"/>
+          </a:xfrm>
+          <a:prstGeom prst="rightArrow">
+            <a:avLst/>
+          </a:prstGeom>
+        </p:spPr>
+        <p:style>
+          <a:lnRef idx="2">
+            <a:schemeClr val="accent1">
+              <a:shade val="50000"/>
+            </a:schemeClr>
+          </a:lnRef>
+          <a:fillRef idx="1">
+            <a:schemeClr val="accent1"/>
+          </a:fillRef>
+          <a:effectRef idx="0">
+            <a:schemeClr val="accent1"/>
+          </a:effectRef>
+          <a:fontRef idx="minor">
+            <a:schemeClr val="lt1"/>
+          </a:fontRef>
+        </p:style>
+        <p:txBody>
+          <a:bodyPr rtlCol="0" anchor="ctr"/>
+          <a:lstStyle/>
+          <a:p>
+            <a:pPr algn="ctr"/>
+            <a:endParaRPr lang="en-US"/>
+          </a:p>
+        </p:txBody>
+      </p:sp>
+      <p:sp>
+        <p:nvSpPr>
+          <p:cNvPr id="27" name="Down Arrow 26"/>
+          <p:cNvSpPr/>
+          <p:nvPr/>
+        </p:nvSpPr>
+        <p:spPr>
+          <a:xfrm>
+            <a:off x="8382000" y="2181901"/>
+            <a:ext cx="76200" cy="543671"/>
+          </a:xfrm>
+          <a:prstGeom prst="downArrow">
+            <a:avLst/>
+          </a:prstGeom>
+        </p:spPr>
+        <p:style>
+          <a:lnRef idx="2">
+            <a:schemeClr val="accent1">
+              <a:shade val="50000"/>
+            </a:schemeClr>
+          </a:lnRef>
+          <a:fillRef idx="1">
+            <a:schemeClr val="accent1"/>
+          </a:fillRef>
+          <a:effectRef idx="0">
+            <a:schemeClr val="accent1"/>
+          </a:effectRef>
+          <a:fontRef idx="minor">
+            <a:schemeClr val="lt1"/>
+          </a:fontRef>
+        </p:style>
+        <p:txBody>
+          <a:bodyPr rtlCol="0" anchor="ctr"/>
+          <a:lstStyle/>
+          <a:p>
+            <a:pPr algn="ctr"/>
+            <a:endParaRPr lang="en-US"/>
+          </a:p>
+        </p:txBody>
+      </p:sp>
+      <p:sp>
+        <p:nvSpPr>
+          <p:cNvPr id="31" name="Left Arrow 30"/>
+          <p:cNvSpPr/>
+          <p:nvPr/>
+        </p:nvSpPr>
+        <p:spPr>
+          <a:xfrm>
+            <a:off x="7162800" y="3239790"/>
+            <a:ext cx="304800" cy="45719"/>
+          </a:xfrm>
+          <a:prstGeom prst="leftArrow">
+            <a:avLst/>
+          </a:prstGeom>
+        </p:spPr>
+        <p:style>
+          <a:lnRef idx="2">
+            <a:schemeClr val="accent1">
+              <a:shade val="50000"/>
+            </a:schemeClr>
+          </a:lnRef>
+          <a:fillRef idx="1">
+            <a:schemeClr val="accent1"/>
+          </a:fillRef>
+          <a:effectRef idx="0">
+            <a:schemeClr val="accent1"/>
+          </a:effectRef>
+          <a:fontRef idx="minor">
+            <a:schemeClr val="lt1"/>
+          </a:fontRef>
+        </p:style>
+        <p:txBody>
+          <a:bodyPr rtlCol="0" anchor="ctr"/>
+          <a:lstStyle/>
+          <a:p>
+            <a:pPr algn="ctr"/>
+            <a:endParaRPr lang="en-US"/>
+          </a:p>
+        </p:txBody>
+      </p:sp>
+      <p:sp>
+        <p:nvSpPr>
+          <p:cNvPr id="32" name="Left Arrow 31"/>
+          <p:cNvSpPr/>
+          <p:nvPr/>
+        </p:nvSpPr>
+        <p:spPr>
+          <a:xfrm>
+            <a:off x="4953000" y="3285509"/>
+            <a:ext cx="495300" cy="45719"/>
+          </a:xfrm>
+          <a:prstGeom prst="leftArrow">
+            <a:avLst/>
+          </a:prstGeom>
+        </p:spPr>
+        <p:style>
+          <a:lnRef idx="2">
+            <a:schemeClr val="accent1">
+              <a:shade val="50000"/>
+            </a:schemeClr>
+          </a:lnRef>
+          <a:fillRef idx="1">
+            <a:schemeClr val="accent1"/>
+          </a:fillRef>
+          <a:effectRef idx="0">
+            <a:schemeClr val="accent1"/>
+          </a:effectRef>
+          <a:fontRef idx="minor">
+            <a:schemeClr val="lt1"/>
+          </a:fontRef>
+        </p:style>
+        <p:txBody>
+          <a:bodyPr rtlCol="0" anchor="ctr"/>
+          <a:lstStyle/>
+          <a:p>
+            <a:pPr algn="ctr"/>
+            <a:endParaRPr lang="en-US"/>
+          </a:p>
+        </p:txBody>
+      </p:sp>
+      <p:sp>
+        <p:nvSpPr>
+          <p:cNvPr id="34" name="Rectangle 33"/>
+          <p:cNvSpPr/>
+          <p:nvPr/>
+        </p:nvSpPr>
+        <p:spPr>
+          <a:xfrm>
+            <a:off x="-35780" y="2510806"/>
+            <a:ext cx="1825488" cy="429532"/>
+          </a:xfrm>
+          <a:prstGeom prst="rect">
+            <a:avLst/>
+          </a:prstGeom>
+          <a:solidFill>
+            <a:schemeClr val="bg1">
+              <a:lumMod val="50000"/>
+            </a:schemeClr>
+          </a:solidFill>
+          <a:ln>
+            <a:noFill/>
+          </a:ln>
+        </p:spPr>
+        <p:style>
+          <a:lnRef idx="2">
+            <a:schemeClr val="accent1">
+              <a:shade val="50000"/>
+            </a:schemeClr>
+          </a:lnRef>
+          <a:fillRef idx="1">
+            <a:schemeClr val="accent1"/>
+          </a:fillRef>
+          <a:effectRef idx="0">
+            <a:schemeClr val="accent1"/>
+          </a:effectRef>
+          <a:fontRef idx="minor">
+            <a:schemeClr val="lt1"/>
+          </a:fontRef>
+        </p:style>
+        <p:txBody>
+          <a:bodyPr lIns="822960" rtlCol="0" anchor="ctr"/>
+          <a:lstStyle/>
+          <a:p>
+            <a:endParaRPr lang="en-US" sz="2400" dirty="0">
+              <a:solidFill>
+                <a:schemeClr val="tx1">
+                  <a:lumMod val="75000"/>
+                  <a:lumOff val="25000"/>
+                </a:schemeClr>
+              </a:solidFill>
+              <a:latin typeface="Segoe UI Light" pitchFamily="34" charset="0"/>
+              <a:cs typeface="Segoe UI Light" pitchFamily="34" charset="0"/>
+            </a:endParaRPr>
+          </a:p>
+        </p:txBody>
+      </p:sp>
+      <p:sp>
+        <p:nvSpPr>
+          <p:cNvPr id="35" name="TextBox 34"/>
+          <p:cNvSpPr txBox="1"/>
+          <p:nvPr/>
+        </p:nvSpPr>
+        <p:spPr>
+          <a:xfrm>
+            <a:off x="178241" y="2590800"/>
+            <a:ext cx="1506075" cy="307777"/>
+          </a:xfrm>
+          <a:prstGeom prst="rect">
+            <a:avLst/>
+          </a:prstGeom>
+          <a:noFill/>
+        </p:spPr>
+        <p:txBody>
+          <a:bodyPr wrap="square" rtlCol="0">
+            <a:spAutoFit/>
+          </a:bodyPr>
+          <a:lstStyle/>
+          <a:p>
+            <a:pPr marL="285750" indent="-285750">
+              <a:buFont typeface="Wingdings" pitchFamily="2" charset="2"/>
+              <a:buChar char="Ø"/>
+            </a:pPr>
+            <a:r>
+              <a:rPr lang="en-US" sz="1400" dirty="0" smtClean="0">
+                <a:solidFill>
+                  <a:schemeClr val="bg1"/>
+                </a:solidFill>
+                <a:latin typeface="Segoe UI Light" pitchFamily="34" charset="0"/>
+                <a:cs typeface="Segoe UI Light" pitchFamily="34" charset="0"/>
+              </a:rPr>
+              <a:t>Notification</a:t>
             </a:r>
             <a:endParaRPr lang="en-US" sz="1400" dirty="0">
               <a:solidFill>
@@ -9519,405 +10608,10 @@
           <a:chExt cx="0" cy="0"/>
         </a:xfrm>
       </p:grpSpPr>
-      <p:sp>
-        <p:nvSpPr>
-          <p:cNvPr id="2" name="Rectangle 1"/>
-          <p:cNvSpPr/>
-          <p:nvPr/>
-        </p:nvSpPr>
-        <p:spPr>
-          <a:xfrm>
-            <a:off x="0" y="0"/>
-            <a:ext cx="1828800" cy="6858000"/>
-          </a:xfrm>
-          <a:prstGeom prst="rect">
-            <a:avLst/>
-          </a:prstGeom>
-          <a:solidFill>
-            <a:schemeClr val="bg1">
-              <a:lumMod val="95000"/>
-            </a:schemeClr>
-          </a:solidFill>
-          <a:ln>
-            <a:noFill/>
-          </a:ln>
-        </p:spPr>
-        <p:style>
-          <a:lnRef idx="2">
-            <a:schemeClr val="accent1">
-              <a:shade val="50000"/>
-            </a:schemeClr>
-          </a:lnRef>
-          <a:fillRef idx="1">
-            <a:schemeClr val="accent1"/>
-          </a:fillRef>
-          <a:effectRef idx="0">
-            <a:schemeClr val="accent1"/>
-          </a:effectRef>
-          <a:fontRef idx="minor">
-            <a:schemeClr val="lt1"/>
-          </a:fontRef>
-        </p:style>
-        <p:txBody>
-          <a:bodyPr rtlCol="0" anchor="ctr"/>
-          <a:lstStyle/>
-          <a:p>
-            <a:pPr algn="ctr"/>
-            <a:endParaRPr lang="en-US"/>
-          </a:p>
-        </p:txBody>
-      </p:sp>
-      <p:sp>
-        <p:nvSpPr>
-          <p:cNvPr id="4" name="Rectangle 3"/>
-          <p:cNvSpPr/>
-          <p:nvPr/>
-        </p:nvSpPr>
-        <p:spPr>
-          <a:xfrm>
-            <a:off x="0" y="1219200"/>
-            <a:ext cx="1828800" cy="3657600"/>
-          </a:xfrm>
-          <a:prstGeom prst="rect">
-            <a:avLst/>
-          </a:prstGeom>
-          <a:solidFill>
-            <a:srgbClr val="7030A0"/>
-          </a:solidFill>
-          <a:ln>
-            <a:noFill/>
-          </a:ln>
-        </p:spPr>
-        <p:style>
-          <a:lnRef idx="2">
-            <a:schemeClr val="accent1">
-              <a:shade val="50000"/>
-            </a:schemeClr>
-          </a:lnRef>
-          <a:fillRef idx="1">
-            <a:schemeClr val="accent1"/>
-          </a:fillRef>
-          <a:effectRef idx="0">
-            <a:schemeClr val="accent1"/>
-          </a:effectRef>
-          <a:fontRef idx="minor">
-            <a:schemeClr val="lt1"/>
-          </a:fontRef>
-        </p:style>
-        <p:txBody>
-          <a:bodyPr lIns="822960" rtlCol="0" anchor="ctr"/>
-          <a:lstStyle/>
-          <a:p>
-            <a:endParaRPr lang="en-US" sz="2400" dirty="0">
-              <a:latin typeface="Segoe UI Light" pitchFamily="34" charset="0"/>
-              <a:cs typeface="Segoe UI Light" pitchFamily="34" charset="0"/>
-            </a:endParaRPr>
-          </a:p>
-        </p:txBody>
-      </p:sp>
-      <p:pic>
-        <p:nvPicPr>
-          <p:cNvPr id="12" name="Picture 11" descr="C:\Users\iLucas\Desktop\logo_fpt_university_doc copy.png"/>
-          <p:cNvPicPr>
-            <a:picLocks noChangeAspect="1" noChangeArrowheads="1"/>
-          </p:cNvPicPr>
-          <p:nvPr/>
-        </p:nvPicPr>
-        <p:blipFill>
-          <a:blip r:embed="rId2" cstate="print">
-            <a:extLst>
-              <a:ext uri="{28A0092B-C50C-407E-A947-70E740481C1C}">
-                <a14:useLocalDpi xmlns:a14="http://schemas.microsoft.com/office/drawing/2010/main" val="0"/>
-              </a:ext>
-            </a:extLst>
-          </a:blip>
-          <a:srcRect/>
-          <a:stretch>
-            <a:fillRect/>
-          </a:stretch>
-        </p:blipFill>
-        <p:spPr bwMode="auto">
-          <a:xfrm>
-            <a:off x="415580" y="66329"/>
-            <a:ext cx="997640" cy="773302"/>
-          </a:xfrm>
-          <a:prstGeom prst="rect">
-            <a:avLst/>
-          </a:prstGeom>
-          <a:noFill/>
-          <a:extLst>
-            <a:ext uri="{909E8E84-426E-40DD-AFC4-6F175D3DCCD1}">
-              <a14:hiddenFill xmlns:a14="http://schemas.microsoft.com/office/drawing/2010/main">
-                <a:solidFill>
-                  <a:srgbClr val="FFFFFF"/>
-                </a:solidFill>
-              </a14:hiddenFill>
-            </a:ext>
-          </a:extLst>
-        </p:spPr>
-      </p:pic>
-      <p:sp>
-        <p:nvSpPr>
-          <p:cNvPr id="5" name="TextBox 4"/>
-          <p:cNvSpPr txBox="1"/>
-          <p:nvPr/>
-        </p:nvSpPr>
-        <p:spPr>
-          <a:xfrm>
-            <a:off x="152400" y="2597426"/>
-            <a:ext cx="1600199" cy="369332"/>
-          </a:xfrm>
-          <a:prstGeom prst="rect">
-            <a:avLst/>
-          </a:prstGeom>
-          <a:noFill/>
-        </p:spPr>
-        <p:txBody>
-          <a:bodyPr wrap="square" rtlCol="0">
-            <a:spAutoFit/>
-          </a:bodyPr>
-          <a:lstStyle/>
-          <a:p>
-            <a:r>
-              <a:rPr lang="en-US" dirty="0" smtClean="0">
-                <a:solidFill>
-                  <a:schemeClr val="bg1"/>
-                </a:solidFill>
-                <a:latin typeface="Segoe UI Light" pitchFamily="34" charset="0"/>
-                <a:cs typeface="Segoe UI Light" pitchFamily="34" charset="0"/>
-              </a:rPr>
-              <a:t>Disadvantage</a:t>
-            </a:r>
-            <a:endParaRPr lang="en-US" sz="2400" dirty="0">
-              <a:solidFill>
-                <a:schemeClr val="bg1"/>
-              </a:solidFill>
-              <a:latin typeface="Segoe UI Light" pitchFamily="34" charset="0"/>
-              <a:cs typeface="Segoe UI Light" pitchFamily="34" charset="0"/>
-            </a:endParaRPr>
-          </a:p>
-        </p:txBody>
-      </p:sp>
-      <p:sp>
-        <p:nvSpPr>
-          <p:cNvPr id="19" name="TextBox 18"/>
-          <p:cNvSpPr txBox="1"/>
-          <p:nvPr/>
-        </p:nvSpPr>
-        <p:spPr>
-          <a:xfrm>
-            <a:off x="1828800" y="96028"/>
-            <a:ext cx="3352800" cy="400110"/>
-          </a:xfrm>
-          <a:prstGeom prst="rect">
-            <a:avLst/>
-          </a:prstGeom>
-          <a:noFill/>
-        </p:spPr>
-        <p:txBody>
-          <a:bodyPr wrap="square" rtlCol="0">
-            <a:spAutoFit/>
-          </a:bodyPr>
-          <a:lstStyle/>
-          <a:p>
-            <a:r>
-              <a:rPr lang="en-US" sz="2000" b="1" dirty="0">
-                <a:solidFill>
-                  <a:srgbClr val="7030A0"/>
-                </a:solidFill>
-                <a:latin typeface="Segoe UI Light" panose="020B0502040204020203" pitchFamily="34" charset="0"/>
-                <a:ea typeface="+mj-ea"/>
-                <a:cs typeface="Segoe UI Light" panose="020B0502040204020203" pitchFamily="34" charset="0"/>
-              </a:rPr>
-              <a:t>Group </a:t>
-            </a:r>
-            <a:r>
-              <a:rPr lang="en-US" sz="2000" b="1" dirty="0" smtClean="0">
-                <a:solidFill>
-                  <a:srgbClr val="7030A0"/>
-                </a:solidFill>
-                <a:latin typeface="Segoe UI Light" panose="020B0502040204020203" pitchFamily="34" charset="0"/>
-                <a:ea typeface="+mj-ea"/>
-                <a:cs typeface="Segoe UI Light" panose="020B0502040204020203" pitchFamily="34" charset="0"/>
-              </a:rPr>
-              <a:t>8 - Drop </a:t>
-            </a:r>
-            <a:r>
-              <a:rPr lang="en-US" sz="2000" b="1" dirty="0">
-                <a:solidFill>
-                  <a:srgbClr val="7030A0"/>
-                </a:solidFill>
-                <a:latin typeface="Segoe UI Light" panose="020B0502040204020203" pitchFamily="34" charset="0"/>
-                <a:ea typeface="+mj-ea"/>
-                <a:cs typeface="Segoe UI Light" panose="020B0502040204020203" pitchFamily="34" charset="0"/>
-              </a:rPr>
-              <a:t>It</a:t>
-            </a:r>
-          </a:p>
-        </p:txBody>
-      </p:sp>
-      <p:sp>
-        <p:nvSpPr>
-          <p:cNvPr id="8" name="TextBox 7"/>
-          <p:cNvSpPr txBox="1"/>
-          <p:nvPr/>
-        </p:nvSpPr>
-        <p:spPr>
-          <a:xfrm>
-            <a:off x="2286000" y="1219200"/>
-            <a:ext cx="6096000" cy="4216539"/>
-          </a:xfrm>
-          <a:prstGeom prst="rect">
-            <a:avLst/>
-          </a:prstGeom>
-          <a:noFill/>
-        </p:spPr>
-        <p:txBody>
-          <a:bodyPr wrap="square" rtlCol="0">
-            <a:spAutoFit/>
-          </a:bodyPr>
-          <a:lstStyle/>
-          <a:p>
-            <a:pPr marL="457200" indent="-457200">
-              <a:lnSpc>
-                <a:spcPct val="150000"/>
-              </a:lnSpc>
-              <a:buFont typeface="Wingdings" pitchFamily="2" charset="2"/>
-              <a:buChar char="Ø"/>
-            </a:pPr>
-            <a:r>
-              <a:rPr lang="en-US" sz="3200" dirty="0" smtClean="0">
-                <a:solidFill>
-                  <a:srgbClr val="7030A0"/>
-                </a:solidFill>
-                <a:latin typeface="Segoe UI Light" pitchFamily="34" charset="0"/>
-                <a:cs typeface="Segoe UI Light" pitchFamily="34" charset="0"/>
-              </a:rPr>
-              <a:t>Disadvantage</a:t>
-            </a:r>
-          </a:p>
-          <a:p>
-            <a:pPr marL="342900" indent="-342900">
-              <a:lnSpc>
-                <a:spcPct val="150000"/>
-              </a:lnSpc>
-              <a:buFont typeface="Wingdings" pitchFamily="2" charset="2"/>
-              <a:buChar char="§"/>
-            </a:pPr>
-            <a:r>
-              <a:rPr lang="en-US" sz="2400" dirty="0" smtClean="0">
-                <a:solidFill>
-                  <a:srgbClr val="7030A0"/>
-                </a:solidFill>
-                <a:latin typeface="Segoe UI Light" pitchFamily="34" charset="0"/>
-                <a:cs typeface="Segoe UI Light" pitchFamily="34" charset="0"/>
-              </a:rPr>
-              <a:t>Users have to buy 1 ticket/transaction</a:t>
-            </a:r>
-          </a:p>
-          <a:p>
-            <a:pPr marL="342900" indent="-342900">
-              <a:lnSpc>
-                <a:spcPct val="150000"/>
-              </a:lnSpc>
-              <a:buFont typeface="Wingdings" pitchFamily="2" charset="2"/>
-              <a:buChar char="§"/>
-            </a:pPr>
-            <a:r>
-              <a:rPr lang="en-US" sz="2400" dirty="0" smtClean="0">
-                <a:solidFill>
-                  <a:srgbClr val="7030A0"/>
-                </a:solidFill>
-                <a:latin typeface="Segoe UI Light" pitchFamily="34" charset="0"/>
-                <a:cs typeface="Segoe UI Light" pitchFamily="34" charset="0"/>
-              </a:rPr>
-              <a:t>Users have to check out through PayPal</a:t>
-            </a:r>
-          </a:p>
-          <a:p>
-            <a:pPr marL="342900" indent="-342900">
-              <a:lnSpc>
-                <a:spcPct val="150000"/>
-              </a:lnSpc>
-              <a:buFont typeface="Wingdings" pitchFamily="2" charset="2"/>
-              <a:buChar char="§"/>
-            </a:pPr>
-            <a:r>
-              <a:rPr lang="en-US" sz="2400" dirty="0" smtClean="0">
-                <a:solidFill>
-                  <a:srgbClr val="7030A0"/>
-                </a:solidFill>
-                <a:latin typeface="Segoe UI Light" pitchFamily="34" charset="0"/>
-                <a:cs typeface="Segoe UI Light" pitchFamily="34" charset="0"/>
-              </a:rPr>
-              <a:t>Have only one role </a:t>
-            </a:r>
-            <a:r>
-              <a:rPr lang="en-US" sz="2400" dirty="0" smtClean="0">
-                <a:solidFill>
-                  <a:srgbClr val="7030A0"/>
-                </a:solidFill>
-                <a:latin typeface="Segoe UI Light" pitchFamily="34" charset="0"/>
-                <a:cs typeface="Segoe UI Light" pitchFamily="34" charset="0"/>
-              </a:rPr>
-              <a:t>Admin</a:t>
-            </a:r>
-          </a:p>
-          <a:p>
-            <a:pPr marL="342900" indent="-342900">
-              <a:lnSpc>
-                <a:spcPct val="150000"/>
-              </a:lnSpc>
-              <a:buFont typeface="Wingdings" pitchFamily="2" charset="2"/>
-              <a:buChar char="§"/>
-            </a:pPr>
-            <a:r>
-              <a:rPr lang="en-US" sz="2400" dirty="0" smtClean="0">
-                <a:solidFill>
-                  <a:srgbClr val="7030A0"/>
-                </a:solidFill>
-                <a:latin typeface="Segoe UI Light" pitchFamily="34" charset="0"/>
-                <a:cs typeface="Segoe UI Light" pitchFamily="34" charset="0"/>
-              </a:rPr>
-              <a:t>Services only in HCMC</a:t>
-            </a:r>
-            <a:endParaRPr lang="en-US" sz="2400" dirty="0">
-              <a:solidFill>
-                <a:srgbClr val="7030A0"/>
-              </a:solidFill>
-              <a:latin typeface="Segoe UI Light" pitchFamily="34" charset="0"/>
-              <a:cs typeface="Segoe UI Light" pitchFamily="34" charset="0"/>
-            </a:endParaRPr>
-          </a:p>
-          <a:p>
-            <a:pPr>
-              <a:lnSpc>
-                <a:spcPct val="150000"/>
-              </a:lnSpc>
-            </a:pPr>
-            <a:endParaRPr lang="en-US" sz="3200" dirty="0">
-              <a:solidFill>
-                <a:srgbClr val="7030A0"/>
-              </a:solidFill>
-              <a:latin typeface="Segoe UI Light" pitchFamily="34" charset="0"/>
-              <a:cs typeface="Segoe UI Light" pitchFamily="34" charset="0"/>
-            </a:endParaRPr>
-          </a:p>
-          <a:p>
-            <a:endParaRPr lang="en-US" sz="2800" dirty="0">
-              <a:solidFill>
-                <a:srgbClr val="7030A0"/>
-              </a:solidFill>
-              <a:latin typeface="Segoe UI Light" pitchFamily="34" charset="0"/>
-              <a:cs typeface="Segoe UI Light" pitchFamily="34" charset="0"/>
-            </a:endParaRPr>
-          </a:p>
-        </p:txBody>
-      </p:sp>
     </p:spTree>
     <p:extLst>
       <p:ext uri="{BB962C8B-B14F-4D97-AF65-F5344CB8AC3E}">
-        <p14:creationId xmlns:p14="http://schemas.microsoft.com/office/powerpoint/2010/main" val="2963862100"/>
+        <p14:creationId xmlns:p14="http://schemas.microsoft.com/office/powerpoint/2010/main" val="163057138"/>
       </p:ext>
     </p:extLst>
   </p:cSld>
@@ -10097,7 +10791,7 @@
         <p:spPr>
           <a:xfrm>
             <a:off x="152400" y="2597426"/>
-            <a:ext cx="1600199" cy="400110"/>
+            <a:ext cx="1600199" cy="369332"/>
           </a:xfrm>
           <a:prstGeom prst="rect">
             <a:avLst/>
@@ -10111,14 +10805,14 @@
           <a:lstStyle/>
           <a:p>
             <a:r>
-              <a:rPr lang="en-US" sz="2000" dirty="0" smtClean="0">
+              <a:rPr lang="en-US" dirty="0" smtClean="0">
                 <a:solidFill>
                   <a:schemeClr val="bg1"/>
                 </a:solidFill>
                 <a:latin typeface="Segoe UI Light" pitchFamily="34" charset="0"/>
                 <a:cs typeface="Segoe UI Light" pitchFamily="34" charset="0"/>
               </a:rPr>
-              <a:t>Future Plan</a:t>
+              <a:t>Disadvantage</a:t>
             </a:r>
             <a:endParaRPr lang="en-US" sz="2400" dirty="0">
               <a:solidFill>
@@ -10225,7 +10919,7 @@
                 <a:latin typeface="Segoe UI Light" pitchFamily="34" charset="0"/>
                 <a:cs typeface="Segoe UI Light" pitchFamily="34" charset="0"/>
               </a:rPr>
-              <a:t>Future Development</a:t>
+              <a:t>Disadvantage</a:t>
             </a:r>
           </a:p>
           <a:p>
@@ -10244,27 +10938,7 @@
                 <a:latin typeface="Segoe UI Light" pitchFamily="34" charset="0"/>
                 <a:cs typeface="Segoe UI Light" pitchFamily="34" charset="0"/>
               </a:rPr>
-              <a:t>Allows user </a:t>
-            </a:r>
-            <a:r>
-              <a:rPr lang="en-US" sz="2400" dirty="0" smtClean="0">
-                <a:solidFill>
-                  <a:srgbClr val="7030A0"/>
-                </a:solidFill>
-                <a:latin typeface="Segoe UI Light" pitchFamily="34" charset="0"/>
-                <a:cs typeface="Segoe UI Light" pitchFamily="34" charset="0"/>
-              </a:rPr>
-              <a:t>buy &amp; sell </a:t>
-            </a:r>
-            <a:r>
-              <a:rPr lang="en-US" sz="2400" dirty="0" smtClean="0">
-                <a:solidFill>
-                  <a:srgbClr val="7030A0"/>
-                </a:solidFill>
-                <a:latin typeface="Segoe UI Light" pitchFamily="34" charset="0"/>
-                <a:cs typeface="Segoe UI Light" pitchFamily="34" charset="0"/>
-              </a:rPr>
-              <a:t>many tickets</a:t>
+              <a:t>Users have to buy 1 ticket/transaction</a:t>
             </a:r>
           </a:p>
           <a:p>
@@ -10283,7 +10957,7 @@
                 <a:latin typeface="Segoe UI Light" pitchFamily="34" charset="0"/>
                 <a:cs typeface="Segoe UI Light" pitchFamily="34" charset="0"/>
               </a:rPr>
-              <a:t>Provide more payment methods</a:t>
+              <a:t>Users have to check out through PayPal</a:t>
             </a:r>
           </a:p>
           <a:p>
@@ -10302,7 +10976,7 @@
                 <a:latin typeface="Segoe UI Light" pitchFamily="34" charset="0"/>
                 <a:cs typeface="Segoe UI Light" pitchFamily="34" charset="0"/>
               </a:rPr>
-              <a:t>Implement more roles for administration</a:t>
+              <a:t>Have only one role Admin</a:t>
             </a:r>
           </a:p>
           <a:p>
@@ -10314,15 +10988,22 @@
               <a:buChar char="§"/>
             </a:pPr>
             <a:r>
-              <a:rPr lang="en-US" sz="2400" dirty="0">
+              <a:rPr lang="en-US" sz="2400" dirty="0" smtClean="0">
                 <a:solidFill>
                   <a:srgbClr val="7030A0"/>
                 </a:solidFill>
                 <a:latin typeface="Segoe UI Light" pitchFamily="34" charset="0"/>
                 <a:cs typeface="Segoe UI Light" pitchFamily="34" charset="0"/>
               </a:rPr>
-              <a:t>Provide shipping nationwide</a:t>
-            </a:r>
+              <a:t>Services only in HCMC</a:t>
+            </a:r>
+            <a:endParaRPr lang="en-US" sz="2400" dirty="0">
+              <a:solidFill>
+                <a:srgbClr val="7030A0"/>
+              </a:solidFill>
+              <a:latin typeface="Segoe UI Light" pitchFamily="34" charset="0"/>
+              <a:cs typeface="Segoe UI Light" pitchFamily="34" charset="0"/>
+            </a:endParaRPr>
           </a:p>
           <a:p>
             <a:pPr>
@@ -10352,7 +11033,7 @@
     </p:spTree>
     <p:extLst>
       <p:ext uri="{BB962C8B-B14F-4D97-AF65-F5344CB8AC3E}">
-        <p14:creationId xmlns:p14="http://schemas.microsoft.com/office/powerpoint/2010/main" val="1829961558"/>
+        <p14:creationId xmlns:p14="http://schemas.microsoft.com/office/powerpoint/2010/main" val="2963862100"/>
       </p:ext>
     </p:extLst>
   </p:cSld>
@@ -10779,6 +11460,102 @@
           <a:chExt cx="0" cy="0"/>
         </a:xfrm>
       </p:grpSpPr>
+      <p:sp>
+        <p:nvSpPr>
+          <p:cNvPr id="2" name="Rectangle 1"/>
+          <p:cNvSpPr/>
+          <p:nvPr/>
+        </p:nvSpPr>
+        <p:spPr>
+          <a:xfrm>
+            <a:off x="0" y="0"/>
+            <a:ext cx="1828800" cy="6858000"/>
+          </a:xfrm>
+          <a:prstGeom prst="rect">
+            <a:avLst/>
+          </a:prstGeom>
+          <a:solidFill>
+            <a:schemeClr val="bg1">
+              <a:lumMod val="95000"/>
+            </a:schemeClr>
+          </a:solidFill>
+          <a:ln>
+            <a:noFill/>
+          </a:ln>
+        </p:spPr>
+        <p:style>
+          <a:lnRef idx="2">
+            <a:schemeClr val="accent1">
+              <a:shade val="50000"/>
+            </a:schemeClr>
+          </a:lnRef>
+          <a:fillRef idx="1">
+            <a:schemeClr val="accent1"/>
+          </a:fillRef>
+          <a:effectRef idx="0">
+            <a:schemeClr val="accent1"/>
+          </a:effectRef>
+          <a:fontRef idx="minor">
+            <a:schemeClr val="lt1"/>
+          </a:fontRef>
+        </p:style>
+        <p:txBody>
+          <a:bodyPr rtlCol="0" anchor="ctr"/>
+          <a:lstStyle/>
+          <a:p>
+            <a:pPr algn="ctr"/>
+            <a:endParaRPr lang="en-US"/>
+          </a:p>
+        </p:txBody>
+      </p:sp>
+      <p:sp>
+        <p:nvSpPr>
+          <p:cNvPr id="4" name="Rectangle 3"/>
+          <p:cNvSpPr/>
+          <p:nvPr/>
+        </p:nvSpPr>
+        <p:spPr>
+          <a:xfrm>
+            <a:off x="0" y="1219200"/>
+            <a:ext cx="1828800" cy="3657600"/>
+          </a:xfrm>
+          <a:prstGeom prst="rect">
+            <a:avLst/>
+          </a:prstGeom>
+          <a:solidFill>
+            <a:srgbClr val="7030A0"/>
+          </a:solidFill>
+          <a:ln>
+            <a:noFill/>
+          </a:ln>
+        </p:spPr>
+        <p:style>
+          <a:lnRef idx="2">
+            <a:schemeClr val="accent1">
+              <a:shade val="50000"/>
+            </a:schemeClr>
+          </a:lnRef>
+          <a:fillRef idx="1">
+            <a:schemeClr val="accent1"/>
+          </a:fillRef>
+          <a:effectRef idx="0">
+            <a:schemeClr val="accent1"/>
+          </a:effectRef>
+          <a:fontRef idx="minor">
+            <a:schemeClr val="lt1"/>
+          </a:fontRef>
+        </p:style>
+        <p:txBody>
+          <a:bodyPr lIns="822960" rtlCol="0" anchor="ctr"/>
+          <a:lstStyle/>
+          <a:p>
+            <a:endParaRPr lang="en-US" sz="2400" dirty="0">
+              <a:latin typeface="Segoe UI Light" pitchFamily="34" charset="0"/>
+              <a:cs typeface="Segoe UI Light" pitchFamily="34" charset="0"/>
+            </a:endParaRPr>
+          </a:p>
+        </p:txBody>
+      </p:sp>
       <p:pic>
         <p:nvPicPr>
           <p:cNvPr id="12" name="Picture 11" descr="C:\Users\iLucas\Desktop\logo_fpt_university_doc copy.png"/>
@@ -10822,6 +11599,325 @@
       </p:pic>
       <p:sp>
         <p:nvSpPr>
+          <p:cNvPr id="5" name="TextBox 4"/>
+          <p:cNvSpPr txBox="1"/>
+          <p:nvPr/>
+        </p:nvSpPr>
+        <p:spPr>
+          <a:xfrm>
+            <a:off x="152400" y="2597426"/>
+            <a:ext cx="1600199" cy="400110"/>
+          </a:xfrm>
+          <a:prstGeom prst="rect">
+            <a:avLst/>
+          </a:prstGeom>
+          <a:noFill/>
+        </p:spPr>
+        <p:txBody>
+          <a:bodyPr wrap="square" rtlCol="0">
+            <a:spAutoFit/>
+          </a:bodyPr>
+          <a:lstStyle/>
+          <a:p>
+            <a:r>
+              <a:rPr lang="en-US" sz="2000" dirty="0" smtClean="0">
+                <a:solidFill>
+                  <a:schemeClr val="bg1"/>
+                </a:solidFill>
+                <a:latin typeface="Segoe UI Light" pitchFamily="34" charset="0"/>
+                <a:cs typeface="Segoe UI Light" pitchFamily="34" charset="0"/>
+              </a:rPr>
+              <a:t>Future Plan</a:t>
+            </a:r>
+            <a:endParaRPr lang="en-US" sz="2400" dirty="0">
+              <a:solidFill>
+                <a:schemeClr val="bg1"/>
+              </a:solidFill>
+              <a:latin typeface="Segoe UI Light" pitchFamily="34" charset="0"/>
+              <a:cs typeface="Segoe UI Light" pitchFamily="34" charset="0"/>
+            </a:endParaRPr>
+          </a:p>
+        </p:txBody>
+      </p:sp>
+      <p:sp>
+        <p:nvSpPr>
+          <p:cNvPr id="19" name="TextBox 18"/>
+          <p:cNvSpPr txBox="1"/>
+          <p:nvPr/>
+        </p:nvSpPr>
+        <p:spPr>
+          <a:xfrm>
+            <a:off x="1828800" y="96028"/>
+            <a:ext cx="3352800" cy="400110"/>
+          </a:xfrm>
+          <a:prstGeom prst="rect">
+            <a:avLst/>
+          </a:prstGeom>
+          <a:noFill/>
+        </p:spPr>
+        <p:txBody>
+          <a:bodyPr wrap="square" rtlCol="0">
+            <a:spAutoFit/>
+          </a:bodyPr>
+          <a:lstStyle/>
+          <a:p>
+            <a:r>
+              <a:rPr lang="en-US" sz="2000" b="1" dirty="0">
+                <a:solidFill>
+                  <a:srgbClr val="7030A0"/>
+                </a:solidFill>
+                <a:latin typeface="Segoe UI Light" panose="020B0502040204020203" pitchFamily="34" charset="0"/>
+                <a:ea typeface="+mj-ea"/>
+                <a:cs typeface="Segoe UI Light" panose="020B0502040204020203" pitchFamily="34" charset="0"/>
+              </a:rPr>
+              <a:t>Group </a:t>
+            </a:r>
+            <a:r>
+              <a:rPr lang="en-US" sz="2000" b="1" dirty="0" smtClean="0">
+                <a:solidFill>
+                  <a:srgbClr val="7030A0"/>
+                </a:solidFill>
+                <a:latin typeface="Segoe UI Light" panose="020B0502040204020203" pitchFamily="34" charset="0"/>
+                <a:ea typeface="+mj-ea"/>
+                <a:cs typeface="Segoe UI Light" panose="020B0502040204020203" pitchFamily="34" charset="0"/>
+              </a:rPr>
+              <a:t>8 - Drop </a:t>
+            </a:r>
+            <a:r>
+              <a:rPr lang="en-US" sz="2000" b="1" dirty="0">
+                <a:solidFill>
+                  <a:srgbClr val="7030A0"/>
+                </a:solidFill>
+                <a:latin typeface="Segoe UI Light" panose="020B0502040204020203" pitchFamily="34" charset="0"/>
+                <a:ea typeface="+mj-ea"/>
+                <a:cs typeface="Segoe UI Light" panose="020B0502040204020203" pitchFamily="34" charset="0"/>
+              </a:rPr>
+              <a:t>It</a:t>
+            </a:r>
+          </a:p>
+        </p:txBody>
+      </p:sp>
+      <p:sp>
+        <p:nvSpPr>
+          <p:cNvPr id="8" name="TextBox 7"/>
+          <p:cNvSpPr txBox="1"/>
+          <p:nvPr/>
+        </p:nvSpPr>
+        <p:spPr>
+          <a:xfrm>
+            <a:off x="2286000" y="1219200"/>
+            <a:ext cx="6096000" cy="4216539"/>
+          </a:xfrm>
+          <a:prstGeom prst="rect">
+            <a:avLst/>
+          </a:prstGeom>
+          <a:noFill/>
+        </p:spPr>
+        <p:txBody>
+          <a:bodyPr wrap="square" rtlCol="0">
+            <a:spAutoFit/>
+          </a:bodyPr>
+          <a:lstStyle/>
+          <a:p>
+            <a:pPr marL="457200" indent="-457200">
+              <a:lnSpc>
+                <a:spcPct val="150000"/>
+              </a:lnSpc>
+              <a:buFont typeface="Wingdings" pitchFamily="2" charset="2"/>
+              <a:buChar char="Ø"/>
+            </a:pPr>
+            <a:r>
+              <a:rPr lang="en-US" sz="3200" dirty="0" smtClean="0">
+                <a:solidFill>
+                  <a:srgbClr val="7030A0"/>
+                </a:solidFill>
+                <a:latin typeface="Segoe UI Light" pitchFamily="34" charset="0"/>
+                <a:cs typeface="Segoe UI Light" pitchFamily="34" charset="0"/>
+              </a:rPr>
+              <a:t>Future Development</a:t>
+            </a:r>
+          </a:p>
+          <a:p>
+            <a:pPr marL="342900" indent="-342900">
+              <a:lnSpc>
+                <a:spcPct val="150000"/>
+              </a:lnSpc>
+              <a:buFont typeface="Wingdings" pitchFamily="2" charset="2"/>
+              <a:buChar char="§"/>
+            </a:pPr>
+            <a:r>
+              <a:rPr lang="en-US" sz="2400" dirty="0" smtClean="0">
+                <a:solidFill>
+                  <a:srgbClr val="7030A0"/>
+                </a:solidFill>
+                <a:latin typeface="Segoe UI Light" pitchFamily="34" charset="0"/>
+                <a:cs typeface="Segoe UI Light" pitchFamily="34" charset="0"/>
+              </a:rPr>
+              <a:t>Allows user buy &amp; sell many tickets</a:t>
+            </a:r>
+          </a:p>
+          <a:p>
+            <a:pPr marL="342900" indent="-342900">
+              <a:lnSpc>
+                <a:spcPct val="150000"/>
+              </a:lnSpc>
+              <a:buFont typeface="Wingdings" pitchFamily="2" charset="2"/>
+              <a:buChar char="§"/>
+            </a:pPr>
+            <a:r>
+              <a:rPr lang="en-US" sz="2400" dirty="0" smtClean="0">
+                <a:solidFill>
+                  <a:srgbClr val="7030A0"/>
+                </a:solidFill>
+                <a:latin typeface="Segoe UI Light" pitchFamily="34" charset="0"/>
+                <a:cs typeface="Segoe UI Light" pitchFamily="34" charset="0"/>
+              </a:rPr>
+              <a:t>Provide more payment methods</a:t>
+            </a:r>
+          </a:p>
+          <a:p>
+            <a:pPr marL="342900" indent="-342900">
+              <a:lnSpc>
+                <a:spcPct val="150000"/>
+              </a:lnSpc>
+              <a:buFont typeface="Wingdings" pitchFamily="2" charset="2"/>
+              <a:buChar char="§"/>
+            </a:pPr>
+            <a:r>
+              <a:rPr lang="en-US" sz="2400" dirty="0" smtClean="0">
+                <a:solidFill>
+                  <a:srgbClr val="7030A0"/>
+                </a:solidFill>
+                <a:latin typeface="Segoe UI Light" pitchFamily="34" charset="0"/>
+                <a:cs typeface="Segoe UI Light" pitchFamily="34" charset="0"/>
+              </a:rPr>
+              <a:t>Implement more roles for administration</a:t>
+            </a:r>
+          </a:p>
+          <a:p>
+            <a:pPr marL="342900" indent="-342900">
+              <a:lnSpc>
+                <a:spcPct val="150000"/>
+              </a:lnSpc>
+              <a:buFont typeface="Wingdings" pitchFamily="2" charset="2"/>
+              <a:buChar char="§"/>
+            </a:pPr>
+            <a:r>
+              <a:rPr lang="en-US" sz="2400" dirty="0">
+                <a:solidFill>
+                  <a:srgbClr val="7030A0"/>
+                </a:solidFill>
+                <a:latin typeface="Segoe UI Light" pitchFamily="34" charset="0"/>
+                <a:cs typeface="Segoe UI Light" pitchFamily="34" charset="0"/>
+              </a:rPr>
+              <a:t>Provide shipping nationwide</a:t>
+            </a:r>
+          </a:p>
+          <a:p>
+            <a:pPr>
+              <a:lnSpc>
+                <a:spcPct val="150000"/>
+              </a:lnSpc>
+            </a:pPr>
+            <a:endParaRPr lang="en-US" sz="3200" dirty="0">
+              <a:solidFill>
+                <a:srgbClr val="7030A0"/>
+              </a:solidFill>
+              <a:latin typeface="Segoe UI Light" pitchFamily="34" charset="0"/>
+              <a:cs typeface="Segoe UI Light" pitchFamily="34" charset="0"/>
+            </a:endParaRPr>
+          </a:p>
+          <a:p>
+            <a:endParaRPr lang="en-US" sz="2800" dirty="0">
+              <a:solidFill>
+                <a:srgbClr val="7030A0"/>
+              </a:solidFill>
+              <a:latin typeface="Segoe UI Light" pitchFamily="34" charset="0"/>
+              <a:cs typeface="Segoe UI Light" pitchFamily="34" charset="0"/>
+            </a:endParaRPr>
+          </a:p>
+        </p:txBody>
+      </p:sp>
+    </p:spTree>
+    <p:extLst>
+      <p:ext uri="{BB962C8B-B14F-4D97-AF65-F5344CB8AC3E}">
+        <p14:creationId xmlns:p14="http://schemas.microsoft.com/office/powerpoint/2010/main" val="1829961558"/>
+      </p:ext>
+    </p:extLst>
+  </p:cSld>
+  <p:clrMapOvr>
+    <a:masterClrMapping/>
+  </p:clrMapOvr>
+  <p:timing>
+    <p:tnLst>
+      <p:par>
+        <p:cTn id="1" dur="indefinite" restart="never" nodeType="tmRoot"/>
+      </p:par>
+    </p:tnLst>
+  </p:timing>
+</p:sld>
+</file>
+
+<file path=ppt/slides/slide21.xml><?xml version="1.0" encoding="utf-8"?>
+<p:sld xmlns:a="http://schemas.openxmlformats.org/drawingml/2006/main" xmlns:r="http://schemas.openxmlformats.org/officeDocument/2006/relationships" xmlns:p="http://schemas.openxmlformats.org/presentationml/2006/main">
+  <p:cSld>
+    <p:spTree>
+      <p:nvGrpSpPr>
+        <p:cNvPr id="1" name=""/>
+        <p:cNvGrpSpPr/>
+        <p:nvPr/>
+      </p:nvGrpSpPr>
+      <p:grpSpPr>
+        <a:xfrm>
+          <a:off x="0" y="0"/>
+          <a:ext cx="0" cy="0"/>
+          <a:chOff x="0" y="0"/>
+          <a:chExt cx="0" cy="0"/>
+        </a:xfrm>
+      </p:grpSpPr>
+      <p:pic>
+        <p:nvPicPr>
+          <p:cNvPr id="12" name="Picture 11" descr="C:\Users\iLucas\Desktop\logo_fpt_university_doc copy.png"/>
+          <p:cNvPicPr>
+            <a:picLocks noChangeAspect="1" noChangeArrowheads="1"/>
+          </p:cNvPicPr>
+          <p:nvPr/>
+        </p:nvPicPr>
+        <p:blipFill>
+          <a:blip r:embed="rId2" cstate="print">
+            <a:extLst>
+              <a:ext uri="{28A0092B-C50C-407E-A947-70E740481C1C}">
+                <a14:useLocalDpi xmlns:a14="http://schemas.microsoft.com/office/drawing/2010/main" val="0"/>
+              </a:ext>
+            </a:extLst>
+          </a:blip>
+          <a:srcRect/>
+          <a:stretch>
+            <a:fillRect/>
+          </a:stretch>
+        </p:blipFill>
+        <p:spPr bwMode="auto">
+          <a:xfrm>
+            <a:off x="415580" y="66329"/>
+            <a:ext cx="997640" cy="773302"/>
+          </a:xfrm>
+          <a:prstGeom prst="rect">
+            <a:avLst/>
+          </a:prstGeom>
+          <a:noFill/>
+          <a:extLst>
+            <a:ext uri="{909E8E84-426E-40DD-AFC4-6F175D3DCCD1}">
+              <a14:hiddenFill xmlns:a14="http://schemas.microsoft.com/office/drawing/2010/main">
+                <a:solidFill>
+                  <a:srgbClr val="FFFFFF"/>
+                </a:solidFill>
+              </a14:hiddenFill>
+            </a:ext>
+          </a:extLst>
+        </p:spPr>
+      </p:pic>
+      <p:sp>
+        <p:nvSpPr>
           <p:cNvPr id="19" name="TextBox 18"/>
           <p:cNvSpPr txBox="1"/>
           <p:nvPr/>
@@ -10958,20 +12054,6 @@
               </a:rPr>
               <a:t>Thanks for Listening</a:t>
             </a:r>
-            <a:endParaRPr lang="en-US" sz="5400" b="1" i="1" dirty="0">
-              <a:solidFill>
-                <a:srgbClr val="7030A0"/>
-              </a:solidFill>
-              <a:effectLst>
-                <a:outerShdw blurRad="38100" dist="38100" dir="2700000" algn="tl">
-                  <a:srgbClr val="000000">
-                    <a:alpha val="43137"/>
-                  </a:srgbClr>
-                </a:outerShdw>
-              </a:effectLst>
-              <a:latin typeface="Segoe UI Light" pitchFamily="34" charset="0"/>
-              <a:cs typeface="Segoe UI Light" pitchFamily="34" charset="0"/>
-            </a:endParaRPr>
           </a:p>
         </p:txBody>
       </p:sp>
@@ -17438,7 +18520,7 @@
   <a:themeElements>
     <a:clrScheme name="Opulent">
       <a:dk1>
-        <a:sysClr val="windowText" lastClr="000000"/>
+        <a:sysClr val="windowText" lastClr="464646"/>
       </a:dk1>
       <a:lt1>
         <a:sysClr val="window" lastClr="FFFFFF"/>
@@ -17723,7 +18805,7 @@
   <a:themeElements>
     <a:clrScheme name="Office">
       <a:dk1>
-        <a:sysClr val="windowText" lastClr="000000"/>
+        <a:sysClr val="windowText" lastClr="464646"/>
       </a:dk1>
       <a:lt1>
         <a:sysClr val="window" lastClr="FFFFFF"/>

--- a/Document/Present.pptx
+++ b/Document/Present.pptx
@@ -5589,7 +5589,7 @@
             <a:pPr algn="ctr"/>
             <a:r>
               <a:rPr lang="en-US" dirty="0" smtClean="0"/>
-              <a:t>Sell Homepage</a:t>
+              <a:t>Post Ticket page</a:t>
             </a:r>
             <a:endParaRPr lang="en-US" dirty="0"/>
           </a:p>
@@ -5760,12 +5760,12 @@
               <a:t>Input </a:t>
             </a:r>
             <a:r>
-              <a:rPr lang="en-US" dirty="0" err="1" smtClean="0"/>
-              <a:t>infor</a:t>
-            </a:r>
-            <a:r>
               <a:rPr lang="en-US" dirty="0" smtClean="0"/>
-              <a:t> &amp; price</a:t>
+              <a:t>info </a:t>
+            </a:r>
+            <a:r>
+              <a:rPr lang="en-US" dirty="0" smtClean="0"/>
+              <a:t>&amp; price</a:t>
             </a:r>
             <a:endParaRPr lang="en-US" dirty="0"/>
           </a:p>
@@ -6701,12 +6701,8 @@
               <a:t>Input </a:t>
             </a:r>
             <a:r>
-              <a:rPr lang="en-US" dirty="0" err="1" smtClean="0"/>
-              <a:t>infor</a:t>
-            </a:r>
-            <a:r>
               <a:rPr lang="en-US" dirty="0" smtClean="0"/>
-              <a:t> </a:t>
+              <a:t>info </a:t>
             </a:r>
             <a:endParaRPr lang="en-US" dirty="0"/>
           </a:p>
@@ -6898,7 +6894,11 @@
             <a:pPr algn="ctr"/>
             <a:r>
               <a:rPr lang="en-US" dirty="0" smtClean="0"/>
-              <a:t>Wait shipping</a:t>
+              <a:t>Wait </a:t>
+            </a:r>
+            <a:r>
+              <a:rPr lang="en-US" dirty="0" smtClean="0"/>
+              <a:t>for shipping</a:t>
             </a:r>
             <a:endParaRPr lang="en-US" dirty="0"/>
           </a:p>

--- a/Document/Present.pptx
+++ b/Document/Present.pptx
@@ -4838,7 +4838,7 @@
         <p:spPr>
           <a:xfrm>
             <a:off x="-32467" y="1219200"/>
-            <a:ext cx="1828800" cy="548640"/>
+            <a:ext cx="1825487" cy="548640"/>
           </a:xfrm>
           <a:prstGeom prst="rect">
             <a:avLst/>
@@ -4888,7 +4888,7 @@
         <p:spPr>
           <a:xfrm>
             <a:off x="-32467" y="2494048"/>
-            <a:ext cx="1828800" cy="371072"/>
+            <a:ext cx="1825487" cy="371072"/>
           </a:xfrm>
           <a:prstGeom prst="rect">
             <a:avLst/>
@@ -5185,7 +5185,7 @@
         <p:spPr>
           <a:xfrm>
             <a:off x="-32467" y="2142605"/>
-            <a:ext cx="1828800" cy="397431"/>
+            <a:ext cx="1825487" cy="397431"/>
           </a:xfrm>
           <a:prstGeom prst="rect">
             <a:avLst/>
@@ -5757,15 +5757,7 @@
             <a:pPr algn="ctr"/>
             <a:r>
               <a:rPr lang="en-US" dirty="0" smtClean="0"/>
-              <a:t>Input </a:t>
-            </a:r>
-            <a:r>
-              <a:rPr lang="en-US" dirty="0" smtClean="0"/>
-              <a:t>info </a:t>
-            </a:r>
-            <a:r>
-              <a:rPr lang="en-US" dirty="0" smtClean="0"/>
-              <a:t>&amp; price</a:t>
+              <a:t>Input info &amp; price</a:t>
             </a:r>
             <a:endParaRPr lang="en-US" dirty="0"/>
           </a:p>
@@ -5908,9 +5900,484 @@
   <p:timing>
     <p:tnLst>
       <p:par>
-        <p:cTn id="1" dur="indefinite" restart="never" nodeType="tmRoot"/>
+        <p:cTn id="1" dur="indefinite" restart="never" nodeType="tmRoot">
+          <p:childTnLst>
+            <p:seq concurrent="1" nextAc="seek">
+              <p:cTn id="2" dur="indefinite" nodeType="mainSeq">
+                <p:childTnLst>
+                  <p:par>
+                    <p:cTn id="3" fill="hold">
+                      <p:stCondLst>
+                        <p:cond delay="indefinite"/>
+                      </p:stCondLst>
+                      <p:childTnLst>
+                        <p:par>
+                          <p:cTn id="4" fill="hold">
+                            <p:stCondLst>
+                              <p:cond delay="0"/>
+                            </p:stCondLst>
+                            <p:childTnLst>
+                              <p:par>
+                                <p:cTn id="5" presetID="10" presetClass="entr" presetSubtype="0" fill="hold" grpId="0" nodeType="clickEffect">
+                                  <p:stCondLst>
+                                    <p:cond delay="0"/>
+                                  </p:stCondLst>
+                                  <p:childTnLst>
+                                    <p:set>
+                                      <p:cBhvr>
+                                        <p:cTn id="6" dur="1" fill="hold">
+                                          <p:stCondLst>
+                                            <p:cond delay="0"/>
+                                          </p:stCondLst>
+                                        </p:cTn>
+                                        <p:tgtEl>
+                                          <p:spTgt spid="8"/>
+                                        </p:tgtEl>
+                                        <p:attrNameLst>
+                                          <p:attrName>style.visibility</p:attrName>
+                                        </p:attrNameLst>
+                                      </p:cBhvr>
+                                      <p:to>
+                                        <p:strVal val="visible"/>
+                                      </p:to>
+                                    </p:set>
+                                    <p:animEffect transition="in" filter="fade">
+                                      <p:cBhvr>
+                                        <p:cTn id="7" dur="500"/>
+                                        <p:tgtEl>
+                                          <p:spTgt spid="8"/>
+                                        </p:tgtEl>
+                                      </p:cBhvr>
+                                    </p:animEffect>
+                                  </p:childTnLst>
+                                </p:cTn>
+                              </p:par>
+                              <p:par>
+                                <p:cTn id="8" presetID="10" presetClass="entr" presetSubtype="0" fill="hold" grpId="0" nodeType="withEffect">
+                                  <p:stCondLst>
+                                    <p:cond delay="0"/>
+                                  </p:stCondLst>
+                                  <p:childTnLst>
+                                    <p:set>
+                                      <p:cBhvr>
+                                        <p:cTn id="9" dur="1" fill="hold">
+                                          <p:stCondLst>
+                                            <p:cond delay="0"/>
+                                          </p:stCondLst>
+                                        </p:cTn>
+                                        <p:tgtEl>
+                                          <p:spTgt spid="9"/>
+                                        </p:tgtEl>
+                                        <p:attrNameLst>
+                                          <p:attrName>style.visibility</p:attrName>
+                                        </p:attrNameLst>
+                                      </p:cBhvr>
+                                      <p:to>
+                                        <p:strVal val="visible"/>
+                                      </p:to>
+                                    </p:set>
+                                    <p:animEffect transition="in" filter="fade">
+                                      <p:cBhvr>
+                                        <p:cTn id="10" dur="500"/>
+                                        <p:tgtEl>
+                                          <p:spTgt spid="9"/>
+                                        </p:tgtEl>
+                                      </p:cBhvr>
+                                    </p:animEffect>
+                                  </p:childTnLst>
+                                </p:cTn>
+                              </p:par>
+                            </p:childTnLst>
+                          </p:cTn>
+                        </p:par>
+                      </p:childTnLst>
+                    </p:cTn>
+                  </p:par>
+                  <p:par>
+                    <p:cTn id="11" fill="hold">
+                      <p:stCondLst>
+                        <p:cond delay="indefinite"/>
+                      </p:stCondLst>
+                      <p:childTnLst>
+                        <p:par>
+                          <p:cTn id="12" fill="hold">
+                            <p:stCondLst>
+                              <p:cond delay="0"/>
+                            </p:stCondLst>
+                            <p:childTnLst>
+                              <p:par>
+                                <p:cTn id="13" presetID="10" presetClass="entr" presetSubtype="0" fill="hold" grpId="0" nodeType="clickEffect">
+                                  <p:stCondLst>
+                                    <p:cond delay="0"/>
+                                  </p:stCondLst>
+                                  <p:childTnLst>
+                                    <p:set>
+                                      <p:cBhvr>
+                                        <p:cTn id="14" dur="1" fill="hold">
+                                          <p:stCondLst>
+                                            <p:cond delay="0"/>
+                                          </p:stCondLst>
+                                        </p:cTn>
+                                        <p:tgtEl>
+                                          <p:spTgt spid="10"/>
+                                        </p:tgtEl>
+                                        <p:attrNameLst>
+                                          <p:attrName>style.visibility</p:attrName>
+                                        </p:attrNameLst>
+                                      </p:cBhvr>
+                                      <p:to>
+                                        <p:strVal val="visible"/>
+                                      </p:to>
+                                    </p:set>
+                                    <p:animEffect transition="in" filter="fade">
+                                      <p:cBhvr>
+                                        <p:cTn id="15" dur="500"/>
+                                        <p:tgtEl>
+                                          <p:spTgt spid="10"/>
+                                        </p:tgtEl>
+                                      </p:cBhvr>
+                                    </p:animEffect>
+                                  </p:childTnLst>
+                                </p:cTn>
+                              </p:par>
+                              <p:par>
+                                <p:cTn id="16" presetID="10" presetClass="entr" presetSubtype="0" fill="hold" grpId="0" nodeType="withEffect">
+                                  <p:stCondLst>
+                                    <p:cond delay="0"/>
+                                  </p:stCondLst>
+                                  <p:childTnLst>
+                                    <p:set>
+                                      <p:cBhvr>
+                                        <p:cTn id="17" dur="1" fill="hold">
+                                          <p:stCondLst>
+                                            <p:cond delay="0"/>
+                                          </p:stCondLst>
+                                        </p:cTn>
+                                        <p:tgtEl>
+                                          <p:spTgt spid="27"/>
+                                        </p:tgtEl>
+                                        <p:attrNameLst>
+                                          <p:attrName>style.visibility</p:attrName>
+                                        </p:attrNameLst>
+                                      </p:cBhvr>
+                                      <p:to>
+                                        <p:strVal val="visible"/>
+                                      </p:to>
+                                    </p:set>
+                                    <p:animEffect transition="in" filter="fade">
+                                      <p:cBhvr>
+                                        <p:cTn id="18" dur="500"/>
+                                        <p:tgtEl>
+                                          <p:spTgt spid="27"/>
+                                        </p:tgtEl>
+                                      </p:cBhvr>
+                                    </p:animEffect>
+                                  </p:childTnLst>
+                                </p:cTn>
+                              </p:par>
+                            </p:childTnLst>
+                          </p:cTn>
+                        </p:par>
+                      </p:childTnLst>
+                    </p:cTn>
+                  </p:par>
+                  <p:par>
+                    <p:cTn id="19" fill="hold">
+                      <p:stCondLst>
+                        <p:cond delay="indefinite"/>
+                      </p:stCondLst>
+                      <p:childTnLst>
+                        <p:par>
+                          <p:cTn id="20" fill="hold">
+                            <p:stCondLst>
+                              <p:cond delay="0"/>
+                            </p:stCondLst>
+                            <p:childTnLst>
+                              <p:par>
+                                <p:cTn id="21" presetID="10" presetClass="entr" presetSubtype="0" fill="hold" grpId="0" nodeType="clickEffect">
+                                  <p:stCondLst>
+                                    <p:cond delay="0"/>
+                                  </p:stCondLst>
+                                  <p:childTnLst>
+                                    <p:set>
+                                      <p:cBhvr>
+                                        <p:cTn id="22" dur="1" fill="hold">
+                                          <p:stCondLst>
+                                            <p:cond delay="0"/>
+                                          </p:stCondLst>
+                                        </p:cTn>
+                                        <p:tgtEl>
+                                          <p:spTgt spid="11"/>
+                                        </p:tgtEl>
+                                        <p:attrNameLst>
+                                          <p:attrName>style.visibility</p:attrName>
+                                        </p:attrNameLst>
+                                      </p:cBhvr>
+                                      <p:to>
+                                        <p:strVal val="visible"/>
+                                      </p:to>
+                                    </p:set>
+                                    <p:animEffect transition="in" filter="fade">
+                                      <p:cBhvr>
+                                        <p:cTn id="23" dur="500"/>
+                                        <p:tgtEl>
+                                          <p:spTgt spid="11"/>
+                                        </p:tgtEl>
+                                      </p:cBhvr>
+                                    </p:animEffect>
+                                  </p:childTnLst>
+                                </p:cTn>
+                              </p:par>
+                              <p:par>
+                                <p:cTn id="24" presetID="10" presetClass="entr" presetSubtype="0" fill="hold" grpId="0" nodeType="withEffect">
+                                  <p:stCondLst>
+                                    <p:cond delay="0"/>
+                                  </p:stCondLst>
+                                  <p:childTnLst>
+                                    <p:set>
+                                      <p:cBhvr>
+                                        <p:cTn id="25" dur="1" fill="hold">
+                                          <p:stCondLst>
+                                            <p:cond delay="0"/>
+                                          </p:stCondLst>
+                                        </p:cTn>
+                                        <p:tgtEl>
+                                          <p:spTgt spid="30"/>
+                                        </p:tgtEl>
+                                        <p:attrNameLst>
+                                          <p:attrName>style.visibility</p:attrName>
+                                        </p:attrNameLst>
+                                      </p:cBhvr>
+                                      <p:to>
+                                        <p:strVal val="visible"/>
+                                      </p:to>
+                                    </p:set>
+                                    <p:animEffect transition="in" filter="fade">
+                                      <p:cBhvr>
+                                        <p:cTn id="26" dur="500"/>
+                                        <p:tgtEl>
+                                          <p:spTgt spid="30"/>
+                                        </p:tgtEl>
+                                      </p:cBhvr>
+                                    </p:animEffect>
+                                  </p:childTnLst>
+                                </p:cTn>
+                              </p:par>
+                            </p:childTnLst>
+                          </p:cTn>
+                        </p:par>
+                      </p:childTnLst>
+                    </p:cTn>
+                  </p:par>
+                  <p:par>
+                    <p:cTn id="27" fill="hold">
+                      <p:stCondLst>
+                        <p:cond delay="indefinite"/>
+                      </p:stCondLst>
+                      <p:childTnLst>
+                        <p:par>
+                          <p:cTn id="28" fill="hold">
+                            <p:stCondLst>
+                              <p:cond delay="0"/>
+                            </p:stCondLst>
+                            <p:childTnLst>
+                              <p:par>
+                                <p:cTn id="29" presetID="10" presetClass="entr" presetSubtype="0" fill="hold" grpId="0" nodeType="clickEffect">
+                                  <p:stCondLst>
+                                    <p:cond delay="0"/>
+                                  </p:stCondLst>
+                                  <p:childTnLst>
+                                    <p:set>
+                                      <p:cBhvr>
+                                        <p:cTn id="30" dur="1" fill="hold">
+                                          <p:stCondLst>
+                                            <p:cond delay="0"/>
+                                          </p:stCondLst>
+                                        </p:cTn>
+                                        <p:tgtEl>
+                                          <p:spTgt spid="25"/>
+                                        </p:tgtEl>
+                                        <p:attrNameLst>
+                                          <p:attrName>style.visibility</p:attrName>
+                                        </p:attrNameLst>
+                                      </p:cBhvr>
+                                      <p:to>
+                                        <p:strVal val="visible"/>
+                                      </p:to>
+                                    </p:set>
+                                    <p:animEffect transition="in" filter="fade">
+                                      <p:cBhvr>
+                                        <p:cTn id="31" dur="500"/>
+                                        <p:tgtEl>
+                                          <p:spTgt spid="25"/>
+                                        </p:tgtEl>
+                                      </p:cBhvr>
+                                    </p:animEffect>
+                                  </p:childTnLst>
+                                </p:cTn>
+                              </p:par>
+                              <p:par>
+                                <p:cTn id="32" presetID="10" presetClass="entr" presetSubtype="0" fill="hold" grpId="0" nodeType="withEffect">
+                                  <p:stCondLst>
+                                    <p:cond delay="0"/>
+                                  </p:stCondLst>
+                                  <p:childTnLst>
+                                    <p:set>
+                                      <p:cBhvr>
+                                        <p:cTn id="33" dur="1" fill="hold">
+                                          <p:stCondLst>
+                                            <p:cond delay="0"/>
+                                          </p:stCondLst>
+                                        </p:cTn>
+                                        <p:tgtEl>
+                                          <p:spTgt spid="31"/>
+                                        </p:tgtEl>
+                                        <p:attrNameLst>
+                                          <p:attrName>style.visibility</p:attrName>
+                                        </p:attrNameLst>
+                                      </p:cBhvr>
+                                      <p:to>
+                                        <p:strVal val="visible"/>
+                                      </p:to>
+                                    </p:set>
+                                    <p:animEffect transition="in" filter="fade">
+                                      <p:cBhvr>
+                                        <p:cTn id="34" dur="500"/>
+                                        <p:tgtEl>
+                                          <p:spTgt spid="31"/>
+                                        </p:tgtEl>
+                                      </p:cBhvr>
+                                    </p:animEffect>
+                                  </p:childTnLst>
+                                </p:cTn>
+                              </p:par>
+                            </p:childTnLst>
+                          </p:cTn>
+                        </p:par>
+                      </p:childTnLst>
+                    </p:cTn>
+                  </p:par>
+                  <p:par>
+                    <p:cTn id="35" fill="hold">
+                      <p:stCondLst>
+                        <p:cond delay="indefinite"/>
+                      </p:stCondLst>
+                      <p:childTnLst>
+                        <p:par>
+                          <p:cTn id="36" fill="hold">
+                            <p:stCondLst>
+                              <p:cond delay="0"/>
+                            </p:stCondLst>
+                            <p:childTnLst>
+                              <p:par>
+                                <p:cTn id="37" presetID="10" presetClass="entr" presetSubtype="0" fill="hold" grpId="0" nodeType="clickEffect">
+                                  <p:stCondLst>
+                                    <p:cond delay="0"/>
+                                  </p:stCondLst>
+                                  <p:childTnLst>
+                                    <p:set>
+                                      <p:cBhvr>
+                                        <p:cTn id="38" dur="1" fill="hold">
+                                          <p:stCondLst>
+                                            <p:cond delay="0"/>
+                                          </p:stCondLst>
+                                        </p:cTn>
+                                        <p:tgtEl>
+                                          <p:spTgt spid="1025"/>
+                                        </p:tgtEl>
+                                        <p:attrNameLst>
+                                          <p:attrName>style.visibility</p:attrName>
+                                        </p:attrNameLst>
+                                      </p:cBhvr>
+                                      <p:to>
+                                        <p:strVal val="visible"/>
+                                      </p:to>
+                                    </p:set>
+                                    <p:animEffect transition="in" filter="fade">
+                                      <p:cBhvr>
+                                        <p:cTn id="39" dur="500"/>
+                                        <p:tgtEl>
+                                          <p:spTgt spid="1025"/>
+                                        </p:tgtEl>
+                                      </p:cBhvr>
+                                    </p:animEffect>
+                                  </p:childTnLst>
+                                </p:cTn>
+                              </p:par>
+                              <p:par>
+                                <p:cTn id="40" presetID="10" presetClass="entr" presetSubtype="0" fill="hold" grpId="0" nodeType="withEffect">
+                                  <p:stCondLst>
+                                    <p:cond delay="0"/>
+                                  </p:stCondLst>
+                                  <p:childTnLst>
+                                    <p:set>
+                                      <p:cBhvr>
+                                        <p:cTn id="41" dur="1" fill="hold">
+                                          <p:stCondLst>
+                                            <p:cond delay="0"/>
+                                          </p:stCondLst>
+                                        </p:cTn>
+                                        <p:tgtEl>
+                                          <p:spTgt spid="36"/>
+                                        </p:tgtEl>
+                                        <p:attrNameLst>
+                                          <p:attrName>style.visibility</p:attrName>
+                                        </p:attrNameLst>
+                                      </p:cBhvr>
+                                      <p:to>
+                                        <p:strVal val="visible"/>
+                                      </p:to>
+                                    </p:set>
+                                    <p:animEffect transition="in" filter="fade">
+                                      <p:cBhvr>
+                                        <p:cTn id="42" dur="500"/>
+                                        <p:tgtEl>
+                                          <p:spTgt spid="36"/>
+                                        </p:tgtEl>
+                                      </p:cBhvr>
+                                    </p:animEffect>
+                                  </p:childTnLst>
+                                </p:cTn>
+                              </p:par>
+                            </p:childTnLst>
+                          </p:cTn>
+                        </p:par>
+                      </p:childTnLst>
+                    </p:cTn>
+                  </p:par>
+                </p:childTnLst>
+              </p:cTn>
+              <p:prevCondLst>
+                <p:cond evt="onPrev" delay="0">
+                  <p:tgtEl>
+                    <p:sldTgt/>
+                  </p:tgtEl>
+                </p:cond>
+              </p:prevCondLst>
+              <p:nextCondLst>
+                <p:cond evt="onNext" delay="0">
+                  <p:tgtEl>
+                    <p:sldTgt/>
+                  </p:tgtEl>
+                </p:cond>
+              </p:nextCondLst>
+            </p:seq>
+          </p:childTnLst>
+        </p:cTn>
       </p:par>
     </p:tnLst>
+    <p:bldLst>
+      <p:bldP spid="8" grpId="0" animBg="1"/>
+      <p:bldP spid="9" grpId="0" animBg="1"/>
+      <p:bldP spid="27" grpId="0" animBg="1"/>
+      <p:bldP spid="30" grpId="0" animBg="1"/>
+      <p:bldP spid="10" grpId="0" animBg="1"/>
+      <p:bldP spid="11" grpId="0" animBg="1"/>
+      <p:bldP spid="31" grpId="0" animBg="1"/>
+      <p:bldP spid="25" grpId="0" animBg="1"/>
+      <p:bldP spid="36" grpId="0" animBg="1"/>
+      <p:bldP spid="1025" grpId="0" animBg="1"/>
+    </p:bldLst>
   </p:timing>
 </p:sld>
 </file>
@@ -5989,7 +6456,7 @@
         <p:spPr>
           <a:xfrm>
             <a:off x="-32467" y="1219200"/>
-            <a:ext cx="1828800" cy="548640"/>
+            <a:ext cx="1822175" cy="548640"/>
           </a:xfrm>
           <a:prstGeom prst="rect">
             <a:avLst/>
@@ -6282,7 +6749,7 @@
         <p:spPr>
           <a:xfrm>
             <a:off x="-32467" y="2142605"/>
-            <a:ext cx="1828800" cy="397431"/>
+            <a:ext cx="1822175" cy="397431"/>
           </a:xfrm>
           <a:prstGeom prst="rect">
             <a:avLst/>
@@ -6382,7 +6849,7 @@
         <p:spPr>
           <a:xfrm>
             <a:off x="-28493" y="2911108"/>
-            <a:ext cx="1825488" cy="429532"/>
+            <a:ext cx="1818201" cy="429532"/>
           </a:xfrm>
           <a:prstGeom prst="rect">
             <a:avLst/>
@@ -6698,11 +7165,7 @@
             <a:pPr algn="ctr"/>
             <a:r>
               <a:rPr lang="en-US" dirty="0" smtClean="0"/>
-              <a:t>Input </a:t>
-            </a:r>
-            <a:r>
-              <a:rPr lang="en-US" dirty="0" smtClean="0"/>
-              <a:t>info </a:t>
+              <a:t>Input info </a:t>
             </a:r>
             <a:endParaRPr lang="en-US" dirty="0"/>
           </a:p>
@@ -6894,11 +7357,7 @@
             <a:pPr algn="ctr"/>
             <a:r>
               <a:rPr lang="en-US" dirty="0" smtClean="0"/>
-              <a:t>Wait </a:t>
-            </a:r>
-            <a:r>
-              <a:rPr lang="en-US" dirty="0" smtClean="0"/>
-              <a:t>for shipping</a:t>
+              <a:t>Wait for shipping</a:t>
             </a:r>
             <a:endParaRPr lang="en-US" dirty="0"/>
           </a:p>
@@ -7219,9 +7678,1289 @@
   <p:timing>
     <p:tnLst>
       <p:par>
-        <p:cTn id="1" dur="indefinite" restart="never" nodeType="tmRoot"/>
+        <p:cTn id="1" dur="indefinite" restart="never" nodeType="tmRoot">
+          <p:childTnLst>
+            <p:seq concurrent="1" nextAc="seek">
+              <p:cTn id="2" dur="indefinite" nodeType="mainSeq">
+                <p:childTnLst>
+                  <p:par>
+                    <p:cTn id="3" fill="hold">
+                      <p:stCondLst>
+                        <p:cond delay="indefinite"/>
+                      </p:stCondLst>
+                      <p:childTnLst>
+                        <p:par>
+                          <p:cTn id="4" fill="hold">
+                            <p:stCondLst>
+                              <p:cond delay="0"/>
+                            </p:stCondLst>
+                            <p:childTnLst>
+                              <p:par>
+                                <p:cTn id="5" presetID="42" presetClass="entr" presetSubtype="0" fill="hold" grpId="0" nodeType="clickEffect">
+                                  <p:stCondLst>
+                                    <p:cond delay="0"/>
+                                  </p:stCondLst>
+                                  <p:childTnLst>
+                                    <p:set>
+                                      <p:cBhvr>
+                                        <p:cTn id="6" dur="1" fill="hold">
+                                          <p:stCondLst>
+                                            <p:cond delay="0"/>
+                                          </p:stCondLst>
+                                        </p:cTn>
+                                        <p:tgtEl>
+                                          <p:spTgt spid="3"/>
+                                        </p:tgtEl>
+                                        <p:attrNameLst>
+                                          <p:attrName>style.visibility</p:attrName>
+                                        </p:attrNameLst>
+                                      </p:cBhvr>
+                                      <p:to>
+                                        <p:strVal val="visible"/>
+                                      </p:to>
+                                    </p:set>
+                                    <p:animEffect transition="in" filter="fade">
+                                      <p:cBhvr>
+                                        <p:cTn id="7" dur="1000"/>
+                                        <p:tgtEl>
+                                          <p:spTgt spid="3"/>
+                                        </p:tgtEl>
+                                      </p:cBhvr>
+                                    </p:animEffect>
+                                    <p:anim calcmode="lin" valueType="num">
+                                      <p:cBhvr>
+                                        <p:cTn id="8" dur="1000" fill="hold"/>
+                                        <p:tgtEl>
+                                          <p:spTgt spid="3"/>
+                                        </p:tgtEl>
+                                        <p:attrNameLst>
+                                          <p:attrName>ppt_x</p:attrName>
+                                        </p:attrNameLst>
+                                      </p:cBhvr>
+                                      <p:tavLst>
+                                        <p:tav tm="0">
+                                          <p:val>
+                                            <p:strVal val="#ppt_x"/>
+                                          </p:val>
+                                        </p:tav>
+                                        <p:tav tm="100000">
+                                          <p:val>
+                                            <p:strVal val="#ppt_x"/>
+                                          </p:val>
+                                        </p:tav>
+                                      </p:tavLst>
+                                    </p:anim>
+                                    <p:anim calcmode="lin" valueType="num">
+                                      <p:cBhvr>
+                                        <p:cTn id="9" dur="1000" fill="hold"/>
+                                        <p:tgtEl>
+                                          <p:spTgt spid="3"/>
+                                        </p:tgtEl>
+                                        <p:attrNameLst>
+                                          <p:attrName>ppt_y</p:attrName>
+                                        </p:attrNameLst>
+                                      </p:cBhvr>
+                                      <p:tavLst>
+                                        <p:tav tm="0">
+                                          <p:val>
+                                            <p:strVal val="#ppt_y+.1"/>
+                                          </p:val>
+                                        </p:tav>
+                                        <p:tav tm="100000">
+                                          <p:val>
+                                            <p:strVal val="#ppt_y"/>
+                                          </p:val>
+                                        </p:tav>
+                                      </p:tavLst>
+                                    </p:anim>
+                                  </p:childTnLst>
+                                </p:cTn>
+                              </p:par>
+                              <p:par>
+                                <p:cTn id="10" presetID="42" presetClass="entr" presetSubtype="0" fill="hold" grpId="0" nodeType="withEffect">
+                                  <p:stCondLst>
+                                    <p:cond delay="0"/>
+                                  </p:stCondLst>
+                                  <p:childTnLst>
+                                    <p:set>
+                                      <p:cBhvr>
+                                        <p:cTn id="11" dur="1" fill="hold">
+                                          <p:stCondLst>
+                                            <p:cond delay="0"/>
+                                          </p:stCondLst>
+                                        </p:cTn>
+                                        <p:tgtEl>
+                                          <p:spTgt spid="7"/>
+                                        </p:tgtEl>
+                                        <p:attrNameLst>
+                                          <p:attrName>style.visibility</p:attrName>
+                                        </p:attrNameLst>
+                                      </p:cBhvr>
+                                      <p:to>
+                                        <p:strVal val="visible"/>
+                                      </p:to>
+                                    </p:set>
+                                    <p:animEffect transition="in" filter="fade">
+                                      <p:cBhvr>
+                                        <p:cTn id="12" dur="1000"/>
+                                        <p:tgtEl>
+                                          <p:spTgt spid="7"/>
+                                        </p:tgtEl>
+                                      </p:cBhvr>
+                                    </p:animEffect>
+                                    <p:anim calcmode="lin" valueType="num">
+                                      <p:cBhvr>
+                                        <p:cTn id="13" dur="1000" fill="hold"/>
+                                        <p:tgtEl>
+                                          <p:spTgt spid="7"/>
+                                        </p:tgtEl>
+                                        <p:attrNameLst>
+                                          <p:attrName>ppt_x</p:attrName>
+                                        </p:attrNameLst>
+                                      </p:cBhvr>
+                                      <p:tavLst>
+                                        <p:tav tm="0">
+                                          <p:val>
+                                            <p:strVal val="#ppt_x"/>
+                                          </p:val>
+                                        </p:tav>
+                                        <p:tav tm="100000">
+                                          <p:val>
+                                            <p:strVal val="#ppt_x"/>
+                                          </p:val>
+                                        </p:tav>
+                                      </p:tavLst>
+                                    </p:anim>
+                                    <p:anim calcmode="lin" valueType="num">
+                                      <p:cBhvr>
+                                        <p:cTn id="14" dur="1000" fill="hold"/>
+                                        <p:tgtEl>
+                                          <p:spTgt spid="7"/>
+                                        </p:tgtEl>
+                                        <p:attrNameLst>
+                                          <p:attrName>ppt_y</p:attrName>
+                                        </p:attrNameLst>
+                                      </p:cBhvr>
+                                      <p:tavLst>
+                                        <p:tav tm="0">
+                                          <p:val>
+                                            <p:strVal val="#ppt_y+.1"/>
+                                          </p:val>
+                                        </p:tav>
+                                        <p:tav tm="100000">
+                                          <p:val>
+                                            <p:strVal val="#ppt_y"/>
+                                          </p:val>
+                                        </p:tav>
+                                      </p:tavLst>
+                                    </p:anim>
+                                  </p:childTnLst>
+                                </p:cTn>
+                              </p:par>
+                            </p:childTnLst>
+                          </p:cTn>
+                        </p:par>
+                      </p:childTnLst>
+                    </p:cTn>
+                  </p:par>
+                  <p:par>
+                    <p:cTn id="15" fill="hold">
+                      <p:stCondLst>
+                        <p:cond delay="indefinite"/>
+                      </p:stCondLst>
+                      <p:childTnLst>
+                        <p:par>
+                          <p:cTn id="16" fill="hold">
+                            <p:stCondLst>
+                              <p:cond delay="0"/>
+                            </p:stCondLst>
+                            <p:childTnLst>
+                              <p:par>
+                                <p:cTn id="17" presetID="42" presetClass="entr" presetSubtype="0" fill="hold" grpId="0" nodeType="clickEffect">
+                                  <p:stCondLst>
+                                    <p:cond delay="0"/>
+                                  </p:stCondLst>
+                                  <p:childTnLst>
+                                    <p:set>
+                                      <p:cBhvr>
+                                        <p:cTn id="18" dur="1" fill="hold">
+                                          <p:stCondLst>
+                                            <p:cond delay="0"/>
+                                          </p:stCondLst>
+                                        </p:cTn>
+                                        <p:tgtEl>
+                                          <p:spTgt spid="21"/>
+                                        </p:tgtEl>
+                                        <p:attrNameLst>
+                                          <p:attrName>style.visibility</p:attrName>
+                                        </p:attrNameLst>
+                                      </p:cBhvr>
+                                      <p:to>
+                                        <p:strVal val="visible"/>
+                                      </p:to>
+                                    </p:set>
+                                    <p:animEffect transition="in" filter="fade">
+                                      <p:cBhvr>
+                                        <p:cTn id="19" dur="1000"/>
+                                        <p:tgtEl>
+                                          <p:spTgt spid="21"/>
+                                        </p:tgtEl>
+                                      </p:cBhvr>
+                                    </p:animEffect>
+                                    <p:anim calcmode="lin" valueType="num">
+                                      <p:cBhvr>
+                                        <p:cTn id="20" dur="1000" fill="hold"/>
+                                        <p:tgtEl>
+                                          <p:spTgt spid="21"/>
+                                        </p:tgtEl>
+                                        <p:attrNameLst>
+                                          <p:attrName>ppt_x</p:attrName>
+                                        </p:attrNameLst>
+                                      </p:cBhvr>
+                                      <p:tavLst>
+                                        <p:tav tm="0">
+                                          <p:val>
+                                            <p:strVal val="#ppt_x"/>
+                                          </p:val>
+                                        </p:tav>
+                                        <p:tav tm="100000">
+                                          <p:val>
+                                            <p:strVal val="#ppt_x"/>
+                                          </p:val>
+                                        </p:tav>
+                                      </p:tavLst>
+                                    </p:anim>
+                                    <p:anim calcmode="lin" valueType="num">
+                                      <p:cBhvr>
+                                        <p:cTn id="21" dur="1000" fill="hold"/>
+                                        <p:tgtEl>
+                                          <p:spTgt spid="21"/>
+                                        </p:tgtEl>
+                                        <p:attrNameLst>
+                                          <p:attrName>ppt_y</p:attrName>
+                                        </p:attrNameLst>
+                                      </p:cBhvr>
+                                      <p:tavLst>
+                                        <p:tav tm="0">
+                                          <p:val>
+                                            <p:strVal val="#ppt_y+.1"/>
+                                          </p:val>
+                                        </p:tav>
+                                        <p:tav tm="100000">
+                                          <p:val>
+                                            <p:strVal val="#ppt_y"/>
+                                          </p:val>
+                                        </p:tav>
+                                      </p:tavLst>
+                                    </p:anim>
+                                  </p:childTnLst>
+                                </p:cTn>
+                              </p:par>
+                              <p:par>
+                                <p:cTn id="22" presetID="42" presetClass="entr" presetSubtype="0" fill="hold" grpId="0" nodeType="withEffect">
+                                  <p:stCondLst>
+                                    <p:cond delay="0"/>
+                                  </p:stCondLst>
+                                  <p:childTnLst>
+                                    <p:set>
+                                      <p:cBhvr>
+                                        <p:cTn id="23" dur="1" fill="hold">
+                                          <p:stCondLst>
+                                            <p:cond delay="0"/>
+                                          </p:stCondLst>
+                                        </p:cTn>
+                                        <p:tgtEl>
+                                          <p:spTgt spid="19"/>
+                                        </p:tgtEl>
+                                        <p:attrNameLst>
+                                          <p:attrName>style.visibility</p:attrName>
+                                        </p:attrNameLst>
+                                      </p:cBhvr>
+                                      <p:to>
+                                        <p:strVal val="visible"/>
+                                      </p:to>
+                                    </p:set>
+                                    <p:animEffect transition="in" filter="fade">
+                                      <p:cBhvr>
+                                        <p:cTn id="24" dur="1000"/>
+                                        <p:tgtEl>
+                                          <p:spTgt spid="19"/>
+                                        </p:tgtEl>
+                                      </p:cBhvr>
+                                    </p:animEffect>
+                                    <p:anim calcmode="lin" valueType="num">
+                                      <p:cBhvr>
+                                        <p:cTn id="25" dur="1000" fill="hold"/>
+                                        <p:tgtEl>
+                                          <p:spTgt spid="19"/>
+                                        </p:tgtEl>
+                                        <p:attrNameLst>
+                                          <p:attrName>ppt_x</p:attrName>
+                                        </p:attrNameLst>
+                                      </p:cBhvr>
+                                      <p:tavLst>
+                                        <p:tav tm="0">
+                                          <p:val>
+                                            <p:strVal val="#ppt_x"/>
+                                          </p:val>
+                                        </p:tav>
+                                        <p:tav tm="100000">
+                                          <p:val>
+                                            <p:strVal val="#ppt_x"/>
+                                          </p:val>
+                                        </p:tav>
+                                      </p:tavLst>
+                                    </p:anim>
+                                    <p:anim calcmode="lin" valueType="num">
+                                      <p:cBhvr>
+                                        <p:cTn id="26" dur="1000" fill="hold"/>
+                                        <p:tgtEl>
+                                          <p:spTgt spid="19"/>
+                                        </p:tgtEl>
+                                        <p:attrNameLst>
+                                          <p:attrName>ppt_y</p:attrName>
+                                        </p:attrNameLst>
+                                      </p:cBhvr>
+                                      <p:tavLst>
+                                        <p:tav tm="0">
+                                          <p:val>
+                                            <p:strVal val="#ppt_y+.1"/>
+                                          </p:val>
+                                        </p:tav>
+                                        <p:tav tm="100000">
+                                          <p:val>
+                                            <p:strVal val="#ppt_y"/>
+                                          </p:val>
+                                        </p:tav>
+                                      </p:tavLst>
+                                    </p:anim>
+                                  </p:childTnLst>
+                                </p:cTn>
+                              </p:par>
+                            </p:childTnLst>
+                          </p:cTn>
+                        </p:par>
+                      </p:childTnLst>
+                    </p:cTn>
+                  </p:par>
+                  <p:par>
+                    <p:cTn id="27" fill="hold">
+                      <p:stCondLst>
+                        <p:cond delay="indefinite"/>
+                      </p:stCondLst>
+                      <p:childTnLst>
+                        <p:par>
+                          <p:cTn id="28" fill="hold">
+                            <p:stCondLst>
+                              <p:cond delay="0"/>
+                            </p:stCondLst>
+                            <p:childTnLst>
+                              <p:par>
+                                <p:cTn id="29" presetID="42" presetClass="entr" presetSubtype="0" fill="hold" grpId="0" nodeType="clickEffect">
+                                  <p:stCondLst>
+                                    <p:cond delay="0"/>
+                                  </p:stCondLst>
+                                  <p:childTnLst>
+                                    <p:set>
+                                      <p:cBhvr>
+                                        <p:cTn id="30" dur="1" fill="hold">
+                                          <p:stCondLst>
+                                            <p:cond delay="0"/>
+                                          </p:stCondLst>
+                                        </p:cTn>
+                                        <p:tgtEl>
+                                          <p:spTgt spid="30"/>
+                                        </p:tgtEl>
+                                        <p:attrNameLst>
+                                          <p:attrName>style.visibility</p:attrName>
+                                        </p:attrNameLst>
+                                      </p:cBhvr>
+                                      <p:to>
+                                        <p:strVal val="visible"/>
+                                      </p:to>
+                                    </p:set>
+                                    <p:animEffect transition="in" filter="fade">
+                                      <p:cBhvr>
+                                        <p:cTn id="31" dur="1000"/>
+                                        <p:tgtEl>
+                                          <p:spTgt spid="30"/>
+                                        </p:tgtEl>
+                                      </p:cBhvr>
+                                    </p:animEffect>
+                                    <p:anim calcmode="lin" valueType="num">
+                                      <p:cBhvr>
+                                        <p:cTn id="32" dur="1000" fill="hold"/>
+                                        <p:tgtEl>
+                                          <p:spTgt spid="30"/>
+                                        </p:tgtEl>
+                                        <p:attrNameLst>
+                                          <p:attrName>ppt_x</p:attrName>
+                                        </p:attrNameLst>
+                                      </p:cBhvr>
+                                      <p:tavLst>
+                                        <p:tav tm="0">
+                                          <p:val>
+                                            <p:strVal val="#ppt_x"/>
+                                          </p:val>
+                                        </p:tav>
+                                        <p:tav tm="100000">
+                                          <p:val>
+                                            <p:strVal val="#ppt_x"/>
+                                          </p:val>
+                                        </p:tav>
+                                      </p:tavLst>
+                                    </p:anim>
+                                    <p:anim calcmode="lin" valueType="num">
+                                      <p:cBhvr>
+                                        <p:cTn id="33" dur="1000" fill="hold"/>
+                                        <p:tgtEl>
+                                          <p:spTgt spid="30"/>
+                                        </p:tgtEl>
+                                        <p:attrNameLst>
+                                          <p:attrName>ppt_y</p:attrName>
+                                        </p:attrNameLst>
+                                      </p:cBhvr>
+                                      <p:tavLst>
+                                        <p:tav tm="0">
+                                          <p:val>
+                                            <p:strVal val="#ppt_y+.1"/>
+                                          </p:val>
+                                        </p:tav>
+                                        <p:tav tm="100000">
+                                          <p:val>
+                                            <p:strVal val="#ppt_y"/>
+                                          </p:val>
+                                        </p:tav>
+                                      </p:tavLst>
+                                    </p:anim>
+                                  </p:childTnLst>
+                                </p:cTn>
+                              </p:par>
+                              <p:par>
+                                <p:cTn id="34" presetID="42" presetClass="entr" presetSubtype="0" fill="hold" grpId="0" nodeType="withEffect">
+                                  <p:stCondLst>
+                                    <p:cond delay="0"/>
+                                  </p:stCondLst>
+                                  <p:childTnLst>
+                                    <p:set>
+                                      <p:cBhvr>
+                                        <p:cTn id="35" dur="1" fill="hold">
+                                          <p:stCondLst>
+                                            <p:cond delay="0"/>
+                                          </p:stCondLst>
+                                        </p:cTn>
+                                        <p:tgtEl>
+                                          <p:spTgt spid="20"/>
+                                        </p:tgtEl>
+                                        <p:attrNameLst>
+                                          <p:attrName>style.visibility</p:attrName>
+                                        </p:attrNameLst>
+                                      </p:cBhvr>
+                                      <p:to>
+                                        <p:strVal val="visible"/>
+                                      </p:to>
+                                    </p:set>
+                                    <p:animEffect transition="in" filter="fade">
+                                      <p:cBhvr>
+                                        <p:cTn id="36" dur="1000"/>
+                                        <p:tgtEl>
+                                          <p:spTgt spid="20"/>
+                                        </p:tgtEl>
+                                      </p:cBhvr>
+                                    </p:animEffect>
+                                    <p:anim calcmode="lin" valueType="num">
+                                      <p:cBhvr>
+                                        <p:cTn id="37" dur="1000" fill="hold"/>
+                                        <p:tgtEl>
+                                          <p:spTgt spid="20"/>
+                                        </p:tgtEl>
+                                        <p:attrNameLst>
+                                          <p:attrName>ppt_x</p:attrName>
+                                        </p:attrNameLst>
+                                      </p:cBhvr>
+                                      <p:tavLst>
+                                        <p:tav tm="0">
+                                          <p:val>
+                                            <p:strVal val="#ppt_x"/>
+                                          </p:val>
+                                        </p:tav>
+                                        <p:tav tm="100000">
+                                          <p:val>
+                                            <p:strVal val="#ppt_x"/>
+                                          </p:val>
+                                        </p:tav>
+                                      </p:tavLst>
+                                    </p:anim>
+                                    <p:anim calcmode="lin" valueType="num">
+                                      <p:cBhvr>
+                                        <p:cTn id="38" dur="1000" fill="hold"/>
+                                        <p:tgtEl>
+                                          <p:spTgt spid="20"/>
+                                        </p:tgtEl>
+                                        <p:attrNameLst>
+                                          <p:attrName>ppt_y</p:attrName>
+                                        </p:attrNameLst>
+                                      </p:cBhvr>
+                                      <p:tavLst>
+                                        <p:tav tm="0">
+                                          <p:val>
+                                            <p:strVal val="#ppt_y+.1"/>
+                                          </p:val>
+                                        </p:tav>
+                                        <p:tav tm="100000">
+                                          <p:val>
+                                            <p:strVal val="#ppt_y"/>
+                                          </p:val>
+                                        </p:tav>
+                                      </p:tavLst>
+                                    </p:anim>
+                                  </p:childTnLst>
+                                </p:cTn>
+                              </p:par>
+                              <p:par>
+                                <p:cTn id="39" presetID="42" presetClass="entr" presetSubtype="0" fill="hold" nodeType="withEffect">
+                                  <p:stCondLst>
+                                    <p:cond delay="0"/>
+                                  </p:stCondLst>
+                                  <p:childTnLst>
+                                    <p:set>
+                                      <p:cBhvr>
+                                        <p:cTn id="40" dur="1" fill="hold">
+                                          <p:stCondLst>
+                                            <p:cond delay="0"/>
+                                          </p:stCondLst>
+                                        </p:cTn>
+                                        <p:tgtEl>
+                                          <p:spTgt spid="9"/>
+                                        </p:tgtEl>
+                                        <p:attrNameLst>
+                                          <p:attrName>style.visibility</p:attrName>
+                                        </p:attrNameLst>
+                                      </p:cBhvr>
+                                      <p:to>
+                                        <p:strVal val="visible"/>
+                                      </p:to>
+                                    </p:set>
+                                    <p:animEffect transition="in" filter="fade">
+                                      <p:cBhvr>
+                                        <p:cTn id="41" dur="1000"/>
+                                        <p:tgtEl>
+                                          <p:spTgt spid="9"/>
+                                        </p:tgtEl>
+                                      </p:cBhvr>
+                                    </p:animEffect>
+                                    <p:anim calcmode="lin" valueType="num">
+                                      <p:cBhvr>
+                                        <p:cTn id="42" dur="1000" fill="hold"/>
+                                        <p:tgtEl>
+                                          <p:spTgt spid="9"/>
+                                        </p:tgtEl>
+                                        <p:attrNameLst>
+                                          <p:attrName>ppt_x</p:attrName>
+                                        </p:attrNameLst>
+                                      </p:cBhvr>
+                                      <p:tavLst>
+                                        <p:tav tm="0">
+                                          <p:val>
+                                            <p:strVal val="#ppt_x"/>
+                                          </p:val>
+                                        </p:tav>
+                                        <p:tav tm="100000">
+                                          <p:val>
+                                            <p:strVal val="#ppt_x"/>
+                                          </p:val>
+                                        </p:tav>
+                                      </p:tavLst>
+                                    </p:anim>
+                                    <p:anim calcmode="lin" valueType="num">
+                                      <p:cBhvr>
+                                        <p:cTn id="43" dur="1000" fill="hold"/>
+                                        <p:tgtEl>
+                                          <p:spTgt spid="9"/>
+                                        </p:tgtEl>
+                                        <p:attrNameLst>
+                                          <p:attrName>ppt_y</p:attrName>
+                                        </p:attrNameLst>
+                                      </p:cBhvr>
+                                      <p:tavLst>
+                                        <p:tav tm="0">
+                                          <p:val>
+                                            <p:strVal val="#ppt_y+.1"/>
+                                          </p:val>
+                                        </p:tav>
+                                        <p:tav tm="100000">
+                                          <p:val>
+                                            <p:strVal val="#ppt_y"/>
+                                          </p:val>
+                                        </p:tav>
+                                      </p:tavLst>
+                                    </p:anim>
+                                  </p:childTnLst>
+                                </p:cTn>
+                              </p:par>
+                              <p:par>
+                                <p:cTn id="44" presetID="42" presetClass="entr" presetSubtype="0" fill="hold" grpId="0" nodeType="withEffect">
+                                  <p:stCondLst>
+                                    <p:cond delay="0"/>
+                                  </p:stCondLst>
+                                  <p:childTnLst>
+                                    <p:set>
+                                      <p:cBhvr>
+                                        <p:cTn id="45" dur="1" fill="hold">
+                                          <p:stCondLst>
+                                            <p:cond delay="0"/>
+                                          </p:stCondLst>
+                                        </p:cTn>
+                                        <p:tgtEl>
+                                          <p:spTgt spid="10"/>
+                                        </p:tgtEl>
+                                        <p:attrNameLst>
+                                          <p:attrName>style.visibility</p:attrName>
+                                        </p:attrNameLst>
+                                      </p:cBhvr>
+                                      <p:to>
+                                        <p:strVal val="visible"/>
+                                      </p:to>
+                                    </p:set>
+                                    <p:animEffect transition="in" filter="fade">
+                                      <p:cBhvr>
+                                        <p:cTn id="46" dur="1000"/>
+                                        <p:tgtEl>
+                                          <p:spTgt spid="10"/>
+                                        </p:tgtEl>
+                                      </p:cBhvr>
+                                    </p:animEffect>
+                                    <p:anim calcmode="lin" valueType="num">
+                                      <p:cBhvr>
+                                        <p:cTn id="47" dur="1000" fill="hold"/>
+                                        <p:tgtEl>
+                                          <p:spTgt spid="10"/>
+                                        </p:tgtEl>
+                                        <p:attrNameLst>
+                                          <p:attrName>ppt_x</p:attrName>
+                                        </p:attrNameLst>
+                                      </p:cBhvr>
+                                      <p:tavLst>
+                                        <p:tav tm="0">
+                                          <p:val>
+                                            <p:strVal val="#ppt_x"/>
+                                          </p:val>
+                                        </p:tav>
+                                        <p:tav tm="100000">
+                                          <p:val>
+                                            <p:strVal val="#ppt_x"/>
+                                          </p:val>
+                                        </p:tav>
+                                      </p:tavLst>
+                                    </p:anim>
+                                    <p:anim calcmode="lin" valueType="num">
+                                      <p:cBhvr>
+                                        <p:cTn id="48" dur="1000" fill="hold"/>
+                                        <p:tgtEl>
+                                          <p:spTgt spid="10"/>
+                                        </p:tgtEl>
+                                        <p:attrNameLst>
+                                          <p:attrName>ppt_y</p:attrName>
+                                        </p:attrNameLst>
+                                      </p:cBhvr>
+                                      <p:tavLst>
+                                        <p:tav tm="0">
+                                          <p:val>
+                                            <p:strVal val="#ppt_y+.1"/>
+                                          </p:val>
+                                        </p:tav>
+                                        <p:tav tm="100000">
+                                          <p:val>
+                                            <p:strVal val="#ppt_y"/>
+                                          </p:val>
+                                        </p:tav>
+                                      </p:tavLst>
+                                    </p:anim>
+                                  </p:childTnLst>
+                                </p:cTn>
+                              </p:par>
+                            </p:childTnLst>
+                          </p:cTn>
+                        </p:par>
+                      </p:childTnLst>
+                    </p:cTn>
+                  </p:par>
+                  <p:par>
+                    <p:cTn id="49" fill="hold">
+                      <p:stCondLst>
+                        <p:cond delay="indefinite"/>
+                      </p:stCondLst>
+                      <p:childTnLst>
+                        <p:par>
+                          <p:cTn id="50" fill="hold">
+                            <p:stCondLst>
+                              <p:cond delay="0"/>
+                            </p:stCondLst>
+                            <p:childTnLst>
+                              <p:par>
+                                <p:cTn id="51" presetID="42" presetClass="entr" presetSubtype="0" fill="hold" grpId="0" nodeType="clickEffect">
+                                  <p:stCondLst>
+                                    <p:cond delay="0"/>
+                                  </p:stCondLst>
+                                  <p:childTnLst>
+                                    <p:set>
+                                      <p:cBhvr>
+                                        <p:cTn id="52" dur="1" fill="hold">
+                                          <p:stCondLst>
+                                            <p:cond delay="0"/>
+                                          </p:stCondLst>
+                                        </p:cTn>
+                                        <p:tgtEl>
+                                          <p:spTgt spid="27"/>
+                                        </p:tgtEl>
+                                        <p:attrNameLst>
+                                          <p:attrName>style.visibility</p:attrName>
+                                        </p:attrNameLst>
+                                      </p:cBhvr>
+                                      <p:to>
+                                        <p:strVal val="visible"/>
+                                      </p:to>
+                                    </p:set>
+                                    <p:animEffect transition="in" filter="fade">
+                                      <p:cBhvr>
+                                        <p:cTn id="53" dur="1000"/>
+                                        <p:tgtEl>
+                                          <p:spTgt spid="27"/>
+                                        </p:tgtEl>
+                                      </p:cBhvr>
+                                    </p:animEffect>
+                                    <p:anim calcmode="lin" valueType="num">
+                                      <p:cBhvr>
+                                        <p:cTn id="54" dur="1000" fill="hold"/>
+                                        <p:tgtEl>
+                                          <p:spTgt spid="27"/>
+                                        </p:tgtEl>
+                                        <p:attrNameLst>
+                                          <p:attrName>ppt_x</p:attrName>
+                                        </p:attrNameLst>
+                                      </p:cBhvr>
+                                      <p:tavLst>
+                                        <p:tav tm="0">
+                                          <p:val>
+                                            <p:strVal val="#ppt_x"/>
+                                          </p:val>
+                                        </p:tav>
+                                        <p:tav tm="100000">
+                                          <p:val>
+                                            <p:strVal val="#ppt_x"/>
+                                          </p:val>
+                                        </p:tav>
+                                      </p:tavLst>
+                                    </p:anim>
+                                    <p:anim calcmode="lin" valueType="num">
+                                      <p:cBhvr>
+                                        <p:cTn id="55" dur="1000" fill="hold"/>
+                                        <p:tgtEl>
+                                          <p:spTgt spid="27"/>
+                                        </p:tgtEl>
+                                        <p:attrNameLst>
+                                          <p:attrName>ppt_y</p:attrName>
+                                        </p:attrNameLst>
+                                      </p:cBhvr>
+                                      <p:tavLst>
+                                        <p:tav tm="0">
+                                          <p:val>
+                                            <p:strVal val="#ppt_y+.1"/>
+                                          </p:val>
+                                        </p:tav>
+                                        <p:tav tm="100000">
+                                          <p:val>
+                                            <p:strVal val="#ppt_y"/>
+                                          </p:val>
+                                        </p:tav>
+                                      </p:tavLst>
+                                    </p:anim>
+                                  </p:childTnLst>
+                                </p:cTn>
+                              </p:par>
+                              <p:par>
+                                <p:cTn id="56" presetID="42" presetClass="entr" presetSubtype="0" fill="hold" grpId="0" nodeType="withEffect">
+                                  <p:stCondLst>
+                                    <p:cond delay="0"/>
+                                  </p:stCondLst>
+                                  <p:childTnLst>
+                                    <p:set>
+                                      <p:cBhvr>
+                                        <p:cTn id="57" dur="1" fill="hold">
+                                          <p:stCondLst>
+                                            <p:cond delay="0"/>
+                                          </p:stCondLst>
+                                        </p:cTn>
+                                        <p:tgtEl>
+                                          <p:spTgt spid="24"/>
+                                        </p:tgtEl>
+                                        <p:attrNameLst>
+                                          <p:attrName>style.visibility</p:attrName>
+                                        </p:attrNameLst>
+                                      </p:cBhvr>
+                                      <p:to>
+                                        <p:strVal val="visible"/>
+                                      </p:to>
+                                    </p:set>
+                                    <p:animEffect transition="in" filter="fade">
+                                      <p:cBhvr>
+                                        <p:cTn id="58" dur="1000"/>
+                                        <p:tgtEl>
+                                          <p:spTgt spid="24"/>
+                                        </p:tgtEl>
+                                      </p:cBhvr>
+                                    </p:animEffect>
+                                    <p:anim calcmode="lin" valueType="num">
+                                      <p:cBhvr>
+                                        <p:cTn id="59" dur="1000" fill="hold"/>
+                                        <p:tgtEl>
+                                          <p:spTgt spid="24"/>
+                                        </p:tgtEl>
+                                        <p:attrNameLst>
+                                          <p:attrName>ppt_x</p:attrName>
+                                        </p:attrNameLst>
+                                      </p:cBhvr>
+                                      <p:tavLst>
+                                        <p:tav tm="0">
+                                          <p:val>
+                                            <p:strVal val="#ppt_x"/>
+                                          </p:val>
+                                        </p:tav>
+                                        <p:tav tm="100000">
+                                          <p:val>
+                                            <p:strVal val="#ppt_x"/>
+                                          </p:val>
+                                        </p:tav>
+                                      </p:tavLst>
+                                    </p:anim>
+                                    <p:anim calcmode="lin" valueType="num">
+                                      <p:cBhvr>
+                                        <p:cTn id="60" dur="1000" fill="hold"/>
+                                        <p:tgtEl>
+                                          <p:spTgt spid="24"/>
+                                        </p:tgtEl>
+                                        <p:attrNameLst>
+                                          <p:attrName>ppt_y</p:attrName>
+                                        </p:attrNameLst>
+                                      </p:cBhvr>
+                                      <p:tavLst>
+                                        <p:tav tm="0">
+                                          <p:val>
+                                            <p:strVal val="#ppt_y+.1"/>
+                                          </p:val>
+                                        </p:tav>
+                                        <p:tav tm="100000">
+                                          <p:val>
+                                            <p:strVal val="#ppt_y"/>
+                                          </p:val>
+                                        </p:tav>
+                                      </p:tavLst>
+                                    </p:anim>
+                                  </p:childTnLst>
+                                </p:cTn>
+                              </p:par>
+                            </p:childTnLst>
+                          </p:cTn>
+                        </p:par>
+                      </p:childTnLst>
+                    </p:cTn>
+                  </p:par>
+                  <p:par>
+                    <p:cTn id="61" fill="hold">
+                      <p:stCondLst>
+                        <p:cond delay="indefinite"/>
+                      </p:stCondLst>
+                      <p:childTnLst>
+                        <p:par>
+                          <p:cTn id="62" fill="hold">
+                            <p:stCondLst>
+                              <p:cond delay="0"/>
+                            </p:stCondLst>
+                            <p:childTnLst>
+                              <p:par>
+                                <p:cTn id="63" presetID="42" presetClass="entr" presetSubtype="0" fill="hold" grpId="0" nodeType="clickEffect">
+                                  <p:stCondLst>
+                                    <p:cond delay="0"/>
+                                  </p:stCondLst>
+                                  <p:childTnLst>
+                                    <p:set>
+                                      <p:cBhvr>
+                                        <p:cTn id="64" dur="1" fill="hold">
+                                          <p:stCondLst>
+                                            <p:cond delay="0"/>
+                                          </p:stCondLst>
+                                        </p:cTn>
+                                        <p:tgtEl>
+                                          <p:spTgt spid="31"/>
+                                        </p:tgtEl>
+                                        <p:attrNameLst>
+                                          <p:attrName>style.visibility</p:attrName>
+                                        </p:attrNameLst>
+                                      </p:cBhvr>
+                                      <p:to>
+                                        <p:strVal val="visible"/>
+                                      </p:to>
+                                    </p:set>
+                                    <p:animEffect transition="in" filter="fade">
+                                      <p:cBhvr>
+                                        <p:cTn id="65" dur="1000"/>
+                                        <p:tgtEl>
+                                          <p:spTgt spid="31"/>
+                                        </p:tgtEl>
+                                      </p:cBhvr>
+                                    </p:animEffect>
+                                    <p:anim calcmode="lin" valueType="num">
+                                      <p:cBhvr>
+                                        <p:cTn id="66" dur="1000" fill="hold"/>
+                                        <p:tgtEl>
+                                          <p:spTgt spid="31"/>
+                                        </p:tgtEl>
+                                        <p:attrNameLst>
+                                          <p:attrName>ppt_x</p:attrName>
+                                        </p:attrNameLst>
+                                      </p:cBhvr>
+                                      <p:tavLst>
+                                        <p:tav tm="0">
+                                          <p:val>
+                                            <p:strVal val="#ppt_x"/>
+                                          </p:val>
+                                        </p:tav>
+                                        <p:tav tm="100000">
+                                          <p:val>
+                                            <p:strVal val="#ppt_x"/>
+                                          </p:val>
+                                        </p:tav>
+                                      </p:tavLst>
+                                    </p:anim>
+                                    <p:anim calcmode="lin" valueType="num">
+                                      <p:cBhvr>
+                                        <p:cTn id="67" dur="1000" fill="hold"/>
+                                        <p:tgtEl>
+                                          <p:spTgt spid="31"/>
+                                        </p:tgtEl>
+                                        <p:attrNameLst>
+                                          <p:attrName>ppt_y</p:attrName>
+                                        </p:attrNameLst>
+                                      </p:cBhvr>
+                                      <p:tavLst>
+                                        <p:tav tm="0">
+                                          <p:val>
+                                            <p:strVal val="#ppt_y+.1"/>
+                                          </p:val>
+                                        </p:tav>
+                                        <p:tav tm="100000">
+                                          <p:val>
+                                            <p:strVal val="#ppt_y"/>
+                                          </p:val>
+                                        </p:tav>
+                                      </p:tavLst>
+                                    </p:anim>
+                                  </p:childTnLst>
+                                </p:cTn>
+                              </p:par>
+                              <p:par>
+                                <p:cTn id="68" presetID="42" presetClass="entr" presetSubtype="0" fill="hold" grpId="0" nodeType="withEffect">
+                                  <p:stCondLst>
+                                    <p:cond delay="0"/>
+                                  </p:stCondLst>
+                                  <p:childTnLst>
+                                    <p:set>
+                                      <p:cBhvr>
+                                        <p:cTn id="69" dur="1" fill="hold">
+                                          <p:stCondLst>
+                                            <p:cond delay="0"/>
+                                          </p:stCondLst>
+                                        </p:cTn>
+                                        <p:tgtEl>
+                                          <p:spTgt spid="25"/>
+                                        </p:tgtEl>
+                                        <p:attrNameLst>
+                                          <p:attrName>style.visibility</p:attrName>
+                                        </p:attrNameLst>
+                                      </p:cBhvr>
+                                      <p:to>
+                                        <p:strVal val="visible"/>
+                                      </p:to>
+                                    </p:set>
+                                    <p:animEffect transition="in" filter="fade">
+                                      <p:cBhvr>
+                                        <p:cTn id="70" dur="1000"/>
+                                        <p:tgtEl>
+                                          <p:spTgt spid="25"/>
+                                        </p:tgtEl>
+                                      </p:cBhvr>
+                                    </p:animEffect>
+                                    <p:anim calcmode="lin" valueType="num">
+                                      <p:cBhvr>
+                                        <p:cTn id="71" dur="1000" fill="hold"/>
+                                        <p:tgtEl>
+                                          <p:spTgt spid="25"/>
+                                        </p:tgtEl>
+                                        <p:attrNameLst>
+                                          <p:attrName>ppt_x</p:attrName>
+                                        </p:attrNameLst>
+                                      </p:cBhvr>
+                                      <p:tavLst>
+                                        <p:tav tm="0">
+                                          <p:val>
+                                            <p:strVal val="#ppt_x"/>
+                                          </p:val>
+                                        </p:tav>
+                                        <p:tav tm="100000">
+                                          <p:val>
+                                            <p:strVal val="#ppt_x"/>
+                                          </p:val>
+                                        </p:tav>
+                                      </p:tavLst>
+                                    </p:anim>
+                                    <p:anim calcmode="lin" valueType="num">
+                                      <p:cBhvr>
+                                        <p:cTn id="72" dur="1000" fill="hold"/>
+                                        <p:tgtEl>
+                                          <p:spTgt spid="25"/>
+                                        </p:tgtEl>
+                                        <p:attrNameLst>
+                                          <p:attrName>ppt_y</p:attrName>
+                                        </p:attrNameLst>
+                                      </p:cBhvr>
+                                      <p:tavLst>
+                                        <p:tav tm="0">
+                                          <p:val>
+                                            <p:strVal val="#ppt_y+.1"/>
+                                          </p:val>
+                                        </p:tav>
+                                        <p:tav tm="100000">
+                                          <p:val>
+                                            <p:strVal val="#ppt_y"/>
+                                          </p:val>
+                                        </p:tav>
+                                      </p:tavLst>
+                                    </p:anim>
+                                  </p:childTnLst>
+                                </p:cTn>
+                              </p:par>
+                            </p:childTnLst>
+                          </p:cTn>
+                        </p:par>
+                      </p:childTnLst>
+                    </p:cTn>
+                  </p:par>
+                  <p:par>
+                    <p:cTn id="73" fill="hold">
+                      <p:stCondLst>
+                        <p:cond delay="indefinite"/>
+                      </p:stCondLst>
+                      <p:childTnLst>
+                        <p:par>
+                          <p:cTn id="74" fill="hold">
+                            <p:stCondLst>
+                              <p:cond delay="0"/>
+                            </p:stCondLst>
+                            <p:childTnLst>
+                              <p:par>
+                                <p:cTn id="75" presetID="42" presetClass="entr" presetSubtype="0" fill="hold" grpId="0" nodeType="clickEffect">
+                                  <p:stCondLst>
+                                    <p:cond delay="0"/>
+                                  </p:stCondLst>
+                                  <p:childTnLst>
+                                    <p:set>
+                                      <p:cBhvr>
+                                        <p:cTn id="76" dur="1" fill="hold">
+                                          <p:stCondLst>
+                                            <p:cond delay="0"/>
+                                          </p:stCondLst>
+                                        </p:cTn>
+                                        <p:tgtEl>
+                                          <p:spTgt spid="32"/>
+                                        </p:tgtEl>
+                                        <p:attrNameLst>
+                                          <p:attrName>style.visibility</p:attrName>
+                                        </p:attrNameLst>
+                                      </p:cBhvr>
+                                      <p:to>
+                                        <p:strVal val="visible"/>
+                                      </p:to>
+                                    </p:set>
+                                    <p:animEffect transition="in" filter="fade">
+                                      <p:cBhvr>
+                                        <p:cTn id="77" dur="1000"/>
+                                        <p:tgtEl>
+                                          <p:spTgt spid="32"/>
+                                        </p:tgtEl>
+                                      </p:cBhvr>
+                                    </p:animEffect>
+                                    <p:anim calcmode="lin" valueType="num">
+                                      <p:cBhvr>
+                                        <p:cTn id="78" dur="1000" fill="hold"/>
+                                        <p:tgtEl>
+                                          <p:spTgt spid="32"/>
+                                        </p:tgtEl>
+                                        <p:attrNameLst>
+                                          <p:attrName>ppt_x</p:attrName>
+                                        </p:attrNameLst>
+                                      </p:cBhvr>
+                                      <p:tavLst>
+                                        <p:tav tm="0">
+                                          <p:val>
+                                            <p:strVal val="#ppt_x"/>
+                                          </p:val>
+                                        </p:tav>
+                                        <p:tav tm="100000">
+                                          <p:val>
+                                            <p:strVal val="#ppt_x"/>
+                                          </p:val>
+                                        </p:tav>
+                                      </p:tavLst>
+                                    </p:anim>
+                                    <p:anim calcmode="lin" valueType="num">
+                                      <p:cBhvr>
+                                        <p:cTn id="79" dur="1000" fill="hold"/>
+                                        <p:tgtEl>
+                                          <p:spTgt spid="32"/>
+                                        </p:tgtEl>
+                                        <p:attrNameLst>
+                                          <p:attrName>ppt_y</p:attrName>
+                                        </p:attrNameLst>
+                                      </p:cBhvr>
+                                      <p:tavLst>
+                                        <p:tav tm="0">
+                                          <p:val>
+                                            <p:strVal val="#ppt_y+.1"/>
+                                          </p:val>
+                                        </p:tav>
+                                        <p:tav tm="100000">
+                                          <p:val>
+                                            <p:strVal val="#ppt_y"/>
+                                          </p:val>
+                                        </p:tav>
+                                      </p:tavLst>
+                                    </p:anim>
+                                  </p:childTnLst>
+                                </p:cTn>
+                              </p:par>
+                              <p:par>
+                                <p:cTn id="80" presetID="42" presetClass="entr" presetSubtype="0" fill="hold" grpId="0" nodeType="withEffect">
+                                  <p:stCondLst>
+                                    <p:cond delay="0"/>
+                                  </p:stCondLst>
+                                  <p:childTnLst>
+                                    <p:set>
+                                      <p:cBhvr>
+                                        <p:cTn id="81" dur="1" fill="hold">
+                                          <p:stCondLst>
+                                            <p:cond delay="0"/>
+                                          </p:stCondLst>
+                                        </p:cTn>
+                                        <p:tgtEl>
+                                          <p:spTgt spid="26"/>
+                                        </p:tgtEl>
+                                        <p:attrNameLst>
+                                          <p:attrName>style.visibility</p:attrName>
+                                        </p:attrNameLst>
+                                      </p:cBhvr>
+                                      <p:to>
+                                        <p:strVal val="visible"/>
+                                      </p:to>
+                                    </p:set>
+                                    <p:animEffect transition="in" filter="fade">
+                                      <p:cBhvr>
+                                        <p:cTn id="82" dur="1000"/>
+                                        <p:tgtEl>
+                                          <p:spTgt spid="26"/>
+                                        </p:tgtEl>
+                                      </p:cBhvr>
+                                    </p:animEffect>
+                                    <p:anim calcmode="lin" valueType="num">
+                                      <p:cBhvr>
+                                        <p:cTn id="83" dur="1000" fill="hold"/>
+                                        <p:tgtEl>
+                                          <p:spTgt spid="26"/>
+                                        </p:tgtEl>
+                                        <p:attrNameLst>
+                                          <p:attrName>ppt_x</p:attrName>
+                                        </p:attrNameLst>
+                                      </p:cBhvr>
+                                      <p:tavLst>
+                                        <p:tav tm="0">
+                                          <p:val>
+                                            <p:strVal val="#ppt_x"/>
+                                          </p:val>
+                                        </p:tav>
+                                        <p:tav tm="100000">
+                                          <p:val>
+                                            <p:strVal val="#ppt_x"/>
+                                          </p:val>
+                                        </p:tav>
+                                      </p:tavLst>
+                                    </p:anim>
+                                    <p:anim calcmode="lin" valueType="num">
+                                      <p:cBhvr>
+                                        <p:cTn id="84" dur="1000" fill="hold"/>
+                                        <p:tgtEl>
+                                          <p:spTgt spid="26"/>
+                                        </p:tgtEl>
+                                        <p:attrNameLst>
+                                          <p:attrName>ppt_y</p:attrName>
+                                        </p:attrNameLst>
+                                      </p:cBhvr>
+                                      <p:tavLst>
+                                        <p:tav tm="0">
+                                          <p:val>
+                                            <p:strVal val="#ppt_y+.1"/>
+                                          </p:val>
+                                        </p:tav>
+                                        <p:tav tm="100000">
+                                          <p:val>
+                                            <p:strVal val="#ppt_y"/>
+                                          </p:val>
+                                        </p:tav>
+                                      </p:tavLst>
+                                    </p:anim>
+                                  </p:childTnLst>
+                                </p:cTn>
+                              </p:par>
+                            </p:childTnLst>
+                          </p:cTn>
+                        </p:par>
+                      </p:childTnLst>
+                    </p:cTn>
+                  </p:par>
+                </p:childTnLst>
+              </p:cTn>
+              <p:prevCondLst>
+                <p:cond evt="onPrev" delay="0">
+                  <p:tgtEl>
+                    <p:sldTgt/>
+                  </p:tgtEl>
+                </p:cond>
+              </p:prevCondLst>
+              <p:nextCondLst>
+                <p:cond evt="onNext" delay="0">
+                  <p:tgtEl>
+                    <p:sldTgt/>
+                  </p:tgtEl>
+                </p:cond>
+              </p:nextCondLst>
+            </p:seq>
+          </p:childTnLst>
+        </p:cTn>
       </p:par>
     </p:tnLst>
+    <p:bldLst>
+      <p:bldP spid="3" grpId="0" animBg="1"/>
+      <p:bldP spid="7" grpId="0" animBg="1"/>
+      <p:bldP spid="19" grpId="0" animBg="1"/>
+      <p:bldP spid="20" grpId="0" animBg="1"/>
+      <p:bldP spid="10" grpId="0"/>
+      <p:bldP spid="24" grpId="0" animBg="1"/>
+      <p:bldP spid="25" grpId="0" animBg="1"/>
+      <p:bldP spid="26" grpId="0" animBg="1"/>
+      <p:bldP spid="21" grpId="0" animBg="1"/>
+      <p:bldP spid="30" grpId="0" animBg="1"/>
+      <p:bldP spid="27" grpId="0" animBg="1"/>
+      <p:bldP spid="31" grpId="0" animBg="1"/>
+      <p:bldP spid="32" grpId="0" animBg="1"/>
+    </p:bldLst>
   </p:timing>
 </p:sld>
 </file>
@@ -7300,7 +9039,7 @@
         <p:spPr>
           <a:xfrm>
             <a:off x="-32467" y="1219200"/>
-            <a:ext cx="1828800" cy="548640"/>
+            <a:ext cx="1825487" cy="548640"/>
           </a:xfrm>
           <a:prstGeom prst="rect">
             <a:avLst/>
@@ -7350,7 +9089,7 @@
         <p:spPr>
           <a:xfrm>
             <a:off x="-32467" y="2470029"/>
-            <a:ext cx="1828800" cy="395091"/>
+            <a:ext cx="1825487" cy="395091"/>
           </a:xfrm>
           <a:prstGeom prst="rect">
             <a:avLst/>
@@ -7647,7 +9386,7 @@
         <p:spPr>
           <a:xfrm>
             <a:off x="-32467" y="2142605"/>
-            <a:ext cx="1828800" cy="347073"/>
+            <a:ext cx="1825487" cy="347073"/>
           </a:xfrm>
           <a:prstGeom prst="rect">
             <a:avLst/>
@@ -7885,6 +9624,591 @@
               <a:latin typeface="Segoe UI Light" pitchFamily="34" charset="0"/>
               <a:cs typeface="Segoe UI Light" pitchFamily="34" charset="0"/>
             </a:endParaRPr>
+          </a:p>
+        </p:txBody>
+      </p:sp>
+      <p:pic>
+        <p:nvPicPr>
+          <p:cNvPr id="32" name="Picture 5" descr="http://www.veryicon.com/icon/png/Avatar/People/Engineer.png"/>
+          <p:cNvPicPr>
+            <a:picLocks noChangeAspect="1" noChangeArrowheads="1"/>
+          </p:cNvPicPr>
+          <p:nvPr/>
+        </p:nvPicPr>
+        <p:blipFill>
+          <a:blip r:embed="rId3">
+            <a:extLst>
+              <a:ext uri="{28A0092B-C50C-407E-A947-70E740481C1C}">
+                <a14:useLocalDpi xmlns:a14="http://schemas.microsoft.com/office/drawing/2010/main" val="0"/>
+              </a:ext>
+            </a:extLst>
+          </a:blip>
+          <a:srcRect/>
+          <a:stretch>
+            <a:fillRect/>
+          </a:stretch>
+        </p:blipFill>
+        <p:spPr bwMode="auto">
+          <a:xfrm>
+            <a:off x="2133600" y="1352565"/>
+            <a:ext cx="1123936" cy="1123936"/>
+          </a:xfrm>
+          <a:prstGeom prst="rect">
+            <a:avLst/>
+          </a:prstGeom>
+          <a:noFill/>
+          <a:extLst>
+            <a:ext uri="{909E8E84-426E-40DD-AFC4-6F175D3DCCD1}">
+              <a14:hiddenFill xmlns:a14="http://schemas.microsoft.com/office/drawing/2010/main">
+                <a:solidFill>
+                  <a:srgbClr val="FFFFFF"/>
+                </a:solidFill>
+              </a14:hiddenFill>
+            </a:ext>
+          </a:extLst>
+        </p:spPr>
+      </p:pic>
+      <p:sp>
+        <p:nvSpPr>
+          <p:cNvPr id="33" name="Right Arrow 32"/>
+          <p:cNvSpPr/>
+          <p:nvPr/>
+        </p:nvSpPr>
+        <p:spPr>
+          <a:xfrm>
+            <a:off x="3257536" y="1914533"/>
+            <a:ext cx="628664" cy="45719"/>
+          </a:xfrm>
+          <a:prstGeom prst="rightArrow">
+            <a:avLst/>
+          </a:prstGeom>
+        </p:spPr>
+        <p:style>
+          <a:lnRef idx="2">
+            <a:schemeClr val="accent1">
+              <a:shade val="50000"/>
+            </a:schemeClr>
+          </a:lnRef>
+          <a:fillRef idx="1">
+            <a:schemeClr val="accent1"/>
+          </a:fillRef>
+          <a:effectRef idx="0">
+            <a:schemeClr val="accent1"/>
+          </a:effectRef>
+          <a:fontRef idx="minor">
+            <a:schemeClr val="lt1"/>
+          </a:fontRef>
+        </p:style>
+        <p:txBody>
+          <a:bodyPr rtlCol="0" anchor="ctr"/>
+          <a:lstStyle/>
+          <a:p>
+            <a:pPr algn="ctr"/>
+            <a:endParaRPr lang="en-US"/>
+          </a:p>
+        </p:txBody>
+      </p:sp>
+      <p:sp>
+        <p:nvSpPr>
+          <p:cNvPr id="34" name="Oval 33"/>
+          <p:cNvSpPr/>
+          <p:nvPr/>
+        </p:nvSpPr>
+        <p:spPr>
+          <a:xfrm>
+            <a:off x="4038600" y="1610891"/>
+            <a:ext cx="1371600" cy="676735"/>
+          </a:xfrm>
+          <a:prstGeom prst="ellipse">
+            <a:avLst/>
+          </a:prstGeom>
+        </p:spPr>
+        <p:style>
+          <a:lnRef idx="2">
+            <a:schemeClr val="accent1">
+              <a:shade val="50000"/>
+            </a:schemeClr>
+          </a:lnRef>
+          <a:fillRef idx="1">
+            <a:schemeClr val="accent1"/>
+          </a:fillRef>
+          <a:effectRef idx="0">
+            <a:schemeClr val="accent1"/>
+          </a:effectRef>
+          <a:fontRef idx="minor">
+            <a:schemeClr val="lt1"/>
+          </a:fontRef>
+        </p:style>
+        <p:txBody>
+          <a:bodyPr rtlCol="0" anchor="ctr"/>
+          <a:lstStyle/>
+          <a:p>
+            <a:pPr algn="ctr"/>
+            <a:r>
+              <a:rPr lang="en-US" dirty="0" smtClean="0"/>
+              <a:t>Follow </a:t>
+            </a:r>
+            <a:endParaRPr lang="en-US" dirty="0"/>
+          </a:p>
+        </p:txBody>
+      </p:sp>
+      <p:sp>
+        <p:nvSpPr>
+          <p:cNvPr id="35" name="Oval 34"/>
+          <p:cNvSpPr/>
+          <p:nvPr/>
+        </p:nvSpPr>
+        <p:spPr>
+          <a:xfrm>
+            <a:off x="6019800" y="1676803"/>
+            <a:ext cx="1143000" cy="709260"/>
+          </a:xfrm>
+          <a:prstGeom prst="ellipse">
+            <a:avLst/>
+          </a:prstGeom>
+        </p:spPr>
+        <p:style>
+          <a:lnRef idx="2">
+            <a:schemeClr val="accent1">
+              <a:shade val="50000"/>
+            </a:schemeClr>
+          </a:lnRef>
+          <a:fillRef idx="1">
+            <a:schemeClr val="accent1"/>
+          </a:fillRef>
+          <a:effectRef idx="0">
+            <a:schemeClr val="accent1"/>
+          </a:effectRef>
+          <a:fontRef idx="minor">
+            <a:schemeClr val="lt1"/>
+          </a:fontRef>
+        </p:style>
+        <p:txBody>
+          <a:bodyPr rtlCol="0" anchor="ctr"/>
+          <a:lstStyle/>
+          <a:p>
+            <a:pPr algn="ctr"/>
+            <a:r>
+              <a:rPr lang="en-US" dirty="0" smtClean="0"/>
+              <a:t>Post Ticket </a:t>
+            </a:r>
+            <a:endParaRPr lang="en-US" dirty="0"/>
+          </a:p>
+        </p:txBody>
+      </p:sp>
+      <p:pic>
+        <p:nvPicPr>
+          <p:cNvPr id="1026" name="Picture 2" descr="C:\Users\Hieu\Desktop\dsa.jpg"/>
+          <p:cNvPicPr>
+            <a:picLocks noChangeAspect="1" noChangeArrowheads="1"/>
+          </p:cNvPicPr>
+          <p:nvPr/>
+        </p:nvPicPr>
+        <p:blipFill>
+          <a:blip r:embed="rId4">
+            <a:extLst>
+              <a:ext uri="{28A0092B-C50C-407E-A947-70E740481C1C}">
+                <a14:useLocalDpi xmlns:a14="http://schemas.microsoft.com/office/drawing/2010/main" val="0"/>
+              </a:ext>
+            </a:extLst>
+          </a:blip>
+          <a:srcRect/>
+          <a:stretch>
+            <a:fillRect/>
+          </a:stretch>
+        </p:blipFill>
+        <p:spPr bwMode="auto">
+          <a:xfrm>
+            <a:off x="7620000" y="1281540"/>
+            <a:ext cx="1333115" cy="1188489"/>
+          </a:xfrm>
+          <a:prstGeom prst="rect">
+            <a:avLst/>
+          </a:prstGeom>
+          <a:noFill/>
+          <a:extLst>
+            <a:ext uri="{909E8E84-426E-40DD-AFC4-6F175D3DCCD1}">
+              <a14:hiddenFill xmlns:a14="http://schemas.microsoft.com/office/drawing/2010/main">
+                <a:solidFill>
+                  <a:srgbClr val="FFFFFF"/>
+                </a:solidFill>
+              </a14:hiddenFill>
+            </a:ext>
+          </a:extLst>
+        </p:spPr>
+      </p:pic>
+      <p:sp>
+        <p:nvSpPr>
+          <p:cNvPr id="43" name="Left Arrow 42"/>
+          <p:cNvSpPr/>
+          <p:nvPr/>
+        </p:nvSpPr>
+        <p:spPr>
+          <a:xfrm>
+            <a:off x="7239000" y="1985732"/>
+            <a:ext cx="533400" cy="45719"/>
+          </a:xfrm>
+          <a:prstGeom prst="leftArrow">
+            <a:avLst/>
+          </a:prstGeom>
+        </p:spPr>
+        <p:style>
+          <a:lnRef idx="2">
+            <a:schemeClr val="accent1">
+              <a:shade val="50000"/>
+            </a:schemeClr>
+          </a:lnRef>
+          <a:fillRef idx="1">
+            <a:schemeClr val="accent1"/>
+          </a:fillRef>
+          <a:effectRef idx="0">
+            <a:schemeClr val="accent1"/>
+          </a:effectRef>
+          <a:fontRef idx="minor">
+            <a:schemeClr val="lt1"/>
+          </a:fontRef>
+        </p:style>
+        <p:txBody>
+          <a:bodyPr rtlCol="0" anchor="ctr"/>
+          <a:lstStyle/>
+          <a:p>
+            <a:pPr algn="ctr"/>
+            <a:endParaRPr lang="en-US"/>
+          </a:p>
+        </p:txBody>
+      </p:sp>
+      <p:sp>
+        <p:nvSpPr>
+          <p:cNvPr id="44" name="Oval 43"/>
+          <p:cNvSpPr/>
+          <p:nvPr/>
+        </p:nvSpPr>
+        <p:spPr>
+          <a:xfrm>
+            <a:off x="6953788" y="2901556"/>
+            <a:ext cx="1409700" cy="645474"/>
+          </a:xfrm>
+          <a:prstGeom prst="ellipse">
+            <a:avLst/>
+          </a:prstGeom>
+        </p:spPr>
+        <p:style>
+          <a:lnRef idx="2">
+            <a:schemeClr val="accent1">
+              <a:shade val="50000"/>
+            </a:schemeClr>
+          </a:lnRef>
+          <a:fillRef idx="1">
+            <a:schemeClr val="accent1"/>
+          </a:fillRef>
+          <a:effectRef idx="0">
+            <a:schemeClr val="accent1"/>
+          </a:effectRef>
+          <a:fontRef idx="minor">
+            <a:schemeClr val="lt1"/>
+          </a:fontRef>
+        </p:style>
+        <p:txBody>
+          <a:bodyPr rtlCol="0" anchor="ctr"/>
+          <a:lstStyle/>
+          <a:p>
+            <a:pPr algn="ctr"/>
+            <a:r>
+              <a:rPr lang="en-US" dirty="0" smtClean="0"/>
+              <a:t>Request Ticket</a:t>
+            </a:r>
+            <a:endParaRPr lang="en-US" dirty="0"/>
+          </a:p>
+        </p:txBody>
+      </p:sp>
+      <p:sp>
+        <p:nvSpPr>
+          <p:cNvPr id="46" name="Left Arrow 45"/>
+          <p:cNvSpPr/>
+          <p:nvPr/>
+        </p:nvSpPr>
+        <p:spPr>
+          <a:xfrm rot="19085019" flipV="1">
+            <a:off x="7736500" y="2557118"/>
+            <a:ext cx="613244" cy="45719"/>
+          </a:xfrm>
+          <a:prstGeom prst="leftArrow">
+            <a:avLst/>
+          </a:prstGeom>
+        </p:spPr>
+        <p:style>
+          <a:lnRef idx="2">
+            <a:schemeClr val="accent1">
+              <a:shade val="50000"/>
+            </a:schemeClr>
+          </a:lnRef>
+          <a:fillRef idx="1">
+            <a:schemeClr val="accent1"/>
+          </a:fillRef>
+          <a:effectRef idx="0">
+            <a:schemeClr val="accent1"/>
+          </a:effectRef>
+          <a:fontRef idx="minor">
+            <a:schemeClr val="lt1"/>
+          </a:fontRef>
+        </p:style>
+        <p:txBody>
+          <a:bodyPr rtlCol="0" anchor="ctr"/>
+          <a:lstStyle/>
+          <a:p>
+            <a:pPr algn="ctr"/>
+            <a:endParaRPr lang="en-US"/>
+          </a:p>
+        </p:txBody>
+      </p:sp>
+      <p:sp>
+        <p:nvSpPr>
+          <p:cNvPr id="47" name="Oval 46"/>
+          <p:cNvSpPr/>
+          <p:nvPr/>
+        </p:nvSpPr>
+        <p:spPr>
+          <a:xfrm>
+            <a:off x="2743200" y="3729450"/>
+            <a:ext cx="1657336" cy="752935"/>
+          </a:xfrm>
+          <a:prstGeom prst="ellipse">
+            <a:avLst/>
+          </a:prstGeom>
+        </p:spPr>
+        <p:style>
+          <a:lnRef idx="2">
+            <a:schemeClr val="accent1">
+              <a:shade val="50000"/>
+            </a:schemeClr>
+          </a:lnRef>
+          <a:fillRef idx="1">
+            <a:schemeClr val="accent1"/>
+          </a:fillRef>
+          <a:effectRef idx="0">
+            <a:schemeClr val="accent1"/>
+          </a:effectRef>
+          <a:fontRef idx="minor">
+            <a:schemeClr val="lt1"/>
+          </a:fontRef>
+        </p:style>
+        <p:txBody>
+          <a:bodyPr rtlCol="0" anchor="ctr"/>
+          <a:lstStyle/>
+          <a:p>
+            <a:pPr algn="ctr"/>
+            <a:r>
+              <a:rPr lang="en-US" sz="1600" dirty="0" smtClean="0"/>
+              <a:t>Receive Notification</a:t>
+            </a:r>
+            <a:endParaRPr lang="en-US" dirty="0"/>
+          </a:p>
+        </p:txBody>
+      </p:sp>
+      <p:sp>
+        <p:nvSpPr>
+          <p:cNvPr id="49" name="Left Arrow 48"/>
+          <p:cNvSpPr/>
+          <p:nvPr/>
+        </p:nvSpPr>
+        <p:spPr>
+          <a:xfrm rot="3074180">
+            <a:off x="2522786" y="3123593"/>
+            <a:ext cx="1274369" cy="45719"/>
+          </a:xfrm>
+          <a:prstGeom prst="leftArrow">
+            <a:avLst/>
+          </a:prstGeom>
+        </p:spPr>
+        <p:style>
+          <a:lnRef idx="2">
+            <a:schemeClr val="accent1">
+              <a:shade val="50000"/>
+            </a:schemeClr>
+          </a:lnRef>
+          <a:fillRef idx="1">
+            <a:schemeClr val="accent1"/>
+          </a:fillRef>
+          <a:effectRef idx="0">
+            <a:schemeClr val="accent1"/>
+          </a:effectRef>
+          <a:fontRef idx="minor">
+            <a:schemeClr val="lt1"/>
+          </a:fontRef>
+        </p:style>
+        <p:txBody>
+          <a:bodyPr rtlCol="0" anchor="ctr"/>
+          <a:lstStyle/>
+          <a:p>
+            <a:pPr algn="ctr"/>
+            <a:endParaRPr lang="en-US"/>
+          </a:p>
+        </p:txBody>
+      </p:sp>
+      <p:sp>
+        <p:nvSpPr>
+          <p:cNvPr id="54" name="Oval 53"/>
+          <p:cNvSpPr/>
+          <p:nvPr/>
+        </p:nvSpPr>
+        <p:spPr>
+          <a:xfrm>
+            <a:off x="4536303" y="2819470"/>
+            <a:ext cx="1371600" cy="676735"/>
+          </a:xfrm>
+          <a:prstGeom prst="ellipse">
+            <a:avLst/>
+          </a:prstGeom>
+          <a:solidFill>
+            <a:srgbClr val="0070C0"/>
+          </a:solidFill>
+        </p:spPr>
+        <p:style>
+          <a:lnRef idx="2">
+            <a:schemeClr val="accent1">
+              <a:shade val="50000"/>
+            </a:schemeClr>
+          </a:lnRef>
+          <a:fillRef idx="1">
+            <a:schemeClr val="accent1"/>
+          </a:fillRef>
+          <a:effectRef idx="0">
+            <a:schemeClr val="accent1"/>
+          </a:effectRef>
+          <a:fontRef idx="minor">
+            <a:schemeClr val="lt1"/>
+          </a:fontRef>
+        </p:style>
+        <p:txBody>
+          <a:bodyPr rtlCol="0" anchor="ctr"/>
+          <a:lstStyle/>
+          <a:p>
+            <a:pPr algn="ctr"/>
+            <a:r>
+              <a:rPr lang="en-US" dirty="0" smtClean="0"/>
+              <a:t>Event</a:t>
+            </a:r>
+            <a:endParaRPr lang="en-US" dirty="0"/>
+          </a:p>
+        </p:txBody>
+      </p:sp>
+      <p:sp>
+        <p:nvSpPr>
+          <p:cNvPr id="55" name="Right Arrow 54"/>
+          <p:cNvSpPr/>
+          <p:nvPr/>
+        </p:nvSpPr>
+        <p:spPr>
+          <a:xfrm rot="3603625">
+            <a:off x="4552936" y="2501587"/>
+            <a:ext cx="628664" cy="101249"/>
+          </a:xfrm>
+          <a:prstGeom prst="rightArrow">
+            <a:avLst/>
+          </a:prstGeom>
+        </p:spPr>
+        <p:style>
+          <a:lnRef idx="2">
+            <a:schemeClr val="accent1">
+              <a:shade val="50000"/>
+            </a:schemeClr>
+          </a:lnRef>
+          <a:fillRef idx="1">
+            <a:schemeClr val="accent1"/>
+          </a:fillRef>
+          <a:effectRef idx="0">
+            <a:schemeClr val="accent1"/>
+          </a:effectRef>
+          <a:fontRef idx="minor">
+            <a:schemeClr val="lt1"/>
+          </a:fontRef>
+        </p:style>
+        <p:txBody>
+          <a:bodyPr rtlCol="0" anchor="ctr"/>
+          <a:lstStyle/>
+          <a:p>
+            <a:pPr algn="ctr"/>
+            <a:endParaRPr lang="en-US"/>
+          </a:p>
+        </p:txBody>
+      </p:sp>
+      <p:sp>
+        <p:nvSpPr>
+          <p:cNvPr id="56" name="Right Arrow 55"/>
+          <p:cNvSpPr/>
+          <p:nvPr/>
+        </p:nvSpPr>
+        <p:spPr>
+          <a:xfrm rot="8444345">
+            <a:off x="5565003" y="2579985"/>
+            <a:ext cx="628664" cy="45719"/>
+          </a:xfrm>
+          <a:prstGeom prst="rightArrow">
+            <a:avLst/>
+          </a:prstGeom>
+        </p:spPr>
+        <p:style>
+          <a:lnRef idx="2">
+            <a:schemeClr val="accent1">
+              <a:shade val="50000"/>
+            </a:schemeClr>
+          </a:lnRef>
+          <a:fillRef idx="1">
+            <a:schemeClr val="accent1"/>
+          </a:fillRef>
+          <a:effectRef idx="0">
+            <a:schemeClr val="accent1"/>
+          </a:effectRef>
+          <a:fontRef idx="minor">
+            <a:schemeClr val="lt1"/>
+          </a:fontRef>
+        </p:style>
+        <p:txBody>
+          <a:bodyPr rtlCol="0" anchor="ctr"/>
+          <a:lstStyle/>
+          <a:p>
+            <a:pPr algn="ctr"/>
+            <a:endParaRPr lang="en-US"/>
+          </a:p>
+        </p:txBody>
+      </p:sp>
+      <p:sp>
+        <p:nvSpPr>
+          <p:cNvPr id="57" name="Right Arrow 56"/>
+          <p:cNvSpPr/>
+          <p:nvPr/>
+        </p:nvSpPr>
+        <p:spPr>
+          <a:xfrm rot="11032245">
+            <a:off x="5841088" y="3068215"/>
+            <a:ext cx="1050843" cy="102966"/>
+          </a:xfrm>
+          <a:prstGeom prst="rightArrow">
+            <a:avLst/>
+          </a:prstGeom>
+        </p:spPr>
+        <p:style>
+          <a:lnRef idx="2">
+            <a:schemeClr val="accent1">
+              <a:shade val="50000"/>
+            </a:schemeClr>
+          </a:lnRef>
+          <a:fillRef idx="1">
+            <a:schemeClr val="accent1"/>
+          </a:fillRef>
+          <a:effectRef idx="0">
+            <a:schemeClr val="accent1"/>
+          </a:effectRef>
+          <a:fontRef idx="minor">
+            <a:schemeClr val="lt1"/>
+          </a:fontRef>
+        </p:style>
+        <p:txBody>
+          <a:bodyPr rtlCol="0" anchor="ctr"/>
+          <a:lstStyle/>
+          <a:p>
+            <a:pPr algn="ctr"/>
+            <a:endParaRPr lang="en-US"/>
           </a:p>
         </p:txBody>
       </p:sp>
@@ -7901,9 +10225,592 @@
   <p:timing>
     <p:tnLst>
       <p:par>
-        <p:cTn id="1" dur="indefinite" restart="never" nodeType="tmRoot"/>
+        <p:cTn id="1" dur="indefinite" restart="never" nodeType="tmRoot">
+          <p:childTnLst>
+            <p:seq concurrent="1" nextAc="seek">
+              <p:cTn id="2" dur="indefinite" nodeType="mainSeq">
+                <p:childTnLst>
+                  <p:par>
+                    <p:cTn id="3" fill="hold">
+                      <p:stCondLst>
+                        <p:cond delay="indefinite"/>
+                      </p:stCondLst>
+                      <p:childTnLst>
+                        <p:par>
+                          <p:cTn id="4" fill="hold">
+                            <p:stCondLst>
+                              <p:cond delay="0"/>
+                            </p:stCondLst>
+                            <p:childTnLst>
+                              <p:par>
+                                <p:cTn id="5" presetID="10" presetClass="entr" presetSubtype="0" fill="hold" grpId="0" nodeType="clickEffect">
+                                  <p:stCondLst>
+                                    <p:cond delay="0"/>
+                                  </p:stCondLst>
+                                  <p:childTnLst>
+                                    <p:set>
+                                      <p:cBhvr>
+                                        <p:cTn id="6" dur="1" fill="hold">
+                                          <p:stCondLst>
+                                            <p:cond delay="0"/>
+                                          </p:stCondLst>
+                                        </p:cTn>
+                                        <p:tgtEl>
+                                          <p:spTgt spid="33"/>
+                                        </p:tgtEl>
+                                        <p:attrNameLst>
+                                          <p:attrName>style.visibility</p:attrName>
+                                        </p:attrNameLst>
+                                      </p:cBhvr>
+                                      <p:to>
+                                        <p:strVal val="visible"/>
+                                      </p:to>
+                                    </p:set>
+                                    <p:animEffect transition="in" filter="fade">
+                                      <p:cBhvr>
+                                        <p:cTn id="7" dur="500"/>
+                                        <p:tgtEl>
+                                          <p:spTgt spid="33"/>
+                                        </p:tgtEl>
+                                      </p:cBhvr>
+                                    </p:animEffect>
+                                  </p:childTnLst>
+                                </p:cTn>
+                              </p:par>
+                              <p:par>
+                                <p:cTn id="8" presetID="10" presetClass="entr" presetSubtype="0" fill="hold" grpId="0" nodeType="withEffect">
+                                  <p:stCondLst>
+                                    <p:cond delay="0"/>
+                                  </p:stCondLst>
+                                  <p:childTnLst>
+                                    <p:set>
+                                      <p:cBhvr>
+                                        <p:cTn id="9" dur="1" fill="hold">
+                                          <p:stCondLst>
+                                            <p:cond delay="0"/>
+                                          </p:stCondLst>
+                                        </p:cTn>
+                                        <p:tgtEl>
+                                          <p:spTgt spid="34"/>
+                                        </p:tgtEl>
+                                        <p:attrNameLst>
+                                          <p:attrName>style.visibility</p:attrName>
+                                        </p:attrNameLst>
+                                      </p:cBhvr>
+                                      <p:to>
+                                        <p:strVal val="visible"/>
+                                      </p:to>
+                                    </p:set>
+                                    <p:animEffect transition="in" filter="fade">
+                                      <p:cBhvr>
+                                        <p:cTn id="10" dur="500"/>
+                                        <p:tgtEl>
+                                          <p:spTgt spid="34"/>
+                                        </p:tgtEl>
+                                      </p:cBhvr>
+                                    </p:animEffect>
+                                  </p:childTnLst>
+                                </p:cTn>
+                              </p:par>
+                              <p:par>
+                                <p:cTn id="11" presetID="10" presetClass="entr" presetSubtype="0" fill="hold" grpId="0" nodeType="withEffect">
+                                  <p:stCondLst>
+                                    <p:cond delay="0"/>
+                                  </p:stCondLst>
+                                  <p:childTnLst>
+                                    <p:set>
+                                      <p:cBhvr>
+                                        <p:cTn id="12" dur="1" fill="hold">
+                                          <p:stCondLst>
+                                            <p:cond delay="0"/>
+                                          </p:stCondLst>
+                                        </p:cTn>
+                                        <p:tgtEl>
+                                          <p:spTgt spid="35"/>
+                                        </p:tgtEl>
+                                        <p:attrNameLst>
+                                          <p:attrName>style.visibility</p:attrName>
+                                        </p:attrNameLst>
+                                      </p:cBhvr>
+                                      <p:to>
+                                        <p:strVal val="visible"/>
+                                      </p:to>
+                                    </p:set>
+                                    <p:animEffect transition="in" filter="fade">
+                                      <p:cBhvr>
+                                        <p:cTn id="13" dur="500"/>
+                                        <p:tgtEl>
+                                          <p:spTgt spid="35"/>
+                                        </p:tgtEl>
+                                      </p:cBhvr>
+                                    </p:animEffect>
+                                  </p:childTnLst>
+                                </p:cTn>
+                              </p:par>
+                            </p:childTnLst>
+                          </p:cTn>
+                        </p:par>
+                      </p:childTnLst>
+                    </p:cTn>
+                  </p:par>
+                  <p:par>
+                    <p:cTn id="14" fill="hold">
+                      <p:stCondLst>
+                        <p:cond delay="indefinite"/>
+                      </p:stCondLst>
+                      <p:childTnLst>
+                        <p:par>
+                          <p:cTn id="15" fill="hold">
+                            <p:stCondLst>
+                              <p:cond delay="0"/>
+                            </p:stCondLst>
+                            <p:childTnLst>
+                              <p:par>
+                                <p:cTn id="16" presetID="10" presetClass="entr" presetSubtype="0" fill="hold" grpId="0" nodeType="clickEffect">
+                                  <p:stCondLst>
+                                    <p:cond delay="0"/>
+                                  </p:stCondLst>
+                                  <p:childTnLst>
+                                    <p:set>
+                                      <p:cBhvr>
+                                        <p:cTn id="17" dur="1" fill="hold">
+                                          <p:stCondLst>
+                                            <p:cond delay="0"/>
+                                          </p:stCondLst>
+                                        </p:cTn>
+                                        <p:tgtEl>
+                                          <p:spTgt spid="43"/>
+                                        </p:tgtEl>
+                                        <p:attrNameLst>
+                                          <p:attrName>style.visibility</p:attrName>
+                                        </p:attrNameLst>
+                                      </p:cBhvr>
+                                      <p:to>
+                                        <p:strVal val="visible"/>
+                                      </p:to>
+                                    </p:set>
+                                    <p:animEffect transition="in" filter="fade">
+                                      <p:cBhvr>
+                                        <p:cTn id="18" dur="500"/>
+                                        <p:tgtEl>
+                                          <p:spTgt spid="43"/>
+                                        </p:tgtEl>
+                                      </p:cBhvr>
+                                    </p:animEffect>
+                                  </p:childTnLst>
+                                </p:cTn>
+                              </p:par>
+                              <p:par>
+                                <p:cTn id="19" presetID="10" presetClass="entr" presetSubtype="0" fill="hold" grpId="0" nodeType="withEffect">
+                                  <p:stCondLst>
+                                    <p:cond delay="0"/>
+                                  </p:stCondLst>
+                                  <p:childTnLst>
+                                    <p:set>
+                                      <p:cBhvr>
+                                        <p:cTn id="20" dur="1" fill="hold">
+                                          <p:stCondLst>
+                                            <p:cond delay="0"/>
+                                          </p:stCondLst>
+                                        </p:cTn>
+                                        <p:tgtEl>
+                                          <p:spTgt spid="44"/>
+                                        </p:tgtEl>
+                                        <p:attrNameLst>
+                                          <p:attrName>style.visibility</p:attrName>
+                                        </p:attrNameLst>
+                                      </p:cBhvr>
+                                      <p:to>
+                                        <p:strVal val="visible"/>
+                                      </p:to>
+                                    </p:set>
+                                    <p:animEffect transition="in" filter="fade">
+                                      <p:cBhvr>
+                                        <p:cTn id="21" dur="500"/>
+                                        <p:tgtEl>
+                                          <p:spTgt spid="44"/>
+                                        </p:tgtEl>
+                                      </p:cBhvr>
+                                    </p:animEffect>
+                                  </p:childTnLst>
+                                </p:cTn>
+                              </p:par>
+                            </p:childTnLst>
+                          </p:cTn>
+                        </p:par>
+                      </p:childTnLst>
+                    </p:cTn>
+                  </p:par>
+                  <p:par>
+                    <p:cTn id="22" fill="hold">
+                      <p:stCondLst>
+                        <p:cond delay="indefinite"/>
+                      </p:stCondLst>
+                      <p:childTnLst>
+                        <p:par>
+                          <p:cTn id="23" fill="hold">
+                            <p:stCondLst>
+                              <p:cond delay="0"/>
+                            </p:stCondLst>
+                            <p:childTnLst>
+                              <p:par>
+                                <p:cTn id="24" presetID="10" presetClass="entr" presetSubtype="0" fill="hold" grpId="0" nodeType="clickEffect">
+                                  <p:stCondLst>
+                                    <p:cond delay="0"/>
+                                  </p:stCondLst>
+                                  <p:childTnLst>
+                                    <p:set>
+                                      <p:cBhvr>
+                                        <p:cTn id="25" dur="1" fill="hold">
+                                          <p:stCondLst>
+                                            <p:cond delay="0"/>
+                                          </p:stCondLst>
+                                        </p:cTn>
+                                        <p:tgtEl>
+                                          <p:spTgt spid="46"/>
+                                        </p:tgtEl>
+                                        <p:attrNameLst>
+                                          <p:attrName>style.visibility</p:attrName>
+                                        </p:attrNameLst>
+                                      </p:cBhvr>
+                                      <p:to>
+                                        <p:strVal val="visible"/>
+                                      </p:to>
+                                    </p:set>
+                                    <p:animEffect transition="in" filter="fade">
+                                      <p:cBhvr>
+                                        <p:cTn id="26" dur="500"/>
+                                        <p:tgtEl>
+                                          <p:spTgt spid="46"/>
+                                        </p:tgtEl>
+                                      </p:cBhvr>
+                                    </p:animEffect>
+                                  </p:childTnLst>
+                                </p:cTn>
+                              </p:par>
+                              <p:par>
+                                <p:cTn id="27" presetID="10" presetClass="entr" presetSubtype="0" fill="hold" grpId="0" nodeType="withEffect">
+                                  <p:stCondLst>
+                                    <p:cond delay="0"/>
+                                  </p:stCondLst>
+                                  <p:childTnLst>
+                                    <p:set>
+                                      <p:cBhvr>
+                                        <p:cTn id="28" dur="1" fill="hold">
+                                          <p:stCondLst>
+                                            <p:cond delay="0"/>
+                                          </p:stCondLst>
+                                        </p:cTn>
+                                        <p:tgtEl>
+                                          <p:spTgt spid="47"/>
+                                        </p:tgtEl>
+                                        <p:attrNameLst>
+                                          <p:attrName>style.visibility</p:attrName>
+                                        </p:attrNameLst>
+                                      </p:cBhvr>
+                                      <p:to>
+                                        <p:strVal val="visible"/>
+                                      </p:to>
+                                    </p:set>
+                                    <p:animEffect transition="in" filter="fade">
+                                      <p:cBhvr>
+                                        <p:cTn id="29" dur="500"/>
+                                        <p:tgtEl>
+                                          <p:spTgt spid="47"/>
+                                        </p:tgtEl>
+                                      </p:cBhvr>
+                                    </p:animEffect>
+                                  </p:childTnLst>
+                                </p:cTn>
+                              </p:par>
+                            </p:childTnLst>
+                          </p:cTn>
+                        </p:par>
+                      </p:childTnLst>
+                    </p:cTn>
+                  </p:par>
+                  <p:par>
+                    <p:cTn id="30" fill="hold">
+                      <p:stCondLst>
+                        <p:cond delay="indefinite"/>
+                      </p:stCondLst>
+                      <p:childTnLst>
+                        <p:par>
+                          <p:cTn id="31" fill="hold">
+                            <p:stCondLst>
+                              <p:cond delay="0"/>
+                            </p:stCondLst>
+                            <p:childTnLst>
+                              <p:par>
+                                <p:cTn id="32" presetID="10" presetClass="entr" presetSubtype="0" fill="hold" grpId="0" nodeType="clickEffect">
+                                  <p:stCondLst>
+                                    <p:cond delay="0"/>
+                                  </p:stCondLst>
+                                  <p:childTnLst>
+                                    <p:set>
+                                      <p:cBhvr>
+                                        <p:cTn id="33" dur="1" fill="hold">
+                                          <p:stCondLst>
+                                            <p:cond delay="0"/>
+                                          </p:stCondLst>
+                                        </p:cTn>
+                                        <p:tgtEl>
+                                          <p:spTgt spid="49"/>
+                                        </p:tgtEl>
+                                        <p:attrNameLst>
+                                          <p:attrName>style.visibility</p:attrName>
+                                        </p:attrNameLst>
+                                      </p:cBhvr>
+                                      <p:to>
+                                        <p:strVal val="visible"/>
+                                      </p:to>
+                                    </p:set>
+                                    <p:animEffect transition="in" filter="fade">
+                                      <p:cBhvr>
+                                        <p:cTn id="34" dur="500"/>
+                                        <p:tgtEl>
+                                          <p:spTgt spid="49"/>
+                                        </p:tgtEl>
+                                      </p:cBhvr>
+                                    </p:animEffect>
+                                  </p:childTnLst>
+                                </p:cTn>
+                              </p:par>
+                              <p:par>
+                                <p:cTn id="35" presetID="10" presetClass="entr" presetSubtype="0" fill="hold" grpId="0" nodeType="withEffect">
+                                  <p:stCondLst>
+                                    <p:cond delay="0"/>
+                                  </p:stCondLst>
+                                  <p:childTnLst>
+                                    <p:set>
+                                      <p:cBhvr>
+                                        <p:cTn id="36" dur="1" fill="hold">
+                                          <p:stCondLst>
+                                            <p:cond delay="0"/>
+                                          </p:stCondLst>
+                                        </p:cTn>
+                                        <p:tgtEl>
+                                          <p:spTgt spid="54"/>
+                                        </p:tgtEl>
+                                        <p:attrNameLst>
+                                          <p:attrName>style.visibility</p:attrName>
+                                        </p:attrNameLst>
+                                      </p:cBhvr>
+                                      <p:to>
+                                        <p:strVal val="visible"/>
+                                      </p:to>
+                                    </p:set>
+                                    <p:animEffect transition="in" filter="fade">
+                                      <p:cBhvr>
+                                        <p:cTn id="37" dur="500"/>
+                                        <p:tgtEl>
+                                          <p:spTgt spid="54"/>
+                                        </p:tgtEl>
+                                      </p:cBhvr>
+                                    </p:animEffect>
+                                  </p:childTnLst>
+                                </p:cTn>
+                              </p:par>
+                            </p:childTnLst>
+                          </p:cTn>
+                        </p:par>
+                      </p:childTnLst>
+                    </p:cTn>
+                  </p:par>
+                  <p:par>
+                    <p:cTn id="38" fill="hold">
+                      <p:stCondLst>
+                        <p:cond delay="indefinite"/>
+                      </p:stCondLst>
+                      <p:childTnLst>
+                        <p:par>
+                          <p:cTn id="39" fill="hold">
+                            <p:stCondLst>
+                              <p:cond delay="0"/>
+                            </p:stCondLst>
+                            <p:childTnLst>
+                              <p:par>
+                                <p:cTn id="40" presetID="10" presetClass="entr" presetSubtype="0" fill="hold" grpId="0" nodeType="clickEffect">
+                                  <p:stCondLst>
+                                    <p:cond delay="0"/>
+                                  </p:stCondLst>
+                                  <p:childTnLst>
+                                    <p:set>
+                                      <p:cBhvr>
+                                        <p:cTn id="41" dur="1" fill="hold">
+                                          <p:stCondLst>
+                                            <p:cond delay="0"/>
+                                          </p:stCondLst>
+                                        </p:cTn>
+                                        <p:tgtEl>
+                                          <p:spTgt spid="55"/>
+                                        </p:tgtEl>
+                                        <p:attrNameLst>
+                                          <p:attrName>style.visibility</p:attrName>
+                                        </p:attrNameLst>
+                                      </p:cBhvr>
+                                      <p:to>
+                                        <p:strVal val="visible"/>
+                                      </p:to>
+                                    </p:set>
+                                    <p:animEffect transition="in" filter="fade">
+                                      <p:cBhvr>
+                                        <p:cTn id="42" dur="500"/>
+                                        <p:tgtEl>
+                                          <p:spTgt spid="55"/>
+                                        </p:tgtEl>
+                                      </p:cBhvr>
+                                    </p:animEffect>
+                                  </p:childTnLst>
+                                </p:cTn>
+                              </p:par>
+                            </p:childTnLst>
+                          </p:cTn>
+                        </p:par>
+                      </p:childTnLst>
+                    </p:cTn>
+                  </p:par>
+                  <p:par>
+                    <p:cTn id="43" fill="hold">
+                      <p:stCondLst>
+                        <p:cond delay="indefinite"/>
+                      </p:stCondLst>
+                      <p:childTnLst>
+                        <p:par>
+                          <p:cTn id="44" fill="hold">
+                            <p:stCondLst>
+                              <p:cond delay="0"/>
+                            </p:stCondLst>
+                            <p:childTnLst>
+                              <p:par>
+                                <p:cTn id="45" presetID="10" presetClass="entr" presetSubtype="0" fill="hold" grpId="0" nodeType="clickEffect">
+                                  <p:stCondLst>
+                                    <p:cond delay="0"/>
+                                  </p:stCondLst>
+                                  <p:childTnLst>
+                                    <p:set>
+                                      <p:cBhvr>
+                                        <p:cTn id="46" dur="1" fill="hold">
+                                          <p:stCondLst>
+                                            <p:cond delay="0"/>
+                                          </p:stCondLst>
+                                        </p:cTn>
+                                        <p:tgtEl>
+                                          <p:spTgt spid="56"/>
+                                        </p:tgtEl>
+                                        <p:attrNameLst>
+                                          <p:attrName>style.visibility</p:attrName>
+                                        </p:attrNameLst>
+                                      </p:cBhvr>
+                                      <p:to>
+                                        <p:strVal val="visible"/>
+                                      </p:to>
+                                    </p:set>
+                                    <p:animEffect transition="in" filter="fade">
+                                      <p:cBhvr>
+                                        <p:cTn id="47" dur="500"/>
+                                        <p:tgtEl>
+                                          <p:spTgt spid="56"/>
+                                        </p:tgtEl>
+                                      </p:cBhvr>
+                                    </p:animEffect>
+                                  </p:childTnLst>
+                                </p:cTn>
+                              </p:par>
+                            </p:childTnLst>
+                          </p:cTn>
+                        </p:par>
+                      </p:childTnLst>
+                    </p:cTn>
+                  </p:par>
+                  <p:par>
+                    <p:cTn id="48" fill="hold">
+                      <p:stCondLst>
+                        <p:cond delay="indefinite"/>
+                      </p:stCondLst>
+                      <p:childTnLst>
+                        <p:par>
+                          <p:cTn id="49" fill="hold">
+                            <p:stCondLst>
+                              <p:cond delay="0"/>
+                            </p:stCondLst>
+                            <p:childTnLst>
+                              <p:par>
+                                <p:cTn id="50" presetID="10" presetClass="entr" presetSubtype="0" fill="hold" grpId="0" nodeType="clickEffect">
+                                  <p:stCondLst>
+                                    <p:cond delay="0"/>
+                                  </p:stCondLst>
+                                  <p:childTnLst>
+                                    <p:set>
+                                      <p:cBhvr>
+                                        <p:cTn id="51" dur="1" fill="hold">
+                                          <p:stCondLst>
+                                            <p:cond delay="0"/>
+                                          </p:stCondLst>
+                                        </p:cTn>
+                                        <p:tgtEl>
+                                          <p:spTgt spid="57"/>
+                                        </p:tgtEl>
+                                        <p:attrNameLst>
+                                          <p:attrName>style.visibility</p:attrName>
+                                        </p:attrNameLst>
+                                      </p:cBhvr>
+                                      <p:to>
+                                        <p:strVal val="visible"/>
+                                      </p:to>
+                                    </p:set>
+                                    <p:animEffect transition="in" filter="fade">
+                                      <p:cBhvr>
+                                        <p:cTn id="52" dur="500"/>
+                                        <p:tgtEl>
+                                          <p:spTgt spid="57"/>
+                                        </p:tgtEl>
+                                      </p:cBhvr>
+                                    </p:animEffect>
+                                  </p:childTnLst>
+                                </p:cTn>
+                              </p:par>
+                            </p:childTnLst>
+                          </p:cTn>
+                        </p:par>
+                      </p:childTnLst>
+                    </p:cTn>
+                  </p:par>
+                </p:childTnLst>
+              </p:cTn>
+              <p:prevCondLst>
+                <p:cond evt="onPrev" delay="0">
+                  <p:tgtEl>
+                    <p:sldTgt/>
+                  </p:tgtEl>
+                </p:cond>
+              </p:prevCondLst>
+              <p:nextCondLst>
+                <p:cond evt="onNext" delay="0">
+                  <p:tgtEl>
+                    <p:sldTgt/>
+                  </p:tgtEl>
+                </p:cond>
+              </p:nextCondLst>
+            </p:seq>
+          </p:childTnLst>
+        </p:cTn>
       </p:par>
     </p:tnLst>
+    <p:bldLst>
+      <p:bldP spid="33" grpId="0" animBg="1"/>
+      <p:bldP spid="34" grpId="0" animBg="1"/>
+      <p:bldP spid="35" grpId="0" animBg="1"/>
+      <p:bldP spid="43" grpId="0" animBg="1"/>
+      <p:bldP spid="44" grpId="0" animBg="1"/>
+      <p:bldP spid="46" grpId="0" animBg="1"/>
+      <p:bldP spid="47" grpId="0" animBg="1"/>
+      <p:bldP spid="49" grpId="0" animBg="1"/>
+      <p:bldP spid="54" grpId="0" animBg="1"/>
+      <p:bldP spid="55" grpId="0" animBg="1"/>
+      <p:bldP spid="56" grpId="0" animBg="1"/>
+      <p:bldP spid="57" grpId="0" animBg="1"/>
+    </p:bldLst>
   </p:timing>
 </p:sld>
 </file>
@@ -7982,7 +10889,7 @@
         <p:spPr>
           <a:xfrm>
             <a:off x="-32467" y="1219200"/>
-            <a:ext cx="1828800" cy="548640"/>
+            <a:ext cx="1825487" cy="548640"/>
           </a:xfrm>
           <a:prstGeom prst="rect">
             <a:avLst/>
@@ -8032,7 +10939,7 @@
         <p:spPr>
           <a:xfrm>
             <a:off x="-32467" y="2494048"/>
-            <a:ext cx="1828800" cy="371072"/>
+            <a:ext cx="1825487" cy="371072"/>
           </a:xfrm>
           <a:prstGeom prst="rect">
             <a:avLst/>
@@ -8331,7 +11238,7 @@
         <p:spPr>
           <a:xfrm>
             <a:off x="-32467" y="2142605"/>
-            <a:ext cx="1828800" cy="397431"/>
+            <a:ext cx="1825487" cy="397431"/>
           </a:xfrm>
           <a:prstGeom prst="rect">
             <a:avLst/>
@@ -10608,6 +13515,163 @@
           <a:chExt cx="0" cy="0"/>
         </a:xfrm>
       </p:grpSpPr>
+      <p:pic>
+        <p:nvPicPr>
+          <p:cNvPr id="2" name="Picture 1" descr="http://www.iphoneapplication-development.com/wp-content/uploads/2012/04/Agile-Development-Methedology.jpg"/>
+          <p:cNvPicPr/>
+          <p:nvPr/>
+        </p:nvPicPr>
+        <p:blipFill>
+          <a:blip r:embed="rId2">
+            <a:extLst>
+              <a:ext uri="{28A0092B-C50C-407E-A947-70E740481C1C}">
+                <a14:useLocalDpi xmlns:a14="http://schemas.microsoft.com/office/drawing/2010/main" val="0"/>
+              </a:ext>
+            </a:extLst>
+          </a:blip>
+          <a:srcRect/>
+          <a:stretch>
+            <a:fillRect/>
+          </a:stretch>
+        </p:blipFill>
+        <p:spPr bwMode="auto">
+          <a:xfrm>
+            <a:off x="2457450" y="533400"/>
+            <a:ext cx="5181600" cy="4619625"/>
+          </a:xfrm>
+          <a:prstGeom prst="rect">
+            <a:avLst/>
+          </a:prstGeom>
+          <a:noFill/>
+          <a:ln>
+            <a:noFill/>
+          </a:ln>
+        </p:spPr>
+      </p:pic>
+      <p:sp>
+        <p:nvSpPr>
+          <p:cNvPr id="3" name="TextBox 2"/>
+          <p:cNvSpPr txBox="1"/>
+          <p:nvPr/>
+        </p:nvSpPr>
+        <p:spPr>
+          <a:xfrm>
+            <a:off x="2819400" y="5276849"/>
+            <a:ext cx="5867400" cy="584775"/>
+          </a:xfrm>
+          <a:prstGeom prst="rect">
+            <a:avLst/>
+          </a:prstGeom>
+          <a:noFill/>
+        </p:spPr>
+        <p:txBody>
+          <a:bodyPr wrap="square" rtlCol="0">
+            <a:spAutoFit/>
+          </a:bodyPr>
+          <a:lstStyle/>
+          <a:p>
+            <a:r>
+              <a:rPr lang="en-US" sz="3200" dirty="0">
+                <a:solidFill>
+                  <a:srgbClr val="7030A0"/>
+                </a:solidFill>
+                <a:latin typeface="Segoe UI Light" pitchFamily="34" charset="0"/>
+                <a:cs typeface="Segoe UI Light" pitchFamily="34" charset="0"/>
+              </a:rPr>
+              <a:t>Agile Development Model</a:t>
+            </a:r>
+          </a:p>
+        </p:txBody>
+      </p:sp>
+      <p:sp>
+        <p:nvSpPr>
+          <p:cNvPr id="4" name="Rectangle 3"/>
+          <p:cNvSpPr/>
+          <p:nvPr/>
+        </p:nvSpPr>
+        <p:spPr>
+          <a:xfrm>
+            <a:off x="0" y="0"/>
+            <a:ext cx="1828800" cy="6858000"/>
+          </a:xfrm>
+          <a:prstGeom prst="rect">
+            <a:avLst/>
+          </a:prstGeom>
+          <a:solidFill>
+            <a:schemeClr val="bg1">
+              <a:lumMod val="95000"/>
+            </a:schemeClr>
+          </a:solidFill>
+          <a:ln>
+            <a:noFill/>
+          </a:ln>
+        </p:spPr>
+        <p:style>
+          <a:lnRef idx="2">
+            <a:schemeClr val="accent1">
+              <a:shade val="50000"/>
+            </a:schemeClr>
+          </a:lnRef>
+          <a:fillRef idx="1">
+            <a:schemeClr val="accent1"/>
+          </a:fillRef>
+          <a:effectRef idx="0">
+            <a:schemeClr val="accent1"/>
+          </a:effectRef>
+          <a:fontRef idx="minor">
+            <a:schemeClr val="lt1"/>
+          </a:fontRef>
+        </p:style>
+        <p:txBody>
+          <a:bodyPr rtlCol="0" anchor="ctr"/>
+          <a:lstStyle/>
+          <a:p>
+            <a:pPr algn="ctr"/>
+            <a:endParaRPr lang="en-US"/>
+          </a:p>
+        </p:txBody>
+      </p:sp>
+      <p:pic>
+        <p:nvPicPr>
+          <p:cNvPr id="6" name="Picture 5" descr="C:\Users\iLucas\Desktop\logo_fpt_university_doc copy.png"/>
+          <p:cNvPicPr>
+            <a:picLocks noChangeAspect="1" noChangeArrowheads="1"/>
+          </p:cNvPicPr>
+          <p:nvPr/>
+        </p:nvPicPr>
+        <p:blipFill>
+          <a:blip r:embed="rId3" cstate="print">
+            <a:extLst>
+              <a:ext uri="{28A0092B-C50C-407E-A947-70E740481C1C}">
+                <a14:useLocalDpi xmlns:a14="http://schemas.microsoft.com/office/drawing/2010/main" val="0"/>
+              </a:ext>
+            </a:extLst>
+          </a:blip>
+          <a:srcRect/>
+          <a:stretch>
+            <a:fillRect/>
+          </a:stretch>
+        </p:blipFill>
+        <p:spPr bwMode="auto">
+          <a:xfrm>
+            <a:off x="415580" y="66329"/>
+            <a:ext cx="997640" cy="773302"/>
+          </a:xfrm>
+          <a:prstGeom prst="rect">
+            <a:avLst/>
+          </a:prstGeom>
+          <a:noFill/>
+          <a:extLst>
+            <a:ext uri="{909E8E84-426E-40DD-AFC4-6F175D3DCCD1}">
+              <a14:hiddenFill xmlns:a14="http://schemas.microsoft.com/office/drawing/2010/main">
+                <a:solidFill>
+                  <a:srgbClr val="FFFFFF"/>
+                </a:solidFill>
+              </a14:hiddenFill>
+            </a:ext>
+          </a:extLst>
+        </p:spPr>
+      </p:pic>
     </p:spTree>
     <p:extLst>
       <p:ext uri="{BB962C8B-B14F-4D97-AF65-F5344CB8AC3E}">
@@ -18520,7 +21584,7 @@
   <a:themeElements>
     <a:clrScheme name="Opulent">
       <a:dk1>
-        <a:sysClr val="windowText" lastClr="464646"/>
+        <a:sysClr val="windowText" lastClr="000000"/>
       </a:dk1>
       <a:lt1>
         <a:sysClr val="window" lastClr="FFFFFF"/>
@@ -18805,7 +21869,7 @@
   <a:themeElements>
     <a:clrScheme name="Office">
       <a:dk1>
-        <a:sysClr val="windowText" lastClr="464646"/>
+        <a:sysClr val="windowText" lastClr="000000"/>
       </a:dk1>
       <a:lt1>
         <a:sysClr val="window" lastClr="FFFFFF"/>

--- a/Document/Present.pptx
+++ b/Document/Present.pptx
@@ -212,7 +212,7 @@
           <a:p>
             <a:fld id="{5F3C816B-6264-4CFF-B007-776089C8006A}" type="datetimeFigureOut">
               <a:rPr lang="en-US" smtClean="0"/>
-              <a:t>8/24/2013</a:t>
+              <a:t>8/25/2013</a:t>
             </a:fld>
             <a:endParaRPr lang="en-US"/>
           </a:p>
@@ -661,7 +661,7 @@
           <a:p>
             <a:fld id="{8262F83D-21AC-4462-A57F-A062BBC2BA25}" type="datetimeFigureOut">
               <a:rPr lang="en-US" smtClean="0"/>
-              <a:t>8/24/2013</a:t>
+              <a:t>8/25/2013</a:t>
             </a:fld>
             <a:endParaRPr lang="en-US"/>
           </a:p>
@@ -831,7 +831,7 @@
           <a:p>
             <a:fld id="{8262F83D-21AC-4462-A57F-A062BBC2BA25}" type="datetimeFigureOut">
               <a:rPr lang="en-US" smtClean="0"/>
-              <a:t>8/24/2013</a:t>
+              <a:t>8/25/2013</a:t>
             </a:fld>
             <a:endParaRPr lang="en-US"/>
           </a:p>
@@ -1011,7 +1011,7 @@
           <a:p>
             <a:fld id="{8262F83D-21AC-4462-A57F-A062BBC2BA25}" type="datetimeFigureOut">
               <a:rPr lang="en-US" smtClean="0"/>
-              <a:t>8/24/2013</a:t>
+              <a:t>8/25/2013</a:t>
             </a:fld>
             <a:endParaRPr lang="en-US"/>
           </a:p>
@@ -1181,7 +1181,7 @@
           <a:p>
             <a:fld id="{8262F83D-21AC-4462-A57F-A062BBC2BA25}" type="datetimeFigureOut">
               <a:rPr lang="en-US" smtClean="0"/>
-              <a:t>8/24/2013</a:t>
+              <a:t>8/25/2013</a:t>
             </a:fld>
             <a:endParaRPr lang="en-US"/>
           </a:p>
@@ -1427,7 +1427,7 @@
           <a:p>
             <a:fld id="{8262F83D-21AC-4462-A57F-A062BBC2BA25}" type="datetimeFigureOut">
               <a:rPr lang="en-US" smtClean="0"/>
-              <a:t>8/24/2013</a:t>
+              <a:t>8/25/2013</a:t>
             </a:fld>
             <a:endParaRPr lang="en-US"/>
           </a:p>
@@ -1715,7 +1715,7 @@
           <a:p>
             <a:fld id="{8262F83D-21AC-4462-A57F-A062BBC2BA25}" type="datetimeFigureOut">
               <a:rPr lang="en-US" smtClean="0"/>
-              <a:t>8/24/2013</a:t>
+              <a:t>8/25/2013</a:t>
             </a:fld>
             <a:endParaRPr lang="en-US"/>
           </a:p>
@@ -2137,7 +2137,7 @@
           <a:p>
             <a:fld id="{8262F83D-21AC-4462-A57F-A062BBC2BA25}" type="datetimeFigureOut">
               <a:rPr lang="en-US" smtClean="0"/>
-              <a:t>8/24/2013</a:t>
+              <a:t>8/25/2013</a:t>
             </a:fld>
             <a:endParaRPr lang="en-US"/>
           </a:p>
@@ -2272,7 +2272,7 @@
           <a:p>
             <a:fld id="{8262F83D-21AC-4462-A57F-A062BBC2BA25}" type="datetimeFigureOut">
               <a:rPr lang="en-US" smtClean="0"/>
-              <a:t>8/24/2013</a:t>
+              <a:t>8/25/2013</a:t>
             </a:fld>
             <a:endParaRPr lang="en-US"/>
           </a:p>
@@ -2367,7 +2367,7 @@
           <a:p>
             <a:fld id="{8262F83D-21AC-4462-A57F-A062BBC2BA25}" type="datetimeFigureOut">
               <a:rPr lang="en-US" smtClean="0"/>
-              <a:t>8/24/2013</a:t>
+              <a:t>8/25/2013</a:t>
             </a:fld>
             <a:endParaRPr lang="en-US"/>
           </a:p>
@@ -2644,7 +2644,7 @@
           <a:p>
             <a:fld id="{8262F83D-21AC-4462-A57F-A062BBC2BA25}" type="datetimeFigureOut">
               <a:rPr lang="en-US" smtClean="0"/>
-              <a:t>8/24/2013</a:t>
+              <a:t>8/25/2013</a:t>
             </a:fld>
             <a:endParaRPr lang="en-US"/>
           </a:p>
@@ -2897,7 +2897,7 @@
           <a:p>
             <a:fld id="{8262F83D-21AC-4462-A57F-A062BBC2BA25}" type="datetimeFigureOut">
               <a:rPr lang="en-US" smtClean="0"/>
-              <a:t>8/24/2013</a:t>
+              <a:t>8/25/2013</a:t>
             </a:fld>
             <a:endParaRPr lang="en-US"/>
           </a:p>
@@ -3110,7 +3110,7 @@
           <a:p>
             <a:fld id="{8262F83D-21AC-4462-A57F-A062BBC2BA25}" type="datetimeFigureOut">
               <a:rPr lang="en-US" smtClean="0"/>
-              <a:t>8/24/2013</a:t>
+              <a:t>8/25/2013</a:t>
             </a:fld>
             <a:endParaRPr lang="en-US"/>
           </a:p>
@@ -3647,7 +3647,7 @@
           <a:lstStyle/>
           <a:p>
             <a:r>
-              <a:rPr lang="en-US" sz="2000" b="1" dirty="0">
+              <a:rPr lang="en-US" sz="2000" b="1" smtClean="0">
                 <a:solidFill>
                   <a:schemeClr val="bg1"/>
                 </a:solidFill>
@@ -3655,7 +3655,7 @@
                 <a:ea typeface="+mj-ea"/>
                 <a:cs typeface="Segoe UI Light" panose="020B0502040204020203" pitchFamily="34" charset="0"/>
               </a:rPr>
-              <a:t>Super Visor</a:t>
+              <a:t>Supervisor</a:t>
             </a:r>
             <a:r>
               <a:rPr lang="en-US" sz="2000" b="1" dirty="0" smtClean="0">

--- a/Document/Present.pptx
+++ b/Document/Present.pptx
@@ -19,7 +19,7 @@
     <p:sldId id="265" r:id="rId10"/>
     <p:sldId id="278" r:id="rId11"/>
     <p:sldId id="279" r:id="rId12"/>
-    <p:sldId id="280" r:id="rId13"/>
+    <p:sldId id="284" r:id="rId13"/>
     <p:sldId id="281" r:id="rId14"/>
     <p:sldId id="268" r:id="rId15"/>
     <p:sldId id="273" r:id="rId16"/>
@@ -126,7 +126,3674 @@
       </a:defRPr>
     </a:lvl9pPr>
   </p:defaultTextStyle>
+  <p:extLst>
+    <p:ext uri="{EFAFB233-063F-42B5-8137-9DF3F51BA10A}">
+      <p15:sldGuideLst xmlns:p15="http://schemas.microsoft.com/office/powerpoint/2012/main">
+        <p15:guide id="1" orient="horz" pos="2160">
+          <p15:clr>
+            <a:srgbClr val="A4A3A4"/>
+          </p15:clr>
+        </p15:guide>
+        <p15:guide id="2" pos="2880">
+          <p15:clr>
+            <a:srgbClr val="A4A3A4"/>
+          </p15:clr>
+        </p15:guide>
+      </p15:sldGuideLst>
+    </p:ext>
+  </p:extLst>
 </p:presentation>
+</file>
+
+<file path=ppt/diagrams/colors1.xml><?xml version="1.0" encoding="utf-8"?>
+<dgm:colorsDef xmlns:dgm="http://schemas.openxmlformats.org/drawingml/2006/diagram" xmlns:a="http://schemas.openxmlformats.org/drawingml/2006/main" uniqueId="urn:microsoft.com/office/officeart/2005/8/colors/accent1_2">
+  <dgm:title val=""/>
+  <dgm:desc val=""/>
+  <dgm:catLst>
+    <dgm:cat type="accent1" pri="11200"/>
+  </dgm:catLst>
+  <dgm:styleLbl name="node0">
+    <dgm:fillClrLst meth="repeat">
+      <a:schemeClr val="accent1"/>
+    </dgm:fillClrLst>
+    <dgm:linClrLst meth="repeat">
+      <a:schemeClr val="lt1"/>
+    </dgm:linClrLst>
+    <dgm:effectClrLst/>
+    <dgm:txLinClrLst/>
+    <dgm:txFillClrLst/>
+    <dgm:txEffectClrLst/>
+  </dgm:styleLbl>
+  <dgm:styleLbl name="alignNode1">
+    <dgm:fillClrLst meth="repeat">
+      <a:schemeClr val="accent1"/>
+    </dgm:fillClrLst>
+    <dgm:linClrLst meth="repeat">
+      <a:schemeClr val="accent1"/>
+    </dgm:linClrLst>
+    <dgm:effectClrLst/>
+    <dgm:txLinClrLst/>
+    <dgm:txFillClrLst/>
+    <dgm:txEffectClrLst/>
+  </dgm:styleLbl>
+  <dgm:styleLbl name="node1">
+    <dgm:fillClrLst meth="repeat">
+      <a:schemeClr val="accent1"/>
+    </dgm:fillClrLst>
+    <dgm:linClrLst meth="repeat">
+      <a:schemeClr val="lt1"/>
+    </dgm:linClrLst>
+    <dgm:effectClrLst/>
+    <dgm:txLinClrLst/>
+    <dgm:txFillClrLst/>
+    <dgm:txEffectClrLst/>
+  </dgm:styleLbl>
+  <dgm:styleLbl name="lnNode1">
+    <dgm:fillClrLst meth="repeat">
+      <a:schemeClr val="accent1"/>
+    </dgm:fillClrLst>
+    <dgm:linClrLst meth="repeat">
+      <a:schemeClr val="lt1"/>
+    </dgm:linClrLst>
+    <dgm:effectClrLst/>
+    <dgm:txLinClrLst/>
+    <dgm:txFillClrLst/>
+    <dgm:txEffectClrLst/>
+  </dgm:styleLbl>
+  <dgm:styleLbl name="vennNode1">
+    <dgm:fillClrLst meth="repeat">
+      <a:schemeClr val="accent1">
+        <a:alpha val="50000"/>
+      </a:schemeClr>
+    </dgm:fillClrLst>
+    <dgm:linClrLst meth="repeat">
+      <a:schemeClr val="lt1"/>
+    </dgm:linClrLst>
+    <dgm:effectClrLst/>
+    <dgm:txLinClrLst/>
+    <dgm:txFillClrLst/>
+    <dgm:txEffectClrLst/>
+  </dgm:styleLbl>
+  <dgm:styleLbl name="node2">
+    <dgm:fillClrLst meth="repeat">
+      <a:schemeClr val="accent1"/>
+    </dgm:fillClrLst>
+    <dgm:linClrLst meth="repeat">
+      <a:schemeClr val="lt1"/>
+    </dgm:linClrLst>
+    <dgm:effectClrLst/>
+    <dgm:txLinClrLst/>
+    <dgm:txFillClrLst/>
+    <dgm:txEffectClrLst/>
+  </dgm:styleLbl>
+  <dgm:styleLbl name="node3">
+    <dgm:fillClrLst meth="repeat">
+      <a:schemeClr val="accent1"/>
+    </dgm:fillClrLst>
+    <dgm:linClrLst meth="repeat">
+      <a:schemeClr val="lt1"/>
+    </dgm:linClrLst>
+    <dgm:effectClrLst/>
+    <dgm:txLinClrLst/>
+    <dgm:txFillClrLst/>
+    <dgm:txEffectClrLst/>
+  </dgm:styleLbl>
+  <dgm:styleLbl name="node4">
+    <dgm:fillClrLst meth="repeat">
+      <a:schemeClr val="accent1"/>
+    </dgm:fillClrLst>
+    <dgm:linClrLst meth="repeat">
+      <a:schemeClr val="lt1"/>
+    </dgm:linClrLst>
+    <dgm:effectClrLst/>
+    <dgm:txLinClrLst/>
+    <dgm:txFillClrLst/>
+    <dgm:txEffectClrLst/>
+  </dgm:styleLbl>
+  <dgm:styleLbl name="fgImgPlace1">
+    <dgm:fillClrLst meth="repeat">
+      <a:schemeClr val="accent1">
+        <a:tint val="50000"/>
+      </a:schemeClr>
+    </dgm:fillClrLst>
+    <dgm:linClrLst meth="repeat">
+      <a:schemeClr val="lt1"/>
+    </dgm:linClrLst>
+    <dgm:effectClrLst/>
+    <dgm:txLinClrLst/>
+    <dgm:txFillClrLst meth="repeat">
+      <a:schemeClr val="lt1"/>
+    </dgm:txFillClrLst>
+    <dgm:txEffectClrLst/>
+  </dgm:styleLbl>
+  <dgm:styleLbl name="alignImgPlace1">
+    <dgm:fillClrLst meth="repeat">
+      <a:schemeClr val="accent1">
+        <a:tint val="50000"/>
+      </a:schemeClr>
+    </dgm:fillClrLst>
+    <dgm:linClrLst meth="repeat">
+      <a:schemeClr val="lt1"/>
+    </dgm:linClrLst>
+    <dgm:effectClrLst/>
+    <dgm:txLinClrLst/>
+    <dgm:txFillClrLst meth="repeat">
+      <a:schemeClr val="lt1"/>
+    </dgm:txFillClrLst>
+    <dgm:txEffectClrLst/>
+  </dgm:styleLbl>
+  <dgm:styleLbl name="bgImgPlace1">
+    <dgm:fillClrLst meth="repeat">
+      <a:schemeClr val="accent1">
+        <a:tint val="50000"/>
+      </a:schemeClr>
+    </dgm:fillClrLst>
+    <dgm:linClrLst meth="repeat">
+      <a:schemeClr val="lt1"/>
+    </dgm:linClrLst>
+    <dgm:effectClrLst/>
+    <dgm:txLinClrLst/>
+    <dgm:txFillClrLst meth="repeat">
+      <a:schemeClr val="lt1"/>
+    </dgm:txFillClrLst>
+    <dgm:txEffectClrLst/>
+  </dgm:styleLbl>
+  <dgm:styleLbl name="sibTrans2D1">
+    <dgm:fillClrLst meth="repeat">
+      <a:schemeClr val="accent1">
+        <a:tint val="60000"/>
+      </a:schemeClr>
+    </dgm:fillClrLst>
+    <dgm:linClrLst meth="repeat">
+      <a:schemeClr val="accent1">
+        <a:tint val="60000"/>
+      </a:schemeClr>
+    </dgm:linClrLst>
+    <dgm:effectClrLst/>
+    <dgm:txLinClrLst/>
+    <dgm:txFillClrLst/>
+    <dgm:txEffectClrLst/>
+  </dgm:styleLbl>
+  <dgm:styleLbl name="fgSibTrans2D1">
+    <dgm:fillClrLst meth="repeat">
+      <a:schemeClr val="accent1">
+        <a:tint val="60000"/>
+      </a:schemeClr>
+    </dgm:fillClrLst>
+    <dgm:linClrLst meth="repeat">
+      <a:schemeClr val="accent1">
+        <a:tint val="60000"/>
+      </a:schemeClr>
+    </dgm:linClrLst>
+    <dgm:effectClrLst/>
+    <dgm:txLinClrLst/>
+    <dgm:txFillClrLst/>
+    <dgm:txEffectClrLst/>
+  </dgm:styleLbl>
+  <dgm:styleLbl name="bgSibTrans2D1">
+    <dgm:fillClrLst meth="repeat">
+      <a:schemeClr val="accent1">
+        <a:tint val="60000"/>
+      </a:schemeClr>
+    </dgm:fillClrLst>
+    <dgm:linClrLst meth="repeat">
+      <a:schemeClr val="accent1">
+        <a:tint val="60000"/>
+      </a:schemeClr>
+    </dgm:linClrLst>
+    <dgm:effectClrLst/>
+    <dgm:txLinClrLst/>
+    <dgm:txFillClrLst/>
+    <dgm:txEffectClrLst/>
+  </dgm:styleLbl>
+  <dgm:styleLbl name="sibTrans1D1">
+    <dgm:fillClrLst meth="repeat">
+      <a:schemeClr val="accent1"/>
+    </dgm:fillClrLst>
+    <dgm:linClrLst meth="repeat">
+      <a:schemeClr val="accent1"/>
+    </dgm:linClrLst>
+    <dgm:effectClrLst/>
+    <dgm:txLinClrLst/>
+    <dgm:txFillClrLst meth="repeat">
+      <a:schemeClr val="tx1"/>
+    </dgm:txFillClrLst>
+    <dgm:txEffectClrLst/>
+  </dgm:styleLbl>
+  <dgm:styleLbl name="callout">
+    <dgm:fillClrLst meth="repeat">
+      <a:schemeClr val="accent1"/>
+    </dgm:fillClrLst>
+    <dgm:linClrLst meth="repeat">
+      <a:schemeClr val="accent1">
+        <a:tint val="50000"/>
+      </a:schemeClr>
+    </dgm:linClrLst>
+    <dgm:effectClrLst/>
+    <dgm:txLinClrLst/>
+    <dgm:txFillClrLst meth="repeat">
+      <a:schemeClr val="tx1"/>
+    </dgm:txFillClrLst>
+    <dgm:txEffectClrLst/>
+  </dgm:styleLbl>
+  <dgm:styleLbl name="asst0">
+    <dgm:fillClrLst meth="repeat">
+      <a:schemeClr val="accent1"/>
+    </dgm:fillClrLst>
+    <dgm:linClrLst meth="repeat">
+      <a:schemeClr val="lt1"/>
+    </dgm:linClrLst>
+    <dgm:effectClrLst/>
+    <dgm:txLinClrLst/>
+    <dgm:txFillClrLst/>
+    <dgm:txEffectClrLst/>
+  </dgm:styleLbl>
+  <dgm:styleLbl name="asst1">
+    <dgm:fillClrLst meth="repeat">
+      <a:schemeClr val="accent1"/>
+    </dgm:fillClrLst>
+    <dgm:linClrLst meth="repeat">
+      <a:schemeClr val="lt1"/>
+    </dgm:linClrLst>
+    <dgm:effectClrLst/>
+    <dgm:txLinClrLst/>
+    <dgm:txFillClrLst/>
+    <dgm:txEffectClrLst/>
+  </dgm:styleLbl>
+  <dgm:styleLbl name="asst2">
+    <dgm:fillClrLst meth="repeat">
+      <a:schemeClr val="accent1"/>
+    </dgm:fillClrLst>
+    <dgm:linClrLst meth="repeat">
+      <a:schemeClr val="lt1"/>
+    </dgm:linClrLst>
+    <dgm:effectClrLst/>
+    <dgm:txLinClrLst/>
+    <dgm:txFillClrLst/>
+    <dgm:txEffectClrLst/>
+  </dgm:styleLbl>
+  <dgm:styleLbl name="asst3">
+    <dgm:fillClrLst meth="repeat">
+      <a:schemeClr val="accent1"/>
+    </dgm:fillClrLst>
+    <dgm:linClrLst meth="repeat">
+      <a:schemeClr val="lt1"/>
+    </dgm:linClrLst>
+    <dgm:effectClrLst/>
+    <dgm:txLinClrLst/>
+    <dgm:txFillClrLst/>
+    <dgm:txEffectClrLst/>
+  </dgm:styleLbl>
+  <dgm:styleLbl name="asst4">
+    <dgm:fillClrLst meth="repeat">
+      <a:schemeClr val="accent1"/>
+    </dgm:fillClrLst>
+    <dgm:linClrLst meth="repeat">
+      <a:schemeClr val="lt1"/>
+    </dgm:linClrLst>
+    <dgm:effectClrLst/>
+    <dgm:txLinClrLst/>
+    <dgm:txFillClrLst/>
+    <dgm:txEffectClrLst/>
+  </dgm:styleLbl>
+  <dgm:styleLbl name="parChTrans2D1">
+    <dgm:fillClrLst meth="repeat">
+      <a:schemeClr val="accent1">
+        <a:tint val="60000"/>
+      </a:schemeClr>
+    </dgm:fillClrLst>
+    <dgm:linClrLst meth="repeat">
+      <a:schemeClr val="accent1">
+        <a:tint val="60000"/>
+      </a:schemeClr>
+    </dgm:linClrLst>
+    <dgm:effectClrLst/>
+    <dgm:txLinClrLst/>
+    <dgm:txFillClrLst meth="repeat">
+      <a:schemeClr val="lt1"/>
+    </dgm:txFillClrLst>
+    <dgm:txEffectClrLst/>
+  </dgm:styleLbl>
+  <dgm:styleLbl name="parChTrans2D2">
+    <dgm:fillClrLst meth="repeat">
+      <a:schemeClr val="accent1"/>
+    </dgm:fillClrLst>
+    <dgm:linClrLst meth="repeat">
+      <a:schemeClr val="accent1"/>
+    </dgm:linClrLst>
+    <dgm:effectClrLst/>
+    <dgm:txLinClrLst/>
+    <dgm:txFillClrLst meth="repeat">
+      <a:schemeClr val="lt1"/>
+    </dgm:txFillClrLst>
+    <dgm:txEffectClrLst/>
+  </dgm:styleLbl>
+  <dgm:styleLbl name="parChTrans2D3">
+    <dgm:fillClrLst meth="repeat">
+      <a:schemeClr val="accent1"/>
+    </dgm:fillClrLst>
+    <dgm:linClrLst meth="repeat">
+      <a:schemeClr val="accent1"/>
+    </dgm:linClrLst>
+    <dgm:effectClrLst/>
+    <dgm:txLinClrLst/>
+    <dgm:txFillClrLst meth="repeat">
+      <a:schemeClr val="lt1"/>
+    </dgm:txFillClrLst>
+    <dgm:txEffectClrLst/>
+  </dgm:styleLbl>
+  <dgm:styleLbl name="parChTrans2D4">
+    <dgm:fillClrLst meth="repeat">
+      <a:schemeClr val="accent1"/>
+    </dgm:fillClrLst>
+    <dgm:linClrLst meth="repeat">
+      <a:schemeClr val="accent1"/>
+    </dgm:linClrLst>
+    <dgm:effectClrLst/>
+    <dgm:txLinClrLst/>
+    <dgm:txFillClrLst meth="repeat">
+      <a:schemeClr val="lt1"/>
+    </dgm:txFillClrLst>
+    <dgm:txEffectClrLst/>
+  </dgm:styleLbl>
+  <dgm:styleLbl name="parChTrans1D1">
+    <dgm:fillClrLst meth="repeat">
+      <a:schemeClr val="accent1"/>
+    </dgm:fillClrLst>
+    <dgm:linClrLst meth="repeat">
+      <a:schemeClr val="accent1">
+        <a:shade val="60000"/>
+      </a:schemeClr>
+    </dgm:linClrLst>
+    <dgm:effectClrLst/>
+    <dgm:txLinClrLst/>
+    <dgm:txFillClrLst meth="repeat">
+      <a:schemeClr val="tx1"/>
+    </dgm:txFillClrLst>
+    <dgm:txEffectClrLst/>
+  </dgm:styleLbl>
+  <dgm:styleLbl name="parChTrans1D2">
+    <dgm:fillClrLst meth="repeat">
+      <a:schemeClr val="accent1"/>
+    </dgm:fillClrLst>
+    <dgm:linClrLst meth="repeat">
+      <a:schemeClr val="accent1">
+        <a:shade val="60000"/>
+      </a:schemeClr>
+    </dgm:linClrLst>
+    <dgm:effectClrLst/>
+    <dgm:txLinClrLst/>
+    <dgm:txFillClrLst meth="repeat">
+      <a:schemeClr val="tx1"/>
+    </dgm:txFillClrLst>
+    <dgm:txEffectClrLst/>
+  </dgm:styleLbl>
+  <dgm:styleLbl name="parChTrans1D3">
+    <dgm:fillClrLst meth="repeat">
+      <a:schemeClr val="accent1"/>
+    </dgm:fillClrLst>
+    <dgm:linClrLst meth="repeat">
+      <a:schemeClr val="accent1">
+        <a:shade val="80000"/>
+      </a:schemeClr>
+    </dgm:linClrLst>
+    <dgm:effectClrLst/>
+    <dgm:txLinClrLst/>
+    <dgm:txFillClrLst meth="repeat">
+      <a:schemeClr val="tx1"/>
+    </dgm:txFillClrLst>
+    <dgm:txEffectClrLst/>
+  </dgm:styleLbl>
+  <dgm:styleLbl name="parChTrans1D4">
+    <dgm:fillClrLst meth="repeat">
+      <a:schemeClr val="accent1"/>
+    </dgm:fillClrLst>
+    <dgm:linClrLst meth="repeat">
+      <a:schemeClr val="accent1">
+        <a:shade val="80000"/>
+      </a:schemeClr>
+    </dgm:linClrLst>
+    <dgm:effectClrLst/>
+    <dgm:txLinClrLst/>
+    <dgm:txFillClrLst meth="repeat">
+      <a:schemeClr val="tx1"/>
+    </dgm:txFillClrLst>
+    <dgm:txEffectClrLst/>
+  </dgm:styleLbl>
+  <dgm:styleLbl name="fgAcc1">
+    <dgm:fillClrLst meth="repeat">
+      <a:schemeClr val="lt1">
+        <a:alpha val="90000"/>
+      </a:schemeClr>
+    </dgm:fillClrLst>
+    <dgm:linClrLst meth="repeat">
+      <a:schemeClr val="accent1"/>
+    </dgm:linClrLst>
+    <dgm:effectClrLst/>
+    <dgm:txLinClrLst/>
+    <dgm:txFillClrLst meth="repeat">
+      <a:schemeClr val="dk1"/>
+    </dgm:txFillClrLst>
+    <dgm:txEffectClrLst/>
+  </dgm:styleLbl>
+  <dgm:styleLbl name="conFgAcc1">
+    <dgm:fillClrLst meth="repeat">
+      <a:schemeClr val="lt1">
+        <a:alpha val="90000"/>
+      </a:schemeClr>
+    </dgm:fillClrLst>
+    <dgm:linClrLst meth="repeat">
+      <a:schemeClr val="accent1"/>
+    </dgm:linClrLst>
+    <dgm:effectClrLst/>
+    <dgm:txLinClrLst/>
+    <dgm:txFillClrLst meth="repeat">
+      <a:schemeClr val="dk1"/>
+    </dgm:txFillClrLst>
+    <dgm:txEffectClrLst/>
+  </dgm:styleLbl>
+  <dgm:styleLbl name="alignAcc1">
+    <dgm:fillClrLst meth="repeat">
+      <a:schemeClr val="lt1">
+        <a:alpha val="90000"/>
+      </a:schemeClr>
+    </dgm:fillClrLst>
+    <dgm:linClrLst meth="repeat">
+      <a:schemeClr val="accent1"/>
+    </dgm:linClrLst>
+    <dgm:effectClrLst/>
+    <dgm:txLinClrLst/>
+    <dgm:txFillClrLst meth="repeat">
+      <a:schemeClr val="dk1"/>
+    </dgm:txFillClrLst>
+    <dgm:txEffectClrLst/>
+  </dgm:styleLbl>
+  <dgm:styleLbl name="trAlignAcc1">
+    <dgm:fillClrLst meth="repeat">
+      <a:schemeClr val="lt1">
+        <a:alpha val="40000"/>
+      </a:schemeClr>
+    </dgm:fillClrLst>
+    <dgm:linClrLst meth="repeat">
+      <a:schemeClr val="accent1"/>
+    </dgm:linClrLst>
+    <dgm:effectClrLst/>
+    <dgm:txLinClrLst/>
+    <dgm:txFillClrLst meth="repeat">
+      <a:schemeClr val="dk1"/>
+    </dgm:txFillClrLst>
+    <dgm:txEffectClrLst/>
+  </dgm:styleLbl>
+  <dgm:styleLbl name="bgAcc1">
+    <dgm:fillClrLst meth="repeat">
+      <a:schemeClr val="lt1">
+        <a:alpha val="90000"/>
+      </a:schemeClr>
+    </dgm:fillClrLst>
+    <dgm:linClrLst meth="repeat">
+      <a:schemeClr val="accent1"/>
+    </dgm:linClrLst>
+    <dgm:effectClrLst/>
+    <dgm:txLinClrLst/>
+    <dgm:txFillClrLst meth="repeat">
+      <a:schemeClr val="dk1"/>
+    </dgm:txFillClrLst>
+    <dgm:txEffectClrLst/>
+  </dgm:styleLbl>
+  <dgm:styleLbl name="solidFgAcc1">
+    <dgm:fillClrLst meth="repeat">
+      <a:schemeClr val="lt1"/>
+    </dgm:fillClrLst>
+    <dgm:linClrLst meth="repeat">
+      <a:schemeClr val="accent1"/>
+    </dgm:linClrLst>
+    <dgm:effectClrLst/>
+    <dgm:txLinClrLst/>
+    <dgm:txFillClrLst meth="repeat">
+      <a:schemeClr val="dk1"/>
+    </dgm:txFillClrLst>
+    <dgm:txEffectClrLst/>
+  </dgm:styleLbl>
+  <dgm:styleLbl name="solidAlignAcc1">
+    <dgm:fillClrLst meth="repeat">
+      <a:schemeClr val="lt1"/>
+    </dgm:fillClrLst>
+    <dgm:linClrLst meth="repeat">
+      <a:schemeClr val="accent1"/>
+    </dgm:linClrLst>
+    <dgm:effectClrLst/>
+    <dgm:txLinClrLst/>
+    <dgm:txFillClrLst meth="repeat">
+      <a:schemeClr val="dk1"/>
+    </dgm:txFillClrLst>
+    <dgm:txEffectClrLst/>
+  </dgm:styleLbl>
+  <dgm:styleLbl name="solidBgAcc1">
+    <dgm:fillClrLst meth="repeat">
+      <a:schemeClr val="lt1"/>
+    </dgm:fillClrLst>
+    <dgm:linClrLst meth="repeat">
+      <a:schemeClr val="accent1"/>
+    </dgm:linClrLst>
+    <dgm:effectClrLst/>
+    <dgm:txLinClrLst/>
+    <dgm:txFillClrLst meth="repeat">
+      <a:schemeClr val="dk1"/>
+    </dgm:txFillClrLst>
+    <dgm:txEffectClrLst/>
+  </dgm:styleLbl>
+  <dgm:styleLbl name="fgAccFollowNode1">
+    <dgm:fillClrLst meth="repeat">
+      <a:schemeClr val="accent1">
+        <a:alpha val="90000"/>
+        <a:tint val="40000"/>
+      </a:schemeClr>
+    </dgm:fillClrLst>
+    <dgm:linClrLst meth="repeat">
+      <a:schemeClr val="accent1">
+        <a:alpha val="90000"/>
+        <a:tint val="40000"/>
+      </a:schemeClr>
+    </dgm:linClrLst>
+    <dgm:effectClrLst/>
+    <dgm:txLinClrLst/>
+    <dgm:txFillClrLst meth="repeat">
+      <a:schemeClr val="dk1"/>
+    </dgm:txFillClrLst>
+    <dgm:txEffectClrLst/>
+  </dgm:styleLbl>
+  <dgm:styleLbl name="alignAccFollowNode1">
+    <dgm:fillClrLst meth="repeat">
+      <a:schemeClr val="accent1">
+        <a:alpha val="90000"/>
+        <a:tint val="40000"/>
+      </a:schemeClr>
+    </dgm:fillClrLst>
+    <dgm:linClrLst meth="repeat">
+      <a:schemeClr val="accent1">
+        <a:alpha val="90000"/>
+        <a:tint val="40000"/>
+      </a:schemeClr>
+    </dgm:linClrLst>
+    <dgm:effectClrLst/>
+    <dgm:txLinClrLst/>
+    <dgm:txFillClrLst meth="repeat">
+      <a:schemeClr val="dk1"/>
+    </dgm:txFillClrLst>
+    <dgm:txEffectClrLst/>
+  </dgm:styleLbl>
+  <dgm:styleLbl name="bgAccFollowNode1">
+    <dgm:fillClrLst meth="repeat">
+      <a:schemeClr val="accent1">
+        <a:alpha val="90000"/>
+        <a:tint val="40000"/>
+      </a:schemeClr>
+    </dgm:fillClrLst>
+    <dgm:linClrLst meth="repeat">
+      <a:schemeClr val="accent1">
+        <a:alpha val="90000"/>
+        <a:tint val="40000"/>
+      </a:schemeClr>
+    </dgm:linClrLst>
+    <dgm:effectClrLst/>
+    <dgm:txLinClrLst/>
+    <dgm:txFillClrLst meth="repeat">
+      <a:schemeClr val="dk1"/>
+    </dgm:txFillClrLst>
+    <dgm:txEffectClrLst/>
+  </dgm:styleLbl>
+  <dgm:styleLbl name="fgAcc0">
+    <dgm:fillClrLst meth="repeat">
+      <a:schemeClr val="lt1">
+        <a:alpha val="90000"/>
+      </a:schemeClr>
+    </dgm:fillClrLst>
+    <dgm:linClrLst meth="repeat">
+      <a:schemeClr val="accent1"/>
+    </dgm:linClrLst>
+    <dgm:effectClrLst/>
+    <dgm:txLinClrLst/>
+    <dgm:txFillClrLst meth="repeat">
+      <a:schemeClr val="dk1"/>
+    </dgm:txFillClrLst>
+    <dgm:txEffectClrLst/>
+  </dgm:styleLbl>
+  <dgm:styleLbl name="fgAcc2">
+    <dgm:fillClrLst meth="repeat">
+      <a:schemeClr val="lt1">
+        <a:alpha val="90000"/>
+      </a:schemeClr>
+    </dgm:fillClrLst>
+    <dgm:linClrLst meth="repeat">
+      <a:schemeClr val="accent1"/>
+    </dgm:linClrLst>
+    <dgm:effectClrLst/>
+    <dgm:txLinClrLst/>
+    <dgm:txFillClrLst meth="repeat">
+      <a:schemeClr val="dk1"/>
+    </dgm:txFillClrLst>
+    <dgm:txEffectClrLst/>
+  </dgm:styleLbl>
+  <dgm:styleLbl name="fgAcc3">
+    <dgm:fillClrLst meth="repeat">
+      <a:schemeClr val="lt1">
+        <a:alpha val="90000"/>
+      </a:schemeClr>
+    </dgm:fillClrLst>
+    <dgm:linClrLst meth="repeat">
+      <a:schemeClr val="accent1"/>
+    </dgm:linClrLst>
+    <dgm:effectClrLst/>
+    <dgm:txLinClrLst/>
+    <dgm:txFillClrLst meth="repeat">
+      <a:schemeClr val="dk1"/>
+    </dgm:txFillClrLst>
+    <dgm:txEffectClrLst/>
+  </dgm:styleLbl>
+  <dgm:styleLbl name="fgAcc4">
+    <dgm:fillClrLst meth="repeat">
+      <a:schemeClr val="lt1">
+        <a:alpha val="90000"/>
+      </a:schemeClr>
+    </dgm:fillClrLst>
+    <dgm:linClrLst meth="repeat">
+      <a:schemeClr val="accent1"/>
+    </dgm:linClrLst>
+    <dgm:effectClrLst/>
+    <dgm:txLinClrLst/>
+    <dgm:txFillClrLst meth="repeat">
+      <a:schemeClr val="dk1"/>
+    </dgm:txFillClrLst>
+    <dgm:txEffectClrLst/>
+  </dgm:styleLbl>
+  <dgm:styleLbl name="bgShp">
+    <dgm:fillClrLst meth="repeat">
+      <a:schemeClr val="accent1">
+        <a:tint val="40000"/>
+      </a:schemeClr>
+    </dgm:fillClrLst>
+    <dgm:linClrLst meth="repeat">
+      <a:schemeClr val="accent1"/>
+    </dgm:linClrLst>
+    <dgm:effectClrLst/>
+    <dgm:txLinClrLst/>
+    <dgm:txFillClrLst meth="repeat">
+      <a:schemeClr val="dk1"/>
+    </dgm:txFillClrLst>
+    <dgm:txEffectClrLst/>
+  </dgm:styleLbl>
+  <dgm:styleLbl name="dkBgShp">
+    <dgm:fillClrLst meth="repeat">
+      <a:schemeClr val="accent1">
+        <a:shade val="80000"/>
+      </a:schemeClr>
+    </dgm:fillClrLst>
+    <dgm:linClrLst meth="repeat">
+      <a:schemeClr val="accent1"/>
+    </dgm:linClrLst>
+    <dgm:effectClrLst/>
+    <dgm:txLinClrLst/>
+    <dgm:txFillClrLst meth="repeat">
+      <a:schemeClr val="lt1"/>
+    </dgm:txFillClrLst>
+    <dgm:txEffectClrLst/>
+  </dgm:styleLbl>
+  <dgm:styleLbl name="trBgShp">
+    <dgm:fillClrLst meth="repeat">
+      <a:schemeClr val="accent1">
+        <a:tint val="50000"/>
+        <a:alpha val="40000"/>
+      </a:schemeClr>
+    </dgm:fillClrLst>
+    <dgm:linClrLst meth="repeat">
+      <a:schemeClr val="accent1"/>
+    </dgm:linClrLst>
+    <dgm:effectClrLst/>
+    <dgm:txLinClrLst/>
+    <dgm:txFillClrLst meth="repeat">
+      <a:schemeClr val="lt1"/>
+    </dgm:txFillClrLst>
+    <dgm:txEffectClrLst/>
+  </dgm:styleLbl>
+  <dgm:styleLbl name="fgShp">
+    <dgm:fillClrLst meth="repeat">
+      <a:schemeClr val="accent1">
+        <a:tint val="60000"/>
+      </a:schemeClr>
+    </dgm:fillClrLst>
+    <dgm:linClrLst meth="repeat">
+      <a:schemeClr val="lt1"/>
+    </dgm:linClrLst>
+    <dgm:effectClrLst/>
+    <dgm:txLinClrLst/>
+    <dgm:txFillClrLst meth="repeat">
+      <a:schemeClr val="dk1"/>
+    </dgm:txFillClrLst>
+    <dgm:txEffectClrLst/>
+  </dgm:styleLbl>
+  <dgm:styleLbl name="revTx">
+    <dgm:fillClrLst meth="repeat">
+      <a:schemeClr val="lt1">
+        <a:alpha val="0"/>
+      </a:schemeClr>
+    </dgm:fillClrLst>
+    <dgm:linClrLst meth="repeat">
+      <a:schemeClr val="dk1">
+        <a:alpha val="0"/>
+      </a:schemeClr>
+    </dgm:linClrLst>
+    <dgm:effectClrLst/>
+    <dgm:txLinClrLst/>
+    <dgm:txFillClrLst meth="repeat">
+      <a:schemeClr val="tx1"/>
+    </dgm:txFillClrLst>
+    <dgm:txEffectClrLst/>
+  </dgm:styleLbl>
+</dgm:colorsDef>
+</file>
+
+<file path=ppt/diagrams/data1.xml><?xml version="1.0" encoding="utf-8"?>
+<dgm:dataModel xmlns:dgm="http://schemas.openxmlformats.org/drawingml/2006/diagram" xmlns:a="http://schemas.openxmlformats.org/drawingml/2006/main">
+  <dgm:ptLst>
+    <dgm:pt modelId="{EE37044E-EFF3-4DF6-B49C-FEA04D079868}" type="doc">
+      <dgm:prSet loTypeId="urn:microsoft.com/office/officeart/2005/8/layout/vProcess5" loCatId="process" qsTypeId="urn:microsoft.com/office/officeart/2005/8/quickstyle/simple1" qsCatId="simple" csTypeId="urn:microsoft.com/office/officeart/2005/8/colors/accent1_2" csCatId="accent1" phldr="1"/>
+      <dgm:spPr/>
+      <dgm:t>
+        <a:bodyPr/>
+        <a:lstStyle/>
+        <a:p>
+          <a:endParaRPr lang="en-US"/>
+        </a:p>
+      </dgm:t>
+    </dgm:pt>
+    <dgm:pt modelId="{5362BC90-88AA-45F4-82DF-65A3974733C2}">
+      <dgm:prSet phldrT="[Text]"/>
+      <dgm:spPr/>
+      <dgm:t>
+        <a:bodyPr/>
+        <a:lstStyle/>
+        <a:p>
+          <a:r>
+            <a:rPr lang="en-US" dirty="0" smtClean="0"/>
+            <a:t> </a:t>
+          </a:r>
+          <a:endParaRPr lang="en-US" dirty="0"/>
+        </a:p>
+      </dgm:t>
+    </dgm:pt>
+    <dgm:pt modelId="{534118D6-B64B-440B-8FCB-19D53615CB7D}" type="parTrans" cxnId="{BA682020-3A35-424A-BEF5-EC2A1A8B3EAB}">
+      <dgm:prSet/>
+      <dgm:spPr/>
+      <dgm:t>
+        <a:bodyPr/>
+        <a:lstStyle/>
+        <a:p>
+          <a:endParaRPr lang="en-US"/>
+        </a:p>
+      </dgm:t>
+    </dgm:pt>
+    <dgm:pt modelId="{A902485B-4D9E-468D-B7AA-FF268092F514}" type="sibTrans" cxnId="{BA682020-3A35-424A-BEF5-EC2A1A8B3EAB}">
+      <dgm:prSet/>
+      <dgm:spPr/>
+      <dgm:t>
+        <a:bodyPr/>
+        <a:lstStyle/>
+        <a:p>
+          <a:endParaRPr lang="en-US"/>
+        </a:p>
+      </dgm:t>
+    </dgm:pt>
+    <dgm:pt modelId="{927FBEA3-6E7C-4CCC-913E-477BAB727F5E}">
+      <dgm:prSet phldrT="[Text]"/>
+      <dgm:spPr/>
+      <dgm:t>
+        <a:bodyPr/>
+        <a:lstStyle/>
+        <a:p>
+          <a:r>
+            <a:rPr lang="en-US" dirty="0" smtClean="0"/>
+            <a:t> </a:t>
+          </a:r>
+          <a:endParaRPr lang="en-US" dirty="0"/>
+        </a:p>
+      </dgm:t>
+    </dgm:pt>
+    <dgm:pt modelId="{63DBCCBD-49A4-4793-A493-70266EECA829}" type="parTrans" cxnId="{5B1D74B4-2883-429C-A163-A01447E81514}">
+      <dgm:prSet/>
+      <dgm:spPr/>
+      <dgm:t>
+        <a:bodyPr/>
+        <a:lstStyle/>
+        <a:p>
+          <a:endParaRPr lang="en-US"/>
+        </a:p>
+      </dgm:t>
+    </dgm:pt>
+    <dgm:pt modelId="{FC57BE35-DAC4-4C1A-9FDF-1B9C00AFAD47}" type="sibTrans" cxnId="{5B1D74B4-2883-429C-A163-A01447E81514}">
+      <dgm:prSet/>
+      <dgm:spPr/>
+      <dgm:t>
+        <a:bodyPr/>
+        <a:lstStyle/>
+        <a:p>
+          <a:endParaRPr lang="en-US" dirty="0"/>
+        </a:p>
+      </dgm:t>
+    </dgm:pt>
+    <dgm:pt modelId="{264ABED8-1839-418F-B93D-881EF94A15F4}">
+      <dgm:prSet phldrT="[Text]"/>
+      <dgm:spPr/>
+      <dgm:t>
+        <a:bodyPr/>
+        <a:lstStyle/>
+        <a:p>
+          <a:r>
+            <a:rPr lang="en-US" dirty="0" smtClean="0"/>
+            <a:t> </a:t>
+          </a:r>
+          <a:endParaRPr lang="en-US" dirty="0"/>
+        </a:p>
+      </dgm:t>
+    </dgm:pt>
+    <dgm:pt modelId="{E172869D-9A01-4C5D-8B1C-1E8D89445367}" type="parTrans" cxnId="{C338E549-FABC-475A-BBDF-7A82D33F0E01}">
+      <dgm:prSet/>
+      <dgm:spPr/>
+      <dgm:t>
+        <a:bodyPr/>
+        <a:lstStyle/>
+        <a:p>
+          <a:endParaRPr lang="en-US"/>
+        </a:p>
+      </dgm:t>
+    </dgm:pt>
+    <dgm:pt modelId="{DDBD866F-C277-4FAC-AA82-721338E759DA}" type="sibTrans" cxnId="{C338E549-FABC-475A-BBDF-7A82D33F0E01}">
+      <dgm:prSet/>
+      <dgm:spPr/>
+      <dgm:t>
+        <a:bodyPr/>
+        <a:lstStyle/>
+        <a:p>
+          <a:endParaRPr lang="en-US"/>
+        </a:p>
+      </dgm:t>
+    </dgm:pt>
+    <dgm:pt modelId="{A76142A5-A3C5-4B9F-8498-28795D764300}" type="pres">
+      <dgm:prSet presAssocID="{EE37044E-EFF3-4DF6-B49C-FEA04D079868}" presName="outerComposite" presStyleCnt="0">
+        <dgm:presLayoutVars>
+          <dgm:chMax val="5"/>
+          <dgm:dir/>
+          <dgm:resizeHandles val="exact"/>
+        </dgm:presLayoutVars>
+      </dgm:prSet>
+      <dgm:spPr/>
+    </dgm:pt>
+    <dgm:pt modelId="{A9C1B682-970F-4BDE-B0E8-FA36DDCF2539}" type="pres">
+      <dgm:prSet presAssocID="{EE37044E-EFF3-4DF6-B49C-FEA04D079868}" presName="dummyMaxCanvas" presStyleCnt="0">
+        <dgm:presLayoutVars/>
+      </dgm:prSet>
+      <dgm:spPr/>
+    </dgm:pt>
+    <dgm:pt modelId="{922539D6-1411-4F95-ABC6-9CA624F49588}" type="pres">
+      <dgm:prSet presAssocID="{EE37044E-EFF3-4DF6-B49C-FEA04D079868}" presName="ThreeNodes_1" presStyleLbl="node1" presStyleIdx="0" presStyleCnt="3" custScaleX="100478" custLinFactNeighborX="17452" custLinFactNeighborY="5829">
+        <dgm:presLayoutVars>
+          <dgm:bulletEnabled val="1"/>
+        </dgm:presLayoutVars>
+      </dgm:prSet>
+      <dgm:spPr/>
+    </dgm:pt>
+    <dgm:pt modelId="{F412019C-E47A-465C-816F-304AD6E84017}" type="pres">
+      <dgm:prSet presAssocID="{EE37044E-EFF3-4DF6-B49C-FEA04D079868}" presName="ThreeNodes_2" presStyleLbl="node1" presStyleIdx="1" presStyleCnt="3" custScaleX="100005" custLinFactNeighborX="8984" custLinFactNeighborY="387">
+        <dgm:presLayoutVars>
+          <dgm:bulletEnabled val="1"/>
+        </dgm:presLayoutVars>
+      </dgm:prSet>
+      <dgm:spPr/>
+    </dgm:pt>
+    <dgm:pt modelId="{FE30DE2C-C7A2-4B15-8216-38B8E350332C}" type="pres">
+      <dgm:prSet presAssocID="{EE37044E-EFF3-4DF6-B49C-FEA04D079868}" presName="ThreeNodes_3" presStyleLbl="node1" presStyleIdx="2" presStyleCnt="3">
+        <dgm:presLayoutVars>
+          <dgm:bulletEnabled val="1"/>
+        </dgm:presLayoutVars>
+      </dgm:prSet>
+      <dgm:spPr/>
+    </dgm:pt>
+    <dgm:pt modelId="{61599C62-4F73-4153-9B6B-7FC5AE26CD6E}" type="pres">
+      <dgm:prSet presAssocID="{EE37044E-EFF3-4DF6-B49C-FEA04D079868}" presName="ThreeConn_1-2" presStyleLbl="fgAccFollowNode1" presStyleIdx="0" presStyleCnt="2" custLinFactNeighborX="36431" custLinFactNeighborY="-467">
+        <dgm:presLayoutVars>
+          <dgm:bulletEnabled val="1"/>
+        </dgm:presLayoutVars>
+      </dgm:prSet>
+      <dgm:spPr/>
+    </dgm:pt>
+    <dgm:pt modelId="{4501A95C-C412-4557-AD87-F88243C736DA}" type="pres">
+      <dgm:prSet presAssocID="{EE37044E-EFF3-4DF6-B49C-FEA04D079868}" presName="ThreeConn_2-3" presStyleLbl="fgAccFollowNode1" presStyleIdx="1" presStyleCnt="2" custLinFactNeighborY="-4629">
+        <dgm:presLayoutVars>
+          <dgm:bulletEnabled val="1"/>
+        </dgm:presLayoutVars>
+      </dgm:prSet>
+      <dgm:spPr/>
+    </dgm:pt>
+    <dgm:pt modelId="{F00339FD-1D74-454A-97C6-F7D447FC9FD3}" type="pres">
+      <dgm:prSet presAssocID="{EE37044E-EFF3-4DF6-B49C-FEA04D079868}" presName="ThreeNodes_1_text" presStyleLbl="node1" presStyleIdx="2" presStyleCnt="3">
+        <dgm:presLayoutVars>
+          <dgm:bulletEnabled val="1"/>
+        </dgm:presLayoutVars>
+      </dgm:prSet>
+      <dgm:spPr/>
+    </dgm:pt>
+    <dgm:pt modelId="{E54639BF-0C75-444F-9211-68E12BDD1655}" type="pres">
+      <dgm:prSet presAssocID="{EE37044E-EFF3-4DF6-B49C-FEA04D079868}" presName="ThreeNodes_2_text" presStyleLbl="node1" presStyleIdx="2" presStyleCnt="3">
+        <dgm:presLayoutVars>
+          <dgm:bulletEnabled val="1"/>
+        </dgm:presLayoutVars>
+      </dgm:prSet>
+      <dgm:spPr/>
+    </dgm:pt>
+    <dgm:pt modelId="{98E65A7E-B9AF-49C5-A1F5-31963221DADD}" type="pres">
+      <dgm:prSet presAssocID="{EE37044E-EFF3-4DF6-B49C-FEA04D079868}" presName="ThreeNodes_3_text" presStyleLbl="node1" presStyleIdx="2" presStyleCnt="3">
+        <dgm:presLayoutVars>
+          <dgm:bulletEnabled val="1"/>
+        </dgm:presLayoutVars>
+      </dgm:prSet>
+      <dgm:spPr/>
+    </dgm:pt>
+  </dgm:ptLst>
+  <dgm:cxnLst>
+    <dgm:cxn modelId="{2E54C9DB-8286-4942-958C-D723BD849647}" type="presOf" srcId="{5362BC90-88AA-45F4-82DF-65A3974733C2}" destId="{922539D6-1411-4F95-ABC6-9CA624F49588}" srcOrd="0" destOrd="0" presId="urn:microsoft.com/office/officeart/2005/8/layout/vProcess5"/>
+    <dgm:cxn modelId="{ED48EF97-9060-4B69-9197-1DEA21752A67}" type="presOf" srcId="{5362BC90-88AA-45F4-82DF-65A3974733C2}" destId="{F00339FD-1D74-454A-97C6-F7D447FC9FD3}" srcOrd="1" destOrd="0" presId="urn:microsoft.com/office/officeart/2005/8/layout/vProcess5"/>
+    <dgm:cxn modelId="{E6D0EC12-A1BA-4BB6-8BCF-389A4EBE4B58}" type="presOf" srcId="{264ABED8-1839-418F-B93D-881EF94A15F4}" destId="{FE30DE2C-C7A2-4B15-8216-38B8E350332C}" srcOrd="0" destOrd="0" presId="urn:microsoft.com/office/officeart/2005/8/layout/vProcess5"/>
+    <dgm:cxn modelId="{B7A44283-22AB-4DF6-B568-322C3AF007CB}" type="presOf" srcId="{A902485B-4D9E-468D-B7AA-FF268092F514}" destId="{61599C62-4F73-4153-9B6B-7FC5AE26CD6E}" srcOrd="0" destOrd="0" presId="urn:microsoft.com/office/officeart/2005/8/layout/vProcess5"/>
+    <dgm:cxn modelId="{BA682020-3A35-424A-BEF5-EC2A1A8B3EAB}" srcId="{EE37044E-EFF3-4DF6-B49C-FEA04D079868}" destId="{5362BC90-88AA-45F4-82DF-65A3974733C2}" srcOrd="0" destOrd="0" parTransId="{534118D6-B64B-440B-8FCB-19D53615CB7D}" sibTransId="{A902485B-4D9E-468D-B7AA-FF268092F514}"/>
+    <dgm:cxn modelId="{4E5354D9-6CB6-4EC1-B0FC-A9F7843B0E30}" type="presOf" srcId="{264ABED8-1839-418F-B93D-881EF94A15F4}" destId="{98E65A7E-B9AF-49C5-A1F5-31963221DADD}" srcOrd="1" destOrd="0" presId="urn:microsoft.com/office/officeart/2005/8/layout/vProcess5"/>
+    <dgm:cxn modelId="{5B1D74B4-2883-429C-A163-A01447E81514}" srcId="{EE37044E-EFF3-4DF6-B49C-FEA04D079868}" destId="{927FBEA3-6E7C-4CCC-913E-477BAB727F5E}" srcOrd="1" destOrd="0" parTransId="{63DBCCBD-49A4-4793-A493-70266EECA829}" sibTransId="{FC57BE35-DAC4-4C1A-9FDF-1B9C00AFAD47}"/>
+    <dgm:cxn modelId="{4A91B818-981F-41C5-92E2-ED3592D7E7DC}" type="presOf" srcId="{EE37044E-EFF3-4DF6-B49C-FEA04D079868}" destId="{A76142A5-A3C5-4B9F-8498-28795D764300}" srcOrd="0" destOrd="0" presId="urn:microsoft.com/office/officeart/2005/8/layout/vProcess5"/>
+    <dgm:cxn modelId="{92502867-CD43-46E9-BF18-F3B9F90C468B}" type="presOf" srcId="{927FBEA3-6E7C-4CCC-913E-477BAB727F5E}" destId="{E54639BF-0C75-444F-9211-68E12BDD1655}" srcOrd="1" destOrd="0" presId="urn:microsoft.com/office/officeart/2005/8/layout/vProcess5"/>
+    <dgm:cxn modelId="{424ADFC7-A505-4E2C-A36A-A96076C87D9F}" type="presOf" srcId="{FC57BE35-DAC4-4C1A-9FDF-1B9C00AFAD47}" destId="{4501A95C-C412-4557-AD87-F88243C736DA}" srcOrd="0" destOrd="0" presId="urn:microsoft.com/office/officeart/2005/8/layout/vProcess5"/>
+    <dgm:cxn modelId="{0CDEB074-BC36-415E-8E8F-2C6F1B4045CB}" type="presOf" srcId="{927FBEA3-6E7C-4CCC-913E-477BAB727F5E}" destId="{F412019C-E47A-465C-816F-304AD6E84017}" srcOrd="0" destOrd="0" presId="urn:microsoft.com/office/officeart/2005/8/layout/vProcess5"/>
+    <dgm:cxn modelId="{C338E549-FABC-475A-BBDF-7A82D33F0E01}" srcId="{EE37044E-EFF3-4DF6-B49C-FEA04D079868}" destId="{264ABED8-1839-418F-B93D-881EF94A15F4}" srcOrd="2" destOrd="0" parTransId="{E172869D-9A01-4C5D-8B1C-1E8D89445367}" sibTransId="{DDBD866F-C277-4FAC-AA82-721338E759DA}"/>
+    <dgm:cxn modelId="{C4895391-CAD5-4982-B0DA-0AC7DC44F943}" type="presParOf" srcId="{A76142A5-A3C5-4B9F-8498-28795D764300}" destId="{A9C1B682-970F-4BDE-B0E8-FA36DDCF2539}" srcOrd="0" destOrd="0" presId="urn:microsoft.com/office/officeart/2005/8/layout/vProcess5"/>
+    <dgm:cxn modelId="{67A32EBB-E871-491B-9925-5AC932A40B24}" type="presParOf" srcId="{A76142A5-A3C5-4B9F-8498-28795D764300}" destId="{922539D6-1411-4F95-ABC6-9CA624F49588}" srcOrd="1" destOrd="0" presId="urn:microsoft.com/office/officeart/2005/8/layout/vProcess5"/>
+    <dgm:cxn modelId="{582DEF5E-0C48-4A06-8686-E666E7270461}" type="presParOf" srcId="{A76142A5-A3C5-4B9F-8498-28795D764300}" destId="{F412019C-E47A-465C-816F-304AD6E84017}" srcOrd="2" destOrd="0" presId="urn:microsoft.com/office/officeart/2005/8/layout/vProcess5"/>
+    <dgm:cxn modelId="{41E88FFC-7DF4-4814-9822-E3E4512E4A35}" type="presParOf" srcId="{A76142A5-A3C5-4B9F-8498-28795D764300}" destId="{FE30DE2C-C7A2-4B15-8216-38B8E350332C}" srcOrd="3" destOrd="0" presId="urn:microsoft.com/office/officeart/2005/8/layout/vProcess5"/>
+    <dgm:cxn modelId="{B7CC91C1-DC88-454C-85F3-09D85D90DC8B}" type="presParOf" srcId="{A76142A5-A3C5-4B9F-8498-28795D764300}" destId="{61599C62-4F73-4153-9B6B-7FC5AE26CD6E}" srcOrd="4" destOrd="0" presId="urn:microsoft.com/office/officeart/2005/8/layout/vProcess5"/>
+    <dgm:cxn modelId="{390D95E5-B587-4C06-8197-448CCA9F3B88}" type="presParOf" srcId="{A76142A5-A3C5-4B9F-8498-28795D764300}" destId="{4501A95C-C412-4557-AD87-F88243C736DA}" srcOrd="5" destOrd="0" presId="urn:microsoft.com/office/officeart/2005/8/layout/vProcess5"/>
+    <dgm:cxn modelId="{93E07758-EF1A-4281-BEB9-70DE3A3EB7E2}" type="presParOf" srcId="{A76142A5-A3C5-4B9F-8498-28795D764300}" destId="{F00339FD-1D74-454A-97C6-F7D447FC9FD3}" srcOrd="6" destOrd="0" presId="urn:microsoft.com/office/officeart/2005/8/layout/vProcess5"/>
+    <dgm:cxn modelId="{E618CA14-651E-440E-B733-ABFFCFB63E89}" type="presParOf" srcId="{A76142A5-A3C5-4B9F-8498-28795D764300}" destId="{E54639BF-0C75-444F-9211-68E12BDD1655}" srcOrd="7" destOrd="0" presId="urn:microsoft.com/office/officeart/2005/8/layout/vProcess5"/>
+    <dgm:cxn modelId="{7CB0AC7A-E5B2-4125-A670-EE5E7BAC2ED1}" type="presParOf" srcId="{A76142A5-A3C5-4B9F-8498-28795D764300}" destId="{98E65A7E-B9AF-49C5-A1F5-31963221DADD}" srcOrd="8" destOrd="0" presId="urn:microsoft.com/office/officeart/2005/8/layout/vProcess5"/>
+  </dgm:cxnLst>
+  <dgm:bg/>
+  <dgm:whole/>
+  <dgm:extLst>
+    <a:ext uri="http://schemas.microsoft.com/office/drawing/2008/diagram">
+      <dsp:dataModelExt xmlns:dsp="http://schemas.microsoft.com/office/drawing/2008/diagram" relId="rId6" minVer="http://schemas.openxmlformats.org/drawingml/2006/diagram"/>
+    </a:ext>
+  </dgm:extLst>
+</dgm:dataModel>
+</file>
+
+<file path=ppt/diagrams/drawing1.xml><?xml version="1.0" encoding="utf-8"?>
+<dsp:drawing xmlns:dgm="http://schemas.openxmlformats.org/drawingml/2006/diagram" xmlns:dsp="http://schemas.microsoft.com/office/drawing/2008/diagram" xmlns:a="http://schemas.openxmlformats.org/drawingml/2006/main">
+  <dsp:spTree>
+    <dsp:nvGrpSpPr>
+      <dsp:cNvPr id="0" name=""/>
+      <dsp:cNvGrpSpPr/>
+    </dsp:nvGrpSpPr>
+    <dsp:grpSpPr/>
+    <dsp:sp modelId="{922539D6-1411-4F95-ABC6-9CA624F49588}">
+      <dsp:nvSpPr>
+        <dsp:cNvPr id="0" name=""/>
+        <dsp:cNvSpPr/>
+      </dsp:nvSpPr>
+      <dsp:spPr>
+        <a:xfrm>
+          <a:off x="972688" y="105853"/>
+          <a:ext cx="5692437" cy="1815972"/>
+        </a:xfrm>
+        <a:prstGeom prst="roundRect">
+          <a:avLst>
+            <a:gd name="adj" fmla="val 10000"/>
+          </a:avLst>
+        </a:prstGeom>
+        <a:solidFill>
+          <a:schemeClr val="accent1">
+            <a:hueOff val="0"/>
+            <a:satOff val="0"/>
+            <a:lumOff val="0"/>
+            <a:alphaOff val="0"/>
+          </a:schemeClr>
+        </a:solidFill>
+        <a:ln w="25400" cap="flat" cmpd="sng" algn="ctr">
+          <a:solidFill>
+            <a:schemeClr val="lt1">
+              <a:hueOff val="0"/>
+              <a:satOff val="0"/>
+              <a:lumOff val="0"/>
+              <a:alphaOff val="0"/>
+            </a:schemeClr>
+          </a:solidFill>
+          <a:prstDash val="solid"/>
+        </a:ln>
+        <a:effectLst/>
+      </dsp:spPr>
+      <dsp:style>
+        <a:lnRef idx="2">
+          <a:scrgbClr r="0" g="0" b="0"/>
+        </a:lnRef>
+        <a:fillRef idx="1">
+          <a:scrgbClr r="0" g="0" b="0"/>
+        </a:fillRef>
+        <a:effectRef idx="0">
+          <a:scrgbClr r="0" g="0" b="0"/>
+        </a:effectRef>
+        <a:fontRef idx="minor">
+          <a:schemeClr val="lt1"/>
+        </a:fontRef>
+      </dsp:style>
+      <dsp:txBody>
+        <a:bodyPr spcFirstLastPara="0" vert="horz" wrap="square" lIns="247650" tIns="247650" rIns="247650" bIns="247650" numCol="1" spcCol="1270" anchor="ctr" anchorCtr="0">
+          <a:noAutofit/>
+        </a:bodyPr>
+        <a:lstStyle/>
+        <a:p>
+          <a:pPr lvl="0" algn="l" defTabSz="2889250">
+            <a:lnSpc>
+              <a:spcPct val="90000"/>
+            </a:lnSpc>
+            <a:spcBef>
+              <a:spcPct val="0"/>
+            </a:spcBef>
+            <a:spcAft>
+              <a:spcPct val="35000"/>
+            </a:spcAft>
+          </a:pPr>
+          <a:r>
+            <a:rPr lang="en-US" sz="6500" kern="1200" dirty="0" smtClean="0"/>
+            <a:t> </a:t>
+          </a:r>
+          <a:endParaRPr lang="en-US" sz="6500" kern="1200" dirty="0"/>
+        </a:p>
+      </dsp:txBody>
+      <dsp:txXfrm>
+        <a:off x="1025876" y="159041"/>
+        <a:ext cx="3724002" cy="1709596"/>
+      </dsp:txXfrm>
+    </dsp:sp>
+    <dsp:sp modelId="{F412019C-E47A-465C-816F-304AD6E84017}">
+      <dsp:nvSpPr>
+        <dsp:cNvPr id="0" name=""/>
+        <dsp:cNvSpPr/>
+      </dsp:nvSpPr>
+      <dsp:spPr>
+        <a:xfrm>
+          <a:off x="999485" y="2125662"/>
+          <a:ext cx="5665640" cy="1815972"/>
+        </a:xfrm>
+        <a:prstGeom prst="roundRect">
+          <a:avLst>
+            <a:gd name="adj" fmla="val 10000"/>
+          </a:avLst>
+        </a:prstGeom>
+        <a:solidFill>
+          <a:schemeClr val="accent1">
+            <a:hueOff val="0"/>
+            <a:satOff val="0"/>
+            <a:lumOff val="0"/>
+            <a:alphaOff val="0"/>
+          </a:schemeClr>
+        </a:solidFill>
+        <a:ln w="25400" cap="flat" cmpd="sng" algn="ctr">
+          <a:solidFill>
+            <a:schemeClr val="lt1">
+              <a:hueOff val="0"/>
+              <a:satOff val="0"/>
+              <a:lumOff val="0"/>
+              <a:alphaOff val="0"/>
+            </a:schemeClr>
+          </a:solidFill>
+          <a:prstDash val="solid"/>
+        </a:ln>
+        <a:effectLst/>
+      </dsp:spPr>
+      <dsp:style>
+        <a:lnRef idx="2">
+          <a:scrgbClr r="0" g="0" b="0"/>
+        </a:lnRef>
+        <a:fillRef idx="1">
+          <a:scrgbClr r="0" g="0" b="0"/>
+        </a:fillRef>
+        <a:effectRef idx="0">
+          <a:scrgbClr r="0" g="0" b="0"/>
+        </a:effectRef>
+        <a:fontRef idx="minor">
+          <a:schemeClr val="lt1"/>
+        </a:fontRef>
+      </dsp:style>
+      <dsp:txBody>
+        <a:bodyPr spcFirstLastPara="0" vert="horz" wrap="square" lIns="247650" tIns="247650" rIns="247650" bIns="247650" numCol="1" spcCol="1270" anchor="ctr" anchorCtr="0">
+          <a:noAutofit/>
+        </a:bodyPr>
+        <a:lstStyle/>
+        <a:p>
+          <a:pPr lvl="0" algn="l" defTabSz="2889250">
+            <a:lnSpc>
+              <a:spcPct val="90000"/>
+            </a:lnSpc>
+            <a:spcBef>
+              <a:spcPct val="0"/>
+            </a:spcBef>
+            <a:spcAft>
+              <a:spcPct val="35000"/>
+            </a:spcAft>
+          </a:pPr>
+          <a:r>
+            <a:rPr lang="en-US" sz="6500" kern="1200" dirty="0" smtClean="0"/>
+            <a:t> </a:t>
+          </a:r>
+          <a:endParaRPr lang="en-US" sz="6500" kern="1200" dirty="0"/>
+        </a:p>
+      </dsp:txBody>
+      <dsp:txXfrm>
+        <a:off x="1052673" y="2178850"/>
+        <a:ext cx="3878913" cy="1709596"/>
+      </dsp:txXfrm>
+    </dsp:sp>
+    <dsp:sp modelId="{FE30DE2C-C7A2-4B15-8216-38B8E350332C}">
+      <dsp:nvSpPr>
+        <dsp:cNvPr id="0" name=""/>
+        <dsp:cNvSpPr/>
+      </dsp:nvSpPr>
+      <dsp:spPr>
+        <a:xfrm>
+          <a:off x="1006539" y="4237270"/>
+          <a:ext cx="5665357" cy="1815972"/>
+        </a:xfrm>
+        <a:prstGeom prst="roundRect">
+          <a:avLst>
+            <a:gd name="adj" fmla="val 10000"/>
+          </a:avLst>
+        </a:prstGeom>
+        <a:solidFill>
+          <a:schemeClr val="accent1">
+            <a:hueOff val="0"/>
+            <a:satOff val="0"/>
+            <a:lumOff val="0"/>
+            <a:alphaOff val="0"/>
+          </a:schemeClr>
+        </a:solidFill>
+        <a:ln w="25400" cap="flat" cmpd="sng" algn="ctr">
+          <a:solidFill>
+            <a:schemeClr val="lt1">
+              <a:hueOff val="0"/>
+              <a:satOff val="0"/>
+              <a:lumOff val="0"/>
+              <a:alphaOff val="0"/>
+            </a:schemeClr>
+          </a:solidFill>
+          <a:prstDash val="solid"/>
+        </a:ln>
+        <a:effectLst/>
+      </dsp:spPr>
+      <dsp:style>
+        <a:lnRef idx="2">
+          <a:scrgbClr r="0" g="0" b="0"/>
+        </a:lnRef>
+        <a:fillRef idx="1">
+          <a:scrgbClr r="0" g="0" b="0"/>
+        </a:fillRef>
+        <a:effectRef idx="0">
+          <a:scrgbClr r="0" g="0" b="0"/>
+        </a:effectRef>
+        <a:fontRef idx="minor">
+          <a:schemeClr val="lt1"/>
+        </a:fontRef>
+      </dsp:style>
+      <dsp:txBody>
+        <a:bodyPr spcFirstLastPara="0" vert="horz" wrap="square" lIns="247650" tIns="247650" rIns="247650" bIns="247650" numCol="1" spcCol="1270" anchor="ctr" anchorCtr="0">
+          <a:noAutofit/>
+        </a:bodyPr>
+        <a:lstStyle/>
+        <a:p>
+          <a:pPr lvl="0" algn="l" defTabSz="2889250">
+            <a:lnSpc>
+              <a:spcPct val="90000"/>
+            </a:lnSpc>
+            <a:spcBef>
+              <a:spcPct val="0"/>
+            </a:spcBef>
+            <a:spcAft>
+              <a:spcPct val="35000"/>
+            </a:spcAft>
+          </a:pPr>
+          <a:r>
+            <a:rPr lang="en-US" sz="6500" kern="1200" dirty="0" smtClean="0"/>
+            <a:t> </a:t>
+          </a:r>
+          <a:endParaRPr lang="en-US" sz="6500" kern="1200" dirty="0"/>
+        </a:p>
+      </dsp:txBody>
+      <dsp:txXfrm>
+        <a:off x="1059727" y="4290458"/>
+        <a:ext cx="3878714" cy="1709596"/>
+      </dsp:txXfrm>
+    </dsp:sp>
+    <dsp:sp modelId="{61599C62-4F73-4153-9B6B-7FC5AE26CD6E}">
+      <dsp:nvSpPr>
+        <dsp:cNvPr id="0" name=""/>
+        <dsp:cNvSpPr/>
+      </dsp:nvSpPr>
+      <dsp:spPr>
+        <a:xfrm>
+          <a:off x="4921769" y="1371600"/>
+          <a:ext cx="1180382" cy="1180382"/>
+        </a:xfrm>
+        <a:prstGeom prst="downArrow">
+          <a:avLst>
+            <a:gd name="adj1" fmla="val 55000"/>
+            <a:gd name="adj2" fmla="val 45000"/>
+          </a:avLst>
+        </a:prstGeom>
+        <a:solidFill>
+          <a:schemeClr val="accent1">
+            <a:alpha val="90000"/>
+            <a:tint val="40000"/>
+            <a:hueOff val="0"/>
+            <a:satOff val="0"/>
+            <a:lumOff val="0"/>
+            <a:alphaOff val="0"/>
+          </a:schemeClr>
+        </a:solidFill>
+        <a:ln w="25400" cap="flat" cmpd="sng" algn="ctr">
+          <a:solidFill>
+            <a:schemeClr val="accent1">
+              <a:alpha val="90000"/>
+              <a:tint val="40000"/>
+              <a:hueOff val="0"/>
+              <a:satOff val="0"/>
+              <a:lumOff val="0"/>
+              <a:alphaOff val="0"/>
+            </a:schemeClr>
+          </a:solidFill>
+          <a:prstDash val="solid"/>
+        </a:ln>
+        <a:effectLst/>
+      </dsp:spPr>
+      <dsp:style>
+        <a:lnRef idx="2">
+          <a:scrgbClr r="0" g="0" b="0"/>
+        </a:lnRef>
+        <a:fillRef idx="1">
+          <a:scrgbClr r="0" g="0" b="0"/>
+        </a:fillRef>
+        <a:effectRef idx="0">
+          <a:scrgbClr r="0" g="0" b="0"/>
+        </a:effectRef>
+        <a:fontRef idx="minor"/>
+      </dsp:style>
+      <dsp:txBody>
+        <a:bodyPr spcFirstLastPara="0" vert="horz" wrap="square" lIns="45720" tIns="45720" rIns="45720" bIns="45720" numCol="1" spcCol="1270" anchor="ctr" anchorCtr="0">
+          <a:noAutofit/>
+        </a:bodyPr>
+        <a:lstStyle/>
+        <a:p>
+          <a:pPr lvl="0" algn="ctr" defTabSz="1600200">
+            <a:lnSpc>
+              <a:spcPct val="90000"/>
+            </a:lnSpc>
+            <a:spcBef>
+              <a:spcPct val="0"/>
+            </a:spcBef>
+            <a:spcAft>
+              <a:spcPct val="35000"/>
+            </a:spcAft>
+          </a:pPr>
+          <a:endParaRPr lang="en-US" sz="3600" kern="1200"/>
+        </a:p>
+      </dsp:txBody>
+      <dsp:txXfrm>
+        <a:off x="5187355" y="1371600"/>
+        <a:ext cx="649210" cy="888237"/>
+      </dsp:txXfrm>
+    </dsp:sp>
+    <dsp:sp modelId="{4501A95C-C412-4557-AD87-F88243C736DA}">
+      <dsp:nvSpPr>
+        <dsp:cNvPr id="0" name=""/>
+        <dsp:cNvSpPr/>
+      </dsp:nvSpPr>
+      <dsp:spPr>
+        <a:xfrm>
+          <a:off x="4991629" y="3429001"/>
+          <a:ext cx="1180382" cy="1180382"/>
+        </a:xfrm>
+        <a:prstGeom prst="downArrow">
+          <a:avLst>
+            <a:gd name="adj1" fmla="val 55000"/>
+            <a:gd name="adj2" fmla="val 45000"/>
+          </a:avLst>
+        </a:prstGeom>
+        <a:solidFill>
+          <a:schemeClr val="accent1">
+            <a:alpha val="90000"/>
+            <a:tint val="40000"/>
+            <a:hueOff val="0"/>
+            <a:satOff val="0"/>
+            <a:lumOff val="0"/>
+            <a:alphaOff val="0"/>
+          </a:schemeClr>
+        </a:solidFill>
+        <a:ln w="25400" cap="flat" cmpd="sng" algn="ctr">
+          <a:solidFill>
+            <a:schemeClr val="accent1">
+              <a:alpha val="90000"/>
+              <a:tint val="40000"/>
+              <a:hueOff val="0"/>
+              <a:satOff val="0"/>
+              <a:lumOff val="0"/>
+              <a:alphaOff val="0"/>
+            </a:schemeClr>
+          </a:solidFill>
+          <a:prstDash val="solid"/>
+        </a:ln>
+        <a:effectLst/>
+      </dsp:spPr>
+      <dsp:style>
+        <a:lnRef idx="2">
+          <a:scrgbClr r="0" g="0" b="0"/>
+        </a:lnRef>
+        <a:fillRef idx="1">
+          <a:scrgbClr r="0" g="0" b="0"/>
+        </a:fillRef>
+        <a:effectRef idx="0">
+          <a:scrgbClr r="0" g="0" b="0"/>
+        </a:effectRef>
+        <a:fontRef idx="minor"/>
+      </dsp:style>
+      <dsp:txBody>
+        <a:bodyPr spcFirstLastPara="0" vert="horz" wrap="square" lIns="45720" tIns="45720" rIns="45720" bIns="45720" numCol="1" spcCol="1270" anchor="ctr" anchorCtr="0">
+          <a:noAutofit/>
+        </a:bodyPr>
+        <a:lstStyle/>
+        <a:p>
+          <a:pPr lvl="0" algn="ctr" defTabSz="1600200">
+            <a:lnSpc>
+              <a:spcPct val="90000"/>
+            </a:lnSpc>
+            <a:spcBef>
+              <a:spcPct val="0"/>
+            </a:spcBef>
+            <a:spcAft>
+              <a:spcPct val="35000"/>
+            </a:spcAft>
+          </a:pPr>
+          <a:endParaRPr lang="en-US" sz="3600" kern="1200" dirty="0"/>
+        </a:p>
+      </dsp:txBody>
+      <dsp:txXfrm>
+        <a:off x="5257215" y="3429001"/>
+        <a:ext cx="649210" cy="888237"/>
+      </dsp:txXfrm>
+    </dsp:sp>
+  </dsp:spTree>
+</dsp:drawing>
+</file>
+
+<file path=ppt/diagrams/layout1.xml><?xml version="1.0" encoding="utf-8"?>
+<dgm:layoutDef xmlns:dgm="http://schemas.openxmlformats.org/drawingml/2006/diagram" xmlns:a="http://schemas.openxmlformats.org/drawingml/2006/main" uniqueId="urn:microsoft.com/office/officeart/2005/8/layout/vProcess5">
+  <dgm:title val=""/>
+  <dgm:desc val=""/>
+  <dgm:catLst>
+    <dgm:cat type="process" pri="14000"/>
+  </dgm:catLst>
+  <dgm:sampData>
+    <dgm:dataModel>
+      <dgm:ptLst>
+        <dgm:pt modelId="0" type="doc"/>
+        <dgm:pt modelId="1">
+          <dgm:prSet phldr="1"/>
+        </dgm:pt>
+        <dgm:pt modelId="2">
+          <dgm:prSet phldr="1"/>
+        </dgm:pt>
+        <dgm:pt modelId="3">
+          <dgm:prSet phldr="1"/>
+        </dgm:pt>
+      </dgm:ptLst>
+      <dgm:cxnLst>
+        <dgm:cxn modelId="5" srcId="0" destId="1" srcOrd="0" destOrd="0"/>
+        <dgm:cxn modelId="6" srcId="0" destId="2" srcOrd="1" destOrd="0"/>
+        <dgm:cxn modelId="7" srcId="0" destId="3" srcOrd="2" destOrd="0"/>
+      </dgm:cxnLst>
+      <dgm:bg/>
+      <dgm:whole/>
+    </dgm:dataModel>
+  </dgm:sampData>
+  <dgm:styleData>
+    <dgm:dataModel>
+      <dgm:ptLst>
+        <dgm:pt modelId="0" type="doc"/>
+        <dgm:pt modelId="1"/>
+        <dgm:pt modelId="2"/>
+      </dgm:ptLst>
+      <dgm:cxnLst>
+        <dgm:cxn modelId="3" srcId="0" destId="1" srcOrd="0" destOrd="0"/>
+        <dgm:cxn modelId="4" srcId="0" destId="2" srcOrd="1" destOrd="0"/>
+      </dgm:cxnLst>
+      <dgm:bg/>
+      <dgm:whole/>
+    </dgm:dataModel>
+  </dgm:styleData>
+  <dgm:clrData>
+    <dgm:dataModel>
+      <dgm:ptLst>
+        <dgm:pt modelId="0" type="doc"/>
+        <dgm:pt modelId="1"/>
+        <dgm:pt modelId="2"/>
+        <dgm:pt modelId="3"/>
+        <dgm:pt modelId="4"/>
+      </dgm:ptLst>
+      <dgm:cxnLst>
+        <dgm:cxn modelId="6" srcId="0" destId="1" srcOrd="0" destOrd="0"/>
+        <dgm:cxn modelId="7" srcId="0" destId="2" srcOrd="1" destOrd="0"/>
+        <dgm:cxn modelId="8" srcId="0" destId="3" srcOrd="2" destOrd="0"/>
+        <dgm:cxn modelId="9" srcId="0" destId="4" srcOrd="3" destOrd="0"/>
+      </dgm:cxnLst>
+      <dgm:bg/>
+      <dgm:whole/>
+    </dgm:dataModel>
+  </dgm:clrData>
+  <dgm:layoutNode name="outerComposite">
+    <dgm:varLst>
+      <dgm:chMax val="5"/>
+      <dgm:dir/>
+      <dgm:resizeHandles val="exact"/>
+    </dgm:varLst>
+    <dgm:alg type="composite"/>
+    <dgm:shape xmlns:r="http://schemas.openxmlformats.org/officeDocument/2006/relationships" r:blip="">
+      <dgm:adjLst/>
+    </dgm:shape>
+    <dgm:presOf/>
+    <dgm:choose name="Name0">
+      <dgm:if name="Name1" func="var" arg="dir" op="equ" val="norm">
+        <dgm:constrLst>
+          <dgm:constr type="primFontSz" for="ch" ptType="node" op="equ" val="65"/>
+          <dgm:constr type="w" for="ch" forName="dummyMaxCanvas" refType="w"/>
+          <dgm:constr type="h" for="ch" forName="dummyMaxCanvas" refType="h"/>
+          <dgm:constr type="w" for="ch" forName="OneNode_1" refType="w"/>
+          <dgm:constr type="h" for="ch" forName="OneNode_1" refType="h" fact="0.5"/>
+          <dgm:constr type="ctrY" for="ch" forName="OneNode_1" refType="h" fact="0.5"/>
+          <dgm:constr type="w" for="ch" forName="TwoNodes_1" refType="w" fact="0.85"/>
+          <dgm:constr type="h" for="ch" forName="TwoNodes_1" refType="h" fact="0.45"/>
+          <dgm:constr type="t" for="ch" forName="TwoNodes_1"/>
+          <dgm:constr type="l" for="ch" forName="TwoNodes_1"/>
+          <dgm:constr type="w" for="ch" forName="TwoNodes_2" refType="w" fact="0.85"/>
+          <dgm:constr type="h" for="ch" forName="TwoNodes_2" refType="h" fact="0.45"/>
+          <dgm:constr type="b" for="ch" forName="TwoNodes_2" refType="h"/>
+          <dgm:constr type="r" for="ch" forName="TwoNodes_2" refType="w"/>
+          <dgm:constr type="w" for="ch" forName="TwoConn_1-2" refType="h" refFor="ch" refForName="TwoNodes_1" fact="0.65"/>
+          <dgm:constr type="h" for="ch" forName="TwoConn_1-2" refType="h" refFor="ch" refForName="TwoNodes_1" fact="0.65"/>
+          <dgm:constr type="ctrY" for="ch" forName="TwoConn_1-2" refType="h" fact="0.5"/>
+          <dgm:constr type="r" for="ch" forName="TwoConn_1-2" refType="r" refFor="ch" refForName="TwoNodes_1"/>
+          <dgm:constr type="r" for="ch" forName="TwoNodes_1_text" refType="l" refFor="ch" refForName="TwoConn_1-2"/>
+          <dgm:constr type="rOff" for="ch" forName="TwoNodes_1_text" refType="w" refFor="ch" refForName="TwoConn_1-2" fact="-0.5"/>
+          <dgm:constr type="t" for="ch" forName="TwoNodes_1_text" refType="t" refFor="ch" refForName="TwoNodes_1"/>
+          <dgm:constr type="b" for="ch" forName="TwoNodes_1_text" refType="b" refFor="ch" refForName="TwoNodes_1"/>
+          <dgm:constr type="l" for="ch" forName="TwoNodes_1_text" refType="l" refFor="ch" refForName="TwoNodes_1"/>
+          <dgm:constr type="r" for="ch" forName="TwoNodes_2_text" refType="l" refFor="ch" refForName="TwoConn_1-2"/>
+          <dgm:constr type="t" for="ch" forName="TwoNodes_2_text" refType="t" refFor="ch" refForName="TwoNodes_2"/>
+          <dgm:constr type="b" for="ch" forName="TwoNodes_2_text" refType="b" refFor="ch" refForName="TwoNodes_2"/>
+          <dgm:constr type="l" for="ch" forName="TwoNodes_2_text" refType="l" refFor="ch" refForName="TwoNodes_2"/>
+          <dgm:constr type="w" for="ch" forName="ThreeNodes_1" refType="w" fact="0.85"/>
+          <dgm:constr type="h" for="ch" forName="ThreeNodes_1" refType="h" fact="0.3"/>
+          <dgm:constr type="t" for="ch" forName="ThreeNodes_1"/>
+          <dgm:constr type="l" for="ch" forName="ThreeNodes_1"/>
+          <dgm:constr type="w" for="ch" forName="ThreeNodes_2" refType="w" fact="0.85"/>
+          <dgm:constr type="h" for="ch" forName="ThreeNodes_2" refType="h" fact="0.3"/>
+          <dgm:constr type="ctrY" for="ch" forName="ThreeNodes_2" refType="h" fact="0.5"/>
+          <dgm:constr type="ctrX" for="ch" forName="ThreeNodes_2" refType="w" fact="0.5"/>
+          <dgm:constr type="w" for="ch" forName="ThreeNodes_3" refType="w" fact="0.85"/>
+          <dgm:constr type="h" for="ch" forName="ThreeNodes_3" refType="h" fact="0.3"/>
+          <dgm:constr type="b" for="ch" forName="ThreeNodes_3" refType="h"/>
+          <dgm:constr type="r" for="ch" forName="ThreeNodes_3" refType="w"/>
+          <dgm:constr type="w" for="ch" forName="ThreeConn_1-2" refType="h" refFor="ch" refForName="ThreeNodes_1" fact="0.65"/>
+          <dgm:constr type="h" for="ch" forName="ThreeConn_1-2" refType="h" refFor="ch" refForName="ThreeNodes_1" fact="0.65"/>
+          <dgm:constr type="ctrY" for="ch" forName="ThreeConn_1-2" refType="h" fact="0.325"/>
+          <dgm:constr type="r" for="ch" forName="ThreeConn_1-2" refType="r" refFor="ch" refForName="ThreeNodes_1"/>
+          <dgm:constr type="w" for="ch" forName="ThreeConn_2-3" refType="h" refFor="ch" refForName="ThreeNodes_2" fact="0.65"/>
+          <dgm:constr type="h" for="ch" forName="ThreeConn_2-3" refType="h" refFor="ch" refForName="ThreeNodes_2" fact="0.65"/>
+          <dgm:constr type="ctrY" for="ch" forName="ThreeConn_2-3" refType="h" fact="0.673"/>
+          <dgm:constr type="r" for="ch" forName="ThreeConn_2-3" refType="r" refFor="ch" refForName="ThreeNodes_2"/>
+          <dgm:constr type="r" for="ch" forName="ThreeNodes_1_text" refType="l" refFor="ch" refForName="ThreeConn_1-2"/>
+          <dgm:constr type="rOff" for="ch" forName="ThreeNodes_1_text" refType="w" refFor="ch" refForName="ThreeConn_1-2" fact="-0.57"/>
+          <dgm:constr type="t" for="ch" forName="ThreeNodes_1_text" refType="t" refFor="ch" refForName="ThreeNodes_1"/>
+          <dgm:constr type="b" for="ch" forName="ThreeNodes_1_text" refType="b" refFor="ch" refForName="ThreeNodes_1"/>
+          <dgm:constr type="l" for="ch" forName="ThreeNodes_1_text" refType="l" refFor="ch" refForName="ThreeNodes_1"/>
+          <dgm:constr type="r" for="ch" forName="ThreeNodes_2_text" refType="l" refFor="ch" refForName="ThreeConn_1-2"/>
+          <dgm:constr type="t" for="ch" forName="ThreeNodes_2_text" refType="t" refFor="ch" refForName="ThreeNodes_2"/>
+          <dgm:constr type="b" for="ch" forName="ThreeNodes_2_text" refType="b" refFor="ch" refForName="ThreeNodes_2"/>
+          <dgm:constr type="l" for="ch" forName="ThreeNodes_2_text" refType="l" refFor="ch" refForName="ThreeNodes_2"/>
+          <dgm:constr type="r" for="ch" forName="ThreeNodes_3_text" refType="l" refFor="ch" refForName="ThreeConn_2-3"/>
+          <dgm:constr type="t" for="ch" forName="ThreeNodes_3_text" refType="t" refFor="ch" refForName="ThreeNodes_3"/>
+          <dgm:constr type="b" for="ch" forName="ThreeNodes_3_text" refType="b" refFor="ch" refForName="ThreeNodes_3"/>
+          <dgm:constr type="l" for="ch" forName="ThreeNodes_3_text" refType="l" refFor="ch" refForName="ThreeNodes_3"/>
+          <dgm:constr type="w" for="ch" forName="FourNodes_1" refType="w" fact="0.8"/>
+          <dgm:constr type="h" for="ch" forName="FourNodes_1" refType="h" fact="0.22"/>
+          <dgm:constr type="t" for="ch" forName="FourNodes_1"/>
+          <dgm:constr type="l" for="ch" forName="FourNodes_1"/>
+          <dgm:constr type="w" for="ch" forName="FourNodes_2" refType="w" fact="0.8"/>
+          <dgm:constr type="h" for="ch" forName="FourNodes_2" refType="h" fact="0.22"/>
+          <dgm:constr type="ctrY" for="ch" forName="FourNodes_2" refType="h" fact="0.37"/>
+          <dgm:constr type="ctrX" for="ch" forName="FourNodes_2" refType="w" fact="0.467"/>
+          <dgm:constr type="w" for="ch" forName="FourNodes_3" refType="w" fact="0.8"/>
+          <dgm:constr type="h" for="ch" forName="FourNodes_3" refType="h" fact="0.22"/>
+          <dgm:constr type="ctrY" for="ch" forName="FourNodes_3" refType="h" fact="0.63"/>
+          <dgm:constr type="ctrX" for="ch" forName="FourNodes_3" refType="w" fact="0.533"/>
+          <dgm:constr type="w" for="ch" forName="FourNodes_4" refType="w" fact="0.8"/>
+          <dgm:constr type="h" for="ch" forName="FourNodes_4" refType="h" fact="0.22"/>
+          <dgm:constr type="b" for="ch" forName="FourNodes_4" refType="h"/>
+          <dgm:constr type="r" for="ch" forName="FourNodes_4" refType="w"/>
+          <dgm:constr type="w" for="ch" forName="FourConn_1-2" refType="h" refFor="ch" refForName="FourNodes_1" fact="0.65"/>
+          <dgm:constr type="h" for="ch" forName="FourConn_1-2" refType="h" refFor="ch" refForName="FourNodes_1" fact="0.65"/>
+          <dgm:constr type="ctrY" for="ch" forName="FourConn_1-2" refType="h" fact="0.24"/>
+          <dgm:constr type="r" for="ch" forName="FourConn_1-2" refType="r" refFor="ch" refForName="FourNodes_1"/>
+          <dgm:constr type="w" for="ch" forName="FourConn_2-3" refType="h" refFor="ch" refForName="FourNodes_2" fact="0.65"/>
+          <dgm:constr type="h" for="ch" forName="FourConn_2-3" refType="h" refFor="ch" refForName="FourNodes_2" fact="0.65"/>
+          <dgm:constr type="ctrY" for="ch" forName="FourConn_2-3" refType="h" fact="0.5"/>
+          <dgm:constr type="r" for="ch" forName="FourConn_2-3" refType="r" refFor="ch" refForName="FourNodes_2"/>
+          <dgm:constr type="w" for="ch" forName="FourConn_3-4" refType="h" refFor="ch" refForName="FourNodes_3" fact="0.65"/>
+          <dgm:constr type="h" for="ch" forName="FourConn_3-4" refType="h" refFor="ch" refForName="FourNodes_3" fact="0.65"/>
+          <dgm:constr type="ctrY" for="ch" forName="FourConn_3-4" refType="h" fact="0.76"/>
+          <dgm:constr type="r" for="ch" forName="FourConn_3-4" refType="r" refFor="ch" refForName="FourNodes_3"/>
+          <dgm:constr type="r" for="ch" forName="FourNodes_1_text" refType="l" refFor="ch" refForName="FourConn_1-2"/>
+          <dgm:constr type="rOff" for="ch" forName="FourNodes_1_text" refType="w" refFor="ch" refForName="FourConn_1-2" fact="-0.7"/>
+          <dgm:constr type="t" for="ch" forName="FourNodes_1_text" refType="t" refFor="ch" refForName="FourNodes_1"/>
+          <dgm:constr type="b" for="ch" forName="FourNodes_1_text" refType="b" refFor="ch" refForName="FourNodes_1"/>
+          <dgm:constr type="l" for="ch" forName="FourNodes_1_text" refType="l" refFor="ch" refForName="FourNodes_1"/>
+          <dgm:constr type="r" for="ch" forName="FourNodes_2_text" refType="l" refFor="ch" refForName="FourConn_1-2"/>
+          <dgm:constr type="t" for="ch" forName="FourNodes_2_text" refType="t" refFor="ch" refForName="FourNodes_2"/>
+          <dgm:constr type="b" for="ch" forName="FourNodes_2_text" refType="b" refFor="ch" refForName="FourNodes_2"/>
+          <dgm:constr type="l" for="ch" forName="FourNodes_2_text" refType="l" refFor="ch" refForName="FourNodes_2"/>
+          <dgm:constr type="r" for="ch" forName="FourNodes_3_text" refType="l" refFor="ch" refForName="FourConn_2-3"/>
+          <dgm:constr type="t" for="ch" forName="FourNodes_3_text" refType="t" refFor="ch" refForName="FourNodes_3"/>
+          <dgm:constr type="b" for="ch" forName="FourNodes_3_text" refType="b" refFor="ch" refForName="FourNodes_3"/>
+          <dgm:constr type="l" for="ch" forName="FourNodes_3_text" refType="l" refFor="ch" refForName="FourNodes_3"/>
+          <dgm:constr type="r" for="ch" forName="FourNodes_4_text" refType="l" refFor="ch" refForName="FourConn_3-4"/>
+          <dgm:constr type="t" for="ch" forName="FourNodes_4_text" refType="t" refFor="ch" refForName="FourNodes_4"/>
+          <dgm:constr type="b" for="ch" forName="FourNodes_4_text" refType="b" refFor="ch" refForName="FourNodes_4"/>
+          <dgm:constr type="l" for="ch" forName="FourNodes_4_text" refType="l" refFor="ch" refForName="FourNodes_4"/>
+          <dgm:constr type="w" for="ch" forName="FiveNodes_1" refType="w" fact="0.77"/>
+          <dgm:constr type="h" for="ch" forName="FiveNodes_1" refType="h" fact="0.18"/>
+          <dgm:constr type="t" for="ch" forName="FiveNodes_1"/>
+          <dgm:constr type="l" for="ch" forName="FiveNodes_1"/>
+          <dgm:constr type="w" for="ch" forName="FiveNodes_2" refType="w" fact="0.77"/>
+          <dgm:constr type="h" for="ch" forName="FiveNodes_2" refType="h" fact="0.18"/>
+          <dgm:constr type="ctrY" for="ch" forName="FiveNodes_2" refType="h" fact="0.295"/>
+          <dgm:constr type="ctrX" for="ch" forName="FiveNodes_2" refType="w" fact="0.4425"/>
+          <dgm:constr type="w" for="ch" forName="FiveNodes_3" refType="w" fact="0.77"/>
+          <dgm:constr type="h" for="ch" forName="FiveNodes_3" refType="h" fact="0.18"/>
+          <dgm:constr type="ctrY" for="ch" forName="FiveNodes_3" refType="h" fact="0.5"/>
+          <dgm:constr type="ctrX" for="ch" forName="FiveNodes_3" refType="w" fact="0.5"/>
+          <dgm:constr type="w" for="ch" forName="FiveNodes_4" refType="w" fact="0.77"/>
+          <dgm:constr type="h" for="ch" forName="FiveNodes_4" refType="h" fact="0.18"/>
+          <dgm:constr type="ctrY" for="ch" forName="FiveNodes_4" refType="h" fact="0.705"/>
+          <dgm:constr type="ctrX" for="ch" forName="FiveNodes_4" refType="w" fact="0.5575"/>
+          <dgm:constr type="w" for="ch" forName="FiveNodes_5" refType="w" fact="0.77"/>
+          <dgm:constr type="h" for="ch" forName="FiveNodes_5" refType="h" fact="0.18"/>
+          <dgm:constr type="b" for="ch" forName="FiveNodes_5" refType="h"/>
+          <dgm:constr type="r" for="ch" forName="FiveNodes_5" refType="w"/>
+          <dgm:constr type="w" for="ch" forName="FiveConn_1-2" refType="h" refFor="ch" refForName="FiveNodes_1" fact="0.65"/>
+          <dgm:constr type="h" for="ch" forName="FiveConn_1-2" refType="h" refFor="ch" refForName="FiveNodes_1" fact="0.65"/>
+          <dgm:constr type="ctrY" for="ch" forName="FiveConn_1-2" refType="h" fact="0.19"/>
+          <dgm:constr type="r" for="ch" forName="FiveConn_1-2" refType="r" refFor="ch" refForName="FiveNodes_1"/>
+          <dgm:constr type="w" for="ch" forName="FiveConn_2-3" refType="h" refFor="ch" refForName="FiveNodes_2" fact="0.65"/>
+          <dgm:constr type="h" for="ch" forName="FiveConn_2-3" refType="h" refFor="ch" refForName="FiveNodes_2" fact="0.65"/>
+          <dgm:constr type="ctrY" for="ch" forName="FiveConn_2-3" refType="h" fact="0.395"/>
+          <dgm:constr type="r" for="ch" forName="FiveConn_2-3" refType="r" refFor="ch" refForName="FiveNodes_2"/>
+          <dgm:constr type="w" for="ch" forName="FiveConn_3-4" refType="h" refFor="ch" refForName="FiveNodes_3" fact="0.65"/>
+          <dgm:constr type="h" for="ch" forName="FiveConn_3-4" refType="h" refFor="ch" refForName="FiveNodes_3" fact="0.65"/>
+          <dgm:constr type="ctrY" for="ch" forName="FiveConn_3-4" refType="h" fact="0.597"/>
+          <dgm:constr type="r" for="ch" forName="FiveConn_3-4" refType="r" refFor="ch" refForName="FiveNodes_3"/>
+          <dgm:constr type="w" for="ch" forName="FiveConn_4-5" refType="h" refFor="ch" refForName="FiveNodes_4" fact="0.65"/>
+          <dgm:constr type="h" for="ch" forName="FiveConn_4-5" refType="h" refFor="ch" refForName="FiveNodes_4" fact="0.65"/>
+          <dgm:constr type="ctrY" for="ch" forName="FiveConn_4-5" refType="h" fact="0.804"/>
+          <dgm:constr type="r" for="ch" forName="FiveConn_4-5" refType="r" refFor="ch" refForName="FiveNodes_4"/>
+          <dgm:constr type="r" for="ch" forName="FiveNodes_1_text" refType="l" refFor="ch" refForName="FiveConn_1-2"/>
+          <dgm:constr type="rOff" for="ch" forName="FiveNodes_1_text" refType="w" refFor="ch" refForName="FiveConn_1-2" fact="-0.75"/>
+          <dgm:constr type="t" for="ch" forName="FiveNodes_1_text" refType="t" refFor="ch" refForName="FiveNodes_1"/>
+          <dgm:constr type="b" for="ch" forName="FiveNodes_1_text" refType="b" refFor="ch" refForName="FiveNodes_1"/>
+          <dgm:constr type="l" for="ch" forName="FiveNodes_1_text" refType="l" refFor="ch" refForName="FiveNodes_1"/>
+          <dgm:constr type="r" for="ch" forName="FiveNodes_2_text" refType="l" refFor="ch" refForName="FiveConn_1-2"/>
+          <dgm:constr type="t" for="ch" forName="FiveNodes_2_text" refType="t" refFor="ch" refForName="FiveNodes_2"/>
+          <dgm:constr type="b" for="ch" forName="FiveNodes_2_text" refType="b" refFor="ch" refForName="FiveNodes_2"/>
+          <dgm:constr type="l" for="ch" forName="FiveNodes_2_text" refType="l" refFor="ch" refForName="FiveNodes_2"/>
+          <dgm:constr type="r" for="ch" forName="FiveNodes_3_text" refType="l" refFor="ch" refForName="FiveConn_2-3"/>
+          <dgm:constr type="t" for="ch" forName="FiveNodes_3_text" refType="t" refFor="ch" refForName="FiveNodes_3"/>
+          <dgm:constr type="b" for="ch" forName="FiveNodes_3_text" refType="b" refFor="ch" refForName="FiveNodes_3"/>
+          <dgm:constr type="l" for="ch" forName="FiveNodes_3_text" refType="l" refFor="ch" refForName="FiveNodes_3"/>
+          <dgm:constr type="r" for="ch" forName="FiveNodes_4_text" refType="l" refFor="ch" refForName="FiveConn_3-4"/>
+          <dgm:constr type="t" for="ch" forName="FiveNodes_4_text" refType="t" refFor="ch" refForName="FiveNodes_4"/>
+          <dgm:constr type="b" for="ch" forName="FiveNodes_4_text" refType="b" refFor="ch" refForName="FiveNodes_4"/>
+          <dgm:constr type="l" for="ch" forName="FiveNodes_4_text" refType="l" refFor="ch" refForName="FiveNodes_4"/>
+          <dgm:constr type="r" for="ch" forName="FiveNodes_5_text" refType="l" refFor="ch" refForName="FiveConn_4-5"/>
+          <dgm:constr type="t" for="ch" forName="FiveNodes_5_text" refType="t" refFor="ch" refForName="FiveNodes_5"/>
+          <dgm:constr type="b" for="ch" forName="FiveNodes_5_text" refType="b" refFor="ch" refForName="FiveNodes_5"/>
+          <dgm:constr type="l" for="ch" forName="FiveNodes_5_text" refType="l" refFor="ch" refForName="FiveNodes_5"/>
+        </dgm:constrLst>
+      </dgm:if>
+      <dgm:else name="Name2">
+        <dgm:constrLst>
+          <dgm:constr type="primFontSz" for="ch" ptType="node" op="equ" val="65"/>
+          <dgm:constr type="w" for="ch" forName="dummyMaxCanvas" refType="w"/>
+          <dgm:constr type="h" for="ch" forName="dummyMaxCanvas" refType="h"/>
+          <dgm:constr type="w" for="ch" forName="OneNode_1" refType="w"/>
+          <dgm:constr type="h" for="ch" forName="OneNode_1" refType="h" fact="0.5"/>
+          <dgm:constr type="ctrY" for="ch" forName="OneNode_1" refType="h" fact="0.5"/>
+          <dgm:constr type="w" for="ch" forName="TwoNodes_1" refType="w" fact="0.85"/>
+          <dgm:constr type="h" for="ch" forName="TwoNodes_1" refType="h" fact="0.45"/>
+          <dgm:constr type="t" for="ch" forName="TwoNodes_1"/>
+          <dgm:constr type="r" for="ch" forName="TwoNodes_1" refType="w"/>
+          <dgm:constr type="w" for="ch" forName="TwoNodes_2" refType="w" fact="0.85"/>
+          <dgm:constr type="h" for="ch" forName="TwoNodes_2" refType="h" fact="0.45"/>
+          <dgm:constr type="b" for="ch" forName="TwoNodes_2" refType="h"/>
+          <dgm:constr type="l" for="ch" forName="TwoNodes_2"/>
+          <dgm:constr type="w" for="ch" forName="TwoConn_1-2" refType="h" refFor="ch" refForName="TwoNodes_1" fact="0.65"/>
+          <dgm:constr type="h" for="ch" forName="TwoConn_1-2" refType="h" refFor="ch" refForName="TwoNodes_1" fact="0.65"/>
+          <dgm:constr type="ctrY" for="ch" forName="TwoConn_1-2" refType="h" fact="0.5"/>
+          <dgm:constr type="l" for="ch" forName="TwoConn_1-2" refType="l" refFor="ch" refForName="TwoNodes_1"/>
+          <dgm:constr type="l" for="ch" forName="TwoNodes_1_text" refType="r" refFor="ch" refForName="TwoConn_1-2"/>
+          <dgm:constr type="lOff" for="ch" forName="TwoNodes_1_text" refType="w" refFor="ch" refForName="TwoConn_1-2" fact="0.5"/>
+          <dgm:constr type="t" for="ch" forName="TwoNodes_1_text" refType="t" refFor="ch" refForName="TwoNodes_1"/>
+          <dgm:constr type="b" for="ch" forName="TwoNodes_1_text" refType="b" refFor="ch" refForName="TwoNodes_1"/>
+          <dgm:constr type="r" for="ch" forName="TwoNodes_1_text" refType="r" refFor="ch" refForName="TwoNodes_1"/>
+          <dgm:constr type="l" for="ch" forName="TwoNodes_2_text" refType="r" refFor="ch" refForName="TwoConn_1-2"/>
+          <dgm:constr type="t" for="ch" forName="TwoNodes_2_text" refType="t" refFor="ch" refForName="TwoNodes_2"/>
+          <dgm:constr type="b" for="ch" forName="TwoNodes_2_text" refType="b" refFor="ch" refForName="TwoNodes_2"/>
+          <dgm:constr type="r" for="ch" forName="TwoNodes_2_text" refType="r" refFor="ch" refForName="TwoNodes_2"/>
+          <dgm:constr type="w" for="ch" forName="ThreeNodes_1" refType="w" fact="0.85"/>
+          <dgm:constr type="h" for="ch" forName="ThreeNodes_1" refType="h" fact="0.3"/>
+          <dgm:constr type="t" for="ch" forName="ThreeNodes_1"/>
+          <dgm:constr type="r" for="ch" forName="ThreeNodes_1" refType="w"/>
+          <dgm:constr type="w" for="ch" forName="ThreeNodes_2" refType="w" fact="0.85"/>
+          <dgm:constr type="h" for="ch" forName="ThreeNodes_2" refType="h" fact="0.3"/>
+          <dgm:constr type="ctrY" for="ch" forName="ThreeNodes_2" refType="h" fact="0.5"/>
+          <dgm:constr type="ctrX" for="ch" forName="ThreeNodes_2" refType="w" fact="0.5"/>
+          <dgm:constr type="w" for="ch" forName="ThreeNodes_3" refType="w" fact="0.85"/>
+          <dgm:constr type="h" for="ch" forName="ThreeNodes_3" refType="h" fact="0.3"/>
+          <dgm:constr type="b" for="ch" forName="ThreeNodes_3" refType="h"/>
+          <dgm:constr type="l" for="ch" forName="ThreeNodes_3"/>
+          <dgm:constr type="w" for="ch" forName="ThreeConn_1-2" refType="h" refFor="ch" refForName="ThreeNodes_1" fact="0.65"/>
+          <dgm:constr type="h" for="ch" forName="ThreeConn_1-2" refType="h" refFor="ch" refForName="ThreeNodes_1" fact="0.65"/>
+          <dgm:constr type="ctrY" for="ch" forName="ThreeConn_1-2" refType="h" fact="0.325"/>
+          <dgm:constr type="l" for="ch" forName="ThreeConn_1-2" refType="l" refFor="ch" refForName="ThreeNodes_1"/>
+          <dgm:constr type="w" for="ch" forName="ThreeConn_2-3" refType="h" refFor="ch" refForName="ThreeNodes_2" fact="0.65"/>
+          <dgm:constr type="h" for="ch" forName="ThreeConn_2-3" refType="h" refFor="ch" refForName="ThreeNodes_2" fact="0.65"/>
+          <dgm:constr type="ctrY" for="ch" forName="ThreeConn_2-3" refType="h" fact="0.673"/>
+          <dgm:constr type="l" for="ch" forName="ThreeConn_2-3" refType="l" refFor="ch" refForName="ThreeNodes_2"/>
+          <dgm:constr type="l" for="ch" forName="ThreeNodes_1_text" refType="r" refFor="ch" refForName="ThreeConn_1-2"/>
+          <dgm:constr type="lOff" for="ch" forName="ThreeNodes_1_text" refType="w" refFor="ch" refForName="ThreeConn_1-2" fact="0.55"/>
+          <dgm:constr type="t" for="ch" forName="ThreeNodes_1_text" refType="t" refFor="ch" refForName="ThreeNodes_1"/>
+          <dgm:constr type="b" for="ch" forName="ThreeNodes_1_text" refType="b" refFor="ch" refForName="ThreeNodes_1"/>
+          <dgm:constr type="r" for="ch" forName="ThreeNodes_1_text" refType="r" refFor="ch" refForName="ThreeNodes_1"/>
+          <dgm:constr type="l" for="ch" forName="ThreeNodes_2_text" refType="r" refFor="ch" refForName="ThreeConn_1-2"/>
+          <dgm:constr type="t" for="ch" forName="ThreeNodes_2_text" refType="t" refFor="ch" refForName="ThreeNodes_2"/>
+          <dgm:constr type="b" for="ch" forName="ThreeNodes_2_text" refType="b" refFor="ch" refForName="ThreeNodes_2"/>
+          <dgm:constr type="r" for="ch" forName="ThreeNodes_2_text" refType="r" refFor="ch" refForName="ThreeNodes_2"/>
+          <dgm:constr type="l" for="ch" forName="ThreeNodes_3_text" refType="r" refFor="ch" refForName="ThreeConn_2-3"/>
+          <dgm:constr type="t" for="ch" forName="ThreeNodes_3_text" refType="t" refFor="ch" refForName="ThreeNodes_3"/>
+          <dgm:constr type="b" for="ch" forName="ThreeNodes_3_text" refType="b" refFor="ch" refForName="ThreeNodes_3"/>
+          <dgm:constr type="r" for="ch" forName="ThreeNodes_3_text" refType="r" refFor="ch" refForName="ThreeNodes_3"/>
+          <dgm:constr type="w" for="ch" forName="FourNodes_1" refType="w" fact="0.8"/>
+          <dgm:constr type="h" for="ch" forName="FourNodes_1" refType="h" fact="0.22"/>
+          <dgm:constr type="t" for="ch" forName="FourNodes_1"/>
+          <dgm:constr type="r" for="ch" forName="FourNodes_1" refType="w"/>
+          <dgm:constr type="w" for="ch" forName="FourNodes_2" refType="w" fact="0.8"/>
+          <dgm:constr type="h" for="ch" forName="FourNodes_2" refType="h" fact="0.22"/>
+          <dgm:constr type="ctrY" for="ch" forName="FourNodes_2" refType="h" fact="0.37"/>
+          <dgm:constr type="ctrX" for="ch" forName="FourNodes_2" refType="w" fact="0.533"/>
+          <dgm:constr type="w" for="ch" forName="FourNodes_3" refType="w" fact="0.8"/>
+          <dgm:constr type="h" for="ch" forName="FourNodes_3" refType="h" fact="0.22"/>
+          <dgm:constr type="ctrY" for="ch" forName="FourNodes_3" refType="h" fact="0.63"/>
+          <dgm:constr type="ctrX" for="ch" forName="FourNodes_3" refType="w" fact="0.467"/>
+          <dgm:constr type="w" for="ch" forName="FourNodes_4" refType="w" fact="0.8"/>
+          <dgm:constr type="h" for="ch" forName="FourNodes_4" refType="h" fact="0.22"/>
+          <dgm:constr type="b" for="ch" forName="FourNodes_4" refType="h"/>
+          <dgm:constr type="l" for="ch" forName="FourNodes_4"/>
+          <dgm:constr type="w" for="ch" forName="FourConn_1-2" refType="h" refFor="ch" refForName="FourNodes_1" fact="0.65"/>
+          <dgm:constr type="h" for="ch" forName="FourConn_1-2" refType="h" refFor="ch" refForName="FourNodes_1" fact="0.65"/>
+          <dgm:constr type="ctrY" for="ch" forName="FourConn_1-2" refType="h" fact="0.24"/>
+          <dgm:constr type="l" for="ch" forName="FourConn_1-2" refType="l" refFor="ch" refForName="FourNodes_1"/>
+          <dgm:constr type="w" for="ch" forName="FourConn_2-3" refType="h" refFor="ch" refForName="FourNodes_2" fact="0.65"/>
+          <dgm:constr type="h" for="ch" forName="FourConn_2-3" refType="h" refFor="ch" refForName="FourNodes_2" fact="0.65"/>
+          <dgm:constr type="ctrY" for="ch" forName="FourConn_2-3" refType="h" fact="0.5"/>
+          <dgm:constr type="l" for="ch" forName="FourConn_2-3" refType="l" refFor="ch" refForName="FourNodes_2"/>
+          <dgm:constr type="w" for="ch" forName="FourConn_3-4" refType="h" refFor="ch" refForName="FourNodes_3" fact="0.65"/>
+          <dgm:constr type="h" for="ch" forName="FourConn_3-4" refType="h" refFor="ch" refForName="FourNodes_3" fact="0.65"/>
+          <dgm:constr type="ctrY" for="ch" forName="FourConn_3-4" refType="h" fact="0.76"/>
+          <dgm:constr type="l" for="ch" forName="FourConn_3-4" refType="l" refFor="ch" refForName="FourNodes_3"/>
+          <dgm:constr type="l" for="ch" forName="FourNodes_1_text" refType="r" refFor="ch" refForName="FourConn_1-2"/>
+          <dgm:constr type="lOff" for="ch" forName="FourNodes_1_text" refType="w" refFor="ch" refForName="FourConn_1-2" fact="0.69"/>
+          <dgm:constr type="t" for="ch" forName="FourNodes_1_text" refType="t" refFor="ch" refForName="FourNodes_1"/>
+          <dgm:constr type="b" for="ch" forName="FourNodes_1_text" refType="b" refFor="ch" refForName="FourNodes_1"/>
+          <dgm:constr type="r" for="ch" forName="FourNodes_1_text" refType="r" refFor="ch" refForName="FourNodes_1"/>
+          <dgm:constr type="l" for="ch" forName="FourNodes_2_text" refType="r" refFor="ch" refForName="FourConn_1-2"/>
+          <dgm:constr type="t" for="ch" forName="FourNodes_2_text" refType="t" refFor="ch" refForName="FourNodes_2"/>
+          <dgm:constr type="b" for="ch" forName="FourNodes_2_text" refType="b" refFor="ch" refForName="FourNodes_2"/>
+          <dgm:constr type="r" for="ch" forName="FourNodes_2_text" refType="r" refFor="ch" refForName="FourNodes_2"/>
+          <dgm:constr type="l" for="ch" forName="FourNodes_3_text" refType="r" refFor="ch" refForName="FourConn_2-3"/>
+          <dgm:constr type="t" for="ch" forName="FourNodes_3_text" refType="t" refFor="ch" refForName="FourNodes_3"/>
+          <dgm:constr type="b" for="ch" forName="FourNodes_3_text" refType="b" refFor="ch" refForName="FourNodes_3"/>
+          <dgm:constr type="r" for="ch" forName="FourNodes_3_text" refType="r" refFor="ch" refForName="FourNodes_3"/>
+          <dgm:constr type="l" for="ch" forName="FourNodes_4_text" refType="r" refFor="ch" refForName="FourConn_3-4"/>
+          <dgm:constr type="t" for="ch" forName="FourNodes_4_text" refType="t" refFor="ch" refForName="FourNodes_4"/>
+          <dgm:constr type="b" for="ch" forName="FourNodes_4_text" refType="b" refFor="ch" refForName="FourNodes_4"/>
+          <dgm:constr type="r" for="ch" forName="FourNodes_4_text" refType="r" refFor="ch" refForName="FourNodes_4"/>
+          <dgm:constr type="w" for="ch" forName="FiveNodes_1" refType="w" fact="0.77"/>
+          <dgm:constr type="h" for="ch" forName="FiveNodes_1" refType="h" fact="0.18"/>
+          <dgm:constr type="t" for="ch" forName="FiveNodes_1"/>
+          <dgm:constr type="r" for="ch" forName="FiveNodes_1" refType="w"/>
+          <dgm:constr type="w" for="ch" forName="FiveNodes_2" refType="w" fact="0.77"/>
+          <dgm:constr type="h" for="ch" forName="FiveNodes_2" refType="h" fact="0.18"/>
+          <dgm:constr type="ctrY" for="ch" forName="FiveNodes_2" refType="h" fact="0.295"/>
+          <dgm:constr type="ctrX" for="ch" forName="FiveNodes_2" refType="w" fact="0.5575"/>
+          <dgm:constr type="w" for="ch" forName="FiveNodes_3" refType="w" fact="0.77"/>
+          <dgm:constr type="h" for="ch" forName="FiveNodes_3" refType="h" fact="0.18"/>
+          <dgm:constr type="ctrY" for="ch" forName="FiveNodes_3" refType="h" fact="0.5"/>
+          <dgm:constr type="ctrX" for="ch" forName="FiveNodes_3" refType="w" fact="0.5"/>
+          <dgm:constr type="w" for="ch" forName="FiveNodes_4" refType="w" fact="0.77"/>
+          <dgm:constr type="h" for="ch" forName="FiveNodes_4" refType="h" fact="0.18"/>
+          <dgm:constr type="ctrY" for="ch" forName="FiveNodes_4" refType="h" fact="0.705"/>
+          <dgm:constr type="ctrX" for="ch" forName="FiveNodes_4" refType="w" fact="0.4425"/>
+          <dgm:constr type="w" for="ch" forName="FiveNodes_5" refType="w" fact="0.77"/>
+          <dgm:constr type="h" for="ch" forName="FiveNodes_5" refType="h" fact="0.18"/>
+          <dgm:constr type="b" for="ch" forName="FiveNodes_5" refType="h"/>
+          <dgm:constr type="l" for="ch" forName="FiveNodes_5"/>
+          <dgm:constr type="w" for="ch" forName="FiveConn_1-2" refType="h" refFor="ch" refForName="FiveNodes_1" fact="0.65"/>
+          <dgm:constr type="h" for="ch" forName="FiveConn_1-2" refType="h" refFor="ch" refForName="FiveNodes_1" fact="0.65"/>
+          <dgm:constr type="ctrY" for="ch" forName="FiveConn_1-2" refType="h" fact="0.19"/>
+          <dgm:constr type="l" for="ch" forName="FiveConn_1-2" refType="l" refFor="ch" refForName="FiveNodes_1"/>
+          <dgm:constr type="w" for="ch" forName="FiveConn_2-3" refType="h" refFor="ch" refForName="FiveNodes_2" fact="0.65"/>
+          <dgm:constr type="h" for="ch" forName="FiveConn_2-3" refType="h" refFor="ch" refForName="FiveNodes_2" fact="0.65"/>
+          <dgm:constr type="ctrY" for="ch" forName="FiveConn_2-3" refType="h" fact="0.395"/>
+          <dgm:constr type="l" for="ch" forName="FiveConn_2-3" refType="l" refFor="ch" refForName="FiveNodes_2"/>
+          <dgm:constr type="w" for="ch" forName="FiveConn_3-4" refType="h" refFor="ch" refForName="FiveNodes_3" fact="0.65"/>
+          <dgm:constr type="h" for="ch" forName="FiveConn_3-4" refType="h" refFor="ch" refForName="FiveNodes_3" fact="0.65"/>
+          <dgm:constr type="ctrY" for="ch" forName="FiveConn_3-4" refType="h" fact="0.597"/>
+          <dgm:constr type="l" for="ch" forName="FiveConn_3-4" refType="l" refFor="ch" refForName="FiveNodes_3"/>
+          <dgm:constr type="w" for="ch" forName="FiveConn_4-5" refType="h" refFor="ch" refForName="FiveNodes_4" fact="0.65"/>
+          <dgm:constr type="h" for="ch" forName="FiveConn_4-5" refType="h" refFor="ch" refForName="FiveNodes_4" fact="0.65"/>
+          <dgm:constr type="ctrY" for="ch" forName="FiveConn_4-5" refType="h" fact="0.804"/>
+          <dgm:constr type="l" for="ch" forName="FiveConn_4-5" refType="l" refFor="ch" refForName="FiveNodes_4"/>
+          <dgm:constr type="l" for="ch" forName="FiveNodes_1_text" refType="r" refFor="ch" refForName="FiveConn_1-2"/>
+          <dgm:constr type="lOff" for="ch" forName="FiveNodes_1_text" refType="w" refFor="ch" refForName="FiveConn_1-2" fact="0.73"/>
+          <dgm:constr type="t" for="ch" forName="FiveNodes_1_text" refType="t" refFor="ch" refForName="FiveNodes_1"/>
+          <dgm:constr type="b" for="ch" forName="FiveNodes_1_text" refType="b" refFor="ch" refForName="FiveNodes_1"/>
+          <dgm:constr type="r" for="ch" forName="FiveNodes_1_text" refType="r" refFor="ch" refForName="FiveNodes_1"/>
+          <dgm:constr type="l" for="ch" forName="FiveNodes_2_text" refType="r" refFor="ch" refForName="FiveConn_1-2"/>
+          <dgm:constr type="t" for="ch" forName="FiveNodes_2_text" refType="t" refFor="ch" refForName="FiveNodes_2"/>
+          <dgm:constr type="b" for="ch" forName="FiveNodes_2_text" refType="b" refFor="ch" refForName="FiveNodes_2"/>
+          <dgm:constr type="r" for="ch" forName="FiveNodes_2_text" refType="r" refFor="ch" refForName="FiveNodes_2"/>
+          <dgm:constr type="l" for="ch" forName="FiveNodes_3_text" refType="r" refFor="ch" refForName="FiveConn_2-3"/>
+          <dgm:constr type="t" for="ch" forName="FiveNodes_3_text" refType="t" refFor="ch" refForName="FiveNodes_3"/>
+          <dgm:constr type="b" for="ch" forName="FiveNodes_3_text" refType="b" refFor="ch" refForName="FiveNodes_3"/>
+          <dgm:constr type="r" for="ch" forName="FiveNodes_3_text" refType="r" refFor="ch" refForName="FiveNodes_3"/>
+          <dgm:constr type="l" for="ch" forName="FiveNodes_4_text" refType="r" refFor="ch" refForName="FiveConn_3-4"/>
+          <dgm:constr type="t" for="ch" forName="FiveNodes_4_text" refType="t" refFor="ch" refForName="FiveNodes_4"/>
+          <dgm:constr type="b" for="ch" forName="FiveNodes_4_text" refType="b" refFor="ch" refForName="FiveNodes_4"/>
+          <dgm:constr type="r" for="ch" forName="FiveNodes_4_text" refType="r" refFor="ch" refForName="FiveNodes_4"/>
+          <dgm:constr type="l" for="ch" forName="FiveNodes_5_text" refType="r" refFor="ch" refForName="FiveConn_4-5"/>
+          <dgm:constr type="t" for="ch" forName="FiveNodes_5_text" refType="t" refFor="ch" refForName="FiveNodes_5"/>
+          <dgm:constr type="b" for="ch" forName="FiveNodes_5_text" refType="b" refFor="ch" refForName="FiveNodes_5"/>
+          <dgm:constr type="r" for="ch" forName="FiveNodes_5_text" refType="r" refFor="ch" refForName="FiveNodes_5"/>
+        </dgm:constrLst>
+      </dgm:else>
+    </dgm:choose>
+    <dgm:ruleLst/>
+    <dgm:layoutNode name="dummyMaxCanvas">
+      <dgm:varLst/>
+      <dgm:alg type="sp"/>
+      <dgm:shape xmlns:r="http://schemas.openxmlformats.org/officeDocument/2006/relationships" r:blip="">
+        <dgm:adjLst/>
+      </dgm:shape>
+      <dgm:presOf/>
+      <dgm:constrLst/>
+      <dgm:ruleLst/>
+    </dgm:layoutNode>
+    <dgm:choose name="Name3">
+      <dgm:if name="Name4" axis="ch" ptType="node" func="cnt" op="equ" val="1">
+        <dgm:layoutNode name="OneNode_1">
+          <dgm:varLst>
+            <dgm:bulletEnabled val="1"/>
+          </dgm:varLst>
+          <dgm:alg type="tx"/>
+          <dgm:shape xmlns:r="http://schemas.openxmlformats.org/officeDocument/2006/relationships" type="roundRect" r:blip="">
+            <dgm:adjLst>
+              <dgm:adj idx="1" val="0.1"/>
+            </dgm:adjLst>
+          </dgm:shape>
+          <dgm:presOf axis="ch desOrSelf" ptType="node node" st="1 1" cnt="1 0"/>
+          <dgm:constrLst>
+            <dgm:constr type="lMarg" refType="primFontSz" fact="0.3"/>
+            <dgm:constr type="rMarg" refType="primFontSz" fact="0.3"/>
+            <dgm:constr type="tMarg" refType="primFontSz" fact="0.3"/>
+            <dgm:constr type="bMarg" refType="primFontSz" fact="0.3"/>
+          </dgm:constrLst>
+          <dgm:ruleLst>
+            <dgm:rule type="primFontSz" val="5" fact="NaN" max="NaN"/>
+          </dgm:ruleLst>
+        </dgm:layoutNode>
+      </dgm:if>
+      <dgm:else name="Name5">
+        <dgm:choose name="Name6">
+          <dgm:if name="Name7" axis="ch" ptType="node" func="cnt" op="equ" val="2">
+            <dgm:layoutNode name="TwoNodes_1">
+              <dgm:varLst>
+                <dgm:bulletEnabled val="1"/>
+              </dgm:varLst>
+              <dgm:alg type="sp"/>
+              <dgm:shape xmlns:r="http://schemas.openxmlformats.org/officeDocument/2006/relationships" type="roundRect" r:blip="">
+                <dgm:adjLst>
+                  <dgm:adj idx="1" val="0.1"/>
+                </dgm:adjLst>
+              </dgm:shape>
+              <dgm:presOf axis="ch desOrSelf" ptType="node node" st="1 1" cnt="1 0"/>
+              <dgm:constrLst/>
+              <dgm:ruleLst/>
+            </dgm:layoutNode>
+            <dgm:layoutNode name="TwoNodes_2">
+              <dgm:varLst>
+                <dgm:bulletEnabled val="1"/>
+              </dgm:varLst>
+              <dgm:alg type="sp"/>
+              <dgm:shape xmlns:r="http://schemas.openxmlformats.org/officeDocument/2006/relationships" type="roundRect" r:blip="">
+                <dgm:adjLst>
+                  <dgm:adj idx="1" val="0.1"/>
+                </dgm:adjLst>
+              </dgm:shape>
+              <dgm:presOf axis="ch desOrSelf" ptType="node node" st="2 1" cnt="1 0"/>
+              <dgm:constrLst/>
+              <dgm:ruleLst/>
+            </dgm:layoutNode>
+            <dgm:layoutNode name="TwoConn_1-2" styleLbl="fgAccFollowNode1">
+              <dgm:varLst>
+                <dgm:bulletEnabled val="1"/>
+              </dgm:varLst>
+              <dgm:alg type="tx"/>
+              <dgm:shape xmlns:r="http://schemas.openxmlformats.org/officeDocument/2006/relationships" type="downArrow" r:blip="">
+                <dgm:adjLst>
+                  <dgm:adj idx="1" val="0.55"/>
+                  <dgm:adj idx="2" val="0.45"/>
+                </dgm:adjLst>
+              </dgm:shape>
+              <dgm:presOf axis="ch" ptType="sibTrans" cnt="1"/>
+              <dgm:constrLst>
+                <dgm:constr type="lMarg" refType="primFontSz" fact="0.1"/>
+                <dgm:constr type="rMarg" refType="primFontSz" fact="0.1"/>
+                <dgm:constr type="tMarg" refType="primFontSz" fact="0.1"/>
+                <dgm:constr type="bMarg" refType="primFontSz" fact="0.1"/>
+              </dgm:constrLst>
+              <dgm:ruleLst>
+                <dgm:rule type="primFontSz" val="5" fact="NaN" max="NaN"/>
+              </dgm:ruleLst>
+            </dgm:layoutNode>
+            <dgm:layoutNode name="TwoNodes_1_text">
+              <dgm:varLst>
+                <dgm:bulletEnabled val="1"/>
+              </dgm:varLst>
+              <dgm:alg type="tx">
+                <dgm:param type="parTxLTRAlign" val="l"/>
+                <dgm:param type="txAnchorVertCh" val="mid"/>
+              </dgm:alg>
+              <dgm:shape xmlns:r="http://schemas.openxmlformats.org/officeDocument/2006/relationships" type="roundRect" r:blip="" hideGeom="1">
+                <dgm:adjLst>
+                  <dgm:adj idx="1" val="0.1"/>
+                </dgm:adjLst>
+              </dgm:shape>
+              <dgm:presOf axis="ch desOrSelf" ptType="node node" st="1 1" cnt="1 0"/>
+              <dgm:constrLst>
+                <dgm:constr type="lMarg" refType="primFontSz" fact="0.3"/>
+                <dgm:constr type="rMarg" refType="primFontSz" fact="0.3"/>
+                <dgm:constr type="tMarg" refType="primFontSz" fact="0.3"/>
+                <dgm:constr type="bMarg" refType="primFontSz" fact="0.3"/>
+              </dgm:constrLst>
+              <dgm:ruleLst>
+                <dgm:rule type="primFontSz" val="5" fact="NaN" max="NaN"/>
+              </dgm:ruleLst>
+            </dgm:layoutNode>
+            <dgm:layoutNode name="TwoNodes_2_text">
+              <dgm:varLst>
+                <dgm:bulletEnabled val="1"/>
+              </dgm:varLst>
+              <dgm:alg type="tx">
+                <dgm:param type="parTxLTRAlign" val="l"/>
+                <dgm:param type="txAnchorVertCh" val="mid"/>
+              </dgm:alg>
+              <dgm:shape xmlns:r="http://schemas.openxmlformats.org/officeDocument/2006/relationships" type="roundRect" r:blip="" hideGeom="1">
+                <dgm:adjLst>
+                  <dgm:adj idx="1" val="0.1"/>
+                </dgm:adjLst>
+              </dgm:shape>
+              <dgm:presOf axis="ch desOrSelf" ptType="node node" st="2 1" cnt="1 0"/>
+              <dgm:constrLst>
+                <dgm:constr type="lMarg" refType="primFontSz" fact="0.3"/>
+                <dgm:constr type="rMarg" refType="primFontSz" fact="0.3"/>
+                <dgm:constr type="tMarg" refType="primFontSz" fact="0.3"/>
+                <dgm:constr type="bMarg" refType="primFontSz" fact="0.3"/>
+              </dgm:constrLst>
+              <dgm:ruleLst>
+                <dgm:rule type="primFontSz" val="5" fact="NaN" max="NaN"/>
+              </dgm:ruleLst>
+            </dgm:layoutNode>
+          </dgm:if>
+          <dgm:else name="Name8">
+            <dgm:choose name="Name9">
+              <dgm:if name="Name10" axis="ch" ptType="node" func="cnt" op="equ" val="3">
+                <dgm:layoutNode name="ThreeNodes_1">
+                  <dgm:varLst>
+                    <dgm:bulletEnabled val="1"/>
+                  </dgm:varLst>
+                  <dgm:alg type="sp"/>
+                  <dgm:shape xmlns:r="http://schemas.openxmlformats.org/officeDocument/2006/relationships" type="roundRect" r:blip="">
+                    <dgm:adjLst>
+                      <dgm:adj idx="1" val="0.1"/>
+                    </dgm:adjLst>
+                  </dgm:shape>
+                  <dgm:presOf axis="ch desOrSelf" ptType="node node" st="1 1" cnt="1 0"/>
+                  <dgm:constrLst/>
+                  <dgm:ruleLst/>
+                </dgm:layoutNode>
+                <dgm:layoutNode name="ThreeNodes_2">
+                  <dgm:varLst>
+                    <dgm:bulletEnabled val="1"/>
+                  </dgm:varLst>
+                  <dgm:alg type="sp"/>
+                  <dgm:shape xmlns:r="http://schemas.openxmlformats.org/officeDocument/2006/relationships" type="roundRect" r:blip="">
+                    <dgm:adjLst>
+                      <dgm:adj idx="1" val="0.1"/>
+                    </dgm:adjLst>
+                  </dgm:shape>
+                  <dgm:presOf axis="ch desOrSelf" ptType="node node" st="2 1" cnt="1 0"/>
+                  <dgm:constrLst/>
+                  <dgm:ruleLst/>
+                </dgm:layoutNode>
+                <dgm:layoutNode name="ThreeNodes_3">
+                  <dgm:varLst>
+                    <dgm:bulletEnabled val="1"/>
+                  </dgm:varLst>
+                  <dgm:alg type="sp"/>
+                  <dgm:shape xmlns:r="http://schemas.openxmlformats.org/officeDocument/2006/relationships" type="roundRect" r:blip="">
+                    <dgm:adjLst>
+                      <dgm:adj idx="1" val="0.1"/>
+                    </dgm:adjLst>
+                  </dgm:shape>
+                  <dgm:presOf axis="ch desOrSelf" ptType="node node" st="3 1" cnt="1 0"/>
+                  <dgm:constrLst/>
+                  <dgm:ruleLst/>
+                </dgm:layoutNode>
+                <dgm:layoutNode name="ThreeConn_1-2" styleLbl="fgAccFollowNode1">
+                  <dgm:varLst>
+                    <dgm:bulletEnabled val="1"/>
+                  </dgm:varLst>
+                  <dgm:alg type="tx"/>
+                  <dgm:shape xmlns:r="http://schemas.openxmlformats.org/officeDocument/2006/relationships" type="downArrow" r:blip="">
+                    <dgm:adjLst>
+                      <dgm:adj idx="1" val="0.55"/>
+                      <dgm:adj idx="2" val="0.45"/>
+                    </dgm:adjLst>
+                  </dgm:shape>
+                  <dgm:presOf axis="ch" ptType="sibTrans" cnt="1"/>
+                  <dgm:constrLst>
+                    <dgm:constr type="lMarg" refType="primFontSz" fact="0.1"/>
+                    <dgm:constr type="rMarg" refType="primFontSz" fact="0.1"/>
+                    <dgm:constr type="tMarg" refType="primFontSz" fact="0.1"/>
+                    <dgm:constr type="bMarg" refType="primFontSz" fact="0.1"/>
+                  </dgm:constrLst>
+                  <dgm:ruleLst>
+                    <dgm:rule type="primFontSz" val="5" fact="NaN" max="NaN"/>
+                  </dgm:ruleLst>
+                </dgm:layoutNode>
+                <dgm:layoutNode name="ThreeConn_2-3" styleLbl="fgAccFollowNode1">
+                  <dgm:varLst>
+                    <dgm:bulletEnabled val="1"/>
+                  </dgm:varLst>
+                  <dgm:alg type="tx"/>
+                  <dgm:shape xmlns:r="http://schemas.openxmlformats.org/officeDocument/2006/relationships" type="downArrow" r:blip="">
+                    <dgm:adjLst>
+                      <dgm:adj idx="1" val="0.55"/>
+                      <dgm:adj idx="2" val="0.45"/>
+                    </dgm:adjLst>
+                  </dgm:shape>
+                  <dgm:presOf axis="ch" ptType="sibTrans" st="2" cnt="1"/>
+                  <dgm:constrLst>
+                    <dgm:constr type="lMarg" refType="primFontSz" fact="0.1"/>
+                    <dgm:constr type="rMarg" refType="primFontSz" fact="0.1"/>
+                    <dgm:constr type="tMarg" refType="primFontSz" fact="0.1"/>
+                    <dgm:constr type="bMarg" refType="primFontSz" fact="0.1"/>
+                  </dgm:constrLst>
+                  <dgm:ruleLst>
+                    <dgm:rule type="primFontSz" val="5" fact="NaN" max="NaN"/>
+                  </dgm:ruleLst>
+                </dgm:layoutNode>
+                <dgm:layoutNode name="ThreeNodes_1_text">
+                  <dgm:varLst>
+                    <dgm:bulletEnabled val="1"/>
+                  </dgm:varLst>
+                  <dgm:alg type="tx">
+                    <dgm:param type="parTxLTRAlign" val="l"/>
+                    <dgm:param type="txAnchorVertCh" val="mid"/>
+                  </dgm:alg>
+                  <dgm:shape xmlns:r="http://schemas.openxmlformats.org/officeDocument/2006/relationships" type="roundRect" r:blip="" hideGeom="1">
+                    <dgm:adjLst>
+                      <dgm:adj idx="1" val="0.1"/>
+                    </dgm:adjLst>
+                  </dgm:shape>
+                  <dgm:presOf axis="ch desOrSelf" ptType="node node" st="1 1" cnt="1 0"/>
+                  <dgm:constrLst>
+                    <dgm:constr type="lMarg" refType="primFontSz" fact="0.3"/>
+                    <dgm:constr type="rMarg" refType="primFontSz" fact="0.3"/>
+                    <dgm:constr type="tMarg" refType="primFontSz" fact="0.3"/>
+                    <dgm:constr type="bMarg" refType="primFontSz" fact="0.3"/>
+                  </dgm:constrLst>
+                  <dgm:ruleLst>
+                    <dgm:rule type="primFontSz" val="5" fact="NaN" max="NaN"/>
+                  </dgm:ruleLst>
+                </dgm:layoutNode>
+                <dgm:layoutNode name="ThreeNodes_2_text">
+                  <dgm:varLst>
+                    <dgm:bulletEnabled val="1"/>
+                  </dgm:varLst>
+                  <dgm:alg type="tx">
+                    <dgm:param type="parTxLTRAlign" val="l"/>
+                    <dgm:param type="txAnchorVertCh" val="mid"/>
+                  </dgm:alg>
+                  <dgm:shape xmlns:r="http://schemas.openxmlformats.org/officeDocument/2006/relationships" type="roundRect" r:blip="" hideGeom="1">
+                    <dgm:adjLst>
+                      <dgm:adj idx="1" val="0.1"/>
+                    </dgm:adjLst>
+                  </dgm:shape>
+                  <dgm:presOf axis="ch desOrSelf" ptType="node node" st="2 1" cnt="1 0"/>
+                  <dgm:constrLst>
+                    <dgm:constr type="lMarg" refType="primFontSz" fact="0.3"/>
+                    <dgm:constr type="rMarg" refType="primFontSz" fact="0.3"/>
+                    <dgm:constr type="tMarg" refType="primFontSz" fact="0.3"/>
+                    <dgm:constr type="bMarg" refType="primFontSz" fact="0.3"/>
+                  </dgm:constrLst>
+                  <dgm:ruleLst>
+                    <dgm:rule type="primFontSz" val="5" fact="NaN" max="NaN"/>
+                  </dgm:ruleLst>
+                </dgm:layoutNode>
+                <dgm:layoutNode name="ThreeNodes_3_text">
+                  <dgm:varLst>
+                    <dgm:bulletEnabled val="1"/>
+                  </dgm:varLst>
+                  <dgm:alg type="tx">
+                    <dgm:param type="parTxLTRAlign" val="l"/>
+                    <dgm:param type="txAnchorVertCh" val="mid"/>
+                  </dgm:alg>
+                  <dgm:shape xmlns:r="http://schemas.openxmlformats.org/officeDocument/2006/relationships" type="roundRect" r:blip="" hideGeom="1">
+                    <dgm:adjLst>
+                      <dgm:adj idx="1" val="0.1"/>
+                    </dgm:adjLst>
+                  </dgm:shape>
+                  <dgm:presOf axis="ch desOrSelf" ptType="node node" st="3 1" cnt="1 0"/>
+                  <dgm:constrLst>
+                    <dgm:constr type="lMarg" refType="primFontSz" fact="0.3"/>
+                    <dgm:constr type="rMarg" refType="primFontSz" fact="0.3"/>
+                    <dgm:constr type="tMarg" refType="primFontSz" fact="0.3"/>
+                    <dgm:constr type="bMarg" refType="primFontSz" fact="0.3"/>
+                  </dgm:constrLst>
+                  <dgm:ruleLst>
+                    <dgm:rule type="primFontSz" val="5" fact="NaN" max="NaN"/>
+                  </dgm:ruleLst>
+                </dgm:layoutNode>
+              </dgm:if>
+              <dgm:else name="Name11">
+                <dgm:choose name="Name12">
+                  <dgm:if name="Name13" axis="ch" ptType="node" func="cnt" op="equ" val="4">
+                    <dgm:layoutNode name="FourNodes_1">
+                      <dgm:varLst>
+                        <dgm:bulletEnabled val="1"/>
+                      </dgm:varLst>
+                      <dgm:alg type="sp"/>
+                      <dgm:shape xmlns:r="http://schemas.openxmlformats.org/officeDocument/2006/relationships" type="roundRect" r:blip="">
+                        <dgm:adjLst>
+                          <dgm:adj idx="1" val="0.1"/>
+                        </dgm:adjLst>
+                      </dgm:shape>
+                      <dgm:presOf axis="ch desOrSelf" ptType="node node" st="1 1" cnt="1 0"/>
+                      <dgm:constrLst/>
+                      <dgm:ruleLst/>
+                    </dgm:layoutNode>
+                    <dgm:layoutNode name="FourNodes_2">
+                      <dgm:varLst>
+                        <dgm:bulletEnabled val="1"/>
+                      </dgm:varLst>
+                      <dgm:alg type="sp"/>
+                      <dgm:shape xmlns:r="http://schemas.openxmlformats.org/officeDocument/2006/relationships" type="roundRect" r:blip="">
+                        <dgm:adjLst>
+                          <dgm:adj idx="1" val="0.1"/>
+                        </dgm:adjLst>
+                      </dgm:shape>
+                      <dgm:presOf axis="ch desOrSelf" ptType="node node" st="2 1" cnt="1 0"/>
+                      <dgm:constrLst/>
+                      <dgm:ruleLst/>
+                    </dgm:layoutNode>
+                    <dgm:layoutNode name="FourNodes_3">
+                      <dgm:varLst>
+                        <dgm:bulletEnabled val="1"/>
+                      </dgm:varLst>
+                      <dgm:alg type="sp"/>
+                      <dgm:shape xmlns:r="http://schemas.openxmlformats.org/officeDocument/2006/relationships" type="roundRect" r:blip="">
+                        <dgm:adjLst>
+                          <dgm:adj idx="1" val="0.1"/>
+                        </dgm:adjLst>
+                      </dgm:shape>
+                      <dgm:presOf axis="ch desOrSelf" ptType="node node" st="3 1" cnt="1 0"/>
+                      <dgm:constrLst/>
+                      <dgm:ruleLst/>
+                    </dgm:layoutNode>
+                    <dgm:layoutNode name="FourNodes_4">
+                      <dgm:varLst>
+                        <dgm:bulletEnabled val="1"/>
+                      </dgm:varLst>
+                      <dgm:alg type="sp"/>
+                      <dgm:shape xmlns:r="http://schemas.openxmlformats.org/officeDocument/2006/relationships" type="roundRect" r:blip="">
+                        <dgm:adjLst>
+                          <dgm:adj idx="1" val="0.1"/>
+                        </dgm:adjLst>
+                      </dgm:shape>
+                      <dgm:presOf axis="ch desOrSelf" ptType="node node" st="4 1" cnt="1 0"/>
+                      <dgm:constrLst/>
+                      <dgm:ruleLst/>
+                    </dgm:layoutNode>
+                    <dgm:layoutNode name="FourConn_1-2" styleLbl="fgAccFollowNode1">
+                      <dgm:varLst>
+                        <dgm:bulletEnabled val="1"/>
+                      </dgm:varLst>
+                      <dgm:alg type="tx"/>
+                      <dgm:shape xmlns:r="http://schemas.openxmlformats.org/officeDocument/2006/relationships" type="downArrow" r:blip="">
+                        <dgm:adjLst>
+                          <dgm:adj idx="1" val="0.55"/>
+                          <dgm:adj idx="2" val="0.45"/>
+                        </dgm:adjLst>
+                      </dgm:shape>
+                      <dgm:presOf axis="ch" ptType="sibTrans" cnt="1"/>
+                      <dgm:constrLst>
+                        <dgm:constr type="lMarg" refType="primFontSz" fact="0.1"/>
+                        <dgm:constr type="rMarg" refType="primFontSz" fact="0.1"/>
+                        <dgm:constr type="tMarg" refType="primFontSz" fact="0.1"/>
+                        <dgm:constr type="bMarg" refType="primFontSz" fact="0.1"/>
+                      </dgm:constrLst>
+                      <dgm:ruleLst>
+                        <dgm:rule type="primFontSz" val="5" fact="NaN" max="NaN"/>
+                      </dgm:ruleLst>
+                    </dgm:layoutNode>
+                    <dgm:layoutNode name="FourConn_2-3" styleLbl="fgAccFollowNode1">
+                      <dgm:varLst>
+                        <dgm:bulletEnabled val="1"/>
+                      </dgm:varLst>
+                      <dgm:alg type="tx"/>
+                      <dgm:shape xmlns:r="http://schemas.openxmlformats.org/officeDocument/2006/relationships" type="downArrow" r:blip="">
+                        <dgm:adjLst>
+                          <dgm:adj idx="1" val="0.55"/>
+                          <dgm:adj idx="2" val="0.45"/>
+                        </dgm:adjLst>
+                      </dgm:shape>
+                      <dgm:presOf axis="ch" ptType="sibTrans" st="2" cnt="1"/>
+                      <dgm:constrLst>
+                        <dgm:constr type="lMarg" refType="primFontSz" fact="0.1"/>
+                        <dgm:constr type="rMarg" refType="primFontSz" fact="0.1"/>
+                        <dgm:constr type="tMarg" refType="primFontSz" fact="0.1"/>
+                        <dgm:constr type="bMarg" refType="primFontSz" fact="0.1"/>
+                      </dgm:constrLst>
+                      <dgm:ruleLst>
+                        <dgm:rule type="primFontSz" val="5" fact="NaN" max="NaN"/>
+                      </dgm:ruleLst>
+                    </dgm:layoutNode>
+                    <dgm:layoutNode name="FourConn_3-4" styleLbl="fgAccFollowNode1">
+                      <dgm:varLst>
+                        <dgm:bulletEnabled val="1"/>
+                      </dgm:varLst>
+                      <dgm:alg type="tx"/>
+                      <dgm:shape xmlns:r="http://schemas.openxmlformats.org/officeDocument/2006/relationships" type="downArrow" r:blip="">
+                        <dgm:adjLst>
+                          <dgm:adj idx="1" val="0.55"/>
+                          <dgm:adj idx="2" val="0.45"/>
+                        </dgm:adjLst>
+                      </dgm:shape>
+                      <dgm:presOf axis="ch" ptType="sibTrans" st="3" cnt="1"/>
+                      <dgm:constrLst>
+                        <dgm:constr type="lMarg" refType="primFontSz" fact="0.1"/>
+                        <dgm:constr type="rMarg" refType="primFontSz" fact="0.1"/>
+                        <dgm:constr type="tMarg" refType="primFontSz" fact="0.1"/>
+                        <dgm:constr type="bMarg" refType="primFontSz" fact="0.1"/>
+                      </dgm:constrLst>
+                      <dgm:ruleLst>
+                        <dgm:rule type="primFontSz" val="5" fact="NaN" max="NaN"/>
+                      </dgm:ruleLst>
+                    </dgm:layoutNode>
+                    <dgm:layoutNode name="FourNodes_1_text">
+                      <dgm:varLst>
+                        <dgm:bulletEnabled val="1"/>
+                      </dgm:varLst>
+                      <dgm:alg type="tx">
+                        <dgm:param type="parTxLTRAlign" val="l"/>
+                        <dgm:param type="txAnchorVertCh" val="mid"/>
+                      </dgm:alg>
+                      <dgm:shape xmlns:r="http://schemas.openxmlformats.org/officeDocument/2006/relationships" type="roundRect" r:blip="" hideGeom="1">
+                        <dgm:adjLst>
+                          <dgm:adj idx="1" val="0.1"/>
+                        </dgm:adjLst>
+                      </dgm:shape>
+                      <dgm:presOf axis="ch desOrSelf" ptType="node node" st="1 1" cnt="1 0"/>
+                      <dgm:constrLst>
+                        <dgm:constr type="lMarg" refType="primFontSz" fact="0.3"/>
+                        <dgm:constr type="rMarg" refType="primFontSz" fact="0.3"/>
+                        <dgm:constr type="tMarg" refType="primFontSz" fact="0.3"/>
+                        <dgm:constr type="bMarg" refType="primFontSz" fact="0.3"/>
+                      </dgm:constrLst>
+                      <dgm:ruleLst>
+                        <dgm:rule type="primFontSz" val="5" fact="NaN" max="NaN"/>
+                      </dgm:ruleLst>
+                    </dgm:layoutNode>
+                    <dgm:layoutNode name="FourNodes_2_text">
+                      <dgm:varLst>
+                        <dgm:bulletEnabled val="1"/>
+                      </dgm:varLst>
+                      <dgm:alg type="tx">
+                        <dgm:param type="parTxLTRAlign" val="l"/>
+                        <dgm:param type="txAnchorVertCh" val="mid"/>
+                      </dgm:alg>
+                      <dgm:shape xmlns:r="http://schemas.openxmlformats.org/officeDocument/2006/relationships" type="roundRect" r:blip="" hideGeom="1">
+                        <dgm:adjLst>
+                          <dgm:adj idx="1" val="0.1"/>
+                        </dgm:adjLst>
+                      </dgm:shape>
+                      <dgm:presOf axis="ch desOrSelf" ptType="node node" st="2 1" cnt="1 0"/>
+                      <dgm:constrLst>
+                        <dgm:constr type="lMarg" refType="primFontSz" fact="0.3"/>
+                        <dgm:constr type="rMarg" refType="primFontSz" fact="0.3"/>
+                        <dgm:constr type="tMarg" refType="primFontSz" fact="0.3"/>
+                        <dgm:constr type="bMarg" refType="primFontSz" fact="0.3"/>
+                      </dgm:constrLst>
+                      <dgm:ruleLst>
+                        <dgm:rule type="primFontSz" val="5" fact="NaN" max="NaN"/>
+                      </dgm:ruleLst>
+                    </dgm:layoutNode>
+                    <dgm:layoutNode name="FourNodes_3_text">
+                      <dgm:varLst>
+                        <dgm:bulletEnabled val="1"/>
+                      </dgm:varLst>
+                      <dgm:alg type="tx">
+                        <dgm:param type="parTxLTRAlign" val="l"/>
+                        <dgm:param type="txAnchorVertCh" val="mid"/>
+                      </dgm:alg>
+                      <dgm:shape xmlns:r="http://schemas.openxmlformats.org/officeDocument/2006/relationships" type="roundRect" r:blip="" hideGeom="1">
+                        <dgm:adjLst>
+                          <dgm:adj idx="1" val="0.1"/>
+                        </dgm:adjLst>
+                      </dgm:shape>
+                      <dgm:presOf axis="ch desOrSelf" ptType="node node" st="3 1" cnt="1 0"/>
+                      <dgm:constrLst>
+                        <dgm:constr type="lMarg" refType="primFontSz" fact="0.3"/>
+                        <dgm:constr type="rMarg" refType="primFontSz" fact="0.3"/>
+                        <dgm:constr type="tMarg" refType="primFontSz" fact="0.3"/>
+                        <dgm:constr type="bMarg" refType="primFontSz" fact="0.3"/>
+                      </dgm:constrLst>
+                      <dgm:ruleLst>
+                        <dgm:rule type="primFontSz" val="5" fact="NaN" max="NaN"/>
+                      </dgm:ruleLst>
+                    </dgm:layoutNode>
+                    <dgm:layoutNode name="FourNodes_4_text">
+                      <dgm:varLst>
+                        <dgm:bulletEnabled val="1"/>
+                      </dgm:varLst>
+                      <dgm:alg type="tx">
+                        <dgm:param type="parTxLTRAlign" val="l"/>
+                        <dgm:param type="txAnchorVertCh" val="mid"/>
+                      </dgm:alg>
+                      <dgm:shape xmlns:r="http://schemas.openxmlformats.org/officeDocument/2006/relationships" type="roundRect" r:blip="" hideGeom="1">
+                        <dgm:adjLst>
+                          <dgm:adj idx="1" val="0.1"/>
+                        </dgm:adjLst>
+                      </dgm:shape>
+                      <dgm:presOf axis="ch desOrSelf" ptType="node node" st="4 1" cnt="1 0"/>
+                      <dgm:constrLst>
+                        <dgm:constr type="lMarg" refType="primFontSz" fact="0.3"/>
+                        <dgm:constr type="rMarg" refType="primFontSz" fact="0.3"/>
+                        <dgm:constr type="tMarg" refType="primFontSz" fact="0.3"/>
+                        <dgm:constr type="bMarg" refType="primFontSz" fact="0.3"/>
+                      </dgm:constrLst>
+                      <dgm:ruleLst>
+                        <dgm:rule type="primFontSz" val="5" fact="NaN" max="NaN"/>
+                      </dgm:ruleLst>
+                    </dgm:layoutNode>
+                  </dgm:if>
+                  <dgm:else name="Name14">
+                    <dgm:choose name="Name15">
+                      <dgm:if name="Name16" axis="ch" ptType="node" func="cnt" op="gte" val="5">
+                        <dgm:layoutNode name="FiveNodes_1">
+                          <dgm:varLst>
+                            <dgm:bulletEnabled val="1"/>
+                          </dgm:varLst>
+                          <dgm:alg type="sp"/>
+                          <dgm:shape xmlns:r="http://schemas.openxmlformats.org/officeDocument/2006/relationships" type="roundRect" r:blip="">
+                            <dgm:adjLst>
+                              <dgm:adj idx="1" val="0.1"/>
+                            </dgm:adjLst>
+                          </dgm:shape>
+                          <dgm:presOf axis="ch desOrSelf" ptType="node node" st="1 1" cnt="1 0"/>
+                          <dgm:constrLst/>
+                          <dgm:ruleLst/>
+                        </dgm:layoutNode>
+                        <dgm:layoutNode name="FiveNodes_2">
+                          <dgm:varLst>
+                            <dgm:bulletEnabled val="1"/>
+                          </dgm:varLst>
+                          <dgm:alg type="sp"/>
+                          <dgm:shape xmlns:r="http://schemas.openxmlformats.org/officeDocument/2006/relationships" type="roundRect" r:blip="">
+                            <dgm:adjLst>
+                              <dgm:adj idx="1" val="0.1"/>
+                            </dgm:adjLst>
+                          </dgm:shape>
+                          <dgm:presOf axis="ch desOrSelf" ptType="node node" st="2 1" cnt="1 0"/>
+                          <dgm:constrLst/>
+                          <dgm:ruleLst/>
+                        </dgm:layoutNode>
+                        <dgm:layoutNode name="FiveNodes_3">
+                          <dgm:varLst>
+                            <dgm:bulletEnabled val="1"/>
+                          </dgm:varLst>
+                          <dgm:alg type="sp"/>
+                          <dgm:shape xmlns:r="http://schemas.openxmlformats.org/officeDocument/2006/relationships" type="roundRect" r:blip="">
+                            <dgm:adjLst>
+                              <dgm:adj idx="1" val="0.1"/>
+                            </dgm:adjLst>
+                          </dgm:shape>
+                          <dgm:presOf axis="ch desOrSelf" ptType="node node" st="3 1" cnt="1 0"/>
+                          <dgm:constrLst/>
+                          <dgm:ruleLst/>
+                        </dgm:layoutNode>
+                        <dgm:layoutNode name="FiveNodes_4">
+                          <dgm:varLst>
+                            <dgm:bulletEnabled val="1"/>
+                          </dgm:varLst>
+                          <dgm:alg type="sp"/>
+                          <dgm:shape xmlns:r="http://schemas.openxmlformats.org/officeDocument/2006/relationships" type="roundRect" r:blip="">
+                            <dgm:adjLst>
+                              <dgm:adj idx="1" val="0.1"/>
+                            </dgm:adjLst>
+                          </dgm:shape>
+                          <dgm:presOf axis="ch desOrSelf" ptType="node node" st="4 1" cnt="1 0"/>
+                          <dgm:constrLst/>
+                          <dgm:ruleLst/>
+                        </dgm:layoutNode>
+                        <dgm:layoutNode name="FiveNodes_5">
+                          <dgm:varLst>
+                            <dgm:bulletEnabled val="1"/>
+                          </dgm:varLst>
+                          <dgm:alg type="sp"/>
+                          <dgm:shape xmlns:r="http://schemas.openxmlformats.org/officeDocument/2006/relationships" type="roundRect" r:blip="">
+                            <dgm:adjLst>
+                              <dgm:adj idx="1" val="0.1"/>
+                            </dgm:adjLst>
+                          </dgm:shape>
+                          <dgm:presOf axis="ch desOrSelf" ptType="node node" st="5 1" cnt="1 0"/>
+                          <dgm:constrLst/>
+                          <dgm:ruleLst/>
+                        </dgm:layoutNode>
+                        <dgm:layoutNode name="FiveConn_1-2" styleLbl="fgAccFollowNode1">
+                          <dgm:varLst>
+                            <dgm:bulletEnabled val="1"/>
+                          </dgm:varLst>
+                          <dgm:alg type="tx"/>
+                          <dgm:shape xmlns:r="http://schemas.openxmlformats.org/officeDocument/2006/relationships" type="downArrow" r:blip="">
+                            <dgm:adjLst>
+                              <dgm:adj idx="1" val="0.55"/>
+                              <dgm:adj idx="2" val="0.45"/>
+                            </dgm:adjLst>
+                          </dgm:shape>
+                          <dgm:presOf axis="ch" ptType="sibTrans" cnt="1"/>
+                          <dgm:constrLst>
+                            <dgm:constr type="lMarg" refType="primFontSz" fact="0.1"/>
+                            <dgm:constr type="rMarg" refType="primFontSz" fact="0.1"/>
+                            <dgm:constr type="tMarg" refType="primFontSz" fact="0.1"/>
+                            <dgm:constr type="bMarg" refType="primFontSz" fact="0.1"/>
+                          </dgm:constrLst>
+                          <dgm:ruleLst>
+                            <dgm:rule type="primFontSz" val="5" fact="NaN" max="NaN"/>
+                          </dgm:ruleLst>
+                        </dgm:layoutNode>
+                        <dgm:layoutNode name="FiveConn_2-3" styleLbl="fgAccFollowNode1">
+                          <dgm:varLst>
+                            <dgm:bulletEnabled val="1"/>
+                          </dgm:varLst>
+                          <dgm:alg type="tx"/>
+                          <dgm:shape xmlns:r="http://schemas.openxmlformats.org/officeDocument/2006/relationships" type="downArrow" r:blip="">
+                            <dgm:adjLst>
+                              <dgm:adj idx="1" val="0.55"/>
+                              <dgm:adj idx="2" val="0.45"/>
+                            </dgm:adjLst>
+                          </dgm:shape>
+                          <dgm:presOf axis="ch" ptType="sibTrans" st="2" cnt="1"/>
+                          <dgm:constrLst>
+                            <dgm:constr type="lMarg" refType="primFontSz" fact="0.1"/>
+                            <dgm:constr type="rMarg" refType="primFontSz" fact="0.1"/>
+                            <dgm:constr type="tMarg" refType="primFontSz" fact="0.1"/>
+                            <dgm:constr type="bMarg" refType="primFontSz" fact="0.1"/>
+                          </dgm:constrLst>
+                          <dgm:ruleLst>
+                            <dgm:rule type="primFontSz" val="5" fact="NaN" max="NaN"/>
+                          </dgm:ruleLst>
+                        </dgm:layoutNode>
+                        <dgm:layoutNode name="FiveConn_3-4" styleLbl="fgAccFollowNode1">
+                          <dgm:varLst>
+                            <dgm:bulletEnabled val="1"/>
+                          </dgm:varLst>
+                          <dgm:alg type="tx"/>
+                          <dgm:shape xmlns:r="http://schemas.openxmlformats.org/officeDocument/2006/relationships" type="downArrow" r:blip="">
+                            <dgm:adjLst>
+                              <dgm:adj idx="1" val="0.55"/>
+                              <dgm:adj idx="2" val="0.45"/>
+                            </dgm:adjLst>
+                          </dgm:shape>
+                          <dgm:presOf axis="ch" ptType="sibTrans" st="3" cnt="1"/>
+                          <dgm:constrLst>
+                            <dgm:constr type="lMarg" refType="primFontSz" fact="0.1"/>
+                            <dgm:constr type="rMarg" refType="primFontSz" fact="0.1"/>
+                            <dgm:constr type="tMarg" refType="primFontSz" fact="0.1"/>
+                            <dgm:constr type="bMarg" refType="primFontSz" fact="0.1"/>
+                          </dgm:constrLst>
+                          <dgm:ruleLst>
+                            <dgm:rule type="primFontSz" val="5" fact="NaN" max="NaN"/>
+                          </dgm:ruleLst>
+                        </dgm:layoutNode>
+                        <dgm:layoutNode name="FiveConn_4-5" styleLbl="fgAccFollowNode1">
+                          <dgm:varLst>
+                            <dgm:bulletEnabled val="1"/>
+                          </dgm:varLst>
+                          <dgm:alg type="tx"/>
+                          <dgm:shape xmlns:r="http://schemas.openxmlformats.org/officeDocument/2006/relationships" type="downArrow" r:blip="">
+                            <dgm:adjLst>
+                              <dgm:adj idx="1" val="0.55"/>
+                              <dgm:adj idx="2" val="0.45"/>
+                            </dgm:adjLst>
+                          </dgm:shape>
+                          <dgm:presOf axis="ch" ptType="sibTrans" st="4" cnt="1"/>
+                          <dgm:constrLst>
+                            <dgm:constr type="lMarg" refType="primFontSz" fact="0.1"/>
+                            <dgm:constr type="rMarg" refType="primFontSz" fact="0.1"/>
+                            <dgm:constr type="tMarg" refType="primFontSz" fact="0.1"/>
+                            <dgm:constr type="bMarg" refType="primFontSz" fact="0.1"/>
+                          </dgm:constrLst>
+                          <dgm:ruleLst>
+                            <dgm:rule type="primFontSz" val="5" fact="NaN" max="NaN"/>
+                          </dgm:ruleLst>
+                        </dgm:layoutNode>
+                        <dgm:layoutNode name="FiveNodes_1_text">
+                          <dgm:varLst>
+                            <dgm:bulletEnabled val="1"/>
+                          </dgm:varLst>
+                          <dgm:alg type="tx">
+                            <dgm:param type="parTxLTRAlign" val="l"/>
+                            <dgm:param type="txAnchorVertCh" val="mid"/>
+                          </dgm:alg>
+                          <dgm:shape xmlns:r="http://schemas.openxmlformats.org/officeDocument/2006/relationships" type="roundRect" r:blip="" hideGeom="1">
+                            <dgm:adjLst>
+                              <dgm:adj idx="1" val="0.1"/>
+                            </dgm:adjLst>
+                          </dgm:shape>
+                          <dgm:presOf axis="ch desOrSelf" ptType="node node" st="1 1" cnt="1 0"/>
+                          <dgm:constrLst>
+                            <dgm:constr type="lMarg" refType="primFontSz" fact="0.3"/>
+                            <dgm:constr type="rMarg" refType="primFontSz" fact="0.3"/>
+                            <dgm:constr type="tMarg" refType="primFontSz" fact="0.3"/>
+                            <dgm:constr type="bMarg" refType="primFontSz" fact="0.3"/>
+                          </dgm:constrLst>
+                          <dgm:ruleLst>
+                            <dgm:rule type="primFontSz" val="5" fact="NaN" max="NaN"/>
+                          </dgm:ruleLst>
+                        </dgm:layoutNode>
+                        <dgm:layoutNode name="FiveNodes_2_text">
+                          <dgm:varLst>
+                            <dgm:bulletEnabled val="1"/>
+                          </dgm:varLst>
+                          <dgm:alg type="tx">
+                            <dgm:param type="parTxLTRAlign" val="l"/>
+                            <dgm:param type="txAnchorVertCh" val="mid"/>
+                          </dgm:alg>
+                          <dgm:shape xmlns:r="http://schemas.openxmlformats.org/officeDocument/2006/relationships" type="roundRect" r:blip="" hideGeom="1">
+                            <dgm:adjLst>
+                              <dgm:adj idx="1" val="0.1"/>
+                            </dgm:adjLst>
+                          </dgm:shape>
+                          <dgm:presOf axis="ch desOrSelf" ptType="node node" st="2 1" cnt="1 0"/>
+                          <dgm:constrLst>
+                            <dgm:constr type="lMarg" refType="primFontSz" fact="0.3"/>
+                            <dgm:constr type="rMarg" refType="primFontSz" fact="0.3"/>
+                            <dgm:constr type="tMarg" refType="primFontSz" fact="0.3"/>
+                            <dgm:constr type="bMarg" refType="primFontSz" fact="0.3"/>
+                          </dgm:constrLst>
+                          <dgm:ruleLst>
+                            <dgm:rule type="primFontSz" val="5" fact="NaN" max="NaN"/>
+                          </dgm:ruleLst>
+                        </dgm:layoutNode>
+                        <dgm:layoutNode name="FiveNodes_3_text">
+                          <dgm:varLst>
+                            <dgm:bulletEnabled val="1"/>
+                          </dgm:varLst>
+                          <dgm:alg type="tx">
+                            <dgm:param type="parTxLTRAlign" val="l"/>
+                            <dgm:param type="txAnchorVertCh" val="mid"/>
+                          </dgm:alg>
+                          <dgm:shape xmlns:r="http://schemas.openxmlformats.org/officeDocument/2006/relationships" type="roundRect" r:blip="" hideGeom="1">
+                            <dgm:adjLst>
+                              <dgm:adj idx="1" val="0.1"/>
+                            </dgm:adjLst>
+                          </dgm:shape>
+                          <dgm:presOf axis="ch desOrSelf" ptType="node node" st="3 1" cnt="1 0"/>
+                          <dgm:constrLst>
+                            <dgm:constr type="lMarg" refType="primFontSz" fact="0.3"/>
+                            <dgm:constr type="rMarg" refType="primFontSz" fact="0.3"/>
+                            <dgm:constr type="tMarg" refType="primFontSz" fact="0.3"/>
+                            <dgm:constr type="bMarg" refType="primFontSz" fact="0.3"/>
+                          </dgm:constrLst>
+                          <dgm:ruleLst>
+                            <dgm:rule type="primFontSz" val="5" fact="NaN" max="NaN"/>
+                          </dgm:ruleLst>
+                        </dgm:layoutNode>
+                        <dgm:layoutNode name="FiveNodes_4_text">
+                          <dgm:varLst>
+                            <dgm:bulletEnabled val="1"/>
+                          </dgm:varLst>
+                          <dgm:alg type="tx">
+                            <dgm:param type="parTxLTRAlign" val="l"/>
+                            <dgm:param type="txAnchorVertCh" val="mid"/>
+                          </dgm:alg>
+                          <dgm:shape xmlns:r="http://schemas.openxmlformats.org/officeDocument/2006/relationships" type="roundRect" r:blip="" hideGeom="1">
+                            <dgm:adjLst>
+                              <dgm:adj idx="1" val="0.1"/>
+                            </dgm:adjLst>
+                          </dgm:shape>
+                          <dgm:presOf axis="ch desOrSelf" ptType="node node" st="4 1" cnt="1 0"/>
+                          <dgm:constrLst>
+                            <dgm:constr type="lMarg" refType="primFontSz" fact="0.3"/>
+                            <dgm:constr type="rMarg" refType="primFontSz" fact="0.3"/>
+                            <dgm:constr type="tMarg" refType="primFontSz" fact="0.3"/>
+                            <dgm:constr type="bMarg" refType="primFontSz" fact="0.3"/>
+                          </dgm:constrLst>
+                          <dgm:ruleLst>
+                            <dgm:rule type="primFontSz" val="5" fact="NaN" max="NaN"/>
+                          </dgm:ruleLst>
+                        </dgm:layoutNode>
+                        <dgm:layoutNode name="FiveNodes_5_text">
+                          <dgm:varLst>
+                            <dgm:bulletEnabled val="1"/>
+                          </dgm:varLst>
+                          <dgm:alg type="tx">
+                            <dgm:param type="parTxLTRAlign" val="l"/>
+                            <dgm:param type="txAnchorVertCh" val="mid"/>
+                          </dgm:alg>
+                          <dgm:shape xmlns:r="http://schemas.openxmlformats.org/officeDocument/2006/relationships" type="roundRect" r:blip="" hideGeom="1">
+                            <dgm:adjLst>
+                              <dgm:adj idx="1" val="0.1"/>
+                            </dgm:adjLst>
+                          </dgm:shape>
+                          <dgm:presOf axis="ch desOrSelf" ptType="node node" st="5 1" cnt="1 0"/>
+                          <dgm:constrLst>
+                            <dgm:constr type="lMarg" refType="primFontSz" fact="0.3"/>
+                            <dgm:constr type="rMarg" refType="primFontSz" fact="0.3"/>
+                            <dgm:constr type="tMarg" refType="primFontSz" fact="0.3"/>
+                            <dgm:constr type="bMarg" refType="primFontSz" fact="0.3"/>
+                          </dgm:constrLst>
+                          <dgm:ruleLst>
+                            <dgm:rule type="primFontSz" val="5" fact="NaN" max="NaN"/>
+                          </dgm:ruleLst>
+                        </dgm:layoutNode>
+                      </dgm:if>
+                      <dgm:else name="Name17"/>
+                    </dgm:choose>
+                  </dgm:else>
+                </dgm:choose>
+              </dgm:else>
+            </dgm:choose>
+          </dgm:else>
+        </dgm:choose>
+      </dgm:else>
+    </dgm:choose>
+  </dgm:layoutNode>
+</dgm:layoutDef>
+</file>
+
+<file path=ppt/diagrams/quickStyle1.xml><?xml version="1.0" encoding="utf-8"?>
+<dgm:styleDef xmlns:dgm="http://schemas.openxmlformats.org/drawingml/2006/diagram" xmlns:a="http://schemas.openxmlformats.org/drawingml/2006/main" uniqueId="urn:microsoft.com/office/officeart/2005/8/quickstyle/simple1">
+  <dgm:title val=""/>
+  <dgm:desc val=""/>
+  <dgm:catLst>
+    <dgm:cat type="simple" pri="10100"/>
+  </dgm:catLst>
+  <dgm:scene3d>
+    <a:camera prst="orthographicFront"/>
+    <a:lightRig rig="threePt" dir="t"/>
+  </dgm:scene3d>
+  <dgm:styleLbl name="node0">
+    <dgm:scene3d>
+      <a:camera prst="orthographicFront"/>
+      <a:lightRig rig="threePt" dir="t"/>
+    </dgm:scene3d>
+    <dgm:sp3d/>
+    <dgm:txPr/>
+    <dgm:style>
+      <a:lnRef idx="2">
+        <a:scrgbClr r="0" g="0" b="0"/>
+      </a:lnRef>
+      <a:fillRef idx="1">
+        <a:scrgbClr r="0" g="0" b="0"/>
+      </a:fillRef>
+      <a:effectRef idx="0">
+        <a:scrgbClr r="0" g="0" b="0"/>
+      </a:effectRef>
+      <a:fontRef idx="minor">
+        <a:schemeClr val="lt1"/>
+      </a:fontRef>
+    </dgm:style>
+  </dgm:styleLbl>
+  <dgm:styleLbl name="lnNode1">
+    <dgm:scene3d>
+      <a:camera prst="orthographicFront"/>
+      <a:lightRig rig="threePt" dir="t"/>
+    </dgm:scene3d>
+    <dgm:sp3d/>
+    <dgm:txPr/>
+    <dgm:style>
+      <a:lnRef idx="2">
+        <a:scrgbClr r="0" g="0" b="0"/>
+      </a:lnRef>
+      <a:fillRef idx="1">
+        <a:scrgbClr r="0" g="0" b="0"/>
+      </a:fillRef>
+      <a:effectRef idx="0">
+        <a:scrgbClr r="0" g="0" b="0"/>
+      </a:effectRef>
+      <a:fontRef idx="minor">
+        <a:schemeClr val="lt1"/>
+      </a:fontRef>
+    </dgm:style>
+  </dgm:styleLbl>
+  <dgm:styleLbl name="vennNode1">
+    <dgm:scene3d>
+      <a:camera prst="orthographicFront"/>
+      <a:lightRig rig="threePt" dir="t"/>
+    </dgm:scene3d>
+    <dgm:sp3d/>
+    <dgm:txPr/>
+    <dgm:style>
+      <a:lnRef idx="2">
+        <a:scrgbClr r="0" g="0" b="0"/>
+      </a:lnRef>
+      <a:fillRef idx="1">
+        <a:scrgbClr r="0" g="0" b="0"/>
+      </a:fillRef>
+      <a:effectRef idx="0">
+        <a:scrgbClr r="0" g="0" b="0"/>
+      </a:effectRef>
+      <a:fontRef idx="minor">
+        <a:schemeClr val="tx1"/>
+      </a:fontRef>
+    </dgm:style>
+  </dgm:styleLbl>
+  <dgm:styleLbl name="alignNode1">
+    <dgm:scene3d>
+      <a:camera prst="orthographicFront"/>
+      <a:lightRig rig="threePt" dir="t"/>
+    </dgm:scene3d>
+    <dgm:sp3d/>
+    <dgm:txPr/>
+    <dgm:style>
+      <a:lnRef idx="2">
+        <a:scrgbClr r="0" g="0" b="0"/>
+      </a:lnRef>
+      <a:fillRef idx="1">
+        <a:scrgbClr r="0" g="0" b="0"/>
+      </a:fillRef>
+      <a:effectRef idx="0">
+        <a:scrgbClr r="0" g="0" b="0"/>
+      </a:effectRef>
+      <a:fontRef idx="minor">
+        <a:schemeClr val="lt1"/>
+      </a:fontRef>
+    </dgm:style>
+  </dgm:styleLbl>
+  <dgm:styleLbl name="node1">
+    <dgm:scene3d>
+      <a:camera prst="orthographicFront"/>
+      <a:lightRig rig="threePt" dir="t"/>
+    </dgm:scene3d>
+    <dgm:sp3d/>
+    <dgm:txPr/>
+    <dgm:style>
+      <a:lnRef idx="2">
+        <a:scrgbClr r="0" g="0" b="0"/>
+      </a:lnRef>
+      <a:fillRef idx="1">
+        <a:scrgbClr r="0" g="0" b="0"/>
+      </a:fillRef>
+      <a:effectRef idx="0">
+        <a:scrgbClr r="0" g="0" b="0"/>
+      </a:effectRef>
+      <a:fontRef idx="minor">
+        <a:schemeClr val="lt1"/>
+      </a:fontRef>
+    </dgm:style>
+  </dgm:styleLbl>
+  <dgm:styleLbl name="node2">
+    <dgm:scene3d>
+      <a:camera prst="orthographicFront"/>
+      <a:lightRig rig="threePt" dir="t"/>
+    </dgm:scene3d>
+    <dgm:sp3d/>
+    <dgm:txPr/>
+    <dgm:style>
+      <a:lnRef idx="2">
+        <a:scrgbClr r="0" g="0" b="0"/>
+      </a:lnRef>
+      <a:fillRef idx="1">
+        <a:scrgbClr r="0" g="0" b="0"/>
+      </a:fillRef>
+      <a:effectRef idx="0">
+        <a:scrgbClr r="0" g="0" b="0"/>
+      </a:effectRef>
+      <a:fontRef idx="minor">
+        <a:schemeClr val="lt1"/>
+      </a:fontRef>
+    </dgm:style>
+  </dgm:styleLbl>
+  <dgm:styleLbl name="node3">
+    <dgm:scene3d>
+      <a:camera prst="orthographicFront"/>
+      <a:lightRig rig="threePt" dir="t"/>
+    </dgm:scene3d>
+    <dgm:sp3d/>
+    <dgm:txPr/>
+    <dgm:style>
+      <a:lnRef idx="2">
+        <a:scrgbClr r="0" g="0" b="0"/>
+      </a:lnRef>
+      <a:fillRef idx="1">
+        <a:scrgbClr r="0" g="0" b="0"/>
+      </a:fillRef>
+      <a:effectRef idx="0">
+        <a:scrgbClr r="0" g="0" b="0"/>
+      </a:effectRef>
+      <a:fontRef idx="minor">
+        <a:schemeClr val="lt1"/>
+      </a:fontRef>
+    </dgm:style>
+  </dgm:styleLbl>
+  <dgm:styleLbl name="node4">
+    <dgm:scene3d>
+      <a:camera prst="orthographicFront"/>
+      <a:lightRig rig="threePt" dir="t"/>
+    </dgm:scene3d>
+    <dgm:sp3d/>
+    <dgm:txPr/>
+    <dgm:style>
+      <a:lnRef idx="2">
+        <a:scrgbClr r="0" g="0" b="0"/>
+      </a:lnRef>
+      <a:fillRef idx="1">
+        <a:scrgbClr r="0" g="0" b="0"/>
+      </a:fillRef>
+      <a:effectRef idx="0">
+        <a:scrgbClr r="0" g="0" b="0"/>
+      </a:effectRef>
+      <a:fontRef idx="minor">
+        <a:schemeClr val="lt1"/>
+      </a:fontRef>
+    </dgm:style>
+  </dgm:styleLbl>
+  <dgm:styleLbl name="fgImgPlace1">
+    <dgm:scene3d>
+      <a:camera prst="orthographicFront"/>
+      <a:lightRig rig="threePt" dir="t"/>
+    </dgm:scene3d>
+    <dgm:sp3d/>
+    <dgm:txPr/>
+    <dgm:style>
+      <a:lnRef idx="2">
+        <a:scrgbClr r="0" g="0" b="0"/>
+      </a:lnRef>
+      <a:fillRef idx="1">
+        <a:scrgbClr r="0" g="0" b="0"/>
+      </a:fillRef>
+      <a:effectRef idx="0">
+        <a:scrgbClr r="0" g="0" b="0"/>
+      </a:effectRef>
+      <a:fontRef idx="minor"/>
+    </dgm:style>
+  </dgm:styleLbl>
+  <dgm:styleLbl name="alignImgPlace1">
+    <dgm:scene3d>
+      <a:camera prst="orthographicFront"/>
+      <a:lightRig rig="threePt" dir="t"/>
+    </dgm:scene3d>
+    <dgm:sp3d/>
+    <dgm:txPr/>
+    <dgm:style>
+      <a:lnRef idx="2">
+        <a:scrgbClr r="0" g="0" b="0"/>
+      </a:lnRef>
+      <a:fillRef idx="1">
+        <a:scrgbClr r="0" g="0" b="0"/>
+      </a:fillRef>
+      <a:effectRef idx="0">
+        <a:scrgbClr r="0" g="0" b="0"/>
+      </a:effectRef>
+      <a:fontRef idx="minor"/>
+    </dgm:style>
+  </dgm:styleLbl>
+  <dgm:styleLbl name="bgImgPlace1">
+    <dgm:scene3d>
+      <a:camera prst="orthographicFront"/>
+      <a:lightRig rig="threePt" dir="t"/>
+    </dgm:scene3d>
+    <dgm:sp3d/>
+    <dgm:txPr/>
+    <dgm:style>
+      <a:lnRef idx="2">
+        <a:scrgbClr r="0" g="0" b="0"/>
+      </a:lnRef>
+      <a:fillRef idx="1">
+        <a:scrgbClr r="0" g="0" b="0"/>
+      </a:fillRef>
+      <a:effectRef idx="0">
+        <a:scrgbClr r="0" g="0" b="0"/>
+      </a:effectRef>
+      <a:fontRef idx="minor"/>
+    </dgm:style>
+  </dgm:styleLbl>
+  <dgm:styleLbl name="sibTrans2D1">
+    <dgm:scene3d>
+      <a:camera prst="orthographicFront"/>
+      <a:lightRig rig="threePt" dir="t"/>
+    </dgm:scene3d>
+    <dgm:sp3d/>
+    <dgm:txPr/>
+    <dgm:style>
+      <a:lnRef idx="0">
+        <a:scrgbClr r="0" g="0" b="0"/>
+      </a:lnRef>
+      <a:fillRef idx="1">
+        <a:scrgbClr r="0" g="0" b="0"/>
+      </a:fillRef>
+      <a:effectRef idx="0">
+        <a:scrgbClr r="0" g="0" b="0"/>
+      </a:effectRef>
+      <a:fontRef idx="minor">
+        <a:schemeClr val="lt1"/>
+      </a:fontRef>
+    </dgm:style>
+  </dgm:styleLbl>
+  <dgm:styleLbl name="fgSibTrans2D1">
+    <dgm:scene3d>
+      <a:camera prst="orthographicFront"/>
+      <a:lightRig rig="threePt" dir="t"/>
+    </dgm:scene3d>
+    <dgm:sp3d/>
+    <dgm:txPr/>
+    <dgm:style>
+      <a:lnRef idx="0">
+        <a:scrgbClr r="0" g="0" b="0"/>
+      </a:lnRef>
+      <a:fillRef idx="1">
+        <a:scrgbClr r="0" g="0" b="0"/>
+      </a:fillRef>
+      <a:effectRef idx="0">
+        <a:scrgbClr r="0" g="0" b="0"/>
+      </a:effectRef>
+      <a:fontRef idx="minor">
+        <a:schemeClr val="lt1"/>
+      </a:fontRef>
+    </dgm:style>
+  </dgm:styleLbl>
+  <dgm:styleLbl name="bgSibTrans2D1">
+    <dgm:scene3d>
+      <a:camera prst="orthographicFront"/>
+      <a:lightRig rig="threePt" dir="t"/>
+    </dgm:scene3d>
+    <dgm:sp3d/>
+    <dgm:txPr/>
+    <dgm:style>
+      <a:lnRef idx="0">
+        <a:scrgbClr r="0" g="0" b="0"/>
+      </a:lnRef>
+      <a:fillRef idx="1">
+        <a:scrgbClr r="0" g="0" b="0"/>
+      </a:fillRef>
+      <a:effectRef idx="0">
+        <a:scrgbClr r="0" g="0" b="0"/>
+      </a:effectRef>
+      <a:fontRef idx="minor">
+        <a:schemeClr val="lt1"/>
+      </a:fontRef>
+    </dgm:style>
+  </dgm:styleLbl>
+  <dgm:styleLbl name="sibTrans1D1">
+    <dgm:scene3d>
+      <a:camera prst="orthographicFront"/>
+      <a:lightRig rig="threePt" dir="t"/>
+    </dgm:scene3d>
+    <dgm:sp3d/>
+    <dgm:txPr/>
+    <dgm:style>
+      <a:lnRef idx="1">
+        <a:scrgbClr r="0" g="0" b="0"/>
+      </a:lnRef>
+      <a:fillRef idx="0">
+        <a:scrgbClr r="0" g="0" b="0"/>
+      </a:fillRef>
+      <a:effectRef idx="0">
+        <a:scrgbClr r="0" g="0" b="0"/>
+      </a:effectRef>
+      <a:fontRef idx="minor"/>
+    </dgm:style>
+  </dgm:styleLbl>
+  <dgm:styleLbl name="callout">
+    <dgm:scene3d>
+      <a:camera prst="orthographicFront"/>
+      <a:lightRig rig="threePt" dir="t"/>
+    </dgm:scene3d>
+    <dgm:sp3d/>
+    <dgm:txPr/>
+    <dgm:style>
+      <a:lnRef idx="2">
+        <a:scrgbClr r="0" g="0" b="0"/>
+      </a:lnRef>
+      <a:fillRef idx="1">
+        <a:scrgbClr r="0" g="0" b="0"/>
+      </a:fillRef>
+      <a:effectRef idx="0">
+        <a:scrgbClr r="0" g="0" b="0"/>
+      </a:effectRef>
+      <a:fontRef idx="minor"/>
+    </dgm:style>
+  </dgm:styleLbl>
+  <dgm:styleLbl name="asst0">
+    <dgm:scene3d>
+      <a:camera prst="orthographicFront"/>
+      <a:lightRig rig="threePt" dir="t"/>
+    </dgm:scene3d>
+    <dgm:sp3d/>
+    <dgm:txPr/>
+    <dgm:style>
+      <a:lnRef idx="2">
+        <a:scrgbClr r="0" g="0" b="0"/>
+      </a:lnRef>
+      <a:fillRef idx="1">
+        <a:scrgbClr r="0" g="0" b="0"/>
+      </a:fillRef>
+      <a:effectRef idx="0">
+        <a:scrgbClr r="0" g="0" b="0"/>
+      </a:effectRef>
+      <a:fontRef idx="minor">
+        <a:schemeClr val="lt1"/>
+      </a:fontRef>
+    </dgm:style>
+  </dgm:styleLbl>
+  <dgm:styleLbl name="asst1">
+    <dgm:scene3d>
+      <a:camera prst="orthographicFront"/>
+      <a:lightRig rig="threePt" dir="t"/>
+    </dgm:scene3d>
+    <dgm:sp3d/>
+    <dgm:txPr/>
+    <dgm:style>
+      <a:lnRef idx="2">
+        <a:scrgbClr r="0" g="0" b="0"/>
+      </a:lnRef>
+      <a:fillRef idx="1">
+        <a:scrgbClr r="0" g="0" b="0"/>
+      </a:fillRef>
+      <a:effectRef idx="0">
+        <a:scrgbClr r="0" g="0" b="0"/>
+      </a:effectRef>
+      <a:fontRef idx="minor">
+        <a:schemeClr val="lt1"/>
+      </a:fontRef>
+    </dgm:style>
+  </dgm:styleLbl>
+  <dgm:styleLbl name="asst2">
+    <dgm:scene3d>
+      <a:camera prst="orthographicFront"/>
+      <a:lightRig rig="threePt" dir="t"/>
+    </dgm:scene3d>
+    <dgm:sp3d/>
+    <dgm:txPr/>
+    <dgm:style>
+      <a:lnRef idx="2">
+        <a:scrgbClr r="0" g="0" b="0"/>
+      </a:lnRef>
+      <a:fillRef idx="1">
+        <a:scrgbClr r="0" g="0" b="0"/>
+      </a:fillRef>
+      <a:effectRef idx="0">
+        <a:scrgbClr r="0" g="0" b="0"/>
+      </a:effectRef>
+      <a:fontRef idx="minor">
+        <a:schemeClr val="lt1"/>
+      </a:fontRef>
+    </dgm:style>
+  </dgm:styleLbl>
+  <dgm:styleLbl name="asst3">
+    <dgm:scene3d>
+      <a:camera prst="orthographicFront"/>
+      <a:lightRig rig="threePt" dir="t"/>
+    </dgm:scene3d>
+    <dgm:sp3d/>
+    <dgm:txPr/>
+    <dgm:style>
+      <a:lnRef idx="2">
+        <a:scrgbClr r="0" g="0" b="0"/>
+      </a:lnRef>
+      <a:fillRef idx="1">
+        <a:scrgbClr r="0" g="0" b="0"/>
+      </a:fillRef>
+      <a:effectRef idx="0">
+        <a:scrgbClr r="0" g="0" b="0"/>
+      </a:effectRef>
+      <a:fontRef idx="minor">
+        <a:schemeClr val="lt1"/>
+      </a:fontRef>
+    </dgm:style>
+  </dgm:styleLbl>
+  <dgm:styleLbl name="asst4">
+    <dgm:scene3d>
+      <a:camera prst="orthographicFront"/>
+      <a:lightRig rig="threePt" dir="t"/>
+    </dgm:scene3d>
+    <dgm:sp3d/>
+    <dgm:txPr/>
+    <dgm:style>
+      <a:lnRef idx="2">
+        <a:scrgbClr r="0" g="0" b="0"/>
+      </a:lnRef>
+      <a:fillRef idx="1">
+        <a:scrgbClr r="0" g="0" b="0"/>
+      </a:fillRef>
+      <a:effectRef idx="0">
+        <a:scrgbClr r="0" g="0" b="0"/>
+      </a:effectRef>
+      <a:fontRef idx="minor">
+        <a:schemeClr val="lt1"/>
+      </a:fontRef>
+    </dgm:style>
+  </dgm:styleLbl>
+  <dgm:styleLbl name="parChTrans2D1">
+    <dgm:scene3d>
+      <a:camera prst="orthographicFront"/>
+      <a:lightRig rig="threePt" dir="t"/>
+    </dgm:scene3d>
+    <dgm:sp3d/>
+    <dgm:txPr/>
+    <dgm:style>
+      <a:lnRef idx="2">
+        <a:scrgbClr r="0" g="0" b="0"/>
+      </a:lnRef>
+      <a:fillRef idx="1">
+        <a:scrgbClr r="0" g="0" b="0"/>
+      </a:fillRef>
+      <a:effectRef idx="0">
+        <a:scrgbClr r="0" g="0" b="0"/>
+      </a:effectRef>
+      <a:fontRef idx="minor">
+        <a:schemeClr val="lt1"/>
+      </a:fontRef>
+    </dgm:style>
+  </dgm:styleLbl>
+  <dgm:styleLbl name="parChTrans2D2">
+    <dgm:scene3d>
+      <a:camera prst="orthographicFront"/>
+      <a:lightRig rig="threePt" dir="t"/>
+    </dgm:scene3d>
+    <dgm:sp3d/>
+    <dgm:txPr/>
+    <dgm:style>
+      <a:lnRef idx="2">
+        <a:scrgbClr r="0" g="0" b="0"/>
+      </a:lnRef>
+      <a:fillRef idx="1">
+        <a:scrgbClr r="0" g="0" b="0"/>
+      </a:fillRef>
+      <a:effectRef idx="0">
+        <a:scrgbClr r="0" g="0" b="0"/>
+      </a:effectRef>
+      <a:fontRef idx="minor">
+        <a:schemeClr val="lt1"/>
+      </a:fontRef>
+    </dgm:style>
+  </dgm:styleLbl>
+  <dgm:styleLbl name="parChTrans2D3">
+    <dgm:scene3d>
+      <a:camera prst="orthographicFront"/>
+      <a:lightRig rig="threePt" dir="t"/>
+    </dgm:scene3d>
+    <dgm:sp3d/>
+    <dgm:txPr/>
+    <dgm:style>
+      <a:lnRef idx="2">
+        <a:scrgbClr r="0" g="0" b="0"/>
+      </a:lnRef>
+      <a:fillRef idx="1">
+        <a:scrgbClr r="0" g="0" b="0"/>
+      </a:fillRef>
+      <a:effectRef idx="0">
+        <a:scrgbClr r="0" g="0" b="0"/>
+      </a:effectRef>
+      <a:fontRef idx="minor">
+        <a:schemeClr val="lt1"/>
+      </a:fontRef>
+    </dgm:style>
+  </dgm:styleLbl>
+  <dgm:styleLbl name="parChTrans2D4">
+    <dgm:scene3d>
+      <a:camera prst="orthographicFront"/>
+      <a:lightRig rig="threePt" dir="t"/>
+    </dgm:scene3d>
+    <dgm:sp3d/>
+    <dgm:txPr/>
+    <dgm:style>
+      <a:lnRef idx="2">
+        <a:scrgbClr r="0" g="0" b="0"/>
+      </a:lnRef>
+      <a:fillRef idx="1">
+        <a:scrgbClr r="0" g="0" b="0"/>
+      </a:fillRef>
+      <a:effectRef idx="0">
+        <a:scrgbClr r="0" g="0" b="0"/>
+      </a:effectRef>
+      <a:fontRef idx="minor">
+        <a:schemeClr val="lt1"/>
+      </a:fontRef>
+    </dgm:style>
+  </dgm:styleLbl>
+  <dgm:styleLbl name="parChTrans1D1">
+    <dgm:scene3d>
+      <a:camera prst="orthographicFront"/>
+      <a:lightRig rig="threePt" dir="t"/>
+    </dgm:scene3d>
+    <dgm:sp3d/>
+    <dgm:txPr/>
+    <dgm:style>
+      <a:lnRef idx="2">
+        <a:scrgbClr r="0" g="0" b="0"/>
+      </a:lnRef>
+      <a:fillRef idx="0">
+        <a:scrgbClr r="0" g="0" b="0"/>
+      </a:fillRef>
+      <a:effectRef idx="0">
+        <a:scrgbClr r="0" g="0" b="0"/>
+      </a:effectRef>
+      <a:fontRef idx="minor"/>
+    </dgm:style>
+  </dgm:styleLbl>
+  <dgm:styleLbl name="parChTrans1D2">
+    <dgm:scene3d>
+      <a:camera prst="orthographicFront"/>
+      <a:lightRig rig="threePt" dir="t"/>
+    </dgm:scene3d>
+    <dgm:sp3d/>
+    <dgm:txPr/>
+    <dgm:style>
+      <a:lnRef idx="2">
+        <a:scrgbClr r="0" g="0" b="0"/>
+      </a:lnRef>
+      <a:fillRef idx="0">
+        <a:scrgbClr r="0" g="0" b="0"/>
+      </a:fillRef>
+      <a:effectRef idx="0">
+        <a:scrgbClr r="0" g="0" b="0"/>
+      </a:effectRef>
+      <a:fontRef idx="minor"/>
+    </dgm:style>
+  </dgm:styleLbl>
+  <dgm:styleLbl name="parChTrans1D3">
+    <dgm:scene3d>
+      <a:camera prst="orthographicFront"/>
+      <a:lightRig rig="threePt" dir="t"/>
+    </dgm:scene3d>
+    <dgm:sp3d/>
+    <dgm:txPr/>
+    <dgm:style>
+      <a:lnRef idx="2">
+        <a:scrgbClr r="0" g="0" b="0"/>
+      </a:lnRef>
+      <a:fillRef idx="0">
+        <a:scrgbClr r="0" g="0" b="0"/>
+      </a:fillRef>
+      <a:effectRef idx="0">
+        <a:scrgbClr r="0" g="0" b="0"/>
+      </a:effectRef>
+      <a:fontRef idx="minor"/>
+    </dgm:style>
+  </dgm:styleLbl>
+  <dgm:styleLbl name="parChTrans1D4">
+    <dgm:scene3d>
+      <a:camera prst="orthographicFront"/>
+      <a:lightRig rig="threePt" dir="t"/>
+    </dgm:scene3d>
+    <dgm:sp3d/>
+    <dgm:txPr/>
+    <dgm:style>
+      <a:lnRef idx="2">
+        <a:scrgbClr r="0" g="0" b="0"/>
+      </a:lnRef>
+      <a:fillRef idx="0">
+        <a:scrgbClr r="0" g="0" b="0"/>
+      </a:fillRef>
+      <a:effectRef idx="0">
+        <a:scrgbClr r="0" g="0" b="0"/>
+      </a:effectRef>
+      <a:fontRef idx="minor"/>
+    </dgm:style>
+  </dgm:styleLbl>
+  <dgm:styleLbl name="fgAcc1">
+    <dgm:scene3d>
+      <a:camera prst="orthographicFront"/>
+      <a:lightRig rig="threePt" dir="t"/>
+    </dgm:scene3d>
+    <dgm:sp3d/>
+    <dgm:txPr/>
+    <dgm:style>
+      <a:lnRef idx="2">
+        <a:scrgbClr r="0" g="0" b="0"/>
+      </a:lnRef>
+      <a:fillRef idx="1">
+        <a:scrgbClr r="0" g="0" b="0"/>
+      </a:fillRef>
+      <a:effectRef idx="0">
+        <a:scrgbClr r="0" g="0" b="0"/>
+      </a:effectRef>
+      <a:fontRef idx="minor"/>
+    </dgm:style>
+  </dgm:styleLbl>
+  <dgm:styleLbl name="conFgAcc1">
+    <dgm:scene3d>
+      <a:camera prst="orthographicFront"/>
+      <a:lightRig rig="threePt" dir="t"/>
+    </dgm:scene3d>
+    <dgm:sp3d/>
+    <dgm:txPr/>
+    <dgm:style>
+      <a:lnRef idx="2">
+        <a:scrgbClr r="0" g="0" b="0"/>
+      </a:lnRef>
+      <a:fillRef idx="1">
+        <a:scrgbClr r="0" g="0" b="0"/>
+      </a:fillRef>
+      <a:effectRef idx="0">
+        <a:scrgbClr r="0" g="0" b="0"/>
+      </a:effectRef>
+      <a:fontRef idx="minor"/>
+    </dgm:style>
+  </dgm:styleLbl>
+  <dgm:styleLbl name="alignAcc1">
+    <dgm:scene3d>
+      <a:camera prst="orthographicFront"/>
+      <a:lightRig rig="threePt" dir="t"/>
+    </dgm:scene3d>
+    <dgm:sp3d/>
+    <dgm:txPr/>
+    <dgm:style>
+      <a:lnRef idx="2">
+        <a:scrgbClr r="0" g="0" b="0"/>
+      </a:lnRef>
+      <a:fillRef idx="1">
+        <a:scrgbClr r="0" g="0" b="0"/>
+      </a:fillRef>
+      <a:effectRef idx="0">
+        <a:scrgbClr r="0" g="0" b="0"/>
+      </a:effectRef>
+      <a:fontRef idx="minor"/>
+    </dgm:style>
+  </dgm:styleLbl>
+  <dgm:styleLbl name="trAlignAcc1">
+    <dgm:scene3d>
+      <a:camera prst="orthographicFront"/>
+      <a:lightRig rig="threePt" dir="t"/>
+    </dgm:scene3d>
+    <dgm:sp3d/>
+    <dgm:txPr/>
+    <dgm:style>
+      <a:lnRef idx="1">
+        <a:scrgbClr r="0" g="0" b="0"/>
+      </a:lnRef>
+      <a:fillRef idx="1">
+        <a:scrgbClr r="0" g="0" b="0"/>
+      </a:fillRef>
+      <a:effectRef idx="0">
+        <a:scrgbClr r="0" g="0" b="0"/>
+      </a:effectRef>
+      <a:fontRef idx="minor"/>
+    </dgm:style>
+  </dgm:styleLbl>
+  <dgm:styleLbl name="bgAcc1">
+    <dgm:scene3d>
+      <a:camera prst="orthographicFront"/>
+      <a:lightRig rig="threePt" dir="t"/>
+    </dgm:scene3d>
+    <dgm:sp3d/>
+    <dgm:txPr/>
+    <dgm:style>
+      <a:lnRef idx="2">
+        <a:scrgbClr r="0" g="0" b="0"/>
+      </a:lnRef>
+      <a:fillRef idx="1">
+        <a:scrgbClr r="0" g="0" b="0"/>
+      </a:fillRef>
+      <a:effectRef idx="0">
+        <a:scrgbClr r="0" g="0" b="0"/>
+      </a:effectRef>
+      <a:fontRef idx="minor"/>
+    </dgm:style>
+  </dgm:styleLbl>
+  <dgm:styleLbl name="solidFgAcc1">
+    <dgm:scene3d>
+      <a:camera prst="orthographicFront"/>
+      <a:lightRig rig="threePt" dir="t"/>
+    </dgm:scene3d>
+    <dgm:sp3d/>
+    <dgm:txPr/>
+    <dgm:style>
+      <a:lnRef idx="2">
+        <a:scrgbClr r="0" g="0" b="0"/>
+      </a:lnRef>
+      <a:fillRef idx="1">
+        <a:scrgbClr r="0" g="0" b="0"/>
+      </a:fillRef>
+      <a:effectRef idx="0">
+        <a:scrgbClr r="0" g="0" b="0"/>
+      </a:effectRef>
+      <a:fontRef idx="minor"/>
+    </dgm:style>
+  </dgm:styleLbl>
+  <dgm:styleLbl name="solidAlignAcc1">
+    <dgm:scene3d>
+      <a:camera prst="orthographicFront"/>
+      <a:lightRig rig="threePt" dir="t"/>
+    </dgm:scene3d>
+    <dgm:sp3d/>
+    <dgm:txPr/>
+    <dgm:style>
+      <a:lnRef idx="2">
+        <a:scrgbClr r="0" g="0" b="0"/>
+      </a:lnRef>
+      <a:fillRef idx="1">
+        <a:scrgbClr r="0" g="0" b="0"/>
+      </a:fillRef>
+      <a:effectRef idx="0">
+        <a:scrgbClr r="0" g="0" b="0"/>
+      </a:effectRef>
+      <a:fontRef idx="minor"/>
+    </dgm:style>
+  </dgm:styleLbl>
+  <dgm:styleLbl name="solidBgAcc1">
+    <dgm:scene3d>
+      <a:camera prst="orthographicFront"/>
+      <a:lightRig rig="threePt" dir="t"/>
+    </dgm:scene3d>
+    <dgm:sp3d/>
+    <dgm:txPr/>
+    <dgm:style>
+      <a:lnRef idx="2">
+        <a:scrgbClr r="0" g="0" b="0"/>
+      </a:lnRef>
+      <a:fillRef idx="1">
+        <a:scrgbClr r="0" g="0" b="0"/>
+      </a:fillRef>
+      <a:effectRef idx="0">
+        <a:scrgbClr r="0" g="0" b="0"/>
+      </a:effectRef>
+      <a:fontRef idx="minor"/>
+    </dgm:style>
+  </dgm:styleLbl>
+  <dgm:styleLbl name="fgAccFollowNode1">
+    <dgm:scene3d>
+      <a:camera prst="orthographicFront"/>
+      <a:lightRig rig="threePt" dir="t"/>
+    </dgm:scene3d>
+    <dgm:sp3d/>
+    <dgm:txPr/>
+    <dgm:style>
+      <a:lnRef idx="2">
+        <a:scrgbClr r="0" g="0" b="0"/>
+      </a:lnRef>
+      <a:fillRef idx="1">
+        <a:scrgbClr r="0" g="0" b="0"/>
+      </a:fillRef>
+      <a:effectRef idx="0">
+        <a:scrgbClr r="0" g="0" b="0"/>
+      </a:effectRef>
+      <a:fontRef idx="minor"/>
+    </dgm:style>
+  </dgm:styleLbl>
+  <dgm:styleLbl name="alignAccFollowNode1">
+    <dgm:scene3d>
+      <a:camera prst="orthographicFront"/>
+      <a:lightRig rig="threePt" dir="t"/>
+    </dgm:scene3d>
+    <dgm:sp3d/>
+    <dgm:txPr/>
+    <dgm:style>
+      <a:lnRef idx="2">
+        <a:scrgbClr r="0" g="0" b="0"/>
+      </a:lnRef>
+      <a:fillRef idx="1">
+        <a:scrgbClr r="0" g="0" b="0"/>
+      </a:fillRef>
+      <a:effectRef idx="0">
+        <a:scrgbClr r="0" g="0" b="0"/>
+      </a:effectRef>
+      <a:fontRef idx="minor"/>
+    </dgm:style>
+  </dgm:styleLbl>
+  <dgm:styleLbl name="bgAccFollowNode1">
+    <dgm:scene3d>
+      <a:camera prst="orthographicFront"/>
+      <a:lightRig rig="threePt" dir="t"/>
+    </dgm:scene3d>
+    <dgm:sp3d/>
+    <dgm:txPr/>
+    <dgm:style>
+      <a:lnRef idx="2">
+        <a:scrgbClr r="0" g="0" b="0"/>
+      </a:lnRef>
+      <a:fillRef idx="1">
+        <a:scrgbClr r="0" g="0" b="0"/>
+      </a:fillRef>
+      <a:effectRef idx="0">
+        <a:scrgbClr r="0" g="0" b="0"/>
+      </a:effectRef>
+      <a:fontRef idx="minor"/>
+    </dgm:style>
+  </dgm:styleLbl>
+  <dgm:styleLbl name="fgAcc0">
+    <dgm:scene3d>
+      <a:camera prst="orthographicFront"/>
+      <a:lightRig rig="threePt" dir="t"/>
+    </dgm:scene3d>
+    <dgm:sp3d/>
+    <dgm:txPr/>
+    <dgm:style>
+      <a:lnRef idx="2">
+        <a:scrgbClr r="0" g="0" b="0"/>
+      </a:lnRef>
+      <a:fillRef idx="1">
+        <a:scrgbClr r="0" g="0" b="0"/>
+      </a:fillRef>
+      <a:effectRef idx="0">
+        <a:scrgbClr r="0" g="0" b="0"/>
+      </a:effectRef>
+      <a:fontRef idx="minor"/>
+    </dgm:style>
+  </dgm:styleLbl>
+  <dgm:styleLbl name="fgAcc2">
+    <dgm:scene3d>
+      <a:camera prst="orthographicFront"/>
+      <a:lightRig rig="threePt" dir="t"/>
+    </dgm:scene3d>
+    <dgm:sp3d/>
+    <dgm:txPr/>
+    <dgm:style>
+      <a:lnRef idx="2">
+        <a:scrgbClr r="0" g="0" b="0"/>
+      </a:lnRef>
+      <a:fillRef idx="1">
+        <a:scrgbClr r="0" g="0" b="0"/>
+      </a:fillRef>
+      <a:effectRef idx="0">
+        <a:scrgbClr r="0" g="0" b="0"/>
+      </a:effectRef>
+      <a:fontRef idx="minor"/>
+    </dgm:style>
+  </dgm:styleLbl>
+  <dgm:styleLbl name="fgAcc3">
+    <dgm:scene3d>
+      <a:camera prst="orthographicFront"/>
+      <a:lightRig rig="threePt" dir="t"/>
+    </dgm:scene3d>
+    <dgm:sp3d/>
+    <dgm:txPr/>
+    <dgm:style>
+      <a:lnRef idx="2">
+        <a:scrgbClr r="0" g="0" b="0"/>
+      </a:lnRef>
+      <a:fillRef idx="1">
+        <a:scrgbClr r="0" g="0" b="0"/>
+      </a:fillRef>
+      <a:effectRef idx="0">
+        <a:scrgbClr r="0" g="0" b="0"/>
+      </a:effectRef>
+      <a:fontRef idx="minor"/>
+    </dgm:style>
+  </dgm:styleLbl>
+  <dgm:styleLbl name="fgAcc4">
+    <dgm:scene3d>
+      <a:camera prst="orthographicFront"/>
+      <a:lightRig rig="threePt" dir="t"/>
+    </dgm:scene3d>
+    <dgm:sp3d/>
+    <dgm:txPr/>
+    <dgm:style>
+      <a:lnRef idx="2">
+        <a:scrgbClr r="0" g="0" b="0"/>
+      </a:lnRef>
+      <a:fillRef idx="1">
+        <a:scrgbClr r="0" g="0" b="0"/>
+      </a:fillRef>
+      <a:effectRef idx="0">
+        <a:scrgbClr r="0" g="0" b="0"/>
+      </a:effectRef>
+      <a:fontRef idx="minor"/>
+    </dgm:style>
+  </dgm:styleLbl>
+  <dgm:styleLbl name="bgShp">
+    <dgm:scene3d>
+      <a:camera prst="orthographicFront"/>
+      <a:lightRig rig="threePt" dir="t"/>
+    </dgm:scene3d>
+    <dgm:sp3d/>
+    <dgm:txPr/>
+    <dgm:style>
+      <a:lnRef idx="0">
+        <a:scrgbClr r="0" g="0" b="0"/>
+      </a:lnRef>
+      <a:fillRef idx="1">
+        <a:scrgbClr r="0" g="0" b="0"/>
+      </a:fillRef>
+      <a:effectRef idx="0">
+        <a:scrgbClr r="0" g="0" b="0"/>
+      </a:effectRef>
+      <a:fontRef idx="minor"/>
+    </dgm:style>
+  </dgm:styleLbl>
+  <dgm:styleLbl name="dkBgShp">
+    <dgm:scene3d>
+      <a:camera prst="orthographicFront"/>
+      <a:lightRig rig="threePt" dir="t"/>
+    </dgm:scene3d>
+    <dgm:sp3d/>
+    <dgm:txPr/>
+    <dgm:style>
+      <a:lnRef idx="0">
+        <a:scrgbClr r="0" g="0" b="0"/>
+      </a:lnRef>
+      <a:fillRef idx="1">
+        <a:scrgbClr r="0" g="0" b="0"/>
+      </a:fillRef>
+      <a:effectRef idx="0">
+        <a:scrgbClr r="0" g="0" b="0"/>
+      </a:effectRef>
+      <a:fontRef idx="minor"/>
+    </dgm:style>
+  </dgm:styleLbl>
+  <dgm:styleLbl name="trBgShp">
+    <dgm:scene3d>
+      <a:camera prst="orthographicFront"/>
+      <a:lightRig rig="threePt" dir="t"/>
+    </dgm:scene3d>
+    <dgm:sp3d/>
+    <dgm:txPr/>
+    <dgm:style>
+      <a:lnRef idx="0">
+        <a:scrgbClr r="0" g="0" b="0"/>
+      </a:lnRef>
+      <a:fillRef idx="1">
+        <a:scrgbClr r="0" g="0" b="0"/>
+      </a:fillRef>
+      <a:effectRef idx="0">
+        <a:scrgbClr r="0" g="0" b="0"/>
+      </a:effectRef>
+      <a:fontRef idx="minor"/>
+    </dgm:style>
+  </dgm:styleLbl>
+  <dgm:styleLbl name="fgShp">
+    <dgm:scene3d>
+      <a:camera prst="orthographicFront"/>
+      <a:lightRig rig="threePt" dir="t"/>
+    </dgm:scene3d>
+    <dgm:sp3d/>
+    <dgm:txPr/>
+    <dgm:style>
+      <a:lnRef idx="2">
+        <a:scrgbClr r="0" g="0" b="0"/>
+      </a:lnRef>
+      <a:fillRef idx="1">
+        <a:scrgbClr r="0" g="0" b="0"/>
+      </a:fillRef>
+      <a:effectRef idx="0">
+        <a:scrgbClr r="0" g="0" b="0"/>
+      </a:effectRef>
+      <a:fontRef idx="minor"/>
+    </dgm:style>
+  </dgm:styleLbl>
+  <dgm:styleLbl name="revTx">
+    <dgm:scene3d>
+      <a:camera prst="orthographicFront"/>
+      <a:lightRig rig="threePt" dir="t"/>
+    </dgm:scene3d>
+    <dgm:sp3d/>
+    <dgm:txPr/>
+    <dgm:style>
+      <a:lnRef idx="0">
+        <a:scrgbClr r="0" g="0" b="0"/>
+      </a:lnRef>
+      <a:fillRef idx="0">
+        <a:scrgbClr r="0" g="0" b="0"/>
+      </a:fillRef>
+      <a:effectRef idx="0">
+        <a:scrgbClr r="0" g="0" b="0"/>
+      </a:effectRef>
+      <a:fontRef idx="minor"/>
+    </dgm:style>
+  </dgm:styleLbl>
+</dgm:styleDef>
 </file>
 
 <file path=ppt/notesMasters/notesMaster1.xml><?xml version="1.0" encoding="utf-8"?>
@@ -7988,6 +11655,22 @@
           <a:chExt cx="0" cy="0"/>
         </a:xfrm>
       </p:grpSpPr>
+      <p:graphicFrame>
+        <p:nvGraphicFramePr>
+          <p:cNvPr id="10" name="Diagram 9"/>
+          <p:cNvGraphicFramePr/>
+          <p:nvPr/>
+        </p:nvGraphicFramePr>
+        <p:xfrm>
+          <a:off x="2317236" y="685800"/>
+          <a:ext cx="6665126" cy="6053243"/>
+        </p:xfrm>
+        <a:graphic>
+          <a:graphicData uri="http://schemas.openxmlformats.org/drawingml/2006/diagram">
+            <dgm:relIds xmlns:dgm="http://schemas.openxmlformats.org/drawingml/2006/diagram" xmlns:r="http://schemas.openxmlformats.org/officeDocument/2006/relationships" r:dm="rId2" r:lo="rId3" r:qs="rId4" r:cs="rId5"/>
+          </a:graphicData>
+        </a:graphic>
+      </p:graphicFrame>
       <p:sp>
         <p:nvSpPr>
           <p:cNvPr id="2" name="Rectangle 1"/>
@@ -8205,7 +11888,7 @@
           <p:nvPr/>
         </p:nvPicPr>
         <p:blipFill>
-          <a:blip r:embed="rId2" cstate="print">
+          <a:blip r:embed="rId7" cstate="print">
             <a:extLst>
               <a:ext uri="{28A0092B-C50C-407E-A947-70E740481C1C}">
                 <a14:useLocalDpi xmlns:a14="http://schemas.microsoft.com/office/drawing/2010/main" val="0"/>
@@ -8287,7 +11970,7 @@
         </p:nvSpPr>
         <p:spPr>
           <a:xfrm>
-            <a:off x="1828800" y="96028"/>
+            <a:off x="1828800" y="70976"/>
             <a:ext cx="3352800" cy="400110"/>
           </a:xfrm>
           <a:prstGeom prst="rect">
@@ -8642,7 +12325,7 @@
           <p:nvPr/>
         </p:nvPicPr>
         <p:blipFill>
-          <a:blip r:embed="rId3">
+          <a:blip r:embed="rId8">
             <a:extLst>
               <a:ext uri="{28A0092B-C50C-407E-A947-70E740481C1C}">
                 <a14:useLocalDpi xmlns:a14="http://schemas.microsoft.com/office/drawing/2010/main" val="0"/>
@@ -8656,7 +12339,7 @@
         </p:blipFill>
         <p:spPr bwMode="auto">
           <a:xfrm>
-            <a:off x="2133600" y="1352565"/>
+            <a:off x="2048064" y="1018669"/>
             <a:ext cx="1123936" cy="1123936"/>
           </a:xfrm>
           <a:prstGeom prst="rect">
@@ -8682,12 +12365,22 @@
         </p:nvSpPr>
         <p:spPr>
           <a:xfrm>
-            <a:off x="3257536" y="1914533"/>
+            <a:off x="3498439" y="1704825"/>
             <a:ext cx="628664" cy="45719"/>
           </a:xfrm>
           <a:prstGeom prst="rightArrow">
             <a:avLst/>
           </a:prstGeom>
+          <a:solidFill>
+            <a:schemeClr val="bg1"/>
+          </a:solidFill>
+          <a:ln>
+            <a:solidFill>
+              <a:schemeClr val="bg2">
+                <a:lumMod val="25000"/>
+              </a:schemeClr>
+            </a:solidFill>
+          </a:ln>
         </p:spPr>
         <p:style>
           <a:lnRef idx="2">
@@ -8722,12 +12415,17 @@
         </p:nvSpPr>
         <p:spPr>
           <a:xfrm>
-            <a:off x="4038600" y="1610891"/>
+            <a:off x="4419600" y="1384154"/>
             <a:ext cx="1371600" cy="676735"/>
           </a:xfrm>
           <a:prstGeom prst="ellipse">
             <a:avLst/>
           </a:prstGeom>
+          <a:solidFill>
+            <a:schemeClr val="bg2">
+              <a:lumMod val="25000"/>
+            </a:schemeClr>
+          </a:solidFill>
         </p:spPr>
         <p:style>
           <a:lnRef idx="2">
@@ -8752,7 +12450,7 @@
             <a:pPr algn="ctr"/>
             <a:r>
               <a:rPr lang="en-US" dirty="0" smtClean="0"/>
-              <a:t>Follow </a:t>
+              <a:t>Follow Event </a:t>
             </a:r>
             <a:endParaRPr lang="en-US" dirty="0"/>
           </a:p>
@@ -8766,12 +12464,17 @@
         </p:nvSpPr>
         <p:spPr>
           <a:xfrm>
-            <a:off x="6019800" y="1676803"/>
+            <a:off x="4427951" y="2973957"/>
             <a:ext cx="1143000" cy="709260"/>
           </a:xfrm>
           <a:prstGeom prst="ellipse">
             <a:avLst/>
           </a:prstGeom>
+          <a:solidFill>
+            <a:schemeClr val="bg2">
+              <a:lumMod val="25000"/>
+            </a:schemeClr>
+          </a:solidFill>
         </p:spPr>
         <p:style>
           <a:lnRef idx="2">
@@ -8811,7 +12514,7 @@
           <p:nvPr/>
         </p:nvPicPr>
         <p:blipFill>
-          <a:blip r:embed="rId4">
+          <a:blip r:embed="rId9">
             <a:extLst>
               <a:ext uri="{28A0092B-C50C-407E-A947-70E740481C1C}">
                 <a14:useLocalDpi xmlns:a14="http://schemas.microsoft.com/office/drawing/2010/main" val="0"/>
@@ -8825,7 +12528,7 @@
         </p:blipFill>
         <p:spPr bwMode="auto">
           <a:xfrm>
-            <a:off x="7620000" y="1281540"/>
+            <a:off x="1963973" y="3032863"/>
             <a:ext cx="1333115" cy="1188489"/>
           </a:xfrm>
           <a:prstGeom prst="rect">
@@ -8845,18 +12548,23 @@
       </p:pic>
       <p:sp>
         <p:nvSpPr>
-          <p:cNvPr id="43" name="Left Arrow 42"/>
+          <p:cNvPr id="44" name="Oval 43"/>
           <p:cNvSpPr/>
           <p:nvPr/>
         </p:nvSpPr>
         <p:spPr>
           <a:xfrm>
-            <a:off x="7239000" y="1985732"/>
-            <a:ext cx="533400" cy="45719"/>
-          </a:xfrm>
-          <a:prstGeom prst="leftArrow">
-            <a:avLst/>
-          </a:prstGeom>
+            <a:off x="4369185" y="3857981"/>
+            <a:ext cx="1409700" cy="645474"/>
+          </a:xfrm>
+          <a:prstGeom prst="ellipse">
+            <a:avLst/>
+          </a:prstGeom>
+          <a:solidFill>
+            <a:schemeClr val="bg2">
+              <a:lumMod val="25000"/>
+            </a:schemeClr>
+          </a:solidFill>
         </p:spPr>
         <p:style>
           <a:lnRef idx="2">
@@ -8879,24 +12587,38 @@
           <a:lstStyle/>
           <a:p>
             <a:pPr algn="ctr"/>
-            <a:endParaRPr lang="en-US"/>
-          </a:p>
-        </p:txBody>
-      </p:sp>
-      <p:sp>
-        <p:nvSpPr>
-          <p:cNvPr id="44" name="Oval 43"/>
+            <a:r>
+              <a:rPr lang="en-US" dirty="0" smtClean="0"/>
+              <a:t>Request Ticket</a:t>
+            </a:r>
+            <a:endParaRPr lang="en-US" dirty="0"/>
+          </a:p>
+        </p:txBody>
+      </p:sp>
+      <p:sp>
+        <p:nvSpPr>
+          <p:cNvPr id="46" name="Left Arrow 45"/>
           <p:cNvSpPr/>
           <p:nvPr/>
         </p:nvSpPr>
         <p:spPr>
-          <a:xfrm>
-            <a:off x="6953788" y="2901556"/>
-            <a:ext cx="1409700" cy="645474"/>
-          </a:xfrm>
-          <a:prstGeom prst="ellipse">
-            <a:avLst/>
-          </a:prstGeom>
+          <a:xfrm rot="11449381" flipV="1">
+            <a:off x="3477144" y="4019570"/>
+            <a:ext cx="613244" cy="45719"/>
+          </a:xfrm>
+          <a:prstGeom prst="leftArrow">
+            <a:avLst/>
+          </a:prstGeom>
+          <a:solidFill>
+            <a:schemeClr val="bg1"/>
+          </a:solidFill>
+          <a:ln>
+            <a:solidFill>
+              <a:schemeClr val="bg2">
+                <a:lumMod val="25000"/>
+              </a:schemeClr>
+            </a:solidFill>
+          </a:ln>
         </p:spPr>
         <p:style>
           <a:lnRef idx="2">
@@ -8919,28 +12641,29 @@
           <a:lstStyle/>
           <a:p>
             <a:pPr algn="ctr"/>
-            <a:r>
-              <a:rPr lang="en-US" dirty="0" smtClean="0"/>
-              <a:t>Request Ticket</a:t>
-            </a:r>
-            <a:endParaRPr lang="en-US" dirty="0"/>
-          </a:p>
-        </p:txBody>
-      </p:sp>
-      <p:sp>
-        <p:nvSpPr>
-          <p:cNvPr id="46" name="Left Arrow 45"/>
+            <a:endParaRPr lang="en-US"/>
+          </a:p>
+        </p:txBody>
+      </p:sp>
+      <p:sp>
+        <p:nvSpPr>
+          <p:cNvPr id="47" name="Oval 46"/>
           <p:cNvSpPr/>
           <p:nvPr/>
         </p:nvSpPr>
         <p:spPr>
-          <a:xfrm rot="19085019" flipV="1">
-            <a:off x="7736500" y="2557118"/>
-            <a:ext cx="613244" cy="45719"/>
-          </a:xfrm>
-          <a:prstGeom prst="leftArrow">
-            <a:avLst/>
-          </a:prstGeom>
+          <a:xfrm>
+            <a:off x="4270865" y="5390038"/>
+            <a:ext cx="1657336" cy="752935"/>
+          </a:xfrm>
+          <a:prstGeom prst="ellipse">
+            <a:avLst/>
+          </a:prstGeom>
+          <a:solidFill>
+            <a:schemeClr val="bg2">
+              <a:lumMod val="25000"/>
+            </a:schemeClr>
+          </a:solidFill>
         </p:spPr>
         <p:style>
           <a:lnRef idx="2">
@@ -8963,24 +12686,38 @@
           <a:lstStyle/>
           <a:p>
             <a:pPr algn="ctr"/>
-            <a:endParaRPr lang="en-US"/>
-          </a:p>
-        </p:txBody>
-      </p:sp>
-      <p:sp>
-        <p:nvSpPr>
-          <p:cNvPr id="47" name="Oval 46"/>
+            <a:r>
+              <a:rPr lang="en-US" sz="1600" dirty="0" smtClean="0"/>
+              <a:t>Receive Notification</a:t>
+            </a:r>
+            <a:endParaRPr lang="en-US" dirty="0"/>
+          </a:p>
+        </p:txBody>
+      </p:sp>
+      <p:sp>
+        <p:nvSpPr>
+          <p:cNvPr id="56" name="Right Arrow 55"/>
           <p:cNvSpPr/>
           <p:nvPr/>
         </p:nvSpPr>
         <p:spPr>
-          <a:xfrm>
-            <a:off x="2743200" y="3729450"/>
-            <a:ext cx="1657336" cy="752935"/>
-          </a:xfrm>
-          <a:prstGeom prst="ellipse">
-            <a:avLst/>
-          </a:prstGeom>
+          <a:xfrm rot="21151333">
+            <a:off x="3462267" y="3481584"/>
+            <a:ext cx="628664" cy="45719"/>
+          </a:xfrm>
+          <a:prstGeom prst="rightArrow">
+            <a:avLst/>
+          </a:prstGeom>
+          <a:solidFill>
+            <a:schemeClr val="bg1"/>
+          </a:solidFill>
+          <a:ln>
+            <a:solidFill>
+              <a:schemeClr val="bg2">
+                <a:lumMod val="25000"/>
+              </a:schemeClr>
+            </a:solidFill>
+          </a:ln>
         </p:spPr>
         <p:style>
           <a:lnRef idx="2">
@@ -9003,9 +12740,35 @@
           <a:lstStyle/>
           <a:p>
             <a:pPr algn="ctr"/>
-            <a:r>
-              <a:rPr lang="en-US" sz="1600" dirty="0" smtClean="0"/>
-              <a:t>Receive Notification</a:t>
+            <a:endParaRPr lang="en-US"/>
+          </a:p>
+        </p:txBody>
+      </p:sp>
+      <p:sp>
+        <p:nvSpPr>
+          <p:cNvPr id="11" name="TextBox 10"/>
+          <p:cNvSpPr txBox="1"/>
+          <p:nvPr/>
+        </p:nvSpPr>
+        <p:spPr>
+          <a:xfrm>
+            <a:off x="1983124" y="2180698"/>
+            <a:ext cx="1279517" cy="369332"/>
+          </a:xfrm>
+          <a:prstGeom prst="rect">
+            <a:avLst/>
+          </a:prstGeom>
+          <a:noFill/>
+        </p:spPr>
+        <p:txBody>
+          <a:bodyPr wrap="none" rtlCol="0">
+            <a:spAutoFit/>
+          </a:bodyPr>
+          <a:lstStyle/>
+          <a:p>
+            <a:r>
+              <a:rPr lang="en-US" dirty="0" smtClean="0"/>
+              <a:t>Customer A</a:t>
             </a:r>
             <a:endParaRPr lang="en-US" dirty="0"/>
           </a:p>
@@ -9013,18 +12776,99 @@
       </p:sp>
       <p:sp>
         <p:nvSpPr>
-          <p:cNvPr id="49" name="Left Arrow 48"/>
+          <p:cNvPr id="17" name="TextBox 16"/>
+          <p:cNvSpPr txBox="1"/>
+          <p:nvPr/>
+        </p:nvSpPr>
+        <p:spPr>
+          <a:xfrm>
+            <a:off x="1963973" y="4180718"/>
+            <a:ext cx="1271502" cy="369332"/>
+          </a:xfrm>
+          <a:prstGeom prst="rect">
+            <a:avLst/>
+          </a:prstGeom>
+          <a:noFill/>
+        </p:spPr>
+        <p:txBody>
+          <a:bodyPr wrap="none" rtlCol="0">
+            <a:spAutoFit/>
+          </a:bodyPr>
+          <a:lstStyle/>
+          <a:p>
+            <a:r>
+              <a:rPr lang="en-US" dirty="0" smtClean="0"/>
+              <a:t>Customer B</a:t>
+            </a:r>
+            <a:endParaRPr lang="en-US" dirty="0"/>
+          </a:p>
+        </p:txBody>
+      </p:sp>
+      <p:pic>
+        <p:nvPicPr>
+          <p:cNvPr id="36" name="Picture 5" descr="http://www.veryicon.com/icon/png/Avatar/People/Engineer.png"/>
+          <p:cNvPicPr>
+            <a:picLocks noChangeAspect="1" noChangeArrowheads="1"/>
+          </p:cNvPicPr>
+          <p:nvPr/>
+        </p:nvPicPr>
+        <p:blipFill>
+          <a:blip r:embed="rId8">
+            <a:extLst>
+              <a:ext uri="{28A0092B-C50C-407E-A947-70E740481C1C}">
+                <a14:useLocalDpi xmlns:a14="http://schemas.microsoft.com/office/drawing/2010/main" val="0"/>
+              </a:ext>
+            </a:extLst>
+          </a:blip>
+          <a:srcRect/>
+          <a:stretch>
+            <a:fillRect/>
+          </a:stretch>
+        </p:blipFill>
+        <p:spPr bwMode="auto">
+          <a:xfrm>
+            <a:off x="1991361" y="4957846"/>
+            <a:ext cx="1123936" cy="1123936"/>
+          </a:xfrm>
+          <a:prstGeom prst="rect">
+            <a:avLst/>
+          </a:prstGeom>
+          <a:noFill/>
+          <a:extLst>
+            <a:ext uri="{909E8E84-426E-40DD-AFC4-6F175D3DCCD1}">
+              <a14:hiddenFill xmlns:a14="http://schemas.microsoft.com/office/drawing/2010/main">
+                <a:solidFill>
+                  <a:srgbClr val="FFFFFF"/>
+                </a:solidFill>
+              </a14:hiddenFill>
+            </a:ext>
+          </a:extLst>
+        </p:spPr>
+      </p:pic>
+      <p:sp>
+        <p:nvSpPr>
+          <p:cNvPr id="37" name="Right Arrow 36"/>
           <p:cNvSpPr/>
           <p:nvPr/>
         </p:nvSpPr>
         <p:spPr>
-          <a:xfrm rot="3074180">
-            <a:off x="2522786" y="3123593"/>
-            <a:ext cx="1274369" cy="45719"/>
-          </a:xfrm>
-          <a:prstGeom prst="leftArrow">
-            <a:avLst/>
-          </a:prstGeom>
+          <a:xfrm>
+            <a:off x="3435869" y="5705193"/>
+            <a:ext cx="628664" cy="45719"/>
+          </a:xfrm>
+          <a:prstGeom prst="rightArrow">
+            <a:avLst/>
+          </a:prstGeom>
+          <a:solidFill>
+            <a:schemeClr val="bg1"/>
+          </a:solidFill>
+          <a:ln>
+            <a:solidFill>
+              <a:schemeClr val="bg2">
+                <a:lumMod val="25000"/>
+              </a:schemeClr>
+            </a:solidFill>
+          </a:ln>
         </p:spPr>
         <p:style>
           <a:lnRef idx="2">
@@ -9053,175 +12897,166 @@
       </p:sp>
       <p:sp>
         <p:nvSpPr>
-          <p:cNvPr id="54" name="Oval 53"/>
-          <p:cNvSpPr/>
+          <p:cNvPr id="38" name="TextBox 37"/>
+          <p:cNvSpPr txBox="1"/>
           <p:nvPr/>
         </p:nvSpPr>
         <p:spPr>
           <a:xfrm>
-            <a:off x="4536303" y="2819470"/>
-            <a:ext cx="1371600" cy="676735"/>
-          </a:xfrm>
-          <a:prstGeom prst="ellipse">
-            <a:avLst/>
-          </a:prstGeom>
-          <a:solidFill>
-            <a:srgbClr val="0070C0"/>
-          </a:solidFill>
-        </p:spPr>
-        <p:style>
-          <a:lnRef idx="2">
-            <a:schemeClr val="accent1">
-              <a:shade val="50000"/>
-            </a:schemeClr>
-          </a:lnRef>
-          <a:fillRef idx="1">
-            <a:schemeClr val="accent1"/>
-          </a:fillRef>
-          <a:effectRef idx="0">
-            <a:schemeClr val="accent1"/>
-          </a:effectRef>
-          <a:fontRef idx="minor">
-            <a:schemeClr val="lt1"/>
-          </a:fontRef>
-        </p:style>
-        <p:txBody>
-          <a:bodyPr rtlCol="0" anchor="ctr"/>
+            <a:off x="1926421" y="6119875"/>
+            <a:ext cx="1279517" cy="369332"/>
+          </a:xfrm>
+          <a:prstGeom prst="rect">
+            <a:avLst/>
+          </a:prstGeom>
+          <a:noFill/>
+        </p:spPr>
+        <p:txBody>
+          <a:bodyPr wrap="none" rtlCol="0">
+            <a:spAutoFit/>
+          </a:bodyPr>
           <a:lstStyle/>
           <a:p>
-            <a:pPr algn="ctr"/>
             <a:r>
               <a:rPr lang="en-US" dirty="0" smtClean="0"/>
-              <a:t>Event</a:t>
+              <a:t>Customer A</a:t>
             </a:r>
             <a:endParaRPr lang="en-US" dirty="0"/>
           </a:p>
         </p:txBody>
       </p:sp>
-      <p:sp>
-        <p:nvSpPr>
-          <p:cNvPr id="55" name="Right Arrow 54"/>
-          <p:cNvSpPr/>
-          <p:nvPr/>
-        </p:nvSpPr>
-        <p:spPr>
-          <a:xfrm rot="3603625">
-            <a:off x="4552936" y="2501587"/>
-            <a:ext cx="628664" cy="101249"/>
-          </a:xfrm>
-          <a:prstGeom prst="rightArrow">
-            <a:avLst/>
-          </a:prstGeom>
-        </p:spPr>
-        <p:style>
-          <a:lnRef idx="2">
-            <a:schemeClr val="accent1">
-              <a:shade val="50000"/>
-            </a:schemeClr>
-          </a:lnRef>
-          <a:fillRef idx="1">
-            <a:schemeClr val="accent1"/>
-          </a:fillRef>
-          <a:effectRef idx="0">
-            <a:schemeClr val="accent1"/>
-          </a:effectRef>
-          <a:fontRef idx="minor">
-            <a:schemeClr val="lt1"/>
-          </a:fontRef>
-        </p:style>
-        <p:txBody>
-          <a:bodyPr rtlCol="0" anchor="ctr"/>
-          <a:lstStyle/>
-          <a:p>
-            <a:pPr algn="ctr"/>
-            <a:endParaRPr lang="en-US"/>
-          </a:p>
-        </p:txBody>
-      </p:sp>
-      <p:sp>
-        <p:nvSpPr>
-          <p:cNvPr id="56" name="Right Arrow 55"/>
-          <p:cNvSpPr/>
-          <p:nvPr/>
-        </p:nvSpPr>
-        <p:spPr>
-          <a:xfrm rot="8444345">
-            <a:off x="5565003" y="2579985"/>
-            <a:ext cx="628664" cy="45719"/>
-          </a:xfrm>
-          <a:prstGeom prst="rightArrow">
-            <a:avLst/>
-          </a:prstGeom>
-        </p:spPr>
-        <p:style>
-          <a:lnRef idx="2">
-            <a:schemeClr val="accent1">
-              <a:shade val="50000"/>
-            </a:schemeClr>
-          </a:lnRef>
-          <a:fillRef idx="1">
-            <a:schemeClr val="accent1"/>
-          </a:fillRef>
-          <a:effectRef idx="0">
-            <a:schemeClr val="accent1"/>
-          </a:effectRef>
-          <a:fontRef idx="minor">
-            <a:schemeClr val="lt1"/>
-          </a:fontRef>
-        </p:style>
-        <p:txBody>
-          <a:bodyPr rtlCol="0" anchor="ctr"/>
-          <a:lstStyle/>
-          <a:p>
-            <a:pPr algn="ctr"/>
-            <a:endParaRPr lang="en-US"/>
-          </a:p>
-        </p:txBody>
-      </p:sp>
-      <p:sp>
-        <p:nvSpPr>
-          <p:cNvPr id="57" name="Right Arrow 56"/>
-          <p:cNvSpPr/>
-          <p:nvPr/>
-        </p:nvSpPr>
-        <p:spPr>
-          <a:xfrm rot="11032245">
-            <a:off x="5841088" y="3068215"/>
-            <a:ext cx="1050843" cy="102966"/>
-          </a:xfrm>
-          <a:prstGeom prst="rightArrow">
-            <a:avLst/>
-          </a:prstGeom>
-        </p:spPr>
-        <p:style>
-          <a:lnRef idx="2">
-            <a:schemeClr val="accent1">
-              <a:shade val="50000"/>
-            </a:schemeClr>
-          </a:lnRef>
-          <a:fillRef idx="1">
-            <a:schemeClr val="accent1"/>
-          </a:fillRef>
-          <a:effectRef idx="0">
-            <a:schemeClr val="accent1"/>
-          </a:effectRef>
-          <a:fontRef idx="minor">
-            <a:schemeClr val="lt1"/>
-          </a:fontRef>
-        </p:style>
-        <p:txBody>
-          <a:bodyPr rtlCol="0" anchor="ctr"/>
-          <a:lstStyle/>
-          <a:p>
-            <a:pPr algn="ctr"/>
-            <a:endParaRPr lang="en-US"/>
-          </a:p>
-        </p:txBody>
-      </p:sp>
+      <p:pic>
+        <p:nvPicPr>
+          <p:cNvPr id="18" name="Picture 2" descr="http://1.bp.blogspot.com/-vW4MzXVsmqQ/UEul7BqjEJI/AAAAAAAAALI/a5HwZjtkwJ4/s200/Follow+me.png"/>
+          <p:cNvPicPr>
+            <a:picLocks noChangeAspect="1" noChangeArrowheads="1"/>
+          </p:cNvPicPr>
+          <p:nvPr/>
+        </p:nvPicPr>
+        <p:blipFill>
+          <a:blip r:embed="rId10">
+            <a:extLst>
+              <a:ext uri="{28A0092B-C50C-407E-A947-70E740481C1C}">
+                <a14:useLocalDpi xmlns:a14="http://schemas.microsoft.com/office/drawing/2010/main" val="0"/>
+              </a:ext>
+            </a:extLst>
+          </a:blip>
+          <a:srcRect/>
+          <a:stretch>
+            <a:fillRect/>
+          </a:stretch>
+        </p:blipFill>
+        <p:spPr bwMode="auto">
+          <a:xfrm>
+            <a:off x="5840477" y="922747"/>
+            <a:ext cx="1564156" cy="1564156"/>
+          </a:xfrm>
+          <a:prstGeom prst="rect">
+            <a:avLst/>
+          </a:prstGeom>
+          <a:noFill/>
+          <a:extLst>
+            <a:ext uri="{909E8E84-426E-40DD-AFC4-6F175D3DCCD1}">
+              <a14:hiddenFill xmlns:a14="http://schemas.microsoft.com/office/drawing/2010/main">
+                <a:solidFill>
+                  <a:srgbClr val="FFFFFF"/>
+                </a:solidFill>
+              </a14:hiddenFill>
+            </a:ext>
+          </a:extLst>
+        </p:spPr>
+      </p:pic>
+      <p:pic>
+        <p:nvPicPr>
+          <p:cNvPr id="1028" name="Picture 4" descr="http://www.eventindustrynews.co.uk/wp-content/uploads/2011/01/tt-square.png"/>
+          <p:cNvPicPr>
+            <a:picLocks noChangeAspect="1" noChangeArrowheads="1"/>
+          </p:cNvPicPr>
+          <p:nvPr/>
+        </p:nvPicPr>
+        <p:blipFill>
+          <a:blip r:embed="rId11">
+            <a:extLst>
+              <a:ext uri="{28A0092B-C50C-407E-A947-70E740481C1C}">
+                <a14:useLocalDpi xmlns:a14="http://schemas.microsoft.com/office/drawing/2010/main" val="0"/>
+              </a:ext>
+            </a:extLst>
+          </a:blip>
+          <a:srcRect/>
+          <a:stretch>
+            <a:fillRect/>
+          </a:stretch>
+        </p:blipFill>
+        <p:spPr bwMode="auto">
+          <a:xfrm>
+            <a:off x="5867093" y="3025477"/>
+            <a:ext cx="1343139" cy="1305830"/>
+          </a:xfrm>
+          <a:prstGeom prst="rect">
+            <a:avLst/>
+          </a:prstGeom>
+          <a:noFill/>
+          <a:extLst>
+            <a:ext uri="{909E8E84-426E-40DD-AFC4-6F175D3DCCD1}">
+              <a14:hiddenFill xmlns:a14="http://schemas.microsoft.com/office/drawing/2010/main">
+                <a:solidFill>
+                  <a:srgbClr val="FFFFFF"/>
+                </a:solidFill>
+              </a14:hiddenFill>
+            </a:ext>
+          </a:extLst>
+        </p:spPr>
+      </p:pic>
+      <p:pic>
+        <p:nvPicPr>
+          <p:cNvPr id="1030" name="Picture 6" descr="http://realtimetricks.com/wp-content/uploads/2012/10/notifications.gif"/>
+          <p:cNvPicPr>
+            <a:picLocks noChangeAspect="1" noChangeArrowheads="1"/>
+          </p:cNvPicPr>
+          <p:nvPr/>
+        </p:nvPicPr>
+        <p:blipFill>
+          <a:blip r:embed="rId12" cstate="print">
+            <a:extLst>
+              <a:ext uri="{28A0092B-C50C-407E-A947-70E740481C1C}">
+                <a14:useLocalDpi xmlns:a14="http://schemas.microsoft.com/office/drawing/2010/main" val="0"/>
+              </a:ext>
+            </a:extLst>
+          </a:blip>
+          <a:srcRect/>
+          <a:stretch>
+            <a:fillRect/>
+          </a:stretch>
+        </p:blipFill>
+        <p:spPr bwMode="auto">
+          <a:xfrm>
+            <a:off x="6134533" y="5447855"/>
+            <a:ext cx="1388872" cy="701381"/>
+          </a:xfrm>
+          <a:prstGeom prst="rect">
+            <a:avLst/>
+          </a:prstGeom>
+          <a:ln>
+            <a:noFill/>
+          </a:ln>
+          <a:effectLst>
+            <a:softEdge rad="112500"/>
+          </a:effectLst>
+          <a:extLst>
+            <a:ext uri="{909E8E84-426E-40DD-AFC4-6F175D3DCCD1}">
+              <a14:hiddenFill xmlns:a14="http://schemas.microsoft.com/office/drawing/2010/main">
+                <a:solidFill>
+                  <a:srgbClr val="FFFFFF"/>
+                </a:solidFill>
+              </a14:hiddenFill>
+            </a:ext>
+          </a:extLst>
+        </p:spPr>
+      </p:pic>
     </p:spTree>
     <p:extLst>
       <p:ext uri="{BB962C8B-B14F-4D97-AF65-F5344CB8AC3E}">
-        <p14:creationId xmlns:p14="http://schemas.microsoft.com/office/powerpoint/2010/main" val="3765816860"/>
+        <p14:creationId xmlns:p14="http://schemas.microsoft.com/office/powerpoint/2010/main" val="3994026895"/>
       </p:ext>
     </p:extLst>
   </p:cSld>
@@ -9353,68 +13188,15 @@
                                   </p:childTnLst>
                                 </p:cTn>
                               </p:par>
-                            </p:childTnLst>
-                          </p:cTn>
-                        </p:par>
-                      </p:childTnLst>
-                    </p:cTn>
-                  </p:par>
-                  <p:par>
-                    <p:cTn id="14" fill="hold">
-                      <p:stCondLst>
-                        <p:cond delay="indefinite"/>
-                      </p:stCondLst>
-                      <p:childTnLst>
-                        <p:par>
-                          <p:cTn id="15" fill="hold">
-                            <p:stCondLst>
-                              <p:cond delay="0"/>
-                            </p:stCondLst>
-                            <p:childTnLst>
                               <p:par>
-                                <p:cTn id="16" presetID="10" presetClass="entr" presetSubtype="0" fill="hold" grpId="0" nodeType="clickEffect">
+                                <p:cTn id="14" presetID="10" presetClass="entr" presetSubtype="0" fill="hold" grpId="0" nodeType="withEffect">
                                   <p:stCondLst>
                                     <p:cond delay="0"/>
                                   </p:stCondLst>
                                   <p:childTnLst>
                                     <p:set>
                                       <p:cBhvr>
-                                        <p:cTn id="17" dur="1" fill="hold">
-                                          <p:stCondLst>
-                                            <p:cond delay="0"/>
-                                          </p:stCondLst>
-                                        </p:cTn>
-                                        <p:tgtEl>
-                                          <p:spTgt spid="43"/>
-                                        </p:tgtEl>
-                                        <p:attrNameLst>
-                                          <p:attrName>style.visibility</p:attrName>
-                                        </p:attrNameLst>
-                                      </p:cBhvr>
-                                      <p:to>
-                                        <p:strVal val="visible"/>
-                                      </p:to>
-                                    </p:set>
-                                    <p:animEffect transition="in" filter="fade">
-                                      <p:cBhvr>
-                                        <p:cTn id="18" dur="500"/>
-                                        <p:tgtEl>
-                                          <p:spTgt spid="43"/>
-                                        </p:tgtEl>
-                                      </p:cBhvr>
-                                    </p:animEffect>
-                                  </p:childTnLst>
-                                </p:cTn>
-                              </p:par>
-                              <p:par>
-                                <p:cTn id="19" presetID="10" presetClass="entr" presetSubtype="0" fill="hold" grpId="0" nodeType="withEffect">
-                                  <p:stCondLst>
-                                    <p:cond delay="0"/>
-                                  </p:stCondLst>
-                                  <p:childTnLst>
-                                    <p:set>
-                                      <p:cBhvr>
-                                        <p:cTn id="20" dur="1" fill="hold">
+                                        <p:cTn id="15" dur="1" fill="hold">
                                           <p:stCondLst>
                                             <p:cond delay="0"/>
                                           </p:stCondLst>
@@ -9432,7 +13214,7 @@
                                     </p:set>
                                     <p:animEffect transition="in" filter="fade">
                                       <p:cBhvr>
-                                        <p:cTn id="21" dur="500"/>
+                                        <p:cTn id="16" dur="500"/>
                                         <p:tgtEl>
                                           <p:spTgt spid="44"/>
                                         </p:tgtEl>
@@ -9448,26 +13230,26 @@
                     </p:cTn>
                   </p:par>
                   <p:par>
-                    <p:cTn id="22" fill="hold">
+                    <p:cTn id="17" fill="hold">
                       <p:stCondLst>
                         <p:cond delay="indefinite"/>
                       </p:stCondLst>
                       <p:childTnLst>
                         <p:par>
-                          <p:cTn id="23" fill="hold">
+                          <p:cTn id="18" fill="hold">
                             <p:stCondLst>
                               <p:cond delay="0"/>
                             </p:stCondLst>
                             <p:childTnLst>
                               <p:par>
-                                <p:cTn id="24" presetID="10" presetClass="entr" presetSubtype="0" fill="hold" grpId="0" nodeType="clickEffect">
+                                <p:cTn id="19" presetID="10" presetClass="entr" presetSubtype="0" fill="hold" grpId="0" nodeType="clickEffect">
                                   <p:stCondLst>
                                     <p:cond delay="0"/>
                                   </p:stCondLst>
                                   <p:childTnLst>
                                     <p:set>
                                       <p:cBhvr>
-                                        <p:cTn id="25" dur="1" fill="hold">
+                                        <p:cTn id="20" dur="1" fill="hold">
                                           <p:stCondLst>
                                             <p:cond delay="0"/>
                                           </p:stCondLst>
@@ -9485,7 +13267,7 @@
                                     </p:set>
                                     <p:animEffect transition="in" filter="fade">
                                       <p:cBhvr>
-                                        <p:cTn id="26" dur="500"/>
+                                        <p:cTn id="21" dur="500"/>
                                         <p:tgtEl>
                                           <p:spTgt spid="46"/>
                                         </p:tgtEl>
@@ -9495,14 +13277,14 @@
                                 </p:cTn>
                               </p:par>
                               <p:par>
-                                <p:cTn id="27" presetID="10" presetClass="entr" presetSubtype="0" fill="hold" grpId="0" nodeType="withEffect">
+                                <p:cTn id="22" presetID="10" presetClass="entr" presetSubtype="0" fill="hold" grpId="0" nodeType="withEffect">
                                   <p:stCondLst>
                                     <p:cond delay="0"/>
                                   </p:stCondLst>
                                   <p:childTnLst>
                                     <p:set>
                                       <p:cBhvr>
-                                        <p:cTn id="28" dur="1" fill="hold">
+                                        <p:cTn id="23" dur="1" fill="hold">
                                           <p:stCondLst>
                                             <p:cond delay="0"/>
                                           </p:stCondLst>
@@ -9520,9 +13302,62 @@
                                     </p:set>
                                     <p:animEffect transition="in" filter="fade">
                                       <p:cBhvr>
+                                        <p:cTn id="24" dur="500"/>
+                                        <p:tgtEl>
+                                          <p:spTgt spid="47"/>
+                                        </p:tgtEl>
+                                      </p:cBhvr>
+                                    </p:animEffect>
+                                  </p:childTnLst>
+                                </p:cTn>
+                              </p:par>
+                            </p:childTnLst>
+                          </p:cTn>
+                        </p:par>
+                      </p:childTnLst>
+                    </p:cTn>
+                  </p:par>
+                  <p:par>
+                    <p:cTn id="25" fill="hold">
+                      <p:stCondLst>
+                        <p:cond delay="indefinite"/>
+                      </p:stCondLst>
+                      <p:childTnLst>
+                        <p:par>
+                          <p:cTn id="26" fill="hold">
+                            <p:stCondLst>
+                              <p:cond delay="0"/>
+                            </p:stCondLst>
+                            <p:childTnLst>
+                              <p:par>
+                                <p:cTn id="27" presetID="10" presetClass="entr" presetSubtype="0" fill="hold" grpId="0" nodeType="clickEffect">
+                                  <p:stCondLst>
+                                    <p:cond delay="0"/>
+                                  </p:stCondLst>
+                                  <p:childTnLst>
+                                    <p:set>
+                                      <p:cBhvr>
+                                        <p:cTn id="28" dur="1" fill="hold">
+                                          <p:stCondLst>
+                                            <p:cond delay="0"/>
+                                          </p:stCondLst>
+                                        </p:cTn>
+                                        <p:tgtEl>
+                                          <p:spTgt spid="56"/>
+                                        </p:tgtEl>
+                                        <p:attrNameLst>
+                                          <p:attrName>style.visibility</p:attrName>
+                                        </p:attrNameLst>
+                                      </p:cBhvr>
+                                      <p:to>
+                                        <p:strVal val="visible"/>
+                                      </p:to>
+                                    </p:set>
+                                    <p:animEffect transition="in" filter="fade">
+                                      <p:cBhvr>
                                         <p:cTn id="29" dur="500"/>
                                         <p:tgtEl>
-                                          <p:spTgt spid="47"/>
+                                          <p:spTgt spid="56"/>
                                         </p:tgtEl>
                                       </p:cBhvr>
                                     </p:animEffect>
@@ -9561,7 +13396,7 @@
                                           </p:stCondLst>
                                         </p:cTn>
                                         <p:tgtEl>
-                                          <p:spTgt spid="49"/>
+                                          <p:spTgt spid="37"/>
                                         </p:tgtEl>
                                         <p:attrNameLst>
                                           <p:attrName>style.visibility</p:attrName>
@@ -9575,201 +13410,7 @@
                                       <p:cBhvr>
                                         <p:cTn id="34" dur="500"/>
                                         <p:tgtEl>
-                                          <p:spTgt spid="49"/>
-                                        </p:tgtEl>
-                                      </p:cBhvr>
-                                    </p:animEffect>
-                                  </p:childTnLst>
-                                </p:cTn>
-                              </p:par>
-                              <p:par>
-                                <p:cTn id="35" presetID="10" presetClass="entr" presetSubtype="0" fill="hold" grpId="0" nodeType="withEffect">
-                                  <p:stCondLst>
-                                    <p:cond delay="0"/>
-                                  </p:stCondLst>
-                                  <p:childTnLst>
-                                    <p:set>
-                                      <p:cBhvr>
-                                        <p:cTn id="36" dur="1" fill="hold">
-                                          <p:stCondLst>
-                                            <p:cond delay="0"/>
-                                          </p:stCondLst>
-                                        </p:cTn>
-                                        <p:tgtEl>
-                                          <p:spTgt spid="54"/>
-                                        </p:tgtEl>
-                                        <p:attrNameLst>
-                                          <p:attrName>style.visibility</p:attrName>
-                                        </p:attrNameLst>
-                                      </p:cBhvr>
-                                      <p:to>
-                                        <p:strVal val="visible"/>
-                                      </p:to>
-                                    </p:set>
-                                    <p:animEffect transition="in" filter="fade">
-                                      <p:cBhvr>
-                                        <p:cTn id="37" dur="500"/>
-                                        <p:tgtEl>
-                                          <p:spTgt spid="54"/>
-                                        </p:tgtEl>
-                                      </p:cBhvr>
-                                    </p:animEffect>
-                                  </p:childTnLst>
-                                </p:cTn>
-                              </p:par>
-                            </p:childTnLst>
-                          </p:cTn>
-                        </p:par>
-                      </p:childTnLst>
-                    </p:cTn>
-                  </p:par>
-                  <p:par>
-                    <p:cTn id="38" fill="hold">
-                      <p:stCondLst>
-                        <p:cond delay="indefinite"/>
-                      </p:stCondLst>
-                      <p:childTnLst>
-                        <p:par>
-                          <p:cTn id="39" fill="hold">
-                            <p:stCondLst>
-                              <p:cond delay="0"/>
-                            </p:stCondLst>
-                            <p:childTnLst>
-                              <p:par>
-                                <p:cTn id="40" presetID="10" presetClass="entr" presetSubtype="0" fill="hold" grpId="0" nodeType="clickEffect">
-                                  <p:stCondLst>
-                                    <p:cond delay="0"/>
-                                  </p:stCondLst>
-                                  <p:childTnLst>
-                                    <p:set>
-                                      <p:cBhvr>
-                                        <p:cTn id="41" dur="1" fill="hold">
-                                          <p:stCondLst>
-                                            <p:cond delay="0"/>
-                                          </p:stCondLst>
-                                        </p:cTn>
-                                        <p:tgtEl>
-                                          <p:spTgt spid="55"/>
-                                        </p:tgtEl>
-                                        <p:attrNameLst>
-                                          <p:attrName>style.visibility</p:attrName>
-                                        </p:attrNameLst>
-                                      </p:cBhvr>
-                                      <p:to>
-                                        <p:strVal val="visible"/>
-                                      </p:to>
-                                    </p:set>
-                                    <p:animEffect transition="in" filter="fade">
-                                      <p:cBhvr>
-                                        <p:cTn id="42" dur="500"/>
-                                        <p:tgtEl>
-                                          <p:spTgt spid="55"/>
-                                        </p:tgtEl>
-                                      </p:cBhvr>
-                                    </p:animEffect>
-                                  </p:childTnLst>
-                                </p:cTn>
-                              </p:par>
-                            </p:childTnLst>
-                          </p:cTn>
-                        </p:par>
-                      </p:childTnLst>
-                    </p:cTn>
-                  </p:par>
-                  <p:par>
-                    <p:cTn id="43" fill="hold">
-                      <p:stCondLst>
-                        <p:cond delay="indefinite"/>
-                      </p:stCondLst>
-                      <p:childTnLst>
-                        <p:par>
-                          <p:cTn id="44" fill="hold">
-                            <p:stCondLst>
-                              <p:cond delay="0"/>
-                            </p:stCondLst>
-                            <p:childTnLst>
-                              <p:par>
-                                <p:cTn id="45" presetID="10" presetClass="entr" presetSubtype="0" fill="hold" grpId="0" nodeType="clickEffect">
-                                  <p:stCondLst>
-                                    <p:cond delay="0"/>
-                                  </p:stCondLst>
-                                  <p:childTnLst>
-                                    <p:set>
-                                      <p:cBhvr>
-                                        <p:cTn id="46" dur="1" fill="hold">
-                                          <p:stCondLst>
-                                            <p:cond delay="0"/>
-                                          </p:stCondLst>
-                                        </p:cTn>
-                                        <p:tgtEl>
-                                          <p:spTgt spid="56"/>
-                                        </p:tgtEl>
-                                        <p:attrNameLst>
-                                          <p:attrName>style.visibility</p:attrName>
-                                        </p:attrNameLst>
-                                      </p:cBhvr>
-                                      <p:to>
-                                        <p:strVal val="visible"/>
-                                      </p:to>
-                                    </p:set>
-                                    <p:animEffect transition="in" filter="fade">
-                                      <p:cBhvr>
-                                        <p:cTn id="47" dur="500"/>
-                                        <p:tgtEl>
-                                          <p:spTgt spid="56"/>
-                                        </p:tgtEl>
-                                      </p:cBhvr>
-                                    </p:animEffect>
-                                  </p:childTnLst>
-                                </p:cTn>
-                              </p:par>
-                            </p:childTnLst>
-                          </p:cTn>
-                        </p:par>
-                      </p:childTnLst>
-                    </p:cTn>
-                  </p:par>
-                  <p:par>
-                    <p:cTn id="48" fill="hold">
-                      <p:stCondLst>
-                        <p:cond delay="indefinite"/>
-                      </p:stCondLst>
-                      <p:childTnLst>
-                        <p:par>
-                          <p:cTn id="49" fill="hold">
-                            <p:stCondLst>
-                              <p:cond delay="0"/>
-                            </p:stCondLst>
-                            <p:childTnLst>
-                              <p:par>
-                                <p:cTn id="50" presetID="10" presetClass="entr" presetSubtype="0" fill="hold" grpId="0" nodeType="clickEffect">
-                                  <p:stCondLst>
-                                    <p:cond delay="0"/>
-                                  </p:stCondLst>
-                                  <p:childTnLst>
-                                    <p:set>
-                                      <p:cBhvr>
-                                        <p:cTn id="51" dur="1" fill="hold">
-                                          <p:stCondLst>
-                                            <p:cond delay="0"/>
-                                          </p:stCondLst>
-                                        </p:cTn>
-                                        <p:tgtEl>
-                                          <p:spTgt spid="57"/>
-                                        </p:tgtEl>
-                                        <p:attrNameLst>
-                                          <p:attrName>style.visibility</p:attrName>
-                                        </p:attrNameLst>
-                                      </p:cBhvr>
-                                      <p:to>
-                                        <p:strVal val="visible"/>
-                                      </p:to>
-                                    </p:set>
-                                    <p:animEffect transition="in" filter="fade">
-                                      <p:cBhvr>
-                                        <p:cTn id="52" dur="500"/>
-                                        <p:tgtEl>
-                                          <p:spTgt spid="57"/>
+                                          <p:spTgt spid="37"/>
                                         </p:tgtEl>
                                       </p:cBhvr>
                                     </p:animEffect>
@@ -9807,15 +13448,11 @@
       <p:bldP spid="33" grpId="0" animBg="1"/>
       <p:bldP spid="34" grpId="0" animBg="1"/>
       <p:bldP spid="35" grpId="0" animBg="1"/>
-      <p:bldP spid="43" grpId="0" animBg="1"/>
       <p:bldP spid="44" grpId="0" animBg="1"/>
       <p:bldP spid="46" grpId="0" animBg="1"/>
       <p:bldP spid="47" grpId="0" animBg="1"/>
-      <p:bldP spid="49" grpId="0" animBg="1"/>
-      <p:bldP spid="54" grpId="0" animBg="1"/>
-      <p:bldP spid="55" grpId="0" animBg="1"/>
       <p:bldP spid="56" grpId="0" animBg="1"/>
-      <p:bldP spid="57" grpId="0" animBg="1"/>
+      <p:bldP spid="37" grpId="0" animBg="1"/>
     </p:bldLst>
   </p:timing>
 </p:sld>
@@ -15717,17 +19354,7 @@
                 <a:latin typeface="Segoe UI Light" pitchFamily="34" charset="0"/>
                 <a:cs typeface="Segoe UI Light" pitchFamily="34" charset="0"/>
               </a:rPr>
-              <a:t>Drop </a:t>
-            </a:r>
-            <a:r>
-              <a:rPr lang="en-US" sz="4000" dirty="0" smtClean="0">
-                <a:solidFill>
-                  <a:srgbClr val="7030A0"/>
-                </a:solidFill>
-                <a:latin typeface="Segoe UI Light" pitchFamily="34" charset="0"/>
-                <a:cs typeface="Segoe UI Light" pitchFamily="34" charset="0"/>
-              </a:rPr>
-              <a:t>It Project</a:t>
+              <a:t>Drop It Project</a:t>
             </a:r>
             <a:endParaRPr lang="en-US" sz="4000" dirty="0">
               <a:solidFill>

--- a/Document/Present.pptx
+++ b/Document/Present.pptx
@@ -128,7 +128,7 @@
   </p:defaultTextStyle>
   <p:extLst>
     <p:ext uri="{EFAFB233-063F-42B5-8137-9DF3F51BA10A}">
-      <p15:sldGuideLst xmlns:p15="http://schemas.microsoft.com/office/powerpoint/2012/main">
+      <p15:sldGuideLst xmlns:p15="http://schemas.microsoft.com/office/powerpoint/2012/main" xmlns="">
         <p15:guide id="1" orient="horz" pos="2160">
           <p15:clr>
             <a:srgbClr val="A4A3A4"/>
@@ -1026,6 +1026,13 @@
         </dgm:presLayoutVars>
       </dgm:prSet>
       <dgm:spPr/>
+      <dgm:t>
+        <a:bodyPr/>
+        <a:lstStyle/>
+        <a:p>
+          <a:endParaRPr lang="en-US"/>
+        </a:p>
+      </dgm:t>
     </dgm:pt>
     <dgm:pt modelId="{A9C1B682-970F-4BDE-B0E8-FA36DDCF2539}" type="pres">
       <dgm:prSet presAssocID="{EE37044E-EFF3-4DF6-B49C-FEA04D079868}" presName="dummyMaxCanvas" presStyleCnt="0">
@@ -1040,6 +1047,13 @@
         </dgm:presLayoutVars>
       </dgm:prSet>
       <dgm:spPr/>
+      <dgm:t>
+        <a:bodyPr/>
+        <a:lstStyle/>
+        <a:p>
+          <a:endParaRPr lang="en-US"/>
+        </a:p>
+      </dgm:t>
     </dgm:pt>
     <dgm:pt modelId="{F412019C-E47A-465C-816F-304AD6E84017}" type="pres">
       <dgm:prSet presAssocID="{EE37044E-EFF3-4DF6-B49C-FEA04D079868}" presName="ThreeNodes_2" presStyleLbl="node1" presStyleIdx="1" presStyleCnt="3" custScaleX="100005" custLinFactNeighborX="8984" custLinFactNeighborY="387">
@@ -1048,6 +1062,13 @@
         </dgm:presLayoutVars>
       </dgm:prSet>
       <dgm:spPr/>
+      <dgm:t>
+        <a:bodyPr/>
+        <a:lstStyle/>
+        <a:p>
+          <a:endParaRPr lang="en-US"/>
+        </a:p>
+      </dgm:t>
     </dgm:pt>
     <dgm:pt modelId="{FE30DE2C-C7A2-4B15-8216-38B8E350332C}" type="pres">
       <dgm:prSet presAssocID="{EE37044E-EFF3-4DF6-B49C-FEA04D079868}" presName="ThreeNodes_3" presStyleLbl="node1" presStyleIdx="2" presStyleCnt="3">
@@ -1056,6 +1077,13 @@
         </dgm:presLayoutVars>
       </dgm:prSet>
       <dgm:spPr/>
+      <dgm:t>
+        <a:bodyPr/>
+        <a:lstStyle/>
+        <a:p>
+          <a:endParaRPr lang="en-US"/>
+        </a:p>
+      </dgm:t>
     </dgm:pt>
     <dgm:pt modelId="{61599C62-4F73-4153-9B6B-7FC5AE26CD6E}" type="pres">
       <dgm:prSet presAssocID="{EE37044E-EFF3-4DF6-B49C-FEA04D079868}" presName="ThreeConn_1-2" presStyleLbl="fgAccFollowNode1" presStyleIdx="0" presStyleCnt="2" custLinFactNeighborX="36431" custLinFactNeighborY="-467">
@@ -1064,6 +1092,13 @@
         </dgm:presLayoutVars>
       </dgm:prSet>
       <dgm:spPr/>
+      <dgm:t>
+        <a:bodyPr/>
+        <a:lstStyle/>
+        <a:p>
+          <a:endParaRPr lang="en-US"/>
+        </a:p>
+      </dgm:t>
     </dgm:pt>
     <dgm:pt modelId="{4501A95C-C412-4557-AD87-F88243C736DA}" type="pres">
       <dgm:prSet presAssocID="{EE37044E-EFF3-4DF6-B49C-FEA04D079868}" presName="ThreeConn_2-3" presStyleLbl="fgAccFollowNode1" presStyleIdx="1" presStyleCnt="2" custLinFactNeighborY="-4629">
@@ -1072,6 +1107,13 @@
         </dgm:presLayoutVars>
       </dgm:prSet>
       <dgm:spPr/>
+      <dgm:t>
+        <a:bodyPr/>
+        <a:lstStyle/>
+        <a:p>
+          <a:endParaRPr lang="en-US"/>
+        </a:p>
+      </dgm:t>
     </dgm:pt>
     <dgm:pt modelId="{F00339FD-1D74-454A-97C6-F7D447FC9FD3}" type="pres">
       <dgm:prSet presAssocID="{EE37044E-EFF3-4DF6-B49C-FEA04D079868}" presName="ThreeNodes_1_text" presStyleLbl="node1" presStyleIdx="2" presStyleCnt="3">
@@ -1080,6 +1122,13 @@
         </dgm:presLayoutVars>
       </dgm:prSet>
       <dgm:spPr/>
+      <dgm:t>
+        <a:bodyPr/>
+        <a:lstStyle/>
+        <a:p>
+          <a:endParaRPr lang="en-US"/>
+        </a:p>
+      </dgm:t>
     </dgm:pt>
     <dgm:pt modelId="{E54639BF-0C75-444F-9211-68E12BDD1655}" type="pres">
       <dgm:prSet presAssocID="{EE37044E-EFF3-4DF6-B49C-FEA04D079868}" presName="ThreeNodes_2_text" presStyleLbl="node1" presStyleIdx="2" presStyleCnt="3">
@@ -1088,6 +1137,13 @@
         </dgm:presLayoutVars>
       </dgm:prSet>
       <dgm:spPr/>
+      <dgm:t>
+        <a:bodyPr/>
+        <a:lstStyle/>
+        <a:p>
+          <a:endParaRPr lang="en-US"/>
+        </a:p>
+      </dgm:t>
     </dgm:pt>
     <dgm:pt modelId="{98E65A7E-B9AF-49C5-A1F5-31963221DADD}" type="pres">
       <dgm:prSet presAssocID="{EE37044E-EFF3-4DF6-B49C-FEA04D079868}" presName="ThreeNodes_3_text" presStyleLbl="node1" presStyleIdx="2" presStyleCnt="3">
@@ -1096,21 +1152,28 @@
         </dgm:presLayoutVars>
       </dgm:prSet>
       <dgm:spPr/>
+      <dgm:t>
+        <a:bodyPr/>
+        <a:lstStyle/>
+        <a:p>
+          <a:endParaRPr lang="en-US"/>
+        </a:p>
+      </dgm:t>
     </dgm:pt>
   </dgm:ptLst>
   <dgm:cxnLst>
+    <dgm:cxn modelId="{424ADFC7-A505-4E2C-A36A-A96076C87D9F}" type="presOf" srcId="{FC57BE35-DAC4-4C1A-9FDF-1B9C00AFAD47}" destId="{4501A95C-C412-4557-AD87-F88243C736DA}" srcOrd="0" destOrd="0" presId="urn:microsoft.com/office/officeart/2005/8/layout/vProcess5"/>
+    <dgm:cxn modelId="{92502867-CD43-46E9-BF18-F3B9F90C468B}" type="presOf" srcId="{927FBEA3-6E7C-4CCC-913E-477BAB727F5E}" destId="{E54639BF-0C75-444F-9211-68E12BDD1655}" srcOrd="1" destOrd="0" presId="urn:microsoft.com/office/officeart/2005/8/layout/vProcess5"/>
+    <dgm:cxn modelId="{5B1D74B4-2883-429C-A163-A01447E81514}" srcId="{EE37044E-EFF3-4DF6-B49C-FEA04D079868}" destId="{927FBEA3-6E7C-4CCC-913E-477BAB727F5E}" srcOrd="1" destOrd="0" parTransId="{63DBCCBD-49A4-4793-A493-70266EECA829}" sibTransId="{FC57BE35-DAC4-4C1A-9FDF-1B9C00AFAD47}"/>
+    <dgm:cxn modelId="{ED48EF97-9060-4B69-9197-1DEA21752A67}" type="presOf" srcId="{5362BC90-88AA-45F4-82DF-65A3974733C2}" destId="{F00339FD-1D74-454A-97C6-F7D447FC9FD3}" srcOrd="1" destOrd="0" presId="urn:microsoft.com/office/officeart/2005/8/layout/vProcess5"/>
+    <dgm:cxn modelId="{0CDEB074-BC36-415E-8E8F-2C6F1B4045CB}" type="presOf" srcId="{927FBEA3-6E7C-4CCC-913E-477BAB727F5E}" destId="{F412019C-E47A-465C-816F-304AD6E84017}" srcOrd="0" destOrd="0" presId="urn:microsoft.com/office/officeart/2005/8/layout/vProcess5"/>
+    <dgm:cxn modelId="{E6D0EC12-A1BA-4BB6-8BCF-389A4EBE4B58}" type="presOf" srcId="{264ABED8-1839-418F-B93D-881EF94A15F4}" destId="{FE30DE2C-C7A2-4B15-8216-38B8E350332C}" srcOrd="0" destOrd="0" presId="urn:microsoft.com/office/officeart/2005/8/layout/vProcess5"/>
     <dgm:cxn modelId="{2E54C9DB-8286-4942-958C-D723BD849647}" type="presOf" srcId="{5362BC90-88AA-45F4-82DF-65A3974733C2}" destId="{922539D6-1411-4F95-ABC6-9CA624F49588}" srcOrd="0" destOrd="0" presId="urn:microsoft.com/office/officeart/2005/8/layout/vProcess5"/>
-    <dgm:cxn modelId="{ED48EF97-9060-4B69-9197-1DEA21752A67}" type="presOf" srcId="{5362BC90-88AA-45F4-82DF-65A3974733C2}" destId="{F00339FD-1D74-454A-97C6-F7D447FC9FD3}" srcOrd="1" destOrd="0" presId="urn:microsoft.com/office/officeart/2005/8/layout/vProcess5"/>
-    <dgm:cxn modelId="{E6D0EC12-A1BA-4BB6-8BCF-389A4EBE4B58}" type="presOf" srcId="{264ABED8-1839-418F-B93D-881EF94A15F4}" destId="{FE30DE2C-C7A2-4B15-8216-38B8E350332C}" srcOrd="0" destOrd="0" presId="urn:microsoft.com/office/officeart/2005/8/layout/vProcess5"/>
+    <dgm:cxn modelId="{BA682020-3A35-424A-BEF5-EC2A1A8B3EAB}" srcId="{EE37044E-EFF3-4DF6-B49C-FEA04D079868}" destId="{5362BC90-88AA-45F4-82DF-65A3974733C2}" srcOrd="0" destOrd="0" parTransId="{534118D6-B64B-440B-8FCB-19D53615CB7D}" sibTransId="{A902485B-4D9E-468D-B7AA-FF268092F514}"/>
     <dgm:cxn modelId="{B7A44283-22AB-4DF6-B568-322C3AF007CB}" type="presOf" srcId="{A902485B-4D9E-468D-B7AA-FF268092F514}" destId="{61599C62-4F73-4153-9B6B-7FC5AE26CD6E}" srcOrd="0" destOrd="0" presId="urn:microsoft.com/office/officeart/2005/8/layout/vProcess5"/>
-    <dgm:cxn modelId="{BA682020-3A35-424A-BEF5-EC2A1A8B3EAB}" srcId="{EE37044E-EFF3-4DF6-B49C-FEA04D079868}" destId="{5362BC90-88AA-45F4-82DF-65A3974733C2}" srcOrd="0" destOrd="0" parTransId="{534118D6-B64B-440B-8FCB-19D53615CB7D}" sibTransId="{A902485B-4D9E-468D-B7AA-FF268092F514}"/>
     <dgm:cxn modelId="{4E5354D9-6CB6-4EC1-B0FC-A9F7843B0E30}" type="presOf" srcId="{264ABED8-1839-418F-B93D-881EF94A15F4}" destId="{98E65A7E-B9AF-49C5-A1F5-31963221DADD}" srcOrd="1" destOrd="0" presId="urn:microsoft.com/office/officeart/2005/8/layout/vProcess5"/>
-    <dgm:cxn modelId="{5B1D74B4-2883-429C-A163-A01447E81514}" srcId="{EE37044E-EFF3-4DF6-B49C-FEA04D079868}" destId="{927FBEA3-6E7C-4CCC-913E-477BAB727F5E}" srcOrd="1" destOrd="0" parTransId="{63DBCCBD-49A4-4793-A493-70266EECA829}" sibTransId="{FC57BE35-DAC4-4C1A-9FDF-1B9C00AFAD47}"/>
+    <dgm:cxn modelId="{C338E549-FABC-475A-BBDF-7A82D33F0E01}" srcId="{EE37044E-EFF3-4DF6-B49C-FEA04D079868}" destId="{264ABED8-1839-418F-B93D-881EF94A15F4}" srcOrd="2" destOrd="0" parTransId="{E172869D-9A01-4C5D-8B1C-1E8D89445367}" sibTransId="{DDBD866F-C277-4FAC-AA82-721338E759DA}"/>
     <dgm:cxn modelId="{4A91B818-981F-41C5-92E2-ED3592D7E7DC}" type="presOf" srcId="{EE37044E-EFF3-4DF6-B49C-FEA04D079868}" destId="{A76142A5-A3C5-4B9F-8498-28795D764300}" srcOrd="0" destOrd="0" presId="urn:microsoft.com/office/officeart/2005/8/layout/vProcess5"/>
-    <dgm:cxn modelId="{92502867-CD43-46E9-BF18-F3B9F90C468B}" type="presOf" srcId="{927FBEA3-6E7C-4CCC-913E-477BAB727F5E}" destId="{E54639BF-0C75-444F-9211-68E12BDD1655}" srcOrd="1" destOrd="0" presId="urn:microsoft.com/office/officeart/2005/8/layout/vProcess5"/>
-    <dgm:cxn modelId="{424ADFC7-A505-4E2C-A36A-A96076C87D9F}" type="presOf" srcId="{FC57BE35-DAC4-4C1A-9FDF-1B9C00AFAD47}" destId="{4501A95C-C412-4557-AD87-F88243C736DA}" srcOrd="0" destOrd="0" presId="urn:microsoft.com/office/officeart/2005/8/layout/vProcess5"/>
-    <dgm:cxn modelId="{0CDEB074-BC36-415E-8E8F-2C6F1B4045CB}" type="presOf" srcId="{927FBEA3-6E7C-4CCC-913E-477BAB727F5E}" destId="{F412019C-E47A-465C-816F-304AD6E84017}" srcOrd="0" destOrd="0" presId="urn:microsoft.com/office/officeart/2005/8/layout/vProcess5"/>
-    <dgm:cxn modelId="{C338E549-FABC-475A-BBDF-7A82D33F0E01}" srcId="{EE37044E-EFF3-4DF6-B49C-FEA04D079868}" destId="{264ABED8-1839-418F-B93D-881EF94A15F4}" srcOrd="2" destOrd="0" parTransId="{E172869D-9A01-4C5D-8B1C-1E8D89445367}" sibTransId="{DDBD866F-C277-4FAC-AA82-721338E759DA}"/>
     <dgm:cxn modelId="{C4895391-CAD5-4982-B0DA-0AC7DC44F943}" type="presParOf" srcId="{A76142A5-A3C5-4B9F-8498-28795D764300}" destId="{A9C1B682-970F-4BDE-B0E8-FA36DDCF2539}" srcOrd="0" destOrd="0" presId="urn:microsoft.com/office/officeart/2005/8/layout/vProcess5"/>
     <dgm:cxn modelId="{67A32EBB-E871-491B-9925-5AC932A40B24}" type="presParOf" srcId="{A76142A5-A3C5-4B9F-8498-28795D764300}" destId="{922539D6-1411-4F95-ABC6-9CA624F49588}" srcOrd="1" destOrd="0" presId="urn:microsoft.com/office/officeart/2005/8/layout/vProcess5"/>
     <dgm:cxn modelId="{582DEF5E-0C48-4A06-8686-E666E7270461}" type="presParOf" srcId="{A76142A5-A3C5-4B9F-8498-28795D764300}" destId="{F412019C-E47A-465C-816F-304AD6E84017}" srcOrd="2" destOrd="0" presId="urn:microsoft.com/office/officeart/2005/8/layout/vProcess5"/>
@@ -7223,7 +7286,7 @@
           <a:lstStyle/>
           <a:p>
             <a:r>
-              <a:rPr lang="en-US" sz="3600" dirty="0">
+              <a:rPr lang="en-US" sz="3600" b="1" dirty="0">
                 <a:latin typeface="Segoe UI Light" panose="020B0502040204020203" pitchFamily="34" charset="0"/>
                 <a:cs typeface="Segoe UI Light" panose="020B0502040204020203" pitchFamily="34" charset="0"/>
               </a:rPr>
@@ -7241,7 +7304,7 @@
         <p:spPr>
           <a:xfrm>
             <a:off x="1417320" y="415196"/>
-            <a:ext cx="3352800" cy="400110"/>
+            <a:ext cx="3352800" cy="461665"/>
           </a:xfrm>
           <a:prstGeom prst="rect">
             <a:avLst/>
@@ -7255,7 +7318,7 @@
           <a:lstStyle/>
           <a:p>
             <a:r>
-              <a:rPr lang="en-US" sz="2000" b="1" dirty="0">
+              <a:rPr lang="en-US" sz="2400" b="1" dirty="0">
                 <a:solidFill>
                   <a:schemeClr val="bg1"/>
                 </a:solidFill>
@@ -7266,7 +7329,7 @@
               <a:t>Group </a:t>
             </a:r>
             <a:r>
-              <a:rPr lang="en-US" sz="2000" b="1" dirty="0" smtClean="0">
+              <a:rPr lang="en-US" sz="2400" b="1" dirty="0" smtClean="0">
                 <a:solidFill>
                   <a:schemeClr val="bg1"/>
                 </a:solidFill>
@@ -7277,7 +7340,7 @@
               <a:t>8 - Drop </a:t>
             </a:r>
             <a:r>
-              <a:rPr lang="en-US" sz="2000" b="1" dirty="0">
+              <a:rPr lang="en-US" sz="2400" b="1" dirty="0">
                 <a:solidFill>
                   <a:schemeClr val="bg1"/>
                 </a:solidFill>
@@ -7299,7 +7362,7 @@
         <p:spPr>
           <a:xfrm>
             <a:off x="2133600" y="3135142"/>
-            <a:ext cx="3902227" cy="707886"/>
+            <a:ext cx="3902227" cy="830997"/>
           </a:xfrm>
           <a:prstGeom prst="rect">
             <a:avLst/>
@@ -7313,7 +7376,7 @@
           <a:lstStyle/>
           <a:p>
             <a:r>
-              <a:rPr lang="en-US" sz="2000" b="1" dirty="0" smtClean="0">
+              <a:rPr lang="en-US" sz="2400" b="1" dirty="0" smtClean="0">
                 <a:solidFill>
                   <a:schemeClr val="bg1"/>
                 </a:solidFill>
@@ -7321,7 +7384,18 @@
                 <a:ea typeface="+mj-ea"/>
                 <a:cs typeface="Segoe UI Light" panose="020B0502040204020203" pitchFamily="34" charset="0"/>
               </a:rPr>
-              <a:t>Supervisor:</a:t>
+              <a:t>Supervisor</a:t>
+            </a:r>
+            <a:r>
+              <a:rPr lang="en-US" sz="2000" b="1" dirty="0" smtClean="0">
+                <a:solidFill>
+                  <a:schemeClr val="bg1"/>
+                </a:solidFill>
+                <a:latin typeface="Segoe UI Light" panose="020B0502040204020203" pitchFamily="34" charset="0"/>
+                <a:ea typeface="+mj-ea"/>
+                <a:cs typeface="Segoe UI Light" panose="020B0502040204020203" pitchFamily="34" charset="0"/>
+              </a:rPr>
+              <a:t>:</a:t>
             </a:r>
           </a:p>
           <a:p>
@@ -7330,7 +7404,7 @@
               <a:buChar char="§"/>
             </a:pPr>
             <a:r>
-              <a:rPr lang="en-US" sz="2000" dirty="0" err="1" smtClean="0">
+              <a:rPr lang="en-US" sz="2400" b="1" dirty="0" err="1" smtClean="0">
                 <a:solidFill>
                   <a:schemeClr val="bg1"/>
                 </a:solidFill>
@@ -7341,7 +7415,7 @@
               <a:t>Lâm</a:t>
             </a:r>
             <a:r>
-              <a:rPr lang="en-US" sz="2000" dirty="0" smtClean="0">
+              <a:rPr lang="en-US" sz="2400" b="1" dirty="0" smtClean="0">
                 <a:solidFill>
                   <a:schemeClr val="bg1"/>
                 </a:solidFill>
@@ -7352,7 +7426,7 @@
               <a:t> </a:t>
             </a:r>
             <a:r>
-              <a:rPr lang="en-US" sz="2000" dirty="0" err="1">
+              <a:rPr lang="en-US" sz="2400" b="1" dirty="0" err="1">
                 <a:solidFill>
                   <a:schemeClr val="bg1"/>
                 </a:solidFill>
@@ -7363,7 +7437,7 @@
               <a:t>Hữu</a:t>
             </a:r>
             <a:r>
-              <a:rPr lang="en-US" sz="2000" dirty="0">
+              <a:rPr lang="en-US" sz="2400" b="1" dirty="0">
                 <a:solidFill>
                   <a:schemeClr val="bg1"/>
                 </a:solidFill>
@@ -7374,7 +7448,7 @@
               <a:t> </a:t>
             </a:r>
             <a:r>
-              <a:rPr lang="en-US" sz="2000" dirty="0" err="1">
+              <a:rPr lang="en-US" sz="2400" b="1" dirty="0" err="1">
                 <a:solidFill>
                   <a:schemeClr val="bg1"/>
                 </a:solidFill>
@@ -7385,7 +7459,7 @@
               <a:t>Khánh</a:t>
             </a:r>
             <a:r>
-              <a:rPr lang="en-US" sz="2000" dirty="0">
+              <a:rPr lang="en-US" sz="2400" b="1" dirty="0">
                 <a:solidFill>
                   <a:schemeClr val="bg1"/>
                 </a:solidFill>
@@ -7396,7 +7470,7 @@
               <a:t> </a:t>
             </a:r>
             <a:r>
-              <a:rPr lang="en-US" sz="2000" dirty="0" err="1">
+              <a:rPr lang="en-US" sz="2400" b="1" dirty="0" err="1">
                 <a:solidFill>
                   <a:schemeClr val="bg1"/>
                 </a:solidFill>
@@ -7406,7 +7480,7 @@
               </a:rPr>
               <a:t>Phương</a:t>
             </a:r>
-            <a:endParaRPr lang="en-US" sz="2000" dirty="0">
+            <a:endParaRPr lang="en-US" sz="2400" b="1" dirty="0">
               <a:solidFill>
                 <a:schemeClr val="bg1"/>
               </a:solidFill>
@@ -7511,7 +7585,7 @@
         <p:spPr>
           <a:xfrm>
             <a:off x="-32467" y="1219200"/>
-            <a:ext cx="1825487" cy="548640"/>
+            <a:ext cx="1822175" cy="548640"/>
           </a:xfrm>
           <a:prstGeom prst="rect">
             <a:avLst/>
@@ -7561,7 +7635,7 @@
         <p:spPr>
           <a:xfrm>
             <a:off x="-32467" y="2494048"/>
-            <a:ext cx="1825487" cy="371072"/>
+            <a:ext cx="1822175" cy="466084"/>
           </a:xfrm>
           <a:prstGeom prst="rect">
             <a:avLst/>
@@ -7616,8 +7690,8 @@
         </p:nvSpPr>
         <p:spPr>
           <a:xfrm>
-            <a:off x="-35780" y="1750544"/>
-            <a:ext cx="1828800" cy="397431"/>
+            <a:off x="-35781" y="1750544"/>
+            <a:ext cx="1825489" cy="397431"/>
           </a:xfrm>
           <a:prstGeom prst="rect">
             <a:avLst/>
@@ -7711,8 +7785,8 @@
         </p:nvSpPr>
         <p:spPr>
           <a:xfrm>
-            <a:off x="152400" y="1307471"/>
-            <a:ext cx="1524000" cy="369332"/>
+            <a:off x="0" y="1307471"/>
+            <a:ext cx="1828800" cy="430887"/>
           </a:xfrm>
           <a:prstGeom prst="rect">
             <a:avLst/>
@@ -7726,7 +7800,7 @@
           <a:lstStyle/>
           <a:p>
             <a:r>
-              <a:rPr lang="en-US" dirty="0" smtClean="0">
+              <a:rPr lang="en-US" sz="2200" dirty="0" smtClean="0">
                 <a:solidFill>
                   <a:schemeClr val="bg1"/>
                 </a:solidFill>
@@ -7734,6 +7808,110 @@
                 <a:cs typeface="Segoe UI Light" pitchFamily="34" charset="0"/>
               </a:rPr>
               <a:t>Main Features</a:t>
+            </a:r>
+            <a:endParaRPr lang="en-US" sz="2200" dirty="0">
+              <a:solidFill>
+                <a:schemeClr val="bg1"/>
+              </a:solidFill>
+              <a:latin typeface="Segoe UI Light" pitchFamily="34" charset="0"/>
+              <a:cs typeface="Segoe UI Light" pitchFamily="34" charset="0"/>
+            </a:endParaRPr>
+          </a:p>
+        </p:txBody>
+      </p:sp>
+      <p:sp>
+        <p:nvSpPr>
+          <p:cNvPr id="22" name="TextBox 21"/>
+          <p:cNvSpPr txBox="1"/>
+          <p:nvPr/>
+        </p:nvSpPr>
+        <p:spPr>
+          <a:xfrm>
+            <a:off x="1828800" y="96028"/>
+            <a:ext cx="3352800" cy="400110"/>
+          </a:xfrm>
+          <a:prstGeom prst="rect">
+            <a:avLst/>
+          </a:prstGeom>
+          <a:noFill/>
+        </p:spPr>
+        <p:txBody>
+          <a:bodyPr wrap="square" rtlCol="0">
+            <a:spAutoFit/>
+          </a:bodyPr>
+          <a:lstStyle/>
+          <a:p>
+            <a:r>
+              <a:rPr lang="en-US" sz="2000" b="1" dirty="0">
+                <a:solidFill>
+                  <a:srgbClr val="7030A0"/>
+                </a:solidFill>
+                <a:latin typeface="Segoe UI Light" panose="020B0502040204020203" pitchFamily="34" charset="0"/>
+                <a:ea typeface="+mj-ea"/>
+                <a:cs typeface="Segoe UI Light" panose="020B0502040204020203" pitchFamily="34" charset="0"/>
+              </a:rPr>
+              <a:t>Group </a:t>
+            </a:r>
+            <a:r>
+              <a:rPr lang="en-US" sz="2000" b="1" dirty="0" smtClean="0">
+                <a:solidFill>
+                  <a:srgbClr val="7030A0"/>
+                </a:solidFill>
+                <a:latin typeface="Segoe UI Light" panose="020B0502040204020203" pitchFamily="34" charset="0"/>
+                <a:ea typeface="+mj-ea"/>
+                <a:cs typeface="Segoe UI Light" panose="020B0502040204020203" pitchFamily="34" charset="0"/>
+              </a:rPr>
+              <a:t>8 - Drop </a:t>
+            </a:r>
+            <a:r>
+              <a:rPr lang="en-US" sz="2000" b="1" dirty="0">
+                <a:solidFill>
+                  <a:srgbClr val="7030A0"/>
+                </a:solidFill>
+                <a:latin typeface="Segoe UI Light" panose="020B0502040204020203" pitchFamily="34" charset="0"/>
+                <a:ea typeface="+mj-ea"/>
+                <a:cs typeface="Segoe UI Light" panose="020B0502040204020203" pitchFamily="34" charset="0"/>
+              </a:rPr>
+              <a:t>It</a:t>
+            </a:r>
+          </a:p>
+        </p:txBody>
+      </p:sp>
+      <p:sp>
+        <p:nvSpPr>
+          <p:cNvPr id="6" name="TextBox 5"/>
+          <p:cNvSpPr txBox="1"/>
+          <p:nvPr/>
+        </p:nvSpPr>
+        <p:spPr>
+          <a:xfrm>
+            <a:off x="178242" y="1798751"/>
+            <a:ext cx="1524000" cy="369332"/>
+          </a:xfrm>
+          <a:prstGeom prst="rect">
+            <a:avLst/>
+          </a:prstGeom>
+          <a:noFill/>
+        </p:spPr>
+        <p:txBody>
+          <a:bodyPr wrap="square" rtlCol="0">
+            <a:spAutoFit/>
+          </a:bodyPr>
+          <a:lstStyle/>
+          <a:p>
+            <a:pPr marL="285750" indent="-285750">
+              <a:buFont typeface="Wingdings" pitchFamily="2" charset="2"/>
+              <a:buChar char="Ø"/>
+            </a:pPr>
+            <a:r>
+              <a:rPr lang="en-US" dirty="0">
+                <a:solidFill>
+                  <a:schemeClr val="bg1"/>
+                </a:solidFill>
+                <a:latin typeface="Segoe UI Light" pitchFamily="34" charset="0"/>
+                <a:cs typeface="Segoe UI Light" pitchFamily="34" charset="0"/>
+              </a:rPr>
+              <a:t>Sell Ticket</a:t>
             </a:r>
             <a:endParaRPr lang="en-US" dirty="0">
               <a:solidFill>
@@ -7747,110 +7925,6 @@
       </p:sp>
       <p:sp>
         <p:nvSpPr>
-          <p:cNvPr id="22" name="TextBox 21"/>
-          <p:cNvSpPr txBox="1"/>
-          <p:nvPr/>
-        </p:nvSpPr>
-        <p:spPr>
-          <a:xfrm>
-            <a:off x="1828800" y="96028"/>
-            <a:ext cx="3352800" cy="400110"/>
-          </a:xfrm>
-          <a:prstGeom prst="rect">
-            <a:avLst/>
-          </a:prstGeom>
-          <a:noFill/>
-        </p:spPr>
-        <p:txBody>
-          <a:bodyPr wrap="square" rtlCol="0">
-            <a:spAutoFit/>
-          </a:bodyPr>
-          <a:lstStyle/>
-          <a:p>
-            <a:r>
-              <a:rPr lang="en-US" sz="2000" b="1" dirty="0">
-                <a:solidFill>
-                  <a:srgbClr val="7030A0"/>
-                </a:solidFill>
-                <a:latin typeface="Segoe UI Light" panose="020B0502040204020203" pitchFamily="34" charset="0"/>
-                <a:ea typeface="+mj-ea"/>
-                <a:cs typeface="Segoe UI Light" panose="020B0502040204020203" pitchFamily="34" charset="0"/>
-              </a:rPr>
-              <a:t>Group </a:t>
-            </a:r>
-            <a:r>
-              <a:rPr lang="en-US" sz="2000" b="1" dirty="0" smtClean="0">
-                <a:solidFill>
-                  <a:srgbClr val="7030A0"/>
-                </a:solidFill>
-                <a:latin typeface="Segoe UI Light" panose="020B0502040204020203" pitchFamily="34" charset="0"/>
-                <a:ea typeface="+mj-ea"/>
-                <a:cs typeface="Segoe UI Light" panose="020B0502040204020203" pitchFamily="34" charset="0"/>
-              </a:rPr>
-              <a:t>8 - Drop </a:t>
-            </a:r>
-            <a:r>
-              <a:rPr lang="en-US" sz="2000" b="1" dirty="0">
-                <a:solidFill>
-                  <a:srgbClr val="7030A0"/>
-                </a:solidFill>
-                <a:latin typeface="Segoe UI Light" panose="020B0502040204020203" pitchFamily="34" charset="0"/>
-                <a:ea typeface="+mj-ea"/>
-                <a:cs typeface="Segoe UI Light" panose="020B0502040204020203" pitchFamily="34" charset="0"/>
-              </a:rPr>
-              <a:t>It</a:t>
-            </a:r>
-          </a:p>
-        </p:txBody>
-      </p:sp>
-      <p:sp>
-        <p:nvSpPr>
-          <p:cNvPr id="6" name="TextBox 5"/>
-          <p:cNvSpPr txBox="1"/>
-          <p:nvPr/>
-        </p:nvSpPr>
-        <p:spPr>
-          <a:xfrm>
-            <a:off x="178242" y="1798751"/>
-            <a:ext cx="1524000" cy="307777"/>
-          </a:xfrm>
-          <a:prstGeom prst="rect">
-            <a:avLst/>
-          </a:prstGeom>
-          <a:noFill/>
-        </p:spPr>
-        <p:txBody>
-          <a:bodyPr wrap="square" rtlCol="0">
-            <a:spAutoFit/>
-          </a:bodyPr>
-          <a:lstStyle/>
-          <a:p>
-            <a:pPr marL="285750" indent="-285750">
-              <a:buFont typeface="Wingdings" pitchFamily="2" charset="2"/>
-              <a:buChar char="Ø"/>
-            </a:pPr>
-            <a:r>
-              <a:rPr lang="en-US" sz="1400" dirty="0" smtClean="0">
-                <a:solidFill>
-                  <a:schemeClr val="bg1"/>
-                </a:solidFill>
-                <a:latin typeface="Segoe UI Light" pitchFamily="34" charset="0"/>
-                <a:cs typeface="Segoe UI Light" pitchFamily="34" charset="0"/>
-              </a:rPr>
-              <a:t>Sell Ticket</a:t>
-            </a:r>
-            <a:endParaRPr lang="en-US" sz="1400" dirty="0">
-              <a:solidFill>
-                <a:schemeClr val="bg1"/>
-              </a:solidFill>
-              <a:latin typeface="Segoe UI Light" pitchFamily="34" charset="0"/>
-              <a:cs typeface="Segoe UI Light" pitchFamily="34" charset="0"/>
-            </a:endParaRPr>
-          </a:p>
-        </p:txBody>
-      </p:sp>
-      <p:sp>
-        <p:nvSpPr>
           <p:cNvPr id="23" name="Rectangle 22"/>
           <p:cNvSpPr/>
           <p:nvPr/>
@@ -7858,7 +7932,7 @@
         <p:spPr>
           <a:xfrm>
             <a:off x="-32467" y="2142605"/>
-            <a:ext cx="1825487" cy="397431"/>
+            <a:ext cx="1822175" cy="397431"/>
           </a:xfrm>
           <a:prstGeom prst="rect">
             <a:avLst/>
@@ -7914,7 +7988,7 @@
         <p:spPr>
           <a:xfrm>
             <a:off x="178241" y="2181901"/>
-            <a:ext cx="1524000" cy="307777"/>
+            <a:ext cx="1524000" cy="369332"/>
           </a:xfrm>
           <a:prstGeom prst="rect">
             <a:avLst/>
@@ -7932,7 +8006,7 @@
               <a:buChar char="Ø"/>
             </a:pPr>
             <a:r>
-              <a:rPr lang="en-US" sz="1400" dirty="0" smtClean="0">
+              <a:rPr lang="en-US" dirty="0">
                 <a:solidFill>
                   <a:schemeClr val="bg1"/>
                 </a:solidFill>
@@ -7941,7 +8015,7 @@
               </a:rPr>
               <a:t>Buy Ticket</a:t>
             </a:r>
-            <a:endParaRPr lang="en-US" sz="1400" dirty="0">
+            <a:endParaRPr lang="en-US" dirty="0">
               <a:solidFill>
                 <a:schemeClr val="bg1"/>
               </a:solidFill>
@@ -7953,60 +8027,14 @@
       </p:sp>
       <p:sp>
         <p:nvSpPr>
-          <p:cNvPr id="29" name="TextBox 28"/>
-          <p:cNvSpPr txBox="1"/>
-          <p:nvPr/>
-        </p:nvSpPr>
-        <p:spPr>
-          <a:xfrm>
-            <a:off x="178241" y="2494048"/>
-            <a:ext cx="1524000" cy="307777"/>
-          </a:xfrm>
-          <a:prstGeom prst="rect">
-            <a:avLst/>
-          </a:prstGeom>
-          <a:noFill/>
-        </p:spPr>
-        <p:txBody>
-          <a:bodyPr wrap="square" rtlCol="0">
-            <a:spAutoFit/>
-          </a:bodyPr>
-          <a:lstStyle/>
-          <a:p>
-            <a:pPr marL="285750" indent="-285750">
-              <a:buFont typeface="Wingdings" pitchFamily="2" charset="2"/>
-              <a:buChar char="Ø"/>
-            </a:pPr>
-            <a:r>
-              <a:rPr lang="en-US" sz="1400" dirty="0" smtClean="0">
-                <a:solidFill>
-                  <a:schemeClr val="bg1"/>
-                </a:solidFill>
-                <a:latin typeface="Segoe UI Light" pitchFamily="34" charset="0"/>
-                <a:cs typeface="Segoe UI Light" pitchFamily="34" charset="0"/>
-              </a:rPr>
-              <a:t>Notification</a:t>
-            </a:r>
-            <a:endParaRPr lang="en-US" sz="1400" dirty="0">
-              <a:solidFill>
-                <a:schemeClr val="bg1"/>
-              </a:solidFill>
-              <a:latin typeface="Segoe UI Light" pitchFamily="34" charset="0"/>
-              <a:cs typeface="Segoe UI Light" pitchFamily="34" charset="0"/>
-            </a:endParaRPr>
-          </a:p>
-        </p:txBody>
-      </p:sp>
-      <p:sp>
-        <p:nvSpPr>
           <p:cNvPr id="15" name="Rectangle 14"/>
           <p:cNvSpPr/>
           <p:nvPr/>
         </p:nvSpPr>
         <p:spPr>
           <a:xfrm>
-            <a:off x="-32467" y="2847327"/>
-            <a:ext cx="1825488" cy="371072"/>
+            <a:off x="-32467" y="2923526"/>
+            <a:ext cx="1822175" cy="581674"/>
           </a:xfrm>
           <a:prstGeom prst="rect">
             <a:avLst/>
@@ -8053,52 +8081,6 @@
           </a:p>
         </p:txBody>
       </p:sp>
-      <p:sp>
-        <p:nvSpPr>
-          <p:cNvPr id="16" name="TextBox 15"/>
-          <p:cNvSpPr txBox="1"/>
-          <p:nvPr/>
-        </p:nvSpPr>
-        <p:spPr>
-          <a:xfrm>
-            <a:off x="170952" y="2847327"/>
-            <a:ext cx="1524000" cy="307777"/>
-          </a:xfrm>
-          <a:prstGeom prst="rect">
-            <a:avLst/>
-          </a:prstGeom>
-          <a:noFill/>
-        </p:spPr>
-        <p:txBody>
-          <a:bodyPr wrap="square" rtlCol="0">
-            <a:spAutoFit/>
-          </a:bodyPr>
-          <a:lstStyle/>
-          <a:p>
-            <a:pPr marL="285750" indent="-285750">
-              <a:buFont typeface="Wingdings" pitchFamily="2" charset="2"/>
-              <a:buChar char="Ø"/>
-            </a:pPr>
-            <a:r>
-              <a:rPr lang="en-US" sz="1400" dirty="0" smtClean="0">
-                <a:solidFill>
-                  <a:schemeClr val="bg1"/>
-                </a:solidFill>
-                <a:latin typeface="Segoe UI Light" pitchFamily="34" charset="0"/>
-                <a:cs typeface="Segoe UI Light" pitchFamily="34" charset="0"/>
-              </a:rPr>
-              <a:t>Request </a:t>
-            </a:r>
-            <a:endParaRPr lang="en-US" sz="1400" dirty="0">
-              <a:solidFill>
-                <a:schemeClr val="bg1"/>
-              </a:solidFill>
-              <a:latin typeface="Segoe UI Light" pitchFamily="34" charset="0"/>
-              <a:cs typeface="Segoe UI Light" pitchFamily="34" charset="0"/>
-            </a:endParaRPr>
-          </a:p>
-        </p:txBody>
-      </p:sp>
       <p:pic>
         <p:nvPicPr>
           <p:cNvPr id="1029" name="Picture 5" descr="http://www.veryicon.com/icon/png/Avatar/People/Engineer.png"/>
@@ -8557,6 +8539,98 @@
           <a:p>
             <a:pPr algn="ctr"/>
             <a:endParaRPr lang="en-US"/>
+          </a:p>
+        </p:txBody>
+      </p:sp>
+      <p:sp>
+        <p:nvSpPr>
+          <p:cNvPr id="26" name="TextBox 25"/>
+          <p:cNvSpPr txBox="1"/>
+          <p:nvPr/>
+        </p:nvSpPr>
+        <p:spPr>
+          <a:xfrm>
+            <a:off x="178241" y="2590800"/>
+            <a:ext cx="1611467" cy="369332"/>
+          </a:xfrm>
+          <a:prstGeom prst="rect">
+            <a:avLst/>
+          </a:prstGeom>
+          <a:noFill/>
+        </p:spPr>
+        <p:txBody>
+          <a:bodyPr wrap="square" rtlCol="0">
+            <a:spAutoFit/>
+          </a:bodyPr>
+          <a:lstStyle/>
+          <a:p>
+            <a:pPr marL="285750" indent="-285750">
+              <a:buFont typeface="Wingdings" pitchFamily="2" charset="2"/>
+              <a:buChar char="Ø"/>
+            </a:pPr>
+            <a:r>
+              <a:rPr lang="en-US" dirty="0">
+                <a:solidFill>
+                  <a:schemeClr val="bg1"/>
+                </a:solidFill>
+                <a:latin typeface="Segoe UI Light" pitchFamily="34" charset="0"/>
+                <a:cs typeface="Segoe UI Light" pitchFamily="34" charset="0"/>
+              </a:rPr>
+              <a:t>Notification</a:t>
+            </a:r>
+            <a:endParaRPr lang="en-US" dirty="0">
+              <a:solidFill>
+                <a:schemeClr val="bg1"/>
+              </a:solidFill>
+              <a:latin typeface="Segoe UI Light" pitchFamily="34" charset="0"/>
+              <a:cs typeface="Segoe UI Light" pitchFamily="34" charset="0"/>
+            </a:endParaRPr>
+          </a:p>
+        </p:txBody>
+      </p:sp>
+      <p:sp>
+        <p:nvSpPr>
+          <p:cNvPr id="33" name="TextBox 32"/>
+          <p:cNvSpPr txBox="1"/>
+          <p:nvPr/>
+        </p:nvSpPr>
+        <p:spPr>
+          <a:xfrm>
+            <a:off x="185815" y="2999296"/>
+            <a:ext cx="1524000" cy="369332"/>
+          </a:xfrm>
+          <a:prstGeom prst="rect">
+            <a:avLst/>
+          </a:prstGeom>
+          <a:noFill/>
+        </p:spPr>
+        <p:txBody>
+          <a:bodyPr wrap="square" rtlCol="0">
+            <a:spAutoFit/>
+          </a:bodyPr>
+          <a:lstStyle/>
+          <a:p>
+            <a:pPr marL="285750" indent="-285750">
+              <a:buFont typeface="Wingdings" pitchFamily="2" charset="2"/>
+              <a:buChar char="Ø"/>
+            </a:pPr>
+            <a:r>
+              <a:rPr lang="en-US" dirty="0">
+                <a:solidFill>
+                  <a:schemeClr val="bg1"/>
+                </a:solidFill>
+                <a:latin typeface="Segoe UI Light" pitchFamily="34" charset="0"/>
+                <a:cs typeface="Segoe UI Light" pitchFamily="34" charset="0"/>
+              </a:rPr>
+              <a:t>Request</a:t>
+            </a:r>
+            <a:endParaRPr lang="en-US" dirty="0">
+              <a:solidFill>
+                <a:schemeClr val="bg1"/>
+              </a:solidFill>
+              <a:latin typeface="Segoe UI Light" pitchFamily="34" charset="0"/>
+              <a:cs typeface="Segoe UI Light" pitchFamily="34" charset="0"/>
+            </a:endParaRPr>
           </a:p>
         </p:txBody>
       </p:sp>
@@ -9179,7 +9253,7 @@
         <p:spPr>
           <a:xfrm>
             <a:off x="-35780" y="1750544"/>
-            <a:ext cx="1828800" cy="397431"/>
+            <a:ext cx="1825488" cy="397431"/>
           </a:xfrm>
           <a:prstGeom prst="rect">
             <a:avLst/>
@@ -9275,8 +9349,8 @@
         </p:nvSpPr>
         <p:spPr>
           <a:xfrm>
-            <a:off x="152400" y="1307471"/>
-            <a:ext cx="1524000" cy="369332"/>
+            <a:off x="0" y="1307471"/>
+            <a:ext cx="1905000" cy="430887"/>
           </a:xfrm>
           <a:prstGeom prst="rect">
             <a:avLst/>
@@ -9290,7 +9364,7 @@
           <a:lstStyle/>
           <a:p>
             <a:r>
-              <a:rPr lang="en-US" dirty="0" smtClean="0">
+              <a:rPr lang="en-US" sz="2200" dirty="0" smtClean="0">
                 <a:solidFill>
                   <a:schemeClr val="bg1"/>
                 </a:solidFill>
@@ -9298,6 +9372,110 @@
                 <a:cs typeface="Segoe UI Light" pitchFamily="34" charset="0"/>
               </a:rPr>
               <a:t>Main Features</a:t>
+            </a:r>
+            <a:endParaRPr lang="en-US" sz="2200" dirty="0">
+              <a:solidFill>
+                <a:schemeClr val="bg1"/>
+              </a:solidFill>
+              <a:latin typeface="Segoe UI Light" pitchFamily="34" charset="0"/>
+              <a:cs typeface="Segoe UI Light" pitchFamily="34" charset="0"/>
+            </a:endParaRPr>
+          </a:p>
+        </p:txBody>
+      </p:sp>
+      <p:sp>
+        <p:nvSpPr>
+          <p:cNvPr id="22" name="TextBox 21"/>
+          <p:cNvSpPr txBox="1"/>
+          <p:nvPr/>
+        </p:nvSpPr>
+        <p:spPr>
+          <a:xfrm>
+            <a:off x="1828800" y="96028"/>
+            <a:ext cx="3352800" cy="400110"/>
+          </a:xfrm>
+          <a:prstGeom prst="rect">
+            <a:avLst/>
+          </a:prstGeom>
+          <a:noFill/>
+        </p:spPr>
+        <p:txBody>
+          <a:bodyPr wrap="square" rtlCol="0">
+            <a:spAutoFit/>
+          </a:bodyPr>
+          <a:lstStyle/>
+          <a:p>
+            <a:r>
+              <a:rPr lang="en-US" sz="2000" b="1" dirty="0">
+                <a:solidFill>
+                  <a:srgbClr val="7030A0"/>
+                </a:solidFill>
+                <a:latin typeface="Segoe UI Light" panose="020B0502040204020203" pitchFamily="34" charset="0"/>
+                <a:ea typeface="+mj-ea"/>
+                <a:cs typeface="Segoe UI Light" panose="020B0502040204020203" pitchFamily="34" charset="0"/>
+              </a:rPr>
+              <a:t>Group </a:t>
+            </a:r>
+            <a:r>
+              <a:rPr lang="en-US" sz="2000" b="1" dirty="0" smtClean="0">
+                <a:solidFill>
+                  <a:srgbClr val="7030A0"/>
+                </a:solidFill>
+                <a:latin typeface="Segoe UI Light" panose="020B0502040204020203" pitchFamily="34" charset="0"/>
+                <a:ea typeface="+mj-ea"/>
+                <a:cs typeface="Segoe UI Light" panose="020B0502040204020203" pitchFamily="34" charset="0"/>
+              </a:rPr>
+              <a:t>8 - Drop </a:t>
+            </a:r>
+            <a:r>
+              <a:rPr lang="en-US" sz="2000" b="1" dirty="0">
+                <a:solidFill>
+                  <a:srgbClr val="7030A0"/>
+                </a:solidFill>
+                <a:latin typeface="Segoe UI Light" panose="020B0502040204020203" pitchFamily="34" charset="0"/>
+                <a:ea typeface="+mj-ea"/>
+                <a:cs typeface="Segoe UI Light" panose="020B0502040204020203" pitchFamily="34" charset="0"/>
+              </a:rPr>
+              <a:t>It</a:t>
+            </a:r>
+          </a:p>
+        </p:txBody>
+      </p:sp>
+      <p:sp>
+        <p:nvSpPr>
+          <p:cNvPr id="6" name="TextBox 5"/>
+          <p:cNvSpPr txBox="1"/>
+          <p:nvPr/>
+        </p:nvSpPr>
+        <p:spPr>
+          <a:xfrm>
+            <a:off x="178242" y="1798751"/>
+            <a:ext cx="1524000" cy="369332"/>
+          </a:xfrm>
+          <a:prstGeom prst="rect">
+            <a:avLst/>
+          </a:prstGeom>
+          <a:noFill/>
+        </p:spPr>
+        <p:txBody>
+          <a:bodyPr wrap="square" rtlCol="0">
+            <a:spAutoFit/>
+          </a:bodyPr>
+          <a:lstStyle/>
+          <a:p>
+            <a:pPr marL="285750" indent="-285750">
+              <a:buFont typeface="Wingdings" pitchFamily="2" charset="2"/>
+              <a:buChar char="Ø"/>
+            </a:pPr>
+            <a:r>
+              <a:rPr lang="en-US" dirty="0" smtClean="0">
+                <a:solidFill>
+                  <a:schemeClr val="bg1"/>
+                </a:solidFill>
+                <a:latin typeface="Segoe UI Light" pitchFamily="34" charset="0"/>
+                <a:cs typeface="Segoe UI Light" pitchFamily="34" charset="0"/>
+              </a:rPr>
+              <a:t>Sell Ticket</a:t>
             </a:r>
             <a:endParaRPr lang="en-US" dirty="0">
               <a:solidFill>
@@ -9311,110 +9489,6 @@
       </p:sp>
       <p:sp>
         <p:nvSpPr>
-          <p:cNvPr id="22" name="TextBox 21"/>
-          <p:cNvSpPr txBox="1"/>
-          <p:nvPr/>
-        </p:nvSpPr>
-        <p:spPr>
-          <a:xfrm>
-            <a:off x="1828800" y="96028"/>
-            <a:ext cx="3352800" cy="400110"/>
-          </a:xfrm>
-          <a:prstGeom prst="rect">
-            <a:avLst/>
-          </a:prstGeom>
-          <a:noFill/>
-        </p:spPr>
-        <p:txBody>
-          <a:bodyPr wrap="square" rtlCol="0">
-            <a:spAutoFit/>
-          </a:bodyPr>
-          <a:lstStyle/>
-          <a:p>
-            <a:r>
-              <a:rPr lang="en-US" sz="2000" b="1" dirty="0">
-                <a:solidFill>
-                  <a:srgbClr val="7030A0"/>
-                </a:solidFill>
-                <a:latin typeface="Segoe UI Light" panose="020B0502040204020203" pitchFamily="34" charset="0"/>
-                <a:ea typeface="+mj-ea"/>
-                <a:cs typeface="Segoe UI Light" panose="020B0502040204020203" pitchFamily="34" charset="0"/>
-              </a:rPr>
-              <a:t>Group </a:t>
-            </a:r>
-            <a:r>
-              <a:rPr lang="en-US" sz="2000" b="1" dirty="0" smtClean="0">
-                <a:solidFill>
-                  <a:srgbClr val="7030A0"/>
-                </a:solidFill>
-                <a:latin typeface="Segoe UI Light" panose="020B0502040204020203" pitchFamily="34" charset="0"/>
-                <a:ea typeface="+mj-ea"/>
-                <a:cs typeface="Segoe UI Light" panose="020B0502040204020203" pitchFamily="34" charset="0"/>
-              </a:rPr>
-              <a:t>8 - Drop </a:t>
-            </a:r>
-            <a:r>
-              <a:rPr lang="en-US" sz="2000" b="1" dirty="0">
-                <a:solidFill>
-                  <a:srgbClr val="7030A0"/>
-                </a:solidFill>
-                <a:latin typeface="Segoe UI Light" panose="020B0502040204020203" pitchFamily="34" charset="0"/>
-                <a:ea typeface="+mj-ea"/>
-                <a:cs typeface="Segoe UI Light" panose="020B0502040204020203" pitchFamily="34" charset="0"/>
-              </a:rPr>
-              <a:t>It</a:t>
-            </a:r>
-          </a:p>
-        </p:txBody>
-      </p:sp>
-      <p:sp>
-        <p:nvSpPr>
-          <p:cNvPr id="6" name="TextBox 5"/>
-          <p:cNvSpPr txBox="1"/>
-          <p:nvPr/>
-        </p:nvSpPr>
-        <p:spPr>
-          <a:xfrm>
-            <a:off x="178242" y="1798751"/>
-            <a:ext cx="1524000" cy="307777"/>
-          </a:xfrm>
-          <a:prstGeom prst="rect">
-            <a:avLst/>
-          </a:prstGeom>
-          <a:noFill/>
-        </p:spPr>
-        <p:txBody>
-          <a:bodyPr wrap="square" rtlCol="0">
-            <a:spAutoFit/>
-          </a:bodyPr>
-          <a:lstStyle/>
-          <a:p>
-            <a:pPr marL="285750" indent="-285750">
-              <a:buFont typeface="Wingdings" pitchFamily="2" charset="2"/>
-              <a:buChar char="Ø"/>
-            </a:pPr>
-            <a:r>
-              <a:rPr lang="en-US" sz="1400" dirty="0" smtClean="0">
-                <a:solidFill>
-                  <a:schemeClr val="bg1"/>
-                </a:solidFill>
-                <a:latin typeface="Segoe UI Light" pitchFamily="34" charset="0"/>
-                <a:cs typeface="Segoe UI Light" pitchFamily="34" charset="0"/>
-              </a:rPr>
-              <a:t>Sell Ticket</a:t>
-            </a:r>
-            <a:endParaRPr lang="en-US" sz="1400" dirty="0">
-              <a:solidFill>
-                <a:schemeClr val="bg1"/>
-              </a:solidFill>
-              <a:latin typeface="Segoe UI Light" pitchFamily="34" charset="0"/>
-              <a:cs typeface="Segoe UI Light" pitchFamily="34" charset="0"/>
-            </a:endParaRPr>
-          </a:p>
-        </p:txBody>
-      </p:sp>
-      <p:sp>
-        <p:nvSpPr>
           <p:cNvPr id="23" name="Rectangle 22"/>
           <p:cNvSpPr/>
           <p:nvPr/>
@@ -9422,7 +9496,7 @@
         <p:spPr>
           <a:xfrm>
             <a:off x="-32467" y="2142605"/>
-            <a:ext cx="1822175" cy="397431"/>
+            <a:ext cx="1822175" cy="448195"/>
           </a:xfrm>
           <a:prstGeom prst="rect">
             <a:avLst/>
@@ -9476,7 +9550,7 @@
         <p:spPr>
           <a:xfrm>
             <a:off x="178241" y="2181901"/>
-            <a:ext cx="1524000" cy="307777"/>
+            <a:ext cx="1524000" cy="369332"/>
           </a:xfrm>
           <a:prstGeom prst="rect">
             <a:avLst/>
@@ -9494,7 +9568,7 @@
               <a:buChar char="Ø"/>
             </a:pPr>
             <a:r>
-              <a:rPr lang="en-US" sz="1400" dirty="0" smtClean="0">
+              <a:rPr lang="en-US" dirty="0">
                 <a:solidFill>
                   <a:schemeClr val="bg1"/>
                 </a:solidFill>
@@ -9503,7 +9577,7 @@
               </a:rPr>
               <a:t>Buy Ticket</a:t>
             </a:r>
-            <a:endParaRPr lang="en-US" sz="1400" dirty="0">
+            <a:endParaRPr lang="en-US" dirty="0">
               <a:solidFill>
                 <a:schemeClr val="bg1"/>
               </a:solidFill>
@@ -9513,28 +9587,61 @@
           </a:p>
         </p:txBody>
       </p:sp>
-      <p:sp>
-        <p:nvSpPr>
-          <p:cNvPr id="15" name="Rectangle 14"/>
+      <p:pic>
+        <p:nvPicPr>
+          <p:cNvPr id="18" name="Picture 5" descr="http://www.veryicon.com/icon/png/Avatar/People/Engineer.png"/>
+          <p:cNvPicPr>
+            <a:picLocks noChangeAspect="1" noChangeArrowheads="1"/>
+          </p:cNvPicPr>
+          <p:nvPr/>
+        </p:nvPicPr>
+        <p:blipFill>
+          <a:blip r:embed="rId3">
+            <a:extLst>
+              <a:ext uri="{28A0092B-C50C-407E-A947-70E740481C1C}">
+                <a14:useLocalDpi xmlns:a14="http://schemas.microsoft.com/office/drawing/2010/main" val="0"/>
+              </a:ext>
+            </a:extLst>
+          </a:blip>
+          <a:srcRect/>
+          <a:stretch>
+            <a:fillRect/>
+          </a:stretch>
+        </p:blipFill>
+        <p:spPr bwMode="auto">
+          <a:xfrm>
+            <a:off x="2133600" y="1162064"/>
+            <a:ext cx="1123936" cy="1123936"/>
+          </a:xfrm>
+          <a:prstGeom prst="rect">
+            <a:avLst/>
+          </a:prstGeom>
+          <a:noFill/>
+          <a:extLst>
+            <a:ext uri="{909E8E84-426E-40DD-AFC4-6F175D3DCCD1}">
+              <a14:hiddenFill xmlns:a14="http://schemas.microsoft.com/office/drawing/2010/main">
+                <a:solidFill>
+                  <a:srgbClr val="FFFFFF"/>
+                </a:solidFill>
+              </a14:hiddenFill>
+            </a:ext>
+          </a:extLst>
+        </p:spPr>
+      </p:pic>
+      <p:sp>
+        <p:nvSpPr>
+          <p:cNvPr id="3" name="Right Arrow 2"/>
           <p:cNvSpPr/>
           <p:nvPr/>
         </p:nvSpPr>
         <p:spPr>
           <a:xfrm>
-            <a:off x="-28493" y="2911108"/>
-            <a:ext cx="1818201" cy="429532"/>
-          </a:xfrm>
-          <a:prstGeom prst="rect">
-            <a:avLst/>
-          </a:prstGeom>
-          <a:solidFill>
-            <a:schemeClr val="bg1">
-              <a:lumMod val="50000"/>
-            </a:schemeClr>
-          </a:solidFill>
-          <a:ln>
-            <a:noFill/>
-          </a:ln>
+            <a:off x="3200400" y="1706881"/>
+            <a:ext cx="457200" cy="45719"/>
+          </a:xfrm>
+          <a:prstGeom prst="rightArrow">
+            <a:avLst/>
+          </a:prstGeom>
         </p:spPr>
         <p:style>
           <a:lnRef idx="2">
@@ -9553,121 +9660,26 @@
           </a:fontRef>
         </p:style>
         <p:txBody>
-          <a:bodyPr lIns="822960" rtlCol="0" anchor="ctr"/>
+          <a:bodyPr rtlCol="0" anchor="ctr"/>
           <a:lstStyle/>
           <a:p>
-            <a:endParaRPr lang="en-US" sz="2400" dirty="0">
-              <a:solidFill>
-                <a:schemeClr val="tx1">
-                  <a:lumMod val="75000"/>
-                  <a:lumOff val="25000"/>
-                </a:schemeClr>
-              </a:solidFill>
-              <a:latin typeface="Segoe UI Light" pitchFamily="34" charset="0"/>
-              <a:cs typeface="Segoe UI Light" pitchFamily="34" charset="0"/>
-            </a:endParaRPr>
-          </a:p>
-        </p:txBody>
-      </p:sp>
-      <p:sp>
-        <p:nvSpPr>
-          <p:cNvPr id="16" name="TextBox 15"/>
-          <p:cNvSpPr txBox="1"/>
+            <a:pPr algn="ctr"/>
+            <a:endParaRPr lang="en-US"/>
+          </a:p>
+        </p:txBody>
+      </p:sp>
+      <p:sp>
+        <p:nvSpPr>
+          <p:cNvPr id="7" name="Oval 6"/>
+          <p:cNvSpPr/>
           <p:nvPr/>
         </p:nvSpPr>
         <p:spPr>
           <a:xfrm>
-            <a:off x="178242" y="2911108"/>
-            <a:ext cx="1524000" cy="307777"/>
-          </a:xfrm>
-          <a:prstGeom prst="rect">
-            <a:avLst/>
-          </a:prstGeom>
-          <a:noFill/>
-        </p:spPr>
-        <p:txBody>
-          <a:bodyPr wrap="square" rtlCol="0">
-            <a:spAutoFit/>
-          </a:bodyPr>
-          <a:lstStyle/>
-          <a:p>
-            <a:pPr marL="285750" indent="-285750">
-              <a:buFont typeface="Wingdings" pitchFamily="2" charset="2"/>
-              <a:buChar char="Ø"/>
-            </a:pPr>
-            <a:r>
-              <a:rPr lang="en-US" sz="1400" dirty="0" smtClean="0">
-                <a:solidFill>
-                  <a:schemeClr val="bg1"/>
-                </a:solidFill>
-                <a:latin typeface="Segoe UI Light" pitchFamily="34" charset="0"/>
-                <a:cs typeface="Segoe UI Light" pitchFamily="34" charset="0"/>
-              </a:rPr>
-              <a:t>Request</a:t>
-            </a:r>
-            <a:endParaRPr lang="en-US" sz="1400" dirty="0">
-              <a:solidFill>
-                <a:schemeClr val="bg1"/>
-              </a:solidFill>
-              <a:latin typeface="Segoe UI Light" pitchFamily="34" charset="0"/>
-              <a:cs typeface="Segoe UI Light" pitchFamily="34" charset="0"/>
-            </a:endParaRPr>
-          </a:p>
-        </p:txBody>
-      </p:sp>
-      <p:pic>
-        <p:nvPicPr>
-          <p:cNvPr id="18" name="Picture 5" descr="http://www.veryicon.com/icon/png/Avatar/People/Engineer.png"/>
-          <p:cNvPicPr>
-            <a:picLocks noChangeAspect="1" noChangeArrowheads="1"/>
-          </p:cNvPicPr>
-          <p:nvPr/>
-        </p:nvPicPr>
-        <p:blipFill>
-          <a:blip r:embed="rId3">
-            <a:extLst>
-              <a:ext uri="{28A0092B-C50C-407E-A947-70E740481C1C}">
-                <a14:useLocalDpi xmlns:a14="http://schemas.microsoft.com/office/drawing/2010/main" val="0"/>
-              </a:ext>
-            </a:extLst>
-          </a:blip>
-          <a:srcRect/>
-          <a:stretch>
-            <a:fillRect/>
-          </a:stretch>
-        </p:blipFill>
-        <p:spPr bwMode="auto">
-          <a:xfrm>
-            <a:off x="2133600" y="1162064"/>
-            <a:ext cx="1123936" cy="1123936"/>
-          </a:xfrm>
-          <a:prstGeom prst="rect">
-            <a:avLst/>
-          </a:prstGeom>
-          <a:noFill/>
-          <a:extLst>
-            <a:ext uri="{909E8E84-426E-40DD-AFC4-6F175D3DCCD1}">
-              <a14:hiddenFill xmlns:a14="http://schemas.microsoft.com/office/drawing/2010/main">
-                <a:solidFill>
-                  <a:srgbClr val="FFFFFF"/>
-                </a:solidFill>
-              </a14:hiddenFill>
-            </a:ext>
-          </a:extLst>
-        </p:spPr>
-      </p:pic>
-      <p:sp>
-        <p:nvSpPr>
-          <p:cNvPr id="3" name="Right Arrow 2"/>
-          <p:cNvSpPr/>
-          <p:nvPr/>
-        </p:nvSpPr>
-        <p:spPr>
-          <a:xfrm>
-            <a:off x="3200400" y="1706881"/>
-            <a:ext cx="457200" cy="45719"/>
-          </a:xfrm>
-          <a:prstGeom prst="rightArrow">
+            <a:off x="3733800" y="1445219"/>
+            <a:ext cx="1371600" cy="688381"/>
+          </a:xfrm>
+          <a:prstGeom prst="ellipse">
             <a:avLst/>
           </a:prstGeom>
         </p:spPr>
@@ -9692,19 +9704,23 @@
           <a:lstStyle/>
           <a:p>
             <a:pPr algn="ctr"/>
-            <a:endParaRPr lang="en-US"/>
-          </a:p>
-        </p:txBody>
-      </p:sp>
-      <p:sp>
-        <p:nvSpPr>
-          <p:cNvPr id="7" name="Oval 6"/>
+            <a:r>
+              <a:rPr lang="en-US" dirty="0" smtClean="0"/>
+              <a:t>Select ticket</a:t>
+            </a:r>
+            <a:endParaRPr lang="en-US" dirty="0"/>
+          </a:p>
+        </p:txBody>
+      </p:sp>
+      <p:sp>
+        <p:nvSpPr>
+          <p:cNvPr id="19" name="Oval 18"/>
           <p:cNvSpPr/>
           <p:nvPr/>
         </p:nvSpPr>
         <p:spPr>
           <a:xfrm>
-            <a:off x="3733800" y="1445219"/>
+            <a:off x="5715000" y="1447800"/>
             <a:ext cx="1371600" cy="688381"/>
           </a:xfrm>
           <a:prstGeom prst="ellipse">
@@ -9734,7 +9750,23 @@
             <a:pPr algn="ctr"/>
             <a:r>
               <a:rPr lang="en-US" dirty="0" smtClean="0"/>
-              <a:t>Select ticket</a:t>
+              <a:t>Click “</a:t>
+            </a:r>
+            <a:r>
+              <a:rPr lang="en-US" dirty="0" err="1" smtClean="0"/>
+              <a:t>Đặt</a:t>
+            </a:r>
+            <a:r>
+              <a:rPr lang="en-US" dirty="0" smtClean="0"/>
+              <a:t> </a:t>
+            </a:r>
+            <a:r>
+              <a:rPr lang="en-US" dirty="0" err="1" smtClean="0"/>
+              <a:t>vé</a:t>
+            </a:r>
+            <a:r>
+              <a:rPr lang="en-US" dirty="0" smtClean="0"/>
+              <a:t>” </a:t>
             </a:r>
             <a:endParaRPr lang="en-US" dirty="0"/>
           </a:p>
@@ -9742,13 +9774,13 @@
       </p:sp>
       <p:sp>
         <p:nvSpPr>
-          <p:cNvPr id="19" name="Oval 18"/>
+          <p:cNvPr id="20" name="Oval 19"/>
           <p:cNvSpPr/>
           <p:nvPr/>
         </p:nvSpPr>
         <p:spPr>
           <a:xfrm>
-            <a:off x="5715000" y="1447800"/>
+            <a:off x="7696200" y="1447800"/>
             <a:ext cx="1371600" cy="688381"/>
           </a:xfrm>
           <a:prstGeom prst="ellipse">
@@ -9778,23 +9810,67 @@
             <a:pPr algn="ctr"/>
             <a:r>
               <a:rPr lang="en-US" dirty="0" smtClean="0"/>
-              <a:t>Click “</a:t>
-            </a:r>
-            <a:r>
-              <a:rPr lang="en-US" dirty="0" err="1" smtClean="0"/>
-              <a:t>Đặt</a:t>
-            </a:r>
+              <a:t>Input info </a:t>
+            </a:r>
+            <a:endParaRPr lang="en-US" dirty="0"/>
+          </a:p>
+        </p:txBody>
+      </p:sp>
+      <p:cxnSp>
+        <p:nvCxnSpPr>
+          <p:cNvPr id="9" name="Straight Connector 8"/>
+          <p:cNvCxnSpPr/>
+          <p:nvPr/>
+        </p:nvCxnSpPr>
+        <p:spPr>
+          <a:xfrm flipH="1" flipV="1">
+            <a:off x="7010400" y="978781"/>
+            <a:ext cx="990600" cy="514739"/>
+          </a:xfrm>
+          <a:prstGeom prst="line">
+            <a:avLst/>
+          </a:prstGeom>
+        </p:spPr>
+        <p:style>
+          <a:lnRef idx="1">
+            <a:schemeClr val="accent1"/>
+          </a:lnRef>
+          <a:fillRef idx="0">
+            <a:schemeClr val="accent1"/>
+          </a:fillRef>
+          <a:effectRef idx="0">
+            <a:schemeClr val="accent1"/>
+          </a:effectRef>
+          <a:fontRef idx="minor">
+            <a:schemeClr val="tx1"/>
+          </a:fontRef>
+        </p:style>
+      </p:cxnSp>
+      <p:sp>
+        <p:nvSpPr>
+          <p:cNvPr id="10" name="TextBox 9"/>
+          <p:cNvSpPr txBox="1"/>
+          <p:nvPr/>
+        </p:nvSpPr>
+        <p:spPr>
+          <a:xfrm>
+            <a:off x="6248400" y="609600"/>
+            <a:ext cx="1466427" cy="369332"/>
+          </a:xfrm>
+          <a:prstGeom prst="rect">
+            <a:avLst/>
+          </a:prstGeom>
+          <a:noFill/>
+        </p:spPr>
+        <p:txBody>
+          <a:bodyPr wrap="none" rtlCol="0">
+            <a:spAutoFit/>
+          </a:bodyPr>
+          <a:lstStyle/>
+          <a:p>
             <a:r>
               <a:rPr lang="en-US" dirty="0" smtClean="0"/>
-              <a:t> </a:t>
-            </a:r>
-            <a:r>
-              <a:rPr lang="en-US" dirty="0" err="1" smtClean="0"/>
-              <a:t>vé</a:t>
-            </a:r>
-            <a:r>
-              <a:rPr lang="en-US" dirty="0" smtClean="0"/>
-              <a:t>” </a:t>
+              <a:t>Require Login</a:t>
             </a:r>
             <a:endParaRPr lang="en-US" dirty="0"/>
           </a:p>
@@ -9802,14 +9878,14 @@
       </p:sp>
       <p:sp>
         <p:nvSpPr>
-          <p:cNvPr id="20" name="Oval 19"/>
+          <p:cNvPr id="24" name="Oval 23"/>
           <p:cNvSpPr/>
           <p:nvPr/>
         </p:nvSpPr>
         <p:spPr>
           <a:xfrm>
-            <a:off x="7696200" y="1447800"/>
-            <a:ext cx="1371600" cy="688381"/>
+            <a:off x="7620000" y="2895600"/>
+            <a:ext cx="1524000" cy="688381"/>
           </a:xfrm>
           <a:prstGeom prst="ellipse">
             <a:avLst/>
@@ -9838,82 +9914,22 @@
             <a:pPr algn="ctr"/>
             <a:r>
               <a:rPr lang="en-US" dirty="0" smtClean="0"/>
-              <a:t>Input info </a:t>
+              <a:t>Checkout</a:t>
             </a:r>
             <a:endParaRPr lang="en-US" dirty="0"/>
           </a:p>
         </p:txBody>
       </p:sp>
-      <p:cxnSp>
-        <p:nvCxnSpPr>
-          <p:cNvPr id="9" name="Straight Connector 8"/>
-          <p:cNvCxnSpPr/>
-          <p:nvPr/>
-        </p:nvCxnSpPr>
+      <p:sp>
+        <p:nvSpPr>
+          <p:cNvPr id="25" name="Oval 24"/>
+          <p:cNvSpPr/>
+          <p:nvPr/>
+        </p:nvSpPr>
         <p:spPr>
-          <a:xfrm flipH="1" flipV="1">
-            <a:off x="7010400" y="978781"/>
-            <a:ext cx="990600" cy="514739"/>
-          </a:xfrm>
-          <a:prstGeom prst="line">
-            <a:avLst/>
-          </a:prstGeom>
-        </p:spPr>
-        <p:style>
-          <a:lnRef idx="1">
-            <a:schemeClr val="accent1"/>
-          </a:lnRef>
-          <a:fillRef idx="0">
-            <a:schemeClr val="accent1"/>
-          </a:fillRef>
-          <a:effectRef idx="0">
-            <a:schemeClr val="accent1"/>
-          </a:effectRef>
-          <a:fontRef idx="minor">
-            <a:schemeClr val="tx1"/>
-          </a:fontRef>
-        </p:style>
-      </p:cxnSp>
-      <p:sp>
-        <p:nvSpPr>
-          <p:cNvPr id="10" name="TextBox 9"/>
-          <p:cNvSpPr txBox="1"/>
-          <p:nvPr/>
-        </p:nvSpPr>
-        <p:spPr>
-          <a:xfrm>
-            <a:off x="6248400" y="609600"/>
-            <a:ext cx="1466427" cy="369332"/>
-          </a:xfrm>
-          <a:prstGeom prst="rect">
-            <a:avLst/>
-          </a:prstGeom>
-          <a:noFill/>
-        </p:spPr>
-        <p:txBody>
-          <a:bodyPr wrap="none" rtlCol="0">
-            <a:spAutoFit/>
-          </a:bodyPr>
-          <a:lstStyle/>
-          <a:p>
-            <a:r>
-              <a:rPr lang="en-US" dirty="0" smtClean="0"/>
-              <a:t>Require Login</a:t>
-            </a:r>
-            <a:endParaRPr lang="en-US" dirty="0"/>
-          </a:p>
-        </p:txBody>
-      </p:sp>
-      <p:sp>
-        <p:nvSpPr>
-          <p:cNvPr id="24" name="Oval 23"/>
-          <p:cNvSpPr/>
-          <p:nvPr/>
-        </p:nvSpPr>
-        <p:spPr>
-          <a:xfrm>
-            <a:off x="7620000" y="2895600"/>
-            <a:ext cx="1524000" cy="688381"/>
+          <a:xfrm>
+            <a:off x="5638800" y="2969219"/>
+            <a:ext cx="1371600" cy="688381"/>
           </a:xfrm>
           <a:prstGeom prst="ellipse">
             <a:avLst/>
@@ -9941,8 +9957,8 @@
           <a:p>
             <a:pPr algn="ctr"/>
             <a:r>
-              <a:rPr lang="en-US" dirty="0" smtClean="0"/>
-              <a:t>Checkout</a:t>
+              <a:rPr lang="en-US" dirty="0" err="1" smtClean="0"/>
+              <a:t>Paypal</a:t>
             </a:r>
             <a:endParaRPr lang="en-US" dirty="0"/>
           </a:p>
@@ -9950,13 +9966,13 @@
       </p:sp>
       <p:sp>
         <p:nvSpPr>
-          <p:cNvPr id="25" name="Oval 24"/>
+          <p:cNvPr id="26" name="Oval 25"/>
           <p:cNvSpPr/>
           <p:nvPr/>
         </p:nvSpPr>
         <p:spPr>
           <a:xfrm>
-            <a:off x="5638800" y="2969219"/>
+            <a:off x="3505200" y="2971800"/>
             <a:ext cx="1371600" cy="688381"/>
           </a:xfrm>
           <a:prstGeom prst="ellipse">
@@ -9985,8 +10001,8 @@
           <a:p>
             <a:pPr algn="ctr"/>
             <a:r>
-              <a:rPr lang="en-US" dirty="0" err="1" smtClean="0"/>
-              <a:t>Paypal</a:t>
+              <a:rPr lang="en-US" dirty="0" smtClean="0"/>
+              <a:t>Wait for shipping</a:t>
             </a:r>
             <a:endParaRPr lang="en-US" dirty="0"/>
           </a:p>
@@ -9994,16 +10010,16 @@
       </p:sp>
       <p:sp>
         <p:nvSpPr>
-          <p:cNvPr id="26" name="Oval 25"/>
+          <p:cNvPr id="21" name="Right Arrow 20"/>
           <p:cNvSpPr/>
           <p:nvPr/>
         </p:nvSpPr>
         <p:spPr>
           <a:xfrm>
-            <a:off x="3505200" y="2971800"/>
-            <a:ext cx="1371600" cy="688381"/>
-          </a:xfrm>
-          <a:prstGeom prst="ellipse">
+            <a:off x="5257800" y="1767840"/>
+            <a:ext cx="381000" cy="45719"/>
+          </a:xfrm>
+          <a:prstGeom prst="rightArrow">
             <a:avLst/>
           </a:prstGeom>
         </p:spPr>
@@ -10028,23 +10044,19 @@
           <a:lstStyle/>
           <a:p>
             <a:pPr algn="ctr"/>
-            <a:r>
-              <a:rPr lang="en-US" dirty="0" smtClean="0"/>
-              <a:t>Wait for shipping</a:t>
-            </a:r>
-            <a:endParaRPr lang="en-US" dirty="0"/>
-          </a:p>
-        </p:txBody>
-      </p:sp>
-      <p:sp>
-        <p:nvSpPr>
-          <p:cNvPr id="21" name="Right Arrow 20"/>
+            <a:endParaRPr lang="en-US"/>
+          </a:p>
+        </p:txBody>
+      </p:sp>
+      <p:sp>
+        <p:nvSpPr>
+          <p:cNvPr id="30" name="Right Arrow 29"/>
           <p:cNvSpPr/>
           <p:nvPr/>
         </p:nvSpPr>
         <p:spPr>
           <a:xfrm>
-            <a:off x="5257800" y="1767840"/>
+            <a:off x="7239000" y="1752600"/>
             <a:ext cx="381000" cy="45719"/>
           </a:xfrm>
           <a:prstGeom prst="rightArrow">
@@ -10078,16 +10090,16 @@
       </p:sp>
       <p:sp>
         <p:nvSpPr>
-          <p:cNvPr id="30" name="Right Arrow 29"/>
+          <p:cNvPr id="27" name="Down Arrow 26"/>
           <p:cNvSpPr/>
           <p:nvPr/>
         </p:nvSpPr>
         <p:spPr>
           <a:xfrm>
-            <a:off x="7239000" y="1752600"/>
-            <a:ext cx="381000" cy="45719"/>
-          </a:xfrm>
-          <a:prstGeom prst="rightArrow">
+            <a:off x="8382000" y="2181901"/>
+            <a:ext cx="76200" cy="543671"/>
+          </a:xfrm>
+          <a:prstGeom prst="downArrow">
             <a:avLst/>
           </a:prstGeom>
         </p:spPr>
@@ -10118,16 +10130,16 @@
       </p:sp>
       <p:sp>
         <p:nvSpPr>
-          <p:cNvPr id="27" name="Down Arrow 26"/>
+          <p:cNvPr id="31" name="Left Arrow 30"/>
           <p:cNvSpPr/>
           <p:nvPr/>
         </p:nvSpPr>
         <p:spPr>
           <a:xfrm>
-            <a:off x="8382000" y="2181901"/>
-            <a:ext cx="76200" cy="543671"/>
-          </a:xfrm>
-          <a:prstGeom prst="downArrow">
+            <a:off x="7162800" y="3239790"/>
+            <a:ext cx="304800" cy="45719"/>
+          </a:xfrm>
+          <a:prstGeom prst="leftArrow">
             <a:avLst/>
           </a:prstGeom>
         </p:spPr>
@@ -10158,14 +10170,14 @@
       </p:sp>
       <p:sp>
         <p:nvSpPr>
-          <p:cNvPr id="31" name="Left Arrow 30"/>
+          <p:cNvPr id="32" name="Left Arrow 31"/>
           <p:cNvSpPr/>
           <p:nvPr/>
         </p:nvSpPr>
         <p:spPr>
           <a:xfrm>
-            <a:off x="7162800" y="3239790"/>
-            <a:ext cx="304800" cy="45719"/>
+            <a:off x="4953000" y="3285509"/>
+            <a:ext cx="495300" cy="45719"/>
           </a:xfrm>
           <a:prstGeom prst="leftArrow">
             <a:avLst/>
@@ -10198,18 +10210,26 @@
       </p:sp>
       <p:sp>
         <p:nvSpPr>
-          <p:cNvPr id="32" name="Left Arrow 31"/>
+          <p:cNvPr id="33" name="Rectangle 32"/>
           <p:cNvSpPr/>
           <p:nvPr/>
         </p:nvSpPr>
         <p:spPr>
           <a:xfrm>
-            <a:off x="4953000" y="3285509"/>
-            <a:ext cx="495300" cy="45719"/>
-          </a:xfrm>
-          <a:prstGeom prst="leftArrow">
-            <a:avLst/>
-          </a:prstGeom>
+            <a:off x="-32467" y="2590800"/>
+            <a:ext cx="1822175" cy="369332"/>
+          </a:xfrm>
+          <a:prstGeom prst="rect">
+            <a:avLst/>
+          </a:prstGeom>
+          <a:solidFill>
+            <a:schemeClr val="bg1">
+              <a:lumMod val="50000"/>
+            </a:schemeClr>
+          </a:solidFill>
+          <a:ln>
+            <a:noFill/>
+          </a:ln>
         </p:spPr>
         <p:style>
           <a:lnRef idx="2">
@@ -10228,24 +10248,124 @@
           </a:fontRef>
         </p:style>
         <p:txBody>
-          <a:bodyPr rtlCol="0" anchor="ctr"/>
+          <a:bodyPr lIns="822960" rtlCol="0" anchor="ctr"/>
           <a:lstStyle/>
           <a:p>
-            <a:pPr algn="ctr"/>
-            <a:endParaRPr lang="en-US"/>
-          </a:p>
-        </p:txBody>
-      </p:sp>
-      <p:sp>
-        <p:nvSpPr>
-          <p:cNvPr id="34" name="Rectangle 33"/>
+            <a:endParaRPr lang="en-US" sz="2400" dirty="0">
+              <a:solidFill>
+                <a:schemeClr val="tx1">
+                  <a:lumMod val="75000"/>
+                  <a:lumOff val="25000"/>
+                </a:schemeClr>
+              </a:solidFill>
+              <a:latin typeface="Segoe UI Light" pitchFamily="34" charset="0"/>
+              <a:cs typeface="Segoe UI Light" pitchFamily="34" charset="0"/>
+            </a:endParaRPr>
+          </a:p>
+        </p:txBody>
+      </p:sp>
+      <p:sp>
+        <p:nvSpPr>
+          <p:cNvPr id="37" name="TextBox 36"/>
+          <p:cNvSpPr txBox="1"/>
+          <p:nvPr/>
+        </p:nvSpPr>
+        <p:spPr>
+          <a:xfrm>
+            <a:off x="178241" y="2590800"/>
+            <a:ext cx="1611467" cy="369332"/>
+          </a:xfrm>
+          <a:prstGeom prst="rect">
+            <a:avLst/>
+          </a:prstGeom>
+          <a:noFill/>
+        </p:spPr>
+        <p:txBody>
+          <a:bodyPr wrap="square" rtlCol="0">
+            <a:spAutoFit/>
+          </a:bodyPr>
+          <a:lstStyle/>
+          <a:p>
+            <a:pPr marL="285750" indent="-285750">
+              <a:buFont typeface="Wingdings" pitchFamily="2" charset="2"/>
+              <a:buChar char="Ø"/>
+            </a:pPr>
+            <a:r>
+              <a:rPr lang="en-US" dirty="0">
+                <a:solidFill>
+                  <a:schemeClr val="bg1"/>
+                </a:solidFill>
+                <a:latin typeface="Segoe UI Light" pitchFamily="34" charset="0"/>
+                <a:cs typeface="Segoe UI Light" pitchFamily="34" charset="0"/>
+              </a:rPr>
+              <a:t>Notification</a:t>
+            </a:r>
+            <a:endParaRPr lang="en-US" dirty="0">
+              <a:solidFill>
+                <a:schemeClr val="bg1"/>
+              </a:solidFill>
+              <a:latin typeface="Segoe UI Light" pitchFamily="34" charset="0"/>
+              <a:cs typeface="Segoe UI Light" pitchFamily="34" charset="0"/>
+            </a:endParaRPr>
+          </a:p>
+        </p:txBody>
+      </p:sp>
+      <p:sp>
+        <p:nvSpPr>
+          <p:cNvPr id="38" name="TextBox 37"/>
+          <p:cNvSpPr txBox="1"/>
+          <p:nvPr/>
+        </p:nvSpPr>
+        <p:spPr>
+          <a:xfrm>
+            <a:off x="178242" y="2911108"/>
+            <a:ext cx="1524000" cy="369332"/>
+          </a:xfrm>
+          <a:prstGeom prst="rect">
+            <a:avLst/>
+          </a:prstGeom>
+          <a:noFill/>
+        </p:spPr>
+        <p:txBody>
+          <a:bodyPr wrap="square" rtlCol="0">
+            <a:spAutoFit/>
+          </a:bodyPr>
+          <a:lstStyle/>
+          <a:p>
+            <a:pPr marL="285750" indent="-285750">
+              <a:buFont typeface="Wingdings" pitchFamily="2" charset="2"/>
+              <a:buChar char="Ø"/>
+            </a:pPr>
+            <a:r>
+              <a:rPr lang="en-US" dirty="0">
+                <a:solidFill>
+                  <a:schemeClr val="bg1"/>
+                </a:solidFill>
+                <a:latin typeface="Segoe UI Light" pitchFamily="34" charset="0"/>
+                <a:cs typeface="Segoe UI Light" pitchFamily="34" charset="0"/>
+              </a:rPr>
+              <a:t>Request</a:t>
+            </a:r>
+            <a:endParaRPr lang="en-US" dirty="0">
+              <a:solidFill>
+                <a:schemeClr val="bg1"/>
+              </a:solidFill>
+              <a:latin typeface="Segoe UI Light" pitchFamily="34" charset="0"/>
+              <a:cs typeface="Segoe UI Light" pitchFamily="34" charset="0"/>
+            </a:endParaRPr>
+          </a:p>
+        </p:txBody>
+      </p:sp>
+      <p:sp>
+        <p:nvSpPr>
+          <p:cNvPr id="41" name="Rectangle 40"/>
           <p:cNvSpPr/>
           <p:nvPr/>
         </p:nvSpPr>
         <p:spPr>
           <a:xfrm>
-            <a:off x="-35780" y="2510806"/>
-            <a:ext cx="1825488" cy="429532"/>
+            <a:off x="-24894" y="2935514"/>
+            <a:ext cx="1814602" cy="581674"/>
           </a:xfrm>
           <a:prstGeom prst="rect">
             <a:avLst/>
@@ -10294,14 +10414,14 @@
       </p:sp>
       <p:sp>
         <p:nvSpPr>
-          <p:cNvPr id="35" name="TextBox 34"/>
+          <p:cNvPr id="42" name="TextBox 41"/>
           <p:cNvSpPr txBox="1"/>
           <p:nvPr/>
         </p:nvSpPr>
         <p:spPr>
           <a:xfrm>
-            <a:off x="178241" y="2590800"/>
-            <a:ext cx="1506075" cy="307777"/>
+            <a:off x="185815" y="2999296"/>
+            <a:ext cx="1524000" cy="369332"/>
           </a:xfrm>
           <a:prstGeom prst="rect">
             <a:avLst/>
@@ -10319,16 +10439,16 @@
               <a:buChar char="Ø"/>
             </a:pPr>
             <a:r>
-              <a:rPr lang="en-US" sz="1400" dirty="0" smtClean="0">
+              <a:rPr lang="en-US" dirty="0">
                 <a:solidFill>
                   <a:schemeClr val="bg1"/>
                 </a:solidFill>
                 <a:latin typeface="Segoe UI Light" pitchFamily="34" charset="0"/>
                 <a:cs typeface="Segoe UI Light" pitchFamily="34" charset="0"/>
               </a:rPr>
-              <a:t>Notification</a:t>
-            </a:r>
-            <a:endParaRPr lang="en-US" sz="1400" dirty="0">
+              <a:t>Request</a:t>
+            </a:r>
+            <a:endParaRPr lang="en-US" dirty="0">
               <a:solidFill>
                 <a:schemeClr val="bg1"/>
               </a:solidFill>
@@ -11719,27 +11839,211 @@
           </a:p>
         </p:txBody>
       </p:sp>
-      <p:sp>
-        <p:nvSpPr>
-          <p:cNvPr id="4" name="Rectangle 3"/>
+      <p:pic>
+        <p:nvPicPr>
+          <p:cNvPr id="12" name="Picture 11" descr="C:\Users\iLucas\Desktop\logo_fpt_university_doc copy.png"/>
+          <p:cNvPicPr>
+            <a:picLocks noChangeAspect="1" noChangeArrowheads="1"/>
+          </p:cNvPicPr>
+          <p:nvPr/>
+        </p:nvPicPr>
+        <p:blipFill>
+          <a:blip r:embed="rId7" cstate="print">
+            <a:extLst>
+              <a:ext uri="{28A0092B-C50C-407E-A947-70E740481C1C}">
+                <a14:useLocalDpi xmlns:a14="http://schemas.microsoft.com/office/drawing/2010/main" val="0"/>
+              </a:ext>
+            </a:extLst>
+          </a:blip>
+          <a:srcRect/>
+          <a:stretch>
+            <a:fillRect/>
+          </a:stretch>
+        </p:blipFill>
+        <p:spPr bwMode="auto">
+          <a:xfrm>
+            <a:off x="415580" y="66329"/>
+            <a:ext cx="997640" cy="773302"/>
+          </a:xfrm>
+          <a:prstGeom prst="rect">
+            <a:avLst/>
+          </a:prstGeom>
+          <a:noFill/>
+          <a:extLst>
+            <a:ext uri="{909E8E84-426E-40DD-AFC4-6F175D3DCCD1}">
+              <a14:hiddenFill xmlns:a14="http://schemas.microsoft.com/office/drawing/2010/main">
+                <a:solidFill>
+                  <a:srgbClr val="FFFFFF"/>
+                </a:solidFill>
+              </a14:hiddenFill>
+            </a:ext>
+          </a:extLst>
+        </p:spPr>
+      </p:pic>
+      <p:sp>
+        <p:nvSpPr>
+          <p:cNvPr id="5" name="TextBox 4"/>
+          <p:cNvSpPr txBox="1"/>
+          <p:nvPr/>
+        </p:nvSpPr>
+        <p:spPr>
+          <a:xfrm>
+            <a:off x="-1" y="1307471"/>
+            <a:ext cx="1963973" cy="430887"/>
+          </a:xfrm>
+          <a:prstGeom prst="rect">
+            <a:avLst/>
+          </a:prstGeom>
+          <a:noFill/>
+        </p:spPr>
+        <p:txBody>
+          <a:bodyPr wrap="square" rtlCol="0">
+            <a:spAutoFit/>
+          </a:bodyPr>
+          <a:lstStyle/>
+          <a:p>
+            <a:r>
+              <a:rPr lang="en-US" sz="2200" dirty="0" smtClean="0">
+                <a:solidFill>
+                  <a:schemeClr val="bg1"/>
+                </a:solidFill>
+                <a:latin typeface="Segoe UI Light" pitchFamily="34" charset="0"/>
+                <a:cs typeface="Segoe UI Light" pitchFamily="34" charset="0"/>
+              </a:rPr>
+              <a:t>Main Features</a:t>
+            </a:r>
+            <a:endParaRPr lang="en-US" sz="2200" dirty="0">
+              <a:solidFill>
+                <a:schemeClr val="bg1"/>
+              </a:solidFill>
+              <a:latin typeface="Segoe UI Light" pitchFamily="34" charset="0"/>
+              <a:cs typeface="Segoe UI Light" pitchFamily="34" charset="0"/>
+            </a:endParaRPr>
+          </a:p>
+        </p:txBody>
+      </p:sp>
+      <p:sp>
+        <p:nvSpPr>
+          <p:cNvPr id="22" name="TextBox 21"/>
+          <p:cNvSpPr txBox="1"/>
+          <p:nvPr/>
+        </p:nvSpPr>
+        <p:spPr>
+          <a:xfrm>
+            <a:off x="1828800" y="70976"/>
+            <a:ext cx="3352800" cy="400110"/>
+          </a:xfrm>
+          <a:prstGeom prst="rect">
+            <a:avLst/>
+          </a:prstGeom>
+          <a:noFill/>
+        </p:spPr>
+        <p:txBody>
+          <a:bodyPr wrap="square" rtlCol="0">
+            <a:spAutoFit/>
+          </a:bodyPr>
+          <a:lstStyle/>
+          <a:p>
+            <a:r>
+              <a:rPr lang="en-US" sz="2000" b="1" dirty="0">
+                <a:solidFill>
+                  <a:srgbClr val="7030A0"/>
+                </a:solidFill>
+                <a:latin typeface="Segoe UI Light" panose="020B0502040204020203" pitchFamily="34" charset="0"/>
+                <a:ea typeface="+mj-ea"/>
+                <a:cs typeface="Segoe UI Light" panose="020B0502040204020203" pitchFamily="34" charset="0"/>
+              </a:rPr>
+              <a:t>Group </a:t>
+            </a:r>
+            <a:r>
+              <a:rPr lang="en-US" sz="2000" b="1" dirty="0" smtClean="0">
+                <a:solidFill>
+                  <a:srgbClr val="7030A0"/>
+                </a:solidFill>
+                <a:latin typeface="Segoe UI Light" panose="020B0502040204020203" pitchFamily="34" charset="0"/>
+                <a:ea typeface="+mj-ea"/>
+                <a:cs typeface="Segoe UI Light" panose="020B0502040204020203" pitchFamily="34" charset="0"/>
+              </a:rPr>
+              <a:t>8 - Drop </a:t>
+            </a:r>
+            <a:r>
+              <a:rPr lang="en-US" sz="2000" b="1" dirty="0">
+                <a:solidFill>
+                  <a:srgbClr val="7030A0"/>
+                </a:solidFill>
+                <a:latin typeface="Segoe UI Light" panose="020B0502040204020203" pitchFamily="34" charset="0"/>
+                <a:ea typeface="+mj-ea"/>
+                <a:cs typeface="Segoe UI Light" panose="020B0502040204020203" pitchFamily="34" charset="0"/>
+              </a:rPr>
+              <a:t>It</a:t>
+            </a:r>
+          </a:p>
+        </p:txBody>
+      </p:sp>
+      <p:pic>
+        <p:nvPicPr>
+          <p:cNvPr id="32" name="Picture 5" descr="http://www.veryicon.com/icon/png/Avatar/People/Engineer.png"/>
+          <p:cNvPicPr>
+            <a:picLocks noChangeAspect="1" noChangeArrowheads="1"/>
+          </p:cNvPicPr>
+          <p:nvPr/>
+        </p:nvPicPr>
+        <p:blipFill>
+          <a:blip r:embed="rId8">
+            <a:extLst>
+              <a:ext uri="{28A0092B-C50C-407E-A947-70E740481C1C}">
+                <a14:useLocalDpi xmlns:a14="http://schemas.microsoft.com/office/drawing/2010/main" val="0"/>
+              </a:ext>
+            </a:extLst>
+          </a:blip>
+          <a:srcRect/>
+          <a:stretch>
+            <a:fillRect/>
+          </a:stretch>
+        </p:blipFill>
+        <p:spPr bwMode="auto">
+          <a:xfrm>
+            <a:off x="2048064" y="1018669"/>
+            <a:ext cx="1123936" cy="1123936"/>
+          </a:xfrm>
+          <a:prstGeom prst="rect">
+            <a:avLst/>
+          </a:prstGeom>
+          <a:noFill/>
+          <a:extLst>
+            <a:ext uri="{909E8E84-426E-40DD-AFC4-6F175D3DCCD1}">
+              <a14:hiddenFill xmlns:a14="http://schemas.microsoft.com/office/drawing/2010/main">
+                <a:solidFill>
+                  <a:srgbClr val="FFFFFF"/>
+                </a:solidFill>
+              </a14:hiddenFill>
+            </a:ext>
+          </a:extLst>
+        </p:spPr>
+      </p:pic>
+      <p:sp>
+        <p:nvSpPr>
+          <p:cNvPr id="33" name="Right Arrow 32"/>
           <p:cNvSpPr/>
           <p:nvPr/>
         </p:nvSpPr>
         <p:spPr>
           <a:xfrm>
-            <a:off x="-32467" y="1219200"/>
-            <a:ext cx="1825487" cy="548640"/>
-          </a:xfrm>
-          <a:prstGeom prst="rect">
+            <a:off x="3498439" y="1704825"/>
+            <a:ext cx="628664" cy="45719"/>
+          </a:xfrm>
+          <a:prstGeom prst="rightArrow">
             <a:avLst/>
           </a:prstGeom>
           <a:solidFill>
-            <a:schemeClr val="bg1">
-              <a:lumMod val="50000"/>
-            </a:schemeClr>
+            <a:schemeClr val="bg1"/>
           </a:solidFill>
           <a:ln>
-            <a:noFill/>
+            <a:solidFill>
+              <a:schemeClr val="bg2">
+                <a:lumMod val="25000"/>
+              </a:schemeClr>
+            </a:solidFill>
           </a:ln>
         </p:spPr>
         <p:style>
@@ -11759,36 +12063,33 @@
           </a:fontRef>
         </p:style>
         <p:txBody>
-          <a:bodyPr lIns="822960" rtlCol="0" anchor="ctr"/>
+          <a:bodyPr rtlCol="0" anchor="ctr"/>
           <a:lstStyle/>
           <a:p>
-            <a:endParaRPr lang="en-US" sz="2400" dirty="0">
-              <a:latin typeface="Segoe UI Light" pitchFamily="34" charset="0"/>
-              <a:cs typeface="Segoe UI Light" pitchFamily="34" charset="0"/>
-            </a:endParaRPr>
-          </a:p>
-        </p:txBody>
-      </p:sp>
-      <p:sp>
-        <p:nvSpPr>
-          <p:cNvPr id="13" name="Rectangle 12"/>
+            <a:pPr algn="ctr"/>
+            <a:endParaRPr lang="en-US"/>
+          </a:p>
+        </p:txBody>
+      </p:sp>
+      <p:sp>
+        <p:nvSpPr>
+          <p:cNvPr id="34" name="Oval 33"/>
           <p:cNvSpPr/>
           <p:nvPr/>
         </p:nvSpPr>
         <p:spPr>
           <a:xfrm>
-            <a:off x="-32467" y="2470029"/>
-            <a:ext cx="1825487" cy="395091"/>
-          </a:xfrm>
-          <a:prstGeom prst="rect">
+            <a:off x="4419600" y="1384154"/>
+            <a:ext cx="1371600" cy="676735"/>
+          </a:xfrm>
+          <a:prstGeom prst="ellipse">
             <a:avLst/>
           </a:prstGeom>
           <a:solidFill>
-            <a:srgbClr val="7030A0"/>
+            <a:schemeClr val="bg2">
+              <a:lumMod val="25000"/>
+            </a:schemeClr>
           </a:solidFill>
-          <a:ln>
-            <a:noFill/>
-          </a:ln>
         </p:spPr>
         <p:style>
           <a:lnRef idx="2">
@@ -11807,44 +12108,37 @@
           </a:fontRef>
         </p:style>
         <p:txBody>
-          <a:bodyPr lIns="822960" rtlCol="0" anchor="ctr"/>
+          <a:bodyPr rtlCol="0" anchor="ctr"/>
           <a:lstStyle/>
           <a:p>
-            <a:endParaRPr lang="en-US" sz="2400" dirty="0">
-              <a:solidFill>
-                <a:schemeClr val="tx1">
-                  <a:lumMod val="75000"/>
-                  <a:lumOff val="25000"/>
-                </a:schemeClr>
-              </a:solidFill>
-              <a:latin typeface="Segoe UI Light" pitchFamily="34" charset="0"/>
-              <a:cs typeface="Segoe UI Light" pitchFamily="34" charset="0"/>
-            </a:endParaRPr>
-          </a:p>
-        </p:txBody>
-      </p:sp>
-      <p:sp>
-        <p:nvSpPr>
-          <p:cNvPr id="14" name="Rectangle 13"/>
+            <a:pPr algn="ctr"/>
+            <a:r>
+              <a:rPr lang="en-US" dirty="0" smtClean="0"/>
+              <a:t>Follow Event </a:t>
+            </a:r>
+            <a:endParaRPr lang="en-US" dirty="0"/>
+          </a:p>
+        </p:txBody>
+      </p:sp>
+      <p:sp>
+        <p:nvSpPr>
+          <p:cNvPr id="35" name="Oval 34"/>
           <p:cNvSpPr/>
           <p:nvPr/>
         </p:nvSpPr>
         <p:spPr>
           <a:xfrm>
-            <a:off x="-35780" y="1750544"/>
-            <a:ext cx="1828800" cy="397431"/>
-          </a:xfrm>
-          <a:prstGeom prst="rect">
+            <a:off x="4427951" y="2973957"/>
+            <a:ext cx="1143000" cy="709260"/>
+          </a:xfrm>
+          <a:prstGeom prst="ellipse">
             <a:avLst/>
           </a:prstGeom>
           <a:solidFill>
-            <a:schemeClr val="bg1">
-              <a:lumMod val="50000"/>
+            <a:schemeClr val="bg2">
+              <a:lumMod val="25000"/>
             </a:schemeClr>
           </a:solidFill>
-          <a:ln>
-            <a:noFill/>
-          </a:ln>
         </p:spPr>
         <p:style>
           <a:lnRef idx="2">
@@ -11863,32 +12157,28 @@
           </a:fontRef>
         </p:style>
         <p:txBody>
-          <a:bodyPr lIns="822960" rtlCol="0" anchor="ctr"/>
+          <a:bodyPr rtlCol="0" anchor="ctr"/>
           <a:lstStyle/>
           <a:p>
-            <a:endParaRPr lang="en-US" sz="2400" dirty="0">
-              <a:solidFill>
-                <a:schemeClr val="tx1">
-                  <a:lumMod val="75000"/>
-                  <a:lumOff val="25000"/>
-                </a:schemeClr>
-              </a:solidFill>
-              <a:latin typeface="Segoe UI Light" pitchFamily="34" charset="0"/>
-              <a:cs typeface="Segoe UI Light" pitchFamily="34" charset="0"/>
-            </a:endParaRPr>
+            <a:pPr algn="ctr"/>
+            <a:r>
+              <a:rPr lang="en-US" dirty="0" smtClean="0"/>
+              <a:t>Post Ticket </a:t>
+            </a:r>
+            <a:endParaRPr lang="en-US" dirty="0"/>
           </a:p>
         </p:txBody>
       </p:sp>
       <p:pic>
         <p:nvPicPr>
-          <p:cNvPr id="12" name="Picture 11" descr="C:\Users\iLucas\Desktop\logo_fpt_university_doc copy.png"/>
+          <p:cNvPr id="1026" name="Picture 2" descr="C:\Users\Hieu\Desktop\dsa.jpg"/>
           <p:cNvPicPr>
             <a:picLocks noChangeAspect="1" noChangeArrowheads="1"/>
           </p:cNvPicPr>
           <p:nvPr/>
         </p:nvPicPr>
         <p:blipFill>
-          <a:blip r:embed="rId7" cstate="print">
+          <a:blip r:embed="rId9">
             <a:extLst>
               <a:ext uri="{28A0092B-C50C-407E-A947-70E740481C1C}">
                 <a14:useLocalDpi xmlns:a14="http://schemas.microsoft.com/office/drawing/2010/main" val="0"/>
@@ -11902,8 +12192,8 @@
         </p:blipFill>
         <p:spPr bwMode="auto">
           <a:xfrm>
-            <a:off x="415580" y="66329"/>
-            <a:ext cx="997640" cy="773302"/>
+            <a:off x="1963973" y="3032863"/>
+            <a:ext cx="1333115" cy="1188489"/>
           </a:xfrm>
           <a:prstGeom prst="rect">
             <a:avLst/>
@@ -11922,172 +12212,23 @@
       </p:pic>
       <p:sp>
         <p:nvSpPr>
-          <p:cNvPr id="5" name="TextBox 4"/>
-          <p:cNvSpPr txBox="1"/>
+          <p:cNvPr id="44" name="Oval 43"/>
+          <p:cNvSpPr/>
           <p:nvPr/>
         </p:nvSpPr>
         <p:spPr>
           <a:xfrm>
-            <a:off x="152400" y="1307471"/>
-            <a:ext cx="1524000" cy="369332"/>
-          </a:xfrm>
-          <a:prstGeom prst="rect">
-            <a:avLst/>
-          </a:prstGeom>
-          <a:noFill/>
-        </p:spPr>
-        <p:txBody>
-          <a:bodyPr wrap="square" rtlCol="0">
-            <a:spAutoFit/>
-          </a:bodyPr>
-          <a:lstStyle/>
-          <a:p>
-            <a:r>
-              <a:rPr lang="en-US" dirty="0" smtClean="0">
-                <a:solidFill>
-                  <a:schemeClr val="bg1"/>
-                </a:solidFill>
-                <a:latin typeface="Segoe UI Light" pitchFamily="34" charset="0"/>
-                <a:cs typeface="Segoe UI Light" pitchFamily="34" charset="0"/>
-              </a:rPr>
-              <a:t>Main Features</a:t>
-            </a:r>
-            <a:endParaRPr lang="en-US" dirty="0">
-              <a:solidFill>
-                <a:schemeClr val="bg1"/>
-              </a:solidFill>
-              <a:latin typeface="Segoe UI Light" pitchFamily="34" charset="0"/>
-              <a:cs typeface="Segoe UI Light" pitchFamily="34" charset="0"/>
-            </a:endParaRPr>
-          </a:p>
-        </p:txBody>
-      </p:sp>
-      <p:sp>
-        <p:nvSpPr>
-          <p:cNvPr id="22" name="TextBox 21"/>
-          <p:cNvSpPr txBox="1"/>
-          <p:nvPr/>
-        </p:nvSpPr>
-        <p:spPr>
-          <a:xfrm>
-            <a:off x="1828800" y="70976"/>
-            <a:ext cx="3352800" cy="400110"/>
-          </a:xfrm>
-          <a:prstGeom prst="rect">
-            <a:avLst/>
-          </a:prstGeom>
-          <a:noFill/>
-        </p:spPr>
-        <p:txBody>
-          <a:bodyPr wrap="square" rtlCol="0">
-            <a:spAutoFit/>
-          </a:bodyPr>
-          <a:lstStyle/>
-          <a:p>
-            <a:r>
-              <a:rPr lang="en-US" sz="2000" b="1" dirty="0">
-                <a:solidFill>
-                  <a:srgbClr val="7030A0"/>
-                </a:solidFill>
-                <a:latin typeface="Segoe UI Light" panose="020B0502040204020203" pitchFamily="34" charset="0"/>
-                <a:ea typeface="+mj-ea"/>
-                <a:cs typeface="Segoe UI Light" panose="020B0502040204020203" pitchFamily="34" charset="0"/>
-              </a:rPr>
-              <a:t>Group </a:t>
-            </a:r>
-            <a:r>
-              <a:rPr lang="en-US" sz="2000" b="1" dirty="0" smtClean="0">
-                <a:solidFill>
-                  <a:srgbClr val="7030A0"/>
-                </a:solidFill>
-                <a:latin typeface="Segoe UI Light" panose="020B0502040204020203" pitchFamily="34" charset="0"/>
-                <a:ea typeface="+mj-ea"/>
-                <a:cs typeface="Segoe UI Light" panose="020B0502040204020203" pitchFamily="34" charset="0"/>
-              </a:rPr>
-              <a:t>8 - Drop </a:t>
-            </a:r>
-            <a:r>
-              <a:rPr lang="en-US" sz="2000" b="1" dirty="0">
-                <a:solidFill>
-                  <a:srgbClr val="7030A0"/>
-                </a:solidFill>
-                <a:latin typeface="Segoe UI Light" panose="020B0502040204020203" pitchFamily="34" charset="0"/>
-                <a:ea typeface="+mj-ea"/>
-                <a:cs typeface="Segoe UI Light" panose="020B0502040204020203" pitchFamily="34" charset="0"/>
-              </a:rPr>
-              <a:t>It</a:t>
-            </a:r>
-          </a:p>
-        </p:txBody>
-      </p:sp>
-      <p:sp>
-        <p:nvSpPr>
-          <p:cNvPr id="6" name="TextBox 5"/>
-          <p:cNvSpPr txBox="1"/>
-          <p:nvPr/>
-        </p:nvSpPr>
-        <p:spPr>
-          <a:xfrm>
-            <a:off x="178242" y="1798751"/>
-            <a:ext cx="1524000" cy="307777"/>
-          </a:xfrm>
-          <a:prstGeom prst="rect">
-            <a:avLst/>
-          </a:prstGeom>
-          <a:noFill/>
-        </p:spPr>
-        <p:txBody>
-          <a:bodyPr wrap="square" rtlCol="0">
-            <a:spAutoFit/>
-          </a:bodyPr>
-          <a:lstStyle/>
-          <a:p>
-            <a:pPr marL="285750" indent="-285750">
-              <a:buFont typeface="Wingdings" pitchFamily="2" charset="2"/>
-              <a:buChar char="Ø"/>
-            </a:pPr>
-            <a:r>
-              <a:rPr lang="en-US" sz="1400" dirty="0" smtClean="0">
-                <a:solidFill>
-                  <a:schemeClr val="bg1"/>
-                </a:solidFill>
-                <a:latin typeface="Segoe UI Light" pitchFamily="34" charset="0"/>
-                <a:cs typeface="Segoe UI Light" pitchFamily="34" charset="0"/>
-              </a:rPr>
-              <a:t>Sell Ticket</a:t>
-            </a:r>
-            <a:endParaRPr lang="en-US" sz="1400" dirty="0">
-              <a:solidFill>
-                <a:schemeClr val="bg1"/>
-              </a:solidFill>
-              <a:latin typeface="Segoe UI Light" pitchFamily="34" charset="0"/>
-              <a:cs typeface="Segoe UI Light" pitchFamily="34" charset="0"/>
-            </a:endParaRPr>
-          </a:p>
-        </p:txBody>
-      </p:sp>
-      <p:sp>
-        <p:nvSpPr>
-          <p:cNvPr id="23" name="Rectangle 22"/>
-          <p:cNvSpPr/>
-          <p:nvPr/>
-        </p:nvSpPr>
-        <p:spPr>
-          <a:xfrm>
-            <a:off x="-32467" y="2142605"/>
-            <a:ext cx="1825487" cy="347073"/>
-          </a:xfrm>
-          <a:prstGeom prst="rect">
+            <a:off x="4369185" y="3857981"/>
+            <a:ext cx="1409700" cy="645474"/>
+          </a:xfrm>
+          <a:prstGeom prst="ellipse">
             <a:avLst/>
           </a:prstGeom>
           <a:solidFill>
-            <a:schemeClr val="bg1">
-              <a:lumMod val="50000"/>
+            <a:schemeClr val="bg2">
+              <a:lumMod val="25000"/>
             </a:schemeClr>
           </a:solidFill>
-          <a:ln>
-            <a:noFill/>
-          </a:ln>
         </p:spPr>
         <p:style>
           <a:lnRef idx="2">
@@ -12106,135 +12247,41 @@
           </a:fontRef>
         </p:style>
         <p:txBody>
-          <a:bodyPr lIns="822960" rtlCol="0" anchor="ctr"/>
+          <a:bodyPr rtlCol="0" anchor="ctr"/>
           <a:lstStyle/>
           <a:p>
-            <a:endParaRPr lang="en-US" sz="2400" dirty="0">
-              <a:solidFill>
-                <a:schemeClr val="tx1">
-                  <a:lumMod val="75000"/>
-                  <a:lumOff val="25000"/>
-                </a:schemeClr>
-              </a:solidFill>
-              <a:latin typeface="Segoe UI Light" pitchFamily="34" charset="0"/>
-              <a:cs typeface="Segoe UI Light" pitchFamily="34" charset="0"/>
-            </a:endParaRPr>
-          </a:p>
-        </p:txBody>
-      </p:sp>
-      <p:sp>
-        <p:nvSpPr>
-          <p:cNvPr id="28" name="TextBox 27"/>
-          <p:cNvSpPr txBox="1"/>
+            <a:pPr algn="ctr"/>
+            <a:r>
+              <a:rPr lang="en-US" dirty="0" smtClean="0"/>
+              <a:t>Request Ticket</a:t>
+            </a:r>
+            <a:endParaRPr lang="en-US" dirty="0"/>
+          </a:p>
+        </p:txBody>
+      </p:sp>
+      <p:sp>
+        <p:nvSpPr>
+          <p:cNvPr id="46" name="Left Arrow 45"/>
+          <p:cNvSpPr/>
           <p:nvPr/>
         </p:nvSpPr>
         <p:spPr>
-          <a:xfrm>
-            <a:off x="183543" y="2162252"/>
-            <a:ext cx="1524000" cy="307777"/>
-          </a:xfrm>
-          <a:prstGeom prst="rect">
-            <a:avLst/>
-          </a:prstGeom>
-          <a:noFill/>
-        </p:spPr>
-        <p:txBody>
-          <a:bodyPr wrap="square" rtlCol="0">
-            <a:spAutoFit/>
-          </a:bodyPr>
-          <a:lstStyle/>
-          <a:p>
-            <a:pPr marL="285750" indent="-285750">
-              <a:buFont typeface="Wingdings" pitchFamily="2" charset="2"/>
-              <a:buChar char="Ø"/>
-            </a:pPr>
-            <a:r>
-              <a:rPr lang="en-US" sz="1400" dirty="0" smtClean="0">
-                <a:solidFill>
-                  <a:schemeClr val="bg1"/>
-                </a:solidFill>
-                <a:latin typeface="Segoe UI Light" pitchFamily="34" charset="0"/>
-                <a:cs typeface="Segoe UI Light" pitchFamily="34" charset="0"/>
-              </a:rPr>
-              <a:t>Buy Ticket</a:t>
-            </a:r>
-            <a:endParaRPr lang="en-US" sz="1400" dirty="0">
-              <a:solidFill>
-                <a:schemeClr val="bg1"/>
-              </a:solidFill>
-              <a:latin typeface="Segoe UI Light" pitchFamily="34" charset="0"/>
-              <a:cs typeface="Segoe UI Light" pitchFamily="34" charset="0"/>
-            </a:endParaRPr>
-          </a:p>
-        </p:txBody>
-      </p:sp>
-      <p:sp>
-        <p:nvSpPr>
-          <p:cNvPr id="29" name="TextBox 28"/>
-          <p:cNvSpPr txBox="1"/>
-          <p:nvPr/>
-        </p:nvSpPr>
-        <p:spPr>
-          <a:xfrm>
-            <a:off x="178241" y="2494048"/>
-            <a:ext cx="1524000" cy="307777"/>
-          </a:xfrm>
-          <a:prstGeom prst="rect">
-            <a:avLst/>
-          </a:prstGeom>
-          <a:noFill/>
-        </p:spPr>
-        <p:txBody>
-          <a:bodyPr wrap="square" rtlCol="0">
-            <a:spAutoFit/>
-          </a:bodyPr>
-          <a:lstStyle/>
-          <a:p>
-            <a:pPr marL="285750" indent="-285750">
-              <a:buFont typeface="Wingdings" pitchFamily="2" charset="2"/>
-              <a:buChar char="Ø"/>
-            </a:pPr>
-            <a:r>
-              <a:rPr lang="en-US" sz="1400" dirty="0" smtClean="0">
-                <a:solidFill>
-                  <a:schemeClr val="bg1"/>
-                </a:solidFill>
-                <a:latin typeface="Segoe UI Light" pitchFamily="34" charset="0"/>
-                <a:cs typeface="Segoe UI Light" pitchFamily="34" charset="0"/>
-              </a:rPr>
-              <a:t>Notification</a:t>
-            </a:r>
-            <a:endParaRPr lang="en-US" sz="1400" dirty="0">
-              <a:solidFill>
-                <a:schemeClr val="bg1"/>
-              </a:solidFill>
-              <a:latin typeface="Segoe UI Light" pitchFamily="34" charset="0"/>
-              <a:cs typeface="Segoe UI Light" pitchFamily="34" charset="0"/>
-            </a:endParaRPr>
-          </a:p>
-        </p:txBody>
-      </p:sp>
-      <p:sp>
-        <p:nvSpPr>
-          <p:cNvPr id="15" name="Rectangle 14"/>
-          <p:cNvSpPr/>
-          <p:nvPr/>
-        </p:nvSpPr>
-        <p:spPr>
-          <a:xfrm>
-            <a:off x="-32467" y="2847327"/>
-            <a:ext cx="1825488" cy="371072"/>
-          </a:xfrm>
-          <a:prstGeom prst="rect">
+          <a:xfrm rot="11449381" flipV="1">
+            <a:off x="3477144" y="4019570"/>
+            <a:ext cx="613244" cy="45719"/>
+          </a:xfrm>
+          <a:prstGeom prst="leftArrow">
             <a:avLst/>
           </a:prstGeom>
           <a:solidFill>
-            <a:schemeClr val="bg1">
-              <a:lumMod val="50000"/>
-            </a:schemeClr>
+            <a:schemeClr val="bg1"/>
           </a:solidFill>
           <a:ln>
-            <a:noFill/>
+            <a:solidFill>
+              <a:schemeClr val="bg2">
+                <a:lumMod val="25000"/>
+              </a:schemeClr>
+            </a:solidFill>
           </a:ln>
         </p:spPr>
         <p:style>
@@ -12254,133 +12301,33 @@
           </a:fontRef>
         </p:style>
         <p:txBody>
-          <a:bodyPr lIns="822960" rtlCol="0" anchor="ctr"/>
+          <a:bodyPr rtlCol="0" anchor="ctr"/>
           <a:lstStyle/>
           <a:p>
-            <a:endParaRPr lang="en-US" sz="2400" dirty="0">
-              <a:solidFill>
-                <a:schemeClr val="tx1">
-                  <a:lumMod val="75000"/>
-                  <a:lumOff val="25000"/>
-                </a:schemeClr>
-              </a:solidFill>
-              <a:latin typeface="Segoe UI Light" pitchFamily="34" charset="0"/>
-              <a:cs typeface="Segoe UI Light" pitchFamily="34" charset="0"/>
-            </a:endParaRPr>
-          </a:p>
-        </p:txBody>
-      </p:sp>
-      <p:sp>
-        <p:nvSpPr>
-          <p:cNvPr id="16" name="TextBox 15"/>
-          <p:cNvSpPr txBox="1"/>
+            <a:pPr algn="ctr"/>
+            <a:endParaRPr lang="en-US"/>
+          </a:p>
+        </p:txBody>
+      </p:sp>
+      <p:sp>
+        <p:nvSpPr>
+          <p:cNvPr id="47" name="Oval 46"/>
+          <p:cNvSpPr/>
           <p:nvPr/>
         </p:nvSpPr>
         <p:spPr>
           <a:xfrm>
-            <a:off x="170952" y="2847327"/>
-            <a:ext cx="1524000" cy="307777"/>
-          </a:xfrm>
-          <a:prstGeom prst="rect">
-            <a:avLst/>
-          </a:prstGeom>
-          <a:noFill/>
-        </p:spPr>
-        <p:txBody>
-          <a:bodyPr wrap="square" rtlCol="0">
-            <a:spAutoFit/>
-          </a:bodyPr>
-          <a:lstStyle/>
-          <a:p>
-            <a:pPr marL="285750" indent="-285750">
-              <a:buFont typeface="Wingdings" pitchFamily="2" charset="2"/>
-              <a:buChar char="Ø"/>
-            </a:pPr>
-            <a:r>
-              <a:rPr lang="en-US" sz="1400" dirty="0" smtClean="0">
-                <a:solidFill>
-                  <a:schemeClr val="bg1"/>
-                </a:solidFill>
-                <a:latin typeface="Segoe UI Light" pitchFamily="34" charset="0"/>
-                <a:cs typeface="Segoe UI Light" pitchFamily="34" charset="0"/>
-              </a:rPr>
-              <a:t>Request</a:t>
-            </a:r>
-            <a:endParaRPr lang="en-US" sz="1400" dirty="0">
-              <a:solidFill>
-                <a:schemeClr val="bg1"/>
-              </a:solidFill>
-              <a:latin typeface="Segoe UI Light" pitchFamily="34" charset="0"/>
-              <a:cs typeface="Segoe UI Light" pitchFamily="34" charset="0"/>
-            </a:endParaRPr>
-          </a:p>
-        </p:txBody>
-      </p:sp>
-      <p:pic>
-        <p:nvPicPr>
-          <p:cNvPr id="32" name="Picture 5" descr="http://www.veryicon.com/icon/png/Avatar/People/Engineer.png"/>
-          <p:cNvPicPr>
-            <a:picLocks noChangeAspect="1" noChangeArrowheads="1"/>
-          </p:cNvPicPr>
-          <p:nvPr/>
-        </p:nvPicPr>
-        <p:blipFill>
-          <a:blip r:embed="rId8">
-            <a:extLst>
-              <a:ext uri="{28A0092B-C50C-407E-A947-70E740481C1C}">
-                <a14:useLocalDpi xmlns:a14="http://schemas.microsoft.com/office/drawing/2010/main" val="0"/>
-              </a:ext>
-            </a:extLst>
-          </a:blip>
-          <a:srcRect/>
-          <a:stretch>
-            <a:fillRect/>
-          </a:stretch>
-        </p:blipFill>
-        <p:spPr bwMode="auto">
-          <a:xfrm>
-            <a:off x="2048064" y="1018669"/>
-            <a:ext cx="1123936" cy="1123936"/>
-          </a:xfrm>
-          <a:prstGeom prst="rect">
-            <a:avLst/>
-          </a:prstGeom>
-          <a:noFill/>
-          <a:extLst>
-            <a:ext uri="{909E8E84-426E-40DD-AFC4-6F175D3DCCD1}">
-              <a14:hiddenFill xmlns:a14="http://schemas.microsoft.com/office/drawing/2010/main">
-                <a:solidFill>
-                  <a:srgbClr val="FFFFFF"/>
-                </a:solidFill>
-              </a14:hiddenFill>
-            </a:ext>
-          </a:extLst>
-        </p:spPr>
-      </p:pic>
-      <p:sp>
-        <p:nvSpPr>
-          <p:cNvPr id="33" name="Right Arrow 32"/>
-          <p:cNvSpPr/>
-          <p:nvPr/>
-        </p:nvSpPr>
-        <p:spPr>
-          <a:xfrm>
-            <a:off x="3498439" y="1704825"/>
-            <a:ext cx="628664" cy="45719"/>
-          </a:xfrm>
-          <a:prstGeom prst="rightArrow">
+            <a:off x="4270865" y="5390038"/>
+            <a:ext cx="1657336" cy="752935"/>
+          </a:xfrm>
+          <a:prstGeom prst="ellipse">
             <a:avLst/>
           </a:prstGeom>
           <a:solidFill>
-            <a:schemeClr val="bg1"/>
+            <a:schemeClr val="bg2">
+              <a:lumMod val="25000"/>
+            </a:schemeClr>
           </a:solidFill>
-          <a:ln>
-            <a:solidFill>
-              <a:schemeClr val="bg2">
-                <a:lumMod val="25000"/>
-              </a:schemeClr>
-            </a:solidFill>
-          </a:ln>
         </p:spPr>
         <p:style>
           <a:lnRef idx="2">
@@ -12403,29 +12350,38 @@
           <a:lstStyle/>
           <a:p>
             <a:pPr algn="ctr"/>
-            <a:endParaRPr lang="en-US"/>
-          </a:p>
-        </p:txBody>
-      </p:sp>
-      <p:sp>
-        <p:nvSpPr>
-          <p:cNvPr id="34" name="Oval 33"/>
+            <a:r>
+              <a:rPr lang="en-US" sz="1600" dirty="0" smtClean="0"/>
+              <a:t>Receive Notification</a:t>
+            </a:r>
+            <a:endParaRPr lang="en-US" dirty="0"/>
+          </a:p>
+        </p:txBody>
+      </p:sp>
+      <p:sp>
+        <p:nvSpPr>
+          <p:cNvPr id="56" name="Right Arrow 55"/>
           <p:cNvSpPr/>
           <p:nvPr/>
         </p:nvSpPr>
         <p:spPr>
-          <a:xfrm>
-            <a:off x="4419600" y="1384154"/>
-            <a:ext cx="1371600" cy="676735"/>
-          </a:xfrm>
-          <a:prstGeom prst="ellipse">
+          <a:xfrm rot="21151333">
+            <a:off x="3462267" y="3481584"/>
+            <a:ext cx="628664" cy="45719"/>
+          </a:xfrm>
+          <a:prstGeom prst="rightArrow">
             <a:avLst/>
           </a:prstGeom>
           <a:solidFill>
-            <a:schemeClr val="bg2">
-              <a:lumMod val="25000"/>
-            </a:schemeClr>
+            <a:schemeClr val="bg1"/>
           </a:solidFill>
+          <a:ln>
+            <a:solidFill>
+              <a:schemeClr val="bg2">
+                <a:lumMod val="25000"/>
+              </a:schemeClr>
+            </a:solidFill>
+          </a:ln>
         </p:spPr>
         <p:style>
           <a:lnRef idx="2">
@@ -12448,9 +12404,35 @@
           <a:lstStyle/>
           <a:p>
             <a:pPr algn="ctr"/>
+            <a:endParaRPr lang="en-US"/>
+          </a:p>
+        </p:txBody>
+      </p:sp>
+      <p:sp>
+        <p:nvSpPr>
+          <p:cNvPr id="11" name="TextBox 10"/>
+          <p:cNvSpPr txBox="1"/>
+          <p:nvPr/>
+        </p:nvSpPr>
+        <p:spPr>
+          <a:xfrm>
+            <a:off x="1983124" y="2180698"/>
+            <a:ext cx="1279517" cy="369332"/>
+          </a:xfrm>
+          <a:prstGeom prst="rect">
+            <a:avLst/>
+          </a:prstGeom>
+          <a:noFill/>
+        </p:spPr>
+        <p:txBody>
+          <a:bodyPr wrap="none" rtlCol="0">
+            <a:spAutoFit/>
+          </a:bodyPr>
+          <a:lstStyle/>
+          <a:p>
             <a:r>
               <a:rPr lang="en-US" dirty="0" smtClean="0"/>
-              <a:t>Follow Event </a:t>
+              <a:t>Customer A</a:t>
             </a:r>
             <a:endParaRPr lang="en-US" dirty="0"/>
           </a:p>
@@ -12458,23 +12440,99 @@
       </p:sp>
       <p:sp>
         <p:nvSpPr>
-          <p:cNvPr id="35" name="Oval 34"/>
+          <p:cNvPr id="17" name="TextBox 16"/>
+          <p:cNvSpPr txBox="1"/>
+          <p:nvPr/>
+        </p:nvSpPr>
+        <p:spPr>
+          <a:xfrm>
+            <a:off x="1963973" y="4180718"/>
+            <a:ext cx="1271502" cy="369332"/>
+          </a:xfrm>
+          <a:prstGeom prst="rect">
+            <a:avLst/>
+          </a:prstGeom>
+          <a:noFill/>
+        </p:spPr>
+        <p:txBody>
+          <a:bodyPr wrap="none" rtlCol="0">
+            <a:spAutoFit/>
+          </a:bodyPr>
+          <a:lstStyle/>
+          <a:p>
+            <a:r>
+              <a:rPr lang="en-US" dirty="0" smtClean="0"/>
+              <a:t>Customer B</a:t>
+            </a:r>
+            <a:endParaRPr lang="en-US" dirty="0"/>
+          </a:p>
+        </p:txBody>
+      </p:sp>
+      <p:pic>
+        <p:nvPicPr>
+          <p:cNvPr id="36" name="Picture 5" descr="http://www.veryicon.com/icon/png/Avatar/People/Engineer.png"/>
+          <p:cNvPicPr>
+            <a:picLocks noChangeAspect="1" noChangeArrowheads="1"/>
+          </p:cNvPicPr>
+          <p:nvPr/>
+        </p:nvPicPr>
+        <p:blipFill>
+          <a:blip r:embed="rId8">
+            <a:extLst>
+              <a:ext uri="{28A0092B-C50C-407E-A947-70E740481C1C}">
+                <a14:useLocalDpi xmlns:a14="http://schemas.microsoft.com/office/drawing/2010/main" val="0"/>
+              </a:ext>
+            </a:extLst>
+          </a:blip>
+          <a:srcRect/>
+          <a:stretch>
+            <a:fillRect/>
+          </a:stretch>
+        </p:blipFill>
+        <p:spPr bwMode="auto">
+          <a:xfrm>
+            <a:off x="1991361" y="4957846"/>
+            <a:ext cx="1123936" cy="1123936"/>
+          </a:xfrm>
+          <a:prstGeom prst="rect">
+            <a:avLst/>
+          </a:prstGeom>
+          <a:noFill/>
+          <a:extLst>
+            <a:ext uri="{909E8E84-426E-40DD-AFC4-6F175D3DCCD1}">
+              <a14:hiddenFill xmlns:a14="http://schemas.microsoft.com/office/drawing/2010/main">
+                <a:solidFill>
+                  <a:srgbClr val="FFFFFF"/>
+                </a:solidFill>
+              </a14:hiddenFill>
+            </a:ext>
+          </a:extLst>
+        </p:spPr>
+      </p:pic>
+      <p:sp>
+        <p:nvSpPr>
+          <p:cNvPr id="37" name="Right Arrow 36"/>
           <p:cNvSpPr/>
           <p:nvPr/>
         </p:nvSpPr>
         <p:spPr>
           <a:xfrm>
-            <a:off x="4427951" y="2973957"/>
-            <a:ext cx="1143000" cy="709260"/>
-          </a:xfrm>
-          <a:prstGeom prst="ellipse">
+            <a:off x="3435869" y="5705193"/>
+            <a:ext cx="628664" cy="45719"/>
+          </a:xfrm>
+          <a:prstGeom prst="rightArrow">
             <a:avLst/>
           </a:prstGeom>
           <a:solidFill>
-            <a:schemeClr val="bg2">
-              <a:lumMod val="25000"/>
-            </a:schemeClr>
+            <a:schemeClr val="bg1"/>
           </a:solidFill>
+          <a:ln>
+            <a:solidFill>
+              <a:schemeClr val="bg2">
+                <a:lumMod val="25000"/>
+              </a:schemeClr>
+            </a:solidFill>
+          </a:ln>
         </p:spPr>
         <p:style>
           <a:lnRef idx="2">
@@ -12497,9 +12555,35 @@
           <a:lstStyle/>
           <a:p>
             <a:pPr algn="ctr"/>
+            <a:endParaRPr lang="en-US"/>
+          </a:p>
+        </p:txBody>
+      </p:sp>
+      <p:sp>
+        <p:nvSpPr>
+          <p:cNvPr id="38" name="TextBox 37"/>
+          <p:cNvSpPr txBox="1"/>
+          <p:nvPr/>
+        </p:nvSpPr>
+        <p:spPr>
+          <a:xfrm>
+            <a:off x="1926421" y="6119875"/>
+            <a:ext cx="1279517" cy="369332"/>
+          </a:xfrm>
+          <a:prstGeom prst="rect">
+            <a:avLst/>
+          </a:prstGeom>
+          <a:noFill/>
+        </p:spPr>
+        <p:txBody>
+          <a:bodyPr wrap="none" rtlCol="0">
+            <a:spAutoFit/>
+          </a:bodyPr>
+          <a:lstStyle/>
+          <a:p>
             <a:r>
               <a:rPr lang="en-US" dirty="0" smtClean="0"/>
-              <a:t>Post Ticket </a:t>
+              <a:t>Customer A</a:t>
             </a:r>
             <a:endParaRPr lang="en-US" dirty="0"/>
           </a:p>
@@ -12507,14 +12591,14 @@
       </p:sp>
       <p:pic>
         <p:nvPicPr>
-          <p:cNvPr id="1026" name="Picture 2" descr="C:\Users\Hieu\Desktop\dsa.jpg"/>
+          <p:cNvPr id="18" name="Picture 2" descr="http://1.bp.blogspot.com/-vW4MzXVsmqQ/UEul7BqjEJI/AAAAAAAAALI/a5HwZjtkwJ4/s200/Follow+me.png"/>
           <p:cNvPicPr>
             <a:picLocks noChangeAspect="1" noChangeArrowheads="1"/>
           </p:cNvPicPr>
           <p:nvPr/>
         </p:nvPicPr>
         <p:blipFill>
-          <a:blip r:embed="rId9">
+          <a:blip r:embed="rId10">
             <a:extLst>
               <a:ext uri="{28A0092B-C50C-407E-A947-70E740481C1C}">
                 <a14:useLocalDpi xmlns:a14="http://schemas.microsoft.com/office/drawing/2010/main" val="0"/>
@@ -12528,8 +12612,8 @@
         </p:blipFill>
         <p:spPr bwMode="auto">
           <a:xfrm>
-            <a:off x="1963973" y="3032863"/>
-            <a:ext cx="1333115" cy="1188489"/>
+            <a:off x="5840477" y="922747"/>
+            <a:ext cx="1564156" cy="1564156"/>
           </a:xfrm>
           <a:prstGeom prst="rect">
             <a:avLst/>
@@ -12546,25 +12630,115 @@
           </a:extLst>
         </p:spPr>
       </p:pic>
-      <p:sp>
-        <p:nvSpPr>
-          <p:cNvPr id="44" name="Oval 43"/>
+      <p:pic>
+        <p:nvPicPr>
+          <p:cNvPr id="1028" name="Picture 4" descr="http://www.eventindustrynews.co.uk/wp-content/uploads/2011/01/tt-square.png"/>
+          <p:cNvPicPr>
+            <a:picLocks noChangeAspect="1" noChangeArrowheads="1"/>
+          </p:cNvPicPr>
+          <p:nvPr/>
+        </p:nvPicPr>
+        <p:blipFill>
+          <a:blip r:embed="rId11">
+            <a:extLst>
+              <a:ext uri="{28A0092B-C50C-407E-A947-70E740481C1C}">
+                <a14:useLocalDpi xmlns:a14="http://schemas.microsoft.com/office/drawing/2010/main" val="0"/>
+              </a:ext>
+            </a:extLst>
+          </a:blip>
+          <a:srcRect/>
+          <a:stretch>
+            <a:fillRect/>
+          </a:stretch>
+        </p:blipFill>
+        <p:spPr bwMode="auto">
+          <a:xfrm>
+            <a:off x="5867093" y="3025477"/>
+            <a:ext cx="1343139" cy="1305830"/>
+          </a:xfrm>
+          <a:prstGeom prst="rect">
+            <a:avLst/>
+          </a:prstGeom>
+          <a:noFill/>
+          <a:extLst>
+            <a:ext uri="{909E8E84-426E-40DD-AFC4-6F175D3DCCD1}">
+              <a14:hiddenFill xmlns:a14="http://schemas.microsoft.com/office/drawing/2010/main">
+                <a:solidFill>
+                  <a:srgbClr val="FFFFFF"/>
+                </a:solidFill>
+              </a14:hiddenFill>
+            </a:ext>
+          </a:extLst>
+        </p:spPr>
+      </p:pic>
+      <p:pic>
+        <p:nvPicPr>
+          <p:cNvPr id="1030" name="Picture 6" descr="http://realtimetricks.com/wp-content/uploads/2012/10/notifications.gif"/>
+          <p:cNvPicPr>
+            <a:picLocks noChangeAspect="1" noChangeArrowheads="1"/>
+          </p:cNvPicPr>
+          <p:nvPr/>
+        </p:nvPicPr>
+        <p:blipFill>
+          <a:blip r:embed="rId12" cstate="print">
+            <a:extLst>
+              <a:ext uri="{28A0092B-C50C-407E-A947-70E740481C1C}">
+                <a14:useLocalDpi xmlns:a14="http://schemas.microsoft.com/office/drawing/2010/main" val="0"/>
+              </a:ext>
+            </a:extLst>
+          </a:blip>
+          <a:srcRect/>
+          <a:stretch>
+            <a:fillRect/>
+          </a:stretch>
+        </p:blipFill>
+        <p:spPr bwMode="auto">
+          <a:xfrm>
+            <a:off x="6134533" y="5447855"/>
+            <a:ext cx="1388872" cy="701381"/>
+          </a:xfrm>
+          <a:prstGeom prst="rect">
+            <a:avLst/>
+          </a:prstGeom>
+          <a:ln>
+            <a:noFill/>
+          </a:ln>
+          <a:effectLst>
+            <a:softEdge rad="112500"/>
+          </a:effectLst>
+          <a:extLst>
+            <a:ext uri="{909E8E84-426E-40DD-AFC4-6F175D3DCCD1}">
+              <a14:hiddenFill xmlns:a14="http://schemas.microsoft.com/office/drawing/2010/main">
+                <a:solidFill>
+                  <a:srgbClr val="FFFFFF"/>
+                </a:solidFill>
+              </a14:hiddenFill>
+            </a:ext>
+          </a:extLst>
+        </p:spPr>
+      </p:pic>
+      <p:sp>
+        <p:nvSpPr>
+          <p:cNvPr id="39" name="Rectangle 38"/>
           <p:cNvSpPr/>
           <p:nvPr/>
         </p:nvSpPr>
         <p:spPr>
           <a:xfrm>
-            <a:off x="4369185" y="3857981"/>
-            <a:ext cx="1409700" cy="645474"/>
-          </a:xfrm>
-          <a:prstGeom prst="ellipse">
+            <a:off x="-32467" y="1219200"/>
+            <a:ext cx="1822175" cy="548640"/>
+          </a:xfrm>
+          <a:prstGeom prst="rect">
             <a:avLst/>
           </a:prstGeom>
           <a:solidFill>
-            <a:schemeClr val="bg2">
-              <a:lumMod val="25000"/>
+            <a:schemeClr val="bg1">
+              <a:lumMod val="50000"/>
             </a:schemeClr>
           </a:solidFill>
+          <a:ln>
+            <a:noFill/>
+          </a:ln>
         </p:spPr>
         <p:style>
           <a:lnRef idx="2">
@@ -12583,41 +12757,37 @@
           </a:fontRef>
         </p:style>
         <p:txBody>
-          <a:bodyPr rtlCol="0" anchor="ctr"/>
+          <a:bodyPr lIns="822960" rtlCol="0" anchor="ctr"/>
           <a:lstStyle/>
           <a:p>
-            <a:pPr algn="ctr"/>
-            <a:r>
-              <a:rPr lang="en-US" dirty="0" smtClean="0"/>
-              <a:t>Request Ticket</a:t>
-            </a:r>
-            <a:endParaRPr lang="en-US" dirty="0"/>
-          </a:p>
-        </p:txBody>
-      </p:sp>
-      <p:sp>
-        <p:nvSpPr>
-          <p:cNvPr id="46" name="Left Arrow 45"/>
+            <a:endParaRPr lang="en-US" sz="2400" dirty="0">
+              <a:latin typeface="Segoe UI Light" pitchFamily="34" charset="0"/>
+              <a:cs typeface="Segoe UI Light" pitchFamily="34" charset="0"/>
+            </a:endParaRPr>
+          </a:p>
+        </p:txBody>
+      </p:sp>
+      <p:sp>
+        <p:nvSpPr>
+          <p:cNvPr id="40" name="Rectangle 39"/>
           <p:cNvSpPr/>
           <p:nvPr/>
         </p:nvSpPr>
         <p:spPr>
-          <a:xfrm rot="11449381" flipV="1">
-            <a:off x="3477144" y="4019570"/>
-            <a:ext cx="613244" cy="45719"/>
-          </a:xfrm>
-          <a:prstGeom prst="leftArrow">
+          <a:xfrm>
+            <a:off x="-35780" y="1750544"/>
+            <a:ext cx="1825488" cy="397431"/>
+          </a:xfrm>
+          <a:prstGeom prst="rect">
             <a:avLst/>
           </a:prstGeom>
           <a:solidFill>
-            <a:schemeClr val="bg1"/>
+            <a:schemeClr val="bg1">
+              <a:lumMod val="50000"/>
+            </a:schemeClr>
           </a:solidFill>
           <a:ln>
-            <a:solidFill>
-              <a:schemeClr val="bg2">
-                <a:lumMod val="25000"/>
-              </a:schemeClr>
-            </a:solidFill>
+            <a:noFill/>
           </a:ln>
         </p:spPr>
         <p:style>
@@ -12637,33 +12807,178 @@
           </a:fontRef>
         </p:style>
         <p:txBody>
-          <a:bodyPr rtlCol="0" anchor="ctr"/>
+          <a:bodyPr lIns="822960" rtlCol="0" anchor="ctr"/>
           <a:lstStyle/>
           <a:p>
-            <a:pPr algn="ctr"/>
-            <a:endParaRPr lang="en-US"/>
-          </a:p>
-        </p:txBody>
-      </p:sp>
-      <p:sp>
-        <p:nvSpPr>
-          <p:cNvPr id="47" name="Oval 46"/>
+            <a:endParaRPr lang="en-US" sz="2400" dirty="0">
+              <a:solidFill>
+                <a:schemeClr val="tx1">
+                  <a:lumMod val="75000"/>
+                  <a:lumOff val="25000"/>
+                </a:schemeClr>
+              </a:solidFill>
+              <a:latin typeface="Segoe UI Light" pitchFamily="34" charset="0"/>
+              <a:cs typeface="Segoe UI Light" pitchFamily="34" charset="0"/>
+            </a:endParaRPr>
+          </a:p>
+        </p:txBody>
+      </p:sp>
+      <p:sp>
+        <p:nvSpPr>
+          <p:cNvPr id="41" name="TextBox 40"/>
+          <p:cNvSpPr txBox="1"/>
+          <p:nvPr/>
+        </p:nvSpPr>
+        <p:spPr>
+          <a:xfrm>
+            <a:off x="0" y="1307471"/>
+            <a:ext cx="1905000" cy="430887"/>
+          </a:xfrm>
+          <a:prstGeom prst="rect">
+            <a:avLst/>
+          </a:prstGeom>
+          <a:noFill/>
+        </p:spPr>
+        <p:txBody>
+          <a:bodyPr wrap="square" rtlCol="0">
+            <a:spAutoFit/>
+          </a:bodyPr>
+          <a:lstStyle/>
+          <a:p>
+            <a:r>
+              <a:rPr lang="en-US" sz="2200" dirty="0" smtClean="0">
+                <a:solidFill>
+                  <a:schemeClr val="bg1"/>
+                </a:solidFill>
+                <a:latin typeface="Segoe UI Light" pitchFamily="34" charset="0"/>
+                <a:cs typeface="Segoe UI Light" pitchFamily="34" charset="0"/>
+              </a:rPr>
+              <a:t>Main Features</a:t>
+            </a:r>
+            <a:endParaRPr lang="en-US" sz="2200" dirty="0">
+              <a:solidFill>
+                <a:schemeClr val="bg1"/>
+              </a:solidFill>
+              <a:latin typeface="Segoe UI Light" pitchFamily="34" charset="0"/>
+              <a:cs typeface="Segoe UI Light" pitchFamily="34" charset="0"/>
+            </a:endParaRPr>
+          </a:p>
+        </p:txBody>
+      </p:sp>
+      <p:sp>
+        <p:nvSpPr>
+          <p:cNvPr id="42" name="TextBox 41"/>
+          <p:cNvSpPr txBox="1"/>
+          <p:nvPr/>
+        </p:nvSpPr>
+        <p:spPr>
+          <a:xfrm>
+            <a:off x="178242" y="1798751"/>
+            <a:ext cx="1524000" cy="369332"/>
+          </a:xfrm>
+          <a:prstGeom prst="rect">
+            <a:avLst/>
+          </a:prstGeom>
+          <a:noFill/>
+        </p:spPr>
+        <p:txBody>
+          <a:bodyPr wrap="square" rtlCol="0">
+            <a:spAutoFit/>
+          </a:bodyPr>
+          <a:lstStyle/>
+          <a:p>
+            <a:pPr marL="285750" indent="-285750">
+              <a:buFont typeface="Wingdings" pitchFamily="2" charset="2"/>
+              <a:buChar char="Ø"/>
+            </a:pPr>
+            <a:r>
+              <a:rPr lang="en-US" dirty="0" smtClean="0">
+                <a:solidFill>
+                  <a:schemeClr val="bg1"/>
+                </a:solidFill>
+                <a:latin typeface="Segoe UI Light" pitchFamily="34" charset="0"/>
+                <a:cs typeface="Segoe UI Light" pitchFamily="34" charset="0"/>
+              </a:rPr>
+              <a:t>Sell Ticket</a:t>
+            </a:r>
+            <a:endParaRPr lang="en-US" dirty="0">
+              <a:solidFill>
+                <a:schemeClr val="bg1"/>
+              </a:solidFill>
+              <a:latin typeface="Segoe UI Light" pitchFamily="34" charset="0"/>
+              <a:cs typeface="Segoe UI Light" pitchFamily="34" charset="0"/>
+            </a:endParaRPr>
+          </a:p>
+        </p:txBody>
+      </p:sp>
+      <p:sp>
+        <p:nvSpPr>
+          <p:cNvPr id="50" name="TextBox 49"/>
+          <p:cNvSpPr txBox="1"/>
+          <p:nvPr/>
+        </p:nvSpPr>
+        <p:spPr>
+          <a:xfrm>
+            <a:off x="178242" y="2911108"/>
+            <a:ext cx="1524000" cy="369332"/>
+          </a:xfrm>
+          <a:prstGeom prst="rect">
+            <a:avLst/>
+          </a:prstGeom>
+          <a:noFill/>
+        </p:spPr>
+        <p:txBody>
+          <a:bodyPr wrap="square" rtlCol="0">
+            <a:spAutoFit/>
+          </a:bodyPr>
+          <a:lstStyle/>
+          <a:p>
+            <a:pPr marL="285750" indent="-285750">
+              <a:buFont typeface="Wingdings" pitchFamily="2" charset="2"/>
+              <a:buChar char="Ø"/>
+            </a:pPr>
+            <a:r>
+              <a:rPr lang="en-US" dirty="0">
+                <a:solidFill>
+                  <a:schemeClr val="bg1"/>
+                </a:solidFill>
+                <a:latin typeface="Segoe UI Light" pitchFamily="34" charset="0"/>
+                <a:cs typeface="Segoe UI Light" pitchFamily="34" charset="0"/>
+              </a:rPr>
+              <a:t>Request</a:t>
+            </a:r>
+            <a:endParaRPr lang="en-US" dirty="0">
+              <a:solidFill>
+                <a:schemeClr val="bg1"/>
+              </a:solidFill>
+              <a:latin typeface="Segoe UI Light" pitchFamily="34" charset="0"/>
+              <a:cs typeface="Segoe UI Light" pitchFamily="34" charset="0"/>
+            </a:endParaRPr>
+          </a:p>
+        </p:txBody>
+      </p:sp>
+      <p:sp>
+        <p:nvSpPr>
+          <p:cNvPr id="51" name="Rectangle 50"/>
           <p:cNvSpPr/>
           <p:nvPr/>
         </p:nvSpPr>
         <p:spPr>
           <a:xfrm>
-            <a:off x="4270865" y="5390038"/>
-            <a:ext cx="1657336" cy="752935"/>
-          </a:xfrm>
-          <a:prstGeom prst="ellipse">
+            <a:off x="-24894" y="2935514"/>
+            <a:ext cx="1814602" cy="581674"/>
+          </a:xfrm>
+          <a:prstGeom prst="rect">
             <a:avLst/>
           </a:prstGeom>
           <a:solidFill>
-            <a:schemeClr val="bg2">
-              <a:lumMod val="25000"/>
+            <a:schemeClr val="bg1">
+              <a:lumMod val="50000"/>
             </a:schemeClr>
           </a:solidFill>
+          <a:ln>
+            <a:noFill/>
+          </a:ln>
         </p:spPr>
         <p:style>
           <a:lnRef idx="2">
@@ -12682,41 +12997,89 @@
           </a:fontRef>
         </p:style>
         <p:txBody>
-          <a:bodyPr rtlCol="0" anchor="ctr"/>
+          <a:bodyPr lIns="822960" rtlCol="0" anchor="ctr"/>
           <a:lstStyle/>
           <a:p>
-            <a:pPr algn="ctr"/>
-            <a:r>
-              <a:rPr lang="en-US" sz="1600" dirty="0" smtClean="0"/>
-              <a:t>Receive Notification</a:t>
-            </a:r>
-            <a:endParaRPr lang="en-US" dirty="0"/>
-          </a:p>
-        </p:txBody>
-      </p:sp>
-      <p:sp>
-        <p:nvSpPr>
-          <p:cNvPr id="56" name="Right Arrow 55"/>
+            <a:endParaRPr lang="en-US" sz="2400" dirty="0">
+              <a:solidFill>
+                <a:schemeClr val="tx1">
+                  <a:lumMod val="75000"/>
+                  <a:lumOff val="25000"/>
+                </a:schemeClr>
+              </a:solidFill>
+              <a:latin typeface="Segoe UI Light" pitchFamily="34" charset="0"/>
+              <a:cs typeface="Segoe UI Light" pitchFamily="34" charset="0"/>
+            </a:endParaRPr>
+          </a:p>
+        </p:txBody>
+      </p:sp>
+      <p:sp>
+        <p:nvSpPr>
+          <p:cNvPr id="52" name="TextBox 51"/>
+          <p:cNvSpPr txBox="1"/>
+          <p:nvPr/>
+        </p:nvSpPr>
+        <p:spPr>
+          <a:xfrm>
+            <a:off x="185815" y="2999296"/>
+            <a:ext cx="1524000" cy="369332"/>
+          </a:xfrm>
+          <a:prstGeom prst="rect">
+            <a:avLst/>
+          </a:prstGeom>
+          <a:noFill/>
+        </p:spPr>
+        <p:txBody>
+          <a:bodyPr wrap="square" rtlCol="0">
+            <a:spAutoFit/>
+          </a:bodyPr>
+          <a:lstStyle/>
+          <a:p>
+            <a:pPr marL="285750" indent="-285750">
+              <a:buFont typeface="Wingdings" pitchFamily="2" charset="2"/>
+              <a:buChar char="Ø"/>
+            </a:pPr>
+            <a:r>
+              <a:rPr lang="en-US" dirty="0">
+                <a:solidFill>
+                  <a:schemeClr val="bg1"/>
+                </a:solidFill>
+                <a:latin typeface="Segoe UI Light" pitchFamily="34" charset="0"/>
+                <a:cs typeface="Segoe UI Light" pitchFamily="34" charset="0"/>
+              </a:rPr>
+              <a:t>Request</a:t>
+            </a:r>
+            <a:endParaRPr lang="en-US" dirty="0">
+              <a:solidFill>
+                <a:schemeClr val="bg1"/>
+              </a:solidFill>
+              <a:latin typeface="Segoe UI Light" pitchFamily="34" charset="0"/>
+              <a:cs typeface="Segoe UI Light" pitchFamily="34" charset="0"/>
+            </a:endParaRPr>
+          </a:p>
+        </p:txBody>
+      </p:sp>
+      <p:sp>
+        <p:nvSpPr>
+          <p:cNvPr id="54" name="Rectangle 53"/>
           <p:cNvSpPr/>
           <p:nvPr/>
         </p:nvSpPr>
         <p:spPr>
-          <a:xfrm rot="21151333">
-            <a:off x="3462267" y="3481584"/>
-            <a:ext cx="628664" cy="45719"/>
-          </a:xfrm>
-          <a:prstGeom prst="rightArrow">
+          <a:xfrm>
+            <a:off x="-24893" y="2137546"/>
+            <a:ext cx="1814601" cy="369332"/>
+          </a:xfrm>
+          <a:prstGeom prst="rect">
             <a:avLst/>
           </a:prstGeom>
           <a:solidFill>
-            <a:schemeClr val="bg1"/>
+            <a:schemeClr val="bg1">
+              <a:lumMod val="50000"/>
+            </a:schemeClr>
           </a:solidFill>
           <a:ln>
-            <a:solidFill>
-              <a:schemeClr val="bg2">
-                <a:lumMod val="25000"/>
-              </a:schemeClr>
-            </a:solidFill>
+            <a:noFill/>
           </a:ln>
         </p:spPr>
         <p:style>
@@ -12736,24 +13099,32 @@
           </a:fontRef>
         </p:style>
         <p:txBody>
-          <a:bodyPr rtlCol="0" anchor="ctr"/>
+          <a:bodyPr lIns="822960" rtlCol="0" anchor="ctr"/>
           <a:lstStyle/>
           <a:p>
-            <a:pPr algn="ctr"/>
-            <a:endParaRPr lang="en-US"/>
-          </a:p>
-        </p:txBody>
-      </p:sp>
-      <p:sp>
-        <p:nvSpPr>
-          <p:cNvPr id="11" name="TextBox 10"/>
+            <a:endParaRPr lang="en-US" sz="2400" dirty="0">
+              <a:solidFill>
+                <a:schemeClr val="tx1">
+                  <a:lumMod val="75000"/>
+                  <a:lumOff val="25000"/>
+                </a:schemeClr>
+              </a:solidFill>
+              <a:latin typeface="Segoe UI Light" pitchFamily="34" charset="0"/>
+              <a:cs typeface="Segoe UI Light" pitchFamily="34" charset="0"/>
+            </a:endParaRPr>
+          </a:p>
+        </p:txBody>
+      </p:sp>
+      <p:sp>
+        <p:nvSpPr>
+          <p:cNvPr id="58" name="TextBox 57"/>
           <p:cNvSpPr txBox="1"/>
           <p:nvPr/>
         </p:nvSpPr>
         <p:spPr>
           <a:xfrm>
-            <a:off x="1983124" y="2180698"/>
-            <a:ext cx="1279517" cy="369332"/>
+            <a:off x="178242" y="2147974"/>
+            <a:ext cx="1542143" cy="369332"/>
           </a:xfrm>
           <a:prstGeom prst="rect">
             <a:avLst/>
@@ -12761,113 +13132,54 @@
           <a:noFill/>
         </p:spPr>
         <p:txBody>
-          <a:bodyPr wrap="none" rtlCol="0">
+          <a:bodyPr wrap="square" rtlCol="0">
             <a:spAutoFit/>
           </a:bodyPr>
           <a:lstStyle/>
           <a:p>
-            <a:r>
-              <a:rPr lang="en-US" dirty="0" smtClean="0"/>
-              <a:t>Customer A</a:t>
-            </a:r>
-            <a:endParaRPr lang="en-US" dirty="0"/>
-          </a:p>
-        </p:txBody>
-      </p:sp>
-      <p:sp>
-        <p:nvSpPr>
-          <p:cNvPr id="17" name="TextBox 16"/>
-          <p:cNvSpPr txBox="1"/>
+            <a:pPr marL="285750" indent="-285750">
+              <a:buFont typeface="Wingdings" pitchFamily="2" charset="2"/>
+              <a:buChar char="Ø"/>
+            </a:pPr>
+            <a:r>
+              <a:rPr lang="en-US" dirty="0" smtClean="0">
+                <a:solidFill>
+                  <a:schemeClr val="bg1"/>
+                </a:solidFill>
+                <a:latin typeface="Segoe UI Light" pitchFamily="34" charset="0"/>
+                <a:cs typeface="Segoe UI Light" pitchFamily="34" charset="0"/>
+              </a:rPr>
+              <a:t>Buy Ticket</a:t>
+            </a:r>
+            <a:endParaRPr lang="en-US" dirty="0">
+              <a:solidFill>
+                <a:schemeClr val="bg1"/>
+              </a:solidFill>
+              <a:latin typeface="Segoe UI Light" pitchFamily="34" charset="0"/>
+              <a:cs typeface="Segoe UI Light" pitchFamily="34" charset="0"/>
+            </a:endParaRPr>
+          </a:p>
+        </p:txBody>
+      </p:sp>
+      <p:sp>
+        <p:nvSpPr>
+          <p:cNvPr id="57" name="Rectangle 56"/>
+          <p:cNvSpPr/>
           <p:nvPr/>
         </p:nvSpPr>
         <p:spPr>
           <a:xfrm>
-            <a:off x="1963973" y="4180718"/>
-            <a:ext cx="1271502" cy="369332"/>
+            <a:off x="-35780" y="2506878"/>
+            <a:ext cx="1822175" cy="448195"/>
           </a:xfrm>
           <a:prstGeom prst="rect">
             <a:avLst/>
           </a:prstGeom>
-          <a:noFill/>
-        </p:spPr>
-        <p:txBody>
-          <a:bodyPr wrap="none" rtlCol="0">
-            <a:spAutoFit/>
-          </a:bodyPr>
-          <a:lstStyle/>
-          <a:p>
-            <a:r>
-              <a:rPr lang="en-US" dirty="0" smtClean="0"/>
-              <a:t>Customer B</a:t>
-            </a:r>
-            <a:endParaRPr lang="en-US" dirty="0"/>
-          </a:p>
-        </p:txBody>
-      </p:sp>
-      <p:pic>
-        <p:nvPicPr>
-          <p:cNvPr id="36" name="Picture 5" descr="http://www.veryicon.com/icon/png/Avatar/People/Engineer.png"/>
-          <p:cNvPicPr>
-            <a:picLocks noChangeAspect="1" noChangeArrowheads="1"/>
-          </p:cNvPicPr>
-          <p:nvPr/>
-        </p:nvPicPr>
-        <p:blipFill>
-          <a:blip r:embed="rId8">
-            <a:extLst>
-              <a:ext uri="{28A0092B-C50C-407E-A947-70E740481C1C}">
-                <a14:useLocalDpi xmlns:a14="http://schemas.microsoft.com/office/drawing/2010/main" val="0"/>
-              </a:ext>
-            </a:extLst>
-          </a:blip>
-          <a:srcRect/>
-          <a:stretch>
-            <a:fillRect/>
-          </a:stretch>
-        </p:blipFill>
-        <p:spPr bwMode="auto">
-          <a:xfrm>
-            <a:off x="1991361" y="4957846"/>
-            <a:ext cx="1123936" cy="1123936"/>
-          </a:xfrm>
-          <a:prstGeom prst="rect">
-            <a:avLst/>
-          </a:prstGeom>
-          <a:noFill/>
-          <a:extLst>
-            <a:ext uri="{909E8E84-426E-40DD-AFC4-6F175D3DCCD1}">
-              <a14:hiddenFill xmlns:a14="http://schemas.microsoft.com/office/drawing/2010/main">
-                <a:solidFill>
-                  <a:srgbClr val="FFFFFF"/>
-                </a:solidFill>
-              </a14:hiddenFill>
-            </a:ext>
-          </a:extLst>
-        </p:spPr>
-      </p:pic>
-      <p:sp>
-        <p:nvSpPr>
-          <p:cNvPr id="37" name="Right Arrow 36"/>
-          <p:cNvSpPr/>
-          <p:nvPr/>
-        </p:nvSpPr>
-        <p:spPr>
-          <a:xfrm>
-            <a:off x="3435869" y="5705193"/>
-            <a:ext cx="628664" cy="45719"/>
-          </a:xfrm>
-          <a:prstGeom prst="rightArrow">
-            <a:avLst/>
-          </a:prstGeom>
           <a:solidFill>
-            <a:schemeClr val="bg1"/>
+            <a:srgbClr val="7030A0"/>
           </a:solidFill>
           <a:ln>
-            <a:solidFill>
-              <a:schemeClr val="bg2">
-                <a:lumMod val="25000"/>
-              </a:schemeClr>
-            </a:solidFill>
+            <a:noFill/>
           </a:ln>
         </p:spPr>
         <p:style>
@@ -12887,24 +13199,32 @@
           </a:fontRef>
         </p:style>
         <p:txBody>
-          <a:bodyPr rtlCol="0" anchor="ctr"/>
+          <a:bodyPr lIns="822960" rtlCol="0" anchor="ctr"/>
           <a:lstStyle/>
           <a:p>
-            <a:pPr algn="ctr"/>
-            <a:endParaRPr lang="en-US"/>
-          </a:p>
-        </p:txBody>
-      </p:sp>
-      <p:sp>
-        <p:nvSpPr>
-          <p:cNvPr id="38" name="TextBox 37"/>
+            <a:endParaRPr lang="en-US" sz="2400" dirty="0">
+              <a:solidFill>
+                <a:schemeClr val="tx1">
+                  <a:lumMod val="75000"/>
+                  <a:lumOff val="25000"/>
+                </a:schemeClr>
+              </a:solidFill>
+              <a:latin typeface="Segoe UI Light" pitchFamily="34" charset="0"/>
+              <a:cs typeface="Segoe UI Light" pitchFamily="34" charset="0"/>
+            </a:endParaRPr>
+          </a:p>
+        </p:txBody>
+      </p:sp>
+      <p:sp>
+        <p:nvSpPr>
+          <p:cNvPr id="55" name="TextBox 54"/>
           <p:cNvSpPr txBox="1"/>
           <p:nvPr/>
         </p:nvSpPr>
         <p:spPr>
           <a:xfrm>
-            <a:off x="1926421" y="6119875"/>
-            <a:ext cx="1279517" cy="369332"/>
+            <a:off x="178243" y="2566181"/>
+            <a:ext cx="1608152" cy="369332"/>
           </a:xfrm>
           <a:prstGeom prst="rect">
             <a:avLst/>
@@ -12912,147 +13232,35 @@
           <a:noFill/>
         </p:spPr>
         <p:txBody>
-          <a:bodyPr wrap="none" rtlCol="0">
+          <a:bodyPr wrap="square" rtlCol="0">
             <a:spAutoFit/>
           </a:bodyPr>
           <a:lstStyle/>
           <a:p>
-            <a:r>
-              <a:rPr lang="en-US" dirty="0" smtClean="0"/>
-              <a:t>Customer A</a:t>
-            </a:r>
-            <a:endParaRPr lang="en-US" dirty="0"/>
-          </a:p>
-        </p:txBody>
-      </p:sp>
-      <p:pic>
-        <p:nvPicPr>
-          <p:cNvPr id="18" name="Picture 2" descr="http://1.bp.blogspot.com/-vW4MzXVsmqQ/UEul7BqjEJI/AAAAAAAAALI/a5HwZjtkwJ4/s200/Follow+me.png"/>
-          <p:cNvPicPr>
-            <a:picLocks noChangeAspect="1" noChangeArrowheads="1"/>
-          </p:cNvPicPr>
-          <p:nvPr/>
-        </p:nvPicPr>
-        <p:blipFill>
-          <a:blip r:embed="rId10">
-            <a:extLst>
-              <a:ext uri="{28A0092B-C50C-407E-A947-70E740481C1C}">
-                <a14:useLocalDpi xmlns:a14="http://schemas.microsoft.com/office/drawing/2010/main" val="0"/>
-              </a:ext>
-            </a:extLst>
-          </a:blip>
-          <a:srcRect/>
-          <a:stretch>
-            <a:fillRect/>
-          </a:stretch>
-        </p:blipFill>
-        <p:spPr bwMode="auto">
-          <a:xfrm>
-            <a:off x="5840477" y="922747"/>
-            <a:ext cx="1564156" cy="1564156"/>
-          </a:xfrm>
-          <a:prstGeom prst="rect">
-            <a:avLst/>
-          </a:prstGeom>
-          <a:noFill/>
-          <a:extLst>
-            <a:ext uri="{909E8E84-426E-40DD-AFC4-6F175D3DCCD1}">
-              <a14:hiddenFill xmlns:a14="http://schemas.microsoft.com/office/drawing/2010/main">
-                <a:solidFill>
-                  <a:srgbClr val="FFFFFF"/>
-                </a:solidFill>
-              </a14:hiddenFill>
-            </a:ext>
-          </a:extLst>
-        </p:spPr>
-      </p:pic>
-      <p:pic>
-        <p:nvPicPr>
-          <p:cNvPr id="1028" name="Picture 4" descr="http://www.eventindustrynews.co.uk/wp-content/uploads/2011/01/tt-square.png"/>
-          <p:cNvPicPr>
-            <a:picLocks noChangeAspect="1" noChangeArrowheads="1"/>
-          </p:cNvPicPr>
-          <p:nvPr/>
-        </p:nvPicPr>
-        <p:blipFill>
-          <a:blip r:embed="rId11">
-            <a:extLst>
-              <a:ext uri="{28A0092B-C50C-407E-A947-70E740481C1C}">
-                <a14:useLocalDpi xmlns:a14="http://schemas.microsoft.com/office/drawing/2010/main" val="0"/>
-              </a:ext>
-            </a:extLst>
-          </a:blip>
-          <a:srcRect/>
-          <a:stretch>
-            <a:fillRect/>
-          </a:stretch>
-        </p:blipFill>
-        <p:spPr bwMode="auto">
-          <a:xfrm>
-            <a:off x="5867093" y="3025477"/>
-            <a:ext cx="1343139" cy="1305830"/>
-          </a:xfrm>
-          <a:prstGeom prst="rect">
-            <a:avLst/>
-          </a:prstGeom>
-          <a:noFill/>
-          <a:extLst>
-            <a:ext uri="{909E8E84-426E-40DD-AFC4-6F175D3DCCD1}">
-              <a14:hiddenFill xmlns:a14="http://schemas.microsoft.com/office/drawing/2010/main">
-                <a:solidFill>
-                  <a:srgbClr val="FFFFFF"/>
-                </a:solidFill>
-              </a14:hiddenFill>
-            </a:ext>
-          </a:extLst>
-        </p:spPr>
-      </p:pic>
-      <p:pic>
-        <p:nvPicPr>
-          <p:cNvPr id="1030" name="Picture 6" descr="http://realtimetricks.com/wp-content/uploads/2012/10/notifications.gif"/>
-          <p:cNvPicPr>
-            <a:picLocks noChangeAspect="1" noChangeArrowheads="1"/>
-          </p:cNvPicPr>
-          <p:nvPr/>
-        </p:nvPicPr>
-        <p:blipFill>
-          <a:blip r:embed="rId12" cstate="print">
-            <a:extLst>
-              <a:ext uri="{28A0092B-C50C-407E-A947-70E740481C1C}">
-                <a14:useLocalDpi xmlns:a14="http://schemas.microsoft.com/office/drawing/2010/main" val="0"/>
-              </a:ext>
-            </a:extLst>
-          </a:blip>
-          <a:srcRect/>
-          <a:stretch>
-            <a:fillRect/>
-          </a:stretch>
-        </p:blipFill>
-        <p:spPr bwMode="auto">
-          <a:xfrm>
-            <a:off x="6134533" y="5447855"/>
-            <a:ext cx="1388872" cy="701381"/>
-          </a:xfrm>
-          <a:prstGeom prst="rect">
-            <a:avLst/>
-          </a:prstGeom>
-          <a:ln>
-            <a:noFill/>
-          </a:ln>
-          <a:effectLst>
-            <a:softEdge rad="112500"/>
-          </a:effectLst>
-          <a:extLst>
-            <a:ext uri="{909E8E84-426E-40DD-AFC4-6F175D3DCCD1}">
-              <a14:hiddenFill xmlns:a14="http://schemas.microsoft.com/office/drawing/2010/main">
-                <a:solidFill>
-                  <a:srgbClr val="FFFFFF"/>
-                </a:solidFill>
-              </a14:hiddenFill>
-            </a:ext>
-          </a:extLst>
-        </p:spPr>
-      </p:pic>
+            <a:pPr marL="285750" indent="-285750">
+              <a:buFont typeface="Wingdings" pitchFamily="2" charset="2"/>
+              <a:buChar char="Ø"/>
+            </a:pPr>
+            <a:r>
+              <a:rPr lang="en-US" dirty="0">
+                <a:solidFill>
+                  <a:schemeClr val="bg1"/>
+                </a:solidFill>
+                <a:latin typeface="Segoe UI Light" pitchFamily="34" charset="0"/>
+                <a:cs typeface="Segoe UI Light" pitchFamily="34" charset="0"/>
+              </a:rPr>
+              <a:t>Notification</a:t>
+            </a:r>
+            <a:endParaRPr lang="en-US" dirty="0">
+              <a:solidFill>
+                <a:schemeClr val="bg1"/>
+              </a:solidFill>
+              <a:latin typeface="Segoe UI Light" pitchFamily="34" charset="0"/>
+              <a:cs typeface="Segoe UI Light" pitchFamily="34" charset="0"/>
+            </a:endParaRPr>
+          </a:p>
+        </p:txBody>
+      </p:sp>
     </p:spTree>
     <p:extLst>
       <p:ext uri="{BB962C8B-B14F-4D97-AF65-F5344CB8AC3E}">
@@ -13523,16 +13731,115 @@
           </a:p>
         </p:txBody>
       </p:sp>
-      <p:sp>
-        <p:nvSpPr>
-          <p:cNvPr id="4" name="Rectangle 3"/>
+      <p:pic>
+        <p:nvPicPr>
+          <p:cNvPr id="12" name="Picture 11" descr="C:\Users\iLucas\Desktop\logo_fpt_university_doc copy.png"/>
+          <p:cNvPicPr>
+            <a:picLocks noChangeAspect="1" noChangeArrowheads="1"/>
+          </p:cNvPicPr>
+          <p:nvPr/>
+        </p:nvPicPr>
+        <p:blipFill>
+          <a:blip r:embed="rId2" cstate="print">
+            <a:extLst>
+              <a:ext uri="{28A0092B-C50C-407E-A947-70E740481C1C}">
+                <a14:useLocalDpi xmlns:a14="http://schemas.microsoft.com/office/drawing/2010/main" val="0"/>
+              </a:ext>
+            </a:extLst>
+          </a:blip>
+          <a:srcRect/>
+          <a:stretch>
+            <a:fillRect/>
+          </a:stretch>
+        </p:blipFill>
+        <p:spPr bwMode="auto">
+          <a:xfrm>
+            <a:off x="415580" y="66329"/>
+            <a:ext cx="997640" cy="773302"/>
+          </a:xfrm>
+          <a:prstGeom prst="rect">
+            <a:avLst/>
+          </a:prstGeom>
+          <a:noFill/>
+          <a:extLst>
+            <a:ext uri="{909E8E84-426E-40DD-AFC4-6F175D3DCCD1}">
+              <a14:hiddenFill xmlns:a14="http://schemas.microsoft.com/office/drawing/2010/main">
+                <a:solidFill>
+                  <a:srgbClr val="FFFFFF"/>
+                </a:solidFill>
+              </a14:hiddenFill>
+            </a:ext>
+          </a:extLst>
+        </p:spPr>
+      </p:pic>
+      <p:sp>
+        <p:nvSpPr>
+          <p:cNvPr id="22" name="TextBox 21"/>
+          <p:cNvSpPr txBox="1"/>
+          <p:nvPr/>
+        </p:nvSpPr>
+        <p:spPr>
+          <a:xfrm>
+            <a:off x="1828800" y="96028"/>
+            <a:ext cx="3352800" cy="400110"/>
+          </a:xfrm>
+          <a:prstGeom prst="rect">
+            <a:avLst/>
+          </a:prstGeom>
+          <a:noFill/>
+        </p:spPr>
+        <p:txBody>
+          <a:bodyPr wrap="square" rtlCol="0">
+            <a:spAutoFit/>
+          </a:bodyPr>
+          <a:lstStyle/>
+          <a:p>
+            <a:r>
+              <a:rPr lang="en-US" sz="2000" b="1" dirty="0">
+                <a:solidFill>
+                  <a:srgbClr val="7030A0"/>
+                </a:solidFill>
+                <a:latin typeface="Segoe UI Light" panose="020B0502040204020203" pitchFamily="34" charset="0"/>
+                <a:ea typeface="+mj-ea"/>
+                <a:cs typeface="Segoe UI Light" panose="020B0502040204020203" pitchFamily="34" charset="0"/>
+              </a:rPr>
+              <a:t>Group </a:t>
+            </a:r>
+            <a:r>
+              <a:rPr lang="en-US" sz="2000" b="1" dirty="0" smtClean="0">
+                <a:solidFill>
+                  <a:srgbClr val="7030A0"/>
+                </a:solidFill>
+                <a:latin typeface="Segoe UI Light" panose="020B0502040204020203" pitchFamily="34" charset="0"/>
+                <a:ea typeface="+mj-ea"/>
+                <a:cs typeface="Segoe UI Light" panose="020B0502040204020203" pitchFamily="34" charset="0"/>
+              </a:rPr>
+              <a:t>8 - Drop </a:t>
+            </a:r>
+            <a:r>
+              <a:rPr lang="en-US" sz="2000" b="1" dirty="0">
+                <a:solidFill>
+                  <a:srgbClr val="7030A0"/>
+                </a:solidFill>
+                <a:latin typeface="Segoe UI Light" panose="020B0502040204020203" pitchFamily="34" charset="0"/>
+                <a:ea typeface="+mj-ea"/>
+                <a:cs typeface="Segoe UI Light" panose="020B0502040204020203" pitchFamily="34" charset="0"/>
+              </a:rPr>
+              <a:t>It</a:t>
+            </a:r>
+          </a:p>
+        </p:txBody>
+      </p:sp>
+      <p:sp>
+        <p:nvSpPr>
+          <p:cNvPr id="17" name="Rectangle 16"/>
           <p:cNvSpPr/>
           <p:nvPr/>
         </p:nvSpPr>
         <p:spPr>
           <a:xfrm>
             <a:off x="-32467" y="1219200"/>
-            <a:ext cx="1825487" cy="548640"/>
+            <a:ext cx="1822175" cy="548640"/>
           </a:xfrm>
           <a:prstGeom prst="rect">
             <a:avLst/>
@@ -13575,14 +13882,14 @@
       </p:sp>
       <p:sp>
         <p:nvSpPr>
-          <p:cNvPr id="13" name="Rectangle 12"/>
+          <p:cNvPr id="18" name="Rectangle 17"/>
           <p:cNvSpPr/>
           <p:nvPr/>
         </p:nvSpPr>
         <p:spPr>
           <a:xfrm>
-            <a:off x="-32467" y="2494048"/>
-            <a:ext cx="1825487" cy="371072"/>
+            <a:off x="-35780" y="1750544"/>
+            <a:ext cx="1825488" cy="397431"/>
           </a:xfrm>
           <a:prstGeom prst="rect">
             <a:avLst/>
@@ -13631,14 +13938,106 @@
       </p:sp>
       <p:sp>
         <p:nvSpPr>
-          <p:cNvPr id="14" name="Rectangle 13"/>
+          <p:cNvPr id="19" name="TextBox 18"/>
+          <p:cNvSpPr txBox="1"/>
+          <p:nvPr/>
+        </p:nvSpPr>
+        <p:spPr>
+          <a:xfrm>
+            <a:off x="178242" y="1798751"/>
+            <a:ext cx="1524000" cy="369332"/>
+          </a:xfrm>
+          <a:prstGeom prst="rect">
+            <a:avLst/>
+          </a:prstGeom>
+          <a:noFill/>
+        </p:spPr>
+        <p:txBody>
+          <a:bodyPr wrap="square" rtlCol="0">
+            <a:spAutoFit/>
+          </a:bodyPr>
+          <a:lstStyle/>
+          <a:p>
+            <a:pPr marL="285750" indent="-285750">
+              <a:buFont typeface="Wingdings" pitchFamily="2" charset="2"/>
+              <a:buChar char="Ø"/>
+            </a:pPr>
+            <a:r>
+              <a:rPr lang="en-US" dirty="0" smtClean="0">
+                <a:solidFill>
+                  <a:schemeClr val="bg1"/>
+                </a:solidFill>
+                <a:latin typeface="Segoe UI Light" pitchFamily="34" charset="0"/>
+                <a:cs typeface="Segoe UI Light" pitchFamily="34" charset="0"/>
+              </a:rPr>
+              <a:t>Sell Ticket</a:t>
+            </a:r>
+            <a:endParaRPr lang="en-US" dirty="0">
+              <a:solidFill>
+                <a:schemeClr val="bg1"/>
+              </a:solidFill>
+              <a:latin typeface="Segoe UI Light" pitchFamily="34" charset="0"/>
+              <a:cs typeface="Segoe UI Light" pitchFamily="34" charset="0"/>
+            </a:endParaRPr>
+          </a:p>
+        </p:txBody>
+      </p:sp>
+      <p:sp>
+        <p:nvSpPr>
+          <p:cNvPr id="20" name="TextBox 19"/>
+          <p:cNvSpPr txBox="1"/>
+          <p:nvPr/>
+        </p:nvSpPr>
+        <p:spPr>
+          <a:xfrm>
+            <a:off x="178242" y="2911108"/>
+            <a:ext cx="1524000" cy="369332"/>
+          </a:xfrm>
+          <a:prstGeom prst="rect">
+            <a:avLst/>
+          </a:prstGeom>
+          <a:noFill/>
+        </p:spPr>
+        <p:txBody>
+          <a:bodyPr wrap="square" rtlCol="0">
+            <a:spAutoFit/>
+          </a:bodyPr>
+          <a:lstStyle/>
+          <a:p>
+            <a:pPr marL="285750" indent="-285750">
+              <a:buFont typeface="Wingdings" pitchFamily="2" charset="2"/>
+              <a:buChar char="Ø"/>
+            </a:pPr>
+            <a:r>
+              <a:rPr lang="en-US" dirty="0">
+                <a:solidFill>
+                  <a:schemeClr val="bg1"/>
+                </a:solidFill>
+                <a:latin typeface="Segoe UI Light" pitchFamily="34" charset="0"/>
+                <a:cs typeface="Segoe UI Light" pitchFamily="34" charset="0"/>
+              </a:rPr>
+              <a:t>Request</a:t>
+            </a:r>
+            <a:endParaRPr lang="en-US" dirty="0">
+              <a:solidFill>
+                <a:schemeClr val="bg1"/>
+              </a:solidFill>
+              <a:latin typeface="Segoe UI Light" pitchFamily="34" charset="0"/>
+              <a:cs typeface="Segoe UI Light" pitchFamily="34" charset="0"/>
+            </a:endParaRPr>
+          </a:p>
+        </p:txBody>
+      </p:sp>
+      <p:sp>
+        <p:nvSpPr>
+          <p:cNvPr id="21" name="Rectangle 20"/>
           <p:cNvSpPr/>
           <p:nvPr/>
         </p:nvSpPr>
         <p:spPr>
           <a:xfrm>
-            <a:off x="-35780" y="1750544"/>
-            <a:ext cx="1828800" cy="397431"/>
+            <a:off x="-24894" y="2438400"/>
+            <a:ext cx="1814602" cy="581674"/>
           </a:xfrm>
           <a:prstGeom prst="rect">
             <a:avLst/>
@@ -13685,203 +14084,16 @@
           </a:p>
         </p:txBody>
       </p:sp>
-      <p:pic>
-        <p:nvPicPr>
-          <p:cNvPr id="12" name="Picture 11" descr="C:\Users\iLucas\Desktop\logo_fpt_university_doc copy.png"/>
-          <p:cNvPicPr>
-            <a:picLocks noChangeAspect="1" noChangeArrowheads="1"/>
-          </p:cNvPicPr>
-          <p:nvPr/>
-        </p:nvPicPr>
-        <p:blipFill>
-          <a:blip r:embed="rId2" cstate="print">
-            <a:extLst>
-              <a:ext uri="{28A0092B-C50C-407E-A947-70E740481C1C}">
-                <a14:useLocalDpi xmlns:a14="http://schemas.microsoft.com/office/drawing/2010/main" val="0"/>
-              </a:ext>
-            </a:extLst>
-          </a:blip>
-          <a:srcRect/>
-          <a:stretch>
-            <a:fillRect/>
-          </a:stretch>
-        </p:blipFill>
-        <p:spPr bwMode="auto">
-          <a:xfrm>
-            <a:off x="415580" y="66329"/>
-            <a:ext cx="997640" cy="773302"/>
-          </a:xfrm>
-          <a:prstGeom prst="rect">
-            <a:avLst/>
-          </a:prstGeom>
-          <a:noFill/>
-          <a:extLst>
-            <a:ext uri="{909E8E84-426E-40DD-AFC4-6F175D3DCCD1}">
-              <a14:hiddenFill xmlns:a14="http://schemas.microsoft.com/office/drawing/2010/main">
-                <a:solidFill>
-                  <a:srgbClr val="FFFFFF"/>
-                </a:solidFill>
-              </a14:hiddenFill>
-            </a:ext>
-          </a:extLst>
-        </p:spPr>
-      </p:pic>
-      <p:sp>
-        <p:nvSpPr>
-          <p:cNvPr id="5" name="TextBox 4"/>
-          <p:cNvSpPr txBox="1"/>
+      <p:sp>
+        <p:nvSpPr>
+          <p:cNvPr id="25" name="Rectangle 24"/>
+          <p:cNvSpPr/>
           <p:nvPr/>
         </p:nvSpPr>
         <p:spPr>
           <a:xfrm>
-            <a:off x="152400" y="1307471"/>
-            <a:ext cx="1524000" cy="369332"/>
-          </a:xfrm>
-          <a:prstGeom prst="rect">
-            <a:avLst/>
-          </a:prstGeom>
-          <a:noFill/>
-        </p:spPr>
-        <p:txBody>
-          <a:bodyPr wrap="square" rtlCol="0">
-            <a:spAutoFit/>
-          </a:bodyPr>
-          <a:lstStyle/>
-          <a:p>
-            <a:r>
-              <a:rPr lang="en-US" dirty="0" smtClean="0">
-                <a:solidFill>
-                  <a:schemeClr val="bg1"/>
-                </a:solidFill>
-                <a:latin typeface="Segoe UI Light" pitchFamily="34" charset="0"/>
-                <a:cs typeface="Segoe UI Light" pitchFamily="34" charset="0"/>
-              </a:rPr>
-              <a:t>Main Features</a:t>
-            </a:r>
-            <a:endParaRPr lang="en-US" dirty="0">
-              <a:solidFill>
-                <a:schemeClr val="bg1"/>
-              </a:solidFill>
-              <a:latin typeface="Segoe UI Light" pitchFamily="34" charset="0"/>
-              <a:cs typeface="Segoe UI Light" pitchFamily="34" charset="0"/>
-            </a:endParaRPr>
-          </a:p>
-        </p:txBody>
-      </p:sp>
-      <p:sp>
-        <p:nvSpPr>
-          <p:cNvPr id="22" name="TextBox 21"/>
-          <p:cNvSpPr txBox="1"/>
-          <p:nvPr/>
-        </p:nvSpPr>
-        <p:spPr>
-          <a:xfrm>
-            <a:off x="1828800" y="96028"/>
-            <a:ext cx="3352800" cy="400110"/>
-          </a:xfrm>
-          <a:prstGeom prst="rect">
-            <a:avLst/>
-          </a:prstGeom>
-          <a:noFill/>
-        </p:spPr>
-        <p:txBody>
-          <a:bodyPr wrap="square" rtlCol="0">
-            <a:spAutoFit/>
-          </a:bodyPr>
-          <a:lstStyle/>
-          <a:p>
-            <a:r>
-              <a:rPr lang="en-US" sz="2000" b="1" dirty="0">
-                <a:solidFill>
-                  <a:srgbClr val="7030A0"/>
-                </a:solidFill>
-                <a:latin typeface="Segoe UI Light" panose="020B0502040204020203" pitchFamily="34" charset="0"/>
-                <a:ea typeface="+mj-ea"/>
-                <a:cs typeface="Segoe UI Light" panose="020B0502040204020203" pitchFamily="34" charset="0"/>
-              </a:rPr>
-              <a:t>Group </a:t>
-            </a:r>
-            <a:r>
-              <a:rPr lang="en-US" sz="2000" b="1" dirty="0" smtClean="0">
-                <a:solidFill>
-                  <a:srgbClr val="7030A0"/>
-                </a:solidFill>
-                <a:latin typeface="Segoe UI Light" panose="020B0502040204020203" pitchFamily="34" charset="0"/>
-                <a:ea typeface="+mj-ea"/>
-                <a:cs typeface="Segoe UI Light" panose="020B0502040204020203" pitchFamily="34" charset="0"/>
-              </a:rPr>
-              <a:t>8 - Drop </a:t>
-            </a:r>
-            <a:r>
-              <a:rPr lang="en-US" sz="2000" b="1" dirty="0">
-                <a:solidFill>
-                  <a:srgbClr val="7030A0"/>
-                </a:solidFill>
-                <a:latin typeface="Segoe UI Light" panose="020B0502040204020203" pitchFamily="34" charset="0"/>
-                <a:ea typeface="+mj-ea"/>
-                <a:cs typeface="Segoe UI Light" panose="020B0502040204020203" pitchFamily="34" charset="0"/>
-              </a:rPr>
-              <a:t>It</a:t>
-            </a:r>
-          </a:p>
-        </p:txBody>
-      </p:sp>
-      <p:sp>
-        <p:nvSpPr>
-          <p:cNvPr id="6" name="TextBox 5"/>
-          <p:cNvSpPr txBox="1"/>
-          <p:nvPr/>
-        </p:nvSpPr>
-        <p:spPr>
-          <a:xfrm>
-            <a:off x="178242" y="1798751"/>
-            <a:ext cx="1524000" cy="307777"/>
-          </a:xfrm>
-          <a:prstGeom prst="rect">
-            <a:avLst/>
-          </a:prstGeom>
-          <a:noFill/>
-        </p:spPr>
-        <p:txBody>
-          <a:bodyPr wrap="square" rtlCol="0">
-            <a:spAutoFit/>
-          </a:bodyPr>
-          <a:lstStyle/>
-          <a:p>
-            <a:pPr marL="285750" indent="-285750">
-              <a:buFont typeface="Wingdings" pitchFamily="2" charset="2"/>
-              <a:buChar char="Ø"/>
-            </a:pPr>
-            <a:r>
-              <a:rPr lang="en-US" sz="1400" dirty="0" smtClean="0">
-                <a:solidFill>
-                  <a:schemeClr val="bg1"/>
-                </a:solidFill>
-                <a:latin typeface="Segoe UI Light" pitchFamily="34" charset="0"/>
-                <a:cs typeface="Segoe UI Light" pitchFamily="34" charset="0"/>
-              </a:rPr>
-              <a:t>Sell Ticket</a:t>
-            </a:r>
-            <a:endParaRPr lang="en-US" sz="1400" dirty="0">
-              <a:solidFill>
-                <a:schemeClr val="bg1"/>
-              </a:solidFill>
-              <a:latin typeface="Segoe UI Light" pitchFamily="34" charset="0"/>
-              <a:cs typeface="Segoe UI Light" pitchFamily="34" charset="0"/>
-            </a:endParaRPr>
-          </a:p>
-        </p:txBody>
-      </p:sp>
-      <p:sp>
-        <p:nvSpPr>
-          <p:cNvPr id="23" name="Rectangle 22"/>
-          <p:cNvSpPr/>
-          <p:nvPr/>
-        </p:nvSpPr>
-        <p:spPr>
-          <a:xfrm>
-            <a:off x="-32467" y="2142605"/>
-            <a:ext cx="1825487" cy="397431"/>
+            <a:off x="-24893" y="2137546"/>
+            <a:ext cx="1814601" cy="369332"/>
           </a:xfrm>
           <a:prstGeom prst="rect">
             <a:avLst/>
@@ -13930,14 +14142,14 @@
       </p:sp>
       <p:sp>
         <p:nvSpPr>
-          <p:cNvPr id="28" name="TextBox 27"/>
+          <p:cNvPr id="26" name="TextBox 25"/>
           <p:cNvSpPr txBox="1"/>
           <p:nvPr/>
         </p:nvSpPr>
         <p:spPr>
           <a:xfrm>
-            <a:off x="178241" y="2181901"/>
-            <a:ext cx="1524000" cy="307777"/>
+            <a:off x="178242" y="2147974"/>
+            <a:ext cx="1542143" cy="369332"/>
           </a:xfrm>
           <a:prstGeom prst="rect">
             <a:avLst/>
@@ -13955,7 +14167,7 @@
               <a:buChar char="Ø"/>
             </a:pPr>
             <a:r>
-              <a:rPr lang="en-US" sz="1400" dirty="0" smtClean="0">
+              <a:rPr lang="en-US" dirty="0" smtClean="0">
                 <a:solidFill>
                   <a:schemeClr val="bg1"/>
                 </a:solidFill>
@@ -13964,7 +14176,7 @@
               </a:rPr>
               <a:t>Buy Ticket</a:t>
             </a:r>
-            <a:endParaRPr lang="en-US" sz="1400" dirty="0">
+            <a:endParaRPr lang="en-US" dirty="0">
               <a:solidFill>
                 <a:schemeClr val="bg1"/>
               </a:solidFill>
@@ -13976,60 +14188,14 @@
       </p:sp>
       <p:sp>
         <p:nvSpPr>
-          <p:cNvPr id="29" name="TextBox 28"/>
-          <p:cNvSpPr txBox="1"/>
+          <p:cNvPr id="27" name="Rectangle 26"/>
+          <p:cNvSpPr/>
           <p:nvPr/>
         </p:nvSpPr>
         <p:spPr>
           <a:xfrm>
-            <a:off x="178241" y="2494048"/>
-            <a:ext cx="1524000" cy="307777"/>
-          </a:xfrm>
-          <a:prstGeom prst="rect">
-            <a:avLst/>
-          </a:prstGeom>
-          <a:noFill/>
-        </p:spPr>
-        <p:txBody>
-          <a:bodyPr wrap="square" rtlCol="0">
-            <a:spAutoFit/>
-          </a:bodyPr>
-          <a:lstStyle/>
-          <a:p>
-            <a:pPr marL="285750" indent="-285750">
-              <a:buFont typeface="Wingdings" pitchFamily="2" charset="2"/>
-              <a:buChar char="Ø"/>
-            </a:pPr>
-            <a:r>
-              <a:rPr lang="en-US" sz="1400" dirty="0" smtClean="0">
-                <a:solidFill>
-                  <a:schemeClr val="bg1"/>
-                </a:solidFill>
-                <a:latin typeface="Segoe UI Light" pitchFamily="34" charset="0"/>
-                <a:cs typeface="Segoe UI Light" pitchFamily="34" charset="0"/>
-              </a:rPr>
-              <a:t>Notification</a:t>
-            </a:r>
-            <a:endParaRPr lang="en-US" sz="1400" dirty="0">
-              <a:solidFill>
-                <a:schemeClr val="bg1"/>
-              </a:solidFill>
-              <a:latin typeface="Segoe UI Light" pitchFamily="34" charset="0"/>
-              <a:cs typeface="Segoe UI Light" pitchFamily="34" charset="0"/>
-            </a:endParaRPr>
-          </a:p>
-        </p:txBody>
-      </p:sp>
-      <p:sp>
-        <p:nvSpPr>
-          <p:cNvPr id="15" name="Rectangle 14"/>
-          <p:cNvSpPr/>
-          <p:nvPr/>
-        </p:nvSpPr>
-        <p:spPr>
-          <a:xfrm>
-            <a:off x="-32467" y="2847327"/>
-            <a:ext cx="1825488" cy="371072"/>
+            <a:off x="-35780" y="2971800"/>
+            <a:ext cx="1822175" cy="533400"/>
           </a:xfrm>
           <a:prstGeom prst="rect">
             <a:avLst/>
@@ -14076,14 +14242,14 @@
       </p:sp>
       <p:sp>
         <p:nvSpPr>
-          <p:cNvPr id="16" name="TextBox 15"/>
+          <p:cNvPr id="30" name="TextBox 29"/>
           <p:cNvSpPr txBox="1"/>
           <p:nvPr/>
         </p:nvSpPr>
         <p:spPr>
           <a:xfrm>
-            <a:off x="170952" y="2847327"/>
-            <a:ext cx="1524000" cy="307777"/>
+            <a:off x="178243" y="2566181"/>
+            <a:ext cx="1608152" cy="369332"/>
           </a:xfrm>
           <a:prstGeom prst="rect">
             <a:avLst/>
@@ -14101,7 +14267,53 @@
               <a:buChar char="Ø"/>
             </a:pPr>
             <a:r>
-              <a:rPr lang="en-US" sz="1400" dirty="0" smtClean="0">
+              <a:rPr lang="en-US" dirty="0">
+                <a:solidFill>
+                  <a:schemeClr val="bg1"/>
+                </a:solidFill>
+                <a:latin typeface="Segoe UI Light" pitchFamily="34" charset="0"/>
+                <a:cs typeface="Segoe UI Light" pitchFamily="34" charset="0"/>
+              </a:rPr>
+              <a:t>Notification</a:t>
+            </a:r>
+            <a:endParaRPr lang="en-US" dirty="0">
+              <a:solidFill>
+                <a:schemeClr val="bg1"/>
+              </a:solidFill>
+              <a:latin typeface="Segoe UI Light" pitchFamily="34" charset="0"/>
+              <a:cs typeface="Segoe UI Light" pitchFamily="34" charset="0"/>
+            </a:endParaRPr>
+          </a:p>
+        </p:txBody>
+      </p:sp>
+      <p:sp>
+        <p:nvSpPr>
+          <p:cNvPr id="24" name="TextBox 23"/>
+          <p:cNvSpPr txBox="1"/>
+          <p:nvPr/>
+        </p:nvSpPr>
+        <p:spPr>
+          <a:xfrm>
+            <a:off x="185815" y="2999296"/>
+            <a:ext cx="1524000" cy="369332"/>
+          </a:xfrm>
+          <a:prstGeom prst="rect">
+            <a:avLst/>
+          </a:prstGeom>
+          <a:noFill/>
+        </p:spPr>
+        <p:txBody>
+          <a:bodyPr wrap="square" rtlCol="0">
+            <a:spAutoFit/>
+          </a:bodyPr>
+          <a:lstStyle/>
+          <a:p>
+            <a:pPr marL="285750" indent="-285750">
+              <a:buFont typeface="Wingdings" pitchFamily="2" charset="2"/>
+              <a:buChar char="Ø"/>
+            </a:pPr>
+            <a:r>
+              <a:rPr lang="en-US" dirty="0">
                 <a:solidFill>
                   <a:schemeClr val="bg1"/>
                 </a:solidFill>
@@ -14110,7 +14322,7 @@
               </a:rPr>
               <a:t>Request</a:t>
             </a:r>
-            <a:endParaRPr lang="en-US" sz="1400" dirty="0">
+            <a:endParaRPr lang="en-US" dirty="0">
               <a:solidFill>
                 <a:schemeClr val="bg1"/>
               </a:solidFill>
@@ -14400,8 +14612,8 @@
         </p:nvSpPr>
         <p:spPr>
           <a:xfrm>
-            <a:off x="152400" y="2597426"/>
-            <a:ext cx="1600199" cy="707886"/>
+            <a:off x="0" y="2597426"/>
+            <a:ext cx="1752599" cy="769441"/>
           </a:xfrm>
           <a:prstGeom prst="rect">
             <a:avLst/>
@@ -14414,8 +14626,9 @@
           </a:bodyPr>
           <a:lstStyle/>
           <a:p>
-            <a:r>
-              <a:rPr lang="en-US" sz="2000" dirty="0" smtClean="0">
+            <a:pPr algn="ctr"/>
+            <a:r>
+              <a:rPr lang="en-US" sz="2200" b="1" dirty="0" smtClean="0">
                 <a:solidFill>
                   <a:schemeClr val="bg1"/>
                 </a:solidFill>
@@ -14424,7 +14637,7 @@
               </a:rPr>
               <a:t>Technologies &amp; Tools</a:t>
             </a:r>
-            <a:endParaRPr lang="en-US" sz="2400" dirty="0">
+            <a:endParaRPr lang="en-US" sz="2200" b="1" dirty="0">
               <a:solidFill>
                 <a:schemeClr val="bg1"/>
               </a:solidFill>
@@ -15021,8 +15234,8 @@
         </p:nvSpPr>
         <p:spPr>
           <a:xfrm>
-            <a:off x="152400" y="2597426"/>
-            <a:ext cx="1600199" cy="400110"/>
+            <a:off x="0" y="2597426"/>
+            <a:ext cx="1752599" cy="430887"/>
           </a:xfrm>
           <a:prstGeom prst="rect">
             <a:avLst/>
@@ -15036,7 +15249,7 @@
           <a:lstStyle/>
           <a:p>
             <a:r>
-              <a:rPr lang="en-US" sz="2000" dirty="0" smtClean="0">
+              <a:rPr lang="en-US" sz="2200" b="1" dirty="0" smtClean="0">
                 <a:solidFill>
                   <a:schemeClr val="bg1"/>
                 </a:solidFill>
@@ -15045,7 +15258,7 @@
               </a:rPr>
               <a:t>Technologies </a:t>
             </a:r>
-            <a:endParaRPr lang="en-US" sz="2400" dirty="0">
+            <a:endParaRPr lang="en-US" sz="2200" b="1" dirty="0">
               <a:solidFill>
                 <a:schemeClr val="bg1"/>
               </a:solidFill>
@@ -15844,7 +16057,7 @@
         <p:spPr>
           <a:xfrm>
             <a:off x="609600" y="2729587"/>
-            <a:ext cx="971539" cy="400110"/>
+            <a:ext cx="971539" cy="430887"/>
           </a:xfrm>
           <a:prstGeom prst="rect">
             <a:avLst/>
@@ -15858,16 +16071,26 @@
           <a:lstStyle/>
           <a:p>
             <a:r>
-              <a:rPr lang="en-US" sz="2000" dirty="0" smtClean="0">
+              <a:rPr lang="en-US" sz="2200" b="1" dirty="0" smtClean="0">
                 <a:solidFill>
                   <a:schemeClr val="bg1"/>
                 </a:solidFill>
                 <a:latin typeface="Segoe UI Light" pitchFamily="34" charset="0"/>
                 <a:cs typeface="Segoe UI Light" pitchFamily="34" charset="0"/>
               </a:rPr>
-              <a:t>Tools </a:t>
-            </a:r>
-            <a:endParaRPr lang="en-US" sz="2400" dirty="0">
+              <a:t>Tools</a:t>
+            </a:r>
+            <a:r>
+              <a:rPr lang="en-US" sz="2200" dirty="0" smtClean="0">
+                <a:solidFill>
+                  <a:schemeClr val="bg1"/>
+                </a:solidFill>
+                <a:latin typeface="Segoe UI Light" pitchFamily="34" charset="0"/>
+                <a:cs typeface="Segoe UI Light" pitchFamily="34" charset="0"/>
+              </a:rPr>
+              <a:t> </a:t>
+            </a:r>
+            <a:endParaRPr lang="en-US" sz="2200" dirty="0">
               <a:solidFill>
                 <a:schemeClr val="bg1"/>
               </a:solidFill>
@@ -16497,8 +16720,8 @@
         </p:nvSpPr>
         <p:spPr>
           <a:xfrm>
-            <a:off x="152400" y="2597426"/>
-            <a:ext cx="1600199" cy="369332"/>
+            <a:off x="-70139" y="2647890"/>
+            <a:ext cx="1969077" cy="430887"/>
           </a:xfrm>
           <a:prstGeom prst="rect">
             <a:avLst/>
@@ -16512,16 +16735,16 @@
           <a:lstStyle/>
           <a:p>
             <a:r>
-              <a:rPr lang="en-US" dirty="0" smtClean="0">
+              <a:rPr lang="en-US" sz="2200" b="1" dirty="0" smtClean="0">
                 <a:solidFill>
                   <a:schemeClr val="bg1"/>
                 </a:solidFill>
                 <a:latin typeface="Segoe UI Light" pitchFamily="34" charset="0"/>
                 <a:cs typeface="Segoe UI Light" pitchFamily="34" charset="0"/>
               </a:rPr>
-              <a:t>Disadvantage</a:t>
-            </a:r>
-            <a:endParaRPr lang="en-US" sz="2400" dirty="0">
+              <a:t>Disadvantages</a:t>
+            </a:r>
+            <a:endParaRPr lang="en-US" sz="2200" b="1" dirty="0">
               <a:solidFill>
                 <a:schemeClr val="bg1"/>
               </a:solidFill>
@@ -16598,7 +16821,7 @@
         <p:spPr>
           <a:xfrm>
             <a:off x="2286000" y="1219200"/>
-            <a:ext cx="6096000" cy="4216539"/>
+            <a:ext cx="6096000" cy="4154984"/>
           </a:xfrm>
           <a:prstGeom prst="rect">
             <a:avLst/>
@@ -16626,8 +16849,15 @@
                 <a:latin typeface="Segoe UI Light" pitchFamily="34" charset="0"/>
                 <a:cs typeface="Segoe UI Light" pitchFamily="34" charset="0"/>
               </a:rPr>
-              <a:t>Disadvantage</a:t>
-            </a:r>
+              <a:t>Disadvantages</a:t>
+            </a:r>
+            <a:endParaRPr lang="en-US" sz="3200" dirty="0" smtClean="0">
+              <a:solidFill>
+                <a:srgbClr val="7030A0"/>
+              </a:solidFill>
+              <a:latin typeface="Segoe UI Light" pitchFamily="34" charset="0"/>
+              <a:cs typeface="Segoe UI Light" pitchFamily="34" charset="0"/>
+            </a:endParaRPr>
           </a:p>
           <a:p>
             <a:pPr marL="342900" indent="-342900">
@@ -16645,7 +16875,17 @@
                 <a:latin typeface="Segoe UI Light" pitchFamily="34" charset="0"/>
                 <a:cs typeface="Segoe UI Light" pitchFamily="34" charset="0"/>
               </a:rPr>
-              <a:t>Users have to buy 1 ticket/transaction</a:t>
+              <a:t>Customer can only </a:t>
+            </a:r>
+            <a:r>
+              <a:rPr lang="en-US" sz="2400" dirty="0" smtClean="0">
+                <a:solidFill>
+                  <a:srgbClr val="7030A0"/>
+                </a:solidFill>
+                <a:latin typeface="Segoe UI Light" pitchFamily="34" charset="0"/>
+                <a:cs typeface="Segoe UI Light" pitchFamily="34" charset="0"/>
+              </a:rPr>
+              <a:t>buy 1 ticket/transaction</a:t>
             </a:r>
           </a:p>
           <a:p>
@@ -16664,7 +16904,17 @@
                 <a:latin typeface="Segoe UI Light" pitchFamily="34" charset="0"/>
                 <a:cs typeface="Segoe UI Light" pitchFamily="34" charset="0"/>
               </a:rPr>
-              <a:t>Users have to check out through PayPal</a:t>
+              <a:t>Customer have </a:t>
+            </a:r>
+            <a:r>
+              <a:rPr lang="en-US" sz="2400" dirty="0" smtClean="0">
+                <a:solidFill>
+                  <a:srgbClr val="7030A0"/>
+                </a:solidFill>
+                <a:latin typeface="Segoe UI Light" pitchFamily="34" charset="0"/>
+                <a:cs typeface="Segoe UI Light" pitchFamily="34" charset="0"/>
+              </a:rPr>
+              <a:t>to check out through PayPal</a:t>
             </a:r>
           </a:p>
           <a:p>
@@ -16683,8 +16933,15 @@
                 <a:latin typeface="Segoe UI Light" pitchFamily="34" charset="0"/>
                 <a:cs typeface="Segoe UI Light" pitchFamily="34" charset="0"/>
               </a:rPr>
-              <a:t>Have only one role Admin</a:t>
-            </a:r>
+              <a:t>There’s only one Admin manages the system</a:t>
+            </a:r>
+            <a:endParaRPr lang="en-US" sz="2400" dirty="0" smtClean="0">
+              <a:solidFill>
+                <a:srgbClr val="7030A0"/>
+              </a:solidFill>
+              <a:latin typeface="Segoe UI Light" pitchFamily="34" charset="0"/>
+              <a:cs typeface="Segoe UI Light" pitchFamily="34" charset="0"/>
+            </a:endParaRPr>
           </a:p>
           <a:p>
             <a:pPr marL="342900" indent="-342900">
@@ -16702,32 +16959,19 @@
                 <a:latin typeface="Segoe UI Light" pitchFamily="34" charset="0"/>
                 <a:cs typeface="Segoe UI Light" pitchFamily="34" charset="0"/>
               </a:rPr>
-              <a:t>Services only in HCMC</a:t>
-            </a:r>
-            <a:endParaRPr lang="en-US" sz="2400" dirty="0">
-              <a:solidFill>
-                <a:srgbClr val="7030A0"/>
-              </a:solidFill>
-              <a:latin typeface="Segoe UI Light" pitchFamily="34" charset="0"/>
-              <a:cs typeface="Segoe UI Light" pitchFamily="34" charset="0"/>
-            </a:endParaRPr>
-          </a:p>
-          <a:p>
-            <a:pPr>
-              <a:lnSpc>
-                <a:spcPct val="150000"/>
-              </a:lnSpc>
-            </a:pPr>
+              <a:t>Services only in </a:t>
+            </a:r>
+            <a:r>
+              <a:rPr lang="en-US" sz="2400" dirty="0" smtClean="0">
+                <a:solidFill>
+                  <a:srgbClr val="7030A0"/>
+                </a:solidFill>
+                <a:latin typeface="Segoe UI Light" pitchFamily="34" charset="0"/>
+                <a:cs typeface="Segoe UI Light" pitchFamily="34" charset="0"/>
+              </a:rPr>
+              <a:t>HCM City</a:t>
+            </a:r>
             <a:endParaRPr lang="en-US" sz="3200" dirty="0">
-              <a:solidFill>
-                <a:srgbClr val="7030A0"/>
-              </a:solidFill>
-              <a:latin typeface="Segoe UI Light" pitchFamily="34" charset="0"/>
-              <a:cs typeface="Segoe UI Light" pitchFamily="34" charset="0"/>
-            </a:endParaRPr>
-          </a:p>
-          <a:p>
-            <a:endParaRPr lang="en-US" sz="2800" dirty="0">
               <a:solidFill>
                 <a:srgbClr val="7030A0"/>
               </a:solidFill>
@@ -16934,7 +17178,7 @@
           <a:lstStyle/>
           <a:p>
             <a:r>
-              <a:rPr lang="en-US" sz="2000" dirty="0" smtClean="0">
+              <a:rPr lang="en-US" sz="2000" b="1" dirty="0" smtClean="0">
                 <a:solidFill>
                   <a:schemeClr val="bg1"/>
                 </a:solidFill>
@@ -16943,7 +17187,7 @@
               </a:rPr>
               <a:t>Future Plan</a:t>
             </a:r>
-            <a:endParaRPr lang="en-US" sz="2400" dirty="0">
+            <a:endParaRPr lang="en-US" sz="2400" b="1" dirty="0">
               <a:solidFill>
                 <a:schemeClr val="bg1"/>
               </a:solidFill>
@@ -17406,7 +17650,7 @@
         <p:spPr>
           <a:xfrm>
             <a:off x="2019300" y="706011"/>
-            <a:ext cx="3238500" cy="2123658"/>
+            <a:ext cx="3238500" cy="2277547"/>
           </a:xfrm>
           <a:prstGeom prst="rect">
             <a:avLst/>
@@ -17430,7 +17674,7 @@
               <a:buChar char="■"/>
             </a:pPr>
             <a:r>
-              <a:rPr lang="en-US" sz="1600" dirty="0" err="1" smtClean="0">
+              <a:rPr lang="en-US" dirty="0" err="1" smtClean="0">
                 <a:solidFill>
                   <a:schemeClr val="tx1">
                     <a:lumMod val="75000"/>
@@ -17443,7 +17687,7 @@
               <a:t>Lê</a:t>
             </a:r>
             <a:r>
-              <a:rPr lang="en-US" sz="1600" dirty="0" smtClean="0">
+              <a:rPr lang="en-US" dirty="0" smtClean="0">
                 <a:solidFill>
                   <a:schemeClr val="tx1">
                     <a:lumMod val="75000"/>
@@ -17456,7 +17700,7 @@
               <a:t> </a:t>
             </a:r>
             <a:r>
-              <a:rPr lang="en-US" sz="1600" dirty="0" err="1" smtClean="0">
+              <a:rPr lang="en-US" dirty="0" err="1" smtClean="0">
                 <a:solidFill>
                   <a:schemeClr val="tx1">
                     <a:lumMod val="75000"/>
@@ -17469,7 +17713,7 @@
               <a:t>Khôi</a:t>
             </a:r>
             <a:r>
-              <a:rPr lang="en-US" sz="1600" dirty="0" smtClean="0">
+              <a:rPr lang="en-US" dirty="0" smtClean="0">
                 <a:solidFill>
                   <a:schemeClr val="tx1">
                     <a:lumMod val="75000"/>
@@ -17482,7 +17726,7 @@
               <a:t> </a:t>
             </a:r>
             <a:r>
-              <a:rPr lang="en-US" sz="1600" dirty="0" err="1" smtClean="0">
+              <a:rPr lang="en-US" dirty="0" err="1" smtClean="0">
                 <a:solidFill>
                   <a:schemeClr val="tx1">
                     <a:lumMod val="75000"/>
@@ -17494,7 +17738,7 @@
               </a:rPr>
               <a:t>Phong</a:t>
             </a:r>
-            <a:endParaRPr lang="en-US" sz="1600" dirty="0" smtClean="0">
+            <a:endParaRPr lang="en-US" dirty="0" smtClean="0">
               <a:solidFill>
                 <a:schemeClr val="tx1">
                   <a:lumMod val="75000"/>
@@ -17517,7 +17761,7 @@
               <a:buChar char="§"/>
             </a:pPr>
             <a:r>
-              <a:rPr lang="en-US" sz="1400" dirty="0" smtClean="0">
+              <a:rPr lang="en-US" sz="1600" dirty="0" smtClean="0">
                 <a:solidFill>
                   <a:schemeClr val="tx1">
                     <a:lumMod val="75000"/>
@@ -17542,7 +17786,7 @@
               <a:buChar char="§"/>
             </a:pPr>
             <a:r>
-              <a:rPr lang="en-US" sz="1400" dirty="0" smtClean="0">
+              <a:rPr lang="en-US" sz="1600" dirty="0" smtClean="0">
                 <a:solidFill>
                   <a:schemeClr val="tx1">
                     <a:lumMod val="75000"/>
@@ -17567,7 +17811,7 @@
               <a:buChar char="§"/>
             </a:pPr>
             <a:r>
-              <a:rPr lang="en-US" sz="1400" dirty="0" smtClean="0">
+              <a:rPr lang="en-US" sz="1600" dirty="0" smtClean="0">
                 <a:solidFill>
                   <a:schemeClr val="tx1">
                     <a:lumMod val="75000"/>
@@ -17592,7 +17836,7 @@
               <a:buChar char="§"/>
             </a:pPr>
             <a:r>
-              <a:rPr lang="en-US" sz="1400" dirty="0" smtClean="0">
+              <a:rPr lang="en-US" sz="1600" dirty="0" smtClean="0">
                 <a:solidFill>
                   <a:schemeClr val="tx1">
                     <a:lumMod val="75000"/>
@@ -17604,7 +17848,7 @@
               </a:rPr>
               <a:t>Tester</a:t>
             </a:r>
-            <a:endParaRPr lang="en-US" sz="1400" dirty="0">
+            <a:endParaRPr lang="en-US" sz="1600" dirty="0">
               <a:solidFill>
                 <a:schemeClr val="tx1">
                   <a:lumMod val="75000"/>
@@ -17685,8 +17929,8 @@
         </p:nvSpPr>
         <p:spPr>
           <a:xfrm>
-            <a:off x="228600" y="1307471"/>
-            <a:ext cx="1524000" cy="369332"/>
+            <a:off x="3313" y="1307471"/>
+            <a:ext cx="1749287" cy="430887"/>
           </a:xfrm>
           <a:prstGeom prst="rect">
             <a:avLst/>
@@ -17700,7 +17944,7 @@
           <a:lstStyle/>
           <a:p>
             <a:r>
-              <a:rPr lang="en-US" dirty="0" smtClean="0">
+              <a:rPr lang="en-US" sz="2200" dirty="0" smtClean="0">
                 <a:solidFill>
                   <a:schemeClr val="bg1"/>
                 </a:solidFill>
@@ -17709,7 +17953,7 @@
               </a:rPr>
               <a:t>Introduction</a:t>
             </a:r>
-            <a:endParaRPr lang="en-US" dirty="0">
+            <a:endParaRPr lang="en-US" sz="2200" dirty="0">
               <a:solidFill>
                 <a:schemeClr val="bg1"/>
               </a:solidFill>
@@ -17785,8 +18029,8 @@
         </p:nvSpPr>
         <p:spPr>
           <a:xfrm>
-            <a:off x="216010" y="1798751"/>
-            <a:ext cx="1524000" cy="307777"/>
+            <a:off x="3313" y="1798751"/>
+            <a:ext cx="1736697" cy="369332"/>
           </a:xfrm>
           <a:prstGeom prst="rect">
             <a:avLst/>
@@ -17804,7 +18048,7 @@
               <a:buChar char="Ø"/>
             </a:pPr>
             <a:r>
-              <a:rPr lang="en-US" sz="1400" dirty="0">
+              <a:rPr lang="en-US" dirty="0">
                 <a:solidFill>
                   <a:schemeClr val="bg1"/>
                 </a:solidFill>
@@ -17992,8 +18236,8 @@
         </p:nvSpPr>
         <p:spPr>
           <a:xfrm>
-            <a:off x="228600" y="2196182"/>
-            <a:ext cx="1524000" cy="307777"/>
+            <a:off x="3313" y="2196182"/>
+            <a:ext cx="1749287" cy="369332"/>
           </a:xfrm>
           <a:prstGeom prst="rect">
             <a:avLst/>
@@ -18011,7 +18255,7 @@
               <a:buChar char="Ø"/>
             </a:pPr>
             <a:r>
-              <a:rPr lang="en-US" sz="1400" dirty="0" err="1" smtClean="0">
+              <a:rPr lang="en-US" dirty="0" err="1">
                 <a:solidFill>
                   <a:schemeClr val="bg1"/>
                 </a:solidFill>
@@ -18020,7 +18264,7 @@
               </a:rPr>
               <a:t>Ticket.St</a:t>
             </a:r>
-            <a:endParaRPr lang="en-US" sz="1400" dirty="0">
+            <a:endParaRPr lang="en-US" dirty="0">
               <a:solidFill>
                 <a:schemeClr val="bg1"/>
               </a:solidFill>
@@ -18038,8 +18282,8 @@
         </p:nvSpPr>
         <p:spPr>
           <a:xfrm>
-            <a:off x="228600" y="2593613"/>
-            <a:ext cx="1524000" cy="307777"/>
+            <a:off x="3313" y="2593613"/>
+            <a:ext cx="1749287" cy="369332"/>
           </a:xfrm>
           <a:prstGeom prst="rect">
             <a:avLst/>
@@ -18057,7 +18301,7 @@
               <a:buChar char="Ø"/>
             </a:pPr>
             <a:r>
-              <a:rPr lang="en-US" sz="1400" dirty="0" smtClean="0">
+              <a:rPr lang="en-US" dirty="0">
                 <a:solidFill>
                   <a:schemeClr val="bg1"/>
                 </a:solidFill>
@@ -18066,7 +18310,7 @@
               </a:rPr>
               <a:t>Problem</a:t>
             </a:r>
-            <a:endParaRPr lang="en-US" sz="1400" dirty="0">
+            <a:endParaRPr lang="en-US" dirty="0">
               <a:solidFill>
                 <a:schemeClr val="bg1"/>
               </a:solidFill>
@@ -18084,8 +18328,8 @@
         </p:nvSpPr>
         <p:spPr>
           <a:xfrm>
-            <a:off x="228600" y="2971425"/>
-            <a:ext cx="1524000" cy="307777"/>
+            <a:off x="3313" y="2971425"/>
+            <a:ext cx="1749287" cy="369332"/>
           </a:xfrm>
           <a:prstGeom prst="rect">
             <a:avLst/>
@@ -18103,7 +18347,7 @@
               <a:buChar char="Ø"/>
             </a:pPr>
             <a:r>
-              <a:rPr lang="en-US" sz="1400" dirty="0" smtClean="0">
+              <a:rPr lang="en-US" dirty="0">
                 <a:solidFill>
                   <a:schemeClr val="bg1"/>
                 </a:solidFill>
@@ -18112,7 +18356,7 @@
               </a:rPr>
               <a:t>Our Proposal</a:t>
             </a:r>
-            <a:endParaRPr lang="en-US" sz="1400" dirty="0">
+            <a:endParaRPr lang="en-US" dirty="0">
               <a:solidFill>
                 <a:schemeClr val="bg1"/>
               </a:solidFill>
@@ -18131,7 +18375,7 @@
         <p:spPr>
           <a:xfrm>
             <a:off x="5181600" y="777731"/>
-            <a:ext cx="3238500" cy="1815882"/>
+            <a:ext cx="3238500" cy="1877437"/>
           </a:xfrm>
           <a:prstGeom prst="rect">
             <a:avLst/>
@@ -18155,7 +18399,7 @@
               <a:buChar char="■"/>
             </a:pPr>
             <a:r>
-              <a:rPr lang="en-US" sz="1600" dirty="0" err="1" smtClean="0">
+              <a:rPr lang="en-US" dirty="0" err="1" smtClean="0">
                 <a:solidFill>
                   <a:schemeClr val="tx1">
                     <a:lumMod val="75000"/>
@@ -18168,7 +18412,7 @@
               <a:t>Công</a:t>
             </a:r>
             <a:r>
-              <a:rPr lang="en-US" sz="1600" dirty="0" smtClean="0">
+              <a:rPr lang="en-US" dirty="0" smtClean="0">
                 <a:solidFill>
                   <a:schemeClr val="tx1">
                     <a:lumMod val="75000"/>
@@ -18181,7 +18425,7 @@
               <a:t> Minh </a:t>
             </a:r>
             <a:r>
-              <a:rPr lang="en-US" sz="1600" dirty="0" err="1" smtClean="0">
+              <a:rPr lang="en-US" dirty="0" err="1" smtClean="0">
                 <a:solidFill>
                   <a:schemeClr val="tx1">
                     <a:lumMod val="75000"/>
@@ -18193,7 +18437,7 @@
               </a:rPr>
               <a:t>Hiếu</a:t>
             </a:r>
-            <a:endParaRPr lang="en-US" sz="1600" dirty="0" smtClean="0">
+            <a:endParaRPr lang="en-US" dirty="0" smtClean="0">
               <a:solidFill>
                 <a:schemeClr val="tx1">
                   <a:lumMod val="75000"/>
@@ -18216,7 +18460,7 @@
               <a:buChar char="§"/>
             </a:pPr>
             <a:r>
-              <a:rPr lang="en-US" sz="1400" dirty="0" smtClean="0">
+              <a:rPr lang="en-US" sz="1600" dirty="0" smtClean="0">
                 <a:solidFill>
                   <a:schemeClr val="tx1">
                     <a:lumMod val="75000"/>
@@ -18241,7 +18485,7 @@
               <a:buChar char="§"/>
             </a:pPr>
             <a:r>
-              <a:rPr lang="en-US" sz="1400" dirty="0" smtClean="0">
+              <a:rPr lang="en-US" sz="1600" dirty="0" smtClean="0">
                 <a:solidFill>
                   <a:schemeClr val="tx1">
                     <a:lumMod val="75000"/>
@@ -18266,7 +18510,7 @@
               <a:buChar char="§"/>
             </a:pPr>
             <a:r>
-              <a:rPr lang="en-US" sz="1400" dirty="0" smtClean="0">
+              <a:rPr lang="en-US" sz="1600" dirty="0" smtClean="0">
                 <a:solidFill>
                   <a:schemeClr val="tx1">
                     <a:lumMod val="75000"/>
@@ -18278,7 +18522,7 @@
               </a:rPr>
               <a:t>Tester</a:t>
             </a:r>
-            <a:endParaRPr lang="en-US" sz="1400" dirty="0">
+            <a:endParaRPr lang="en-US" sz="1600" dirty="0">
               <a:solidFill>
                 <a:schemeClr val="tx1">
                   <a:lumMod val="75000"/>
@@ -18319,7 +18563,7 @@
         <p:spPr>
           <a:xfrm>
             <a:off x="2019300" y="2661625"/>
-            <a:ext cx="2709738" cy="1754326"/>
+            <a:ext cx="2709738" cy="1877437"/>
           </a:xfrm>
           <a:prstGeom prst="rect">
             <a:avLst/>
@@ -18343,7 +18587,7 @@
               <a:buChar char="■"/>
             </a:pPr>
             <a:r>
-              <a:rPr lang="en-US" sz="1600" dirty="0" err="1" smtClean="0">
+              <a:rPr lang="en-US" dirty="0" err="1" smtClean="0">
                 <a:solidFill>
                   <a:schemeClr val="tx1">
                     <a:lumMod val="75000"/>
@@ -18356,7 +18600,7 @@
               <a:t>Đào</a:t>
             </a:r>
             <a:r>
-              <a:rPr lang="en-US" sz="1600" dirty="0" smtClean="0">
+              <a:rPr lang="en-US" dirty="0" smtClean="0">
                 <a:solidFill>
                   <a:schemeClr val="tx1">
                     <a:lumMod val="75000"/>
@@ -18369,7 +18613,7 @@
               <a:t> </a:t>
             </a:r>
             <a:r>
-              <a:rPr lang="en-US" sz="1600" dirty="0" err="1" smtClean="0">
+              <a:rPr lang="en-US" dirty="0" err="1" smtClean="0">
                 <a:solidFill>
                   <a:schemeClr val="tx1">
                     <a:lumMod val="75000"/>
@@ -18382,7 +18626,7 @@
               <a:t>Như</a:t>
             </a:r>
             <a:r>
-              <a:rPr lang="en-US" sz="1600" dirty="0" smtClean="0">
+              <a:rPr lang="en-US" dirty="0" smtClean="0">
                 <a:solidFill>
                   <a:schemeClr val="tx1">
                     <a:lumMod val="75000"/>
@@ -18395,7 +18639,7 @@
               <a:t> </a:t>
             </a:r>
             <a:r>
-              <a:rPr lang="en-US" sz="1600" dirty="0" err="1" smtClean="0">
+              <a:rPr lang="en-US" dirty="0" err="1" smtClean="0">
                 <a:solidFill>
                   <a:schemeClr val="tx1">
                     <a:lumMod val="75000"/>
@@ -18407,7 +18651,7 @@
               </a:rPr>
               <a:t>Tùng</a:t>
             </a:r>
-            <a:endParaRPr lang="en-US" sz="1600" dirty="0" smtClean="0">
+            <a:endParaRPr lang="en-US" dirty="0" smtClean="0">
               <a:solidFill>
                 <a:schemeClr val="tx1">
                   <a:lumMod val="75000"/>
@@ -18430,7 +18674,7 @@
               <a:buChar char="§"/>
             </a:pPr>
             <a:r>
-              <a:rPr lang="en-US" sz="1400" dirty="0">
+              <a:rPr lang="en-US" sz="1600" dirty="0">
                 <a:solidFill>
                   <a:schemeClr val="tx1">
                     <a:lumMod val="75000"/>
@@ -18455,7 +18699,7 @@
               <a:buChar char="§"/>
             </a:pPr>
             <a:r>
-              <a:rPr lang="en-US" sz="1400" dirty="0" smtClean="0">
+              <a:rPr lang="en-US" sz="1600" dirty="0" smtClean="0">
                 <a:solidFill>
                   <a:schemeClr val="tx1">
                     <a:lumMod val="75000"/>
@@ -18480,7 +18724,7 @@
               <a:buChar char="§"/>
             </a:pPr>
             <a:r>
-              <a:rPr lang="en-US" sz="1400" dirty="0" smtClean="0">
+              <a:rPr lang="en-US" sz="1600" dirty="0" smtClean="0">
                 <a:solidFill>
                   <a:schemeClr val="tx1">
                     <a:lumMod val="75000"/>
@@ -18492,7 +18736,7 @@
               </a:rPr>
               <a:t>Tester</a:t>
             </a:r>
-            <a:endParaRPr lang="en-US" sz="1400" dirty="0">
+            <a:endParaRPr lang="en-US" sz="1600" dirty="0">
               <a:solidFill>
                 <a:schemeClr val="tx1">
                   <a:lumMod val="75000"/>
@@ -18532,8 +18776,8 @@
         </p:nvSpPr>
         <p:spPr>
           <a:xfrm>
-            <a:off x="5237259" y="2759781"/>
-            <a:ext cx="2590800" cy="1754326"/>
+            <a:off x="5257800" y="2759781"/>
+            <a:ext cx="2819400" cy="1877437"/>
           </a:xfrm>
           <a:prstGeom prst="rect">
             <a:avLst/>
@@ -18557,7 +18801,7 @@
               <a:buChar char="■"/>
             </a:pPr>
             <a:r>
-              <a:rPr lang="en-US" sz="1600" dirty="0" err="1" smtClean="0">
+              <a:rPr lang="en-US" dirty="0" err="1" smtClean="0">
                 <a:solidFill>
                   <a:schemeClr val="tx1">
                     <a:lumMod val="75000"/>
@@ -18570,7 +18814,7 @@
               <a:t>Nguyễn</a:t>
             </a:r>
             <a:r>
-              <a:rPr lang="en-US" sz="1600" dirty="0" smtClean="0">
+              <a:rPr lang="en-US" dirty="0" smtClean="0">
                 <a:solidFill>
                   <a:schemeClr val="tx1">
                     <a:lumMod val="75000"/>
@@ -18583,7 +18827,7 @@
               <a:t> </a:t>
             </a:r>
             <a:r>
-              <a:rPr lang="en-US" sz="1600" dirty="0" err="1" smtClean="0">
+              <a:rPr lang="en-US" dirty="0" err="1" smtClean="0">
                 <a:solidFill>
                   <a:schemeClr val="tx1">
                     <a:lumMod val="75000"/>
@@ -18596,7 +18840,7 @@
               <a:t>Thanh</a:t>
             </a:r>
             <a:r>
-              <a:rPr lang="en-US" sz="1600" dirty="0" smtClean="0">
+              <a:rPr lang="en-US" dirty="0" smtClean="0">
                 <a:solidFill>
                   <a:schemeClr val="tx1">
                     <a:lumMod val="75000"/>
@@ -18609,7 +18853,7 @@
               <a:t> </a:t>
             </a:r>
             <a:r>
-              <a:rPr lang="en-US" sz="1600" dirty="0" err="1" smtClean="0">
+              <a:rPr lang="en-US" dirty="0" err="1" smtClean="0">
                 <a:solidFill>
                   <a:schemeClr val="tx1">
                     <a:lumMod val="75000"/>
@@ -18621,7 +18865,7 @@
               </a:rPr>
               <a:t>Tùng</a:t>
             </a:r>
-            <a:endParaRPr lang="en-US" sz="1600" dirty="0" smtClean="0">
+            <a:endParaRPr lang="en-US" dirty="0" smtClean="0">
               <a:solidFill>
                 <a:schemeClr val="tx1">
                   <a:lumMod val="75000"/>
@@ -18644,7 +18888,7 @@
               <a:buChar char="§"/>
             </a:pPr>
             <a:r>
-              <a:rPr lang="en-US" sz="1400" dirty="0" smtClean="0">
+              <a:rPr lang="en-US" sz="1600" dirty="0" smtClean="0">
                 <a:solidFill>
                   <a:schemeClr val="tx1">
                     <a:lumMod val="75000"/>
@@ -18669,7 +18913,7 @@
               <a:buChar char="§"/>
             </a:pPr>
             <a:r>
-              <a:rPr lang="en-US" sz="1400" dirty="0" smtClean="0">
+              <a:rPr lang="en-US" sz="1600" dirty="0" smtClean="0">
                 <a:solidFill>
                   <a:schemeClr val="tx1">
                     <a:lumMod val="75000"/>
@@ -18694,7 +18938,7 @@
               <a:buChar char="§"/>
             </a:pPr>
             <a:r>
-              <a:rPr lang="en-US" sz="1400" dirty="0" smtClean="0">
+              <a:rPr lang="en-US" sz="1600" dirty="0" smtClean="0">
                 <a:solidFill>
                   <a:schemeClr val="tx1">
                     <a:lumMod val="75000"/>
@@ -18706,7 +18950,7 @@
               </a:rPr>
               <a:t>Tester</a:t>
             </a:r>
-            <a:endParaRPr lang="en-US" sz="1400" dirty="0">
+            <a:endParaRPr lang="en-US" sz="1600" dirty="0">
               <a:solidFill>
                 <a:schemeClr val="tx1">
                   <a:lumMod val="75000"/>
@@ -18747,7 +18991,7 @@
         <p:spPr>
           <a:xfrm>
             <a:off x="2019300" y="4419600"/>
-            <a:ext cx="2709738" cy="1754326"/>
+            <a:ext cx="2709738" cy="1877437"/>
           </a:xfrm>
           <a:prstGeom prst="rect">
             <a:avLst/>
@@ -18771,7 +19015,7 @@
               <a:buChar char="■"/>
             </a:pPr>
             <a:r>
-              <a:rPr lang="en-US" sz="1600" dirty="0" err="1" smtClean="0">
+              <a:rPr lang="en-US" dirty="0" err="1" smtClean="0">
                 <a:solidFill>
                   <a:schemeClr val="tx1">
                     <a:lumMod val="75000"/>
@@ -18784,7 +19028,7 @@
               <a:t>Đặng</a:t>
             </a:r>
             <a:r>
-              <a:rPr lang="en-US" sz="1600" dirty="0" smtClean="0">
+              <a:rPr lang="en-US" dirty="0" smtClean="0">
                 <a:solidFill>
                   <a:schemeClr val="tx1">
                     <a:lumMod val="75000"/>
@@ -18797,7 +19041,7 @@
               <a:t> </a:t>
             </a:r>
             <a:r>
-              <a:rPr lang="en-US" sz="1600" dirty="0" err="1" smtClean="0">
+              <a:rPr lang="en-US" dirty="0" err="1" smtClean="0">
                 <a:solidFill>
                   <a:schemeClr val="tx1">
                     <a:lumMod val="75000"/>
@@ -18810,7 +19054,7 @@
               <a:t>Quốc</a:t>
             </a:r>
             <a:r>
-              <a:rPr lang="en-US" sz="1600" dirty="0" smtClean="0">
+              <a:rPr lang="en-US" dirty="0" smtClean="0">
                 <a:solidFill>
                   <a:schemeClr val="tx1">
                     <a:lumMod val="75000"/>
@@ -18823,7 +19067,7 @@
               <a:t> </a:t>
             </a:r>
             <a:r>
-              <a:rPr lang="en-US" sz="1600" dirty="0" err="1" smtClean="0">
+              <a:rPr lang="en-US" dirty="0" err="1" smtClean="0">
                 <a:solidFill>
                   <a:schemeClr val="tx1">
                     <a:lumMod val="75000"/>
@@ -18835,7 +19079,7 @@
               </a:rPr>
               <a:t>Duy</a:t>
             </a:r>
-            <a:endParaRPr lang="en-US" sz="1600" dirty="0" smtClean="0">
+            <a:endParaRPr lang="en-US" dirty="0" smtClean="0">
               <a:solidFill>
                 <a:schemeClr val="tx1">
                   <a:lumMod val="75000"/>
@@ -18858,7 +19102,7 @@
               <a:buChar char="§"/>
             </a:pPr>
             <a:r>
-              <a:rPr lang="en-US" sz="1400" dirty="0">
+              <a:rPr lang="en-US" sz="1600" dirty="0">
                 <a:solidFill>
                   <a:schemeClr val="tx1">
                     <a:lumMod val="75000"/>
@@ -18883,7 +19127,7 @@
               <a:buChar char="§"/>
             </a:pPr>
             <a:r>
-              <a:rPr lang="en-US" sz="1400" dirty="0" smtClean="0">
+              <a:rPr lang="en-US" sz="1600" dirty="0" smtClean="0">
                 <a:solidFill>
                   <a:schemeClr val="tx1">
                     <a:lumMod val="75000"/>
@@ -18908,7 +19152,7 @@
               <a:buChar char="§"/>
             </a:pPr>
             <a:r>
-              <a:rPr lang="en-US" sz="1400" dirty="0" smtClean="0">
+              <a:rPr lang="en-US" sz="1600" dirty="0" smtClean="0">
                 <a:solidFill>
                   <a:schemeClr val="tx1">
                     <a:lumMod val="75000"/>
@@ -18920,7 +19164,7 @@
               </a:rPr>
               <a:t>Tester</a:t>
             </a:r>
-            <a:endParaRPr lang="en-US" sz="1400" dirty="0">
+            <a:endParaRPr lang="en-US" sz="1600" dirty="0">
               <a:solidFill>
                 <a:schemeClr val="tx1">
                   <a:lumMod val="75000"/>
@@ -19331,7 +19575,7 @@
               <a:buAutoNum type="arabicPeriod"/>
             </a:pPr>
             <a:r>
-              <a:rPr lang="en-US" sz="4000" dirty="0" smtClean="0">
+              <a:rPr lang="en-US" sz="4000" b="1" dirty="0" smtClean="0">
                 <a:solidFill>
                   <a:srgbClr val="7030A0"/>
                 </a:solidFill>
@@ -19347,7 +19591,7 @@
               <a:buAutoNum type="arabicPeriod"/>
             </a:pPr>
             <a:r>
-              <a:rPr lang="en-US" sz="4000" dirty="0" smtClean="0">
+              <a:rPr lang="en-US" sz="4000" b="1" dirty="0" smtClean="0">
                 <a:solidFill>
                   <a:srgbClr val="7030A0"/>
                 </a:solidFill>
@@ -19356,7 +19600,7 @@
               </a:rPr>
               <a:t>Drop It Project</a:t>
             </a:r>
-            <a:endParaRPr lang="en-US" sz="4000" dirty="0">
+            <a:endParaRPr lang="en-US" sz="4000" b="1" dirty="0">
               <a:solidFill>
                 <a:srgbClr val="7030A0"/>
               </a:solidFill>
@@ -19370,7 +19614,7 @@
               <a:buAutoNum type="arabicPeriod"/>
             </a:pPr>
             <a:r>
-              <a:rPr lang="en-US" sz="4000" dirty="0">
+              <a:rPr lang="en-US" sz="4000" b="1" dirty="0">
                 <a:solidFill>
                   <a:srgbClr val="7030A0"/>
                 </a:solidFill>
@@ -19386,7 +19630,7 @@
               <a:buAutoNum type="arabicPeriod"/>
             </a:pPr>
             <a:r>
-              <a:rPr lang="en-US" sz="4000" dirty="0" smtClean="0">
+              <a:rPr lang="en-US" sz="4000" b="1" dirty="0" smtClean="0">
                 <a:solidFill>
                   <a:srgbClr val="7030A0"/>
                 </a:solidFill>
@@ -19395,7 +19639,7 @@
               </a:rPr>
               <a:t>Demo</a:t>
             </a:r>
-            <a:endParaRPr lang="en-US" sz="4000" dirty="0">
+            <a:endParaRPr lang="en-US" sz="4000" b="1" dirty="0">
               <a:solidFill>
                 <a:srgbClr val="7030A0"/>
               </a:solidFill>
@@ -19409,7 +19653,7 @@
               <a:buAutoNum type="arabicPeriod"/>
             </a:pPr>
             <a:r>
-              <a:rPr lang="en-US" sz="4000" dirty="0">
+              <a:rPr lang="en-US" sz="4000" b="1" dirty="0">
                 <a:solidFill>
                   <a:srgbClr val="7030A0"/>
                 </a:solidFill>
@@ -19419,7 +19663,7 @@
               <a:t>Disadvantages &amp; </a:t>
             </a:r>
             <a:r>
-              <a:rPr lang="en-US" sz="4000" dirty="0" smtClean="0">
+              <a:rPr lang="en-US" sz="4000" b="1" dirty="0" smtClean="0">
                 <a:solidFill>
                   <a:srgbClr val="7030A0"/>
                 </a:solidFill>
@@ -19435,7 +19679,7 @@
               <a:buAutoNum type="arabicPeriod"/>
             </a:pPr>
             <a:r>
-              <a:rPr lang="en-US" sz="4000" dirty="0" smtClean="0">
+              <a:rPr lang="en-US" sz="4000" b="1" dirty="0" smtClean="0">
                 <a:solidFill>
                   <a:srgbClr val="7030A0"/>
                 </a:solidFill>
@@ -19444,7 +19688,7 @@
               </a:rPr>
               <a:t>Q&amp;A</a:t>
             </a:r>
-            <a:endParaRPr lang="en-US" sz="4000" dirty="0">
+            <a:endParaRPr lang="en-US" sz="4000" b="1" dirty="0">
               <a:solidFill>
                 <a:srgbClr val="7030A0"/>
               </a:solidFill>
@@ -19503,8 +19747,8 @@
         </p:nvSpPr>
         <p:spPr>
           <a:xfrm>
-            <a:off x="239999" y="2610678"/>
-            <a:ext cx="1348802" cy="461665"/>
+            <a:off x="119999" y="2637813"/>
+            <a:ext cx="1588801" cy="523220"/>
           </a:xfrm>
           <a:prstGeom prst="rect">
             <a:avLst/>
@@ -19518,7 +19762,7 @@
           <a:lstStyle/>
           <a:p>
             <a:r>
-              <a:rPr lang="en-US" sz="2400" dirty="0">
+              <a:rPr lang="en-US" sz="2800" dirty="0">
                 <a:solidFill>
                   <a:schemeClr val="bg1"/>
                 </a:solidFill>
@@ -20139,8 +20383,8 @@
         </p:nvSpPr>
         <p:spPr>
           <a:xfrm>
-            <a:off x="228600" y="1307471"/>
-            <a:ext cx="1524000" cy="369332"/>
+            <a:off x="3313" y="1307471"/>
+            <a:ext cx="1749287" cy="430887"/>
           </a:xfrm>
           <a:prstGeom prst="rect">
             <a:avLst/>
@@ -20154,7 +20398,7 @@
           <a:lstStyle/>
           <a:p>
             <a:r>
-              <a:rPr lang="en-US" dirty="0" smtClean="0">
+              <a:rPr lang="en-US" sz="2200" dirty="0" smtClean="0">
                 <a:solidFill>
                   <a:schemeClr val="bg1"/>
                 </a:solidFill>
@@ -20163,7 +20407,7 @@
               </a:rPr>
               <a:t>Introduction</a:t>
             </a:r>
-            <a:endParaRPr lang="en-US" dirty="0">
+            <a:endParaRPr lang="en-US" sz="2200" dirty="0">
               <a:solidFill>
                 <a:schemeClr val="bg1"/>
               </a:solidFill>
@@ -20181,8 +20425,8 @@
         </p:nvSpPr>
         <p:spPr>
           <a:xfrm>
-            <a:off x="216010" y="1798751"/>
-            <a:ext cx="1524000" cy="307777"/>
+            <a:off x="3313" y="1798751"/>
+            <a:ext cx="1736697" cy="369332"/>
           </a:xfrm>
           <a:prstGeom prst="rect">
             <a:avLst/>
@@ -20200,7 +20444,7 @@
               <a:buChar char="Ø"/>
             </a:pPr>
             <a:r>
-              <a:rPr lang="en-US" sz="1400" dirty="0">
+              <a:rPr lang="en-US" dirty="0">
                 <a:solidFill>
                   <a:schemeClr val="bg1"/>
                 </a:solidFill>
@@ -20386,8 +20630,8 @@
         </p:nvSpPr>
         <p:spPr>
           <a:xfrm>
-            <a:off x="228600" y="2196182"/>
-            <a:ext cx="1524000" cy="307777"/>
+            <a:off x="3313" y="2196182"/>
+            <a:ext cx="1749287" cy="369332"/>
           </a:xfrm>
           <a:prstGeom prst="rect">
             <a:avLst/>
@@ -20405,7 +20649,7 @@
               <a:buChar char="Ø"/>
             </a:pPr>
             <a:r>
-              <a:rPr lang="en-US" sz="1400" dirty="0" err="1" smtClean="0">
+              <a:rPr lang="en-US" dirty="0" err="1">
                 <a:solidFill>
                   <a:schemeClr val="bg1"/>
                 </a:solidFill>
@@ -20414,7 +20658,7 @@
               </a:rPr>
               <a:t>Ticket.St</a:t>
             </a:r>
-            <a:endParaRPr lang="en-US" sz="1400" dirty="0">
+            <a:endParaRPr lang="en-US" dirty="0">
               <a:solidFill>
                 <a:schemeClr val="bg1"/>
               </a:solidFill>
@@ -20432,8 +20676,8 @@
         </p:nvSpPr>
         <p:spPr>
           <a:xfrm>
-            <a:off x="228600" y="2593613"/>
-            <a:ext cx="1524000" cy="307777"/>
+            <a:off x="3313" y="2593613"/>
+            <a:ext cx="1749287" cy="369332"/>
           </a:xfrm>
           <a:prstGeom prst="rect">
             <a:avLst/>
@@ -20451,7 +20695,7 @@
               <a:buChar char="Ø"/>
             </a:pPr>
             <a:r>
-              <a:rPr lang="en-US" sz="1400" dirty="0" smtClean="0">
+              <a:rPr lang="en-US" dirty="0">
                 <a:solidFill>
                   <a:schemeClr val="bg1"/>
                 </a:solidFill>
@@ -20460,7 +20704,7 @@
               </a:rPr>
               <a:t>Problem</a:t>
             </a:r>
-            <a:endParaRPr lang="en-US" sz="1400" dirty="0">
+            <a:endParaRPr lang="en-US" dirty="0">
               <a:solidFill>
                 <a:schemeClr val="bg1"/>
               </a:solidFill>
@@ -20478,8 +20722,8 @@
         </p:nvSpPr>
         <p:spPr>
           <a:xfrm>
-            <a:off x="223299" y="2971425"/>
-            <a:ext cx="1524000" cy="307777"/>
+            <a:off x="3313" y="2971425"/>
+            <a:ext cx="1743986" cy="369332"/>
           </a:xfrm>
           <a:prstGeom prst="rect">
             <a:avLst/>
@@ -20497,7 +20741,7 @@
               <a:buChar char="Ø"/>
             </a:pPr>
             <a:r>
-              <a:rPr lang="en-US" sz="1400" dirty="0">
+              <a:rPr lang="en-US" dirty="0">
                 <a:solidFill>
                   <a:schemeClr val="bg1"/>
                 </a:solidFill>
@@ -20854,8 +21098,31 @@
                 <a:latin typeface="Segoe UI Light" pitchFamily="34" charset="0"/>
                 <a:cs typeface="Segoe UI Light" pitchFamily="34" charset="0"/>
               </a:rPr>
-              <a:t>on buying/selling of show tickets.</a:t>
-            </a:r>
+              <a:t>on buying/selling of show </a:t>
+            </a:r>
+            <a:r>
+              <a:rPr lang="en-US" dirty="0" smtClean="0">
+                <a:solidFill>
+                  <a:schemeClr val="tx1">
+                    <a:lumMod val="75000"/>
+                    <a:lumOff val="25000"/>
+                  </a:schemeClr>
+                </a:solidFill>
+                <a:latin typeface="Segoe UI Light" pitchFamily="34" charset="0"/>
+                <a:cs typeface="Segoe UI Light" pitchFamily="34" charset="0"/>
+              </a:rPr>
+              <a:t>tickets</a:t>
+            </a:r>
+            <a:endParaRPr lang="en-US" dirty="0">
+              <a:solidFill>
+                <a:schemeClr val="tx1">
+                  <a:lumMod val="75000"/>
+                  <a:lumOff val="25000"/>
+                </a:schemeClr>
+              </a:solidFill>
+              <a:latin typeface="Segoe UI Light" pitchFamily="34" charset="0"/>
+              <a:cs typeface="Segoe UI Light" pitchFamily="34" charset="0"/>
+            </a:endParaRPr>
           </a:p>
           <a:p>
             <a:pPr marL="800100" lvl="1" indent="-342900">
@@ -21026,8 +21293,8 @@
         </p:nvSpPr>
         <p:spPr>
           <a:xfrm>
-            <a:off x="228600" y="1307471"/>
-            <a:ext cx="1524000" cy="369332"/>
+            <a:off x="3313" y="1307471"/>
+            <a:ext cx="1749287" cy="430887"/>
           </a:xfrm>
           <a:prstGeom prst="rect">
             <a:avLst/>
@@ -21041,7 +21308,7 @@
           <a:lstStyle/>
           <a:p>
             <a:r>
-              <a:rPr lang="en-US" dirty="0" smtClean="0">
+              <a:rPr lang="en-US" sz="2200" dirty="0" smtClean="0">
                 <a:solidFill>
                   <a:schemeClr val="bg1"/>
                 </a:solidFill>
@@ -21050,7 +21317,7 @@
               </a:rPr>
               <a:t>Introduction</a:t>
             </a:r>
-            <a:endParaRPr lang="en-US" dirty="0">
+            <a:endParaRPr lang="en-US" sz="2200" dirty="0">
               <a:solidFill>
                 <a:schemeClr val="bg1"/>
               </a:solidFill>
@@ -21126,8 +21393,8 @@
         </p:nvSpPr>
         <p:spPr>
           <a:xfrm>
-            <a:off x="216010" y="1798751"/>
-            <a:ext cx="1524000" cy="307777"/>
+            <a:off x="3313" y="1798751"/>
+            <a:ext cx="1736697" cy="369332"/>
           </a:xfrm>
           <a:prstGeom prst="rect">
             <a:avLst/>
@@ -21145,7 +21412,7 @@
               <a:buChar char="Ø"/>
             </a:pPr>
             <a:r>
-              <a:rPr lang="en-US" sz="1400" dirty="0">
+              <a:rPr lang="en-US" dirty="0">
                 <a:solidFill>
                   <a:schemeClr val="bg1"/>
                 </a:solidFill>
@@ -21331,8 +21598,8 @@
         </p:nvSpPr>
         <p:spPr>
           <a:xfrm>
-            <a:off x="228600" y="2196182"/>
-            <a:ext cx="1524000" cy="307777"/>
+            <a:off x="3313" y="2196182"/>
+            <a:ext cx="1749287" cy="369332"/>
           </a:xfrm>
           <a:prstGeom prst="rect">
             <a:avLst/>
@@ -21350,7 +21617,7 @@
               <a:buChar char="Ø"/>
             </a:pPr>
             <a:r>
-              <a:rPr lang="en-US" sz="1400" dirty="0" err="1" smtClean="0">
+              <a:rPr lang="en-US" dirty="0" err="1">
                 <a:solidFill>
                   <a:schemeClr val="bg1"/>
                 </a:solidFill>
@@ -21359,7 +21626,7 @@
               </a:rPr>
               <a:t>Ticket.St</a:t>
             </a:r>
-            <a:endParaRPr lang="en-US" sz="1400" dirty="0">
+            <a:endParaRPr lang="en-US" dirty="0">
               <a:solidFill>
                 <a:schemeClr val="bg1"/>
               </a:solidFill>
@@ -21377,8 +21644,8 @@
         </p:nvSpPr>
         <p:spPr>
           <a:xfrm>
-            <a:off x="228600" y="2593613"/>
-            <a:ext cx="1524000" cy="307777"/>
+            <a:off x="3313" y="2593613"/>
+            <a:ext cx="1749287" cy="369332"/>
           </a:xfrm>
           <a:prstGeom prst="rect">
             <a:avLst/>
@@ -21396,7 +21663,7 @@
               <a:buChar char="Ø"/>
             </a:pPr>
             <a:r>
-              <a:rPr lang="en-US" sz="1400" dirty="0" smtClean="0">
+              <a:rPr lang="en-US" dirty="0">
                 <a:solidFill>
                   <a:schemeClr val="bg1"/>
                 </a:solidFill>
@@ -21405,7 +21672,7 @@
               </a:rPr>
               <a:t>Problem</a:t>
             </a:r>
-            <a:endParaRPr lang="en-US" sz="1400" dirty="0">
+            <a:endParaRPr lang="en-US" dirty="0">
               <a:solidFill>
                 <a:schemeClr val="bg1"/>
               </a:solidFill>
@@ -21423,8 +21690,8 @@
         </p:nvSpPr>
         <p:spPr>
           <a:xfrm>
-            <a:off x="223299" y="2971425"/>
-            <a:ext cx="1524000" cy="307777"/>
+            <a:off x="3313" y="2971425"/>
+            <a:ext cx="1743986" cy="369332"/>
           </a:xfrm>
           <a:prstGeom prst="rect">
             <a:avLst/>
@@ -21442,7 +21709,7 @@
               <a:buChar char="Ø"/>
             </a:pPr>
             <a:r>
-              <a:rPr lang="en-US" sz="1400" dirty="0">
+              <a:rPr lang="en-US" dirty="0">
                 <a:solidFill>
                   <a:schemeClr val="bg1"/>
                 </a:solidFill>
@@ -21834,8 +22101,8 @@
         </p:nvSpPr>
         <p:spPr>
           <a:xfrm>
-            <a:off x="228600" y="1307471"/>
-            <a:ext cx="1524000" cy="369332"/>
+            <a:off x="3313" y="1307471"/>
+            <a:ext cx="1749287" cy="430887"/>
           </a:xfrm>
           <a:prstGeom prst="rect">
             <a:avLst/>
@@ -21849,7 +22116,7 @@
           <a:lstStyle/>
           <a:p>
             <a:r>
-              <a:rPr lang="en-US" dirty="0" smtClean="0">
+              <a:rPr lang="en-US" sz="2200" dirty="0" smtClean="0">
                 <a:solidFill>
                   <a:schemeClr val="bg1"/>
                 </a:solidFill>
@@ -21858,7 +22125,7 @@
               </a:rPr>
               <a:t>Introduction</a:t>
             </a:r>
-            <a:endParaRPr lang="en-US" dirty="0">
+            <a:endParaRPr lang="en-US" sz="2200" dirty="0">
               <a:solidFill>
                 <a:schemeClr val="bg1"/>
               </a:solidFill>
@@ -21934,8 +22201,8 @@
         </p:nvSpPr>
         <p:spPr>
           <a:xfrm>
-            <a:off x="216010" y="1798751"/>
-            <a:ext cx="1524000" cy="307777"/>
+            <a:off x="3313" y="1798751"/>
+            <a:ext cx="1736697" cy="369332"/>
           </a:xfrm>
           <a:prstGeom prst="rect">
             <a:avLst/>
@@ -21953,7 +22220,7 @@
               <a:buChar char="Ø"/>
             </a:pPr>
             <a:r>
-              <a:rPr lang="en-US" sz="1400" dirty="0">
+              <a:rPr lang="en-US" dirty="0">
                 <a:solidFill>
                   <a:schemeClr val="bg1"/>
                 </a:solidFill>
@@ -22139,8 +22406,8 @@
         </p:nvSpPr>
         <p:spPr>
           <a:xfrm>
-            <a:off x="228600" y="2196182"/>
-            <a:ext cx="1524000" cy="307777"/>
+            <a:off x="3313" y="2196182"/>
+            <a:ext cx="1749287" cy="369332"/>
           </a:xfrm>
           <a:prstGeom prst="rect">
             <a:avLst/>
@@ -22158,7 +22425,7 @@
               <a:buChar char="Ø"/>
             </a:pPr>
             <a:r>
-              <a:rPr lang="en-US" sz="1400" dirty="0" err="1" smtClean="0">
+              <a:rPr lang="en-US" dirty="0" err="1">
                 <a:solidFill>
                   <a:schemeClr val="bg1"/>
                 </a:solidFill>
@@ -22167,7 +22434,7 @@
               </a:rPr>
               <a:t>Ticket.St</a:t>
             </a:r>
-            <a:endParaRPr lang="en-US" sz="1400" dirty="0">
+            <a:endParaRPr lang="en-US" dirty="0">
               <a:solidFill>
                 <a:schemeClr val="bg1"/>
               </a:solidFill>
@@ -22185,8 +22452,8 @@
         </p:nvSpPr>
         <p:spPr>
           <a:xfrm>
-            <a:off x="228600" y="2593613"/>
-            <a:ext cx="1524000" cy="307777"/>
+            <a:off x="3313" y="2593613"/>
+            <a:ext cx="1749287" cy="369332"/>
           </a:xfrm>
           <a:prstGeom prst="rect">
             <a:avLst/>
@@ -22204,7 +22471,7 @@
               <a:buChar char="Ø"/>
             </a:pPr>
             <a:r>
-              <a:rPr lang="en-US" sz="1400" dirty="0" smtClean="0">
+              <a:rPr lang="en-US" dirty="0">
                 <a:solidFill>
                   <a:schemeClr val="bg1"/>
                 </a:solidFill>
@@ -22213,7 +22480,7 @@
               </a:rPr>
               <a:t>Problem</a:t>
             </a:r>
-            <a:endParaRPr lang="en-US" sz="1400" dirty="0">
+            <a:endParaRPr lang="en-US" dirty="0">
               <a:solidFill>
                 <a:schemeClr val="bg1"/>
               </a:solidFill>
@@ -22396,8 +22663,8 @@
         </p:nvSpPr>
         <p:spPr>
           <a:xfrm>
-            <a:off x="223299" y="2971425"/>
-            <a:ext cx="1524000" cy="307777"/>
+            <a:off x="3313" y="2971425"/>
+            <a:ext cx="1743986" cy="369332"/>
           </a:xfrm>
           <a:prstGeom prst="rect">
             <a:avLst/>
@@ -22415,7 +22682,7 @@
               <a:buChar char="Ø"/>
             </a:pPr>
             <a:r>
-              <a:rPr lang="en-US" sz="1400" dirty="0">
+              <a:rPr lang="en-US" dirty="0">
                 <a:solidFill>
                   <a:schemeClr val="bg1"/>
                 </a:solidFill>
@@ -22723,8 +22990,8 @@
         </p:nvSpPr>
         <p:spPr>
           <a:xfrm>
-            <a:off x="228600" y="1307471"/>
-            <a:ext cx="1524000" cy="369332"/>
+            <a:off x="3313" y="1307471"/>
+            <a:ext cx="1749287" cy="430887"/>
           </a:xfrm>
           <a:prstGeom prst="rect">
             <a:avLst/>
@@ -22738,7 +23005,7 @@
           <a:lstStyle/>
           <a:p>
             <a:r>
-              <a:rPr lang="en-US" dirty="0" smtClean="0">
+              <a:rPr lang="en-US" sz="2200" dirty="0" smtClean="0">
                 <a:solidFill>
                   <a:schemeClr val="bg1"/>
                 </a:solidFill>
@@ -22747,7 +23014,7 @@
               </a:rPr>
               <a:t>Introduction</a:t>
             </a:r>
-            <a:endParaRPr lang="en-US" dirty="0">
+            <a:endParaRPr lang="en-US" sz="2200" dirty="0">
               <a:solidFill>
                 <a:schemeClr val="bg1"/>
               </a:solidFill>
@@ -22823,8 +23090,8 @@
         </p:nvSpPr>
         <p:spPr>
           <a:xfrm>
-            <a:off x="216010" y="1798751"/>
-            <a:ext cx="1524000" cy="307777"/>
+            <a:off x="3313" y="1798751"/>
+            <a:ext cx="1736697" cy="369332"/>
           </a:xfrm>
           <a:prstGeom prst="rect">
             <a:avLst/>
@@ -22842,7 +23109,7 @@
               <a:buChar char="Ø"/>
             </a:pPr>
             <a:r>
-              <a:rPr lang="en-US" sz="1400" dirty="0">
+              <a:rPr lang="en-US" dirty="0">
                 <a:solidFill>
                   <a:schemeClr val="bg1"/>
                 </a:solidFill>
@@ -23028,8 +23295,8 @@
         </p:nvSpPr>
         <p:spPr>
           <a:xfrm>
-            <a:off x="228600" y="2196182"/>
-            <a:ext cx="1524000" cy="307777"/>
+            <a:off x="3313" y="2196182"/>
+            <a:ext cx="1749287" cy="369332"/>
           </a:xfrm>
           <a:prstGeom prst="rect">
             <a:avLst/>
@@ -23047,7 +23314,7 @@
               <a:buChar char="Ø"/>
             </a:pPr>
             <a:r>
-              <a:rPr lang="en-US" sz="1400" dirty="0" err="1" smtClean="0">
+              <a:rPr lang="en-US" dirty="0" err="1">
                 <a:solidFill>
                   <a:schemeClr val="bg1"/>
                 </a:solidFill>
@@ -23056,7 +23323,7 @@
               </a:rPr>
               <a:t>Ticket.St</a:t>
             </a:r>
-            <a:endParaRPr lang="en-US" sz="1400" dirty="0">
+            <a:endParaRPr lang="en-US" dirty="0">
               <a:solidFill>
                 <a:schemeClr val="bg1"/>
               </a:solidFill>
@@ -23074,8 +23341,8 @@
         </p:nvSpPr>
         <p:spPr>
           <a:xfrm>
-            <a:off x="228600" y="2593613"/>
-            <a:ext cx="1524000" cy="307777"/>
+            <a:off x="3313" y="2593613"/>
+            <a:ext cx="1749287" cy="369332"/>
           </a:xfrm>
           <a:prstGeom prst="rect">
             <a:avLst/>
@@ -23093,7 +23360,7 @@
               <a:buChar char="Ø"/>
             </a:pPr>
             <a:r>
-              <a:rPr lang="en-US" sz="1400" dirty="0" smtClean="0">
+              <a:rPr lang="en-US" dirty="0">
                 <a:solidFill>
                   <a:schemeClr val="bg1"/>
                 </a:solidFill>
@@ -23102,7 +23369,7 @@
               </a:rPr>
               <a:t>Problem</a:t>
             </a:r>
-            <a:endParaRPr lang="en-US" sz="1400" dirty="0">
+            <a:endParaRPr lang="en-US" dirty="0">
               <a:solidFill>
                 <a:schemeClr val="bg1"/>
               </a:solidFill>
@@ -23249,8 +23516,31 @@
                 <a:latin typeface="Segoe UI Light" pitchFamily="34" charset="0"/>
                 <a:cs typeface="Segoe UI Light" pitchFamily="34" charset="0"/>
               </a:rPr>
-              <a:t>Request ticket of event easily.</a:t>
-            </a:r>
+              <a:t>Request ticket of event </a:t>
+            </a:r>
+            <a:r>
+              <a:rPr lang="en-US" sz="2000" dirty="0" smtClean="0">
+                <a:solidFill>
+                  <a:schemeClr val="tx1">
+                    <a:lumMod val="75000"/>
+                    <a:lumOff val="25000"/>
+                  </a:schemeClr>
+                </a:solidFill>
+                <a:latin typeface="Segoe UI Light" pitchFamily="34" charset="0"/>
+                <a:cs typeface="Segoe UI Light" pitchFamily="34" charset="0"/>
+              </a:rPr>
+              <a:t>easily</a:t>
+            </a:r>
+            <a:endParaRPr lang="en-US" sz="2000" dirty="0">
+              <a:solidFill>
+                <a:schemeClr val="tx1">
+                  <a:lumMod val="75000"/>
+                  <a:lumOff val="25000"/>
+                </a:schemeClr>
+              </a:solidFill>
+              <a:latin typeface="Segoe UI Light" pitchFamily="34" charset="0"/>
+              <a:cs typeface="Segoe UI Light" pitchFamily="34" charset="0"/>
+            </a:endParaRPr>
           </a:p>
           <a:p>
             <a:pPr marL="342900" indent="-342900">
@@ -23271,8 +23561,31 @@
                 <a:latin typeface="Segoe UI Light" pitchFamily="34" charset="0"/>
                 <a:cs typeface="Segoe UI Light" pitchFamily="34" charset="0"/>
               </a:rPr>
-              <a:t>Provide customers prefer a sense of security when buying.</a:t>
-            </a:r>
+              <a:t>Provide customers prefer a sense of security when </a:t>
+            </a:r>
+            <a:r>
+              <a:rPr lang="en-US" sz="2000" dirty="0" smtClean="0">
+                <a:solidFill>
+                  <a:schemeClr val="tx1">
+                    <a:lumMod val="75000"/>
+                    <a:lumOff val="25000"/>
+                  </a:schemeClr>
+                </a:solidFill>
+                <a:latin typeface="Segoe UI Light" pitchFamily="34" charset="0"/>
+                <a:cs typeface="Segoe UI Light" pitchFamily="34" charset="0"/>
+              </a:rPr>
+              <a:t>buying</a:t>
+            </a:r>
+            <a:endParaRPr lang="en-US" sz="2000" dirty="0">
+              <a:solidFill>
+                <a:schemeClr val="tx1">
+                  <a:lumMod val="75000"/>
+                  <a:lumOff val="25000"/>
+                </a:schemeClr>
+              </a:solidFill>
+              <a:latin typeface="Segoe UI Light" pitchFamily="34" charset="0"/>
+              <a:cs typeface="Segoe UI Light" pitchFamily="34" charset="0"/>
+            </a:endParaRPr>
           </a:p>
           <a:p>
             <a:pPr marL="342900" indent="-342900">
@@ -23293,8 +23606,31 @@
                 <a:latin typeface="Segoe UI Light" pitchFamily="34" charset="0"/>
                 <a:cs typeface="Segoe UI Light" pitchFamily="34" charset="0"/>
               </a:rPr>
-              <a:t>Online payment.</a:t>
-            </a:r>
+              <a:t>Online </a:t>
+            </a:r>
+            <a:r>
+              <a:rPr lang="en-US" sz="2000" dirty="0" smtClean="0">
+                <a:solidFill>
+                  <a:schemeClr val="tx1">
+                    <a:lumMod val="75000"/>
+                    <a:lumOff val="25000"/>
+                  </a:schemeClr>
+                </a:solidFill>
+                <a:latin typeface="Segoe UI Light" pitchFamily="34" charset="0"/>
+                <a:cs typeface="Segoe UI Light" pitchFamily="34" charset="0"/>
+              </a:rPr>
+              <a:t>payment</a:t>
+            </a:r>
+            <a:endParaRPr lang="en-US" sz="2000" dirty="0">
+              <a:solidFill>
+                <a:schemeClr val="tx1">
+                  <a:lumMod val="75000"/>
+                  <a:lumOff val="25000"/>
+                </a:schemeClr>
+              </a:solidFill>
+              <a:latin typeface="Segoe UI Light" pitchFamily="34" charset="0"/>
+              <a:cs typeface="Segoe UI Light" pitchFamily="34" charset="0"/>
+            </a:endParaRPr>
           </a:p>
         </p:txBody>
       </p:sp>
@@ -23388,8 +23724,8 @@
         </p:nvSpPr>
         <p:spPr>
           <a:xfrm>
-            <a:off x="223299" y="2971425"/>
-            <a:ext cx="1524000" cy="307777"/>
+            <a:off x="3313" y="2971425"/>
+            <a:ext cx="1743986" cy="369332"/>
           </a:xfrm>
           <a:prstGeom prst="rect">
             <a:avLst/>
@@ -23407,7 +23743,7 @@
               <a:buChar char="Ø"/>
             </a:pPr>
             <a:r>
-              <a:rPr lang="en-US" sz="1400" dirty="0">
+              <a:rPr lang="en-US" dirty="0">
                 <a:solidFill>
                   <a:schemeClr val="bg1"/>
                 </a:solidFill>
@@ -23582,7 +23918,7 @@
               <a:buChar char="Ø"/>
             </a:pPr>
             <a:r>
-              <a:rPr lang="en-US" sz="3200" dirty="0" smtClean="0">
+              <a:rPr lang="en-US" sz="3200" b="1" dirty="0" smtClean="0">
                 <a:solidFill>
                   <a:srgbClr val="7030A0"/>
                 </a:solidFill>
@@ -23591,7 +23927,7 @@
               </a:rPr>
               <a:t>Overall design</a:t>
             </a:r>
-            <a:endParaRPr lang="en-US" sz="3200" dirty="0">
+            <a:endParaRPr lang="en-US" sz="3200" b="1" dirty="0">
               <a:solidFill>
                 <a:srgbClr val="7030A0"/>
               </a:solidFill>
@@ -23608,7 +23944,7 @@
               <a:buChar char="Ø"/>
             </a:pPr>
             <a:r>
-              <a:rPr lang="en-US" sz="3200" dirty="0" smtClean="0">
+              <a:rPr lang="en-US" sz="3200" b="1" dirty="0" smtClean="0">
                 <a:solidFill>
                   <a:srgbClr val="7030A0"/>
                 </a:solidFill>
@@ -23617,7 +23953,7 @@
               </a:rPr>
               <a:t>Main Features</a:t>
             </a:r>
-            <a:endParaRPr lang="en-US" sz="3200" dirty="0">
+            <a:endParaRPr lang="en-US" sz="3200" b="1" dirty="0">
               <a:solidFill>
                 <a:srgbClr val="7030A0"/>
               </a:solidFill>
@@ -23702,7 +24038,7 @@
         <p:spPr>
           <a:xfrm>
             <a:off x="414255" y="2578873"/>
-            <a:ext cx="1295399" cy="707886"/>
+            <a:ext cx="1295399" cy="830997"/>
           </a:xfrm>
           <a:prstGeom prst="rect">
             <a:avLst/>
@@ -23716,7 +24052,7 @@
           <a:lstStyle/>
           <a:p>
             <a:r>
-              <a:rPr lang="en-US" sz="2000" dirty="0" smtClean="0">
+              <a:rPr lang="en-US" sz="2400" b="1" dirty="0" smtClean="0">
                 <a:solidFill>
                   <a:schemeClr val="bg1"/>
                 </a:solidFill>
@@ -23725,7 +24061,7 @@
               </a:rPr>
               <a:t>Drop It Project</a:t>
             </a:r>
-            <a:endParaRPr lang="en-US" sz="2400" dirty="0">
+            <a:endParaRPr lang="en-US" sz="2400" b="1" dirty="0">
               <a:solidFill>
                 <a:schemeClr val="bg1"/>
               </a:solidFill>
@@ -24087,8 +24423,8 @@
         </p:nvSpPr>
         <p:spPr>
           <a:xfrm>
-            <a:off x="152400" y="1307471"/>
-            <a:ext cx="1524000" cy="369332"/>
+            <a:off x="1" y="1307471"/>
+            <a:ext cx="1814884" cy="430887"/>
           </a:xfrm>
           <a:prstGeom prst="rect">
             <a:avLst/>
@@ -24102,7 +24438,7 @@
           <a:lstStyle/>
           <a:p>
             <a:r>
-              <a:rPr lang="en-US" dirty="0" err="1" smtClean="0">
+              <a:rPr lang="en-US" sz="2200" dirty="0" err="1" smtClean="0">
                 <a:solidFill>
                   <a:schemeClr val="bg1"/>
                 </a:solidFill>
@@ -24112,7 +24448,7 @@
               <a:t>DropIt</a:t>
             </a:r>
             <a:r>
-              <a:rPr lang="en-US" dirty="0" smtClean="0">
+              <a:rPr lang="en-US" sz="2200" dirty="0" smtClean="0">
                 <a:solidFill>
                   <a:schemeClr val="bg1"/>
                 </a:solidFill>
@@ -24121,7 +24457,7 @@
               </a:rPr>
               <a:t> Project</a:t>
             </a:r>
-            <a:endParaRPr lang="en-US" dirty="0">
+            <a:endParaRPr lang="en-US" sz="2200" dirty="0">
               <a:solidFill>
                 <a:schemeClr val="bg1"/>
               </a:solidFill>
@@ -24197,8 +24533,8 @@
         </p:nvSpPr>
         <p:spPr>
           <a:xfrm>
-            <a:off x="65598" y="1798751"/>
-            <a:ext cx="1749287" cy="307777"/>
+            <a:off x="0" y="1798751"/>
+            <a:ext cx="1814885" cy="646331"/>
           </a:xfrm>
           <a:prstGeom prst="rect">
             <a:avLst/>
@@ -24216,7 +24552,7 @@
               <a:buChar char="Ø"/>
             </a:pPr>
             <a:r>
-              <a:rPr lang="en-US" sz="1400" dirty="0" smtClean="0">
+              <a:rPr lang="en-US" dirty="0" smtClean="0">
                 <a:solidFill>
                   <a:schemeClr val="bg1"/>
                 </a:solidFill>
@@ -24225,7 +24561,7 @@
               </a:rPr>
               <a:t>Overall design</a:t>
             </a:r>
-            <a:endParaRPr lang="en-US" sz="1400" dirty="0">
+            <a:endParaRPr lang="en-US" dirty="0">
               <a:solidFill>
                 <a:schemeClr val="bg1"/>
               </a:solidFill>
@@ -24299,8 +24635,8 @@
         </p:nvSpPr>
         <p:spPr>
           <a:xfrm>
-            <a:off x="65598" y="2181901"/>
-            <a:ext cx="1524000" cy="307777"/>
+            <a:off x="1" y="2181901"/>
+            <a:ext cx="1814883" cy="369332"/>
           </a:xfrm>
           <a:prstGeom prst="rect">
             <a:avLst/>
@@ -24318,7 +24654,7 @@
               <a:buChar char="Ø"/>
             </a:pPr>
             <a:r>
-              <a:rPr lang="en-US" sz="1400" dirty="0" smtClean="0">
+              <a:rPr lang="en-US" dirty="0" smtClean="0">
                 <a:solidFill>
                   <a:schemeClr val="bg1"/>
                 </a:solidFill>
@@ -24327,7 +24663,7 @@
               </a:rPr>
               <a:t>Main features</a:t>
             </a:r>
-            <a:endParaRPr lang="en-US" sz="1400" dirty="0">
+            <a:endParaRPr lang="en-US" dirty="0">
               <a:solidFill>
                 <a:schemeClr val="bg1"/>
               </a:solidFill>

--- a/Document/Present.pptx
+++ b/Document/Present.pptx
@@ -128,7 +128,7 @@
   </p:defaultTextStyle>
   <p:extLst>
     <p:ext uri="{EFAFB233-063F-42B5-8137-9DF3F51BA10A}">
-      <p15:sldGuideLst xmlns:p15="http://schemas.microsoft.com/office/powerpoint/2012/main" xmlns="">
+      <p15:sldGuideLst xmlns="" xmlns:p15="http://schemas.microsoft.com/office/powerpoint/2012/main">
         <p15:guide id="1" orient="horz" pos="2160">
           <p15:clr>
             <a:srgbClr val="A4A3A4"/>
@@ -939,7 +939,7 @@
         <a:bodyPr/>
         <a:lstStyle/>
         <a:p>
-          <a:endParaRPr lang="en-US"/>
+          <a:endParaRPr lang="en-US" dirty="0"/>
         </a:p>
       </dgm:t>
     </dgm:pt>
@@ -1509,7 +1509,7 @@
               <a:spcPct val="35000"/>
             </a:spcAft>
           </a:pPr>
-          <a:endParaRPr lang="en-US" sz="3600" kern="1200"/>
+          <a:endParaRPr lang="en-US" sz="3600" kern="1200" dirty="0"/>
         </a:p>
       </dsp:txBody>
       <dsp:txXfrm>
@@ -3908,7 +3908,7 @@
             </a:lvl1pPr>
           </a:lstStyle>
           <a:p>
-            <a:endParaRPr lang="en-US"/>
+            <a:endParaRPr lang="en-US" dirty="0"/>
           </a:p>
         </p:txBody>
       </p:sp>
@@ -3943,7 +3943,7 @@
               <a:rPr lang="en-US" smtClean="0"/>
               <a:t>8/25/2013</a:t>
             </a:fld>
-            <a:endParaRPr lang="en-US"/>
+            <a:endParaRPr lang="en-US" dirty="0"/>
           </a:p>
         </p:txBody>
       </p:sp>
@@ -3976,7 +3976,7 @@
           <a:bodyPr vert="horz" lIns="91440" tIns="45720" rIns="91440" bIns="45720" rtlCol="0" anchor="ctr"/>
           <a:lstStyle/>
           <a:p>
-            <a:endParaRPr lang="en-US"/>
+            <a:endParaRPr lang="en-US" dirty="0"/>
           </a:p>
         </p:txBody>
       </p:sp>
@@ -4067,7 +4067,7 @@
             </a:lvl1pPr>
           </a:lstStyle>
           <a:p>
-            <a:endParaRPr lang="en-US"/>
+            <a:endParaRPr lang="en-US" dirty="0"/>
           </a:p>
         </p:txBody>
       </p:sp>
@@ -4102,7 +4102,7 @@
               <a:rPr lang="en-US" smtClean="0"/>
               <a:t>‹#›</a:t>
             </a:fld>
-            <a:endParaRPr lang="en-US"/>
+            <a:endParaRPr lang="en-US" dirty="0"/>
           </a:p>
         </p:txBody>
       </p:sp>
@@ -4392,7 +4392,7 @@
               <a:rPr lang="en-US" smtClean="0"/>
               <a:t>8/25/2013</a:t>
             </a:fld>
-            <a:endParaRPr lang="en-US"/>
+            <a:endParaRPr lang="en-US" dirty="0"/>
           </a:p>
         </p:txBody>
       </p:sp>
@@ -4411,7 +4411,7 @@
           <a:bodyPr/>
           <a:lstStyle/>
           <a:p>
-            <a:endParaRPr lang="en-US"/>
+            <a:endParaRPr lang="en-US" dirty="0"/>
           </a:p>
         </p:txBody>
       </p:sp>
@@ -4434,7 +4434,7 @@
               <a:rPr lang="en-US" smtClean="0"/>
               <a:t>‹#›</a:t>
             </a:fld>
-            <a:endParaRPr lang="en-US"/>
+            <a:endParaRPr lang="en-US" dirty="0"/>
           </a:p>
         </p:txBody>
       </p:sp>
@@ -4562,7 +4562,7 @@
               <a:rPr lang="en-US" smtClean="0"/>
               <a:t>8/25/2013</a:t>
             </a:fld>
-            <a:endParaRPr lang="en-US"/>
+            <a:endParaRPr lang="en-US" dirty="0"/>
           </a:p>
         </p:txBody>
       </p:sp>
@@ -4581,7 +4581,7 @@
           <a:bodyPr/>
           <a:lstStyle/>
           <a:p>
-            <a:endParaRPr lang="en-US"/>
+            <a:endParaRPr lang="en-US" dirty="0"/>
           </a:p>
         </p:txBody>
       </p:sp>
@@ -4604,7 +4604,7 @@
               <a:rPr lang="en-US" smtClean="0"/>
               <a:t>‹#›</a:t>
             </a:fld>
-            <a:endParaRPr lang="en-US"/>
+            <a:endParaRPr lang="en-US" dirty="0"/>
           </a:p>
         </p:txBody>
       </p:sp>
@@ -4742,7 +4742,7 @@
               <a:rPr lang="en-US" smtClean="0"/>
               <a:t>8/25/2013</a:t>
             </a:fld>
-            <a:endParaRPr lang="en-US"/>
+            <a:endParaRPr lang="en-US" dirty="0"/>
           </a:p>
         </p:txBody>
       </p:sp>
@@ -4761,7 +4761,7 @@
           <a:bodyPr/>
           <a:lstStyle/>
           <a:p>
-            <a:endParaRPr lang="en-US"/>
+            <a:endParaRPr lang="en-US" dirty="0"/>
           </a:p>
         </p:txBody>
       </p:sp>
@@ -4784,7 +4784,7 @@
               <a:rPr lang="en-US" smtClean="0"/>
               <a:t>‹#›</a:t>
             </a:fld>
-            <a:endParaRPr lang="en-US"/>
+            <a:endParaRPr lang="en-US" dirty="0"/>
           </a:p>
         </p:txBody>
       </p:sp>
@@ -4912,7 +4912,7 @@
               <a:rPr lang="en-US" smtClean="0"/>
               <a:t>8/25/2013</a:t>
             </a:fld>
-            <a:endParaRPr lang="en-US"/>
+            <a:endParaRPr lang="en-US" dirty="0"/>
           </a:p>
         </p:txBody>
       </p:sp>
@@ -4931,7 +4931,7 @@
           <a:bodyPr/>
           <a:lstStyle/>
           <a:p>
-            <a:endParaRPr lang="en-US"/>
+            <a:endParaRPr lang="en-US" dirty="0"/>
           </a:p>
         </p:txBody>
       </p:sp>
@@ -4954,7 +4954,7 @@
               <a:rPr lang="en-US" smtClean="0"/>
               <a:t>‹#›</a:t>
             </a:fld>
-            <a:endParaRPr lang="en-US"/>
+            <a:endParaRPr lang="en-US" dirty="0"/>
           </a:p>
         </p:txBody>
       </p:sp>
@@ -5158,7 +5158,7 @@
               <a:rPr lang="en-US" smtClean="0"/>
               <a:t>8/25/2013</a:t>
             </a:fld>
-            <a:endParaRPr lang="en-US"/>
+            <a:endParaRPr lang="en-US" dirty="0"/>
           </a:p>
         </p:txBody>
       </p:sp>
@@ -5177,7 +5177,7 @@
           <a:bodyPr/>
           <a:lstStyle/>
           <a:p>
-            <a:endParaRPr lang="en-US"/>
+            <a:endParaRPr lang="en-US" dirty="0"/>
           </a:p>
         </p:txBody>
       </p:sp>
@@ -5200,7 +5200,7 @@
               <a:rPr lang="en-US" smtClean="0"/>
               <a:t>‹#›</a:t>
             </a:fld>
-            <a:endParaRPr lang="en-US"/>
+            <a:endParaRPr lang="en-US" dirty="0"/>
           </a:p>
         </p:txBody>
       </p:sp>
@@ -5446,7 +5446,7 @@
               <a:rPr lang="en-US" smtClean="0"/>
               <a:t>8/25/2013</a:t>
             </a:fld>
-            <a:endParaRPr lang="en-US"/>
+            <a:endParaRPr lang="en-US" dirty="0"/>
           </a:p>
         </p:txBody>
       </p:sp>
@@ -5465,7 +5465,7 @@
           <a:bodyPr/>
           <a:lstStyle/>
           <a:p>
-            <a:endParaRPr lang="en-US"/>
+            <a:endParaRPr lang="en-US" dirty="0"/>
           </a:p>
         </p:txBody>
       </p:sp>
@@ -5488,7 +5488,7 @@
               <a:rPr lang="en-US" smtClean="0"/>
               <a:t>‹#›</a:t>
             </a:fld>
-            <a:endParaRPr lang="en-US"/>
+            <a:endParaRPr lang="en-US" dirty="0"/>
           </a:p>
         </p:txBody>
       </p:sp>
@@ -5868,7 +5868,7 @@
               <a:rPr lang="en-US" smtClean="0"/>
               <a:t>8/25/2013</a:t>
             </a:fld>
-            <a:endParaRPr lang="en-US"/>
+            <a:endParaRPr lang="en-US" dirty="0"/>
           </a:p>
         </p:txBody>
       </p:sp>
@@ -5887,7 +5887,7 @@
           <a:bodyPr/>
           <a:lstStyle/>
           <a:p>
-            <a:endParaRPr lang="en-US"/>
+            <a:endParaRPr lang="en-US" dirty="0"/>
           </a:p>
         </p:txBody>
       </p:sp>
@@ -5910,7 +5910,7 @@
               <a:rPr lang="en-US" smtClean="0"/>
               <a:t>‹#›</a:t>
             </a:fld>
-            <a:endParaRPr lang="en-US"/>
+            <a:endParaRPr lang="en-US" dirty="0"/>
           </a:p>
         </p:txBody>
       </p:sp>
@@ -6003,7 +6003,7 @@
               <a:rPr lang="en-US" smtClean="0"/>
               <a:t>8/25/2013</a:t>
             </a:fld>
-            <a:endParaRPr lang="en-US"/>
+            <a:endParaRPr lang="en-US" dirty="0"/>
           </a:p>
         </p:txBody>
       </p:sp>
@@ -6022,7 +6022,7 @@
           <a:bodyPr/>
           <a:lstStyle/>
           <a:p>
-            <a:endParaRPr lang="en-US"/>
+            <a:endParaRPr lang="en-US" dirty="0"/>
           </a:p>
         </p:txBody>
       </p:sp>
@@ -6045,7 +6045,7 @@
               <a:rPr lang="en-US" smtClean="0"/>
               <a:t>‹#›</a:t>
             </a:fld>
-            <a:endParaRPr lang="en-US"/>
+            <a:endParaRPr lang="en-US" dirty="0"/>
           </a:p>
         </p:txBody>
       </p:sp>
@@ -6098,7 +6098,7 @@
               <a:rPr lang="en-US" smtClean="0"/>
               <a:t>8/25/2013</a:t>
             </a:fld>
-            <a:endParaRPr lang="en-US"/>
+            <a:endParaRPr lang="en-US" dirty="0"/>
           </a:p>
         </p:txBody>
       </p:sp>
@@ -6117,7 +6117,7 @@
           <a:bodyPr/>
           <a:lstStyle/>
           <a:p>
-            <a:endParaRPr lang="en-US"/>
+            <a:endParaRPr lang="en-US" dirty="0"/>
           </a:p>
         </p:txBody>
       </p:sp>
@@ -6140,7 +6140,7 @@
               <a:rPr lang="en-US" smtClean="0"/>
               <a:t>‹#›</a:t>
             </a:fld>
-            <a:endParaRPr lang="en-US"/>
+            <a:endParaRPr lang="en-US" dirty="0"/>
           </a:p>
         </p:txBody>
       </p:sp>
@@ -6375,7 +6375,7 @@
               <a:rPr lang="en-US" smtClean="0"/>
               <a:t>8/25/2013</a:t>
             </a:fld>
-            <a:endParaRPr lang="en-US"/>
+            <a:endParaRPr lang="en-US" dirty="0"/>
           </a:p>
         </p:txBody>
       </p:sp>
@@ -6394,7 +6394,7 @@
           <a:bodyPr/>
           <a:lstStyle/>
           <a:p>
-            <a:endParaRPr lang="en-US"/>
+            <a:endParaRPr lang="en-US" dirty="0"/>
           </a:p>
         </p:txBody>
       </p:sp>
@@ -6417,7 +6417,7 @@
               <a:rPr lang="en-US" smtClean="0"/>
               <a:t>‹#›</a:t>
             </a:fld>
-            <a:endParaRPr lang="en-US"/>
+            <a:endParaRPr lang="en-US" dirty="0"/>
           </a:p>
         </p:txBody>
       </p:sp>
@@ -6540,7 +6540,7 @@
             </a:lvl9pPr>
           </a:lstStyle>
           <a:p>
-            <a:endParaRPr lang="en-US"/>
+            <a:endParaRPr lang="en-US" dirty="0"/>
           </a:p>
         </p:txBody>
       </p:sp>
@@ -6628,7 +6628,7 @@
               <a:rPr lang="en-US" smtClean="0"/>
               <a:t>8/25/2013</a:t>
             </a:fld>
-            <a:endParaRPr lang="en-US"/>
+            <a:endParaRPr lang="en-US" dirty="0"/>
           </a:p>
         </p:txBody>
       </p:sp>
@@ -6647,7 +6647,7 @@
           <a:bodyPr/>
           <a:lstStyle/>
           <a:p>
-            <a:endParaRPr lang="en-US"/>
+            <a:endParaRPr lang="en-US" dirty="0"/>
           </a:p>
         </p:txBody>
       </p:sp>
@@ -6670,7 +6670,7 @@
               <a:rPr lang="en-US" smtClean="0"/>
               <a:t>‹#›</a:t>
             </a:fld>
-            <a:endParaRPr lang="en-US"/>
+            <a:endParaRPr lang="en-US" dirty="0"/>
           </a:p>
         </p:txBody>
       </p:sp>
@@ -6841,7 +6841,7 @@
               <a:rPr lang="en-US" smtClean="0"/>
               <a:t>8/25/2013</a:t>
             </a:fld>
-            <a:endParaRPr lang="en-US"/>
+            <a:endParaRPr lang="en-US" dirty="0"/>
           </a:p>
         </p:txBody>
       </p:sp>
@@ -6878,7 +6878,7 @@
             </a:lvl1pPr>
           </a:lstStyle>
           <a:p>
-            <a:endParaRPr lang="en-US"/>
+            <a:endParaRPr lang="en-US" dirty="0"/>
           </a:p>
         </p:txBody>
       </p:sp>
@@ -6919,7 +6919,7 @@
               <a:rPr lang="en-US" smtClean="0"/>
               <a:t>‹#›</a:t>
             </a:fld>
-            <a:endParaRPr lang="en-US"/>
+            <a:endParaRPr lang="en-US" dirty="0"/>
           </a:p>
         </p:txBody>
       </p:sp>
@@ -7404,7 +7404,7 @@
               <a:buChar char="§"/>
             </a:pPr>
             <a:r>
-              <a:rPr lang="en-US" sz="2400" b="1" dirty="0" err="1" smtClean="0">
+              <a:rPr lang="en-US" sz="2400" b="1" dirty="0" smtClean="0">
                 <a:solidFill>
                   <a:schemeClr val="bg1"/>
                 </a:solidFill>
@@ -7412,10 +7412,10 @@
                 <a:ea typeface="+mj-ea"/>
                 <a:cs typeface="Segoe UI Light" panose="020B0502040204020203" pitchFamily="34" charset="0"/>
               </a:rPr>
-              <a:t>Lâm</a:t>
-            </a:r>
-            <a:r>
-              <a:rPr lang="en-US" sz="2400" b="1" dirty="0" smtClean="0">
+              <a:t>Lâm </a:t>
+            </a:r>
+            <a:r>
+              <a:rPr lang="en-US" sz="2400" b="1" dirty="0">
                 <a:solidFill>
                   <a:schemeClr val="bg1"/>
                 </a:solidFill>
@@ -7423,71 +7423,8 @@
                 <a:ea typeface="+mj-ea"/>
                 <a:cs typeface="Segoe UI Light" panose="020B0502040204020203" pitchFamily="34" charset="0"/>
               </a:rPr>
-              <a:t> </a:t>
-            </a:r>
-            <a:r>
-              <a:rPr lang="en-US" sz="2400" b="1" dirty="0" err="1">
-                <a:solidFill>
-                  <a:schemeClr val="bg1"/>
-                </a:solidFill>
-                <a:latin typeface="Segoe UI Light" panose="020B0502040204020203" pitchFamily="34" charset="0"/>
-                <a:ea typeface="+mj-ea"/>
-                <a:cs typeface="Segoe UI Light" panose="020B0502040204020203" pitchFamily="34" charset="0"/>
-              </a:rPr>
-              <a:t>Hữu</a:t>
-            </a:r>
-            <a:r>
-              <a:rPr lang="en-US" sz="2400" b="1" dirty="0">
-                <a:solidFill>
-                  <a:schemeClr val="bg1"/>
-                </a:solidFill>
-                <a:latin typeface="Segoe UI Light" panose="020B0502040204020203" pitchFamily="34" charset="0"/>
-                <a:ea typeface="+mj-ea"/>
-                <a:cs typeface="Segoe UI Light" panose="020B0502040204020203" pitchFamily="34" charset="0"/>
-              </a:rPr>
-              <a:t> </a:t>
-            </a:r>
-            <a:r>
-              <a:rPr lang="en-US" sz="2400" b="1" dirty="0" err="1">
-                <a:solidFill>
-                  <a:schemeClr val="bg1"/>
-                </a:solidFill>
-                <a:latin typeface="Segoe UI Light" panose="020B0502040204020203" pitchFamily="34" charset="0"/>
-                <a:ea typeface="+mj-ea"/>
-                <a:cs typeface="Segoe UI Light" panose="020B0502040204020203" pitchFamily="34" charset="0"/>
-              </a:rPr>
-              <a:t>Khánh</a:t>
-            </a:r>
-            <a:r>
-              <a:rPr lang="en-US" sz="2400" b="1" dirty="0">
-                <a:solidFill>
-                  <a:schemeClr val="bg1"/>
-                </a:solidFill>
-                <a:latin typeface="Segoe UI Light" panose="020B0502040204020203" pitchFamily="34" charset="0"/>
-                <a:ea typeface="+mj-ea"/>
-                <a:cs typeface="Segoe UI Light" panose="020B0502040204020203" pitchFamily="34" charset="0"/>
-              </a:rPr>
-              <a:t> </a:t>
-            </a:r>
-            <a:r>
-              <a:rPr lang="en-US" sz="2400" b="1" dirty="0" err="1">
-                <a:solidFill>
-                  <a:schemeClr val="bg1"/>
-                </a:solidFill>
-                <a:latin typeface="Segoe UI Light" panose="020B0502040204020203" pitchFamily="34" charset="0"/>
-                <a:ea typeface="+mj-ea"/>
-                <a:cs typeface="Segoe UI Light" panose="020B0502040204020203" pitchFamily="34" charset="0"/>
-              </a:rPr>
-              <a:t>Phương</a:t>
-            </a:r>
-            <a:endParaRPr lang="en-US" sz="2400" b="1" dirty="0">
-              <a:solidFill>
-                <a:schemeClr val="bg1"/>
-              </a:solidFill>
-              <a:latin typeface="Segoe UI Light" panose="020B0502040204020203" pitchFamily="34" charset="0"/>
-              <a:ea typeface="+mj-ea"/>
-              <a:cs typeface="Segoe UI Light" panose="020B0502040204020203" pitchFamily="34" charset="0"/>
-            </a:endParaRPr>
+              <a:t>Hữu Khánh Phương</a:t>
+            </a:r>
           </a:p>
         </p:txBody>
       </p:sp>
@@ -7572,7 +7509,7 @@
           <a:lstStyle/>
           <a:p>
             <a:pPr algn="ctr"/>
-            <a:endParaRPr lang="en-US"/>
+            <a:endParaRPr lang="en-US" dirty="0"/>
           </a:p>
         </p:txBody>
       </p:sp>
@@ -7913,13 +7850,6 @@
               </a:rPr>
               <a:t>Sell Ticket</a:t>
             </a:r>
-            <a:endParaRPr lang="en-US" dirty="0">
-              <a:solidFill>
-                <a:schemeClr val="bg1"/>
-              </a:solidFill>
-              <a:latin typeface="Segoe UI Light" pitchFamily="34" charset="0"/>
-              <a:cs typeface="Segoe UI Light" pitchFamily="34" charset="0"/>
-            </a:endParaRPr>
           </a:p>
         </p:txBody>
       </p:sp>
@@ -8015,13 +7945,6 @@
               </a:rPr>
               <a:t>Buy Ticket</a:t>
             </a:r>
-            <a:endParaRPr lang="en-US" dirty="0">
-              <a:solidFill>
-                <a:schemeClr val="bg1"/>
-              </a:solidFill>
-              <a:latin typeface="Segoe UI Light" pitchFamily="34" charset="0"/>
-              <a:cs typeface="Segoe UI Light" pitchFamily="34" charset="0"/>
-            </a:endParaRPr>
           </a:p>
         </p:txBody>
       </p:sp>
@@ -8158,7 +8081,7 @@
           <a:lstStyle/>
           <a:p>
             <a:pPr algn="ctr"/>
-            <a:endParaRPr lang="en-US"/>
+            <a:endParaRPr lang="en-US" dirty="0"/>
           </a:p>
         </p:txBody>
       </p:sp>
@@ -8330,7 +8253,7 @@
           <a:lstStyle/>
           <a:p>
             <a:pPr algn="ctr"/>
-            <a:endParaRPr lang="en-US"/>
+            <a:endParaRPr lang="en-US" dirty="0"/>
           </a:p>
         </p:txBody>
       </p:sp>
@@ -8370,7 +8293,7 @@
           <a:lstStyle/>
           <a:p>
             <a:pPr algn="ctr"/>
-            <a:endParaRPr lang="en-US"/>
+            <a:endParaRPr lang="en-US" dirty="0"/>
           </a:p>
         </p:txBody>
       </p:sp>
@@ -8454,7 +8377,7 @@
           <a:lstStyle/>
           <a:p>
             <a:pPr algn="ctr"/>
-            <a:endParaRPr lang="en-US"/>
+            <a:endParaRPr lang="en-US" dirty="0"/>
           </a:p>
         </p:txBody>
       </p:sp>
@@ -8538,7 +8461,7 @@
           <a:lstStyle/>
           <a:p>
             <a:pPr algn="ctr"/>
-            <a:endParaRPr lang="en-US"/>
+            <a:endParaRPr lang="en-US" dirty="0"/>
           </a:p>
         </p:txBody>
       </p:sp>
@@ -8578,13 +8501,6 @@
               </a:rPr>
               <a:t>Notification</a:t>
             </a:r>
-            <a:endParaRPr lang="en-US" dirty="0">
-              <a:solidFill>
-                <a:schemeClr val="bg1"/>
-              </a:solidFill>
-              <a:latin typeface="Segoe UI Light" pitchFamily="34" charset="0"/>
-              <a:cs typeface="Segoe UI Light" pitchFamily="34" charset="0"/>
-            </a:endParaRPr>
           </a:p>
         </p:txBody>
       </p:sp>
@@ -8624,13 +8540,6 @@
               </a:rPr>
               <a:t>Request</a:t>
             </a:r>
-            <a:endParaRPr lang="en-US" dirty="0">
-              <a:solidFill>
-                <a:schemeClr val="bg1"/>
-              </a:solidFill>
-              <a:latin typeface="Segoe UI Light" pitchFamily="34" charset="0"/>
-              <a:cs typeface="Segoe UI Light" pitchFamily="34" charset="0"/>
-            </a:endParaRPr>
           </a:p>
         </p:txBody>
       </p:sp>
@@ -9190,7 +9099,7 @@
           <a:lstStyle/>
           <a:p>
             <a:pPr algn="ctr"/>
-            <a:endParaRPr lang="en-US"/>
+            <a:endParaRPr lang="en-US" dirty="0"/>
           </a:p>
         </p:txBody>
       </p:sp>
@@ -9577,13 +9486,6 @@
               </a:rPr>
               <a:t>Buy Ticket</a:t>
             </a:r>
-            <a:endParaRPr lang="en-US" dirty="0">
-              <a:solidFill>
-                <a:schemeClr val="bg1"/>
-              </a:solidFill>
-              <a:latin typeface="Segoe UI Light" pitchFamily="34" charset="0"/>
-              <a:cs typeface="Segoe UI Light" pitchFamily="34" charset="0"/>
-            </a:endParaRPr>
           </a:p>
         </p:txBody>
       </p:sp>
@@ -9664,7 +9566,7 @@
           <a:lstStyle/>
           <a:p>
             <a:pPr algn="ctr"/>
-            <a:endParaRPr lang="en-US"/>
+            <a:endParaRPr lang="en-US" dirty="0"/>
           </a:p>
         </p:txBody>
       </p:sp>
@@ -9750,23 +9652,7 @@
             <a:pPr algn="ctr"/>
             <a:r>
               <a:rPr lang="en-US" dirty="0" smtClean="0"/>
-              <a:t>Click “</a:t>
-            </a:r>
-            <a:r>
-              <a:rPr lang="en-US" dirty="0" err="1" smtClean="0"/>
-              <a:t>Đặt</a:t>
-            </a:r>
-            <a:r>
-              <a:rPr lang="en-US" dirty="0" smtClean="0"/>
-              <a:t> </a:t>
-            </a:r>
-            <a:r>
-              <a:rPr lang="en-US" dirty="0" err="1" smtClean="0"/>
-              <a:t>vé</a:t>
-            </a:r>
-            <a:r>
-              <a:rPr lang="en-US" dirty="0" smtClean="0"/>
-              <a:t>” </a:t>
+              <a:t>Click “Đặt vé” </a:t>
             </a:r>
             <a:endParaRPr lang="en-US" dirty="0"/>
           </a:p>
@@ -9957,8 +9843,8 @@
           <a:p>
             <a:pPr algn="ctr"/>
             <a:r>
-              <a:rPr lang="en-US" dirty="0" err="1" smtClean="0"/>
-              <a:t>Paypal</a:t>
+              <a:rPr lang="en-US" dirty="0" smtClean="0"/>
+              <a:t>PayPal</a:t>
             </a:r>
             <a:endParaRPr lang="en-US" dirty="0"/>
           </a:p>
@@ -10044,7 +9930,7 @@
           <a:lstStyle/>
           <a:p>
             <a:pPr algn="ctr"/>
-            <a:endParaRPr lang="en-US"/>
+            <a:endParaRPr lang="en-US" dirty="0"/>
           </a:p>
         </p:txBody>
       </p:sp>
@@ -10084,7 +9970,7 @@
           <a:lstStyle/>
           <a:p>
             <a:pPr algn="ctr"/>
-            <a:endParaRPr lang="en-US"/>
+            <a:endParaRPr lang="en-US" dirty="0"/>
           </a:p>
         </p:txBody>
       </p:sp>
@@ -10124,7 +10010,7 @@
           <a:lstStyle/>
           <a:p>
             <a:pPr algn="ctr"/>
-            <a:endParaRPr lang="en-US"/>
+            <a:endParaRPr lang="en-US" dirty="0"/>
           </a:p>
         </p:txBody>
       </p:sp>
@@ -10164,7 +10050,7 @@
           <a:lstStyle/>
           <a:p>
             <a:pPr algn="ctr"/>
-            <a:endParaRPr lang="en-US"/>
+            <a:endParaRPr lang="en-US" dirty="0"/>
           </a:p>
         </p:txBody>
       </p:sp>
@@ -10204,7 +10090,7 @@
           <a:lstStyle/>
           <a:p>
             <a:pPr algn="ctr"/>
-            <a:endParaRPr lang="en-US"/>
+            <a:endParaRPr lang="en-US" dirty="0"/>
           </a:p>
         </p:txBody>
       </p:sp>
@@ -10300,13 +10186,6 @@
               </a:rPr>
               <a:t>Notification</a:t>
             </a:r>
-            <a:endParaRPr lang="en-US" dirty="0">
-              <a:solidFill>
-                <a:schemeClr val="bg1"/>
-              </a:solidFill>
-              <a:latin typeface="Segoe UI Light" pitchFamily="34" charset="0"/>
-              <a:cs typeface="Segoe UI Light" pitchFamily="34" charset="0"/>
-            </a:endParaRPr>
           </a:p>
         </p:txBody>
       </p:sp>
@@ -10346,13 +10225,6 @@
               </a:rPr>
               <a:t>Request</a:t>
             </a:r>
-            <a:endParaRPr lang="en-US" dirty="0">
-              <a:solidFill>
-                <a:schemeClr val="bg1"/>
-              </a:solidFill>
-              <a:latin typeface="Segoe UI Light" pitchFamily="34" charset="0"/>
-              <a:cs typeface="Segoe UI Light" pitchFamily="34" charset="0"/>
-            </a:endParaRPr>
           </a:p>
         </p:txBody>
       </p:sp>
@@ -10448,13 +10320,6 @@
               </a:rPr>
               <a:t>Request</a:t>
             </a:r>
-            <a:endParaRPr lang="en-US" dirty="0">
-              <a:solidFill>
-                <a:schemeClr val="bg1"/>
-              </a:solidFill>
-              <a:latin typeface="Segoe UI Light" pitchFamily="34" charset="0"/>
-              <a:cs typeface="Segoe UI Light" pitchFamily="34" charset="0"/>
-            </a:endParaRPr>
           </a:p>
         </p:txBody>
       </p:sp>
@@ -11835,7 +11700,7 @@
           <a:lstStyle/>
           <a:p>
             <a:pPr algn="ctr"/>
-            <a:endParaRPr lang="en-US"/>
+            <a:endParaRPr lang="en-US" dirty="0"/>
           </a:p>
         </p:txBody>
       </p:sp>
@@ -12067,7 +11932,7 @@
           <a:lstStyle/>
           <a:p>
             <a:pPr algn="ctr"/>
-            <a:endParaRPr lang="en-US"/>
+            <a:endParaRPr lang="en-US" dirty="0"/>
           </a:p>
         </p:txBody>
       </p:sp>
@@ -12305,7 +12170,7 @@
           <a:lstStyle/>
           <a:p>
             <a:pPr algn="ctr"/>
-            <a:endParaRPr lang="en-US"/>
+            <a:endParaRPr lang="en-US" dirty="0"/>
           </a:p>
         </p:txBody>
       </p:sp>
@@ -12404,7 +12269,7 @@
           <a:lstStyle/>
           <a:p>
             <a:pPr algn="ctr"/>
-            <a:endParaRPr lang="en-US"/>
+            <a:endParaRPr lang="en-US" dirty="0"/>
           </a:p>
         </p:txBody>
       </p:sp>
@@ -12555,7 +12420,7 @@
           <a:lstStyle/>
           <a:p>
             <a:pPr algn="ctr"/>
-            <a:endParaRPr lang="en-US"/>
+            <a:endParaRPr lang="en-US" dirty="0"/>
           </a:p>
         </p:txBody>
       </p:sp>
@@ -12947,13 +12812,6 @@
               </a:rPr>
               <a:t>Request</a:t>
             </a:r>
-            <a:endParaRPr lang="en-US" dirty="0">
-              <a:solidFill>
-                <a:schemeClr val="bg1"/>
-              </a:solidFill>
-              <a:latin typeface="Segoe UI Light" pitchFamily="34" charset="0"/>
-              <a:cs typeface="Segoe UI Light" pitchFamily="34" charset="0"/>
-            </a:endParaRPr>
           </a:p>
         </p:txBody>
       </p:sp>
@@ -13049,13 +12907,6 @@
               </a:rPr>
               <a:t>Request</a:t>
             </a:r>
-            <a:endParaRPr lang="en-US" dirty="0">
-              <a:solidFill>
-                <a:schemeClr val="bg1"/>
-              </a:solidFill>
-              <a:latin typeface="Segoe UI Light" pitchFamily="34" charset="0"/>
-              <a:cs typeface="Segoe UI Light" pitchFamily="34" charset="0"/>
-            </a:endParaRPr>
           </a:p>
         </p:txBody>
       </p:sp>
@@ -13251,13 +13102,6 @@
               </a:rPr>
               <a:t>Notification</a:t>
             </a:r>
-            <a:endParaRPr lang="en-US" dirty="0">
-              <a:solidFill>
-                <a:schemeClr val="bg1"/>
-              </a:solidFill>
-              <a:latin typeface="Segoe UI Light" pitchFamily="34" charset="0"/>
-              <a:cs typeface="Segoe UI Light" pitchFamily="34" charset="0"/>
-            </a:endParaRPr>
           </a:p>
         </p:txBody>
       </p:sp>
@@ -13727,7 +13571,7 @@
           <a:lstStyle/>
           <a:p>
             <a:pPr algn="ctr"/>
-            <a:endParaRPr lang="en-US"/>
+            <a:endParaRPr lang="en-US" dirty="0"/>
           </a:p>
         </p:txBody>
       </p:sp>
@@ -14018,13 +13862,6 @@
               </a:rPr>
               <a:t>Request</a:t>
             </a:r>
-            <a:endParaRPr lang="en-US" dirty="0">
-              <a:solidFill>
-                <a:schemeClr val="bg1"/>
-              </a:solidFill>
-              <a:latin typeface="Segoe UI Light" pitchFamily="34" charset="0"/>
-              <a:cs typeface="Segoe UI Light" pitchFamily="34" charset="0"/>
-            </a:endParaRPr>
           </a:p>
         </p:txBody>
       </p:sp>
@@ -14276,13 +14113,6 @@
               </a:rPr>
               <a:t>Notification</a:t>
             </a:r>
-            <a:endParaRPr lang="en-US" dirty="0">
-              <a:solidFill>
-                <a:schemeClr val="bg1"/>
-              </a:solidFill>
-              <a:latin typeface="Segoe UI Light" pitchFamily="34" charset="0"/>
-              <a:cs typeface="Segoe UI Light" pitchFamily="34" charset="0"/>
-            </a:endParaRPr>
           </a:p>
         </p:txBody>
       </p:sp>
@@ -14322,13 +14152,6 @@
               </a:rPr>
               <a:t>Request</a:t>
             </a:r>
-            <a:endParaRPr lang="en-US" dirty="0">
-              <a:solidFill>
-                <a:schemeClr val="bg1"/>
-              </a:solidFill>
-              <a:latin typeface="Segoe UI Light" pitchFamily="34" charset="0"/>
-              <a:cs typeface="Segoe UI Light" pitchFamily="34" charset="0"/>
-            </a:endParaRPr>
           </a:p>
         </p:txBody>
       </p:sp>
@@ -14413,7 +14236,7 @@
           <a:lstStyle/>
           <a:p>
             <a:pPr algn="ctr"/>
-            <a:endParaRPr lang="en-US"/>
+            <a:endParaRPr lang="en-US" dirty="0"/>
           </a:p>
         </p:txBody>
       </p:sp>
@@ -15133,7 +14956,7 @@
           <a:lstStyle/>
           <a:p>
             <a:pPr algn="ctr"/>
-            <a:endParaRPr lang="en-US"/>
+            <a:endParaRPr lang="en-US" dirty="0"/>
           </a:p>
         </p:txBody>
       </p:sp>
@@ -15996,7 +15819,7 @@
           <a:lstStyle/>
           <a:p>
             <a:pPr algn="ctr"/>
-            <a:endParaRPr lang="en-US"/>
+            <a:endParaRPr lang="en-US" dirty="0"/>
           </a:p>
         </p:txBody>
       </p:sp>
@@ -16493,7 +16316,7 @@
           <a:lstStyle/>
           <a:p>
             <a:pPr algn="ctr"/>
-            <a:endParaRPr lang="en-US"/>
+            <a:endParaRPr lang="en-US" dirty="0"/>
           </a:p>
         </p:txBody>
       </p:sp>
@@ -16619,7 +16442,7 @@
           <a:lstStyle/>
           <a:p>
             <a:pPr algn="ctr"/>
-            <a:endParaRPr lang="en-US"/>
+            <a:endParaRPr lang="en-US" dirty="0"/>
           </a:p>
         </p:txBody>
       </p:sp>
@@ -16851,13 +16674,6 @@
               </a:rPr>
               <a:t>Disadvantages</a:t>
             </a:r>
-            <a:endParaRPr lang="en-US" sz="3200" dirty="0" smtClean="0">
-              <a:solidFill>
-                <a:srgbClr val="7030A0"/>
-              </a:solidFill>
-              <a:latin typeface="Segoe UI Light" pitchFamily="34" charset="0"/>
-              <a:cs typeface="Segoe UI Light" pitchFamily="34" charset="0"/>
-            </a:endParaRPr>
           </a:p>
           <a:p>
             <a:pPr marL="342900" indent="-342900">
@@ -16875,17 +16691,7 @@
                 <a:latin typeface="Segoe UI Light" pitchFamily="34" charset="0"/>
                 <a:cs typeface="Segoe UI Light" pitchFamily="34" charset="0"/>
               </a:rPr>
-              <a:t>Customer can only </a:t>
-            </a:r>
-            <a:r>
-              <a:rPr lang="en-US" sz="2400" dirty="0" smtClean="0">
-                <a:solidFill>
-                  <a:srgbClr val="7030A0"/>
-                </a:solidFill>
-                <a:latin typeface="Segoe UI Light" pitchFamily="34" charset="0"/>
-                <a:cs typeface="Segoe UI Light" pitchFamily="34" charset="0"/>
-              </a:rPr>
-              <a:t>buy 1 ticket/transaction</a:t>
+              <a:t>Customer can only buy 1 ticket/transaction</a:t>
             </a:r>
           </a:p>
           <a:p>
@@ -16904,17 +16710,7 @@
                 <a:latin typeface="Segoe UI Light" pitchFamily="34" charset="0"/>
                 <a:cs typeface="Segoe UI Light" pitchFamily="34" charset="0"/>
               </a:rPr>
-              <a:t>Customer have </a:t>
-            </a:r>
-            <a:r>
-              <a:rPr lang="en-US" sz="2400" dirty="0" smtClean="0">
-                <a:solidFill>
-                  <a:srgbClr val="7030A0"/>
-                </a:solidFill>
-                <a:latin typeface="Segoe UI Light" pitchFamily="34" charset="0"/>
-                <a:cs typeface="Segoe UI Light" pitchFamily="34" charset="0"/>
-              </a:rPr>
-              <a:t>to check out through PayPal</a:t>
+              <a:t>Customer have to check out through PayPal</a:t>
             </a:r>
           </a:p>
           <a:p>
@@ -16935,13 +16731,6 @@
               </a:rPr>
               <a:t>There’s only one Admin manages the system</a:t>
             </a:r>
-            <a:endParaRPr lang="en-US" sz="2400" dirty="0" smtClean="0">
-              <a:solidFill>
-                <a:srgbClr val="7030A0"/>
-              </a:solidFill>
-              <a:latin typeface="Segoe UI Light" pitchFamily="34" charset="0"/>
-              <a:cs typeface="Segoe UI Light" pitchFamily="34" charset="0"/>
-            </a:endParaRPr>
           </a:p>
           <a:p>
             <a:pPr marL="342900" indent="-342900">
@@ -16959,17 +16748,7 @@
                 <a:latin typeface="Segoe UI Light" pitchFamily="34" charset="0"/>
                 <a:cs typeface="Segoe UI Light" pitchFamily="34" charset="0"/>
               </a:rPr>
-              <a:t>Services only in </a:t>
-            </a:r>
-            <a:r>
-              <a:rPr lang="en-US" sz="2400" dirty="0" smtClean="0">
-                <a:solidFill>
-                  <a:srgbClr val="7030A0"/>
-                </a:solidFill>
-                <a:latin typeface="Segoe UI Light" pitchFamily="34" charset="0"/>
-                <a:cs typeface="Segoe UI Light" pitchFamily="34" charset="0"/>
-              </a:rPr>
-              <a:t>HCM City</a:t>
+              <a:t>Services only in HCM City</a:t>
             </a:r>
             <a:endParaRPr lang="en-US" sz="3200" dirty="0">
               <a:solidFill>
@@ -17062,7 +16841,7 @@
           <a:lstStyle/>
           <a:p>
             <a:pPr algn="ctr"/>
-            <a:endParaRPr lang="en-US"/>
+            <a:endParaRPr lang="en-US" dirty="0"/>
           </a:p>
         </p:txBody>
       </p:sp>
@@ -17477,7 +17256,7 @@
           <a:lstStyle/>
           <a:p>
             <a:pPr algn="ctr"/>
-            <a:endParaRPr lang="en-US"/>
+            <a:endParaRPr lang="en-US" dirty="0"/>
           </a:p>
         </p:txBody>
       </p:sp>
@@ -17674,7 +17453,7 @@
               <a:buChar char="■"/>
             </a:pPr>
             <a:r>
-              <a:rPr lang="en-US" dirty="0" err="1" smtClean="0">
+              <a:rPr lang="en-US" dirty="0" smtClean="0">
                 <a:solidFill>
                   <a:schemeClr val="tx1">
                     <a:lumMod val="75000"/>
@@ -17684,70 +17463,8 @@
                 <a:latin typeface="Segoe UI Light" pitchFamily="34" charset="0"/>
                 <a:cs typeface="Segoe UI Light" pitchFamily="34" charset="0"/>
               </a:rPr>
-              <a:t>Lê</a:t>
-            </a:r>
-            <a:r>
-              <a:rPr lang="en-US" dirty="0" smtClean="0">
-                <a:solidFill>
-                  <a:schemeClr val="tx1">
-                    <a:lumMod val="75000"/>
-                    <a:lumOff val="25000"/>
-                  </a:schemeClr>
-                </a:solidFill>
-                <a:latin typeface="Segoe UI Light" pitchFamily="34" charset="0"/>
-                <a:cs typeface="Segoe UI Light" pitchFamily="34" charset="0"/>
-              </a:rPr>
-              <a:t> </a:t>
-            </a:r>
-            <a:r>
-              <a:rPr lang="en-US" dirty="0" err="1" smtClean="0">
-                <a:solidFill>
-                  <a:schemeClr val="tx1">
-                    <a:lumMod val="75000"/>
-                    <a:lumOff val="25000"/>
-                  </a:schemeClr>
-                </a:solidFill>
-                <a:latin typeface="Segoe UI Light" pitchFamily="34" charset="0"/>
-                <a:cs typeface="Segoe UI Light" pitchFamily="34" charset="0"/>
-              </a:rPr>
-              <a:t>Khôi</a:t>
-            </a:r>
-            <a:r>
-              <a:rPr lang="en-US" dirty="0" smtClean="0">
-                <a:solidFill>
-                  <a:schemeClr val="tx1">
-                    <a:lumMod val="75000"/>
-                    <a:lumOff val="25000"/>
-                  </a:schemeClr>
-                </a:solidFill>
-                <a:latin typeface="Segoe UI Light" pitchFamily="34" charset="0"/>
-                <a:cs typeface="Segoe UI Light" pitchFamily="34" charset="0"/>
-              </a:rPr>
-              <a:t> </a:t>
-            </a:r>
-            <a:r>
-              <a:rPr lang="en-US" dirty="0" err="1" smtClean="0">
-                <a:solidFill>
-                  <a:schemeClr val="tx1">
-                    <a:lumMod val="75000"/>
-                    <a:lumOff val="25000"/>
-                  </a:schemeClr>
-                </a:solidFill>
-                <a:latin typeface="Segoe UI Light" pitchFamily="34" charset="0"/>
-                <a:cs typeface="Segoe UI Light" pitchFamily="34" charset="0"/>
-              </a:rPr>
-              <a:t>Phong</a:t>
-            </a:r>
-            <a:endParaRPr lang="en-US" dirty="0" smtClean="0">
-              <a:solidFill>
-                <a:schemeClr val="tx1">
-                  <a:lumMod val="75000"/>
-                  <a:lumOff val="25000"/>
-                </a:schemeClr>
-              </a:solidFill>
-              <a:latin typeface="Segoe UI Light" pitchFamily="34" charset="0"/>
-              <a:cs typeface="Segoe UI Light" pitchFamily="34" charset="0"/>
-            </a:endParaRPr>
+              <a:t>Lê Khôi Phong</a:t>
+            </a:r>
           </a:p>
           <a:p>
             <a:pPr marL="514350" indent="-285750">
@@ -18255,7 +17972,7 @@
               <a:buChar char="Ø"/>
             </a:pPr>
             <a:r>
-              <a:rPr lang="en-US" dirty="0" err="1">
+              <a:rPr lang="en-US" dirty="0">
                 <a:solidFill>
                   <a:schemeClr val="bg1"/>
                 </a:solidFill>
@@ -18264,13 +17981,6 @@
               </a:rPr>
               <a:t>Ticket.St</a:t>
             </a:r>
-            <a:endParaRPr lang="en-US" dirty="0">
-              <a:solidFill>
-                <a:schemeClr val="bg1"/>
-              </a:solidFill>
-              <a:latin typeface="Segoe UI Light" pitchFamily="34" charset="0"/>
-              <a:cs typeface="Segoe UI Light" pitchFamily="34" charset="0"/>
-            </a:endParaRPr>
           </a:p>
         </p:txBody>
       </p:sp>
@@ -18310,13 +18020,6 @@
               </a:rPr>
               <a:t>Problem</a:t>
             </a:r>
-            <a:endParaRPr lang="en-US" dirty="0">
-              <a:solidFill>
-                <a:schemeClr val="bg1"/>
-              </a:solidFill>
-              <a:latin typeface="Segoe UI Light" pitchFamily="34" charset="0"/>
-              <a:cs typeface="Segoe UI Light" pitchFamily="34" charset="0"/>
-            </a:endParaRPr>
           </a:p>
         </p:txBody>
       </p:sp>
@@ -18356,13 +18059,6 @@
               </a:rPr>
               <a:t>Our Proposal</a:t>
             </a:r>
-            <a:endParaRPr lang="en-US" dirty="0">
-              <a:solidFill>
-                <a:schemeClr val="bg1"/>
-              </a:solidFill>
-              <a:latin typeface="Segoe UI Light" pitchFamily="34" charset="0"/>
-              <a:cs typeface="Segoe UI Light" pitchFamily="34" charset="0"/>
-            </a:endParaRPr>
           </a:p>
         </p:txBody>
       </p:sp>
@@ -18399,7 +18095,7 @@
               <a:buChar char="■"/>
             </a:pPr>
             <a:r>
-              <a:rPr lang="en-US" dirty="0" err="1" smtClean="0">
+              <a:rPr lang="en-US" dirty="0" smtClean="0">
                 <a:solidFill>
                   <a:schemeClr val="tx1">
                     <a:lumMod val="75000"/>
@@ -18409,44 +18105,8 @@
                 <a:latin typeface="Segoe UI Light" pitchFamily="34" charset="0"/>
                 <a:cs typeface="Segoe UI Light" pitchFamily="34" charset="0"/>
               </a:rPr>
-              <a:t>Công</a:t>
-            </a:r>
-            <a:r>
-              <a:rPr lang="en-US" dirty="0" smtClean="0">
-                <a:solidFill>
-                  <a:schemeClr val="tx1">
-                    <a:lumMod val="75000"/>
-                    <a:lumOff val="25000"/>
-                  </a:schemeClr>
-                </a:solidFill>
-                <a:latin typeface="Segoe UI Light" pitchFamily="34" charset="0"/>
-                <a:cs typeface="Segoe UI Light" pitchFamily="34" charset="0"/>
-              </a:rPr>
-              <a:t> Minh </a:t>
-            </a:r>
-            <a:r>
-              <a:rPr lang="en-US" dirty="0" err="1" smtClean="0">
-                <a:solidFill>
-                  <a:schemeClr val="tx1">
-                    <a:lumMod val="75000"/>
-                    <a:lumOff val="25000"/>
-                  </a:schemeClr>
-                </a:solidFill>
-                <a:latin typeface="Segoe UI Light" pitchFamily="34" charset="0"/>
-                <a:cs typeface="Segoe UI Light" pitchFamily="34" charset="0"/>
-              </a:rPr>
-              <a:t>Hiếu</a:t>
-            </a:r>
-            <a:endParaRPr lang="en-US" dirty="0" smtClean="0">
-              <a:solidFill>
-                <a:schemeClr val="tx1">
-                  <a:lumMod val="75000"/>
-                  <a:lumOff val="25000"/>
-                </a:schemeClr>
-              </a:solidFill>
-              <a:latin typeface="Segoe UI Light" pitchFamily="34" charset="0"/>
-              <a:cs typeface="Segoe UI Light" pitchFamily="34" charset="0"/>
-            </a:endParaRPr>
+              <a:t>Công Minh Hiếu</a:t>
+            </a:r>
           </a:p>
           <a:p>
             <a:pPr marL="514350" indent="-285750">
@@ -18587,7 +18247,7 @@
               <a:buChar char="■"/>
             </a:pPr>
             <a:r>
-              <a:rPr lang="en-US" dirty="0" err="1" smtClean="0">
+              <a:rPr lang="en-US" dirty="0" smtClean="0">
                 <a:solidFill>
                   <a:schemeClr val="tx1">
                     <a:lumMod val="75000"/>
@@ -18597,70 +18257,8 @@
                 <a:latin typeface="Segoe UI Light" pitchFamily="34" charset="0"/>
                 <a:cs typeface="Segoe UI Light" pitchFamily="34" charset="0"/>
               </a:rPr>
-              <a:t>Đào</a:t>
-            </a:r>
-            <a:r>
-              <a:rPr lang="en-US" dirty="0" smtClean="0">
-                <a:solidFill>
-                  <a:schemeClr val="tx1">
-                    <a:lumMod val="75000"/>
-                    <a:lumOff val="25000"/>
-                  </a:schemeClr>
-                </a:solidFill>
-                <a:latin typeface="Segoe UI Light" pitchFamily="34" charset="0"/>
-                <a:cs typeface="Segoe UI Light" pitchFamily="34" charset="0"/>
-              </a:rPr>
-              <a:t> </a:t>
-            </a:r>
-            <a:r>
-              <a:rPr lang="en-US" dirty="0" err="1" smtClean="0">
-                <a:solidFill>
-                  <a:schemeClr val="tx1">
-                    <a:lumMod val="75000"/>
-                    <a:lumOff val="25000"/>
-                  </a:schemeClr>
-                </a:solidFill>
-                <a:latin typeface="Segoe UI Light" pitchFamily="34" charset="0"/>
-                <a:cs typeface="Segoe UI Light" pitchFamily="34" charset="0"/>
-              </a:rPr>
-              <a:t>Như</a:t>
-            </a:r>
-            <a:r>
-              <a:rPr lang="en-US" dirty="0" smtClean="0">
-                <a:solidFill>
-                  <a:schemeClr val="tx1">
-                    <a:lumMod val="75000"/>
-                    <a:lumOff val="25000"/>
-                  </a:schemeClr>
-                </a:solidFill>
-                <a:latin typeface="Segoe UI Light" pitchFamily="34" charset="0"/>
-                <a:cs typeface="Segoe UI Light" pitchFamily="34" charset="0"/>
-              </a:rPr>
-              <a:t> </a:t>
-            </a:r>
-            <a:r>
-              <a:rPr lang="en-US" dirty="0" err="1" smtClean="0">
-                <a:solidFill>
-                  <a:schemeClr val="tx1">
-                    <a:lumMod val="75000"/>
-                    <a:lumOff val="25000"/>
-                  </a:schemeClr>
-                </a:solidFill>
-                <a:latin typeface="Segoe UI Light" pitchFamily="34" charset="0"/>
-                <a:cs typeface="Segoe UI Light" pitchFamily="34" charset="0"/>
-              </a:rPr>
-              <a:t>Tùng</a:t>
-            </a:r>
-            <a:endParaRPr lang="en-US" dirty="0" smtClean="0">
-              <a:solidFill>
-                <a:schemeClr val="tx1">
-                  <a:lumMod val="75000"/>
-                  <a:lumOff val="25000"/>
-                </a:schemeClr>
-              </a:solidFill>
-              <a:latin typeface="Segoe UI Light" pitchFamily="34" charset="0"/>
-              <a:cs typeface="Segoe UI Light" pitchFamily="34" charset="0"/>
-            </a:endParaRPr>
+              <a:t>Đào Như Tùng</a:t>
+            </a:r>
           </a:p>
           <a:p>
             <a:pPr marL="625475" indent="-396875">
@@ -18801,7 +18399,7 @@
               <a:buChar char="■"/>
             </a:pPr>
             <a:r>
-              <a:rPr lang="en-US" dirty="0" err="1" smtClean="0">
+              <a:rPr lang="en-US" dirty="0" smtClean="0">
                 <a:solidFill>
                   <a:schemeClr val="tx1">
                     <a:lumMod val="75000"/>
@@ -18811,70 +18409,8 @@
                 <a:latin typeface="Segoe UI Light" pitchFamily="34" charset="0"/>
                 <a:cs typeface="Segoe UI Light" pitchFamily="34" charset="0"/>
               </a:rPr>
-              <a:t>Nguyễn</a:t>
-            </a:r>
-            <a:r>
-              <a:rPr lang="en-US" dirty="0" smtClean="0">
-                <a:solidFill>
-                  <a:schemeClr val="tx1">
-                    <a:lumMod val="75000"/>
-                    <a:lumOff val="25000"/>
-                  </a:schemeClr>
-                </a:solidFill>
-                <a:latin typeface="Segoe UI Light" pitchFamily="34" charset="0"/>
-                <a:cs typeface="Segoe UI Light" pitchFamily="34" charset="0"/>
-              </a:rPr>
-              <a:t> </a:t>
-            </a:r>
-            <a:r>
-              <a:rPr lang="en-US" dirty="0" err="1" smtClean="0">
-                <a:solidFill>
-                  <a:schemeClr val="tx1">
-                    <a:lumMod val="75000"/>
-                    <a:lumOff val="25000"/>
-                  </a:schemeClr>
-                </a:solidFill>
-                <a:latin typeface="Segoe UI Light" pitchFamily="34" charset="0"/>
-                <a:cs typeface="Segoe UI Light" pitchFamily="34" charset="0"/>
-              </a:rPr>
-              <a:t>Thanh</a:t>
-            </a:r>
-            <a:r>
-              <a:rPr lang="en-US" dirty="0" smtClean="0">
-                <a:solidFill>
-                  <a:schemeClr val="tx1">
-                    <a:lumMod val="75000"/>
-                    <a:lumOff val="25000"/>
-                  </a:schemeClr>
-                </a:solidFill>
-                <a:latin typeface="Segoe UI Light" pitchFamily="34" charset="0"/>
-                <a:cs typeface="Segoe UI Light" pitchFamily="34" charset="0"/>
-              </a:rPr>
-              <a:t> </a:t>
-            </a:r>
-            <a:r>
-              <a:rPr lang="en-US" dirty="0" err="1" smtClean="0">
-                <a:solidFill>
-                  <a:schemeClr val="tx1">
-                    <a:lumMod val="75000"/>
-                    <a:lumOff val="25000"/>
-                  </a:schemeClr>
-                </a:solidFill>
-                <a:latin typeface="Segoe UI Light" pitchFamily="34" charset="0"/>
-                <a:cs typeface="Segoe UI Light" pitchFamily="34" charset="0"/>
-              </a:rPr>
-              <a:t>Tùng</a:t>
-            </a:r>
-            <a:endParaRPr lang="en-US" dirty="0" smtClean="0">
-              <a:solidFill>
-                <a:schemeClr val="tx1">
-                  <a:lumMod val="75000"/>
-                  <a:lumOff val="25000"/>
-                </a:schemeClr>
-              </a:solidFill>
-              <a:latin typeface="Segoe UI Light" pitchFamily="34" charset="0"/>
-              <a:cs typeface="Segoe UI Light" pitchFamily="34" charset="0"/>
-            </a:endParaRPr>
+              <a:t>Nguyễn Thanh Tùng</a:t>
+            </a:r>
           </a:p>
           <a:p>
             <a:pPr marL="625475" indent="-396875">
@@ -19015,7 +18551,7 @@
               <a:buChar char="■"/>
             </a:pPr>
             <a:r>
-              <a:rPr lang="en-US" dirty="0" err="1" smtClean="0">
+              <a:rPr lang="en-US" dirty="0" smtClean="0">
                 <a:solidFill>
                   <a:schemeClr val="tx1">
                     <a:lumMod val="75000"/>
@@ -19025,70 +18561,8 @@
                 <a:latin typeface="Segoe UI Light" pitchFamily="34" charset="0"/>
                 <a:cs typeface="Segoe UI Light" pitchFamily="34" charset="0"/>
               </a:rPr>
-              <a:t>Đặng</a:t>
-            </a:r>
-            <a:r>
-              <a:rPr lang="en-US" dirty="0" smtClean="0">
-                <a:solidFill>
-                  <a:schemeClr val="tx1">
-                    <a:lumMod val="75000"/>
-                    <a:lumOff val="25000"/>
-                  </a:schemeClr>
-                </a:solidFill>
-                <a:latin typeface="Segoe UI Light" pitchFamily="34" charset="0"/>
-                <a:cs typeface="Segoe UI Light" pitchFamily="34" charset="0"/>
-              </a:rPr>
-              <a:t> </a:t>
-            </a:r>
-            <a:r>
-              <a:rPr lang="en-US" dirty="0" err="1" smtClean="0">
-                <a:solidFill>
-                  <a:schemeClr val="tx1">
-                    <a:lumMod val="75000"/>
-                    <a:lumOff val="25000"/>
-                  </a:schemeClr>
-                </a:solidFill>
-                <a:latin typeface="Segoe UI Light" pitchFamily="34" charset="0"/>
-                <a:cs typeface="Segoe UI Light" pitchFamily="34" charset="0"/>
-              </a:rPr>
-              <a:t>Quốc</a:t>
-            </a:r>
-            <a:r>
-              <a:rPr lang="en-US" dirty="0" smtClean="0">
-                <a:solidFill>
-                  <a:schemeClr val="tx1">
-                    <a:lumMod val="75000"/>
-                    <a:lumOff val="25000"/>
-                  </a:schemeClr>
-                </a:solidFill>
-                <a:latin typeface="Segoe UI Light" pitchFamily="34" charset="0"/>
-                <a:cs typeface="Segoe UI Light" pitchFamily="34" charset="0"/>
-              </a:rPr>
-              <a:t> </a:t>
-            </a:r>
-            <a:r>
-              <a:rPr lang="en-US" dirty="0" err="1" smtClean="0">
-                <a:solidFill>
-                  <a:schemeClr val="tx1">
-                    <a:lumMod val="75000"/>
-                    <a:lumOff val="25000"/>
-                  </a:schemeClr>
-                </a:solidFill>
-                <a:latin typeface="Segoe UI Light" pitchFamily="34" charset="0"/>
-                <a:cs typeface="Segoe UI Light" pitchFamily="34" charset="0"/>
-              </a:rPr>
-              <a:t>Duy</a:t>
-            </a:r>
-            <a:endParaRPr lang="en-US" dirty="0" smtClean="0">
-              <a:solidFill>
-                <a:schemeClr val="tx1">
-                  <a:lumMod val="75000"/>
-                  <a:lumOff val="25000"/>
-                </a:schemeClr>
-              </a:solidFill>
-              <a:latin typeface="Segoe UI Light" pitchFamily="34" charset="0"/>
-              <a:cs typeface="Segoe UI Light" pitchFamily="34" charset="0"/>
-            </a:endParaRPr>
+              <a:t>Đặng Quốc Duy</a:t>
+            </a:r>
           </a:p>
           <a:p>
             <a:pPr marL="625475" indent="-396875">
@@ -19496,7 +18970,7 @@
           <a:lstStyle/>
           <a:p>
             <a:pPr algn="ctr"/>
-            <a:endParaRPr lang="en-US"/>
+            <a:endParaRPr lang="en-US" dirty="0"/>
           </a:p>
         </p:txBody>
       </p:sp>
@@ -19913,7 +19387,7 @@
           <a:lstStyle/>
           <a:p>
             <a:pPr algn="ctr"/>
-            <a:endParaRPr lang="en-US"/>
+            <a:endParaRPr lang="en-US" dirty="0"/>
           </a:p>
         </p:txBody>
       </p:sp>
@@ -20649,7 +20123,7 @@
               <a:buChar char="Ø"/>
             </a:pPr>
             <a:r>
-              <a:rPr lang="en-US" dirty="0" err="1">
+              <a:rPr lang="en-US" dirty="0">
                 <a:solidFill>
                   <a:schemeClr val="bg1"/>
                 </a:solidFill>
@@ -20658,13 +20132,6 @@
               </a:rPr>
               <a:t>Ticket.St</a:t>
             </a:r>
-            <a:endParaRPr lang="en-US" dirty="0">
-              <a:solidFill>
-                <a:schemeClr val="bg1"/>
-              </a:solidFill>
-              <a:latin typeface="Segoe UI Light" pitchFamily="34" charset="0"/>
-              <a:cs typeface="Segoe UI Light" pitchFamily="34" charset="0"/>
-            </a:endParaRPr>
           </a:p>
         </p:txBody>
       </p:sp>
@@ -20704,13 +20171,6 @@
               </a:rPr>
               <a:t>Problem</a:t>
             </a:r>
-            <a:endParaRPr lang="en-US" dirty="0">
-              <a:solidFill>
-                <a:schemeClr val="bg1"/>
-              </a:solidFill>
-              <a:latin typeface="Segoe UI Light" pitchFamily="34" charset="0"/>
-              <a:cs typeface="Segoe UI Light" pitchFamily="34" charset="0"/>
-            </a:endParaRPr>
           </a:p>
         </p:txBody>
       </p:sp>
@@ -20834,7 +20294,7 @@
           <a:lstStyle/>
           <a:p>
             <a:pPr algn="ctr"/>
-            <a:endParaRPr lang="en-US"/>
+            <a:endParaRPr lang="en-US" dirty="0"/>
           </a:p>
         </p:txBody>
       </p:sp>
@@ -21617,7 +21077,7 @@
               <a:buChar char="Ø"/>
             </a:pPr>
             <a:r>
-              <a:rPr lang="en-US" dirty="0" err="1">
+              <a:rPr lang="en-US" dirty="0">
                 <a:solidFill>
                   <a:schemeClr val="bg1"/>
                 </a:solidFill>
@@ -21626,13 +21086,6 @@
               </a:rPr>
               <a:t>Ticket.St</a:t>
             </a:r>
-            <a:endParaRPr lang="en-US" dirty="0">
-              <a:solidFill>
-                <a:schemeClr val="bg1"/>
-              </a:solidFill>
-              <a:latin typeface="Segoe UI Light" pitchFamily="34" charset="0"/>
-              <a:cs typeface="Segoe UI Light" pitchFamily="34" charset="0"/>
-            </a:endParaRPr>
           </a:p>
         </p:txBody>
       </p:sp>
@@ -21672,13 +21125,6 @@
               </a:rPr>
               <a:t>Problem</a:t>
             </a:r>
-            <a:endParaRPr lang="en-US" dirty="0">
-              <a:solidFill>
-                <a:schemeClr val="bg1"/>
-              </a:solidFill>
-              <a:latin typeface="Segoe UI Light" pitchFamily="34" charset="0"/>
-              <a:cs typeface="Segoe UI Light" pitchFamily="34" charset="0"/>
-            </a:endParaRPr>
           </a:p>
         </p:txBody>
       </p:sp>
@@ -21886,7 +21332,7 @@
           <a:lstStyle/>
           <a:p>
             <a:pPr algn="ctr"/>
-            <a:endParaRPr lang="en-US"/>
+            <a:endParaRPr lang="en-US" dirty="0"/>
           </a:p>
         </p:txBody>
       </p:sp>
@@ -22425,7 +21871,7 @@
               <a:buChar char="Ø"/>
             </a:pPr>
             <a:r>
-              <a:rPr lang="en-US" dirty="0" err="1">
+              <a:rPr lang="en-US" dirty="0">
                 <a:solidFill>
                   <a:schemeClr val="bg1"/>
                 </a:solidFill>
@@ -22434,13 +21880,6 @@
               </a:rPr>
               <a:t>Ticket.St</a:t>
             </a:r>
-            <a:endParaRPr lang="en-US" dirty="0">
-              <a:solidFill>
-                <a:schemeClr val="bg1"/>
-              </a:solidFill>
-              <a:latin typeface="Segoe UI Light" pitchFamily="34" charset="0"/>
-              <a:cs typeface="Segoe UI Light" pitchFamily="34" charset="0"/>
-            </a:endParaRPr>
           </a:p>
         </p:txBody>
       </p:sp>
@@ -22480,13 +21919,6 @@
               </a:rPr>
               <a:t>Problem</a:t>
             </a:r>
-            <a:endParaRPr lang="en-US" dirty="0">
-              <a:solidFill>
-                <a:schemeClr val="bg1"/>
-              </a:solidFill>
-              <a:latin typeface="Segoe UI Light" pitchFamily="34" charset="0"/>
-              <a:cs typeface="Segoe UI Light" pitchFamily="34" charset="0"/>
-            </a:endParaRPr>
           </a:p>
         </p:txBody>
       </p:sp>
@@ -22775,7 +22207,7 @@
           <a:lstStyle/>
           <a:p>
             <a:pPr algn="ctr"/>
-            <a:endParaRPr lang="en-US"/>
+            <a:endParaRPr lang="en-US" dirty="0"/>
           </a:p>
         </p:txBody>
       </p:sp>
@@ -23314,7 +22746,7 @@
               <a:buChar char="Ø"/>
             </a:pPr>
             <a:r>
-              <a:rPr lang="en-US" dirty="0" err="1">
+              <a:rPr lang="en-US" dirty="0">
                 <a:solidFill>
                   <a:schemeClr val="bg1"/>
                 </a:solidFill>
@@ -23323,13 +22755,6 @@
               </a:rPr>
               <a:t>Ticket.St</a:t>
             </a:r>
-            <a:endParaRPr lang="en-US" dirty="0">
-              <a:solidFill>
-                <a:schemeClr val="bg1"/>
-              </a:solidFill>
-              <a:latin typeface="Segoe UI Light" pitchFamily="34" charset="0"/>
-              <a:cs typeface="Segoe UI Light" pitchFamily="34" charset="0"/>
-            </a:endParaRPr>
           </a:p>
         </p:txBody>
       </p:sp>
@@ -23369,13 +22794,6 @@
               </a:rPr>
               <a:t>Problem</a:t>
             </a:r>
-            <a:endParaRPr lang="en-US" dirty="0">
-              <a:solidFill>
-                <a:schemeClr val="bg1"/>
-              </a:solidFill>
-              <a:latin typeface="Segoe UI Light" pitchFamily="34" charset="0"/>
-              <a:cs typeface="Segoe UI Light" pitchFamily="34" charset="0"/>
-            </a:endParaRPr>
           </a:p>
         </p:txBody>
       </p:sp>
@@ -23494,8 +22912,31 @@
                 <a:latin typeface="Segoe UI Light" pitchFamily="34" charset="0"/>
                 <a:cs typeface="Segoe UI Light" pitchFamily="34" charset="0"/>
               </a:rPr>
-              <a:t>More people know your ticket by trading online.</a:t>
-            </a:r>
+              <a:t>More people know your ticket by trading </a:t>
+            </a:r>
+            <a:r>
+              <a:rPr lang="en-US" sz="2000" dirty="0" smtClean="0">
+                <a:solidFill>
+                  <a:schemeClr val="tx1">
+                    <a:lumMod val="75000"/>
+                    <a:lumOff val="25000"/>
+                  </a:schemeClr>
+                </a:solidFill>
+                <a:latin typeface="Segoe UI Light" pitchFamily="34" charset="0"/>
+                <a:cs typeface="Segoe UI Light" pitchFamily="34" charset="0"/>
+              </a:rPr>
+              <a:t>online</a:t>
+            </a:r>
+            <a:endParaRPr lang="en-US" sz="2000" dirty="0">
+              <a:solidFill>
+                <a:schemeClr val="tx1">
+                  <a:lumMod val="75000"/>
+                  <a:lumOff val="25000"/>
+                </a:schemeClr>
+              </a:solidFill>
+              <a:latin typeface="Segoe UI Light" pitchFamily="34" charset="0"/>
+              <a:cs typeface="Segoe UI Light" pitchFamily="34" charset="0"/>
+            </a:endParaRPr>
           </a:p>
           <a:p>
             <a:pPr marL="342900" indent="-342900">
@@ -23836,7 +23277,7 @@
           <a:lstStyle/>
           <a:p>
             <a:pPr algn="ctr"/>
-            <a:endParaRPr lang="en-US"/>
+            <a:endParaRPr lang="en-US" dirty="0"/>
           </a:p>
         </p:txBody>
       </p:sp>
@@ -24210,7 +23651,7 @@
           <a:lstStyle/>
           <a:p>
             <a:pPr algn="ctr"/>
-            <a:endParaRPr lang="en-US"/>
+            <a:endParaRPr lang="en-US" dirty="0"/>
           </a:p>
         </p:txBody>
       </p:sp>
@@ -24438,24 +23879,14 @@
           <a:lstStyle/>
           <a:p>
             <a:r>
-              <a:rPr lang="en-US" sz="2200" dirty="0" err="1" smtClean="0">
+              <a:rPr lang="en-US" sz="2200" dirty="0" smtClean="0">
                 <a:solidFill>
                   <a:schemeClr val="bg1"/>
                 </a:solidFill>
                 <a:latin typeface="Segoe UI Light" pitchFamily="34" charset="0"/>
                 <a:cs typeface="Segoe UI Light" pitchFamily="34" charset="0"/>
               </a:rPr>
-              <a:t>DropIt</a:t>
-            </a:r>
-            <a:r>
-              <a:rPr lang="en-US" sz="2200" dirty="0" smtClean="0">
-                <a:solidFill>
-                  <a:schemeClr val="bg1"/>
-                </a:solidFill>
-                <a:latin typeface="Segoe UI Light" pitchFamily="34" charset="0"/>
-                <a:cs typeface="Segoe UI Light" pitchFamily="34" charset="0"/>
-              </a:rPr>
-              <a:t> Project</a:t>
+              <a:t>DropIt Project</a:t>
             </a:r>
             <a:endParaRPr lang="en-US" sz="2200" dirty="0">
               <a:solidFill>

--- a/Document/Present.pptx
+++ b/Document/Present.pptx
@@ -128,7 +128,7 @@
   </p:defaultTextStyle>
   <p:extLst>
     <p:ext uri="{EFAFB233-063F-42B5-8137-9DF3F51BA10A}">
-      <p15:sldGuideLst xmlns="" xmlns:p15="http://schemas.microsoft.com/office/powerpoint/2012/main">
+      <p15:sldGuideLst xmlns:p15="http://schemas.microsoft.com/office/powerpoint/2012/main" xmlns="">
         <p15:guide id="1" orient="horz" pos="2160">
           <p15:clr>
             <a:srgbClr val="A4A3A4"/>
@@ -14155,6 +14155,471 @@
           </a:p>
         </p:txBody>
       </p:sp>
+      <p:sp>
+        <p:nvSpPr>
+          <p:cNvPr id="15" name="Right Arrow 14"/>
+          <p:cNvSpPr/>
+          <p:nvPr/>
+        </p:nvSpPr>
+        <p:spPr>
+          <a:xfrm>
+            <a:off x="3257536" y="1914533"/>
+            <a:ext cx="628664" cy="45719"/>
+          </a:xfrm>
+          <a:prstGeom prst="rightArrow">
+            <a:avLst/>
+          </a:prstGeom>
+        </p:spPr>
+        <p:style>
+          <a:lnRef idx="2">
+            <a:schemeClr val="accent1">
+              <a:shade val="50000"/>
+            </a:schemeClr>
+          </a:lnRef>
+          <a:fillRef idx="1">
+            <a:schemeClr val="accent1"/>
+          </a:fillRef>
+          <a:effectRef idx="0">
+            <a:schemeClr val="accent1"/>
+          </a:effectRef>
+          <a:fontRef idx="minor">
+            <a:schemeClr val="lt1"/>
+          </a:fontRef>
+        </p:style>
+        <p:txBody>
+          <a:bodyPr rtlCol="0" anchor="ctr"/>
+          <a:lstStyle/>
+          <a:p>
+            <a:pPr algn="ctr"/>
+            <a:endParaRPr lang="en-US"/>
+          </a:p>
+        </p:txBody>
+      </p:sp>
+      <p:sp>
+        <p:nvSpPr>
+          <p:cNvPr id="16" name="Oval 15"/>
+          <p:cNvSpPr/>
+          <p:nvPr/>
+        </p:nvSpPr>
+        <p:spPr>
+          <a:xfrm>
+            <a:off x="4038600" y="1609265"/>
+            <a:ext cx="1524000" cy="752935"/>
+          </a:xfrm>
+          <a:prstGeom prst="ellipse">
+            <a:avLst/>
+          </a:prstGeom>
+        </p:spPr>
+        <p:style>
+          <a:lnRef idx="2">
+            <a:schemeClr val="accent1">
+              <a:shade val="50000"/>
+            </a:schemeClr>
+          </a:lnRef>
+          <a:fillRef idx="1">
+            <a:schemeClr val="accent1"/>
+          </a:fillRef>
+          <a:effectRef idx="0">
+            <a:schemeClr val="accent1"/>
+          </a:effectRef>
+          <a:fontRef idx="minor">
+            <a:schemeClr val="lt1"/>
+          </a:fontRef>
+        </p:style>
+        <p:txBody>
+          <a:bodyPr rtlCol="0" anchor="ctr"/>
+          <a:lstStyle/>
+          <a:p>
+            <a:pPr algn="ctr"/>
+            <a:r>
+              <a:rPr lang="en-US" dirty="0" smtClean="0"/>
+              <a:t>Login or </a:t>
+            </a:r>
+            <a:r>
+              <a:rPr lang="en-US" dirty="0" smtClean="0"/>
+              <a:t>Register</a:t>
+            </a:r>
+            <a:endParaRPr lang="en-US" dirty="0"/>
+          </a:p>
+        </p:txBody>
+      </p:sp>
+      <p:sp>
+        <p:nvSpPr>
+          <p:cNvPr id="23" name="Oval 22"/>
+          <p:cNvSpPr/>
+          <p:nvPr/>
+        </p:nvSpPr>
+        <p:spPr>
+          <a:xfrm>
+            <a:off x="6172200" y="1609265"/>
+            <a:ext cx="1752600" cy="752935"/>
+          </a:xfrm>
+          <a:prstGeom prst="ellipse">
+            <a:avLst/>
+          </a:prstGeom>
+        </p:spPr>
+        <p:style>
+          <a:lnRef idx="2">
+            <a:schemeClr val="accent1">
+              <a:shade val="50000"/>
+            </a:schemeClr>
+          </a:lnRef>
+          <a:fillRef idx="1">
+            <a:schemeClr val="accent1"/>
+          </a:fillRef>
+          <a:effectRef idx="0">
+            <a:schemeClr val="accent1"/>
+          </a:effectRef>
+          <a:fontRef idx="minor">
+            <a:schemeClr val="lt1"/>
+          </a:fontRef>
+        </p:style>
+        <p:txBody>
+          <a:bodyPr rtlCol="0" anchor="ctr"/>
+          <a:lstStyle/>
+          <a:p>
+            <a:pPr algn="ctr"/>
+            <a:r>
+              <a:rPr lang="en-US" dirty="0" smtClean="0"/>
+              <a:t>Request page</a:t>
+            </a:r>
+            <a:endParaRPr lang="en-US" dirty="0"/>
+          </a:p>
+        </p:txBody>
+      </p:sp>
+      <p:sp>
+        <p:nvSpPr>
+          <p:cNvPr id="28" name="Oval 27"/>
+          <p:cNvSpPr/>
+          <p:nvPr/>
+        </p:nvSpPr>
+        <p:spPr>
+          <a:xfrm>
+            <a:off x="6324600" y="3133265"/>
+            <a:ext cx="1524000" cy="752935"/>
+          </a:xfrm>
+          <a:prstGeom prst="ellipse">
+            <a:avLst/>
+          </a:prstGeom>
+        </p:spPr>
+        <p:style>
+          <a:lnRef idx="2">
+            <a:schemeClr val="accent1">
+              <a:shade val="50000"/>
+            </a:schemeClr>
+          </a:lnRef>
+          <a:fillRef idx="1">
+            <a:schemeClr val="accent1"/>
+          </a:fillRef>
+          <a:effectRef idx="0">
+            <a:schemeClr val="accent1"/>
+          </a:effectRef>
+          <a:fontRef idx="minor">
+            <a:schemeClr val="lt1"/>
+          </a:fontRef>
+        </p:style>
+        <p:txBody>
+          <a:bodyPr rtlCol="0" anchor="ctr"/>
+          <a:lstStyle/>
+          <a:p>
+            <a:pPr algn="ctr"/>
+            <a:r>
+              <a:rPr lang="en-US" dirty="0" smtClean="0"/>
+              <a:t>Select Event</a:t>
+            </a:r>
+            <a:endParaRPr lang="en-US" dirty="0"/>
+          </a:p>
+        </p:txBody>
+      </p:sp>
+      <p:sp>
+        <p:nvSpPr>
+          <p:cNvPr id="29" name="Right Arrow 28"/>
+          <p:cNvSpPr/>
+          <p:nvPr/>
+        </p:nvSpPr>
+        <p:spPr>
+          <a:xfrm>
+            <a:off x="5638800" y="1935481"/>
+            <a:ext cx="457200" cy="45719"/>
+          </a:xfrm>
+          <a:prstGeom prst="rightArrow">
+            <a:avLst/>
+          </a:prstGeom>
+        </p:spPr>
+        <p:style>
+          <a:lnRef idx="2">
+            <a:schemeClr val="accent1">
+              <a:shade val="50000"/>
+            </a:schemeClr>
+          </a:lnRef>
+          <a:fillRef idx="1">
+            <a:schemeClr val="accent1"/>
+          </a:fillRef>
+          <a:effectRef idx="0">
+            <a:schemeClr val="accent1"/>
+          </a:effectRef>
+          <a:fontRef idx="minor">
+            <a:schemeClr val="lt1"/>
+          </a:fontRef>
+        </p:style>
+        <p:txBody>
+          <a:bodyPr rtlCol="0" anchor="ctr"/>
+          <a:lstStyle/>
+          <a:p>
+            <a:pPr algn="ctr"/>
+            <a:endParaRPr lang="en-US"/>
+          </a:p>
+        </p:txBody>
+      </p:sp>
+      <p:sp>
+        <p:nvSpPr>
+          <p:cNvPr id="31" name="Down Arrow 30"/>
+          <p:cNvSpPr/>
+          <p:nvPr/>
+        </p:nvSpPr>
+        <p:spPr>
+          <a:xfrm>
+            <a:off x="7086600" y="2476501"/>
+            <a:ext cx="76200" cy="524714"/>
+          </a:xfrm>
+          <a:prstGeom prst="downArrow">
+            <a:avLst/>
+          </a:prstGeom>
+        </p:spPr>
+        <p:style>
+          <a:lnRef idx="2">
+            <a:schemeClr val="accent1">
+              <a:shade val="50000"/>
+            </a:schemeClr>
+          </a:lnRef>
+          <a:fillRef idx="1">
+            <a:schemeClr val="accent1"/>
+          </a:fillRef>
+          <a:effectRef idx="0">
+            <a:schemeClr val="accent1"/>
+          </a:effectRef>
+          <a:fontRef idx="minor">
+            <a:schemeClr val="lt1"/>
+          </a:fontRef>
+        </p:style>
+        <p:txBody>
+          <a:bodyPr rtlCol="0" anchor="ctr"/>
+          <a:lstStyle/>
+          <a:p>
+            <a:pPr algn="ctr"/>
+            <a:endParaRPr lang="en-US"/>
+          </a:p>
+        </p:txBody>
+      </p:sp>
+      <p:sp>
+        <p:nvSpPr>
+          <p:cNvPr id="32" name="Oval 31"/>
+          <p:cNvSpPr/>
+          <p:nvPr/>
+        </p:nvSpPr>
+        <p:spPr>
+          <a:xfrm>
+            <a:off x="3886200" y="3155104"/>
+            <a:ext cx="1752600" cy="722031"/>
+          </a:xfrm>
+          <a:prstGeom prst="ellipse">
+            <a:avLst/>
+          </a:prstGeom>
+        </p:spPr>
+        <p:style>
+          <a:lnRef idx="2">
+            <a:schemeClr val="accent1">
+              <a:shade val="50000"/>
+            </a:schemeClr>
+          </a:lnRef>
+          <a:fillRef idx="1">
+            <a:schemeClr val="accent1"/>
+          </a:fillRef>
+          <a:effectRef idx="0">
+            <a:schemeClr val="accent1"/>
+          </a:effectRef>
+          <a:fontRef idx="minor">
+            <a:schemeClr val="lt1"/>
+          </a:fontRef>
+        </p:style>
+        <p:txBody>
+          <a:bodyPr rtlCol="0" anchor="ctr"/>
+          <a:lstStyle/>
+          <a:p>
+            <a:pPr algn="ctr"/>
+            <a:r>
+              <a:rPr lang="en-US" dirty="0" smtClean="0"/>
+              <a:t>Input info </a:t>
+            </a:r>
+            <a:endParaRPr lang="en-US" dirty="0"/>
+          </a:p>
+        </p:txBody>
+      </p:sp>
+      <p:sp>
+        <p:nvSpPr>
+          <p:cNvPr id="33" name="Left Arrow 32"/>
+          <p:cNvSpPr/>
+          <p:nvPr/>
+        </p:nvSpPr>
+        <p:spPr>
+          <a:xfrm>
+            <a:off x="5715000" y="3505202"/>
+            <a:ext cx="533400" cy="45719"/>
+          </a:xfrm>
+          <a:prstGeom prst="leftArrow">
+            <a:avLst/>
+          </a:prstGeom>
+        </p:spPr>
+        <p:style>
+          <a:lnRef idx="2">
+            <a:schemeClr val="accent1">
+              <a:shade val="50000"/>
+            </a:schemeClr>
+          </a:lnRef>
+          <a:fillRef idx="1">
+            <a:schemeClr val="accent1"/>
+          </a:fillRef>
+          <a:effectRef idx="0">
+            <a:schemeClr val="accent1"/>
+          </a:effectRef>
+          <a:fontRef idx="minor">
+            <a:schemeClr val="lt1"/>
+          </a:fontRef>
+        </p:style>
+        <p:txBody>
+          <a:bodyPr rtlCol="0" anchor="ctr"/>
+          <a:lstStyle/>
+          <a:p>
+            <a:pPr algn="ctr"/>
+            <a:endParaRPr lang="en-US"/>
+          </a:p>
+        </p:txBody>
+      </p:sp>
+      <p:sp>
+        <p:nvSpPr>
+          <p:cNvPr id="34" name="Oval 33"/>
+          <p:cNvSpPr/>
+          <p:nvPr/>
+        </p:nvSpPr>
+        <p:spPr>
+          <a:xfrm>
+            <a:off x="3962400" y="4733465"/>
+            <a:ext cx="1524000" cy="752935"/>
+          </a:xfrm>
+          <a:prstGeom prst="ellipse">
+            <a:avLst/>
+          </a:prstGeom>
+        </p:spPr>
+        <p:style>
+          <a:lnRef idx="2">
+            <a:schemeClr val="accent1">
+              <a:shade val="50000"/>
+            </a:schemeClr>
+          </a:lnRef>
+          <a:fillRef idx="1">
+            <a:schemeClr val="accent1"/>
+          </a:fillRef>
+          <a:effectRef idx="0">
+            <a:schemeClr val="accent1"/>
+          </a:effectRef>
+          <a:fontRef idx="minor">
+            <a:schemeClr val="lt1"/>
+          </a:fontRef>
+        </p:style>
+        <p:txBody>
+          <a:bodyPr rtlCol="0" anchor="ctr"/>
+          <a:lstStyle/>
+          <a:p>
+            <a:pPr algn="ctr"/>
+            <a:r>
+              <a:rPr lang="en-US" dirty="0" smtClean="0"/>
+              <a:t>Post Request</a:t>
+            </a:r>
+            <a:endParaRPr lang="en-US" dirty="0"/>
+          </a:p>
+        </p:txBody>
+      </p:sp>
+      <p:sp>
+        <p:nvSpPr>
+          <p:cNvPr id="35" name="Down Arrow 34"/>
+          <p:cNvSpPr/>
+          <p:nvPr/>
+        </p:nvSpPr>
+        <p:spPr>
+          <a:xfrm>
+            <a:off x="4678681" y="4038600"/>
+            <a:ext cx="45719" cy="533400"/>
+          </a:xfrm>
+          <a:prstGeom prst="downArrow">
+            <a:avLst/>
+          </a:prstGeom>
+        </p:spPr>
+        <p:style>
+          <a:lnRef idx="2">
+            <a:schemeClr val="accent1">
+              <a:shade val="50000"/>
+            </a:schemeClr>
+          </a:lnRef>
+          <a:fillRef idx="1">
+            <a:schemeClr val="accent1"/>
+          </a:fillRef>
+          <a:effectRef idx="0">
+            <a:schemeClr val="accent1"/>
+          </a:effectRef>
+          <a:fontRef idx="minor">
+            <a:schemeClr val="lt1"/>
+          </a:fontRef>
+        </p:style>
+        <p:txBody>
+          <a:bodyPr rtlCol="0" anchor="ctr"/>
+          <a:lstStyle/>
+          <a:p>
+            <a:pPr algn="ctr"/>
+            <a:endParaRPr lang="en-US"/>
+          </a:p>
+        </p:txBody>
+      </p:sp>
+      <p:pic>
+        <p:nvPicPr>
+          <p:cNvPr id="36" name="Picture 5" descr="http://www.veryicon.com/icon/png/Avatar/People/Engineer.png"/>
+          <p:cNvPicPr>
+            <a:picLocks noChangeAspect="1" noChangeArrowheads="1"/>
+          </p:cNvPicPr>
+          <p:nvPr/>
+        </p:nvPicPr>
+        <p:blipFill>
+          <a:blip r:embed="rId3">
+            <a:extLst>
+              <a:ext uri="{28A0092B-C50C-407E-A947-70E740481C1C}">
+                <a14:useLocalDpi xmlns:a14="http://schemas.microsoft.com/office/drawing/2010/main" val="0"/>
+              </a:ext>
+            </a:extLst>
+          </a:blip>
+          <a:srcRect/>
+          <a:stretch>
+            <a:fillRect/>
+          </a:stretch>
+        </p:blipFill>
+        <p:spPr bwMode="auto">
+          <a:xfrm>
+            <a:off x="2133600" y="1352565"/>
+            <a:ext cx="1123936" cy="1123936"/>
+          </a:xfrm>
+          <a:prstGeom prst="rect">
+            <a:avLst/>
+          </a:prstGeom>
+          <a:noFill/>
+          <a:extLst>
+            <a:ext uri="{909E8E84-426E-40DD-AFC4-6F175D3DCCD1}">
+              <a14:hiddenFill xmlns:a14="http://schemas.microsoft.com/office/drawing/2010/main">
+                <a:solidFill>
+                  <a:srgbClr val="FFFFFF"/>
+                </a:solidFill>
+              </a14:hiddenFill>
+            </a:ext>
+          </a:extLst>
+        </p:spPr>
+      </p:pic>
     </p:spTree>
     <p:extLst>
       <p:ext uri="{BB962C8B-B14F-4D97-AF65-F5344CB8AC3E}">
@@ -14168,9 +14633,484 @@
   <p:timing>
     <p:tnLst>
       <p:par>
-        <p:cTn id="1" dur="indefinite" restart="never" nodeType="tmRoot"/>
+        <p:cTn id="1" dur="indefinite" restart="never" nodeType="tmRoot">
+          <p:childTnLst>
+            <p:seq concurrent="1" nextAc="seek">
+              <p:cTn id="2" dur="indefinite" nodeType="mainSeq">
+                <p:childTnLst>
+                  <p:par>
+                    <p:cTn id="3" fill="hold">
+                      <p:stCondLst>
+                        <p:cond delay="indefinite"/>
+                      </p:stCondLst>
+                      <p:childTnLst>
+                        <p:par>
+                          <p:cTn id="4" fill="hold">
+                            <p:stCondLst>
+                              <p:cond delay="0"/>
+                            </p:stCondLst>
+                            <p:childTnLst>
+                              <p:par>
+                                <p:cTn id="5" presetID="10" presetClass="entr" presetSubtype="0" fill="hold" grpId="0" nodeType="clickEffect">
+                                  <p:stCondLst>
+                                    <p:cond delay="0"/>
+                                  </p:stCondLst>
+                                  <p:childTnLst>
+                                    <p:set>
+                                      <p:cBhvr>
+                                        <p:cTn id="6" dur="1" fill="hold">
+                                          <p:stCondLst>
+                                            <p:cond delay="0"/>
+                                          </p:stCondLst>
+                                        </p:cTn>
+                                        <p:tgtEl>
+                                          <p:spTgt spid="15"/>
+                                        </p:tgtEl>
+                                        <p:attrNameLst>
+                                          <p:attrName>style.visibility</p:attrName>
+                                        </p:attrNameLst>
+                                      </p:cBhvr>
+                                      <p:to>
+                                        <p:strVal val="visible"/>
+                                      </p:to>
+                                    </p:set>
+                                    <p:animEffect transition="in" filter="fade">
+                                      <p:cBhvr>
+                                        <p:cTn id="7" dur="500"/>
+                                        <p:tgtEl>
+                                          <p:spTgt spid="15"/>
+                                        </p:tgtEl>
+                                      </p:cBhvr>
+                                    </p:animEffect>
+                                  </p:childTnLst>
+                                </p:cTn>
+                              </p:par>
+                              <p:par>
+                                <p:cTn id="8" presetID="10" presetClass="entr" presetSubtype="0" fill="hold" grpId="0" nodeType="withEffect">
+                                  <p:stCondLst>
+                                    <p:cond delay="0"/>
+                                  </p:stCondLst>
+                                  <p:childTnLst>
+                                    <p:set>
+                                      <p:cBhvr>
+                                        <p:cTn id="9" dur="1" fill="hold">
+                                          <p:stCondLst>
+                                            <p:cond delay="0"/>
+                                          </p:stCondLst>
+                                        </p:cTn>
+                                        <p:tgtEl>
+                                          <p:spTgt spid="16"/>
+                                        </p:tgtEl>
+                                        <p:attrNameLst>
+                                          <p:attrName>style.visibility</p:attrName>
+                                        </p:attrNameLst>
+                                      </p:cBhvr>
+                                      <p:to>
+                                        <p:strVal val="visible"/>
+                                      </p:to>
+                                    </p:set>
+                                    <p:animEffect transition="in" filter="fade">
+                                      <p:cBhvr>
+                                        <p:cTn id="10" dur="500"/>
+                                        <p:tgtEl>
+                                          <p:spTgt spid="16"/>
+                                        </p:tgtEl>
+                                      </p:cBhvr>
+                                    </p:animEffect>
+                                  </p:childTnLst>
+                                </p:cTn>
+                              </p:par>
+                            </p:childTnLst>
+                          </p:cTn>
+                        </p:par>
+                      </p:childTnLst>
+                    </p:cTn>
+                  </p:par>
+                  <p:par>
+                    <p:cTn id="11" fill="hold">
+                      <p:stCondLst>
+                        <p:cond delay="indefinite"/>
+                      </p:stCondLst>
+                      <p:childTnLst>
+                        <p:par>
+                          <p:cTn id="12" fill="hold">
+                            <p:stCondLst>
+                              <p:cond delay="0"/>
+                            </p:stCondLst>
+                            <p:childTnLst>
+                              <p:par>
+                                <p:cTn id="13" presetID="10" presetClass="entr" presetSubtype="0" fill="hold" grpId="0" nodeType="clickEffect">
+                                  <p:stCondLst>
+                                    <p:cond delay="0"/>
+                                  </p:stCondLst>
+                                  <p:childTnLst>
+                                    <p:set>
+                                      <p:cBhvr>
+                                        <p:cTn id="14" dur="1" fill="hold">
+                                          <p:stCondLst>
+                                            <p:cond delay="0"/>
+                                          </p:stCondLst>
+                                        </p:cTn>
+                                        <p:tgtEl>
+                                          <p:spTgt spid="29"/>
+                                        </p:tgtEl>
+                                        <p:attrNameLst>
+                                          <p:attrName>style.visibility</p:attrName>
+                                        </p:attrNameLst>
+                                      </p:cBhvr>
+                                      <p:to>
+                                        <p:strVal val="visible"/>
+                                      </p:to>
+                                    </p:set>
+                                    <p:animEffect transition="in" filter="fade">
+                                      <p:cBhvr>
+                                        <p:cTn id="15" dur="500"/>
+                                        <p:tgtEl>
+                                          <p:spTgt spid="29"/>
+                                        </p:tgtEl>
+                                      </p:cBhvr>
+                                    </p:animEffect>
+                                  </p:childTnLst>
+                                </p:cTn>
+                              </p:par>
+                              <p:par>
+                                <p:cTn id="16" presetID="10" presetClass="entr" presetSubtype="0" fill="hold" grpId="0" nodeType="withEffect">
+                                  <p:stCondLst>
+                                    <p:cond delay="0"/>
+                                  </p:stCondLst>
+                                  <p:childTnLst>
+                                    <p:set>
+                                      <p:cBhvr>
+                                        <p:cTn id="17" dur="1" fill="hold">
+                                          <p:stCondLst>
+                                            <p:cond delay="0"/>
+                                          </p:stCondLst>
+                                        </p:cTn>
+                                        <p:tgtEl>
+                                          <p:spTgt spid="23"/>
+                                        </p:tgtEl>
+                                        <p:attrNameLst>
+                                          <p:attrName>style.visibility</p:attrName>
+                                        </p:attrNameLst>
+                                      </p:cBhvr>
+                                      <p:to>
+                                        <p:strVal val="visible"/>
+                                      </p:to>
+                                    </p:set>
+                                    <p:animEffect transition="in" filter="fade">
+                                      <p:cBhvr>
+                                        <p:cTn id="18" dur="500"/>
+                                        <p:tgtEl>
+                                          <p:spTgt spid="23"/>
+                                        </p:tgtEl>
+                                      </p:cBhvr>
+                                    </p:animEffect>
+                                  </p:childTnLst>
+                                </p:cTn>
+                              </p:par>
+                            </p:childTnLst>
+                          </p:cTn>
+                        </p:par>
+                      </p:childTnLst>
+                    </p:cTn>
+                  </p:par>
+                  <p:par>
+                    <p:cTn id="19" fill="hold">
+                      <p:stCondLst>
+                        <p:cond delay="indefinite"/>
+                      </p:stCondLst>
+                      <p:childTnLst>
+                        <p:par>
+                          <p:cTn id="20" fill="hold">
+                            <p:stCondLst>
+                              <p:cond delay="0"/>
+                            </p:stCondLst>
+                            <p:childTnLst>
+                              <p:par>
+                                <p:cTn id="21" presetID="10" presetClass="entr" presetSubtype="0" fill="hold" grpId="0" nodeType="clickEffect">
+                                  <p:stCondLst>
+                                    <p:cond delay="0"/>
+                                  </p:stCondLst>
+                                  <p:childTnLst>
+                                    <p:set>
+                                      <p:cBhvr>
+                                        <p:cTn id="22" dur="1" fill="hold">
+                                          <p:stCondLst>
+                                            <p:cond delay="0"/>
+                                          </p:stCondLst>
+                                        </p:cTn>
+                                        <p:tgtEl>
+                                          <p:spTgt spid="31"/>
+                                        </p:tgtEl>
+                                        <p:attrNameLst>
+                                          <p:attrName>style.visibility</p:attrName>
+                                        </p:attrNameLst>
+                                      </p:cBhvr>
+                                      <p:to>
+                                        <p:strVal val="visible"/>
+                                      </p:to>
+                                    </p:set>
+                                    <p:animEffect transition="in" filter="fade">
+                                      <p:cBhvr>
+                                        <p:cTn id="23" dur="500"/>
+                                        <p:tgtEl>
+                                          <p:spTgt spid="31"/>
+                                        </p:tgtEl>
+                                      </p:cBhvr>
+                                    </p:animEffect>
+                                  </p:childTnLst>
+                                </p:cTn>
+                              </p:par>
+                              <p:par>
+                                <p:cTn id="24" presetID="10" presetClass="entr" presetSubtype="0" fill="hold" grpId="0" nodeType="withEffect">
+                                  <p:stCondLst>
+                                    <p:cond delay="0"/>
+                                  </p:stCondLst>
+                                  <p:childTnLst>
+                                    <p:set>
+                                      <p:cBhvr>
+                                        <p:cTn id="25" dur="1" fill="hold">
+                                          <p:stCondLst>
+                                            <p:cond delay="0"/>
+                                          </p:stCondLst>
+                                        </p:cTn>
+                                        <p:tgtEl>
+                                          <p:spTgt spid="28"/>
+                                        </p:tgtEl>
+                                        <p:attrNameLst>
+                                          <p:attrName>style.visibility</p:attrName>
+                                        </p:attrNameLst>
+                                      </p:cBhvr>
+                                      <p:to>
+                                        <p:strVal val="visible"/>
+                                      </p:to>
+                                    </p:set>
+                                    <p:animEffect transition="in" filter="fade">
+                                      <p:cBhvr>
+                                        <p:cTn id="26" dur="500"/>
+                                        <p:tgtEl>
+                                          <p:spTgt spid="28"/>
+                                        </p:tgtEl>
+                                      </p:cBhvr>
+                                    </p:animEffect>
+                                  </p:childTnLst>
+                                </p:cTn>
+                              </p:par>
+                            </p:childTnLst>
+                          </p:cTn>
+                        </p:par>
+                      </p:childTnLst>
+                    </p:cTn>
+                  </p:par>
+                  <p:par>
+                    <p:cTn id="27" fill="hold">
+                      <p:stCondLst>
+                        <p:cond delay="indefinite"/>
+                      </p:stCondLst>
+                      <p:childTnLst>
+                        <p:par>
+                          <p:cTn id="28" fill="hold">
+                            <p:stCondLst>
+                              <p:cond delay="0"/>
+                            </p:stCondLst>
+                            <p:childTnLst>
+                              <p:par>
+                                <p:cTn id="29" presetID="10" presetClass="entr" presetSubtype="0" fill="hold" grpId="0" nodeType="clickEffect">
+                                  <p:stCondLst>
+                                    <p:cond delay="0"/>
+                                  </p:stCondLst>
+                                  <p:childTnLst>
+                                    <p:set>
+                                      <p:cBhvr>
+                                        <p:cTn id="30" dur="1" fill="hold">
+                                          <p:stCondLst>
+                                            <p:cond delay="0"/>
+                                          </p:stCondLst>
+                                        </p:cTn>
+                                        <p:tgtEl>
+                                          <p:spTgt spid="33"/>
+                                        </p:tgtEl>
+                                        <p:attrNameLst>
+                                          <p:attrName>style.visibility</p:attrName>
+                                        </p:attrNameLst>
+                                      </p:cBhvr>
+                                      <p:to>
+                                        <p:strVal val="visible"/>
+                                      </p:to>
+                                    </p:set>
+                                    <p:animEffect transition="in" filter="fade">
+                                      <p:cBhvr>
+                                        <p:cTn id="31" dur="500"/>
+                                        <p:tgtEl>
+                                          <p:spTgt spid="33"/>
+                                        </p:tgtEl>
+                                      </p:cBhvr>
+                                    </p:animEffect>
+                                  </p:childTnLst>
+                                </p:cTn>
+                              </p:par>
+                              <p:par>
+                                <p:cTn id="32" presetID="10" presetClass="entr" presetSubtype="0" fill="hold" grpId="0" nodeType="withEffect">
+                                  <p:stCondLst>
+                                    <p:cond delay="0"/>
+                                  </p:stCondLst>
+                                  <p:childTnLst>
+                                    <p:set>
+                                      <p:cBhvr>
+                                        <p:cTn id="33" dur="1" fill="hold">
+                                          <p:stCondLst>
+                                            <p:cond delay="0"/>
+                                          </p:stCondLst>
+                                        </p:cTn>
+                                        <p:tgtEl>
+                                          <p:spTgt spid="32"/>
+                                        </p:tgtEl>
+                                        <p:attrNameLst>
+                                          <p:attrName>style.visibility</p:attrName>
+                                        </p:attrNameLst>
+                                      </p:cBhvr>
+                                      <p:to>
+                                        <p:strVal val="visible"/>
+                                      </p:to>
+                                    </p:set>
+                                    <p:animEffect transition="in" filter="fade">
+                                      <p:cBhvr>
+                                        <p:cTn id="34" dur="500"/>
+                                        <p:tgtEl>
+                                          <p:spTgt spid="32"/>
+                                        </p:tgtEl>
+                                      </p:cBhvr>
+                                    </p:animEffect>
+                                  </p:childTnLst>
+                                </p:cTn>
+                              </p:par>
+                            </p:childTnLst>
+                          </p:cTn>
+                        </p:par>
+                      </p:childTnLst>
+                    </p:cTn>
+                  </p:par>
+                  <p:par>
+                    <p:cTn id="35" fill="hold">
+                      <p:stCondLst>
+                        <p:cond delay="indefinite"/>
+                      </p:stCondLst>
+                      <p:childTnLst>
+                        <p:par>
+                          <p:cTn id="36" fill="hold">
+                            <p:stCondLst>
+                              <p:cond delay="0"/>
+                            </p:stCondLst>
+                            <p:childTnLst>
+                              <p:par>
+                                <p:cTn id="37" presetID="10" presetClass="entr" presetSubtype="0" fill="hold" grpId="0" nodeType="clickEffect">
+                                  <p:stCondLst>
+                                    <p:cond delay="0"/>
+                                  </p:stCondLst>
+                                  <p:childTnLst>
+                                    <p:set>
+                                      <p:cBhvr>
+                                        <p:cTn id="38" dur="1" fill="hold">
+                                          <p:stCondLst>
+                                            <p:cond delay="0"/>
+                                          </p:stCondLst>
+                                        </p:cTn>
+                                        <p:tgtEl>
+                                          <p:spTgt spid="35"/>
+                                        </p:tgtEl>
+                                        <p:attrNameLst>
+                                          <p:attrName>style.visibility</p:attrName>
+                                        </p:attrNameLst>
+                                      </p:cBhvr>
+                                      <p:to>
+                                        <p:strVal val="visible"/>
+                                      </p:to>
+                                    </p:set>
+                                    <p:animEffect transition="in" filter="fade">
+                                      <p:cBhvr>
+                                        <p:cTn id="39" dur="500"/>
+                                        <p:tgtEl>
+                                          <p:spTgt spid="35"/>
+                                        </p:tgtEl>
+                                      </p:cBhvr>
+                                    </p:animEffect>
+                                  </p:childTnLst>
+                                </p:cTn>
+                              </p:par>
+                              <p:par>
+                                <p:cTn id="40" presetID="10" presetClass="entr" presetSubtype="0" fill="hold" grpId="0" nodeType="withEffect">
+                                  <p:stCondLst>
+                                    <p:cond delay="0"/>
+                                  </p:stCondLst>
+                                  <p:childTnLst>
+                                    <p:set>
+                                      <p:cBhvr>
+                                        <p:cTn id="41" dur="1" fill="hold">
+                                          <p:stCondLst>
+                                            <p:cond delay="0"/>
+                                          </p:stCondLst>
+                                        </p:cTn>
+                                        <p:tgtEl>
+                                          <p:spTgt spid="34"/>
+                                        </p:tgtEl>
+                                        <p:attrNameLst>
+                                          <p:attrName>style.visibility</p:attrName>
+                                        </p:attrNameLst>
+                                      </p:cBhvr>
+                                      <p:to>
+                                        <p:strVal val="visible"/>
+                                      </p:to>
+                                    </p:set>
+                                    <p:animEffect transition="in" filter="fade">
+                                      <p:cBhvr>
+                                        <p:cTn id="42" dur="500"/>
+                                        <p:tgtEl>
+                                          <p:spTgt spid="34"/>
+                                        </p:tgtEl>
+                                      </p:cBhvr>
+                                    </p:animEffect>
+                                  </p:childTnLst>
+                                </p:cTn>
+                              </p:par>
+                            </p:childTnLst>
+                          </p:cTn>
+                        </p:par>
+                      </p:childTnLst>
+                    </p:cTn>
+                  </p:par>
+                </p:childTnLst>
+              </p:cTn>
+              <p:prevCondLst>
+                <p:cond evt="onPrev" delay="0">
+                  <p:tgtEl>
+                    <p:sldTgt/>
+                  </p:tgtEl>
+                </p:cond>
+              </p:prevCondLst>
+              <p:nextCondLst>
+                <p:cond evt="onNext" delay="0">
+                  <p:tgtEl>
+                    <p:sldTgt/>
+                  </p:tgtEl>
+                </p:cond>
+              </p:nextCondLst>
+            </p:seq>
+          </p:childTnLst>
+        </p:cTn>
       </p:par>
     </p:tnLst>
+    <p:bldLst>
+      <p:bldP spid="15" grpId="0" animBg="1"/>
+      <p:bldP spid="16" grpId="0" animBg="1"/>
+      <p:bldP spid="23" grpId="0" animBg="1"/>
+      <p:bldP spid="28" grpId="0" animBg="1"/>
+      <p:bldP spid="29" grpId="0" animBg="1"/>
+      <p:bldP spid="31" grpId="0" animBg="1"/>
+      <p:bldP spid="32" grpId="0" animBg="1"/>
+      <p:bldP spid="33" grpId="0" animBg="1"/>
+      <p:bldP spid="34" grpId="0" animBg="1"/>
+      <p:bldP spid="35" grpId="0" animBg="1"/>
+    </p:bldLst>
   </p:timing>
 </p:sld>
 </file>

--- a/Document/Present.pptx
+++ b/Document/Present.pptx
@@ -128,7 +128,7 @@
   </p:defaultTextStyle>
   <p:extLst>
     <p:ext uri="{EFAFB233-063F-42B5-8137-9DF3F51BA10A}">
-      <p15:sldGuideLst xmlns:p15="http://schemas.microsoft.com/office/powerpoint/2012/main" xmlns="">
+      <p15:sldGuideLst xmlns="" xmlns:p15="http://schemas.microsoft.com/office/powerpoint/2012/main">
         <p15:guide id="1" orient="horz" pos="2160">
           <p15:clr>
             <a:srgbClr val="A4A3A4"/>
@@ -1202,399 +1202,6 @@
       <dsp:cNvGrpSpPr/>
     </dsp:nvGrpSpPr>
     <dsp:grpSpPr/>
-    <dsp:sp modelId="{922539D6-1411-4F95-ABC6-9CA624F49588}">
-      <dsp:nvSpPr>
-        <dsp:cNvPr id="0" name=""/>
-        <dsp:cNvSpPr/>
-      </dsp:nvSpPr>
-      <dsp:spPr>
-        <a:xfrm>
-          <a:off x="972688" y="105853"/>
-          <a:ext cx="5692437" cy="1815972"/>
-        </a:xfrm>
-        <a:prstGeom prst="roundRect">
-          <a:avLst>
-            <a:gd name="adj" fmla="val 10000"/>
-          </a:avLst>
-        </a:prstGeom>
-        <a:solidFill>
-          <a:schemeClr val="accent1">
-            <a:hueOff val="0"/>
-            <a:satOff val="0"/>
-            <a:lumOff val="0"/>
-            <a:alphaOff val="0"/>
-          </a:schemeClr>
-        </a:solidFill>
-        <a:ln w="25400" cap="flat" cmpd="sng" algn="ctr">
-          <a:solidFill>
-            <a:schemeClr val="lt1">
-              <a:hueOff val="0"/>
-              <a:satOff val="0"/>
-              <a:lumOff val="0"/>
-              <a:alphaOff val="0"/>
-            </a:schemeClr>
-          </a:solidFill>
-          <a:prstDash val="solid"/>
-        </a:ln>
-        <a:effectLst/>
-      </dsp:spPr>
-      <dsp:style>
-        <a:lnRef idx="2">
-          <a:scrgbClr r="0" g="0" b="0"/>
-        </a:lnRef>
-        <a:fillRef idx="1">
-          <a:scrgbClr r="0" g="0" b="0"/>
-        </a:fillRef>
-        <a:effectRef idx="0">
-          <a:scrgbClr r="0" g="0" b="0"/>
-        </a:effectRef>
-        <a:fontRef idx="minor">
-          <a:schemeClr val="lt1"/>
-        </a:fontRef>
-      </dsp:style>
-      <dsp:txBody>
-        <a:bodyPr spcFirstLastPara="0" vert="horz" wrap="square" lIns="247650" tIns="247650" rIns="247650" bIns="247650" numCol="1" spcCol="1270" anchor="ctr" anchorCtr="0">
-          <a:noAutofit/>
-        </a:bodyPr>
-        <a:lstStyle/>
-        <a:p>
-          <a:pPr lvl="0" algn="l" defTabSz="2889250">
-            <a:lnSpc>
-              <a:spcPct val="90000"/>
-            </a:lnSpc>
-            <a:spcBef>
-              <a:spcPct val="0"/>
-            </a:spcBef>
-            <a:spcAft>
-              <a:spcPct val="35000"/>
-            </a:spcAft>
-          </a:pPr>
-          <a:r>
-            <a:rPr lang="en-US" sz="6500" kern="1200" dirty="0" smtClean="0"/>
-            <a:t> </a:t>
-          </a:r>
-          <a:endParaRPr lang="en-US" sz="6500" kern="1200" dirty="0"/>
-        </a:p>
-      </dsp:txBody>
-      <dsp:txXfrm>
-        <a:off x="1025876" y="159041"/>
-        <a:ext cx="3724002" cy="1709596"/>
-      </dsp:txXfrm>
-    </dsp:sp>
-    <dsp:sp modelId="{F412019C-E47A-465C-816F-304AD6E84017}">
-      <dsp:nvSpPr>
-        <dsp:cNvPr id="0" name=""/>
-        <dsp:cNvSpPr/>
-      </dsp:nvSpPr>
-      <dsp:spPr>
-        <a:xfrm>
-          <a:off x="999485" y="2125662"/>
-          <a:ext cx="5665640" cy="1815972"/>
-        </a:xfrm>
-        <a:prstGeom prst="roundRect">
-          <a:avLst>
-            <a:gd name="adj" fmla="val 10000"/>
-          </a:avLst>
-        </a:prstGeom>
-        <a:solidFill>
-          <a:schemeClr val="accent1">
-            <a:hueOff val="0"/>
-            <a:satOff val="0"/>
-            <a:lumOff val="0"/>
-            <a:alphaOff val="0"/>
-          </a:schemeClr>
-        </a:solidFill>
-        <a:ln w="25400" cap="flat" cmpd="sng" algn="ctr">
-          <a:solidFill>
-            <a:schemeClr val="lt1">
-              <a:hueOff val="0"/>
-              <a:satOff val="0"/>
-              <a:lumOff val="0"/>
-              <a:alphaOff val="0"/>
-            </a:schemeClr>
-          </a:solidFill>
-          <a:prstDash val="solid"/>
-        </a:ln>
-        <a:effectLst/>
-      </dsp:spPr>
-      <dsp:style>
-        <a:lnRef idx="2">
-          <a:scrgbClr r="0" g="0" b="0"/>
-        </a:lnRef>
-        <a:fillRef idx="1">
-          <a:scrgbClr r="0" g="0" b="0"/>
-        </a:fillRef>
-        <a:effectRef idx="0">
-          <a:scrgbClr r="0" g="0" b="0"/>
-        </a:effectRef>
-        <a:fontRef idx="minor">
-          <a:schemeClr val="lt1"/>
-        </a:fontRef>
-      </dsp:style>
-      <dsp:txBody>
-        <a:bodyPr spcFirstLastPara="0" vert="horz" wrap="square" lIns="247650" tIns="247650" rIns="247650" bIns="247650" numCol="1" spcCol="1270" anchor="ctr" anchorCtr="0">
-          <a:noAutofit/>
-        </a:bodyPr>
-        <a:lstStyle/>
-        <a:p>
-          <a:pPr lvl="0" algn="l" defTabSz="2889250">
-            <a:lnSpc>
-              <a:spcPct val="90000"/>
-            </a:lnSpc>
-            <a:spcBef>
-              <a:spcPct val="0"/>
-            </a:spcBef>
-            <a:spcAft>
-              <a:spcPct val="35000"/>
-            </a:spcAft>
-          </a:pPr>
-          <a:r>
-            <a:rPr lang="en-US" sz="6500" kern="1200" dirty="0" smtClean="0"/>
-            <a:t> </a:t>
-          </a:r>
-          <a:endParaRPr lang="en-US" sz="6500" kern="1200" dirty="0"/>
-        </a:p>
-      </dsp:txBody>
-      <dsp:txXfrm>
-        <a:off x="1052673" y="2178850"/>
-        <a:ext cx="3878913" cy="1709596"/>
-      </dsp:txXfrm>
-    </dsp:sp>
-    <dsp:sp modelId="{FE30DE2C-C7A2-4B15-8216-38B8E350332C}">
-      <dsp:nvSpPr>
-        <dsp:cNvPr id="0" name=""/>
-        <dsp:cNvSpPr/>
-      </dsp:nvSpPr>
-      <dsp:spPr>
-        <a:xfrm>
-          <a:off x="1006539" y="4237270"/>
-          <a:ext cx="5665357" cy="1815972"/>
-        </a:xfrm>
-        <a:prstGeom prst="roundRect">
-          <a:avLst>
-            <a:gd name="adj" fmla="val 10000"/>
-          </a:avLst>
-        </a:prstGeom>
-        <a:solidFill>
-          <a:schemeClr val="accent1">
-            <a:hueOff val="0"/>
-            <a:satOff val="0"/>
-            <a:lumOff val="0"/>
-            <a:alphaOff val="0"/>
-          </a:schemeClr>
-        </a:solidFill>
-        <a:ln w="25400" cap="flat" cmpd="sng" algn="ctr">
-          <a:solidFill>
-            <a:schemeClr val="lt1">
-              <a:hueOff val="0"/>
-              <a:satOff val="0"/>
-              <a:lumOff val="0"/>
-              <a:alphaOff val="0"/>
-            </a:schemeClr>
-          </a:solidFill>
-          <a:prstDash val="solid"/>
-        </a:ln>
-        <a:effectLst/>
-      </dsp:spPr>
-      <dsp:style>
-        <a:lnRef idx="2">
-          <a:scrgbClr r="0" g="0" b="0"/>
-        </a:lnRef>
-        <a:fillRef idx="1">
-          <a:scrgbClr r="0" g="0" b="0"/>
-        </a:fillRef>
-        <a:effectRef idx="0">
-          <a:scrgbClr r="0" g="0" b="0"/>
-        </a:effectRef>
-        <a:fontRef idx="minor">
-          <a:schemeClr val="lt1"/>
-        </a:fontRef>
-      </dsp:style>
-      <dsp:txBody>
-        <a:bodyPr spcFirstLastPara="0" vert="horz" wrap="square" lIns="247650" tIns="247650" rIns="247650" bIns="247650" numCol="1" spcCol="1270" anchor="ctr" anchorCtr="0">
-          <a:noAutofit/>
-        </a:bodyPr>
-        <a:lstStyle/>
-        <a:p>
-          <a:pPr lvl="0" algn="l" defTabSz="2889250">
-            <a:lnSpc>
-              <a:spcPct val="90000"/>
-            </a:lnSpc>
-            <a:spcBef>
-              <a:spcPct val="0"/>
-            </a:spcBef>
-            <a:spcAft>
-              <a:spcPct val="35000"/>
-            </a:spcAft>
-          </a:pPr>
-          <a:r>
-            <a:rPr lang="en-US" sz="6500" kern="1200" dirty="0" smtClean="0"/>
-            <a:t> </a:t>
-          </a:r>
-          <a:endParaRPr lang="en-US" sz="6500" kern="1200" dirty="0"/>
-        </a:p>
-      </dsp:txBody>
-      <dsp:txXfrm>
-        <a:off x="1059727" y="4290458"/>
-        <a:ext cx="3878714" cy="1709596"/>
-      </dsp:txXfrm>
-    </dsp:sp>
-    <dsp:sp modelId="{61599C62-4F73-4153-9B6B-7FC5AE26CD6E}">
-      <dsp:nvSpPr>
-        <dsp:cNvPr id="0" name=""/>
-        <dsp:cNvSpPr/>
-      </dsp:nvSpPr>
-      <dsp:spPr>
-        <a:xfrm>
-          <a:off x="4921769" y="1371600"/>
-          <a:ext cx="1180382" cy="1180382"/>
-        </a:xfrm>
-        <a:prstGeom prst="downArrow">
-          <a:avLst>
-            <a:gd name="adj1" fmla="val 55000"/>
-            <a:gd name="adj2" fmla="val 45000"/>
-          </a:avLst>
-        </a:prstGeom>
-        <a:solidFill>
-          <a:schemeClr val="accent1">
-            <a:alpha val="90000"/>
-            <a:tint val="40000"/>
-            <a:hueOff val="0"/>
-            <a:satOff val="0"/>
-            <a:lumOff val="0"/>
-            <a:alphaOff val="0"/>
-          </a:schemeClr>
-        </a:solidFill>
-        <a:ln w="25400" cap="flat" cmpd="sng" algn="ctr">
-          <a:solidFill>
-            <a:schemeClr val="accent1">
-              <a:alpha val="90000"/>
-              <a:tint val="40000"/>
-              <a:hueOff val="0"/>
-              <a:satOff val="0"/>
-              <a:lumOff val="0"/>
-              <a:alphaOff val="0"/>
-            </a:schemeClr>
-          </a:solidFill>
-          <a:prstDash val="solid"/>
-        </a:ln>
-        <a:effectLst/>
-      </dsp:spPr>
-      <dsp:style>
-        <a:lnRef idx="2">
-          <a:scrgbClr r="0" g="0" b="0"/>
-        </a:lnRef>
-        <a:fillRef idx="1">
-          <a:scrgbClr r="0" g="0" b="0"/>
-        </a:fillRef>
-        <a:effectRef idx="0">
-          <a:scrgbClr r="0" g="0" b="0"/>
-        </a:effectRef>
-        <a:fontRef idx="minor"/>
-      </dsp:style>
-      <dsp:txBody>
-        <a:bodyPr spcFirstLastPara="0" vert="horz" wrap="square" lIns="45720" tIns="45720" rIns="45720" bIns="45720" numCol="1" spcCol="1270" anchor="ctr" anchorCtr="0">
-          <a:noAutofit/>
-        </a:bodyPr>
-        <a:lstStyle/>
-        <a:p>
-          <a:pPr lvl="0" algn="ctr" defTabSz="1600200">
-            <a:lnSpc>
-              <a:spcPct val="90000"/>
-            </a:lnSpc>
-            <a:spcBef>
-              <a:spcPct val="0"/>
-            </a:spcBef>
-            <a:spcAft>
-              <a:spcPct val="35000"/>
-            </a:spcAft>
-          </a:pPr>
-          <a:endParaRPr lang="en-US" sz="3600" kern="1200" dirty="0"/>
-        </a:p>
-      </dsp:txBody>
-      <dsp:txXfrm>
-        <a:off x="5187355" y="1371600"/>
-        <a:ext cx="649210" cy="888237"/>
-      </dsp:txXfrm>
-    </dsp:sp>
-    <dsp:sp modelId="{4501A95C-C412-4557-AD87-F88243C736DA}">
-      <dsp:nvSpPr>
-        <dsp:cNvPr id="0" name=""/>
-        <dsp:cNvSpPr/>
-      </dsp:nvSpPr>
-      <dsp:spPr>
-        <a:xfrm>
-          <a:off x="4991629" y="3429001"/>
-          <a:ext cx="1180382" cy="1180382"/>
-        </a:xfrm>
-        <a:prstGeom prst="downArrow">
-          <a:avLst>
-            <a:gd name="adj1" fmla="val 55000"/>
-            <a:gd name="adj2" fmla="val 45000"/>
-          </a:avLst>
-        </a:prstGeom>
-        <a:solidFill>
-          <a:schemeClr val="accent1">
-            <a:alpha val="90000"/>
-            <a:tint val="40000"/>
-            <a:hueOff val="0"/>
-            <a:satOff val="0"/>
-            <a:lumOff val="0"/>
-            <a:alphaOff val="0"/>
-          </a:schemeClr>
-        </a:solidFill>
-        <a:ln w="25400" cap="flat" cmpd="sng" algn="ctr">
-          <a:solidFill>
-            <a:schemeClr val="accent1">
-              <a:alpha val="90000"/>
-              <a:tint val="40000"/>
-              <a:hueOff val="0"/>
-              <a:satOff val="0"/>
-              <a:lumOff val="0"/>
-              <a:alphaOff val="0"/>
-            </a:schemeClr>
-          </a:solidFill>
-          <a:prstDash val="solid"/>
-        </a:ln>
-        <a:effectLst/>
-      </dsp:spPr>
-      <dsp:style>
-        <a:lnRef idx="2">
-          <a:scrgbClr r="0" g="0" b="0"/>
-        </a:lnRef>
-        <a:fillRef idx="1">
-          <a:scrgbClr r="0" g="0" b="0"/>
-        </a:fillRef>
-        <a:effectRef idx="0">
-          <a:scrgbClr r="0" g="0" b="0"/>
-        </a:effectRef>
-        <a:fontRef idx="minor"/>
-      </dsp:style>
-      <dsp:txBody>
-        <a:bodyPr spcFirstLastPara="0" vert="horz" wrap="square" lIns="45720" tIns="45720" rIns="45720" bIns="45720" numCol="1" spcCol="1270" anchor="ctr" anchorCtr="0">
-          <a:noAutofit/>
-        </a:bodyPr>
-        <a:lstStyle/>
-        <a:p>
-          <a:pPr lvl="0" algn="ctr" defTabSz="1600200">
-            <a:lnSpc>
-              <a:spcPct val="90000"/>
-            </a:lnSpc>
-            <a:spcBef>
-              <a:spcPct val="0"/>
-            </a:spcBef>
-            <a:spcAft>
-              <a:spcPct val="35000"/>
-            </a:spcAft>
-          </a:pPr>
-          <a:endParaRPr lang="en-US" sz="3600" kern="1200" dirty="0"/>
-        </a:p>
-      </dsp:txBody>
-      <dsp:txXfrm>
-        <a:off x="5257215" y="3429001"/>
-        <a:ext cx="649210" cy="888237"/>
-      </dsp:txXfrm>
-    </dsp:sp>
   </dsp:spTree>
 </dsp:drawing>
 </file>
@@ -3941,7 +3548,7 @@
           <a:p>
             <a:fld id="{5F3C816B-6264-4CFF-B007-776089C8006A}" type="datetimeFigureOut">
               <a:rPr lang="en-US" smtClean="0"/>
-              <a:t>8/25/2013</a:t>
+              <a:t>8/26/2013</a:t>
             </a:fld>
             <a:endParaRPr lang="en-US" dirty="0"/>
           </a:p>
@@ -4390,7 +3997,7 @@
           <a:p>
             <a:fld id="{8262F83D-21AC-4462-A57F-A062BBC2BA25}" type="datetimeFigureOut">
               <a:rPr lang="en-US" smtClean="0"/>
-              <a:t>8/25/2013</a:t>
+              <a:t>8/26/2013</a:t>
             </a:fld>
             <a:endParaRPr lang="en-US" dirty="0"/>
           </a:p>
@@ -4560,7 +4167,7 @@
           <a:p>
             <a:fld id="{8262F83D-21AC-4462-A57F-A062BBC2BA25}" type="datetimeFigureOut">
               <a:rPr lang="en-US" smtClean="0"/>
-              <a:t>8/25/2013</a:t>
+              <a:t>8/26/2013</a:t>
             </a:fld>
             <a:endParaRPr lang="en-US" dirty="0"/>
           </a:p>
@@ -4740,7 +4347,7 @@
           <a:p>
             <a:fld id="{8262F83D-21AC-4462-A57F-A062BBC2BA25}" type="datetimeFigureOut">
               <a:rPr lang="en-US" smtClean="0"/>
-              <a:t>8/25/2013</a:t>
+              <a:t>8/26/2013</a:t>
             </a:fld>
             <a:endParaRPr lang="en-US" dirty="0"/>
           </a:p>
@@ -4910,7 +4517,7 @@
           <a:p>
             <a:fld id="{8262F83D-21AC-4462-A57F-A062BBC2BA25}" type="datetimeFigureOut">
               <a:rPr lang="en-US" smtClean="0"/>
-              <a:t>8/25/2013</a:t>
+              <a:t>8/26/2013</a:t>
             </a:fld>
             <a:endParaRPr lang="en-US" dirty="0"/>
           </a:p>
@@ -5156,7 +4763,7 @@
           <a:p>
             <a:fld id="{8262F83D-21AC-4462-A57F-A062BBC2BA25}" type="datetimeFigureOut">
               <a:rPr lang="en-US" smtClean="0"/>
-              <a:t>8/25/2013</a:t>
+              <a:t>8/26/2013</a:t>
             </a:fld>
             <a:endParaRPr lang="en-US" dirty="0"/>
           </a:p>
@@ -5444,7 +5051,7 @@
           <a:p>
             <a:fld id="{8262F83D-21AC-4462-A57F-A062BBC2BA25}" type="datetimeFigureOut">
               <a:rPr lang="en-US" smtClean="0"/>
-              <a:t>8/25/2013</a:t>
+              <a:t>8/26/2013</a:t>
             </a:fld>
             <a:endParaRPr lang="en-US" dirty="0"/>
           </a:p>
@@ -5866,7 +5473,7 @@
           <a:p>
             <a:fld id="{8262F83D-21AC-4462-A57F-A062BBC2BA25}" type="datetimeFigureOut">
               <a:rPr lang="en-US" smtClean="0"/>
-              <a:t>8/25/2013</a:t>
+              <a:t>8/26/2013</a:t>
             </a:fld>
             <a:endParaRPr lang="en-US" dirty="0"/>
           </a:p>
@@ -6001,7 +5608,7 @@
           <a:p>
             <a:fld id="{8262F83D-21AC-4462-A57F-A062BBC2BA25}" type="datetimeFigureOut">
               <a:rPr lang="en-US" smtClean="0"/>
-              <a:t>8/25/2013</a:t>
+              <a:t>8/26/2013</a:t>
             </a:fld>
             <a:endParaRPr lang="en-US" dirty="0"/>
           </a:p>
@@ -6096,7 +5703,7 @@
           <a:p>
             <a:fld id="{8262F83D-21AC-4462-A57F-A062BBC2BA25}" type="datetimeFigureOut">
               <a:rPr lang="en-US" smtClean="0"/>
-              <a:t>8/25/2013</a:t>
+              <a:t>8/26/2013</a:t>
             </a:fld>
             <a:endParaRPr lang="en-US" dirty="0"/>
           </a:p>
@@ -6373,7 +5980,7 @@
           <a:p>
             <a:fld id="{8262F83D-21AC-4462-A57F-A062BBC2BA25}" type="datetimeFigureOut">
               <a:rPr lang="en-US" smtClean="0"/>
-              <a:t>8/25/2013</a:t>
+              <a:t>8/26/2013</a:t>
             </a:fld>
             <a:endParaRPr lang="en-US" dirty="0"/>
           </a:p>
@@ -6626,7 +6233,7 @@
           <a:p>
             <a:fld id="{8262F83D-21AC-4462-A57F-A062BBC2BA25}" type="datetimeFigureOut">
               <a:rPr lang="en-US" smtClean="0"/>
-              <a:t>8/25/2013</a:t>
+              <a:t>8/26/2013</a:t>
             </a:fld>
             <a:endParaRPr lang="en-US" dirty="0"/>
           </a:p>
@@ -6839,7 +6446,7 @@
           <a:p>
             <a:fld id="{8262F83D-21AC-4462-A57F-A062BBC2BA25}" type="datetimeFigureOut">
               <a:rPr lang="en-US" smtClean="0"/>
-              <a:t>8/25/2013</a:t>
+              <a:t>8/26/2013</a:t>
             </a:fld>
             <a:endParaRPr lang="en-US" dirty="0"/>
           </a:p>
@@ -14233,11 +13840,7 @@
             <a:pPr algn="ctr"/>
             <a:r>
               <a:rPr lang="en-US" dirty="0" smtClean="0"/>
-              <a:t>Login or </a:t>
-            </a:r>
-            <a:r>
-              <a:rPr lang="en-US" dirty="0" smtClean="0"/>
-              <a:t>Register</a:t>
+              <a:t>Login or Register</a:t>
             </a:r>
             <a:endParaRPr lang="en-US" dirty="0"/>
           </a:p>
@@ -18719,13 +18322,13 @@
       </p:sp>
       <p:sp>
         <p:nvSpPr>
-          <p:cNvPr id="23" name="Rectangle 22"/>
+          <p:cNvPr id="26" name="Rectangle 25"/>
           <p:cNvSpPr/>
           <p:nvPr/>
         </p:nvSpPr>
         <p:spPr>
           <a:xfrm>
-            <a:off x="0" y="2151356"/>
+            <a:off x="3313" y="2151356"/>
             <a:ext cx="1828800" cy="397431"/>
           </a:xfrm>
           <a:prstGeom prst="rect">
@@ -18770,235 +18373,6 @@
               <a:latin typeface="Segoe UI Light" pitchFamily="34" charset="0"/>
               <a:cs typeface="Segoe UI Light" pitchFamily="34" charset="0"/>
             </a:endParaRPr>
-          </a:p>
-        </p:txBody>
-      </p:sp>
-      <p:sp>
-        <p:nvSpPr>
-          <p:cNvPr id="25" name="Rectangle 24"/>
-          <p:cNvSpPr/>
-          <p:nvPr/>
-        </p:nvSpPr>
-        <p:spPr>
-          <a:xfrm>
-            <a:off x="0" y="2548787"/>
-            <a:ext cx="1828800" cy="397431"/>
-          </a:xfrm>
-          <a:prstGeom prst="rect">
-            <a:avLst/>
-          </a:prstGeom>
-          <a:solidFill>
-            <a:schemeClr val="bg1">
-              <a:lumMod val="50000"/>
-            </a:schemeClr>
-          </a:solidFill>
-          <a:ln>
-            <a:noFill/>
-          </a:ln>
-        </p:spPr>
-        <p:style>
-          <a:lnRef idx="2">
-            <a:schemeClr val="accent1">
-              <a:shade val="50000"/>
-            </a:schemeClr>
-          </a:lnRef>
-          <a:fillRef idx="1">
-            <a:schemeClr val="accent1"/>
-          </a:fillRef>
-          <a:effectRef idx="0">
-            <a:schemeClr val="accent1"/>
-          </a:effectRef>
-          <a:fontRef idx="minor">
-            <a:schemeClr val="lt1"/>
-          </a:fontRef>
-        </p:style>
-        <p:txBody>
-          <a:bodyPr lIns="822960" rtlCol="0" anchor="ctr"/>
-          <a:lstStyle/>
-          <a:p>
-            <a:endParaRPr lang="en-US" sz="2400" dirty="0">
-              <a:solidFill>
-                <a:schemeClr val="tx1">
-                  <a:lumMod val="75000"/>
-                  <a:lumOff val="25000"/>
-                </a:schemeClr>
-              </a:solidFill>
-              <a:latin typeface="Segoe UI Light" pitchFamily="34" charset="0"/>
-              <a:cs typeface="Segoe UI Light" pitchFamily="34" charset="0"/>
-            </a:endParaRPr>
-          </a:p>
-        </p:txBody>
-      </p:sp>
-      <p:sp>
-        <p:nvSpPr>
-          <p:cNvPr id="26" name="Rectangle 25"/>
-          <p:cNvSpPr/>
-          <p:nvPr/>
-        </p:nvSpPr>
-        <p:spPr>
-          <a:xfrm>
-            <a:off x="3313" y="2946218"/>
-            <a:ext cx="1828800" cy="397431"/>
-          </a:xfrm>
-          <a:prstGeom prst="rect">
-            <a:avLst/>
-          </a:prstGeom>
-          <a:solidFill>
-            <a:schemeClr val="bg1">
-              <a:lumMod val="50000"/>
-            </a:schemeClr>
-          </a:solidFill>
-          <a:ln>
-            <a:noFill/>
-          </a:ln>
-        </p:spPr>
-        <p:style>
-          <a:lnRef idx="2">
-            <a:schemeClr val="accent1">
-              <a:shade val="50000"/>
-            </a:schemeClr>
-          </a:lnRef>
-          <a:fillRef idx="1">
-            <a:schemeClr val="accent1"/>
-          </a:fillRef>
-          <a:effectRef idx="0">
-            <a:schemeClr val="accent1"/>
-          </a:effectRef>
-          <a:fontRef idx="minor">
-            <a:schemeClr val="lt1"/>
-          </a:fontRef>
-        </p:style>
-        <p:txBody>
-          <a:bodyPr lIns="822960" rtlCol="0" anchor="ctr"/>
-          <a:lstStyle/>
-          <a:p>
-            <a:endParaRPr lang="en-US" sz="2400" dirty="0">
-              <a:solidFill>
-                <a:schemeClr val="tx1">
-                  <a:lumMod val="75000"/>
-                  <a:lumOff val="25000"/>
-                </a:schemeClr>
-              </a:solidFill>
-              <a:latin typeface="Segoe UI Light" pitchFamily="34" charset="0"/>
-              <a:cs typeface="Segoe UI Light" pitchFamily="34" charset="0"/>
-            </a:endParaRPr>
-          </a:p>
-        </p:txBody>
-      </p:sp>
-      <p:sp>
-        <p:nvSpPr>
-          <p:cNvPr id="28" name="TextBox 27"/>
-          <p:cNvSpPr txBox="1"/>
-          <p:nvPr/>
-        </p:nvSpPr>
-        <p:spPr>
-          <a:xfrm>
-            <a:off x="3313" y="2196182"/>
-            <a:ext cx="1749287" cy="369332"/>
-          </a:xfrm>
-          <a:prstGeom prst="rect">
-            <a:avLst/>
-          </a:prstGeom>
-          <a:noFill/>
-        </p:spPr>
-        <p:txBody>
-          <a:bodyPr wrap="square" rtlCol="0">
-            <a:spAutoFit/>
-          </a:bodyPr>
-          <a:lstStyle/>
-          <a:p>
-            <a:pPr marL="285750" indent="-285750">
-              <a:buFont typeface="Wingdings" pitchFamily="2" charset="2"/>
-              <a:buChar char="Ø"/>
-            </a:pPr>
-            <a:r>
-              <a:rPr lang="en-US" dirty="0">
-                <a:solidFill>
-                  <a:schemeClr val="bg1"/>
-                </a:solidFill>
-                <a:latin typeface="Segoe UI Light" pitchFamily="34" charset="0"/>
-                <a:cs typeface="Segoe UI Light" pitchFamily="34" charset="0"/>
-              </a:rPr>
-              <a:t>Ticket.St</a:t>
-            </a:r>
-          </a:p>
-        </p:txBody>
-      </p:sp>
-      <p:sp>
-        <p:nvSpPr>
-          <p:cNvPr id="29" name="TextBox 28"/>
-          <p:cNvSpPr txBox="1"/>
-          <p:nvPr/>
-        </p:nvSpPr>
-        <p:spPr>
-          <a:xfrm>
-            <a:off x="3313" y="2593613"/>
-            <a:ext cx="1749287" cy="369332"/>
-          </a:xfrm>
-          <a:prstGeom prst="rect">
-            <a:avLst/>
-          </a:prstGeom>
-          <a:noFill/>
-        </p:spPr>
-        <p:txBody>
-          <a:bodyPr wrap="square" rtlCol="0">
-            <a:spAutoFit/>
-          </a:bodyPr>
-          <a:lstStyle/>
-          <a:p>
-            <a:pPr marL="285750" indent="-285750">
-              <a:buFont typeface="Wingdings" pitchFamily="2" charset="2"/>
-              <a:buChar char="Ø"/>
-            </a:pPr>
-            <a:r>
-              <a:rPr lang="en-US" dirty="0">
-                <a:solidFill>
-                  <a:schemeClr val="bg1"/>
-                </a:solidFill>
-                <a:latin typeface="Segoe UI Light" pitchFamily="34" charset="0"/>
-                <a:cs typeface="Segoe UI Light" pitchFamily="34" charset="0"/>
-              </a:rPr>
-              <a:t>Problem</a:t>
-            </a:r>
-          </a:p>
-        </p:txBody>
-      </p:sp>
-      <p:sp>
-        <p:nvSpPr>
-          <p:cNvPr id="31" name="TextBox 30"/>
-          <p:cNvSpPr txBox="1"/>
-          <p:nvPr/>
-        </p:nvSpPr>
-        <p:spPr>
-          <a:xfrm>
-            <a:off x="3313" y="2971425"/>
-            <a:ext cx="1749287" cy="369332"/>
-          </a:xfrm>
-          <a:prstGeom prst="rect">
-            <a:avLst/>
-          </a:prstGeom>
-          <a:noFill/>
-        </p:spPr>
-        <p:txBody>
-          <a:bodyPr wrap="square" rtlCol="0">
-            <a:spAutoFit/>
-          </a:bodyPr>
-          <a:lstStyle/>
-          <a:p>
-            <a:pPr marL="285750" indent="-285750">
-              <a:buFont typeface="Wingdings" pitchFamily="2" charset="2"/>
-              <a:buChar char="Ø"/>
-            </a:pPr>
-            <a:r>
-              <a:rPr lang="en-US" dirty="0">
-                <a:solidFill>
-                  <a:schemeClr val="bg1"/>
-                </a:solidFill>
-                <a:latin typeface="Segoe UI Light" pitchFamily="34" charset="0"/>
-                <a:cs typeface="Segoe UI Light" pitchFamily="34" charset="0"/>
-              </a:rPr>
-              <a:t>Our Proposal</a:t>
-            </a:r>
           </a:p>
         </p:txBody>
       </p:sp>

--- a/Document/Present.pptx
+++ b/Document/Present.pptx
@@ -128,7 +128,7 @@
   </p:defaultTextStyle>
   <p:extLst>
     <p:ext uri="{EFAFB233-063F-42B5-8137-9DF3F51BA10A}">
-      <p15:sldGuideLst xmlns:p15="http://schemas.microsoft.com/office/powerpoint/2012/main" xmlns="">
+      <p15:sldGuideLst xmlns="" xmlns:p15="http://schemas.microsoft.com/office/powerpoint/2012/main">
         <p15:guide id="1" orient="horz" pos="2160">
           <p15:clr>
             <a:srgbClr val="A4A3A4"/>
@@ -3941,7 +3941,7 @@
           <a:p>
             <a:fld id="{5F3C816B-6264-4CFF-B007-776089C8006A}" type="datetimeFigureOut">
               <a:rPr lang="en-US" smtClean="0"/>
-              <a:t>8/25/2013</a:t>
+              <a:t>8/26/2013</a:t>
             </a:fld>
             <a:endParaRPr lang="en-US" dirty="0"/>
           </a:p>
@@ -4390,7 +4390,7 @@
           <a:p>
             <a:fld id="{8262F83D-21AC-4462-A57F-A062BBC2BA25}" type="datetimeFigureOut">
               <a:rPr lang="en-US" smtClean="0"/>
-              <a:t>8/25/2013</a:t>
+              <a:t>8/26/2013</a:t>
             </a:fld>
             <a:endParaRPr lang="en-US" dirty="0"/>
           </a:p>
@@ -4560,7 +4560,7 @@
           <a:p>
             <a:fld id="{8262F83D-21AC-4462-A57F-A062BBC2BA25}" type="datetimeFigureOut">
               <a:rPr lang="en-US" smtClean="0"/>
-              <a:t>8/25/2013</a:t>
+              <a:t>8/26/2013</a:t>
             </a:fld>
             <a:endParaRPr lang="en-US" dirty="0"/>
           </a:p>
@@ -4740,7 +4740,7 @@
           <a:p>
             <a:fld id="{8262F83D-21AC-4462-A57F-A062BBC2BA25}" type="datetimeFigureOut">
               <a:rPr lang="en-US" smtClean="0"/>
-              <a:t>8/25/2013</a:t>
+              <a:t>8/26/2013</a:t>
             </a:fld>
             <a:endParaRPr lang="en-US" dirty="0"/>
           </a:p>
@@ -4910,7 +4910,7 @@
           <a:p>
             <a:fld id="{8262F83D-21AC-4462-A57F-A062BBC2BA25}" type="datetimeFigureOut">
               <a:rPr lang="en-US" smtClean="0"/>
-              <a:t>8/25/2013</a:t>
+              <a:t>8/26/2013</a:t>
             </a:fld>
             <a:endParaRPr lang="en-US" dirty="0"/>
           </a:p>
@@ -5156,7 +5156,7 @@
           <a:p>
             <a:fld id="{8262F83D-21AC-4462-A57F-A062BBC2BA25}" type="datetimeFigureOut">
               <a:rPr lang="en-US" smtClean="0"/>
-              <a:t>8/25/2013</a:t>
+              <a:t>8/26/2013</a:t>
             </a:fld>
             <a:endParaRPr lang="en-US" dirty="0"/>
           </a:p>
@@ -5444,7 +5444,7 @@
           <a:p>
             <a:fld id="{8262F83D-21AC-4462-A57F-A062BBC2BA25}" type="datetimeFigureOut">
               <a:rPr lang="en-US" smtClean="0"/>
-              <a:t>8/25/2013</a:t>
+              <a:t>8/26/2013</a:t>
             </a:fld>
             <a:endParaRPr lang="en-US" dirty="0"/>
           </a:p>
@@ -5866,7 +5866,7 @@
           <a:p>
             <a:fld id="{8262F83D-21AC-4462-A57F-A062BBC2BA25}" type="datetimeFigureOut">
               <a:rPr lang="en-US" smtClean="0"/>
-              <a:t>8/25/2013</a:t>
+              <a:t>8/26/2013</a:t>
             </a:fld>
             <a:endParaRPr lang="en-US" dirty="0"/>
           </a:p>
@@ -6001,7 +6001,7 @@
           <a:p>
             <a:fld id="{8262F83D-21AC-4462-A57F-A062BBC2BA25}" type="datetimeFigureOut">
               <a:rPr lang="en-US" smtClean="0"/>
-              <a:t>8/25/2013</a:t>
+              <a:t>8/26/2013</a:t>
             </a:fld>
             <a:endParaRPr lang="en-US" dirty="0"/>
           </a:p>
@@ -6096,7 +6096,7 @@
           <a:p>
             <a:fld id="{8262F83D-21AC-4462-A57F-A062BBC2BA25}" type="datetimeFigureOut">
               <a:rPr lang="en-US" smtClean="0"/>
-              <a:t>8/25/2013</a:t>
+              <a:t>8/26/2013</a:t>
             </a:fld>
             <a:endParaRPr lang="en-US" dirty="0"/>
           </a:p>
@@ -6373,7 +6373,7 @@
           <a:p>
             <a:fld id="{8262F83D-21AC-4462-A57F-A062BBC2BA25}" type="datetimeFigureOut">
               <a:rPr lang="en-US" smtClean="0"/>
-              <a:t>8/25/2013</a:t>
+              <a:t>8/26/2013</a:t>
             </a:fld>
             <a:endParaRPr lang="en-US" dirty="0"/>
           </a:p>
@@ -6626,7 +6626,7 @@
           <a:p>
             <a:fld id="{8262F83D-21AC-4462-A57F-A062BBC2BA25}" type="datetimeFigureOut">
               <a:rPr lang="en-US" smtClean="0"/>
-              <a:t>8/25/2013</a:t>
+              <a:t>8/26/2013</a:t>
             </a:fld>
             <a:endParaRPr lang="en-US" dirty="0"/>
           </a:p>
@@ -6839,7 +6839,7 @@
           <a:p>
             <a:fld id="{8262F83D-21AC-4462-A57F-A062BBC2BA25}" type="datetimeFigureOut">
               <a:rPr lang="en-US" smtClean="0"/>
-              <a:t>8/25/2013</a:t>
+              <a:t>8/26/2013</a:t>
             </a:fld>
             <a:endParaRPr lang="en-US" dirty="0"/>
           </a:p>
@@ -19440,25 +19440,8 @@
                 <a:latin typeface="Segoe UI Light" pitchFamily="34" charset="0"/>
                 <a:cs typeface="Segoe UI Light" pitchFamily="34" charset="0"/>
               </a:rPr>
-              <a:t>Customer can only buy 1 </a:t>
-            </a:r>
-            <a:r>
-              <a:rPr lang="en-US" sz="2400" dirty="0" smtClean="0">
-                <a:solidFill>
-                  <a:srgbClr val="7030A0"/>
-                </a:solidFill>
-                <a:latin typeface="Segoe UI Light" pitchFamily="34" charset="0"/>
-                <a:cs typeface="Segoe UI Light" pitchFamily="34" charset="0"/>
-              </a:rPr>
-              <a:t>ticket per transaction</a:t>
-            </a:r>
-            <a:endParaRPr lang="en-US" sz="2400" dirty="0" smtClean="0">
-              <a:solidFill>
-                <a:srgbClr val="7030A0"/>
-              </a:solidFill>
-              <a:latin typeface="Segoe UI Light" pitchFamily="34" charset="0"/>
-              <a:cs typeface="Segoe UI Light" pitchFamily="34" charset="0"/>
-            </a:endParaRPr>
+              <a:t>Customer can only buy 1 ticket per transaction</a:t>
+            </a:r>
           </a:p>
           <a:p>
             <a:pPr marL="342900" indent="-342900">
@@ -21572,47 +21555,6 @@
           </a:p>
         </p:txBody>
       </p:sp>
-      <p:pic>
-        <p:nvPicPr>
-          <p:cNvPr id="3074" name="Picture 2" descr="C:\Users\Hieu\Desktop\6985220-image-of-q-a-questions-and-answers-on-3d-blocks-isolated-on-a-white-background.jpg"/>
-          <p:cNvPicPr>
-            <a:picLocks noChangeAspect="1" noChangeArrowheads="1"/>
-          </p:cNvPicPr>
-          <p:nvPr/>
-        </p:nvPicPr>
-        <p:blipFill>
-          <a:blip r:embed="rId3" cstate="print">
-            <a:extLst>
-              <a:ext uri="{28A0092B-C50C-407E-A947-70E740481C1C}">
-                <a14:useLocalDpi xmlns:a14="http://schemas.microsoft.com/office/drawing/2010/main" val="0"/>
-              </a:ext>
-            </a:extLst>
-          </a:blip>
-          <a:srcRect/>
-          <a:stretch>
-            <a:fillRect/>
-          </a:stretch>
-        </p:blipFill>
-        <p:spPr bwMode="auto">
-          <a:xfrm>
-            <a:off x="2438400" y="2514600"/>
-            <a:ext cx="4274488" cy="3419590"/>
-          </a:xfrm>
-          <a:prstGeom prst="rect">
-            <a:avLst/>
-          </a:prstGeom>
-          <a:noFill/>
-          <a:extLst>
-            <a:ext uri="{909E8E84-426E-40DD-AFC4-6F175D3DCCD1}">
-              <a14:hiddenFill xmlns:a14="http://schemas.microsoft.com/office/drawing/2010/main">
-                <a:solidFill>
-                  <a:srgbClr val="FFFFFF"/>
-                </a:solidFill>
-              </a14:hiddenFill>
-            </a:ext>
-          </a:extLst>
-        </p:spPr>
-      </p:pic>
       <p:sp>
         <p:nvSpPr>
           <p:cNvPr id="3" name="TextBox 2"/>
@@ -21621,7 +21563,7 @@
         </p:nvSpPr>
         <p:spPr>
           <a:xfrm>
-            <a:off x="1600200" y="2286000"/>
+            <a:off x="1614714" y="1413470"/>
             <a:ext cx="6553200" cy="923330"/>
           </a:xfrm>
           <a:prstGeom prst="rect">
@@ -21655,6 +21597,47 @@
           </a:p>
         </p:txBody>
       </p:sp>
+      <p:pic>
+        <p:nvPicPr>
+          <p:cNvPr id="1026" name="Picture 2" descr="http://static.itpro.co.uk/sites/itpro/files/styles/gallery_wide/public/images/dir_215/it_photo_107887.jpg"/>
+          <p:cNvPicPr>
+            <a:picLocks noChangeAspect="1" noChangeArrowheads="1"/>
+          </p:cNvPicPr>
+          <p:nvPr/>
+        </p:nvPicPr>
+        <p:blipFill>
+          <a:blip r:embed="rId3">
+            <a:extLst>
+              <a:ext uri="{28A0092B-C50C-407E-A947-70E740481C1C}">
+                <a14:useLocalDpi xmlns:a14="http://schemas.microsoft.com/office/drawing/2010/main" val="0"/>
+              </a:ext>
+            </a:extLst>
+          </a:blip>
+          <a:srcRect/>
+          <a:stretch>
+            <a:fillRect/>
+          </a:stretch>
+        </p:blipFill>
+        <p:spPr bwMode="auto">
+          <a:xfrm>
+            <a:off x="2235200" y="2514600"/>
+            <a:ext cx="5181600" cy="3454401"/>
+          </a:xfrm>
+          <a:prstGeom prst="rect">
+            <a:avLst/>
+          </a:prstGeom>
+          <a:noFill/>
+          <a:extLst>
+            <a:ext uri="{909E8E84-426E-40DD-AFC4-6F175D3DCCD1}">
+              <a14:hiddenFill xmlns:a14="http://schemas.microsoft.com/office/drawing/2010/main">
+                <a:solidFill>
+                  <a:srgbClr val="FFFFFF"/>
+                </a:solidFill>
+              </a14:hiddenFill>
+            </a:ext>
+          </a:extLst>
+        </p:spPr>
+      </p:pic>
     </p:spTree>
     <p:extLst>
       <p:ext uri="{BB962C8B-B14F-4D97-AF65-F5344CB8AC3E}">
@@ -26219,17 +26202,7 @@
                 <a:latin typeface="Segoe UI Light" pitchFamily="34" charset="0"/>
                 <a:cs typeface="Segoe UI Light" pitchFamily="34" charset="0"/>
               </a:rPr>
-              <a:t>Overall </a:t>
-            </a:r>
-            <a:r>
-              <a:rPr lang="en-US" sz="3200" b="1" dirty="0" smtClean="0">
-                <a:solidFill>
-                  <a:srgbClr val="7030A0"/>
-                </a:solidFill>
-                <a:latin typeface="Segoe UI Light" pitchFamily="34" charset="0"/>
-                <a:cs typeface="Segoe UI Light" pitchFamily="34" charset="0"/>
-              </a:rPr>
-              <a:t>Features</a:t>
+              <a:t>Overall Features</a:t>
             </a:r>
             <a:endParaRPr lang="en-US" sz="3200" b="1" dirty="0">
               <a:solidFill>

--- a/Document/Present.pptx
+++ b/Document/Present.pptx
@@ -5,7 +5,7 @@
     <p:sldMasterId id="2147483648" r:id="rId1"/>
   </p:sldMasterIdLst>
   <p:notesMasterIdLst>
-    <p:notesMasterId r:id="rId22"/>
+    <p:notesMasterId r:id="rId23"/>
   </p:notesMasterIdLst>
   <p:sldIdLst>
     <p:sldId id="256" r:id="rId2"/>
@@ -25,9 +25,10 @@
     <p:sldId id="273" r:id="rId16"/>
     <p:sldId id="274" r:id="rId17"/>
     <p:sldId id="282" r:id="rId18"/>
-    <p:sldId id="270" r:id="rId19"/>
-    <p:sldId id="275" r:id="rId20"/>
-    <p:sldId id="271" r:id="rId21"/>
+    <p:sldId id="286" r:id="rId19"/>
+    <p:sldId id="270" r:id="rId20"/>
+    <p:sldId id="275" r:id="rId21"/>
+    <p:sldId id="271" r:id="rId22"/>
   </p:sldIdLst>
   <p:sldSz cx="9144000" cy="6858000" type="screen4x3"/>
   <p:notesSz cx="6858000" cy="9144000"/>
@@ -128,7 +129,7 @@
   </p:defaultTextStyle>
   <p:extLst>
     <p:ext uri="{EFAFB233-063F-42B5-8137-9DF3F51BA10A}">
-      <p15:sldGuideLst xmlns="" xmlns:p15="http://schemas.microsoft.com/office/powerpoint/2012/main">
+      <p15:sldGuideLst xmlns:p15="http://schemas.microsoft.com/office/powerpoint/2012/main" xmlns="">
         <p15:guide id="1" orient="horz" pos="2160">
           <p15:clr>
             <a:srgbClr val="A4A3A4"/>
@@ -19149,7 +19150,7 @@
       </p:grpSpPr>
       <p:sp>
         <p:nvSpPr>
-          <p:cNvPr id="2" name="Rectangle 1"/>
+          <p:cNvPr id="4" name="Rectangle 3"/>
           <p:cNvSpPr/>
           <p:nvPr/>
         </p:nvSpPr>
@@ -19195,57 +19196,9 @@
           </a:p>
         </p:txBody>
       </p:sp>
-      <p:sp>
-        <p:nvSpPr>
-          <p:cNvPr id="4" name="Rectangle 3"/>
-          <p:cNvSpPr/>
-          <p:nvPr/>
-        </p:nvSpPr>
-        <p:spPr>
-          <a:xfrm>
-            <a:off x="0" y="1219200"/>
-            <a:ext cx="1828800" cy="3657600"/>
-          </a:xfrm>
-          <a:prstGeom prst="rect">
-            <a:avLst/>
-          </a:prstGeom>
-          <a:solidFill>
-            <a:srgbClr val="7030A0"/>
-          </a:solidFill>
-          <a:ln>
-            <a:noFill/>
-          </a:ln>
-        </p:spPr>
-        <p:style>
-          <a:lnRef idx="2">
-            <a:schemeClr val="accent1">
-              <a:shade val="50000"/>
-            </a:schemeClr>
-          </a:lnRef>
-          <a:fillRef idx="1">
-            <a:schemeClr val="accent1"/>
-          </a:fillRef>
-          <a:effectRef idx="0">
-            <a:schemeClr val="accent1"/>
-          </a:effectRef>
-          <a:fontRef idx="minor">
-            <a:schemeClr val="lt1"/>
-          </a:fontRef>
-        </p:style>
-        <p:txBody>
-          <a:bodyPr lIns="822960" rtlCol="0" anchor="ctr"/>
-          <a:lstStyle/>
-          <a:p>
-            <a:endParaRPr lang="en-US" sz="2400" dirty="0">
-              <a:latin typeface="Segoe UI Light" pitchFamily="34" charset="0"/>
-              <a:cs typeface="Segoe UI Light" pitchFamily="34" charset="0"/>
-            </a:endParaRPr>
-          </a:p>
-        </p:txBody>
-      </p:sp>
       <p:pic>
         <p:nvPicPr>
-          <p:cNvPr id="12" name="Picture 11" descr="C:\Users\iLucas\Desktop\logo_fpt_university_doc copy.png"/>
+          <p:cNvPr id="6" name="Picture 5" descr="C:\Users\iLucas\Desktop\logo_fpt_university_doc copy.png"/>
           <p:cNvPicPr>
             <a:picLocks noChangeAspect="1" noChangeArrowheads="1"/>
           </p:cNvPicPr>
@@ -19286,14 +19239,63 @@
       </p:pic>
       <p:sp>
         <p:nvSpPr>
+          <p:cNvPr id="7" name="Rectangle 6"/>
+          <p:cNvSpPr/>
+          <p:nvPr/>
+        </p:nvSpPr>
+        <p:spPr>
+          <a:xfrm>
+            <a:off x="0" y="1219200"/>
+            <a:ext cx="1828800" cy="3657600"/>
+          </a:xfrm>
+          <a:prstGeom prst="rect">
+            <a:avLst/>
+          </a:prstGeom>
+          <a:solidFill>
+            <a:srgbClr val="7030A0"/>
+          </a:solidFill>
+          <a:ln>
+            <a:noFill/>
+          </a:ln>
+        </p:spPr>
+        <p:style>
+          <a:lnRef idx="2">
+            <a:schemeClr val="accent1">
+              <a:shade val="50000"/>
+            </a:schemeClr>
+          </a:lnRef>
+          <a:fillRef idx="1">
+            <a:schemeClr val="accent1"/>
+          </a:fillRef>
+          <a:effectRef idx="0">
+            <a:schemeClr val="accent1"/>
+          </a:effectRef>
+          <a:fontRef idx="minor">
+            <a:schemeClr val="lt1"/>
+          </a:fontRef>
+        </p:style>
+        <p:txBody>
+          <a:bodyPr lIns="822960" rtlCol="0" anchor="ctr"/>
+          <a:lstStyle/>
+          <a:p>
+            <a:pPr algn="ctr"/>
+            <a:endParaRPr lang="en-US" sz="2400" dirty="0">
+              <a:latin typeface="Segoe UI Light" pitchFamily="34" charset="0"/>
+              <a:cs typeface="Segoe UI Light" pitchFamily="34" charset="0"/>
+            </a:endParaRPr>
+          </a:p>
+        </p:txBody>
+      </p:sp>
+      <p:sp>
+        <p:nvSpPr>
           <p:cNvPr id="5" name="TextBox 4"/>
           <p:cNvSpPr txBox="1"/>
           <p:nvPr/>
         </p:nvSpPr>
         <p:spPr>
           <a:xfrm>
-            <a:off x="-70139" y="2647890"/>
-            <a:ext cx="1969077" cy="430887"/>
+            <a:off x="0" y="2595771"/>
+            <a:ext cx="1714500" cy="738664"/>
           </a:xfrm>
           <a:prstGeom prst="rect">
             <a:avLst/>
@@ -19306,17 +19308,18 @@
           </a:bodyPr>
           <a:lstStyle/>
           <a:p>
-            <a:r>
-              <a:rPr lang="en-US" sz="2200" b="1" dirty="0" smtClean="0">
+            <a:pPr algn="ctr"/>
+            <a:r>
+              <a:rPr lang="en-US" sz="2100" b="1" dirty="0" smtClean="0">
                 <a:solidFill>
                   <a:schemeClr val="bg1"/>
                 </a:solidFill>
                 <a:latin typeface="Segoe UI Light" pitchFamily="34" charset="0"/>
                 <a:cs typeface="Segoe UI Light" pitchFamily="34" charset="0"/>
               </a:rPr>
-              <a:t>Disadvantages</a:t>
-            </a:r>
-            <a:endParaRPr lang="en-US" sz="2200" b="1" dirty="0">
+              <a:t>Demo</a:t>
+            </a:r>
+            <a:endParaRPr lang="en-US" sz="2100" b="1" dirty="0">
               <a:solidFill>
                 <a:schemeClr val="bg1"/>
               </a:solidFill>
@@ -19324,18 +19327,26 @@
               <a:cs typeface="Segoe UI Light" pitchFamily="34" charset="0"/>
             </a:endParaRPr>
           </a:p>
-        </p:txBody>
-      </p:sp>
-      <p:sp>
-        <p:nvSpPr>
-          <p:cNvPr id="19" name="TextBox 18"/>
-          <p:cNvSpPr txBox="1"/>
+          <a:p>
+            <a:pPr algn="ctr"/>
+            <a:endParaRPr lang="en-US" sz="2100" b="1" dirty="0">
+              <a:solidFill>
+                <a:schemeClr val="bg1"/>
+              </a:solidFill>
+            </a:endParaRPr>
+          </a:p>
+        </p:txBody>
+      </p:sp>
+      <p:sp>
+        <p:nvSpPr>
+          <p:cNvPr id="8" name="Rectangle 7"/>
+          <p:cNvSpPr/>
           <p:nvPr/>
         </p:nvSpPr>
         <p:spPr>
           <a:xfrm>
-            <a:off x="1828800" y="96028"/>
-            <a:ext cx="3352800" cy="400110"/>
+            <a:off x="3429000" y="2153293"/>
+            <a:ext cx="3429000" cy="1323439"/>
           </a:xfrm>
           <a:prstGeom prst="rect">
             <a:avLst/>
@@ -19343,168 +19354,60 @@
           <a:noFill/>
         </p:spPr>
         <p:txBody>
-          <a:bodyPr wrap="square" rtlCol="0">
+          <a:bodyPr wrap="square" lIns="91440" tIns="45720" rIns="91440" bIns="45720">
             <a:spAutoFit/>
           </a:bodyPr>
           <a:lstStyle/>
           <a:p>
-            <a:r>
-              <a:rPr lang="en-US" sz="2000" b="1" dirty="0">
+            <a:pPr algn="ctr"/>
+            <a:r>
+              <a:rPr lang="en-US" sz="8000" b="1" cap="none" spc="0" dirty="0" smtClean="0">
+                <a:ln w="12700">
+                  <a:solidFill>
+                    <a:schemeClr val="tx2">
+                      <a:satMod val="155000"/>
+                    </a:schemeClr>
+                  </a:solidFill>
+                  <a:prstDash val="solid"/>
+                </a:ln>
                 <a:solidFill>
-                  <a:srgbClr val="7030A0"/>
+                  <a:schemeClr val="bg2">
+                    <a:tint val="85000"/>
+                    <a:satMod val="155000"/>
+                  </a:schemeClr>
                 </a:solidFill>
-                <a:latin typeface="Segoe UI Light" panose="020B0502040204020203" pitchFamily="34" charset="0"/>
-                <a:ea typeface="+mj-ea"/>
-                <a:cs typeface="Segoe UI Light" panose="020B0502040204020203" pitchFamily="34" charset="0"/>
+                <a:effectLst>
+                  <a:outerShdw blurRad="41275" dist="20320" dir="1800000" algn="tl" rotWithShape="0">
+                    <a:srgbClr val="000000">
+                      <a:alpha val="40000"/>
+                    </a:srgbClr>
+                  </a:outerShdw>
+                </a:effectLst>
               </a:rPr>
-              <a:t>Group </a:t>
-            </a:r>
-            <a:r>
-              <a:rPr lang="en-US" sz="2000" b="1" dirty="0" smtClean="0">
+              <a:t>Demo</a:t>
+            </a:r>
+            <a:endParaRPr lang="en-US" sz="8000" b="1" cap="none" spc="0" dirty="0">
+              <a:ln w="12700">
                 <a:solidFill>
-                  <a:srgbClr val="7030A0"/>
+                  <a:schemeClr val="tx2">
+                    <a:satMod val="155000"/>
+                  </a:schemeClr>
                 </a:solidFill>
-                <a:latin typeface="Segoe UI Light" panose="020B0502040204020203" pitchFamily="34" charset="0"/>
-                <a:ea typeface="+mj-ea"/>
-                <a:cs typeface="Segoe UI Light" panose="020B0502040204020203" pitchFamily="34" charset="0"/>
-              </a:rPr>
-              <a:t>8 - Drop </a:t>
-            </a:r>
-            <a:r>
-              <a:rPr lang="en-US" sz="2000" b="1" dirty="0">
-                <a:solidFill>
-                  <a:srgbClr val="7030A0"/>
-                </a:solidFill>
-                <a:latin typeface="Segoe UI Light" panose="020B0502040204020203" pitchFamily="34" charset="0"/>
-                <a:ea typeface="+mj-ea"/>
-                <a:cs typeface="Segoe UI Light" panose="020B0502040204020203" pitchFamily="34" charset="0"/>
-              </a:rPr>
-              <a:t>It</a:t>
-            </a:r>
-          </a:p>
-        </p:txBody>
-      </p:sp>
-      <p:sp>
-        <p:nvSpPr>
-          <p:cNvPr id="8" name="TextBox 7"/>
-          <p:cNvSpPr txBox="1"/>
-          <p:nvPr/>
-        </p:nvSpPr>
-        <p:spPr>
-          <a:xfrm>
-            <a:off x="2133600" y="1555283"/>
-            <a:ext cx="6858000" cy="3046988"/>
-          </a:xfrm>
-          <a:prstGeom prst="rect">
-            <a:avLst/>
-          </a:prstGeom>
-          <a:noFill/>
-        </p:spPr>
-        <p:txBody>
-          <a:bodyPr wrap="square" rtlCol="0">
-            <a:spAutoFit/>
-          </a:bodyPr>
-          <a:lstStyle/>
-          <a:p>
-            <a:pPr marL="457200" indent="-457200">
-              <a:lnSpc>
-                <a:spcPct val="150000"/>
-              </a:lnSpc>
-              <a:buFont typeface="Wingdings" pitchFamily="2" charset="2"/>
-              <a:buChar char="Ø"/>
-            </a:pPr>
-            <a:r>
-              <a:rPr lang="en-US" sz="3200" dirty="0" smtClean="0">
-                <a:solidFill>
-                  <a:srgbClr val="7030A0"/>
-                </a:solidFill>
-                <a:latin typeface="Segoe UI Light" pitchFamily="34" charset="0"/>
-                <a:cs typeface="Segoe UI Light" pitchFamily="34" charset="0"/>
-              </a:rPr>
-              <a:t>Disadvantages</a:t>
-            </a:r>
-          </a:p>
-          <a:p>
-            <a:pPr marL="342900" indent="-342900">
-              <a:lnSpc>
-                <a:spcPct val="150000"/>
-              </a:lnSpc>
-              <a:buFont typeface="Wingdings" pitchFamily="2" charset="2"/>
-              <a:buChar char="§"/>
-            </a:pPr>
-            <a:r>
-              <a:rPr lang="en-US" sz="2400" dirty="0" smtClean="0">
-                <a:solidFill>
-                  <a:srgbClr val="7030A0"/>
-                </a:solidFill>
-                <a:latin typeface="Segoe UI Light" pitchFamily="34" charset="0"/>
-                <a:cs typeface="Segoe UI Light" pitchFamily="34" charset="0"/>
-              </a:rPr>
-              <a:t>Customer can only buy 1 ticket per transaction</a:t>
-            </a:r>
-          </a:p>
-          <a:p>
-            <a:pPr marL="342900" indent="-342900">
-              <a:lnSpc>
-                <a:spcPct val="150000"/>
-              </a:lnSpc>
-              <a:buFont typeface="Wingdings" pitchFamily="2" charset="2"/>
-              <a:buChar char="§"/>
-            </a:pPr>
-            <a:r>
-              <a:rPr lang="en-US" sz="2400" dirty="0" smtClean="0">
-                <a:solidFill>
-                  <a:srgbClr val="7030A0"/>
-                </a:solidFill>
-                <a:latin typeface="Segoe UI Light" pitchFamily="34" charset="0"/>
-                <a:cs typeface="Segoe UI Light" pitchFamily="34" charset="0"/>
-              </a:rPr>
-              <a:t>Customer have to check out through PayPal</a:t>
-            </a:r>
-          </a:p>
-          <a:p>
-            <a:pPr marL="342900" indent="-342900">
-              <a:lnSpc>
-                <a:spcPct val="150000"/>
-              </a:lnSpc>
-              <a:buFont typeface="Wingdings" pitchFamily="2" charset="2"/>
-              <a:buChar char="§"/>
-            </a:pPr>
-            <a:r>
-              <a:rPr lang="en-US" sz="2400" dirty="0" smtClean="0">
-                <a:solidFill>
-                  <a:srgbClr val="7030A0"/>
-                </a:solidFill>
-                <a:latin typeface="Segoe UI Light" pitchFamily="34" charset="0"/>
-                <a:cs typeface="Segoe UI Light" pitchFamily="34" charset="0"/>
-              </a:rPr>
-              <a:t>There’s only one Admin manages the system</a:t>
-            </a:r>
-          </a:p>
-          <a:p>
-            <a:pPr marL="342900" indent="-342900">
-              <a:lnSpc>
-                <a:spcPct val="150000"/>
-              </a:lnSpc>
-              <a:buFont typeface="Wingdings" pitchFamily="2" charset="2"/>
-              <a:buChar char="§"/>
-            </a:pPr>
-            <a:r>
-              <a:rPr lang="en-US" sz="2400" dirty="0" smtClean="0">
-                <a:solidFill>
-                  <a:srgbClr val="7030A0"/>
-                </a:solidFill>
-                <a:latin typeface="Segoe UI Light" pitchFamily="34" charset="0"/>
-                <a:cs typeface="Segoe UI Light" pitchFamily="34" charset="0"/>
-              </a:rPr>
-              <a:t>Services only in HCM City</a:t>
-            </a:r>
-            <a:endParaRPr lang="en-US" sz="3200" dirty="0">
+                <a:prstDash val="solid"/>
+              </a:ln>
               <a:solidFill>
-                <a:srgbClr val="7030A0"/>
+                <a:schemeClr val="bg2">
+                  <a:tint val="85000"/>
+                  <a:satMod val="155000"/>
+                </a:schemeClr>
               </a:solidFill>
-              <a:latin typeface="Segoe UI Light" pitchFamily="34" charset="0"/>
-              <a:cs typeface="Segoe UI Light" pitchFamily="34" charset="0"/>
+              <a:effectLst>
+                <a:outerShdw blurRad="41275" dist="20320" dir="1800000" algn="tl" rotWithShape="0">
+                  <a:srgbClr val="000000">
+                    <a:alpha val="40000"/>
+                  </a:srgbClr>
+                </a:outerShdw>
+              </a:effectLst>
             </a:endParaRPr>
           </a:p>
         </p:txBody>
@@ -19512,7 +19415,7 @@
     </p:spTree>
     <p:extLst>
       <p:ext uri="{BB962C8B-B14F-4D97-AF65-F5344CB8AC3E}">
-        <p14:creationId xmlns:p14="http://schemas.microsoft.com/office/powerpoint/2010/main" val="2963862100"/>
+        <p14:creationId xmlns:p14="http://schemas.microsoft.com/office/powerpoint/2010/main" val="397028582"/>
       </p:ext>
     </p:extLst>
   </p:cSld>
@@ -19691,8 +19594,8 @@
         </p:nvSpPr>
         <p:spPr>
           <a:xfrm>
-            <a:off x="152400" y="2597426"/>
-            <a:ext cx="1600199" cy="400110"/>
+            <a:off x="-70139" y="2647890"/>
+            <a:ext cx="1969077" cy="430887"/>
           </a:xfrm>
           <a:prstGeom prst="rect">
             <a:avLst/>
@@ -19706,16 +19609,16 @@
           <a:lstStyle/>
           <a:p>
             <a:r>
-              <a:rPr lang="en-US" sz="2000" b="1" dirty="0" smtClean="0">
+              <a:rPr lang="en-US" sz="2200" b="1" dirty="0" smtClean="0">
                 <a:solidFill>
                   <a:schemeClr val="bg1"/>
                 </a:solidFill>
                 <a:latin typeface="Segoe UI Light" pitchFamily="34" charset="0"/>
                 <a:cs typeface="Segoe UI Light" pitchFamily="34" charset="0"/>
               </a:rPr>
-              <a:t>Future Plan</a:t>
-            </a:r>
-            <a:endParaRPr lang="en-US" sz="2400" b="1" dirty="0">
+              <a:t>Disadvantages</a:t>
+            </a:r>
+            <a:endParaRPr lang="en-US" sz="2200" b="1" dirty="0">
               <a:solidFill>
                 <a:schemeClr val="bg1"/>
               </a:solidFill>
@@ -19791,8 +19694,8 @@
         </p:nvSpPr>
         <p:spPr>
           <a:xfrm>
-            <a:off x="2286000" y="1219200"/>
-            <a:ext cx="6096000" cy="4216539"/>
+            <a:off x="2133600" y="1555283"/>
+            <a:ext cx="6858000" cy="3046988"/>
           </a:xfrm>
           <a:prstGeom prst="rect">
             <a:avLst/>
@@ -19820,7 +19723,7 @@
                 <a:latin typeface="Segoe UI Light" pitchFamily="34" charset="0"/>
                 <a:cs typeface="Segoe UI Light" pitchFamily="34" charset="0"/>
               </a:rPr>
-              <a:t>Future Development</a:t>
+              <a:t>Disadvantages</a:t>
             </a:r>
           </a:p>
           <a:p>
@@ -19839,7 +19742,7 @@
                 <a:latin typeface="Segoe UI Light" pitchFamily="34" charset="0"/>
                 <a:cs typeface="Segoe UI Light" pitchFamily="34" charset="0"/>
               </a:rPr>
-              <a:t>Allows user buy &amp; sell many tickets</a:t>
+              <a:t>Customer can only buy 1 ticket per transaction</a:t>
             </a:r>
           </a:p>
           <a:p>
@@ -19858,7 +19761,7 @@
                 <a:latin typeface="Segoe UI Light" pitchFamily="34" charset="0"/>
                 <a:cs typeface="Segoe UI Light" pitchFamily="34" charset="0"/>
               </a:rPr>
-              <a:t>Provide more payment methods</a:t>
+              <a:t>Customer have to check out through PayPal</a:t>
             </a:r>
           </a:p>
           <a:p>
@@ -19877,7 +19780,7 @@
                 <a:latin typeface="Segoe UI Light" pitchFamily="34" charset="0"/>
                 <a:cs typeface="Segoe UI Light" pitchFamily="34" charset="0"/>
               </a:rPr>
-              <a:t>Implement more roles for administration</a:t>
+              <a:t>There’s only one Admin manages the system</a:t>
             </a:r>
           </a:p>
           <a:p>
@@ -19889,22 +19792,15 @@
               <a:buChar char="§"/>
             </a:pPr>
             <a:r>
-              <a:rPr lang="en-US" sz="2400" dirty="0">
+              <a:rPr lang="en-US" sz="2400" dirty="0" smtClean="0">
                 <a:solidFill>
                   <a:srgbClr val="7030A0"/>
                 </a:solidFill>
                 <a:latin typeface="Segoe UI Light" pitchFamily="34" charset="0"/>
                 <a:cs typeface="Segoe UI Light" pitchFamily="34" charset="0"/>
               </a:rPr>
-              <a:t>Provide shipping nationwide</a:t>
-            </a:r>
-          </a:p>
-          <a:p>
-            <a:pPr>
-              <a:lnSpc>
-                <a:spcPct val="150000"/>
-              </a:lnSpc>
-            </a:pPr>
+              <a:t>Services only in HCM City</a:t>
+            </a:r>
             <a:endParaRPr lang="en-US" sz="3200" dirty="0">
               <a:solidFill>
                 <a:srgbClr val="7030A0"/>
@@ -19913,21 +19809,12 @@
               <a:cs typeface="Segoe UI Light" pitchFamily="34" charset="0"/>
             </a:endParaRPr>
           </a:p>
-          <a:p>
-            <a:endParaRPr lang="en-US" sz="2800" dirty="0">
-              <a:solidFill>
-                <a:srgbClr val="7030A0"/>
-              </a:solidFill>
-              <a:latin typeface="Segoe UI Light" pitchFamily="34" charset="0"/>
-              <a:cs typeface="Segoe UI Light" pitchFamily="34" charset="0"/>
-            </a:endParaRPr>
-          </a:p>
         </p:txBody>
       </p:sp>
     </p:spTree>
     <p:extLst>
       <p:ext uri="{BB962C8B-B14F-4D97-AF65-F5344CB8AC3E}">
-        <p14:creationId xmlns:p14="http://schemas.microsoft.com/office/powerpoint/2010/main" val="1829961558"/>
+        <p14:creationId xmlns:p14="http://schemas.microsoft.com/office/powerpoint/2010/main" val="2963862100"/>
       </p:ext>
     </p:extLst>
   </p:cSld>
@@ -21440,6 +21327,421 @@
 </file>
 
 <file path=ppt/slides/slide20.xml><?xml version="1.0" encoding="utf-8"?>
+<p:sld xmlns:a="http://schemas.openxmlformats.org/drawingml/2006/main" xmlns:r="http://schemas.openxmlformats.org/officeDocument/2006/relationships" xmlns:p="http://schemas.openxmlformats.org/presentationml/2006/main">
+  <p:cSld>
+    <p:spTree>
+      <p:nvGrpSpPr>
+        <p:cNvPr id="1" name=""/>
+        <p:cNvGrpSpPr/>
+        <p:nvPr/>
+      </p:nvGrpSpPr>
+      <p:grpSpPr>
+        <a:xfrm>
+          <a:off x="0" y="0"/>
+          <a:ext cx="0" cy="0"/>
+          <a:chOff x="0" y="0"/>
+          <a:chExt cx="0" cy="0"/>
+        </a:xfrm>
+      </p:grpSpPr>
+      <p:sp>
+        <p:nvSpPr>
+          <p:cNvPr id="2" name="Rectangle 1"/>
+          <p:cNvSpPr/>
+          <p:nvPr/>
+        </p:nvSpPr>
+        <p:spPr>
+          <a:xfrm>
+            <a:off x="0" y="0"/>
+            <a:ext cx="1828800" cy="6858000"/>
+          </a:xfrm>
+          <a:prstGeom prst="rect">
+            <a:avLst/>
+          </a:prstGeom>
+          <a:solidFill>
+            <a:schemeClr val="bg1">
+              <a:lumMod val="95000"/>
+            </a:schemeClr>
+          </a:solidFill>
+          <a:ln>
+            <a:noFill/>
+          </a:ln>
+        </p:spPr>
+        <p:style>
+          <a:lnRef idx="2">
+            <a:schemeClr val="accent1">
+              <a:shade val="50000"/>
+            </a:schemeClr>
+          </a:lnRef>
+          <a:fillRef idx="1">
+            <a:schemeClr val="accent1"/>
+          </a:fillRef>
+          <a:effectRef idx="0">
+            <a:schemeClr val="accent1"/>
+          </a:effectRef>
+          <a:fontRef idx="minor">
+            <a:schemeClr val="lt1"/>
+          </a:fontRef>
+        </p:style>
+        <p:txBody>
+          <a:bodyPr rtlCol="0" anchor="ctr"/>
+          <a:lstStyle/>
+          <a:p>
+            <a:pPr algn="ctr"/>
+            <a:endParaRPr lang="en-US" dirty="0"/>
+          </a:p>
+        </p:txBody>
+      </p:sp>
+      <p:sp>
+        <p:nvSpPr>
+          <p:cNvPr id="4" name="Rectangle 3"/>
+          <p:cNvSpPr/>
+          <p:nvPr/>
+        </p:nvSpPr>
+        <p:spPr>
+          <a:xfrm>
+            <a:off x="0" y="1219200"/>
+            <a:ext cx="1828800" cy="3657600"/>
+          </a:xfrm>
+          <a:prstGeom prst="rect">
+            <a:avLst/>
+          </a:prstGeom>
+          <a:solidFill>
+            <a:srgbClr val="7030A0"/>
+          </a:solidFill>
+          <a:ln>
+            <a:noFill/>
+          </a:ln>
+        </p:spPr>
+        <p:style>
+          <a:lnRef idx="2">
+            <a:schemeClr val="accent1">
+              <a:shade val="50000"/>
+            </a:schemeClr>
+          </a:lnRef>
+          <a:fillRef idx="1">
+            <a:schemeClr val="accent1"/>
+          </a:fillRef>
+          <a:effectRef idx="0">
+            <a:schemeClr val="accent1"/>
+          </a:effectRef>
+          <a:fontRef idx="minor">
+            <a:schemeClr val="lt1"/>
+          </a:fontRef>
+        </p:style>
+        <p:txBody>
+          <a:bodyPr lIns="822960" rtlCol="0" anchor="ctr"/>
+          <a:lstStyle/>
+          <a:p>
+            <a:endParaRPr lang="en-US" sz="2400" dirty="0">
+              <a:latin typeface="Segoe UI Light" pitchFamily="34" charset="0"/>
+              <a:cs typeface="Segoe UI Light" pitchFamily="34" charset="0"/>
+            </a:endParaRPr>
+          </a:p>
+        </p:txBody>
+      </p:sp>
+      <p:pic>
+        <p:nvPicPr>
+          <p:cNvPr id="12" name="Picture 11" descr="C:\Users\iLucas\Desktop\logo_fpt_university_doc copy.png"/>
+          <p:cNvPicPr>
+            <a:picLocks noChangeAspect="1" noChangeArrowheads="1"/>
+          </p:cNvPicPr>
+          <p:nvPr/>
+        </p:nvPicPr>
+        <p:blipFill>
+          <a:blip r:embed="rId2" cstate="print">
+            <a:extLst>
+              <a:ext uri="{28A0092B-C50C-407E-A947-70E740481C1C}">
+                <a14:useLocalDpi xmlns:a14="http://schemas.microsoft.com/office/drawing/2010/main" val="0"/>
+              </a:ext>
+            </a:extLst>
+          </a:blip>
+          <a:srcRect/>
+          <a:stretch>
+            <a:fillRect/>
+          </a:stretch>
+        </p:blipFill>
+        <p:spPr bwMode="auto">
+          <a:xfrm>
+            <a:off x="415580" y="66329"/>
+            <a:ext cx="997640" cy="773302"/>
+          </a:xfrm>
+          <a:prstGeom prst="rect">
+            <a:avLst/>
+          </a:prstGeom>
+          <a:noFill/>
+          <a:extLst>
+            <a:ext uri="{909E8E84-426E-40DD-AFC4-6F175D3DCCD1}">
+              <a14:hiddenFill xmlns:a14="http://schemas.microsoft.com/office/drawing/2010/main">
+                <a:solidFill>
+                  <a:srgbClr val="FFFFFF"/>
+                </a:solidFill>
+              </a14:hiddenFill>
+            </a:ext>
+          </a:extLst>
+        </p:spPr>
+      </p:pic>
+      <p:sp>
+        <p:nvSpPr>
+          <p:cNvPr id="5" name="TextBox 4"/>
+          <p:cNvSpPr txBox="1"/>
+          <p:nvPr/>
+        </p:nvSpPr>
+        <p:spPr>
+          <a:xfrm>
+            <a:off x="152400" y="2597426"/>
+            <a:ext cx="1600199" cy="400110"/>
+          </a:xfrm>
+          <a:prstGeom prst="rect">
+            <a:avLst/>
+          </a:prstGeom>
+          <a:noFill/>
+        </p:spPr>
+        <p:txBody>
+          <a:bodyPr wrap="square" rtlCol="0">
+            <a:spAutoFit/>
+          </a:bodyPr>
+          <a:lstStyle/>
+          <a:p>
+            <a:r>
+              <a:rPr lang="en-US" sz="2000" b="1" dirty="0" smtClean="0">
+                <a:solidFill>
+                  <a:schemeClr val="bg1"/>
+                </a:solidFill>
+                <a:latin typeface="Segoe UI Light" pitchFamily="34" charset="0"/>
+                <a:cs typeface="Segoe UI Light" pitchFamily="34" charset="0"/>
+              </a:rPr>
+              <a:t>Future Plan</a:t>
+            </a:r>
+            <a:endParaRPr lang="en-US" sz="2400" b="1" dirty="0">
+              <a:solidFill>
+                <a:schemeClr val="bg1"/>
+              </a:solidFill>
+              <a:latin typeface="Segoe UI Light" pitchFamily="34" charset="0"/>
+              <a:cs typeface="Segoe UI Light" pitchFamily="34" charset="0"/>
+            </a:endParaRPr>
+          </a:p>
+        </p:txBody>
+      </p:sp>
+      <p:sp>
+        <p:nvSpPr>
+          <p:cNvPr id="19" name="TextBox 18"/>
+          <p:cNvSpPr txBox="1"/>
+          <p:nvPr/>
+        </p:nvSpPr>
+        <p:spPr>
+          <a:xfrm>
+            <a:off x="1828800" y="96028"/>
+            <a:ext cx="3352800" cy="400110"/>
+          </a:xfrm>
+          <a:prstGeom prst="rect">
+            <a:avLst/>
+          </a:prstGeom>
+          <a:noFill/>
+        </p:spPr>
+        <p:txBody>
+          <a:bodyPr wrap="square" rtlCol="0">
+            <a:spAutoFit/>
+          </a:bodyPr>
+          <a:lstStyle/>
+          <a:p>
+            <a:r>
+              <a:rPr lang="en-US" sz="2000" b="1" dirty="0">
+                <a:solidFill>
+                  <a:srgbClr val="7030A0"/>
+                </a:solidFill>
+                <a:latin typeface="Segoe UI Light" panose="020B0502040204020203" pitchFamily="34" charset="0"/>
+                <a:ea typeface="+mj-ea"/>
+                <a:cs typeface="Segoe UI Light" panose="020B0502040204020203" pitchFamily="34" charset="0"/>
+              </a:rPr>
+              <a:t>Group </a:t>
+            </a:r>
+            <a:r>
+              <a:rPr lang="en-US" sz="2000" b="1" dirty="0" smtClean="0">
+                <a:solidFill>
+                  <a:srgbClr val="7030A0"/>
+                </a:solidFill>
+                <a:latin typeface="Segoe UI Light" panose="020B0502040204020203" pitchFamily="34" charset="0"/>
+                <a:ea typeface="+mj-ea"/>
+                <a:cs typeface="Segoe UI Light" panose="020B0502040204020203" pitchFamily="34" charset="0"/>
+              </a:rPr>
+              <a:t>8 - Drop </a:t>
+            </a:r>
+            <a:r>
+              <a:rPr lang="en-US" sz="2000" b="1" dirty="0">
+                <a:solidFill>
+                  <a:srgbClr val="7030A0"/>
+                </a:solidFill>
+                <a:latin typeface="Segoe UI Light" panose="020B0502040204020203" pitchFamily="34" charset="0"/>
+                <a:ea typeface="+mj-ea"/>
+                <a:cs typeface="Segoe UI Light" panose="020B0502040204020203" pitchFamily="34" charset="0"/>
+              </a:rPr>
+              <a:t>It</a:t>
+            </a:r>
+          </a:p>
+        </p:txBody>
+      </p:sp>
+      <p:sp>
+        <p:nvSpPr>
+          <p:cNvPr id="8" name="TextBox 7"/>
+          <p:cNvSpPr txBox="1"/>
+          <p:nvPr/>
+        </p:nvSpPr>
+        <p:spPr>
+          <a:xfrm>
+            <a:off x="2286000" y="1219200"/>
+            <a:ext cx="6096000" cy="4216539"/>
+          </a:xfrm>
+          <a:prstGeom prst="rect">
+            <a:avLst/>
+          </a:prstGeom>
+          <a:noFill/>
+        </p:spPr>
+        <p:txBody>
+          <a:bodyPr wrap="square" rtlCol="0">
+            <a:spAutoFit/>
+          </a:bodyPr>
+          <a:lstStyle/>
+          <a:p>
+            <a:pPr marL="457200" indent="-457200">
+              <a:lnSpc>
+                <a:spcPct val="150000"/>
+              </a:lnSpc>
+              <a:buFont typeface="Wingdings" pitchFamily="2" charset="2"/>
+              <a:buChar char="Ø"/>
+            </a:pPr>
+            <a:r>
+              <a:rPr lang="en-US" sz="3200" dirty="0" smtClean="0">
+                <a:solidFill>
+                  <a:srgbClr val="7030A0"/>
+                </a:solidFill>
+                <a:latin typeface="Segoe UI Light" pitchFamily="34" charset="0"/>
+                <a:cs typeface="Segoe UI Light" pitchFamily="34" charset="0"/>
+              </a:rPr>
+              <a:t>Future Development</a:t>
+            </a:r>
+          </a:p>
+          <a:p>
+            <a:pPr marL="342900" indent="-342900">
+              <a:lnSpc>
+                <a:spcPct val="150000"/>
+              </a:lnSpc>
+              <a:buFont typeface="Wingdings" pitchFamily="2" charset="2"/>
+              <a:buChar char="§"/>
+            </a:pPr>
+            <a:r>
+              <a:rPr lang="en-US" sz="2400" dirty="0" smtClean="0">
+                <a:solidFill>
+                  <a:srgbClr val="7030A0"/>
+                </a:solidFill>
+                <a:latin typeface="Segoe UI Light" pitchFamily="34" charset="0"/>
+                <a:cs typeface="Segoe UI Light" pitchFamily="34" charset="0"/>
+              </a:rPr>
+              <a:t>Allows user buy &amp; sell many tickets</a:t>
+            </a:r>
+          </a:p>
+          <a:p>
+            <a:pPr marL="342900" indent="-342900">
+              <a:lnSpc>
+                <a:spcPct val="150000"/>
+              </a:lnSpc>
+              <a:buFont typeface="Wingdings" pitchFamily="2" charset="2"/>
+              <a:buChar char="§"/>
+            </a:pPr>
+            <a:r>
+              <a:rPr lang="en-US" sz="2400" dirty="0" smtClean="0">
+                <a:solidFill>
+                  <a:srgbClr val="7030A0"/>
+                </a:solidFill>
+                <a:latin typeface="Segoe UI Light" pitchFamily="34" charset="0"/>
+                <a:cs typeface="Segoe UI Light" pitchFamily="34" charset="0"/>
+              </a:rPr>
+              <a:t>Provide more payment methods</a:t>
+            </a:r>
+          </a:p>
+          <a:p>
+            <a:pPr marL="342900" indent="-342900">
+              <a:lnSpc>
+                <a:spcPct val="150000"/>
+              </a:lnSpc>
+              <a:buFont typeface="Wingdings" pitchFamily="2" charset="2"/>
+              <a:buChar char="§"/>
+            </a:pPr>
+            <a:r>
+              <a:rPr lang="en-US" sz="2400" dirty="0" smtClean="0">
+                <a:solidFill>
+                  <a:srgbClr val="7030A0"/>
+                </a:solidFill>
+                <a:latin typeface="Segoe UI Light" pitchFamily="34" charset="0"/>
+                <a:cs typeface="Segoe UI Light" pitchFamily="34" charset="0"/>
+              </a:rPr>
+              <a:t>Implement more roles for administration</a:t>
+            </a:r>
+          </a:p>
+          <a:p>
+            <a:pPr marL="342900" indent="-342900">
+              <a:lnSpc>
+                <a:spcPct val="150000"/>
+              </a:lnSpc>
+              <a:buFont typeface="Wingdings" pitchFamily="2" charset="2"/>
+              <a:buChar char="§"/>
+            </a:pPr>
+            <a:r>
+              <a:rPr lang="en-US" sz="2400" dirty="0">
+                <a:solidFill>
+                  <a:srgbClr val="7030A0"/>
+                </a:solidFill>
+                <a:latin typeface="Segoe UI Light" pitchFamily="34" charset="0"/>
+                <a:cs typeface="Segoe UI Light" pitchFamily="34" charset="0"/>
+              </a:rPr>
+              <a:t>Provide shipping nationwide</a:t>
+            </a:r>
+          </a:p>
+          <a:p>
+            <a:pPr>
+              <a:lnSpc>
+                <a:spcPct val="150000"/>
+              </a:lnSpc>
+            </a:pPr>
+            <a:endParaRPr lang="en-US" sz="3200" dirty="0">
+              <a:solidFill>
+                <a:srgbClr val="7030A0"/>
+              </a:solidFill>
+              <a:latin typeface="Segoe UI Light" pitchFamily="34" charset="0"/>
+              <a:cs typeface="Segoe UI Light" pitchFamily="34" charset="0"/>
+            </a:endParaRPr>
+          </a:p>
+          <a:p>
+            <a:endParaRPr lang="en-US" sz="2800" dirty="0">
+              <a:solidFill>
+                <a:srgbClr val="7030A0"/>
+              </a:solidFill>
+              <a:latin typeface="Segoe UI Light" pitchFamily="34" charset="0"/>
+              <a:cs typeface="Segoe UI Light" pitchFamily="34" charset="0"/>
+            </a:endParaRPr>
+          </a:p>
+        </p:txBody>
+      </p:sp>
+    </p:spTree>
+    <p:extLst>
+      <p:ext uri="{BB962C8B-B14F-4D97-AF65-F5344CB8AC3E}">
+        <p14:creationId xmlns:p14="http://schemas.microsoft.com/office/powerpoint/2010/main" val="1829961558"/>
+      </p:ext>
+    </p:extLst>
+  </p:cSld>
+  <p:clrMapOvr>
+    <a:masterClrMapping/>
+  </p:clrMapOvr>
+  <p:timing>
+    <p:tnLst>
+      <p:par>
+        <p:cTn id="1" dur="indefinite" restart="never" nodeType="tmRoot"/>
+      </p:par>
+    </p:tnLst>
+  </p:timing>
+</p:sld>
+</file>
+
+<file path=ppt/slides/slide21.xml><?xml version="1.0" encoding="utf-8"?>
 <p:sld xmlns:a="http://schemas.openxmlformats.org/drawingml/2006/main" xmlns:r="http://schemas.openxmlformats.org/officeDocument/2006/relationships" xmlns:p="http://schemas.openxmlformats.org/presentationml/2006/main">
   <p:cSld>
     <p:spTree>

--- a/Document/Present.pptx
+++ b/Document/Present.pptx
@@ -9,8 +9,8 @@
   </p:notesMasterIdLst>
   <p:sldIdLst>
     <p:sldId id="256" r:id="rId2"/>
-    <p:sldId id="283" r:id="rId3"/>
-    <p:sldId id="257" r:id="rId4"/>
+    <p:sldId id="257" r:id="rId3"/>
+    <p:sldId id="283" r:id="rId4"/>
     <p:sldId id="261" r:id="rId5"/>
     <p:sldId id="262" r:id="rId6"/>
     <p:sldId id="264" r:id="rId7"/>
@@ -129,7 +129,7 @@
   </p:defaultTextStyle>
   <p:extLst>
     <p:ext uri="{EFAFB233-063F-42B5-8137-9DF3F51BA10A}">
-      <p15:sldGuideLst xmlns:p15="http://schemas.microsoft.com/office/powerpoint/2012/main" xmlns="">
+      <p15:sldGuideLst xmlns="" xmlns:p15="http://schemas.microsoft.com/office/powerpoint/2012/main">
         <p15:guide id="1" orient="horz" pos="2160">
           <p15:clr>
             <a:srgbClr val="A4A3A4"/>
@@ -19905,15 +19905,13 @@
         <p:spPr>
           <a:xfrm>
             <a:off x="0" y="1219200"/>
-            <a:ext cx="1828800" cy="548640"/>
+            <a:ext cx="1828800" cy="3657600"/>
           </a:xfrm>
           <a:prstGeom prst="rect">
             <a:avLst/>
           </a:prstGeom>
           <a:solidFill>
-            <a:schemeClr val="bg1">
-              <a:lumMod val="50000"/>
-            </a:schemeClr>
+            <a:srgbClr val="7030A0"/>
           </a:solidFill>
           <a:ln>
             <a:noFill/>
@@ -19948,284 +19946,147 @@
       </p:sp>
       <p:sp>
         <p:nvSpPr>
-          <p:cNvPr id="13" name="Rectangle 12"/>
-          <p:cNvSpPr/>
+          <p:cNvPr id="17" name="TextBox 16"/>
+          <p:cNvSpPr txBox="1"/>
           <p:nvPr/>
         </p:nvSpPr>
         <p:spPr>
           <a:xfrm>
-            <a:off x="0" y="2316480"/>
-            <a:ext cx="1828800" cy="548640"/>
+            <a:off x="2362200" y="1056620"/>
+            <a:ext cx="5867400" cy="3785652"/>
           </a:xfrm>
           <a:prstGeom prst="rect">
             <a:avLst/>
           </a:prstGeom>
-          <a:solidFill>
-            <a:schemeClr val="bg1">
-              <a:lumMod val="95000"/>
-            </a:schemeClr>
-          </a:solidFill>
-          <a:ln>
-            <a:noFill/>
-          </a:ln>
-        </p:spPr>
-        <p:style>
-          <a:lnRef idx="2">
-            <a:schemeClr val="accent1">
-              <a:shade val="50000"/>
-            </a:schemeClr>
-          </a:lnRef>
-          <a:fillRef idx="1">
-            <a:schemeClr val="accent1"/>
-          </a:fillRef>
-          <a:effectRef idx="0">
-            <a:schemeClr val="accent1"/>
-          </a:effectRef>
-          <a:fontRef idx="minor">
-            <a:schemeClr val="lt1"/>
-          </a:fontRef>
-        </p:style>
-        <p:txBody>
-          <a:bodyPr lIns="822960" rtlCol="0" anchor="ctr"/>
+          <a:noFill/>
+        </p:spPr>
+        <p:txBody>
+          <a:bodyPr wrap="square" rtlCol="0">
+            <a:spAutoFit/>
+          </a:bodyPr>
           <a:lstStyle/>
           <a:p>
-            <a:endParaRPr lang="en-US" sz="2400" dirty="0">
+            <a:pPr marL="457200" indent="-457200">
+              <a:buFont typeface="+mj-lt"/>
+              <a:buAutoNum type="arabicPeriod"/>
+            </a:pPr>
+            <a:r>
+              <a:rPr lang="en-US" sz="4000" b="1" dirty="0" smtClean="0">
+                <a:solidFill>
+                  <a:srgbClr val="7030A0"/>
+                </a:solidFill>
+                <a:latin typeface="Segoe UI Light" pitchFamily="34" charset="0"/>
+                <a:cs typeface="Segoe UI Light" pitchFamily="34" charset="0"/>
+              </a:rPr>
+              <a:t>Introduction</a:t>
+            </a:r>
+          </a:p>
+          <a:p>
+            <a:pPr marL="457200" indent="-457200">
+              <a:buFont typeface="+mj-lt"/>
+              <a:buAutoNum type="arabicPeriod"/>
+            </a:pPr>
+            <a:r>
+              <a:rPr lang="en-US" sz="4000" b="1" dirty="0" smtClean="0">
+                <a:solidFill>
+                  <a:srgbClr val="7030A0"/>
+                </a:solidFill>
+                <a:latin typeface="Segoe UI Light" pitchFamily="34" charset="0"/>
+                <a:cs typeface="Segoe UI Light" pitchFamily="34" charset="0"/>
+              </a:rPr>
+              <a:t>Drop It Project</a:t>
+            </a:r>
+            <a:endParaRPr lang="en-US" sz="4000" b="1" dirty="0">
               <a:solidFill>
-                <a:schemeClr val="tx1">
-                  <a:lumMod val="75000"/>
-                  <a:lumOff val="25000"/>
-                </a:schemeClr>
+                <a:srgbClr val="7030A0"/>
               </a:solidFill>
               <a:latin typeface="Segoe UI Light" pitchFamily="34" charset="0"/>
               <a:cs typeface="Segoe UI Light" pitchFamily="34" charset="0"/>
             </a:endParaRPr>
           </a:p>
-        </p:txBody>
-      </p:sp>
-      <p:sp>
-        <p:nvSpPr>
-          <p:cNvPr id="14" name="Rectangle 13"/>
-          <p:cNvSpPr/>
-          <p:nvPr/>
-        </p:nvSpPr>
-        <p:spPr>
-          <a:xfrm>
-            <a:off x="0" y="1753925"/>
-            <a:ext cx="1828800" cy="397431"/>
-          </a:xfrm>
-          <a:prstGeom prst="rect">
-            <a:avLst/>
-          </a:prstGeom>
-          <a:solidFill>
-            <a:srgbClr val="7030A0"/>
-          </a:solidFill>
-          <a:ln>
-            <a:noFill/>
-          </a:ln>
-        </p:spPr>
-        <p:style>
-          <a:lnRef idx="2">
-            <a:schemeClr val="accent1">
-              <a:shade val="50000"/>
-            </a:schemeClr>
-          </a:lnRef>
-          <a:fillRef idx="1">
-            <a:schemeClr val="accent1"/>
-          </a:fillRef>
-          <a:effectRef idx="0">
-            <a:schemeClr val="accent1"/>
-          </a:effectRef>
-          <a:fontRef idx="minor">
-            <a:schemeClr val="lt1"/>
-          </a:fontRef>
-        </p:style>
-        <p:txBody>
-          <a:bodyPr lIns="822960" rtlCol="0" anchor="ctr"/>
-          <a:lstStyle/>
-          <a:p>
-            <a:endParaRPr lang="en-US" sz="2400" dirty="0">
+          <a:p>
+            <a:pPr marL="457200" indent="-457200">
+              <a:buFont typeface="+mj-lt"/>
+              <a:buAutoNum type="arabicPeriod"/>
+            </a:pPr>
+            <a:r>
+              <a:rPr lang="en-US" sz="4000" b="1" dirty="0">
+                <a:solidFill>
+                  <a:srgbClr val="7030A0"/>
+                </a:solidFill>
+                <a:latin typeface="Segoe UI Light" pitchFamily="34" charset="0"/>
+                <a:cs typeface="Segoe UI Light" pitchFamily="34" charset="0"/>
+              </a:rPr>
+              <a:t>Technologies &amp; Tools</a:t>
+            </a:r>
+          </a:p>
+          <a:p>
+            <a:pPr marL="457200" indent="-457200">
+              <a:buFont typeface="+mj-lt"/>
+              <a:buAutoNum type="arabicPeriod"/>
+            </a:pPr>
+            <a:r>
+              <a:rPr lang="en-US" sz="4000" b="1" dirty="0" smtClean="0">
+                <a:solidFill>
+                  <a:srgbClr val="7030A0"/>
+                </a:solidFill>
+                <a:latin typeface="Segoe UI Light" pitchFamily="34" charset="0"/>
+                <a:cs typeface="Segoe UI Light" pitchFamily="34" charset="0"/>
+              </a:rPr>
+              <a:t>Demo</a:t>
+            </a:r>
+            <a:endParaRPr lang="en-US" sz="4000" b="1" dirty="0">
               <a:solidFill>
-                <a:schemeClr val="tx1">
-                  <a:lumMod val="75000"/>
-                  <a:lumOff val="25000"/>
-                </a:schemeClr>
+                <a:srgbClr val="7030A0"/>
               </a:solidFill>
               <a:latin typeface="Segoe UI Light" pitchFamily="34" charset="0"/>
               <a:cs typeface="Segoe UI Light" pitchFamily="34" charset="0"/>
             </a:endParaRPr>
           </a:p>
-        </p:txBody>
-      </p:sp>
-      <p:sp>
-        <p:nvSpPr>
-          <p:cNvPr id="18" name="TextBox 17"/>
-          <p:cNvSpPr txBox="1"/>
-          <p:nvPr/>
-        </p:nvSpPr>
-        <p:spPr>
-          <a:xfrm>
-            <a:off x="2019300" y="706011"/>
-            <a:ext cx="3238500" cy="2277547"/>
-          </a:xfrm>
-          <a:prstGeom prst="rect">
-            <a:avLst/>
-          </a:prstGeom>
-          <a:noFill/>
-        </p:spPr>
-        <p:txBody>
-          <a:bodyPr wrap="square" rtlCol="0">
-            <a:spAutoFit/>
-          </a:bodyPr>
-          <a:lstStyle/>
-          <a:p>
-            <a:pPr marL="625475" indent="-396875">
-              <a:spcBef>
-                <a:spcPts val="1200"/>
-              </a:spcBef>
-              <a:buClr>
-                <a:srgbClr val="7030A0"/>
-              </a:buClr>
-              <a:buFont typeface="Segoe UI Light" pitchFamily="34" charset="0"/>
-              <a:buChar char="■"/>
+          <a:p>
+            <a:pPr marL="457200" indent="-457200">
+              <a:buFont typeface="+mj-lt"/>
+              <a:buAutoNum type="arabicPeriod"/>
             </a:pPr>
             <a:r>
-              <a:rPr lang="en-US" dirty="0" smtClean="0">
+              <a:rPr lang="en-US" sz="4000" b="1" dirty="0">
                 <a:solidFill>
-                  <a:schemeClr val="tx1">
-                    <a:lumMod val="75000"/>
-                    <a:lumOff val="25000"/>
-                  </a:schemeClr>
+                  <a:srgbClr val="7030A0"/>
                 </a:solidFill>
                 <a:latin typeface="Segoe UI Light" pitchFamily="34" charset="0"/>
                 <a:cs typeface="Segoe UI Light" pitchFamily="34" charset="0"/>
               </a:rPr>
-              <a:t>Lê Khôi Phong</a:t>
-            </a:r>
-          </a:p>
-          <a:p>
-            <a:pPr marL="514350" indent="-285750">
-              <a:spcBef>
-                <a:spcPts val="1200"/>
-              </a:spcBef>
-              <a:buClr>
-                <a:srgbClr val="7030A0"/>
-              </a:buClr>
-              <a:buFont typeface="Wingdings" pitchFamily="2" charset="2"/>
-              <a:buChar char="§"/>
-            </a:pPr>
-            <a:r>
-              <a:rPr lang="en-US" sz="1600" dirty="0" smtClean="0">
+              <a:t>Disadvantages &amp; </a:t>
+            </a:r>
+            <a:r>
+              <a:rPr lang="en-US" sz="4000" b="1" dirty="0" smtClean="0">
                 <a:solidFill>
-                  <a:schemeClr val="tx1">
-                    <a:lumMod val="75000"/>
-                    <a:lumOff val="25000"/>
-                  </a:schemeClr>
+                  <a:srgbClr val="7030A0"/>
                 </a:solidFill>
                 <a:latin typeface="Segoe UI Light" pitchFamily="34" charset="0"/>
                 <a:cs typeface="Segoe UI Light" pitchFamily="34" charset="0"/>
               </a:rPr>
-              <a:t>Project Leader</a:t>
-            </a:r>
-          </a:p>
-          <a:p>
-            <a:pPr marL="514350" indent="-285750">
-              <a:spcBef>
-                <a:spcPts val="1200"/>
-              </a:spcBef>
-              <a:buClr>
-                <a:srgbClr val="7030A0"/>
-              </a:buClr>
-              <a:buFont typeface="Wingdings" pitchFamily="2" charset="2"/>
-              <a:buChar char="§"/>
+              <a:t>Future</a:t>
+            </a:r>
+          </a:p>
+          <a:p>
+            <a:pPr marL="457200" indent="-457200">
+              <a:buFont typeface="+mj-lt"/>
+              <a:buAutoNum type="arabicPeriod"/>
             </a:pPr>
             <a:r>
-              <a:rPr lang="en-US" sz="1600" dirty="0" smtClean="0">
+              <a:rPr lang="en-US" sz="4000" b="1" dirty="0" smtClean="0">
                 <a:solidFill>
-                  <a:schemeClr val="tx1">
-                    <a:lumMod val="75000"/>
-                    <a:lumOff val="25000"/>
-                  </a:schemeClr>
+                  <a:srgbClr val="7030A0"/>
                 </a:solidFill>
                 <a:latin typeface="Segoe UI Light" pitchFamily="34" charset="0"/>
                 <a:cs typeface="Segoe UI Light" pitchFamily="34" charset="0"/>
               </a:rPr>
-              <a:t>Technical Leader</a:t>
-            </a:r>
-          </a:p>
-          <a:p>
-            <a:pPr marL="514350" indent="-285750">
-              <a:spcBef>
-                <a:spcPts val="1200"/>
-              </a:spcBef>
-              <a:buClr>
+              <a:t>Q&amp;A</a:t>
+            </a:r>
+            <a:endParaRPr lang="en-US" sz="4000" b="1" dirty="0">
+              <a:solidFill>
                 <a:srgbClr val="7030A0"/>
-              </a:buClr>
-              <a:buFont typeface="Wingdings" pitchFamily="2" charset="2"/>
-              <a:buChar char="§"/>
-            </a:pPr>
-            <a:r>
-              <a:rPr lang="en-US" sz="1600" dirty="0" smtClean="0">
-                <a:solidFill>
-                  <a:schemeClr val="tx1">
-                    <a:lumMod val="75000"/>
-                    <a:lumOff val="25000"/>
-                  </a:schemeClr>
-                </a:solidFill>
-                <a:latin typeface="Segoe UI Light" pitchFamily="34" charset="0"/>
-                <a:cs typeface="Segoe UI Light" pitchFamily="34" charset="0"/>
-              </a:rPr>
-              <a:t>Developer</a:t>
-            </a:r>
-          </a:p>
-          <a:p>
-            <a:pPr marL="514350" indent="-285750">
-              <a:spcBef>
-                <a:spcPts val="1200"/>
-              </a:spcBef>
-              <a:buClr>
-                <a:srgbClr val="7030A0"/>
-              </a:buClr>
-              <a:buFont typeface="Wingdings" pitchFamily="2" charset="2"/>
-              <a:buChar char="§"/>
-            </a:pPr>
-            <a:r>
-              <a:rPr lang="en-US" sz="1600" dirty="0" smtClean="0">
-                <a:solidFill>
-                  <a:schemeClr val="tx1">
-                    <a:lumMod val="75000"/>
-                    <a:lumOff val="25000"/>
-                  </a:schemeClr>
-                </a:solidFill>
-                <a:latin typeface="Segoe UI Light" pitchFamily="34" charset="0"/>
-                <a:cs typeface="Segoe UI Light" pitchFamily="34" charset="0"/>
-              </a:rPr>
-              <a:t>Tester</a:t>
-            </a:r>
-            <a:endParaRPr lang="en-US" sz="1600" dirty="0">
-              <a:solidFill>
-                <a:schemeClr val="tx1">
-                  <a:lumMod val="75000"/>
-                  <a:lumOff val="25000"/>
-                </a:schemeClr>
-              </a:solidFill>
-              <a:latin typeface="Segoe UI Light" pitchFamily="34" charset="0"/>
-              <a:cs typeface="Segoe UI Light" pitchFamily="34" charset="0"/>
-            </a:endParaRPr>
-          </a:p>
-          <a:p>
-            <a:pPr marL="625475" indent="-396875">
-              <a:buClr>
-                <a:srgbClr val="7030A0"/>
-              </a:buClr>
-              <a:buFont typeface="Segoe UI Light" pitchFamily="34" charset="0"/>
-              <a:buChar char="■"/>
-            </a:pPr>
-            <a:endParaRPr lang="en-US" sz="2000" dirty="0">
-              <a:solidFill>
-                <a:schemeClr val="tx1">
-                  <a:lumMod val="75000"/>
-                  <a:lumOff val="25000"/>
-                </a:schemeClr>
               </a:solidFill>
               <a:latin typeface="Segoe UI Light" pitchFamily="34" charset="0"/>
               <a:cs typeface="Segoe UI Light" pitchFamily="34" charset="0"/>
@@ -20282,8 +20143,8 @@
         </p:nvSpPr>
         <p:spPr>
           <a:xfrm>
-            <a:off x="3313" y="1307471"/>
-            <a:ext cx="1749287" cy="430887"/>
+            <a:off x="119999" y="2637813"/>
+            <a:ext cx="1588801" cy="523220"/>
           </a:xfrm>
           <a:prstGeom prst="rect">
             <a:avLst/>
@@ -20297,28 +20158,21 @@
           <a:lstStyle/>
           <a:p>
             <a:r>
-              <a:rPr lang="en-US" sz="2200" dirty="0" smtClean="0">
+              <a:rPr lang="en-US" sz="2800" dirty="0">
                 <a:solidFill>
                   <a:schemeClr val="bg1"/>
                 </a:solidFill>
                 <a:latin typeface="Segoe UI Light" pitchFamily="34" charset="0"/>
                 <a:cs typeface="Segoe UI Light" pitchFamily="34" charset="0"/>
               </a:rPr>
-              <a:t>Introduction</a:t>
-            </a:r>
-            <a:endParaRPr lang="en-US" sz="2200" dirty="0">
-              <a:solidFill>
-                <a:schemeClr val="bg1"/>
-              </a:solidFill>
-              <a:latin typeface="Segoe UI Light" pitchFamily="34" charset="0"/>
-              <a:cs typeface="Segoe UI Light" pitchFamily="34" charset="0"/>
-            </a:endParaRPr>
-          </a:p>
-        </p:txBody>
-      </p:sp>
-      <p:sp>
-        <p:nvSpPr>
-          <p:cNvPr id="22" name="TextBox 21"/>
+              <a:t>Contents</a:t>
+            </a:r>
+          </a:p>
+        </p:txBody>
+      </p:sp>
+      <p:sp>
+        <p:nvSpPr>
+          <p:cNvPr id="19" name="TextBox 18"/>
           <p:cNvSpPr txBox="1"/>
           <p:nvPr/>
         </p:nvSpPr>
@@ -20374,942 +20228,10 @@
           </a:p>
         </p:txBody>
       </p:sp>
-      <p:sp>
-        <p:nvSpPr>
-          <p:cNvPr id="6" name="TextBox 5"/>
-          <p:cNvSpPr txBox="1"/>
-          <p:nvPr/>
-        </p:nvSpPr>
-        <p:spPr>
-          <a:xfrm>
-            <a:off x="3313" y="1798751"/>
-            <a:ext cx="1736697" cy="369332"/>
-          </a:xfrm>
-          <a:prstGeom prst="rect">
-            <a:avLst/>
-          </a:prstGeom>
-          <a:noFill/>
-        </p:spPr>
-        <p:txBody>
-          <a:bodyPr wrap="square" rtlCol="0">
-            <a:spAutoFit/>
-          </a:bodyPr>
-          <a:lstStyle/>
-          <a:p>
-            <a:pPr marL="285750" indent="-285750">
-              <a:buFont typeface="Wingdings" pitchFamily="2" charset="2"/>
-              <a:buChar char="Ø"/>
-            </a:pPr>
-            <a:r>
-              <a:rPr lang="en-US" dirty="0">
-                <a:solidFill>
-                  <a:schemeClr val="bg1"/>
-                </a:solidFill>
-                <a:latin typeface="Segoe UI Light" pitchFamily="34" charset="0"/>
-                <a:cs typeface="Segoe UI Light" pitchFamily="34" charset="0"/>
-              </a:rPr>
-              <a:t>The People</a:t>
-            </a:r>
-          </a:p>
-        </p:txBody>
-      </p:sp>
-      <p:sp>
-        <p:nvSpPr>
-          <p:cNvPr id="23" name="Rectangle 22"/>
-          <p:cNvSpPr/>
-          <p:nvPr/>
-        </p:nvSpPr>
-        <p:spPr>
-          <a:xfrm>
-            <a:off x="0" y="2151356"/>
-            <a:ext cx="1828800" cy="397431"/>
-          </a:xfrm>
-          <a:prstGeom prst="rect">
-            <a:avLst/>
-          </a:prstGeom>
-          <a:solidFill>
-            <a:schemeClr val="bg1">
-              <a:lumMod val="50000"/>
-            </a:schemeClr>
-          </a:solidFill>
-          <a:ln>
-            <a:noFill/>
-          </a:ln>
-        </p:spPr>
-        <p:style>
-          <a:lnRef idx="2">
-            <a:schemeClr val="accent1">
-              <a:shade val="50000"/>
-            </a:schemeClr>
-          </a:lnRef>
-          <a:fillRef idx="1">
-            <a:schemeClr val="accent1"/>
-          </a:fillRef>
-          <a:effectRef idx="0">
-            <a:schemeClr val="accent1"/>
-          </a:effectRef>
-          <a:fontRef idx="minor">
-            <a:schemeClr val="lt1"/>
-          </a:fontRef>
-        </p:style>
-        <p:txBody>
-          <a:bodyPr lIns="822960" rtlCol="0" anchor="ctr"/>
-          <a:lstStyle/>
-          <a:p>
-            <a:endParaRPr lang="en-US" sz="2400" dirty="0">
-              <a:solidFill>
-                <a:schemeClr val="tx1">
-                  <a:lumMod val="75000"/>
-                  <a:lumOff val="25000"/>
-                </a:schemeClr>
-              </a:solidFill>
-              <a:latin typeface="Segoe UI Light" pitchFamily="34" charset="0"/>
-              <a:cs typeface="Segoe UI Light" pitchFamily="34" charset="0"/>
-            </a:endParaRPr>
-          </a:p>
-        </p:txBody>
-      </p:sp>
-      <p:sp>
-        <p:nvSpPr>
-          <p:cNvPr id="25" name="Rectangle 24"/>
-          <p:cNvSpPr/>
-          <p:nvPr/>
-        </p:nvSpPr>
-        <p:spPr>
-          <a:xfrm>
-            <a:off x="0" y="2548787"/>
-            <a:ext cx="1828800" cy="397431"/>
-          </a:xfrm>
-          <a:prstGeom prst="rect">
-            <a:avLst/>
-          </a:prstGeom>
-          <a:solidFill>
-            <a:schemeClr val="bg1">
-              <a:lumMod val="50000"/>
-            </a:schemeClr>
-          </a:solidFill>
-          <a:ln>
-            <a:noFill/>
-          </a:ln>
-        </p:spPr>
-        <p:style>
-          <a:lnRef idx="2">
-            <a:schemeClr val="accent1">
-              <a:shade val="50000"/>
-            </a:schemeClr>
-          </a:lnRef>
-          <a:fillRef idx="1">
-            <a:schemeClr val="accent1"/>
-          </a:fillRef>
-          <a:effectRef idx="0">
-            <a:schemeClr val="accent1"/>
-          </a:effectRef>
-          <a:fontRef idx="minor">
-            <a:schemeClr val="lt1"/>
-          </a:fontRef>
-        </p:style>
-        <p:txBody>
-          <a:bodyPr lIns="822960" rtlCol="0" anchor="ctr"/>
-          <a:lstStyle/>
-          <a:p>
-            <a:endParaRPr lang="en-US" sz="2400" dirty="0">
-              <a:solidFill>
-                <a:schemeClr val="tx1">
-                  <a:lumMod val="75000"/>
-                  <a:lumOff val="25000"/>
-                </a:schemeClr>
-              </a:solidFill>
-              <a:latin typeface="Segoe UI Light" pitchFamily="34" charset="0"/>
-              <a:cs typeface="Segoe UI Light" pitchFamily="34" charset="0"/>
-            </a:endParaRPr>
-          </a:p>
-        </p:txBody>
-      </p:sp>
-      <p:sp>
-        <p:nvSpPr>
-          <p:cNvPr id="26" name="Rectangle 25"/>
-          <p:cNvSpPr/>
-          <p:nvPr/>
-        </p:nvSpPr>
-        <p:spPr>
-          <a:xfrm>
-            <a:off x="3313" y="2946218"/>
-            <a:ext cx="1828800" cy="397431"/>
-          </a:xfrm>
-          <a:prstGeom prst="rect">
-            <a:avLst/>
-          </a:prstGeom>
-          <a:solidFill>
-            <a:schemeClr val="bg1">
-              <a:lumMod val="50000"/>
-            </a:schemeClr>
-          </a:solidFill>
-          <a:ln>
-            <a:noFill/>
-          </a:ln>
-        </p:spPr>
-        <p:style>
-          <a:lnRef idx="2">
-            <a:schemeClr val="accent1">
-              <a:shade val="50000"/>
-            </a:schemeClr>
-          </a:lnRef>
-          <a:fillRef idx="1">
-            <a:schemeClr val="accent1"/>
-          </a:fillRef>
-          <a:effectRef idx="0">
-            <a:schemeClr val="accent1"/>
-          </a:effectRef>
-          <a:fontRef idx="minor">
-            <a:schemeClr val="lt1"/>
-          </a:fontRef>
-        </p:style>
-        <p:txBody>
-          <a:bodyPr lIns="822960" rtlCol="0" anchor="ctr"/>
-          <a:lstStyle/>
-          <a:p>
-            <a:endParaRPr lang="en-US" sz="2400" dirty="0">
-              <a:solidFill>
-                <a:schemeClr val="tx1">
-                  <a:lumMod val="75000"/>
-                  <a:lumOff val="25000"/>
-                </a:schemeClr>
-              </a:solidFill>
-              <a:latin typeface="Segoe UI Light" pitchFamily="34" charset="0"/>
-              <a:cs typeface="Segoe UI Light" pitchFamily="34" charset="0"/>
-            </a:endParaRPr>
-          </a:p>
-        </p:txBody>
-      </p:sp>
-      <p:sp>
-        <p:nvSpPr>
-          <p:cNvPr id="28" name="TextBox 27"/>
-          <p:cNvSpPr txBox="1"/>
-          <p:nvPr/>
-        </p:nvSpPr>
-        <p:spPr>
-          <a:xfrm>
-            <a:off x="3313" y="2196182"/>
-            <a:ext cx="1749287" cy="369332"/>
-          </a:xfrm>
-          <a:prstGeom prst="rect">
-            <a:avLst/>
-          </a:prstGeom>
-          <a:noFill/>
-        </p:spPr>
-        <p:txBody>
-          <a:bodyPr wrap="square" rtlCol="0">
-            <a:spAutoFit/>
-          </a:bodyPr>
-          <a:lstStyle/>
-          <a:p>
-            <a:pPr marL="285750" indent="-285750">
-              <a:buFont typeface="Wingdings" pitchFamily="2" charset="2"/>
-              <a:buChar char="Ø"/>
-            </a:pPr>
-            <a:r>
-              <a:rPr lang="en-US" dirty="0">
-                <a:solidFill>
-                  <a:schemeClr val="bg1"/>
-                </a:solidFill>
-                <a:latin typeface="Segoe UI Light" pitchFamily="34" charset="0"/>
-                <a:cs typeface="Segoe UI Light" pitchFamily="34" charset="0"/>
-              </a:rPr>
-              <a:t>Ticket.St</a:t>
-            </a:r>
-          </a:p>
-        </p:txBody>
-      </p:sp>
-      <p:sp>
-        <p:nvSpPr>
-          <p:cNvPr id="29" name="TextBox 28"/>
-          <p:cNvSpPr txBox="1"/>
-          <p:nvPr/>
-        </p:nvSpPr>
-        <p:spPr>
-          <a:xfrm>
-            <a:off x="3313" y="2593613"/>
-            <a:ext cx="1749287" cy="369332"/>
-          </a:xfrm>
-          <a:prstGeom prst="rect">
-            <a:avLst/>
-          </a:prstGeom>
-          <a:noFill/>
-        </p:spPr>
-        <p:txBody>
-          <a:bodyPr wrap="square" rtlCol="0">
-            <a:spAutoFit/>
-          </a:bodyPr>
-          <a:lstStyle/>
-          <a:p>
-            <a:pPr marL="285750" indent="-285750">
-              <a:buFont typeface="Wingdings" pitchFamily="2" charset="2"/>
-              <a:buChar char="Ø"/>
-            </a:pPr>
-            <a:r>
-              <a:rPr lang="en-US" dirty="0">
-                <a:solidFill>
-                  <a:schemeClr val="bg1"/>
-                </a:solidFill>
-                <a:latin typeface="Segoe UI Light" pitchFamily="34" charset="0"/>
-                <a:cs typeface="Segoe UI Light" pitchFamily="34" charset="0"/>
-              </a:rPr>
-              <a:t>Problem</a:t>
-            </a:r>
-          </a:p>
-        </p:txBody>
-      </p:sp>
-      <p:sp>
-        <p:nvSpPr>
-          <p:cNvPr id="31" name="TextBox 30"/>
-          <p:cNvSpPr txBox="1"/>
-          <p:nvPr/>
-        </p:nvSpPr>
-        <p:spPr>
-          <a:xfrm>
-            <a:off x="3313" y="2971425"/>
-            <a:ext cx="1749287" cy="369332"/>
-          </a:xfrm>
-          <a:prstGeom prst="rect">
-            <a:avLst/>
-          </a:prstGeom>
-          <a:noFill/>
-        </p:spPr>
-        <p:txBody>
-          <a:bodyPr wrap="square" rtlCol="0">
-            <a:spAutoFit/>
-          </a:bodyPr>
-          <a:lstStyle/>
-          <a:p>
-            <a:pPr marL="285750" indent="-285750">
-              <a:buFont typeface="Wingdings" pitchFamily="2" charset="2"/>
-              <a:buChar char="Ø"/>
-            </a:pPr>
-            <a:r>
-              <a:rPr lang="en-US" dirty="0">
-                <a:solidFill>
-                  <a:schemeClr val="bg1"/>
-                </a:solidFill>
-                <a:latin typeface="Segoe UI Light" pitchFamily="34" charset="0"/>
-                <a:cs typeface="Segoe UI Light" pitchFamily="34" charset="0"/>
-              </a:rPr>
-              <a:t>Our Proposal</a:t>
-            </a:r>
-          </a:p>
-        </p:txBody>
-      </p:sp>
-      <p:sp>
-        <p:nvSpPr>
-          <p:cNvPr id="33" name="TextBox 32"/>
-          <p:cNvSpPr txBox="1"/>
-          <p:nvPr/>
-        </p:nvSpPr>
-        <p:spPr>
-          <a:xfrm>
-            <a:off x="5181600" y="777731"/>
-            <a:ext cx="3238500" cy="1877437"/>
-          </a:xfrm>
-          <a:prstGeom prst="rect">
-            <a:avLst/>
-          </a:prstGeom>
-          <a:noFill/>
-        </p:spPr>
-        <p:txBody>
-          <a:bodyPr wrap="square" rtlCol="0">
-            <a:spAutoFit/>
-          </a:bodyPr>
-          <a:lstStyle/>
-          <a:p>
-            <a:pPr marL="625475" indent="-396875">
-              <a:spcBef>
-                <a:spcPts val="1200"/>
-              </a:spcBef>
-              <a:buClr>
-                <a:srgbClr val="7030A0"/>
-              </a:buClr>
-              <a:buFont typeface="Segoe UI Light" pitchFamily="34" charset="0"/>
-              <a:buChar char="■"/>
-            </a:pPr>
-            <a:r>
-              <a:rPr lang="en-US" dirty="0" smtClean="0">
-                <a:solidFill>
-                  <a:schemeClr val="tx1">
-                    <a:lumMod val="75000"/>
-                    <a:lumOff val="25000"/>
-                  </a:schemeClr>
-                </a:solidFill>
-                <a:latin typeface="Segoe UI Light" pitchFamily="34" charset="0"/>
-                <a:cs typeface="Segoe UI Light" pitchFamily="34" charset="0"/>
-              </a:rPr>
-              <a:t>Công Minh Hiếu</a:t>
-            </a:r>
-          </a:p>
-          <a:p>
-            <a:pPr marL="514350" indent="-285750">
-              <a:spcBef>
-                <a:spcPts val="1200"/>
-              </a:spcBef>
-              <a:buClr>
-                <a:srgbClr val="7030A0"/>
-              </a:buClr>
-              <a:buFont typeface="Wingdings" pitchFamily="2" charset="2"/>
-              <a:buChar char="§"/>
-            </a:pPr>
-            <a:r>
-              <a:rPr lang="en-US" sz="1600" dirty="0" smtClean="0">
-                <a:solidFill>
-                  <a:schemeClr val="tx1">
-                    <a:lumMod val="75000"/>
-                    <a:lumOff val="25000"/>
-                  </a:schemeClr>
-                </a:solidFill>
-                <a:latin typeface="Segoe UI Light" pitchFamily="34" charset="0"/>
-                <a:cs typeface="Segoe UI Light" pitchFamily="34" charset="0"/>
-              </a:rPr>
-              <a:t>Business analysis</a:t>
-            </a:r>
-          </a:p>
-          <a:p>
-            <a:pPr marL="514350" indent="-285750">
-              <a:spcBef>
-                <a:spcPts val="1200"/>
-              </a:spcBef>
-              <a:buClr>
-                <a:srgbClr val="7030A0"/>
-              </a:buClr>
-              <a:buFont typeface="Wingdings" pitchFamily="2" charset="2"/>
-              <a:buChar char="§"/>
-            </a:pPr>
-            <a:r>
-              <a:rPr lang="en-US" sz="1600" dirty="0" smtClean="0">
-                <a:solidFill>
-                  <a:schemeClr val="tx1">
-                    <a:lumMod val="75000"/>
-                    <a:lumOff val="25000"/>
-                  </a:schemeClr>
-                </a:solidFill>
-                <a:latin typeface="Segoe UI Light" pitchFamily="34" charset="0"/>
-                <a:cs typeface="Segoe UI Light" pitchFamily="34" charset="0"/>
-              </a:rPr>
-              <a:t>Developer</a:t>
-            </a:r>
-          </a:p>
-          <a:p>
-            <a:pPr marL="514350" indent="-285750">
-              <a:spcBef>
-                <a:spcPts val="1200"/>
-              </a:spcBef>
-              <a:buClr>
-                <a:srgbClr val="7030A0"/>
-              </a:buClr>
-              <a:buFont typeface="Wingdings" pitchFamily="2" charset="2"/>
-              <a:buChar char="§"/>
-            </a:pPr>
-            <a:r>
-              <a:rPr lang="en-US" sz="1600" dirty="0" smtClean="0">
-                <a:solidFill>
-                  <a:schemeClr val="tx1">
-                    <a:lumMod val="75000"/>
-                    <a:lumOff val="25000"/>
-                  </a:schemeClr>
-                </a:solidFill>
-                <a:latin typeface="Segoe UI Light" pitchFamily="34" charset="0"/>
-                <a:cs typeface="Segoe UI Light" pitchFamily="34" charset="0"/>
-              </a:rPr>
-              <a:t>Tester</a:t>
-            </a:r>
-            <a:endParaRPr lang="en-US" sz="1600" dirty="0">
-              <a:solidFill>
-                <a:schemeClr val="tx1">
-                  <a:lumMod val="75000"/>
-                  <a:lumOff val="25000"/>
-                </a:schemeClr>
-              </a:solidFill>
-              <a:latin typeface="Segoe UI Light" pitchFamily="34" charset="0"/>
-              <a:cs typeface="Segoe UI Light" pitchFamily="34" charset="0"/>
-            </a:endParaRPr>
-          </a:p>
-          <a:p>
-            <a:pPr marL="625475" indent="-396875">
-              <a:buClr>
-                <a:srgbClr val="7030A0"/>
-              </a:buClr>
-              <a:buFont typeface="Segoe UI Light" pitchFamily="34" charset="0"/>
-              <a:buChar char="■"/>
-            </a:pPr>
-            <a:endParaRPr lang="en-US" sz="2000" dirty="0">
-              <a:solidFill>
-                <a:schemeClr val="tx1">
-                  <a:lumMod val="75000"/>
-                  <a:lumOff val="25000"/>
-                </a:schemeClr>
-              </a:solidFill>
-              <a:latin typeface="Segoe UI Light" pitchFamily="34" charset="0"/>
-              <a:cs typeface="Segoe UI Light" pitchFamily="34" charset="0"/>
-            </a:endParaRPr>
-          </a:p>
-        </p:txBody>
-      </p:sp>
-      <p:sp>
-        <p:nvSpPr>
-          <p:cNvPr id="34" name="TextBox 33"/>
-          <p:cNvSpPr txBox="1"/>
-          <p:nvPr/>
-        </p:nvSpPr>
-        <p:spPr>
-          <a:xfrm>
-            <a:off x="2019300" y="2661625"/>
-            <a:ext cx="2709738" cy="1877437"/>
-          </a:xfrm>
-          <a:prstGeom prst="rect">
-            <a:avLst/>
-          </a:prstGeom>
-          <a:noFill/>
-        </p:spPr>
-        <p:txBody>
-          <a:bodyPr wrap="square" rtlCol="0">
-            <a:spAutoFit/>
-          </a:bodyPr>
-          <a:lstStyle/>
-          <a:p>
-            <a:pPr marL="625475" indent="-396875">
-              <a:spcBef>
-                <a:spcPts val="1200"/>
-              </a:spcBef>
-              <a:buClr>
-                <a:srgbClr val="7030A0"/>
-              </a:buClr>
-              <a:buFont typeface="Segoe UI Light" pitchFamily="34" charset="0"/>
-              <a:buChar char="■"/>
-            </a:pPr>
-            <a:r>
-              <a:rPr lang="en-US" dirty="0" smtClean="0">
-                <a:solidFill>
-                  <a:schemeClr val="tx1">
-                    <a:lumMod val="75000"/>
-                    <a:lumOff val="25000"/>
-                  </a:schemeClr>
-                </a:solidFill>
-                <a:latin typeface="Segoe UI Light" pitchFamily="34" charset="0"/>
-                <a:cs typeface="Segoe UI Light" pitchFamily="34" charset="0"/>
-              </a:rPr>
-              <a:t>Đào Như Tùng</a:t>
-            </a:r>
-          </a:p>
-          <a:p>
-            <a:pPr marL="625475" indent="-396875">
-              <a:spcBef>
-                <a:spcPts val="1200"/>
-              </a:spcBef>
-              <a:buClr>
-                <a:srgbClr val="7030A0"/>
-              </a:buClr>
-              <a:buFont typeface="Wingdings" pitchFamily="2" charset="2"/>
-              <a:buChar char="§"/>
-            </a:pPr>
-            <a:r>
-              <a:rPr lang="en-US" sz="1600" dirty="0">
-                <a:solidFill>
-                  <a:schemeClr val="tx1">
-                    <a:lumMod val="75000"/>
-                    <a:lumOff val="25000"/>
-                  </a:schemeClr>
-                </a:solidFill>
-                <a:latin typeface="Segoe UI Light" pitchFamily="34" charset="0"/>
-                <a:cs typeface="Segoe UI Light" pitchFamily="34" charset="0"/>
-              </a:rPr>
-              <a:t>Business analysis</a:t>
-            </a:r>
-          </a:p>
-          <a:p>
-            <a:pPr marL="625475" indent="-396875">
-              <a:spcBef>
-                <a:spcPts val="1200"/>
-              </a:spcBef>
-              <a:buClr>
-                <a:srgbClr val="7030A0"/>
-              </a:buClr>
-              <a:buFont typeface="Wingdings" pitchFamily="2" charset="2"/>
-              <a:buChar char="§"/>
-            </a:pPr>
-            <a:r>
-              <a:rPr lang="en-US" sz="1600" dirty="0" smtClean="0">
-                <a:solidFill>
-                  <a:schemeClr val="tx1">
-                    <a:lumMod val="75000"/>
-                    <a:lumOff val="25000"/>
-                  </a:schemeClr>
-                </a:solidFill>
-                <a:latin typeface="Segoe UI Light" pitchFamily="34" charset="0"/>
-                <a:cs typeface="Segoe UI Light" pitchFamily="34" charset="0"/>
-              </a:rPr>
-              <a:t>Developer</a:t>
-            </a:r>
-          </a:p>
-          <a:p>
-            <a:pPr marL="625475" indent="-396875">
-              <a:spcBef>
-                <a:spcPts val="1200"/>
-              </a:spcBef>
-              <a:buClr>
-                <a:srgbClr val="7030A0"/>
-              </a:buClr>
-              <a:buFont typeface="Wingdings" pitchFamily="2" charset="2"/>
-              <a:buChar char="§"/>
-            </a:pPr>
-            <a:r>
-              <a:rPr lang="en-US" sz="1600" dirty="0" smtClean="0">
-                <a:solidFill>
-                  <a:schemeClr val="tx1">
-                    <a:lumMod val="75000"/>
-                    <a:lumOff val="25000"/>
-                  </a:schemeClr>
-                </a:solidFill>
-                <a:latin typeface="Segoe UI Light" pitchFamily="34" charset="0"/>
-                <a:cs typeface="Segoe UI Light" pitchFamily="34" charset="0"/>
-              </a:rPr>
-              <a:t>Tester</a:t>
-            </a:r>
-            <a:endParaRPr lang="en-US" sz="1600" dirty="0">
-              <a:solidFill>
-                <a:schemeClr val="tx1">
-                  <a:lumMod val="75000"/>
-                  <a:lumOff val="25000"/>
-                </a:schemeClr>
-              </a:solidFill>
-              <a:latin typeface="Segoe UI Light" pitchFamily="34" charset="0"/>
-              <a:cs typeface="Segoe UI Light" pitchFamily="34" charset="0"/>
-            </a:endParaRPr>
-          </a:p>
-          <a:p>
-            <a:pPr marL="625475" indent="-396875">
-              <a:buClr>
-                <a:srgbClr val="7030A0"/>
-              </a:buClr>
-              <a:buFont typeface="Segoe UI Light" pitchFamily="34" charset="0"/>
-              <a:buChar char="■"/>
-            </a:pPr>
-            <a:endParaRPr lang="en-US" sz="2000" dirty="0">
-              <a:solidFill>
-                <a:schemeClr val="tx1">
-                  <a:lumMod val="75000"/>
-                  <a:lumOff val="25000"/>
-                </a:schemeClr>
-              </a:solidFill>
-              <a:latin typeface="Segoe UI Light" pitchFamily="34" charset="0"/>
-              <a:cs typeface="Segoe UI Light" pitchFamily="34" charset="0"/>
-            </a:endParaRPr>
-          </a:p>
-        </p:txBody>
-      </p:sp>
-      <p:sp>
-        <p:nvSpPr>
-          <p:cNvPr id="35" name="TextBox 34"/>
-          <p:cNvSpPr txBox="1"/>
-          <p:nvPr/>
-        </p:nvSpPr>
-        <p:spPr>
-          <a:xfrm>
-            <a:off x="5257800" y="2759781"/>
-            <a:ext cx="2819400" cy="1877437"/>
-          </a:xfrm>
-          <a:prstGeom prst="rect">
-            <a:avLst/>
-          </a:prstGeom>
-          <a:noFill/>
-        </p:spPr>
-        <p:txBody>
-          <a:bodyPr wrap="square" rtlCol="0">
-            <a:spAutoFit/>
-          </a:bodyPr>
-          <a:lstStyle/>
-          <a:p>
-            <a:pPr marL="625475" indent="-396875">
-              <a:spcBef>
-                <a:spcPts val="1200"/>
-              </a:spcBef>
-              <a:buClr>
-                <a:srgbClr val="7030A0"/>
-              </a:buClr>
-              <a:buFont typeface="Segoe UI Light" pitchFamily="34" charset="0"/>
-              <a:buChar char="■"/>
-            </a:pPr>
-            <a:r>
-              <a:rPr lang="en-US" dirty="0" smtClean="0">
-                <a:solidFill>
-                  <a:schemeClr val="tx1">
-                    <a:lumMod val="75000"/>
-                    <a:lumOff val="25000"/>
-                  </a:schemeClr>
-                </a:solidFill>
-                <a:latin typeface="Segoe UI Light" pitchFamily="34" charset="0"/>
-                <a:cs typeface="Segoe UI Light" pitchFamily="34" charset="0"/>
-              </a:rPr>
-              <a:t>Nguyễn Thanh Tùng</a:t>
-            </a:r>
-          </a:p>
-          <a:p>
-            <a:pPr marL="625475" indent="-396875">
-              <a:spcBef>
-                <a:spcPts val="1200"/>
-              </a:spcBef>
-              <a:buClr>
-                <a:srgbClr val="7030A0"/>
-              </a:buClr>
-              <a:buFont typeface="Wingdings" pitchFamily="2" charset="2"/>
-              <a:buChar char="§"/>
-            </a:pPr>
-            <a:r>
-              <a:rPr lang="en-US" sz="1600" dirty="0" smtClean="0">
-                <a:solidFill>
-                  <a:schemeClr val="tx1">
-                    <a:lumMod val="75000"/>
-                    <a:lumOff val="25000"/>
-                  </a:schemeClr>
-                </a:solidFill>
-                <a:latin typeface="Segoe UI Light" pitchFamily="34" charset="0"/>
-                <a:cs typeface="Segoe UI Light" pitchFamily="34" charset="0"/>
-              </a:rPr>
-              <a:t>Quality Assurance</a:t>
-            </a:r>
-          </a:p>
-          <a:p>
-            <a:pPr marL="625475" indent="-396875">
-              <a:spcBef>
-                <a:spcPts val="1200"/>
-              </a:spcBef>
-              <a:buClr>
-                <a:srgbClr val="7030A0"/>
-              </a:buClr>
-              <a:buFont typeface="Wingdings" pitchFamily="2" charset="2"/>
-              <a:buChar char="§"/>
-            </a:pPr>
-            <a:r>
-              <a:rPr lang="en-US" sz="1600" dirty="0" smtClean="0">
-                <a:solidFill>
-                  <a:schemeClr val="tx1">
-                    <a:lumMod val="75000"/>
-                    <a:lumOff val="25000"/>
-                  </a:schemeClr>
-                </a:solidFill>
-                <a:latin typeface="Segoe UI Light" pitchFamily="34" charset="0"/>
-                <a:cs typeface="Segoe UI Light" pitchFamily="34" charset="0"/>
-              </a:rPr>
-              <a:t>Developer</a:t>
-            </a:r>
-          </a:p>
-          <a:p>
-            <a:pPr marL="625475" indent="-396875">
-              <a:spcBef>
-                <a:spcPts val="1200"/>
-              </a:spcBef>
-              <a:buClr>
-                <a:srgbClr val="7030A0"/>
-              </a:buClr>
-              <a:buFont typeface="Wingdings" pitchFamily="2" charset="2"/>
-              <a:buChar char="§"/>
-            </a:pPr>
-            <a:r>
-              <a:rPr lang="en-US" sz="1600" dirty="0" smtClean="0">
-                <a:solidFill>
-                  <a:schemeClr val="tx1">
-                    <a:lumMod val="75000"/>
-                    <a:lumOff val="25000"/>
-                  </a:schemeClr>
-                </a:solidFill>
-                <a:latin typeface="Segoe UI Light" pitchFamily="34" charset="0"/>
-                <a:cs typeface="Segoe UI Light" pitchFamily="34" charset="0"/>
-              </a:rPr>
-              <a:t>Tester</a:t>
-            </a:r>
-            <a:endParaRPr lang="en-US" sz="1600" dirty="0">
-              <a:solidFill>
-                <a:schemeClr val="tx1">
-                  <a:lumMod val="75000"/>
-                  <a:lumOff val="25000"/>
-                </a:schemeClr>
-              </a:solidFill>
-              <a:latin typeface="Segoe UI Light" pitchFamily="34" charset="0"/>
-              <a:cs typeface="Segoe UI Light" pitchFamily="34" charset="0"/>
-            </a:endParaRPr>
-          </a:p>
-          <a:p>
-            <a:pPr marL="625475" indent="-396875">
-              <a:buClr>
-                <a:srgbClr val="7030A0"/>
-              </a:buClr>
-              <a:buFont typeface="Segoe UI Light" pitchFamily="34" charset="0"/>
-              <a:buChar char="■"/>
-            </a:pPr>
-            <a:endParaRPr lang="en-US" sz="2000" dirty="0">
-              <a:solidFill>
-                <a:schemeClr val="tx1">
-                  <a:lumMod val="75000"/>
-                  <a:lumOff val="25000"/>
-                </a:schemeClr>
-              </a:solidFill>
-              <a:latin typeface="Segoe UI Light" pitchFamily="34" charset="0"/>
-              <a:cs typeface="Segoe UI Light" pitchFamily="34" charset="0"/>
-            </a:endParaRPr>
-          </a:p>
-        </p:txBody>
-      </p:sp>
-      <p:sp>
-        <p:nvSpPr>
-          <p:cNvPr id="36" name="TextBox 35"/>
-          <p:cNvSpPr txBox="1"/>
-          <p:nvPr/>
-        </p:nvSpPr>
-        <p:spPr>
-          <a:xfrm>
-            <a:off x="2019300" y="4419600"/>
-            <a:ext cx="2709738" cy="1877437"/>
-          </a:xfrm>
-          <a:prstGeom prst="rect">
-            <a:avLst/>
-          </a:prstGeom>
-          <a:noFill/>
-        </p:spPr>
-        <p:txBody>
-          <a:bodyPr wrap="square" rtlCol="0">
-            <a:spAutoFit/>
-          </a:bodyPr>
-          <a:lstStyle/>
-          <a:p>
-            <a:pPr marL="625475" indent="-396875">
-              <a:spcBef>
-                <a:spcPts val="1200"/>
-              </a:spcBef>
-              <a:buClr>
-                <a:srgbClr val="7030A0"/>
-              </a:buClr>
-              <a:buFont typeface="Segoe UI Light" pitchFamily="34" charset="0"/>
-              <a:buChar char="■"/>
-            </a:pPr>
-            <a:r>
-              <a:rPr lang="en-US" dirty="0" smtClean="0">
-                <a:solidFill>
-                  <a:schemeClr val="tx1">
-                    <a:lumMod val="75000"/>
-                    <a:lumOff val="25000"/>
-                  </a:schemeClr>
-                </a:solidFill>
-                <a:latin typeface="Segoe UI Light" pitchFamily="34" charset="0"/>
-                <a:cs typeface="Segoe UI Light" pitchFamily="34" charset="0"/>
-              </a:rPr>
-              <a:t>Đặng Quốc Duy</a:t>
-            </a:r>
-          </a:p>
-          <a:p>
-            <a:pPr marL="625475" indent="-396875">
-              <a:spcBef>
-                <a:spcPts val="1200"/>
-              </a:spcBef>
-              <a:buClr>
-                <a:srgbClr val="7030A0"/>
-              </a:buClr>
-              <a:buFont typeface="Wingdings" pitchFamily="2" charset="2"/>
-              <a:buChar char="§"/>
-            </a:pPr>
-            <a:r>
-              <a:rPr lang="en-US" sz="1600" dirty="0">
-                <a:solidFill>
-                  <a:schemeClr val="tx1">
-                    <a:lumMod val="75000"/>
-                    <a:lumOff val="25000"/>
-                  </a:schemeClr>
-                </a:solidFill>
-                <a:latin typeface="Segoe UI Light" pitchFamily="34" charset="0"/>
-                <a:cs typeface="Segoe UI Light" pitchFamily="34" charset="0"/>
-              </a:rPr>
-              <a:t>Quality Assurance</a:t>
-            </a:r>
-          </a:p>
-          <a:p>
-            <a:pPr marL="625475" indent="-396875">
-              <a:spcBef>
-                <a:spcPts val="1200"/>
-              </a:spcBef>
-              <a:buClr>
-                <a:srgbClr val="7030A0"/>
-              </a:buClr>
-              <a:buFont typeface="Wingdings" pitchFamily="2" charset="2"/>
-              <a:buChar char="§"/>
-            </a:pPr>
-            <a:r>
-              <a:rPr lang="en-US" sz="1600" dirty="0" smtClean="0">
-                <a:solidFill>
-                  <a:schemeClr val="tx1">
-                    <a:lumMod val="75000"/>
-                    <a:lumOff val="25000"/>
-                  </a:schemeClr>
-                </a:solidFill>
-                <a:latin typeface="Segoe UI Light" pitchFamily="34" charset="0"/>
-                <a:cs typeface="Segoe UI Light" pitchFamily="34" charset="0"/>
-              </a:rPr>
-              <a:t>Developer</a:t>
-            </a:r>
-          </a:p>
-          <a:p>
-            <a:pPr marL="625475" indent="-396875">
-              <a:spcBef>
-                <a:spcPts val="1200"/>
-              </a:spcBef>
-              <a:buClr>
-                <a:srgbClr val="7030A0"/>
-              </a:buClr>
-              <a:buFont typeface="Wingdings" pitchFamily="2" charset="2"/>
-              <a:buChar char="§"/>
-            </a:pPr>
-            <a:r>
-              <a:rPr lang="en-US" sz="1600" dirty="0" smtClean="0">
-                <a:solidFill>
-                  <a:schemeClr val="tx1">
-                    <a:lumMod val="75000"/>
-                    <a:lumOff val="25000"/>
-                  </a:schemeClr>
-                </a:solidFill>
-                <a:latin typeface="Segoe UI Light" pitchFamily="34" charset="0"/>
-                <a:cs typeface="Segoe UI Light" pitchFamily="34" charset="0"/>
-              </a:rPr>
-              <a:t>Tester</a:t>
-            </a:r>
-            <a:endParaRPr lang="en-US" sz="1600" dirty="0">
-              <a:solidFill>
-                <a:schemeClr val="tx1">
-                  <a:lumMod val="75000"/>
-                  <a:lumOff val="25000"/>
-                </a:schemeClr>
-              </a:solidFill>
-              <a:latin typeface="Segoe UI Light" pitchFamily="34" charset="0"/>
-              <a:cs typeface="Segoe UI Light" pitchFamily="34" charset="0"/>
-            </a:endParaRPr>
-          </a:p>
-          <a:p>
-            <a:pPr marL="625475" indent="-396875">
-              <a:buClr>
-                <a:srgbClr val="7030A0"/>
-              </a:buClr>
-              <a:buFont typeface="Segoe UI Light" pitchFamily="34" charset="0"/>
-              <a:buChar char="■"/>
-            </a:pPr>
-            <a:endParaRPr lang="en-US" sz="2000" dirty="0">
-              <a:solidFill>
-                <a:schemeClr val="tx1">
-                  <a:lumMod val="75000"/>
-                  <a:lumOff val="25000"/>
-                </a:schemeClr>
-              </a:solidFill>
-              <a:latin typeface="Segoe UI Light" pitchFamily="34" charset="0"/>
-              <a:cs typeface="Segoe UI Light" pitchFamily="34" charset="0"/>
-            </a:endParaRPr>
-          </a:p>
-        </p:txBody>
-      </p:sp>
     </p:spTree>
     <p:extLst>
       <p:ext uri="{BB962C8B-B14F-4D97-AF65-F5344CB8AC3E}">
-        <p14:creationId xmlns:p14="http://schemas.microsoft.com/office/powerpoint/2010/main" val="4222900080"/>
+        <p14:creationId xmlns:p14="http://schemas.microsoft.com/office/powerpoint/2010/main" val="4100906987"/>
       </p:ext>
     </p:extLst>
   </p:cSld>
@@ -22034,13 +20956,15 @@
         <p:spPr>
           <a:xfrm>
             <a:off x="0" y="1219200"/>
-            <a:ext cx="1828800" cy="3657600"/>
+            <a:ext cx="1828800" cy="548640"/>
           </a:xfrm>
           <a:prstGeom prst="rect">
             <a:avLst/>
           </a:prstGeom>
           <a:solidFill>
-            <a:srgbClr val="7030A0"/>
+            <a:schemeClr val="bg1">
+              <a:lumMod val="50000"/>
+            </a:schemeClr>
           </a:solidFill>
           <a:ln>
             <a:noFill/>
@@ -22075,14 +20999,124 @@
       </p:sp>
       <p:sp>
         <p:nvSpPr>
-          <p:cNvPr id="17" name="TextBox 16"/>
+          <p:cNvPr id="13" name="Rectangle 12"/>
+          <p:cNvSpPr/>
+          <p:nvPr/>
+        </p:nvSpPr>
+        <p:spPr>
+          <a:xfrm>
+            <a:off x="0" y="2316480"/>
+            <a:ext cx="1828800" cy="548640"/>
+          </a:xfrm>
+          <a:prstGeom prst="rect">
+            <a:avLst/>
+          </a:prstGeom>
+          <a:solidFill>
+            <a:schemeClr val="bg1">
+              <a:lumMod val="95000"/>
+            </a:schemeClr>
+          </a:solidFill>
+          <a:ln>
+            <a:noFill/>
+          </a:ln>
+        </p:spPr>
+        <p:style>
+          <a:lnRef idx="2">
+            <a:schemeClr val="accent1">
+              <a:shade val="50000"/>
+            </a:schemeClr>
+          </a:lnRef>
+          <a:fillRef idx="1">
+            <a:schemeClr val="accent1"/>
+          </a:fillRef>
+          <a:effectRef idx="0">
+            <a:schemeClr val="accent1"/>
+          </a:effectRef>
+          <a:fontRef idx="minor">
+            <a:schemeClr val="lt1"/>
+          </a:fontRef>
+        </p:style>
+        <p:txBody>
+          <a:bodyPr lIns="822960" rtlCol="0" anchor="ctr"/>
+          <a:lstStyle/>
+          <a:p>
+            <a:endParaRPr lang="en-US" sz="2400" dirty="0">
+              <a:solidFill>
+                <a:schemeClr val="tx1">
+                  <a:lumMod val="75000"/>
+                  <a:lumOff val="25000"/>
+                </a:schemeClr>
+              </a:solidFill>
+              <a:latin typeface="Segoe UI Light" pitchFamily="34" charset="0"/>
+              <a:cs typeface="Segoe UI Light" pitchFamily="34" charset="0"/>
+            </a:endParaRPr>
+          </a:p>
+        </p:txBody>
+      </p:sp>
+      <p:sp>
+        <p:nvSpPr>
+          <p:cNvPr id="14" name="Rectangle 13"/>
+          <p:cNvSpPr/>
+          <p:nvPr/>
+        </p:nvSpPr>
+        <p:spPr>
+          <a:xfrm>
+            <a:off x="0" y="1753925"/>
+            <a:ext cx="1828800" cy="397431"/>
+          </a:xfrm>
+          <a:prstGeom prst="rect">
+            <a:avLst/>
+          </a:prstGeom>
+          <a:solidFill>
+            <a:srgbClr val="7030A0"/>
+          </a:solidFill>
+          <a:ln>
+            <a:noFill/>
+          </a:ln>
+        </p:spPr>
+        <p:style>
+          <a:lnRef idx="2">
+            <a:schemeClr val="accent1">
+              <a:shade val="50000"/>
+            </a:schemeClr>
+          </a:lnRef>
+          <a:fillRef idx="1">
+            <a:schemeClr val="accent1"/>
+          </a:fillRef>
+          <a:effectRef idx="0">
+            <a:schemeClr val="accent1"/>
+          </a:effectRef>
+          <a:fontRef idx="minor">
+            <a:schemeClr val="lt1"/>
+          </a:fontRef>
+        </p:style>
+        <p:txBody>
+          <a:bodyPr lIns="822960" rtlCol="0" anchor="ctr"/>
+          <a:lstStyle/>
+          <a:p>
+            <a:endParaRPr lang="en-US" sz="2400" dirty="0">
+              <a:solidFill>
+                <a:schemeClr val="tx1">
+                  <a:lumMod val="75000"/>
+                  <a:lumOff val="25000"/>
+                </a:schemeClr>
+              </a:solidFill>
+              <a:latin typeface="Segoe UI Light" pitchFamily="34" charset="0"/>
+              <a:cs typeface="Segoe UI Light" pitchFamily="34" charset="0"/>
+            </a:endParaRPr>
+          </a:p>
+        </p:txBody>
+      </p:sp>
+      <p:sp>
+        <p:nvSpPr>
+          <p:cNvPr id="18" name="TextBox 17"/>
           <p:cNvSpPr txBox="1"/>
           <p:nvPr/>
         </p:nvSpPr>
         <p:spPr>
           <a:xfrm>
-            <a:off x="2362200" y="1056620"/>
-            <a:ext cx="5867400" cy="3785652"/>
+            <a:off x="2019300" y="706011"/>
+            <a:ext cx="3238500" cy="2277547"/>
           </a:xfrm>
           <a:prstGeom prst="rect">
             <a:avLst/>
@@ -22095,127 +21129,154 @@
           </a:bodyPr>
           <a:lstStyle/>
           <a:p>
-            <a:pPr marL="457200" indent="-457200">
-              <a:buFont typeface="+mj-lt"/>
-              <a:buAutoNum type="arabicPeriod"/>
+            <a:pPr marL="625475" indent="-396875">
+              <a:spcBef>
+                <a:spcPts val="1200"/>
+              </a:spcBef>
+              <a:buClr>
+                <a:srgbClr val="7030A0"/>
+              </a:buClr>
+              <a:buFont typeface="Segoe UI Light" pitchFamily="34" charset="0"/>
+              <a:buChar char="■"/>
             </a:pPr>
             <a:r>
-              <a:rPr lang="en-US" sz="4000" b="1" dirty="0" smtClean="0">
+              <a:rPr lang="en-US" dirty="0" smtClean="0">
                 <a:solidFill>
-                  <a:srgbClr val="7030A0"/>
+                  <a:schemeClr val="tx1">
+                    <a:lumMod val="75000"/>
+                    <a:lumOff val="25000"/>
+                  </a:schemeClr>
                 </a:solidFill>
                 <a:latin typeface="Segoe UI Light" pitchFamily="34" charset="0"/>
                 <a:cs typeface="Segoe UI Light" pitchFamily="34" charset="0"/>
               </a:rPr>
-              <a:t>Introduction</a:t>
-            </a:r>
-          </a:p>
-          <a:p>
-            <a:pPr marL="457200" indent="-457200">
-              <a:buFont typeface="+mj-lt"/>
-              <a:buAutoNum type="arabicPeriod"/>
+              <a:t>Lê Khôi Phong</a:t>
+            </a:r>
+          </a:p>
+          <a:p>
+            <a:pPr marL="514350" indent="-285750">
+              <a:spcBef>
+                <a:spcPts val="1200"/>
+              </a:spcBef>
+              <a:buClr>
+                <a:srgbClr val="7030A0"/>
+              </a:buClr>
+              <a:buFont typeface="Wingdings" pitchFamily="2" charset="2"/>
+              <a:buChar char="§"/>
             </a:pPr>
             <a:r>
-              <a:rPr lang="en-US" sz="4000" b="1" dirty="0" smtClean="0">
+              <a:rPr lang="en-US" sz="1600" dirty="0" smtClean="0">
                 <a:solidFill>
-                  <a:srgbClr val="7030A0"/>
+                  <a:schemeClr val="tx1">
+                    <a:lumMod val="75000"/>
+                    <a:lumOff val="25000"/>
+                  </a:schemeClr>
                 </a:solidFill>
                 <a:latin typeface="Segoe UI Light" pitchFamily="34" charset="0"/>
                 <a:cs typeface="Segoe UI Light" pitchFamily="34" charset="0"/>
               </a:rPr>
-              <a:t>Drop It Project</a:t>
-            </a:r>
-            <a:endParaRPr lang="en-US" sz="4000" b="1" dirty="0">
+              <a:t>Project Leader</a:t>
+            </a:r>
+          </a:p>
+          <a:p>
+            <a:pPr marL="514350" indent="-285750">
+              <a:spcBef>
+                <a:spcPts val="1200"/>
+              </a:spcBef>
+              <a:buClr>
+                <a:srgbClr val="7030A0"/>
+              </a:buClr>
+              <a:buFont typeface="Wingdings" pitchFamily="2" charset="2"/>
+              <a:buChar char="§"/>
+            </a:pPr>
+            <a:r>
+              <a:rPr lang="en-US" sz="1600" dirty="0" smtClean="0">
+                <a:solidFill>
+                  <a:schemeClr val="tx1">
+                    <a:lumMod val="75000"/>
+                    <a:lumOff val="25000"/>
+                  </a:schemeClr>
+                </a:solidFill>
+                <a:latin typeface="Segoe UI Light" pitchFamily="34" charset="0"/>
+                <a:cs typeface="Segoe UI Light" pitchFamily="34" charset="0"/>
+              </a:rPr>
+              <a:t>Technical Leader</a:t>
+            </a:r>
+          </a:p>
+          <a:p>
+            <a:pPr marL="514350" indent="-285750">
+              <a:spcBef>
+                <a:spcPts val="1200"/>
+              </a:spcBef>
+              <a:buClr>
+                <a:srgbClr val="7030A0"/>
+              </a:buClr>
+              <a:buFont typeface="Wingdings" pitchFamily="2" charset="2"/>
+              <a:buChar char="§"/>
+            </a:pPr>
+            <a:r>
+              <a:rPr lang="en-US" sz="1600" dirty="0" smtClean="0">
+                <a:solidFill>
+                  <a:schemeClr val="tx1">
+                    <a:lumMod val="75000"/>
+                    <a:lumOff val="25000"/>
+                  </a:schemeClr>
+                </a:solidFill>
+                <a:latin typeface="Segoe UI Light" pitchFamily="34" charset="0"/>
+                <a:cs typeface="Segoe UI Light" pitchFamily="34" charset="0"/>
+              </a:rPr>
+              <a:t>Developer</a:t>
+            </a:r>
+          </a:p>
+          <a:p>
+            <a:pPr marL="514350" indent="-285750">
+              <a:spcBef>
+                <a:spcPts val="1200"/>
+              </a:spcBef>
+              <a:buClr>
+                <a:srgbClr val="7030A0"/>
+              </a:buClr>
+              <a:buFont typeface="Wingdings" pitchFamily="2" charset="2"/>
+              <a:buChar char="§"/>
+            </a:pPr>
+            <a:r>
+              <a:rPr lang="en-US" sz="1600" dirty="0" smtClean="0">
+                <a:solidFill>
+                  <a:schemeClr val="tx1">
+                    <a:lumMod val="75000"/>
+                    <a:lumOff val="25000"/>
+                  </a:schemeClr>
+                </a:solidFill>
+                <a:latin typeface="Segoe UI Light" pitchFamily="34" charset="0"/>
+                <a:cs typeface="Segoe UI Light" pitchFamily="34" charset="0"/>
+              </a:rPr>
+              <a:t>Tester</a:t>
+            </a:r>
+            <a:endParaRPr lang="en-US" sz="1600" dirty="0">
               <a:solidFill>
-                <a:srgbClr val="7030A0"/>
+                <a:schemeClr val="tx1">
+                  <a:lumMod val="75000"/>
+                  <a:lumOff val="25000"/>
+                </a:schemeClr>
               </a:solidFill>
               <a:latin typeface="Segoe UI Light" pitchFamily="34" charset="0"/>
               <a:cs typeface="Segoe UI Light" pitchFamily="34" charset="0"/>
             </a:endParaRPr>
           </a:p>
           <a:p>
-            <a:pPr marL="457200" indent="-457200">
-              <a:buFont typeface="+mj-lt"/>
-              <a:buAutoNum type="arabicPeriod"/>
+            <a:pPr marL="625475" indent="-396875">
+              <a:buClr>
+                <a:srgbClr val="7030A0"/>
+              </a:buClr>
+              <a:buFont typeface="Segoe UI Light" pitchFamily="34" charset="0"/>
+              <a:buChar char="■"/>
             </a:pPr>
-            <a:r>
-              <a:rPr lang="en-US" sz="4000" b="1" dirty="0">
-                <a:solidFill>
-                  <a:srgbClr val="7030A0"/>
-                </a:solidFill>
-                <a:latin typeface="Segoe UI Light" pitchFamily="34" charset="0"/>
-                <a:cs typeface="Segoe UI Light" pitchFamily="34" charset="0"/>
-              </a:rPr>
-              <a:t>Technologies &amp; Tools</a:t>
-            </a:r>
-          </a:p>
-          <a:p>
-            <a:pPr marL="457200" indent="-457200">
-              <a:buFont typeface="+mj-lt"/>
-              <a:buAutoNum type="arabicPeriod"/>
-            </a:pPr>
-            <a:r>
-              <a:rPr lang="en-US" sz="4000" b="1" dirty="0" smtClean="0">
-                <a:solidFill>
-                  <a:srgbClr val="7030A0"/>
-                </a:solidFill>
-                <a:latin typeface="Segoe UI Light" pitchFamily="34" charset="0"/>
-                <a:cs typeface="Segoe UI Light" pitchFamily="34" charset="0"/>
-              </a:rPr>
-              <a:t>Demo</a:t>
-            </a:r>
-            <a:endParaRPr lang="en-US" sz="4000" b="1" dirty="0">
+            <a:endParaRPr lang="en-US" sz="2000" dirty="0">
               <a:solidFill>
-                <a:srgbClr val="7030A0"/>
-              </a:solidFill>
-              <a:latin typeface="Segoe UI Light" pitchFamily="34" charset="0"/>
-              <a:cs typeface="Segoe UI Light" pitchFamily="34" charset="0"/>
-            </a:endParaRPr>
-          </a:p>
-          <a:p>
-            <a:pPr marL="457200" indent="-457200">
-              <a:buFont typeface="+mj-lt"/>
-              <a:buAutoNum type="arabicPeriod"/>
-            </a:pPr>
-            <a:r>
-              <a:rPr lang="en-US" sz="4000" b="1" dirty="0">
-                <a:solidFill>
-                  <a:srgbClr val="7030A0"/>
-                </a:solidFill>
-                <a:latin typeface="Segoe UI Light" pitchFamily="34" charset="0"/>
-                <a:cs typeface="Segoe UI Light" pitchFamily="34" charset="0"/>
-              </a:rPr>
-              <a:t>Disadvantages &amp; </a:t>
-            </a:r>
-            <a:r>
-              <a:rPr lang="en-US" sz="4000" b="1" dirty="0" smtClean="0">
-                <a:solidFill>
-                  <a:srgbClr val="7030A0"/>
-                </a:solidFill>
-                <a:latin typeface="Segoe UI Light" pitchFamily="34" charset="0"/>
-                <a:cs typeface="Segoe UI Light" pitchFamily="34" charset="0"/>
-              </a:rPr>
-              <a:t>Future</a:t>
-            </a:r>
-          </a:p>
-          <a:p>
-            <a:pPr marL="457200" indent="-457200">
-              <a:buFont typeface="+mj-lt"/>
-              <a:buAutoNum type="arabicPeriod"/>
-            </a:pPr>
-            <a:r>
-              <a:rPr lang="en-US" sz="4000" b="1" dirty="0" smtClean="0">
-                <a:solidFill>
-                  <a:srgbClr val="7030A0"/>
-                </a:solidFill>
-                <a:latin typeface="Segoe UI Light" pitchFamily="34" charset="0"/>
-                <a:cs typeface="Segoe UI Light" pitchFamily="34" charset="0"/>
-              </a:rPr>
-              <a:t>Q&amp;A</a:t>
-            </a:r>
-            <a:endParaRPr lang="en-US" sz="4000" b="1" dirty="0">
-              <a:solidFill>
-                <a:srgbClr val="7030A0"/>
+                <a:schemeClr val="tx1">
+                  <a:lumMod val="75000"/>
+                  <a:lumOff val="25000"/>
+                </a:schemeClr>
               </a:solidFill>
               <a:latin typeface="Segoe UI Light" pitchFamily="34" charset="0"/>
               <a:cs typeface="Segoe UI Light" pitchFamily="34" charset="0"/>
@@ -22272,8 +21333,8 @@
         </p:nvSpPr>
         <p:spPr>
           <a:xfrm>
-            <a:off x="119999" y="2637813"/>
-            <a:ext cx="1588801" cy="523220"/>
+            <a:off x="3313" y="1307471"/>
+            <a:ext cx="1749287" cy="430887"/>
           </a:xfrm>
           <a:prstGeom prst="rect">
             <a:avLst/>
@@ -22287,21 +21348,28 @@
           <a:lstStyle/>
           <a:p>
             <a:r>
-              <a:rPr lang="en-US" sz="2800" dirty="0">
+              <a:rPr lang="en-US" sz="2200" dirty="0" smtClean="0">
                 <a:solidFill>
                   <a:schemeClr val="bg1"/>
                 </a:solidFill>
                 <a:latin typeface="Segoe UI Light" pitchFamily="34" charset="0"/>
                 <a:cs typeface="Segoe UI Light" pitchFamily="34" charset="0"/>
               </a:rPr>
-              <a:t>Contents</a:t>
-            </a:r>
-          </a:p>
-        </p:txBody>
-      </p:sp>
-      <p:sp>
-        <p:nvSpPr>
-          <p:cNvPr id="19" name="TextBox 18"/>
+              <a:t>Introduction</a:t>
+            </a:r>
+            <a:endParaRPr lang="en-US" sz="2200" dirty="0">
+              <a:solidFill>
+                <a:schemeClr val="bg1"/>
+              </a:solidFill>
+              <a:latin typeface="Segoe UI Light" pitchFamily="34" charset="0"/>
+              <a:cs typeface="Segoe UI Light" pitchFamily="34" charset="0"/>
+            </a:endParaRPr>
+          </a:p>
+        </p:txBody>
+      </p:sp>
+      <p:sp>
+        <p:nvSpPr>
+          <p:cNvPr id="22" name="TextBox 21"/>
           <p:cNvSpPr txBox="1"/>
           <p:nvPr/>
         </p:nvSpPr>
@@ -22357,10 +21425,942 @@
           </a:p>
         </p:txBody>
       </p:sp>
+      <p:sp>
+        <p:nvSpPr>
+          <p:cNvPr id="6" name="TextBox 5"/>
+          <p:cNvSpPr txBox="1"/>
+          <p:nvPr/>
+        </p:nvSpPr>
+        <p:spPr>
+          <a:xfrm>
+            <a:off x="3313" y="1798751"/>
+            <a:ext cx="1736697" cy="369332"/>
+          </a:xfrm>
+          <a:prstGeom prst="rect">
+            <a:avLst/>
+          </a:prstGeom>
+          <a:noFill/>
+        </p:spPr>
+        <p:txBody>
+          <a:bodyPr wrap="square" rtlCol="0">
+            <a:spAutoFit/>
+          </a:bodyPr>
+          <a:lstStyle/>
+          <a:p>
+            <a:pPr marL="285750" indent="-285750">
+              <a:buFont typeface="Wingdings" pitchFamily="2" charset="2"/>
+              <a:buChar char="Ø"/>
+            </a:pPr>
+            <a:r>
+              <a:rPr lang="en-US" dirty="0">
+                <a:solidFill>
+                  <a:schemeClr val="bg1"/>
+                </a:solidFill>
+                <a:latin typeface="Segoe UI Light" pitchFamily="34" charset="0"/>
+                <a:cs typeface="Segoe UI Light" pitchFamily="34" charset="0"/>
+              </a:rPr>
+              <a:t>The People</a:t>
+            </a:r>
+          </a:p>
+        </p:txBody>
+      </p:sp>
+      <p:sp>
+        <p:nvSpPr>
+          <p:cNvPr id="23" name="Rectangle 22"/>
+          <p:cNvSpPr/>
+          <p:nvPr/>
+        </p:nvSpPr>
+        <p:spPr>
+          <a:xfrm>
+            <a:off x="0" y="2151356"/>
+            <a:ext cx="1828800" cy="397431"/>
+          </a:xfrm>
+          <a:prstGeom prst="rect">
+            <a:avLst/>
+          </a:prstGeom>
+          <a:solidFill>
+            <a:schemeClr val="bg1">
+              <a:lumMod val="50000"/>
+            </a:schemeClr>
+          </a:solidFill>
+          <a:ln>
+            <a:noFill/>
+          </a:ln>
+        </p:spPr>
+        <p:style>
+          <a:lnRef idx="2">
+            <a:schemeClr val="accent1">
+              <a:shade val="50000"/>
+            </a:schemeClr>
+          </a:lnRef>
+          <a:fillRef idx="1">
+            <a:schemeClr val="accent1"/>
+          </a:fillRef>
+          <a:effectRef idx="0">
+            <a:schemeClr val="accent1"/>
+          </a:effectRef>
+          <a:fontRef idx="minor">
+            <a:schemeClr val="lt1"/>
+          </a:fontRef>
+        </p:style>
+        <p:txBody>
+          <a:bodyPr lIns="822960" rtlCol="0" anchor="ctr"/>
+          <a:lstStyle/>
+          <a:p>
+            <a:endParaRPr lang="en-US" sz="2400" dirty="0">
+              <a:solidFill>
+                <a:schemeClr val="tx1">
+                  <a:lumMod val="75000"/>
+                  <a:lumOff val="25000"/>
+                </a:schemeClr>
+              </a:solidFill>
+              <a:latin typeface="Segoe UI Light" pitchFamily="34" charset="0"/>
+              <a:cs typeface="Segoe UI Light" pitchFamily="34" charset="0"/>
+            </a:endParaRPr>
+          </a:p>
+        </p:txBody>
+      </p:sp>
+      <p:sp>
+        <p:nvSpPr>
+          <p:cNvPr id="25" name="Rectangle 24"/>
+          <p:cNvSpPr/>
+          <p:nvPr/>
+        </p:nvSpPr>
+        <p:spPr>
+          <a:xfrm>
+            <a:off x="0" y="2548787"/>
+            <a:ext cx="1828800" cy="397431"/>
+          </a:xfrm>
+          <a:prstGeom prst="rect">
+            <a:avLst/>
+          </a:prstGeom>
+          <a:solidFill>
+            <a:schemeClr val="bg1">
+              <a:lumMod val="50000"/>
+            </a:schemeClr>
+          </a:solidFill>
+          <a:ln>
+            <a:noFill/>
+          </a:ln>
+        </p:spPr>
+        <p:style>
+          <a:lnRef idx="2">
+            <a:schemeClr val="accent1">
+              <a:shade val="50000"/>
+            </a:schemeClr>
+          </a:lnRef>
+          <a:fillRef idx="1">
+            <a:schemeClr val="accent1"/>
+          </a:fillRef>
+          <a:effectRef idx="0">
+            <a:schemeClr val="accent1"/>
+          </a:effectRef>
+          <a:fontRef idx="minor">
+            <a:schemeClr val="lt1"/>
+          </a:fontRef>
+        </p:style>
+        <p:txBody>
+          <a:bodyPr lIns="822960" rtlCol="0" anchor="ctr"/>
+          <a:lstStyle/>
+          <a:p>
+            <a:endParaRPr lang="en-US" sz="2400" dirty="0">
+              <a:solidFill>
+                <a:schemeClr val="tx1">
+                  <a:lumMod val="75000"/>
+                  <a:lumOff val="25000"/>
+                </a:schemeClr>
+              </a:solidFill>
+              <a:latin typeface="Segoe UI Light" pitchFamily="34" charset="0"/>
+              <a:cs typeface="Segoe UI Light" pitchFamily="34" charset="0"/>
+            </a:endParaRPr>
+          </a:p>
+        </p:txBody>
+      </p:sp>
+      <p:sp>
+        <p:nvSpPr>
+          <p:cNvPr id="26" name="Rectangle 25"/>
+          <p:cNvSpPr/>
+          <p:nvPr/>
+        </p:nvSpPr>
+        <p:spPr>
+          <a:xfrm>
+            <a:off x="3313" y="2946218"/>
+            <a:ext cx="1828800" cy="397431"/>
+          </a:xfrm>
+          <a:prstGeom prst="rect">
+            <a:avLst/>
+          </a:prstGeom>
+          <a:solidFill>
+            <a:schemeClr val="bg1">
+              <a:lumMod val="50000"/>
+            </a:schemeClr>
+          </a:solidFill>
+          <a:ln>
+            <a:noFill/>
+          </a:ln>
+        </p:spPr>
+        <p:style>
+          <a:lnRef idx="2">
+            <a:schemeClr val="accent1">
+              <a:shade val="50000"/>
+            </a:schemeClr>
+          </a:lnRef>
+          <a:fillRef idx="1">
+            <a:schemeClr val="accent1"/>
+          </a:fillRef>
+          <a:effectRef idx="0">
+            <a:schemeClr val="accent1"/>
+          </a:effectRef>
+          <a:fontRef idx="minor">
+            <a:schemeClr val="lt1"/>
+          </a:fontRef>
+        </p:style>
+        <p:txBody>
+          <a:bodyPr lIns="822960" rtlCol="0" anchor="ctr"/>
+          <a:lstStyle/>
+          <a:p>
+            <a:endParaRPr lang="en-US" sz="2400" dirty="0">
+              <a:solidFill>
+                <a:schemeClr val="tx1">
+                  <a:lumMod val="75000"/>
+                  <a:lumOff val="25000"/>
+                </a:schemeClr>
+              </a:solidFill>
+              <a:latin typeface="Segoe UI Light" pitchFamily="34" charset="0"/>
+              <a:cs typeface="Segoe UI Light" pitchFamily="34" charset="0"/>
+            </a:endParaRPr>
+          </a:p>
+        </p:txBody>
+      </p:sp>
+      <p:sp>
+        <p:nvSpPr>
+          <p:cNvPr id="28" name="TextBox 27"/>
+          <p:cNvSpPr txBox="1"/>
+          <p:nvPr/>
+        </p:nvSpPr>
+        <p:spPr>
+          <a:xfrm>
+            <a:off x="3313" y="2196182"/>
+            <a:ext cx="1749287" cy="369332"/>
+          </a:xfrm>
+          <a:prstGeom prst="rect">
+            <a:avLst/>
+          </a:prstGeom>
+          <a:noFill/>
+        </p:spPr>
+        <p:txBody>
+          <a:bodyPr wrap="square" rtlCol="0">
+            <a:spAutoFit/>
+          </a:bodyPr>
+          <a:lstStyle/>
+          <a:p>
+            <a:pPr marL="285750" indent="-285750">
+              <a:buFont typeface="Wingdings" pitchFamily="2" charset="2"/>
+              <a:buChar char="Ø"/>
+            </a:pPr>
+            <a:r>
+              <a:rPr lang="en-US" dirty="0">
+                <a:solidFill>
+                  <a:schemeClr val="bg1"/>
+                </a:solidFill>
+                <a:latin typeface="Segoe UI Light" pitchFamily="34" charset="0"/>
+                <a:cs typeface="Segoe UI Light" pitchFamily="34" charset="0"/>
+              </a:rPr>
+              <a:t>Ticket.St</a:t>
+            </a:r>
+          </a:p>
+        </p:txBody>
+      </p:sp>
+      <p:sp>
+        <p:nvSpPr>
+          <p:cNvPr id="29" name="TextBox 28"/>
+          <p:cNvSpPr txBox="1"/>
+          <p:nvPr/>
+        </p:nvSpPr>
+        <p:spPr>
+          <a:xfrm>
+            <a:off x="3313" y="2593613"/>
+            <a:ext cx="1749287" cy="369332"/>
+          </a:xfrm>
+          <a:prstGeom prst="rect">
+            <a:avLst/>
+          </a:prstGeom>
+          <a:noFill/>
+        </p:spPr>
+        <p:txBody>
+          <a:bodyPr wrap="square" rtlCol="0">
+            <a:spAutoFit/>
+          </a:bodyPr>
+          <a:lstStyle/>
+          <a:p>
+            <a:pPr marL="285750" indent="-285750">
+              <a:buFont typeface="Wingdings" pitchFamily="2" charset="2"/>
+              <a:buChar char="Ø"/>
+            </a:pPr>
+            <a:r>
+              <a:rPr lang="en-US" dirty="0">
+                <a:solidFill>
+                  <a:schemeClr val="bg1"/>
+                </a:solidFill>
+                <a:latin typeface="Segoe UI Light" pitchFamily="34" charset="0"/>
+                <a:cs typeface="Segoe UI Light" pitchFamily="34" charset="0"/>
+              </a:rPr>
+              <a:t>Problem</a:t>
+            </a:r>
+          </a:p>
+        </p:txBody>
+      </p:sp>
+      <p:sp>
+        <p:nvSpPr>
+          <p:cNvPr id="31" name="TextBox 30"/>
+          <p:cNvSpPr txBox="1"/>
+          <p:nvPr/>
+        </p:nvSpPr>
+        <p:spPr>
+          <a:xfrm>
+            <a:off x="3313" y="2971425"/>
+            <a:ext cx="1749287" cy="369332"/>
+          </a:xfrm>
+          <a:prstGeom prst="rect">
+            <a:avLst/>
+          </a:prstGeom>
+          <a:noFill/>
+        </p:spPr>
+        <p:txBody>
+          <a:bodyPr wrap="square" rtlCol="0">
+            <a:spAutoFit/>
+          </a:bodyPr>
+          <a:lstStyle/>
+          <a:p>
+            <a:pPr marL="285750" indent="-285750">
+              <a:buFont typeface="Wingdings" pitchFamily="2" charset="2"/>
+              <a:buChar char="Ø"/>
+            </a:pPr>
+            <a:r>
+              <a:rPr lang="en-US" dirty="0">
+                <a:solidFill>
+                  <a:schemeClr val="bg1"/>
+                </a:solidFill>
+                <a:latin typeface="Segoe UI Light" pitchFamily="34" charset="0"/>
+                <a:cs typeface="Segoe UI Light" pitchFamily="34" charset="0"/>
+              </a:rPr>
+              <a:t>Our Proposal</a:t>
+            </a:r>
+          </a:p>
+        </p:txBody>
+      </p:sp>
+      <p:sp>
+        <p:nvSpPr>
+          <p:cNvPr id="33" name="TextBox 32"/>
+          <p:cNvSpPr txBox="1"/>
+          <p:nvPr/>
+        </p:nvSpPr>
+        <p:spPr>
+          <a:xfrm>
+            <a:off x="5181600" y="777731"/>
+            <a:ext cx="3238500" cy="1877437"/>
+          </a:xfrm>
+          <a:prstGeom prst="rect">
+            <a:avLst/>
+          </a:prstGeom>
+          <a:noFill/>
+        </p:spPr>
+        <p:txBody>
+          <a:bodyPr wrap="square" rtlCol="0">
+            <a:spAutoFit/>
+          </a:bodyPr>
+          <a:lstStyle/>
+          <a:p>
+            <a:pPr marL="625475" indent="-396875">
+              <a:spcBef>
+                <a:spcPts val="1200"/>
+              </a:spcBef>
+              <a:buClr>
+                <a:srgbClr val="7030A0"/>
+              </a:buClr>
+              <a:buFont typeface="Segoe UI Light" pitchFamily="34" charset="0"/>
+              <a:buChar char="■"/>
+            </a:pPr>
+            <a:r>
+              <a:rPr lang="en-US" dirty="0" smtClean="0">
+                <a:solidFill>
+                  <a:schemeClr val="tx1">
+                    <a:lumMod val="75000"/>
+                    <a:lumOff val="25000"/>
+                  </a:schemeClr>
+                </a:solidFill>
+                <a:latin typeface="Segoe UI Light" pitchFamily="34" charset="0"/>
+                <a:cs typeface="Segoe UI Light" pitchFamily="34" charset="0"/>
+              </a:rPr>
+              <a:t>Công Minh Hiếu</a:t>
+            </a:r>
+          </a:p>
+          <a:p>
+            <a:pPr marL="514350" indent="-285750">
+              <a:spcBef>
+                <a:spcPts val="1200"/>
+              </a:spcBef>
+              <a:buClr>
+                <a:srgbClr val="7030A0"/>
+              </a:buClr>
+              <a:buFont typeface="Wingdings" pitchFamily="2" charset="2"/>
+              <a:buChar char="§"/>
+            </a:pPr>
+            <a:r>
+              <a:rPr lang="en-US" sz="1600" dirty="0" smtClean="0">
+                <a:solidFill>
+                  <a:schemeClr val="tx1">
+                    <a:lumMod val="75000"/>
+                    <a:lumOff val="25000"/>
+                  </a:schemeClr>
+                </a:solidFill>
+                <a:latin typeface="Segoe UI Light" pitchFamily="34" charset="0"/>
+                <a:cs typeface="Segoe UI Light" pitchFamily="34" charset="0"/>
+              </a:rPr>
+              <a:t>Business analysis</a:t>
+            </a:r>
+          </a:p>
+          <a:p>
+            <a:pPr marL="514350" indent="-285750">
+              <a:spcBef>
+                <a:spcPts val="1200"/>
+              </a:spcBef>
+              <a:buClr>
+                <a:srgbClr val="7030A0"/>
+              </a:buClr>
+              <a:buFont typeface="Wingdings" pitchFamily="2" charset="2"/>
+              <a:buChar char="§"/>
+            </a:pPr>
+            <a:r>
+              <a:rPr lang="en-US" sz="1600" dirty="0" smtClean="0">
+                <a:solidFill>
+                  <a:schemeClr val="tx1">
+                    <a:lumMod val="75000"/>
+                    <a:lumOff val="25000"/>
+                  </a:schemeClr>
+                </a:solidFill>
+                <a:latin typeface="Segoe UI Light" pitchFamily="34" charset="0"/>
+                <a:cs typeface="Segoe UI Light" pitchFamily="34" charset="0"/>
+              </a:rPr>
+              <a:t>Developer</a:t>
+            </a:r>
+          </a:p>
+          <a:p>
+            <a:pPr marL="514350" indent="-285750">
+              <a:spcBef>
+                <a:spcPts val="1200"/>
+              </a:spcBef>
+              <a:buClr>
+                <a:srgbClr val="7030A0"/>
+              </a:buClr>
+              <a:buFont typeface="Wingdings" pitchFamily="2" charset="2"/>
+              <a:buChar char="§"/>
+            </a:pPr>
+            <a:r>
+              <a:rPr lang="en-US" sz="1600" dirty="0" smtClean="0">
+                <a:solidFill>
+                  <a:schemeClr val="tx1">
+                    <a:lumMod val="75000"/>
+                    <a:lumOff val="25000"/>
+                  </a:schemeClr>
+                </a:solidFill>
+                <a:latin typeface="Segoe UI Light" pitchFamily="34" charset="0"/>
+                <a:cs typeface="Segoe UI Light" pitchFamily="34" charset="0"/>
+              </a:rPr>
+              <a:t>Tester</a:t>
+            </a:r>
+            <a:endParaRPr lang="en-US" sz="1600" dirty="0">
+              <a:solidFill>
+                <a:schemeClr val="tx1">
+                  <a:lumMod val="75000"/>
+                  <a:lumOff val="25000"/>
+                </a:schemeClr>
+              </a:solidFill>
+              <a:latin typeface="Segoe UI Light" pitchFamily="34" charset="0"/>
+              <a:cs typeface="Segoe UI Light" pitchFamily="34" charset="0"/>
+            </a:endParaRPr>
+          </a:p>
+          <a:p>
+            <a:pPr marL="625475" indent="-396875">
+              <a:buClr>
+                <a:srgbClr val="7030A0"/>
+              </a:buClr>
+              <a:buFont typeface="Segoe UI Light" pitchFamily="34" charset="0"/>
+              <a:buChar char="■"/>
+            </a:pPr>
+            <a:endParaRPr lang="en-US" sz="2000" dirty="0">
+              <a:solidFill>
+                <a:schemeClr val="tx1">
+                  <a:lumMod val="75000"/>
+                  <a:lumOff val="25000"/>
+                </a:schemeClr>
+              </a:solidFill>
+              <a:latin typeface="Segoe UI Light" pitchFamily="34" charset="0"/>
+              <a:cs typeface="Segoe UI Light" pitchFamily="34" charset="0"/>
+            </a:endParaRPr>
+          </a:p>
+        </p:txBody>
+      </p:sp>
+      <p:sp>
+        <p:nvSpPr>
+          <p:cNvPr id="34" name="TextBox 33"/>
+          <p:cNvSpPr txBox="1"/>
+          <p:nvPr/>
+        </p:nvSpPr>
+        <p:spPr>
+          <a:xfrm>
+            <a:off x="2019300" y="2661625"/>
+            <a:ext cx="2709738" cy="1877437"/>
+          </a:xfrm>
+          <a:prstGeom prst="rect">
+            <a:avLst/>
+          </a:prstGeom>
+          <a:noFill/>
+        </p:spPr>
+        <p:txBody>
+          <a:bodyPr wrap="square" rtlCol="0">
+            <a:spAutoFit/>
+          </a:bodyPr>
+          <a:lstStyle/>
+          <a:p>
+            <a:pPr marL="625475" indent="-396875">
+              <a:spcBef>
+                <a:spcPts val="1200"/>
+              </a:spcBef>
+              <a:buClr>
+                <a:srgbClr val="7030A0"/>
+              </a:buClr>
+              <a:buFont typeface="Segoe UI Light" pitchFamily="34" charset="0"/>
+              <a:buChar char="■"/>
+            </a:pPr>
+            <a:r>
+              <a:rPr lang="en-US" dirty="0" smtClean="0">
+                <a:solidFill>
+                  <a:schemeClr val="tx1">
+                    <a:lumMod val="75000"/>
+                    <a:lumOff val="25000"/>
+                  </a:schemeClr>
+                </a:solidFill>
+                <a:latin typeface="Segoe UI Light" pitchFamily="34" charset="0"/>
+                <a:cs typeface="Segoe UI Light" pitchFamily="34" charset="0"/>
+              </a:rPr>
+              <a:t>Đào Như Tùng</a:t>
+            </a:r>
+          </a:p>
+          <a:p>
+            <a:pPr marL="625475" indent="-396875">
+              <a:spcBef>
+                <a:spcPts val="1200"/>
+              </a:spcBef>
+              <a:buClr>
+                <a:srgbClr val="7030A0"/>
+              </a:buClr>
+              <a:buFont typeface="Wingdings" pitchFamily="2" charset="2"/>
+              <a:buChar char="§"/>
+            </a:pPr>
+            <a:r>
+              <a:rPr lang="en-US" sz="1600" dirty="0">
+                <a:solidFill>
+                  <a:schemeClr val="tx1">
+                    <a:lumMod val="75000"/>
+                    <a:lumOff val="25000"/>
+                  </a:schemeClr>
+                </a:solidFill>
+                <a:latin typeface="Segoe UI Light" pitchFamily="34" charset="0"/>
+                <a:cs typeface="Segoe UI Light" pitchFamily="34" charset="0"/>
+              </a:rPr>
+              <a:t>Business analysis</a:t>
+            </a:r>
+          </a:p>
+          <a:p>
+            <a:pPr marL="625475" indent="-396875">
+              <a:spcBef>
+                <a:spcPts val="1200"/>
+              </a:spcBef>
+              <a:buClr>
+                <a:srgbClr val="7030A0"/>
+              </a:buClr>
+              <a:buFont typeface="Wingdings" pitchFamily="2" charset="2"/>
+              <a:buChar char="§"/>
+            </a:pPr>
+            <a:r>
+              <a:rPr lang="en-US" sz="1600" dirty="0" smtClean="0">
+                <a:solidFill>
+                  <a:schemeClr val="tx1">
+                    <a:lumMod val="75000"/>
+                    <a:lumOff val="25000"/>
+                  </a:schemeClr>
+                </a:solidFill>
+                <a:latin typeface="Segoe UI Light" pitchFamily="34" charset="0"/>
+                <a:cs typeface="Segoe UI Light" pitchFamily="34" charset="0"/>
+              </a:rPr>
+              <a:t>Developer</a:t>
+            </a:r>
+          </a:p>
+          <a:p>
+            <a:pPr marL="625475" indent="-396875">
+              <a:spcBef>
+                <a:spcPts val="1200"/>
+              </a:spcBef>
+              <a:buClr>
+                <a:srgbClr val="7030A0"/>
+              </a:buClr>
+              <a:buFont typeface="Wingdings" pitchFamily="2" charset="2"/>
+              <a:buChar char="§"/>
+            </a:pPr>
+            <a:r>
+              <a:rPr lang="en-US" sz="1600" dirty="0" smtClean="0">
+                <a:solidFill>
+                  <a:schemeClr val="tx1">
+                    <a:lumMod val="75000"/>
+                    <a:lumOff val="25000"/>
+                  </a:schemeClr>
+                </a:solidFill>
+                <a:latin typeface="Segoe UI Light" pitchFamily="34" charset="0"/>
+                <a:cs typeface="Segoe UI Light" pitchFamily="34" charset="0"/>
+              </a:rPr>
+              <a:t>Tester</a:t>
+            </a:r>
+            <a:endParaRPr lang="en-US" sz="1600" dirty="0">
+              <a:solidFill>
+                <a:schemeClr val="tx1">
+                  <a:lumMod val="75000"/>
+                  <a:lumOff val="25000"/>
+                </a:schemeClr>
+              </a:solidFill>
+              <a:latin typeface="Segoe UI Light" pitchFamily="34" charset="0"/>
+              <a:cs typeface="Segoe UI Light" pitchFamily="34" charset="0"/>
+            </a:endParaRPr>
+          </a:p>
+          <a:p>
+            <a:pPr marL="625475" indent="-396875">
+              <a:buClr>
+                <a:srgbClr val="7030A0"/>
+              </a:buClr>
+              <a:buFont typeface="Segoe UI Light" pitchFamily="34" charset="0"/>
+              <a:buChar char="■"/>
+            </a:pPr>
+            <a:endParaRPr lang="en-US" sz="2000" dirty="0">
+              <a:solidFill>
+                <a:schemeClr val="tx1">
+                  <a:lumMod val="75000"/>
+                  <a:lumOff val="25000"/>
+                </a:schemeClr>
+              </a:solidFill>
+              <a:latin typeface="Segoe UI Light" pitchFamily="34" charset="0"/>
+              <a:cs typeface="Segoe UI Light" pitchFamily="34" charset="0"/>
+            </a:endParaRPr>
+          </a:p>
+        </p:txBody>
+      </p:sp>
+      <p:sp>
+        <p:nvSpPr>
+          <p:cNvPr id="35" name="TextBox 34"/>
+          <p:cNvSpPr txBox="1"/>
+          <p:nvPr/>
+        </p:nvSpPr>
+        <p:spPr>
+          <a:xfrm>
+            <a:off x="5257800" y="2759781"/>
+            <a:ext cx="2819400" cy="1877437"/>
+          </a:xfrm>
+          <a:prstGeom prst="rect">
+            <a:avLst/>
+          </a:prstGeom>
+          <a:noFill/>
+        </p:spPr>
+        <p:txBody>
+          <a:bodyPr wrap="square" rtlCol="0">
+            <a:spAutoFit/>
+          </a:bodyPr>
+          <a:lstStyle/>
+          <a:p>
+            <a:pPr marL="625475" indent="-396875">
+              <a:spcBef>
+                <a:spcPts val="1200"/>
+              </a:spcBef>
+              <a:buClr>
+                <a:srgbClr val="7030A0"/>
+              </a:buClr>
+              <a:buFont typeface="Segoe UI Light" pitchFamily="34" charset="0"/>
+              <a:buChar char="■"/>
+            </a:pPr>
+            <a:r>
+              <a:rPr lang="en-US" dirty="0" smtClean="0">
+                <a:solidFill>
+                  <a:schemeClr val="tx1">
+                    <a:lumMod val="75000"/>
+                    <a:lumOff val="25000"/>
+                  </a:schemeClr>
+                </a:solidFill>
+                <a:latin typeface="Segoe UI Light" pitchFamily="34" charset="0"/>
+                <a:cs typeface="Segoe UI Light" pitchFamily="34" charset="0"/>
+              </a:rPr>
+              <a:t>Nguyễn Thanh Tùng</a:t>
+            </a:r>
+          </a:p>
+          <a:p>
+            <a:pPr marL="625475" indent="-396875">
+              <a:spcBef>
+                <a:spcPts val="1200"/>
+              </a:spcBef>
+              <a:buClr>
+                <a:srgbClr val="7030A0"/>
+              </a:buClr>
+              <a:buFont typeface="Wingdings" pitchFamily="2" charset="2"/>
+              <a:buChar char="§"/>
+            </a:pPr>
+            <a:r>
+              <a:rPr lang="en-US" sz="1600" dirty="0" smtClean="0">
+                <a:solidFill>
+                  <a:schemeClr val="tx1">
+                    <a:lumMod val="75000"/>
+                    <a:lumOff val="25000"/>
+                  </a:schemeClr>
+                </a:solidFill>
+                <a:latin typeface="Segoe UI Light" pitchFamily="34" charset="0"/>
+                <a:cs typeface="Segoe UI Light" pitchFamily="34" charset="0"/>
+              </a:rPr>
+              <a:t>Quality Assurance</a:t>
+            </a:r>
+          </a:p>
+          <a:p>
+            <a:pPr marL="625475" indent="-396875">
+              <a:spcBef>
+                <a:spcPts val="1200"/>
+              </a:spcBef>
+              <a:buClr>
+                <a:srgbClr val="7030A0"/>
+              </a:buClr>
+              <a:buFont typeface="Wingdings" pitchFamily="2" charset="2"/>
+              <a:buChar char="§"/>
+            </a:pPr>
+            <a:r>
+              <a:rPr lang="en-US" sz="1600" dirty="0" smtClean="0">
+                <a:solidFill>
+                  <a:schemeClr val="tx1">
+                    <a:lumMod val="75000"/>
+                    <a:lumOff val="25000"/>
+                  </a:schemeClr>
+                </a:solidFill>
+                <a:latin typeface="Segoe UI Light" pitchFamily="34" charset="0"/>
+                <a:cs typeface="Segoe UI Light" pitchFamily="34" charset="0"/>
+              </a:rPr>
+              <a:t>Developer</a:t>
+            </a:r>
+          </a:p>
+          <a:p>
+            <a:pPr marL="625475" indent="-396875">
+              <a:spcBef>
+                <a:spcPts val="1200"/>
+              </a:spcBef>
+              <a:buClr>
+                <a:srgbClr val="7030A0"/>
+              </a:buClr>
+              <a:buFont typeface="Wingdings" pitchFamily="2" charset="2"/>
+              <a:buChar char="§"/>
+            </a:pPr>
+            <a:r>
+              <a:rPr lang="en-US" sz="1600" dirty="0" smtClean="0">
+                <a:solidFill>
+                  <a:schemeClr val="tx1">
+                    <a:lumMod val="75000"/>
+                    <a:lumOff val="25000"/>
+                  </a:schemeClr>
+                </a:solidFill>
+                <a:latin typeface="Segoe UI Light" pitchFamily="34" charset="0"/>
+                <a:cs typeface="Segoe UI Light" pitchFamily="34" charset="0"/>
+              </a:rPr>
+              <a:t>Tester</a:t>
+            </a:r>
+            <a:endParaRPr lang="en-US" sz="1600" dirty="0">
+              <a:solidFill>
+                <a:schemeClr val="tx1">
+                  <a:lumMod val="75000"/>
+                  <a:lumOff val="25000"/>
+                </a:schemeClr>
+              </a:solidFill>
+              <a:latin typeface="Segoe UI Light" pitchFamily="34" charset="0"/>
+              <a:cs typeface="Segoe UI Light" pitchFamily="34" charset="0"/>
+            </a:endParaRPr>
+          </a:p>
+          <a:p>
+            <a:pPr marL="625475" indent="-396875">
+              <a:buClr>
+                <a:srgbClr val="7030A0"/>
+              </a:buClr>
+              <a:buFont typeface="Segoe UI Light" pitchFamily="34" charset="0"/>
+              <a:buChar char="■"/>
+            </a:pPr>
+            <a:endParaRPr lang="en-US" sz="2000" dirty="0">
+              <a:solidFill>
+                <a:schemeClr val="tx1">
+                  <a:lumMod val="75000"/>
+                  <a:lumOff val="25000"/>
+                </a:schemeClr>
+              </a:solidFill>
+              <a:latin typeface="Segoe UI Light" pitchFamily="34" charset="0"/>
+              <a:cs typeface="Segoe UI Light" pitchFamily="34" charset="0"/>
+            </a:endParaRPr>
+          </a:p>
+        </p:txBody>
+      </p:sp>
+      <p:sp>
+        <p:nvSpPr>
+          <p:cNvPr id="36" name="TextBox 35"/>
+          <p:cNvSpPr txBox="1"/>
+          <p:nvPr/>
+        </p:nvSpPr>
+        <p:spPr>
+          <a:xfrm>
+            <a:off x="2019300" y="4419600"/>
+            <a:ext cx="2709738" cy="1877437"/>
+          </a:xfrm>
+          <a:prstGeom prst="rect">
+            <a:avLst/>
+          </a:prstGeom>
+          <a:noFill/>
+        </p:spPr>
+        <p:txBody>
+          <a:bodyPr wrap="square" rtlCol="0">
+            <a:spAutoFit/>
+          </a:bodyPr>
+          <a:lstStyle/>
+          <a:p>
+            <a:pPr marL="625475" indent="-396875">
+              <a:spcBef>
+                <a:spcPts val="1200"/>
+              </a:spcBef>
+              <a:buClr>
+                <a:srgbClr val="7030A0"/>
+              </a:buClr>
+              <a:buFont typeface="Segoe UI Light" pitchFamily="34" charset="0"/>
+              <a:buChar char="■"/>
+            </a:pPr>
+            <a:r>
+              <a:rPr lang="en-US" dirty="0" smtClean="0">
+                <a:solidFill>
+                  <a:schemeClr val="tx1">
+                    <a:lumMod val="75000"/>
+                    <a:lumOff val="25000"/>
+                  </a:schemeClr>
+                </a:solidFill>
+                <a:latin typeface="Segoe UI Light" pitchFamily="34" charset="0"/>
+                <a:cs typeface="Segoe UI Light" pitchFamily="34" charset="0"/>
+              </a:rPr>
+              <a:t>Đặng Quốc Duy</a:t>
+            </a:r>
+          </a:p>
+          <a:p>
+            <a:pPr marL="625475" indent="-396875">
+              <a:spcBef>
+                <a:spcPts val="1200"/>
+              </a:spcBef>
+              <a:buClr>
+                <a:srgbClr val="7030A0"/>
+              </a:buClr>
+              <a:buFont typeface="Wingdings" pitchFamily="2" charset="2"/>
+              <a:buChar char="§"/>
+            </a:pPr>
+            <a:r>
+              <a:rPr lang="en-US" sz="1600" dirty="0">
+                <a:solidFill>
+                  <a:schemeClr val="tx1">
+                    <a:lumMod val="75000"/>
+                    <a:lumOff val="25000"/>
+                  </a:schemeClr>
+                </a:solidFill>
+                <a:latin typeface="Segoe UI Light" pitchFamily="34" charset="0"/>
+                <a:cs typeface="Segoe UI Light" pitchFamily="34" charset="0"/>
+              </a:rPr>
+              <a:t>Quality Assurance</a:t>
+            </a:r>
+          </a:p>
+          <a:p>
+            <a:pPr marL="625475" indent="-396875">
+              <a:spcBef>
+                <a:spcPts val="1200"/>
+              </a:spcBef>
+              <a:buClr>
+                <a:srgbClr val="7030A0"/>
+              </a:buClr>
+              <a:buFont typeface="Wingdings" pitchFamily="2" charset="2"/>
+              <a:buChar char="§"/>
+            </a:pPr>
+            <a:r>
+              <a:rPr lang="en-US" sz="1600" dirty="0" smtClean="0">
+                <a:solidFill>
+                  <a:schemeClr val="tx1">
+                    <a:lumMod val="75000"/>
+                    <a:lumOff val="25000"/>
+                  </a:schemeClr>
+                </a:solidFill>
+                <a:latin typeface="Segoe UI Light" pitchFamily="34" charset="0"/>
+                <a:cs typeface="Segoe UI Light" pitchFamily="34" charset="0"/>
+              </a:rPr>
+              <a:t>Developer</a:t>
+            </a:r>
+          </a:p>
+          <a:p>
+            <a:pPr marL="625475" indent="-396875">
+              <a:spcBef>
+                <a:spcPts val="1200"/>
+              </a:spcBef>
+              <a:buClr>
+                <a:srgbClr val="7030A0"/>
+              </a:buClr>
+              <a:buFont typeface="Wingdings" pitchFamily="2" charset="2"/>
+              <a:buChar char="§"/>
+            </a:pPr>
+            <a:r>
+              <a:rPr lang="en-US" sz="1600" dirty="0" smtClean="0">
+                <a:solidFill>
+                  <a:schemeClr val="tx1">
+                    <a:lumMod val="75000"/>
+                    <a:lumOff val="25000"/>
+                  </a:schemeClr>
+                </a:solidFill>
+                <a:latin typeface="Segoe UI Light" pitchFamily="34" charset="0"/>
+                <a:cs typeface="Segoe UI Light" pitchFamily="34" charset="0"/>
+              </a:rPr>
+              <a:t>Tester</a:t>
+            </a:r>
+            <a:endParaRPr lang="en-US" sz="1600" dirty="0">
+              <a:solidFill>
+                <a:schemeClr val="tx1">
+                  <a:lumMod val="75000"/>
+                  <a:lumOff val="25000"/>
+                </a:schemeClr>
+              </a:solidFill>
+              <a:latin typeface="Segoe UI Light" pitchFamily="34" charset="0"/>
+              <a:cs typeface="Segoe UI Light" pitchFamily="34" charset="0"/>
+            </a:endParaRPr>
+          </a:p>
+          <a:p>
+            <a:pPr marL="625475" indent="-396875">
+              <a:buClr>
+                <a:srgbClr val="7030A0"/>
+              </a:buClr>
+              <a:buFont typeface="Segoe UI Light" pitchFamily="34" charset="0"/>
+              <a:buChar char="■"/>
+            </a:pPr>
+            <a:endParaRPr lang="en-US" sz="2000" dirty="0">
+              <a:solidFill>
+                <a:schemeClr val="tx1">
+                  <a:lumMod val="75000"/>
+                  <a:lumOff val="25000"/>
+                </a:schemeClr>
+              </a:solidFill>
+              <a:latin typeface="Segoe UI Light" pitchFamily="34" charset="0"/>
+              <a:cs typeface="Segoe UI Light" pitchFamily="34" charset="0"/>
+            </a:endParaRPr>
+          </a:p>
+        </p:txBody>
+      </p:sp>
     </p:spTree>
     <p:extLst>
       <p:ext uri="{BB962C8B-B14F-4D97-AF65-F5344CB8AC3E}">
-        <p14:creationId xmlns:p14="http://schemas.microsoft.com/office/powerpoint/2010/main" val="4100906987"/>
+        <p14:creationId xmlns:p14="http://schemas.microsoft.com/office/powerpoint/2010/main" val="4222900080"/>
       </p:ext>
     </p:extLst>
   </p:cSld>
@@ -27242,16 +27242,740 @@
           </a:p>
         </p:txBody>
       </p:sp>
+      <p:cxnSp>
+        <p:nvCxnSpPr>
+          <p:cNvPr id="9" name="Straight Connector 8"/>
+          <p:cNvCxnSpPr/>
+          <p:nvPr/>
+        </p:nvCxnSpPr>
+        <p:spPr>
+          <a:xfrm>
+            <a:off x="2286000" y="2151356"/>
+            <a:ext cx="6324600" cy="0"/>
+          </a:xfrm>
+          <a:prstGeom prst="line">
+            <a:avLst/>
+          </a:prstGeom>
+        </p:spPr>
+        <p:style>
+          <a:lnRef idx="1">
+            <a:schemeClr val="accent1"/>
+          </a:lnRef>
+          <a:fillRef idx="0">
+            <a:schemeClr val="accent1"/>
+          </a:fillRef>
+          <a:effectRef idx="0">
+            <a:schemeClr val="accent1"/>
+          </a:effectRef>
+          <a:fontRef idx="minor">
+            <a:schemeClr val="tx1"/>
+          </a:fontRef>
+        </p:style>
+      </p:cxnSp>
+      <p:sp>
+        <p:nvSpPr>
+          <p:cNvPr id="10" name="Rectangle 9"/>
+          <p:cNvSpPr/>
+          <p:nvPr/>
+        </p:nvSpPr>
+        <p:spPr>
+          <a:xfrm>
+            <a:off x="4572000" y="2667000"/>
+            <a:ext cx="1371600" cy="640080"/>
+          </a:xfrm>
+          <a:prstGeom prst="rect">
+            <a:avLst/>
+          </a:prstGeom>
+          <a:solidFill>
+            <a:schemeClr val="accent2"/>
+          </a:solidFill>
+        </p:spPr>
+        <p:style>
+          <a:lnRef idx="2">
+            <a:schemeClr val="accent1">
+              <a:shade val="50000"/>
+            </a:schemeClr>
+          </a:lnRef>
+          <a:fillRef idx="1">
+            <a:schemeClr val="accent1"/>
+          </a:fillRef>
+          <a:effectRef idx="0">
+            <a:schemeClr val="accent1"/>
+          </a:effectRef>
+          <a:fontRef idx="minor">
+            <a:schemeClr val="lt1"/>
+          </a:fontRef>
+        </p:style>
+        <p:txBody>
+          <a:bodyPr rtlCol="0" anchor="ctr"/>
+          <a:lstStyle/>
+          <a:p>
+            <a:pPr algn="ctr"/>
+            <a:r>
+              <a:rPr lang="en-US" b="1" dirty="0" smtClean="0"/>
+              <a:t>Sell Ticket</a:t>
+            </a:r>
+            <a:endParaRPr lang="en-US" b="1" dirty="0"/>
+          </a:p>
+        </p:txBody>
+      </p:sp>
+      <p:sp>
+        <p:nvSpPr>
+          <p:cNvPr id="29" name="Rectangle 28"/>
+          <p:cNvSpPr/>
+          <p:nvPr/>
+        </p:nvSpPr>
+        <p:spPr>
+          <a:xfrm>
+            <a:off x="4572000" y="3391838"/>
+            <a:ext cx="1371600" cy="646762"/>
+          </a:xfrm>
+          <a:prstGeom prst="rect">
+            <a:avLst/>
+          </a:prstGeom>
+          <a:solidFill>
+            <a:schemeClr val="accent2"/>
+          </a:solidFill>
+        </p:spPr>
+        <p:style>
+          <a:lnRef idx="2">
+            <a:schemeClr val="accent1">
+              <a:shade val="50000"/>
+            </a:schemeClr>
+          </a:lnRef>
+          <a:fillRef idx="1">
+            <a:schemeClr val="accent1"/>
+          </a:fillRef>
+          <a:effectRef idx="0">
+            <a:schemeClr val="accent1"/>
+          </a:effectRef>
+          <a:fontRef idx="minor">
+            <a:schemeClr val="lt1"/>
+          </a:fontRef>
+        </p:style>
+        <p:txBody>
+          <a:bodyPr rtlCol="0" anchor="ctr"/>
+          <a:lstStyle/>
+          <a:p>
+            <a:pPr algn="ctr"/>
+            <a:r>
+              <a:rPr lang="en-US" b="1" dirty="0" smtClean="0"/>
+              <a:t>Buy Ticket</a:t>
+            </a:r>
+            <a:endParaRPr lang="en-US" b="1" dirty="0"/>
+          </a:p>
+        </p:txBody>
+      </p:sp>
+      <p:sp>
+        <p:nvSpPr>
+          <p:cNvPr id="30" name="Rectangle 29"/>
+          <p:cNvSpPr/>
+          <p:nvPr/>
+        </p:nvSpPr>
+        <p:spPr>
+          <a:xfrm>
+            <a:off x="4572000" y="4114800"/>
+            <a:ext cx="1371600" cy="609600"/>
+          </a:xfrm>
+          <a:prstGeom prst="rect">
+            <a:avLst/>
+          </a:prstGeom>
+          <a:solidFill>
+            <a:schemeClr val="accent2"/>
+          </a:solidFill>
+        </p:spPr>
+        <p:style>
+          <a:lnRef idx="2">
+            <a:schemeClr val="accent1">
+              <a:shade val="50000"/>
+            </a:schemeClr>
+          </a:lnRef>
+          <a:fillRef idx="1">
+            <a:schemeClr val="accent1"/>
+          </a:fillRef>
+          <a:effectRef idx="0">
+            <a:schemeClr val="accent1"/>
+          </a:effectRef>
+          <a:fontRef idx="minor">
+            <a:schemeClr val="lt1"/>
+          </a:fontRef>
+        </p:style>
+        <p:txBody>
+          <a:bodyPr rtlCol="0" anchor="ctr"/>
+          <a:lstStyle/>
+          <a:p>
+            <a:pPr algn="ctr"/>
+            <a:r>
+              <a:rPr lang="en-US" b="1" dirty="0" smtClean="0"/>
+              <a:t>Request Ticket</a:t>
+            </a:r>
+            <a:endParaRPr lang="en-US" b="1" dirty="0"/>
+          </a:p>
+        </p:txBody>
+      </p:sp>
+      <p:sp>
+        <p:nvSpPr>
+          <p:cNvPr id="32" name="Rectangle 31"/>
+          <p:cNvSpPr/>
+          <p:nvPr/>
+        </p:nvSpPr>
+        <p:spPr>
+          <a:xfrm>
+            <a:off x="4572000" y="4837762"/>
+            <a:ext cx="1371600" cy="572438"/>
+          </a:xfrm>
+          <a:prstGeom prst="rect">
+            <a:avLst/>
+          </a:prstGeom>
+          <a:solidFill>
+            <a:schemeClr val="accent2"/>
+          </a:solidFill>
+        </p:spPr>
+        <p:style>
+          <a:lnRef idx="2">
+            <a:schemeClr val="accent1">
+              <a:shade val="50000"/>
+            </a:schemeClr>
+          </a:lnRef>
+          <a:fillRef idx="1">
+            <a:schemeClr val="accent1"/>
+          </a:fillRef>
+          <a:effectRef idx="0">
+            <a:schemeClr val="accent1"/>
+          </a:effectRef>
+          <a:fontRef idx="minor">
+            <a:schemeClr val="lt1"/>
+          </a:fontRef>
+        </p:style>
+        <p:txBody>
+          <a:bodyPr rtlCol="0" anchor="ctr"/>
+          <a:lstStyle/>
+          <a:p>
+            <a:pPr algn="ctr"/>
+            <a:r>
+              <a:rPr lang="en-US" b="1" dirty="0" smtClean="0"/>
+              <a:t>Respond</a:t>
+            </a:r>
+            <a:endParaRPr lang="en-US" b="1" dirty="0"/>
+          </a:p>
+        </p:txBody>
+      </p:sp>
+      <p:cxnSp>
+        <p:nvCxnSpPr>
+          <p:cNvPr id="26" name="Straight Connector 25"/>
+          <p:cNvCxnSpPr/>
+          <p:nvPr/>
+        </p:nvCxnSpPr>
+        <p:spPr>
+          <a:xfrm>
+            <a:off x="4038600" y="2181901"/>
+            <a:ext cx="0" cy="3533099"/>
+          </a:xfrm>
+          <a:prstGeom prst="line">
+            <a:avLst/>
+          </a:prstGeom>
+        </p:spPr>
+        <p:style>
+          <a:lnRef idx="1">
+            <a:schemeClr val="accent1"/>
+          </a:lnRef>
+          <a:fillRef idx="0">
+            <a:schemeClr val="accent1"/>
+          </a:fillRef>
+          <a:effectRef idx="0">
+            <a:schemeClr val="accent1"/>
+          </a:effectRef>
+          <a:fontRef idx="minor">
+            <a:schemeClr val="tx1"/>
+          </a:fontRef>
+        </p:style>
+      </p:cxnSp>
+      <p:sp>
+        <p:nvSpPr>
+          <p:cNvPr id="34" name="Rectangle 33"/>
+          <p:cNvSpPr/>
+          <p:nvPr/>
+        </p:nvSpPr>
+        <p:spPr>
+          <a:xfrm>
+            <a:off x="6952343" y="2667000"/>
+            <a:ext cx="1429657" cy="640080"/>
+          </a:xfrm>
+          <a:prstGeom prst="rect">
+            <a:avLst/>
+          </a:prstGeom>
+          <a:solidFill>
+            <a:schemeClr val="accent6"/>
+          </a:solidFill>
+        </p:spPr>
+        <p:style>
+          <a:lnRef idx="2">
+            <a:schemeClr val="accent1">
+              <a:shade val="50000"/>
+            </a:schemeClr>
+          </a:lnRef>
+          <a:fillRef idx="1">
+            <a:schemeClr val="accent1"/>
+          </a:fillRef>
+          <a:effectRef idx="0">
+            <a:schemeClr val="accent1"/>
+          </a:effectRef>
+          <a:fontRef idx="minor">
+            <a:schemeClr val="lt1"/>
+          </a:fontRef>
+        </p:style>
+        <p:txBody>
+          <a:bodyPr rtlCol="0" anchor="ctr"/>
+          <a:lstStyle/>
+          <a:p>
+            <a:pPr algn="ctr"/>
+            <a:r>
+              <a:rPr lang="en-US" b="1" dirty="0" smtClean="0">
+                <a:solidFill>
+                  <a:schemeClr val="bg2">
+                    <a:lumMod val="10000"/>
+                  </a:schemeClr>
+                </a:solidFill>
+              </a:rPr>
+              <a:t>View History</a:t>
+            </a:r>
+            <a:endParaRPr lang="en-US" b="1" dirty="0">
+              <a:solidFill>
+                <a:schemeClr val="bg2">
+                  <a:lumMod val="10000"/>
+                </a:schemeClr>
+              </a:solidFill>
+            </a:endParaRPr>
+          </a:p>
+        </p:txBody>
+      </p:sp>
+      <p:sp>
+        <p:nvSpPr>
+          <p:cNvPr id="36" name="Rectangle 35"/>
+          <p:cNvSpPr/>
+          <p:nvPr/>
+        </p:nvSpPr>
+        <p:spPr>
+          <a:xfrm>
+            <a:off x="6952343" y="3391838"/>
+            <a:ext cx="1429657" cy="630057"/>
+          </a:xfrm>
+          <a:prstGeom prst="rect">
+            <a:avLst/>
+          </a:prstGeom>
+          <a:solidFill>
+            <a:schemeClr val="accent6"/>
+          </a:solidFill>
+        </p:spPr>
+        <p:style>
+          <a:lnRef idx="2">
+            <a:schemeClr val="accent1">
+              <a:shade val="50000"/>
+            </a:schemeClr>
+          </a:lnRef>
+          <a:fillRef idx="1">
+            <a:schemeClr val="accent1"/>
+          </a:fillRef>
+          <a:effectRef idx="0">
+            <a:schemeClr val="accent1"/>
+          </a:effectRef>
+          <a:fontRef idx="minor">
+            <a:schemeClr val="lt1"/>
+          </a:fontRef>
+        </p:style>
+        <p:txBody>
+          <a:bodyPr rtlCol="0" anchor="ctr"/>
+          <a:lstStyle/>
+          <a:p>
+            <a:pPr algn="ctr"/>
+            <a:r>
+              <a:rPr lang="en-US" b="1" dirty="0" smtClean="0">
+                <a:solidFill>
+                  <a:schemeClr val="bg2">
+                    <a:lumMod val="10000"/>
+                  </a:schemeClr>
+                </a:solidFill>
+              </a:rPr>
+              <a:t>View Other Profile</a:t>
+            </a:r>
+            <a:endParaRPr lang="en-US" b="1" dirty="0">
+              <a:solidFill>
+                <a:schemeClr val="bg2">
+                  <a:lumMod val="10000"/>
+                </a:schemeClr>
+              </a:solidFill>
+            </a:endParaRPr>
+          </a:p>
+        </p:txBody>
+      </p:sp>
+      <p:sp>
+        <p:nvSpPr>
+          <p:cNvPr id="37" name="Rectangle 36"/>
+          <p:cNvSpPr/>
+          <p:nvPr/>
+        </p:nvSpPr>
+        <p:spPr>
+          <a:xfrm>
+            <a:off x="6952342" y="4837762"/>
+            <a:ext cx="1429657" cy="572438"/>
+          </a:xfrm>
+          <a:prstGeom prst="rect">
+            <a:avLst/>
+          </a:prstGeom>
+          <a:solidFill>
+            <a:schemeClr val="accent6"/>
+          </a:solidFill>
+        </p:spPr>
+        <p:style>
+          <a:lnRef idx="2">
+            <a:schemeClr val="accent1">
+              <a:shade val="50000"/>
+            </a:schemeClr>
+          </a:lnRef>
+          <a:fillRef idx="1">
+            <a:schemeClr val="accent1"/>
+          </a:fillRef>
+          <a:effectRef idx="0">
+            <a:schemeClr val="accent1"/>
+          </a:effectRef>
+          <a:fontRef idx="minor">
+            <a:schemeClr val="lt1"/>
+          </a:fontRef>
+        </p:style>
+        <p:txBody>
+          <a:bodyPr rtlCol="0" anchor="ctr"/>
+          <a:lstStyle/>
+          <a:p>
+            <a:pPr algn="ctr"/>
+            <a:r>
+              <a:rPr lang="en-US" b="1" dirty="0" smtClean="0">
+                <a:solidFill>
+                  <a:schemeClr val="bg2">
+                    <a:lumMod val="10000"/>
+                  </a:schemeClr>
+                </a:solidFill>
+              </a:rPr>
+              <a:t>Receive Notification</a:t>
+            </a:r>
+            <a:endParaRPr lang="en-US" b="1" dirty="0">
+              <a:solidFill>
+                <a:schemeClr val="bg2">
+                  <a:lumMod val="10000"/>
+                </a:schemeClr>
+              </a:solidFill>
+            </a:endParaRPr>
+          </a:p>
+        </p:txBody>
+      </p:sp>
+      <p:sp>
+        <p:nvSpPr>
+          <p:cNvPr id="39" name="Rectangle 38"/>
+          <p:cNvSpPr/>
+          <p:nvPr/>
+        </p:nvSpPr>
+        <p:spPr>
+          <a:xfrm>
+            <a:off x="6952343" y="4114800"/>
+            <a:ext cx="1429657" cy="609600"/>
+          </a:xfrm>
+          <a:prstGeom prst="rect">
+            <a:avLst/>
+          </a:prstGeom>
+          <a:solidFill>
+            <a:schemeClr val="accent6"/>
+          </a:solidFill>
+        </p:spPr>
+        <p:style>
+          <a:lnRef idx="2">
+            <a:schemeClr val="accent1">
+              <a:shade val="50000"/>
+            </a:schemeClr>
+          </a:lnRef>
+          <a:fillRef idx="1">
+            <a:schemeClr val="accent1"/>
+          </a:fillRef>
+          <a:effectRef idx="0">
+            <a:schemeClr val="accent1"/>
+          </a:effectRef>
+          <a:fontRef idx="minor">
+            <a:schemeClr val="lt1"/>
+          </a:fontRef>
+        </p:style>
+        <p:txBody>
+          <a:bodyPr rtlCol="0" anchor="ctr"/>
+          <a:lstStyle/>
+          <a:p>
+            <a:pPr algn="ctr"/>
+            <a:r>
+              <a:rPr lang="en-US" b="1" dirty="0" smtClean="0">
+                <a:solidFill>
+                  <a:schemeClr val="bg2">
+                    <a:lumMod val="10000"/>
+                  </a:schemeClr>
+                </a:solidFill>
+              </a:rPr>
+              <a:t>Follow Event</a:t>
+            </a:r>
+            <a:endParaRPr lang="en-US" b="1" dirty="0">
+              <a:solidFill>
+                <a:schemeClr val="bg2">
+                  <a:lumMod val="10000"/>
+                </a:schemeClr>
+              </a:solidFill>
+            </a:endParaRPr>
+          </a:p>
+        </p:txBody>
+      </p:sp>
+      <p:cxnSp>
+        <p:nvCxnSpPr>
+          <p:cNvPr id="35" name="Straight Connector 34"/>
+          <p:cNvCxnSpPr/>
+          <p:nvPr/>
+        </p:nvCxnSpPr>
+        <p:spPr>
+          <a:xfrm>
+            <a:off x="6400800" y="2151356"/>
+            <a:ext cx="0" cy="3563644"/>
+          </a:xfrm>
+          <a:prstGeom prst="line">
+            <a:avLst/>
+          </a:prstGeom>
+        </p:spPr>
+        <p:style>
+          <a:lnRef idx="1">
+            <a:schemeClr val="accent1"/>
+          </a:lnRef>
+          <a:fillRef idx="0">
+            <a:schemeClr val="accent1"/>
+          </a:fillRef>
+          <a:effectRef idx="0">
+            <a:schemeClr val="accent1"/>
+          </a:effectRef>
+          <a:fontRef idx="minor">
+            <a:schemeClr val="tx1"/>
+          </a:fontRef>
+        </p:style>
+      </p:cxnSp>
+      <p:sp>
+        <p:nvSpPr>
+          <p:cNvPr id="42" name="Rectangle 41"/>
+          <p:cNvSpPr/>
+          <p:nvPr/>
+        </p:nvSpPr>
+        <p:spPr>
+          <a:xfrm>
+            <a:off x="2362200" y="2667000"/>
+            <a:ext cx="1371600" cy="640080"/>
+          </a:xfrm>
+          <a:prstGeom prst="rect">
+            <a:avLst/>
+          </a:prstGeom>
+        </p:spPr>
+        <p:style>
+          <a:lnRef idx="2">
+            <a:schemeClr val="accent1">
+              <a:shade val="50000"/>
+            </a:schemeClr>
+          </a:lnRef>
+          <a:fillRef idx="1">
+            <a:schemeClr val="accent1"/>
+          </a:fillRef>
+          <a:effectRef idx="0">
+            <a:schemeClr val="accent1"/>
+          </a:effectRef>
+          <a:fontRef idx="minor">
+            <a:schemeClr val="lt1"/>
+          </a:fontRef>
+        </p:style>
+        <p:txBody>
+          <a:bodyPr rtlCol="0" anchor="ctr"/>
+          <a:lstStyle/>
+          <a:p>
+            <a:pPr algn="ctr"/>
+            <a:r>
+              <a:rPr lang="en-US" b="1" dirty="0" smtClean="0"/>
+              <a:t>Sort Event</a:t>
+            </a:r>
+            <a:endParaRPr lang="en-US" b="1" dirty="0"/>
+          </a:p>
+        </p:txBody>
+      </p:sp>
+      <p:sp>
+        <p:nvSpPr>
+          <p:cNvPr id="43" name="Rectangle 42"/>
+          <p:cNvSpPr/>
+          <p:nvPr/>
+        </p:nvSpPr>
+        <p:spPr>
+          <a:xfrm>
+            <a:off x="2362200" y="3391837"/>
+            <a:ext cx="1371600" cy="630057"/>
+          </a:xfrm>
+          <a:prstGeom prst="rect">
+            <a:avLst/>
+          </a:prstGeom>
+        </p:spPr>
+        <p:style>
+          <a:lnRef idx="2">
+            <a:schemeClr val="accent1">
+              <a:shade val="50000"/>
+            </a:schemeClr>
+          </a:lnRef>
+          <a:fillRef idx="1">
+            <a:schemeClr val="accent1"/>
+          </a:fillRef>
+          <a:effectRef idx="0">
+            <a:schemeClr val="accent1"/>
+          </a:effectRef>
+          <a:fontRef idx="minor">
+            <a:schemeClr val="lt1"/>
+          </a:fontRef>
+        </p:style>
+        <p:txBody>
+          <a:bodyPr rtlCol="0" anchor="ctr"/>
+          <a:lstStyle/>
+          <a:p>
+            <a:pPr algn="ctr"/>
+            <a:r>
+              <a:rPr lang="en-US" b="1" dirty="0" smtClean="0"/>
+              <a:t>Sort Ticket</a:t>
+            </a:r>
+            <a:endParaRPr lang="en-US" b="1" dirty="0"/>
+          </a:p>
+        </p:txBody>
+      </p:sp>
+      <p:sp>
+        <p:nvSpPr>
+          <p:cNvPr id="44" name="Rectangle 43"/>
+          <p:cNvSpPr/>
+          <p:nvPr/>
+        </p:nvSpPr>
+        <p:spPr>
+          <a:xfrm>
+            <a:off x="2362200" y="4114800"/>
+            <a:ext cx="1371600" cy="609600"/>
+          </a:xfrm>
+          <a:prstGeom prst="rect">
+            <a:avLst/>
+          </a:prstGeom>
+        </p:spPr>
+        <p:style>
+          <a:lnRef idx="2">
+            <a:schemeClr val="accent1">
+              <a:shade val="50000"/>
+            </a:schemeClr>
+          </a:lnRef>
+          <a:fillRef idx="1">
+            <a:schemeClr val="accent1"/>
+          </a:fillRef>
+          <a:effectRef idx="0">
+            <a:schemeClr val="accent1"/>
+          </a:effectRef>
+          <a:fontRef idx="minor">
+            <a:schemeClr val="lt1"/>
+          </a:fontRef>
+        </p:style>
+        <p:txBody>
+          <a:bodyPr rtlCol="0" anchor="ctr"/>
+          <a:lstStyle/>
+          <a:p>
+            <a:pPr algn="ctr"/>
+            <a:r>
+              <a:rPr lang="en-US" b="1" dirty="0" smtClean="0"/>
+              <a:t>View Event Detail</a:t>
+            </a:r>
+            <a:endParaRPr lang="en-US" b="1" dirty="0"/>
+          </a:p>
+        </p:txBody>
+      </p:sp>
+      <p:sp>
+        <p:nvSpPr>
+          <p:cNvPr id="45" name="Rectangle 44"/>
+          <p:cNvSpPr/>
+          <p:nvPr/>
+        </p:nvSpPr>
+        <p:spPr>
+          <a:xfrm>
+            <a:off x="2362200" y="4837762"/>
+            <a:ext cx="1371600" cy="572438"/>
+          </a:xfrm>
+          <a:prstGeom prst="rect">
+            <a:avLst/>
+          </a:prstGeom>
+        </p:spPr>
+        <p:style>
+          <a:lnRef idx="2">
+            <a:schemeClr val="accent1">
+              <a:shade val="50000"/>
+            </a:schemeClr>
+          </a:lnRef>
+          <a:fillRef idx="1">
+            <a:schemeClr val="accent1"/>
+          </a:fillRef>
+          <a:effectRef idx="0">
+            <a:schemeClr val="accent1"/>
+          </a:effectRef>
+          <a:fontRef idx="minor">
+            <a:schemeClr val="lt1"/>
+          </a:fontRef>
+        </p:style>
+        <p:txBody>
+          <a:bodyPr rtlCol="0" anchor="ctr"/>
+          <a:lstStyle/>
+          <a:p>
+            <a:pPr algn="ctr"/>
+            <a:r>
+              <a:rPr lang="en-US" b="1" dirty="0" smtClean="0"/>
+              <a:t>Search</a:t>
+            </a:r>
+            <a:endParaRPr lang="en-US" b="1" dirty="0"/>
+          </a:p>
+        </p:txBody>
+      </p:sp>
+      <p:sp>
+        <p:nvSpPr>
+          <p:cNvPr id="52" name="TextBox 51"/>
+          <p:cNvSpPr txBox="1"/>
+          <p:nvPr/>
+        </p:nvSpPr>
+        <p:spPr>
+          <a:xfrm>
+            <a:off x="4868923" y="1752584"/>
+            <a:ext cx="668773" cy="400110"/>
+          </a:xfrm>
+          <a:prstGeom prst="rect">
+            <a:avLst/>
+          </a:prstGeom>
+          <a:noFill/>
+        </p:spPr>
+        <p:txBody>
+          <a:bodyPr wrap="none" rtlCol="0">
+            <a:spAutoFit/>
+          </a:bodyPr>
+          <a:lstStyle/>
+          <a:p>
+            <a:r>
+              <a:rPr lang="en-US" sz="2000" dirty="0" smtClean="0">
+                <a:latin typeface="Segoe UI Light" pitchFamily="34" charset="0"/>
+              </a:rPr>
+              <a:t>User</a:t>
+            </a:r>
+            <a:endParaRPr lang="en-US" sz="2000" dirty="0">
+              <a:latin typeface="Segoe UI Light" pitchFamily="34" charset="0"/>
+            </a:endParaRPr>
+          </a:p>
+        </p:txBody>
+      </p:sp>
       <p:pic>
         <p:nvPicPr>
-          <p:cNvPr id="1028" name="Picture 4" descr="https://cdn1.iconfinder.com/data/icons/free-large-boss-icon-set/512/Chief.png"/>
+          <p:cNvPr id="31" name="Picture 4" descr="http://www.eventindustrynews.co.uk/wp-content/uploads/2011/01/tt-square.png"/>
           <p:cNvPicPr>
             <a:picLocks noChangeAspect="1" noChangeArrowheads="1"/>
           </p:cNvPicPr>
           <p:nvPr/>
         </p:nvPicPr>
         <p:blipFill>
-          <a:blip r:embed="rId3" cstate="print">
+          <a:blip r:embed="rId3">
             <a:extLst>
               <a:ext uri="{28A0092B-C50C-407E-A947-70E740481C1C}">
                 <a14:useLocalDpi xmlns:a14="http://schemas.microsoft.com/office/drawing/2010/main" val="0"/>
@@ -27265,8 +27989,8 @@
         </p:blipFill>
         <p:spPr bwMode="auto">
           <a:xfrm>
-            <a:off x="4684486" y="703239"/>
-            <a:ext cx="1030514" cy="1030514"/>
+            <a:off x="4419600" y="498663"/>
+            <a:ext cx="1343139" cy="1305830"/>
           </a:xfrm>
           <a:prstGeom prst="rect">
             <a:avLst/>
@@ -27283,730 +28007,6 @@
           </a:extLst>
         </p:spPr>
       </p:pic>
-      <p:cxnSp>
-        <p:nvCxnSpPr>
-          <p:cNvPr id="9" name="Straight Connector 8"/>
-          <p:cNvCxnSpPr/>
-          <p:nvPr/>
-        </p:nvCxnSpPr>
-        <p:spPr>
-          <a:xfrm>
-            <a:off x="2286000" y="2151356"/>
-            <a:ext cx="6324600" cy="0"/>
-          </a:xfrm>
-          <a:prstGeom prst="line">
-            <a:avLst/>
-          </a:prstGeom>
-        </p:spPr>
-        <p:style>
-          <a:lnRef idx="1">
-            <a:schemeClr val="accent1"/>
-          </a:lnRef>
-          <a:fillRef idx="0">
-            <a:schemeClr val="accent1"/>
-          </a:fillRef>
-          <a:effectRef idx="0">
-            <a:schemeClr val="accent1"/>
-          </a:effectRef>
-          <a:fontRef idx="minor">
-            <a:schemeClr val="tx1"/>
-          </a:fontRef>
-        </p:style>
-      </p:cxnSp>
-      <p:sp>
-        <p:nvSpPr>
-          <p:cNvPr id="10" name="Rectangle 9"/>
-          <p:cNvSpPr/>
-          <p:nvPr/>
-        </p:nvSpPr>
-        <p:spPr>
-          <a:xfrm>
-            <a:off x="4572000" y="2667000"/>
-            <a:ext cx="1371600" cy="640080"/>
-          </a:xfrm>
-          <a:prstGeom prst="rect">
-            <a:avLst/>
-          </a:prstGeom>
-          <a:solidFill>
-            <a:schemeClr val="accent2"/>
-          </a:solidFill>
-        </p:spPr>
-        <p:style>
-          <a:lnRef idx="2">
-            <a:schemeClr val="accent1">
-              <a:shade val="50000"/>
-            </a:schemeClr>
-          </a:lnRef>
-          <a:fillRef idx="1">
-            <a:schemeClr val="accent1"/>
-          </a:fillRef>
-          <a:effectRef idx="0">
-            <a:schemeClr val="accent1"/>
-          </a:effectRef>
-          <a:fontRef idx="minor">
-            <a:schemeClr val="lt1"/>
-          </a:fontRef>
-        </p:style>
-        <p:txBody>
-          <a:bodyPr rtlCol="0" anchor="ctr"/>
-          <a:lstStyle/>
-          <a:p>
-            <a:pPr algn="ctr"/>
-            <a:r>
-              <a:rPr lang="en-US" b="1" dirty="0" smtClean="0"/>
-              <a:t>Sell Ticket</a:t>
-            </a:r>
-            <a:endParaRPr lang="en-US" b="1" dirty="0"/>
-          </a:p>
-        </p:txBody>
-      </p:sp>
-      <p:sp>
-        <p:nvSpPr>
-          <p:cNvPr id="29" name="Rectangle 28"/>
-          <p:cNvSpPr/>
-          <p:nvPr/>
-        </p:nvSpPr>
-        <p:spPr>
-          <a:xfrm>
-            <a:off x="4572000" y="3391838"/>
-            <a:ext cx="1371600" cy="646762"/>
-          </a:xfrm>
-          <a:prstGeom prst="rect">
-            <a:avLst/>
-          </a:prstGeom>
-          <a:solidFill>
-            <a:schemeClr val="accent2"/>
-          </a:solidFill>
-        </p:spPr>
-        <p:style>
-          <a:lnRef idx="2">
-            <a:schemeClr val="accent1">
-              <a:shade val="50000"/>
-            </a:schemeClr>
-          </a:lnRef>
-          <a:fillRef idx="1">
-            <a:schemeClr val="accent1"/>
-          </a:fillRef>
-          <a:effectRef idx="0">
-            <a:schemeClr val="accent1"/>
-          </a:effectRef>
-          <a:fontRef idx="minor">
-            <a:schemeClr val="lt1"/>
-          </a:fontRef>
-        </p:style>
-        <p:txBody>
-          <a:bodyPr rtlCol="0" anchor="ctr"/>
-          <a:lstStyle/>
-          <a:p>
-            <a:pPr algn="ctr"/>
-            <a:r>
-              <a:rPr lang="en-US" b="1" dirty="0" smtClean="0"/>
-              <a:t>Buy Ticket</a:t>
-            </a:r>
-            <a:endParaRPr lang="en-US" b="1" dirty="0"/>
-          </a:p>
-        </p:txBody>
-      </p:sp>
-      <p:sp>
-        <p:nvSpPr>
-          <p:cNvPr id="30" name="Rectangle 29"/>
-          <p:cNvSpPr/>
-          <p:nvPr/>
-        </p:nvSpPr>
-        <p:spPr>
-          <a:xfrm>
-            <a:off x="4572000" y="4114800"/>
-            <a:ext cx="1371600" cy="609600"/>
-          </a:xfrm>
-          <a:prstGeom prst="rect">
-            <a:avLst/>
-          </a:prstGeom>
-          <a:solidFill>
-            <a:schemeClr val="accent2"/>
-          </a:solidFill>
-        </p:spPr>
-        <p:style>
-          <a:lnRef idx="2">
-            <a:schemeClr val="accent1">
-              <a:shade val="50000"/>
-            </a:schemeClr>
-          </a:lnRef>
-          <a:fillRef idx="1">
-            <a:schemeClr val="accent1"/>
-          </a:fillRef>
-          <a:effectRef idx="0">
-            <a:schemeClr val="accent1"/>
-          </a:effectRef>
-          <a:fontRef idx="minor">
-            <a:schemeClr val="lt1"/>
-          </a:fontRef>
-        </p:style>
-        <p:txBody>
-          <a:bodyPr rtlCol="0" anchor="ctr"/>
-          <a:lstStyle/>
-          <a:p>
-            <a:pPr algn="ctr"/>
-            <a:r>
-              <a:rPr lang="en-US" b="1" dirty="0" smtClean="0"/>
-              <a:t>Request Ticket</a:t>
-            </a:r>
-            <a:endParaRPr lang="en-US" b="1" dirty="0"/>
-          </a:p>
-        </p:txBody>
-      </p:sp>
-      <p:sp>
-        <p:nvSpPr>
-          <p:cNvPr id="32" name="Rectangle 31"/>
-          <p:cNvSpPr/>
-          <p:nvPr/>
-        </p:nvSpPr>
-        <p:spPr>
-          <a:xfrm>
-            <a:off x="4572000" y="4837762"/>
-            <a:ext cx="1371600" cy="572438"/>
-          </a:xfrm>
-          <a:prstGeom prst="rect">
-            <a:avLst/>
-          </a:prstGeom>
-          <a:solidFill>
-            <a:schemeClr val="accent2"/>
-          </a:solidFill>
-        </p:spPr>
-        <p:style>
-          <a:lnRef idx="2">
-            <a:schemeClr val="accent1">
-              <a:shade val="50000"/>
-            </a:schemeClr>
-          </a:lnRef>
-          <a:fillRef idx="1">
-            <a:schemeClr val="accent1"/>
-          </a:fillRef>
-          <a:effectRef idx="0">
-            <a:schemeClr val="accent1"/>
-          </a:effectRef>
-          <a:fontRef idx="minor">
-            <a:schemeClr val="lt1"/>
-          </a:fontRef>
-        </p:style>
-        <p:txBody>
-          <a:bodyPr rtlCol="0" anchor="ctr"/>
-          <a:lstStyle/>
-          <a:p>
-            <a:pPr algn="ctr"/>
-            <a:r>
-              <a:rPr lang="en-US" b="1" dirty="0" smtClean="0"/>
-              <a:t>Respond</a:t>
-            </a:r>
-            <a:endParaRPr lang="en-US" b="1" dirty="0"/>
-          </a:p>
-        </p:txBody>
-      </p:sp>
-      <p:cxnSp>
-        <p:nvCxnSpPr>
-          <p:cNvPr id="26" name="Straight Connector 25"/>
-          <p:cNvCxnSpPr/>
-          <p:nvPr/>
-        </p:nvCxnSpPr>
-        <p:spPr>
-          <a:xfrm>
-            <a:off x="4038600" y="2181901"/>
-            <a:ext cx="0" cy="3533099"/>
-          </a:xfrm>
-          <a:prstGeom prst="line">
-            <a:avLst/>
-          </a:prstGeom>
-        </p:spPr>
-        <p:style>
-          <a:lnRef idx="1">
-            <a:schemeClr val="accent1"/>
-          </a:lnRef>
-          <a:fillRef idx="0">
-            <a:schemeClr val="accent1"/>
-          </a:fillRef>
-          <a:effectRef idx="0">
-            <a:schemeClr val="accent1"/>
-          </a:effectRef>
-          <a:fontRef idx="minor">
-            <a:schemeClr val="tx1"/>
-          </a:fontRef>
-        </p:style>
-      </p:cxnSp>
-      <p:sp>
-        <p:nvSpPr>
-          <p:cNvPr id="34" name="Rectangle 33"/>
-          <p:cNvSpPr/>
-          <p:nvPr/>
-        </p:nvSpPr>
-        <p:spPr>
-          <a:xfrm>
-            <a:off x="6952343" y="2667000"/>
-            <a:ext cx="1429657" cy="640080"/>
-          </a:xfrm>
-          <a:prstGeom prst="rect">
-            <a:avLst/>
-          </a:prstGeom>
-          <a:solidFill>
-            <a:schemeClr val="accent6"/>
-          </a:solidFill>
-        </p:spPr>
-        <p:style>
-          <a:lnRef idx="2">
-            <a:schemeClr val="accent1">
-              <a:shade val="50000"/>
-            </a:schemeClr>
-          </a:lnRef>
-          <a:fillRef idx="1">
-            <a:schemeClr val="accent1"/>
-          </a:fillRef>
-          <a:effectRef idx="0">
-            <a:schemeClr val="accent1"/>
-          </a:effectRef>
-          <a:fontRef idx="minor">
-            <a:schemeClr val="lt1"/>
-          </a:fontRef>
-        </p:style>
-        <p:txBody>
-          <a:bodyPr rtlCol="0" anchor="ctr"/>
-          <a:lstStyle/>
-          <a:p>
-            <a:pPr algn="ctr"/>
-            <a:r>
-              <a:rPr lang="en-US" b="1" dirty="0" smtClean="0">
-                <a:solidFill>
-                  <a:schemeClr val="bg2">
-                    <a:lumMod val="10000"/>
-                  </a:schemeClr>
-                </a:solidFill>
-              </a:rPr>
-              <a:t>View History</a:t>
-            </a:r>
-            <a:endParaRPr lang="en-US" b="1" dirty="0">
-              <a:solidFill>
-                <a:schemeClr val="bg2">
-                  <a:lumMod val="10000"/>
-                </a:schemeClr>
-              </a:solidFill>
-            </a:endParaRPr>
-          </a:p>
-        </p:txBody>
-      </p:sp>
-      <p:sp>
-        <p:nvSpPr>
-          <p:cNvPr id="36" name="Rectangle 35"/>
-          <p:cNvSpPr/>
-          <p:nvPr/>
-        </p:nvSpPr>
-        <p:spPr>
-          <a:xfrm>
-            <a:off x="6952343" y="3391838"/>
-            <a:ext cx="1429657" cy="630057"/>
-          </a:xfrm>
-          <a:prstGeom prst="rect">
-            <a:avLst/>
-          </a:prstGeom>
-          <a:solidFill>
-            <a:schemeClr val="accent6"/>
-          </a:solidFill>
-        </p:spPr>
-        <p:style>
-          <a:lnRef idx="2">
-            <a:schemeClr val="accent1">
-              <a:shade val="50000"/>
-            </a:schemeClr>
-          </a:lnRef>
-          <a:fillRef idx="1">
-            <a:schemeClr val="accent1"/>
-          </a:fillRef>
-          <a:effectRef idx="0">
-            <a:schemeClr val="accent1"/>
-          </a:effectRef>
-          <a:fontRef idx="minor">
-            <a:schemeClr val="lt1"/>
-          </a:fontRef>
-        </p:style>
-        <p:txBody>
-          <a:bodyPr rtlCol="0" anchor="ctr"/>
-          <a:lstStyle/>
-          <a:p>
-            <a:pPr algn="ctr"/>
-            <a:r>
-              <a:rPr lang="en-US" b="1" dirty="0" smtClean="0">
-                <a:solidFill>
-                  <a:schemeClr val="bg2">
-                    <a:lumMod val="10000"/>
-                  </a:schemeClr>
-                </a:solidFill>
-              </a:rPr>
-              <a:t>View Other Profile</a:t>
-            </a:r>
-            <a:endParaRPr lang="en-US" b="1" dirty="0">
-              <a:solidFill>
-                <a:schemeClr val="bg2">
-                  <a:lumMod val="10000"/>
-                </a:schemeClr>
-              </a:solidFill>
-            </a:endParaRPr>
-          </a:p>
-        </p:txBody>
-      </p:sp>
-      <p:sp>
-        <p:nvSpPr>
-          <p:cNvPr id="37" name="Rectangle 36"/>
-          <p:cNvSpPr/>
-          <p:nvPr/>
-        </p:nvSpPr>
-        <p:spPr>
-          <a:xfrm>
-            <a:off x="6952342" y="4837762"/>
-            <a:ext cx="1429657" cy="572438"/>
-          </a:xfrm>
-          <a:prstGeom prst="rect">
-            <a:avLst/>
-          </a:prstGeom>
-          <a:solidFill>
-            <a:schemeClr val="accent6"/>
-          </a:solidFill>
-        </p:spPr>
-        <p:style>
-          <a:lnRef idx="2">
-            <a:schemeClr val="accent1">
-              <a:shade val="50000"/>
-            </a:schemeClr>
-          </a:lnRef>
-          <a:fillRef idx="1">
-            <a:schemeClr val="accent1"/>
-          </a:fillRef>
-          <a:effectRef idx="0">
-            <a:schemeClr val="accent1"/>
-          </a:effectRef>
-          <a:fontRef idx="minor">
-            <a:schemeClr val="lt1"/>
-          </a:fontRef>
-        </p:style>
-        <p:txBody>
-          <a:bodyPr rtlCol="0" anchor="ctr"/>
-          <a:lstStyle/>
-          <a:p>
-            <a:pPr algn="ctr"/>
-            <a:r>
-              <a:rPr lang="en-US" b="1" dirty="0" smtClean="0">
-                <a:solidFill>
-                  <a:schemeClr val="bg2">
-                    <a:lumMod val="10000"/>
-                  </a:schemeClr>
-                </a:solidFill>
-              </a:rPr>
-              <a:t>Receive Notification</a:t>
-            </a:r>
-            <a:endParaRPr lang="en-US" b="1" dirty="0">
-              <a:solidFill>
-                <a:schemeClr val="bg2">
-                  <a:lumMod val="10000"/>
-                </a:schemeClr>
-              </a:solidFill>
-            </a:endParaRPr>
-          </a:p>
-        </p:txBody>
-      </p:sp>
-      <p:sp>
-        <p:nvSpPr>
-          <p:cNvPr id="39" name="Rectangle 38"/>
-          <p:cNvSpPr/>
-          <p:nvPr/>
-        </p:nvSpPr>
-        <p:spPr>
-          <a:xfrm>
-            <a:off x="6952343" y="4114800"/>
-            <a:ext cx="1429657" cy="609600"/>
-          </a:xfrm>
-          <a:prstGeom prst="rect">
-            <a:avLst/>
-          </a:prstGeom>
-          <a:solidFill>
-            <a:schemeClr val="accent6"/>
-          </a:solidFill>
-        </p:spPr>
-        <p:style>
-          <a:lnRef idx="2">
-            <a:schemeClr val="accent1">
-              <a:shade val="50000"/>
-            </a:schemeClr>
-          </a:lnRef>
-          <a:fillRef idx="1">
-            <a:schemeClr val="accent1"/>
-          </a:fillRef>
-          <a:effectRef idx="0">
-            <a:schemeClr val="accent1"/>
-          </a:effectRef>
-          <a:fontRef idx="minor">
-            <a:schemeClr val="lt1"/>
-          </a:fontRef>
-        </p:style>
-        <p:txBody>
-          <a:bodyPr rtlCol="0" anchor="ctr"/>
-          <a:lstStyle/>
-          <a:p>
-            <a:pPr algn="ctr"/>
-            <a:r>
-              <a:rPr lang="en-US" b="1" dirty="0" smtClean="0">
-                <a:solidFill>
-                  <a:schemeClr val="bg2">
-                    <a:lumMod val="10000"/>
-                  </a:schemeClr>
-                </a:solidFill>
-              </a:rPr>
-              <a:t>Follow Event</a:t>
-            </a:r>
-            <a:endParaRPr lang="en-US" b="1" dirty="0">
-              <a:solidFill>
-                <a:schemeClr val="bg2">
-                  <a:lumMod val="10000"/>
-                </a:schemeClr>
-              </a:solidFill>
-            </a:endParaRPr>
-          </a:p>
-        </p:txBody>
-      </p:sp>
-      <p:cxnSp>
-        <p:nvCxnSpPr>
-          <p:cNvPr id="35" name="Straight Connector 34"/>
-          <p:cNvCxnSpPr/>
-          <p:nvPr/>
-        </p:nvCxnSpPr>
-        <p:spPr>
-          <a:xfrm>
-            <a:off x="6400800" y="2151356"/>
-            <a:ext cx="0" cy="3563644"/>
-          </a:xfrm>
-          <a:prstGeom prst="line">
-            <a:avLst/>
-          </a:prstGeom>
-        </p:spPr>
-        <p:style>
-          <a:lnRef idx="1">
-            <a:schemeClr val="accent1"/>
-          </a:lnRef>
-          <a:fillRef idx="0">
-            <a:schemeClr val="accent1"/>
-          </a:fillRef>
-          <a:effectRef idx="0">
-            <a:schemeClr val="accent1"/>
-          </a:effectRef>
-          <a:fontRef idx="minor">
-            <a:schemeClr val="tx1"/>
-          </a:fontRef>
-        </p:style>
-      </p:cxnSp>
-      <p:sp>
-        <p:nvSpPr>
-          <p:cNvPr id="42" name="Rectangle 41"/>
-          <p:cNvSpPr/>
-          <p:nvPr/>
-        </p:nvSpPr>
-        <p:spPr>
-          <a:xfrm>
-            <a:off x="2362200" y="2667000"/>
-            <a:ext cx="1371600" cy="640080"/>
-          </a:xfrm>
-          <a:prstGeom prst="rect">
-            <a:avLst/>
-          </a:prstGeom>
-        </p:spPr>
-        <p:style>
-          <a:lnRef idx="2">
-            <a:schemeClr val="accent1">
-              <a:shade val="50000"/>
-            </a:schemeClr>
-          </a:lnRef>
-          <a:fillRef idx="1">
-            <a:schemeClr val="accent1"/>
-          </a:fillRef>
-          <a:effectRef idx="0">
-            <a:schemeClr val="accent1"/>
-          </a:effectRef>
-          <a:fontRef idx="minor">
-            <a:schemeClr val="lt1"/>
-          </a:fontRef>
-        </p:style>
-        <p:txBody>
-          <a:bodyPr rtlCol="0" anchor="ctr"/>
-          <a:lstStyle/>
-          <a:p>
-            <a:pPr algn="ctr"/>
-            <a:r>
-              <a:rPr lang="en-US" b="1" dirty="0" smtClean="0"/>
-              <a:t>Sort Event</a:t>
-            </a:r>
-            <a:endParaRPr lang="en-US" b="1" dirty="0"/>
-          </a:p>
-        </p:txBody>
-      </p:sp>
-      <p:sp>
-        <p:nvSpPr>
-          <p:cNvPr id="43" name="Rectangle 42"/>
-          <p:cNvSpPr/>
-          <p:nvPr/>
-        </p:nvSpPr>
-        <p:spPr>
-          <a:xfrm>
-            <a:off x="2362200" y="3391837"/>
-            <a:ext cx="1371600" cy="630057"/>
-          </a:xfrm>
-          <a:prstGeom prst="rect">
-            <a:avLst/>
-          </a:prstGeom>
-        </p:spPr>
-        <p:style>
-          <a:lnRef idx="2">
-            <a:schemeClr val="accent1">
-              <a:shade val="50000"/>
-            </a:schemeClr>
-          </a:lnRef>
-          <a:fillRef idx="1">
-            <a:schemeClr val="accent1"/>
-          </a:fillRef>
-          <a:effectRef idx="0">
-            <a:schemeClr val="accent1"/>
-          </a:effectRef>
-          <a:fontRef idx="minor">
-            <a:schemeClr val="lt1"/>
-          </a:fontRef>
-        </p:style>
-        <p:txBody>
-          <a:bodyPr rtlCol="0" anchor="ctr"/>
-          <a:lstStyle/>
-          <a:p>
-            <a:pPr algn="ctr"/>
-            <a:r>
-              <a:rPr lang="en-US" b="1" dirty="0" smtClean="0"/>
-              <a:t>Sort Ticket</a:t>
-            </a:r>
-            <a:endParaRPr lang="en-US" b="1" dirty="0"/>
-          </a:p>
-        </p:txBody>
-      </p:sp>
-      <p:sp>
-        <p:nvSpPr>
-          <p:cNvPr id="44" name="Rectangle 43"/>
-          <p:cNvSpPr/>
-          <p:nvPr/>
-        </p:nvSpPr>
-        <p:spPr>
-          <a:xfrm>
-            <a:off x="2362200" y="4114800"/>
-            <a:ext cx="1371600" cy="609600"/>
-          </a:xfrm>
-          <a:prstGeom prst="rect">
-            <a:avLst/>
-          </a:prstGeom>
-        </p:spPr>
-        <p:style>
-          <a:lnRef idx="2">
-            <a:schemeClr val="accent1">
-              <a:shade val="50000"/>
-            </a:schemeClr>
-          </a:lnRef>
-          <a:fillRef idx="1">
-            <a:schemeClr val="accent1"/>
-          </a:fillRef>
-          <a:effectRef idx="0">
-            <a:schemeClr val="accent1"/>
-          </a:effectRef>
-          <a:fontRef idx="minor">
-            <a:schemeClr val="lt1"/>
-          </a:fontRef>
-        </p:style>
-        <p:txBody>
-          <a:bodyPr rtlCol="0" anchor="ctr"/>
-          <a:lstStyle/>
-          <a:p>
-            <a:pPr algn="ctr"/>
-            <a:r>
-              <a:rPr lang="en-US" b="1" dirty="0" smtClean="0"/>
-              <a:t>View Event Detail</a:t>
-            </a:r>
-            <a:endParaRPr lang="en-US" b="1" dirty="0"/>
-          </a:p>
-        </p:txBody>
-      </p:sp>
-      <p:sp>
-        <p:nvSpPr>
-          <p:cNvPr id="45" name="Rectangle 44"/>
-          <p:cNvSpPr/>
-          <p:nvPr/>
-        </p:nvSpPr>
-        <p:spPr>
-          <a:xfrm>
-            <a:off x="2362200" y="4837762"/>
-            <a:ext cx="1371600" cy="572438"/>
-          </a:xfrm>
-          <a:prstGeom prst="rect">
-            <a:avLst/>
-          </a:prstGeom>
-        </p:spPr>
-        <p:style>
-          <a:lnRef idx="2">
-            <a:schemeClr val="accent1">
-              <a:shade val="50000"/>
-            </a:schemeClr>
-          </a:lnRef>
-          <a:fillRef idx="1">
-            <a:schemeClr val="accent1"/>
-          </a:fillRef>
-          <a:effectRef idx="0">
-            <a:schemeClr val="accent1"/>
-          </a:effectRef>
-          <a:fontRef idx="minor">
-            <a:schemeClr val="lt1"/>
-          </a:fontRef>
-        </p:style>
-        <p:txBody>
-          <a:bodyPr rtlCol="0" anchor="ctr"/>
-          <a:lstStyle/>
-          <a:p>
-            <a:pPr algn="ctr"/>
-            <a:r>
-              <a:rPr lang="en-US" b="1" dirty="0" smtClean="0"/>
-              <a:t>Search</a:t>
-            </a:r>
-            <a:endParaRPr lang="en-US" b="1" dirty="0"/>
-          </a:p>
-        </p:txBody>
-      </p:sp>
-      <p:sp>
-        <p:nvSpPr>
-          <p:cNvPr id="52" name="TextBox 51"/>
-          <p:cNvSpPr txBox="1"/>
-          <p:nvPr/>
-        </p:nvSpPr>
-        <p:spPr>
-          <a:xfrm>
-            <a:off x="4868923" y="1752584"/>
-            <a:ext cx="668773" cy="400110"/>
-          </a:xfrm>
-          <a:prstGeom prst="rect">
-            <a:avLst/>
-          </a:prstGeom>
-          <a:noFill/>
-        </p:spPr>
-        <p:txBody>
-          <a:bodyPr wrap="none" rtlCol="0">
-            <a:spAutoFit/>
-          </a:bodyPr>
-          <a:lstStyle/>
-          <a:p>
-            <a:r>
-              <a:rPr lang="en-US" sz="2000" dirty="0" smtClean="0">
-                <a:latin typeface="Segoe UI Light" pitchFamily="34" charset="0"/>
-              </a:rPr>
-              <a:t>User</a:t>
-            </a:r>
-            <a:endParaRPr lang="en-US" sz="2000" dirty="0">
-              <a:latin typeface="Segoe UI Light" pitchFamily="34" charset="0"/>
-            </a:endParaRPr>
-          </a:p>
-        </p:txBody>
-      </p:sp>
     </p:spTree>
     <p:extLst>
       <p:ext uri="{BB962C8B-B14F-4D97-AF65-F5344CB8AC3E}">
@@ -28655,6 +28655,41 @@
                                   </p:childTnLst>
                                 </p:cTn>
                               </p:par>
+                              <p:par>
+                                <p:cTn id="63" presetID="10" presetClass="entr" presetSubtype="0" fill="hold" nodeType="withEffect">
+                                  <p:stCondLst>
+                                    <p:cond delay="0"/>
+                                  </p:stCondLst>
+                                  <p:childTnLst>
+                                    <p:set>
+                                      <p:cBhvr>
+                                        <p:cTn id="64" dur="1" fill="hold">
+                                          <p:stCondLst>
+                                            <p:cond delay="0"/>
+                                          </p:stCondLst>
+                                        </p:cTn>
+                                        <p:tgtEl>
+                                          <p:spTgt spid="31"/>
+                                        </p:tgtEl>
+                                        <p:attrNameLst>
+                                          <p:attrName>style.visibility</p:attrName>
+                                        </p:attrNameLst>
+                                      </p:cBhvr>
+                                      <p:to>
+                                        <p:strVal val="visible"/>
+                                      </p:to>
+                                    </p:set>
+                                    <p:animEffect transition="in" filter="fade">
+                                      <p:cBhvr>
+                                        <p:cTn id="65" dur="500"/>
+                                        <p:tgtEl>
+                                          <p:spTgt spid="31"/>
+                                        </p:tgtEl>
+                                      </p:cBhvr>
+                                    </p:animEffect>
+                                  </p:childTnLst>
+                                </p:cTn>
+                              </p:par>
                             </p:childTnLst>
                           </p:cTn>
                         </p:par>
@@ -28705,7 +28740,7 @@
   <a:themeElements>
     <a:clrScheme name="Opulent">
       <a:dk1>
-        <a:sysClr val="windowText" lastClr="464646"/>
+        <a:sysClr val="windowText" lastClr="000000"/>
       </a:dk1>
       <a:lt1>
         <a:sysClr val="window" lastClr="FFFFFF"/>
@@ -28990,7 +29025,7 @@
   <a:themeElements>
     <a:clrScheme name="Office">
       <a:dk1>
-        <a:sysClr val="windowText" lastClr="464646"/>
+        <a:sysClr val="windowText" lastClr="000000"/>
       </a:dk1>
       <a:lt1>
         <a:sysClr val="window" lastClr="FFFFFF"/>

--- a/Document/Present.pptx
+++ b/Document/Present.pptx
@@ -9,8 +9,8 @@
   </p:notesMasterIdLst>
   <p:sldIdLst>
     <p:sldId id="256" r:id="rId2"/>
-    <p:sldId id="257" r:id="rId3"/>
-    <p:sldId id="283" r:id="rId4"/>
+    <p:sldId id="287" r:id="rId3"/>
+    <p:sldId id="257" r:id="rId4"/>
     <p:sldId id="261" r:id="rId5"/>
     <p:sldId id="262" r:id="rId6"/>
     <p:sldId id="264" r:id="rId7"/>
@@ -129,7 +129,7 @@
   </p:defaultTextStyle>
   <p:extLst>
     <p:ext uri="{EFAFB233-063F-42B5-8137-9DF3F51BA10A}">
-      <p15:sldGuideLst xmlns="" xmlns:p15="http://schemas.microsoft.com/office/powerpoint/2012/main">
+      <p15:sldGuideLst xmlns:p15="http://schemas.microsoft.com/office/powerpoint/2012/main" xmlns="">
         <p15:guide id="1" orient="horz" pos="2160">
           <p15:clr>
             <a:srgbClr val="A4A3A4"/>
@@ -1203,399 +1203,6 @@
       <dsp:cNvGrpSpPr/>
     </dsp:nvGrpSpPr>
     <dsp:grpSpPr/>
-    <dsp:sp modelId="{922539D6-1411-4F95-ABC6-9CA624F49588}">
-      <dsp:nvSpPr>
-        <dsp:cNvPr id="0" name=""/>
-        <dsp:cNvSpPr/>
-      </dsp:nvSpPr>
-      <dsp:spPr>
-        <a:xfrm>
-          <a:off x="972688" y="105853"/>
-          <a:ext cx="5692437" cy="1815972"/>
-        </a:xfrm>
-        <a:prstGeom prst="roundRect">
-          <a:avLst>
-            <a:gd name="adj" fmla="val 10000"/>
-          </a:avLst>
-        </a:prstGeom>
-        <a:solidFill>
-          <a:schemeClr val="accent1">
-            <a:hueOff val="0"/>
-            <a:satOff val="0"/>
-            <a:lumOff val="0"/>
-            <a:alphaOff val="0"/>
-          </a:schemeClr>
-        </a:solidFill>
-        <a:ln w="25400" cap="flat" cmpd="sng" algn="ctr">
-          <a:solidFill>
-            <a:schemeClr val="lt1">
-              <a:hueOff val="0"/>
-              <a:satOff val="0"/>
-              <a:lumOff val="0"/>
-              <a:alphaOff val="0"/>
-            </a:schemeClr>
-          </a:solidFill>
-          <a:prstDash val="solid"/>
-        </a:ln>
-        <a:effectLst/>
-      </dsp:spPr>
-      <dsp:style>
-        <a:lnRef idx="2">
-          <a:scrgbClr r="0" g="0" b="0"/>
-        </a:lnRef>
-        <a:fillRef idx="1">
-          <a:scrgbClr r="0" g="0" b="0"/>
-        </a:fillRef>
-        <a:effectRef idx="0">
-          <a:scrgbClr r="0" g="0" b="0"/>
-        </a:effectRef>
-        <a:fontRef idx="minor">
-          <a:schemeClr val="lt1"/>
-        </a:fontRef>
-      </dsp:style>
-      <dsp:txBody>
-        <a:bodyPr spcFirstLastPara="0" vert="horz" wrap="square" lIns="247650" tIns="247650" rIns="247650" bIns="247650" numCol="1" spcCol="1270" anchor="ctr" anchorCtr="0">
-          <a:noAutofit/>
-        </a:bodyPr>
-        <a:lstStyle/>
-        <a:p>
-          <a:pPr lvl="0" algn="l" defTabSz="2889250">
-            <a:lnSpc>
-              <a:spcPct val="90000"/>
-            </a:lnSpc>
-            <a:spcBef>
-              <a:spcPct val="0"/>
-            </a:spcBef>
-            <a:spcAft>
-              <a:spcPct val="35000"/>
-            </a:spcAft>
-          </a:pPr>
-          <a:r>
-            <a:rPr lang="en-US" sz="6500" kern="1200" dirty="0" smtClean="0"/>
-            <a:t> </a:t>
-          </a:r>
-          <a:endParaRPr lang="en-US" sz="6500" kern="1200" dirty="0"/>
-        </a:p>
-      </dsp:txBody>
-      <dsp:txXfrm>
-        <a:off x="1025876" y="159041"/>
-        <a:ext cx="3724002" cy="1709596"/>
-      </dsp:txXfrm>
-    </dsp:sp>
-    <dsp:sp modelId="{F412019C-E47A-465C-816F-304AD6E84017}">
-      <dsp:nvSpPr>
-        <dsp:cNvPr id="0" name=""/>
-        <dsp:cNvSpPr/>
-      </dsp:nvSpPr>
-      <dsp:spPr>
-        <a:xfrm>
-          <a:off x="999485" y="2125662"/>
-          <a:ext cx="5665640" cy="1815972"/>
-        </a:xfrm>
-        <a:prstGeom prst="roundRect">
-          <a:avLst>
-            <a:gd name="adj" fmla="val 10000"/>
-          </a:avLst>
-        </a:prstGeom>
-        <a:solidFill>
-          <a:schemeClr val="accent1">
-            <a:hueOff val="0"/>
-            <a:satOff val="0"/>
-            <a:lumOff val="0"/>
-            <a:alphaOff val="0"/>
-          </a:schemeClr>
-        </a:solidFill>
-        <a:ln w="25400" cap="flat" cmpd="sng" algn="ctr">
-          <a:solidFill>
-            <a:schemeClr val="lt1">
-              <a:hueOff val="0"/>
-              <a:satOff val="0"/>
-              <a:lumOff val="0"/>
-              <a:alphaOff val="0"/>
-            </a:schemeClr>
-          </a:solidFill>
-          <a:prstDash val="solid"/>
-        </a:ln>
-        <a:effectLst/>
-      </dsp:spPr>
-      <dsp:style>
-        <a:lnRef idx="2">
-          <a:scrgbClr r="0" g="0" b="0"/>
-        </a:lnRef>
-        <a:fillRef idx="1">
-          <a:scrgbClr r="0" g="0" b="0"/>
-        </a:fillRef>
-        <a:effectRef idx="0">
-          <a:scrgbClr r="0" g="0" b="0"/>
-        </a:effectRef>
-        <a:fontRef idx="minor">
-          <a:schemeClr val="lt1"/>
-        </a:fontRef>
-      </dsp:style>
-      <dsp:txBody>
-        <a:bodyPr spcFirstLastPara="0" vert="horz" wrap="square" lIns="247650" tIns="247650" rIns="247650" bIns="247650" numCol="1" spcCol="1270" anchor="ctr" anchorCtr="0">
-          <a:noAutofit/>
-        </a:bodyPr>
-        <a:lstStyle/>
-        <a:p>
-          <a:pPr lvl="0" algn="l" defTabSz="2889250">
-            <a:lnSpc>
-              <a:spcPct val="90000"/>
-            </a:lnSpc>
-            <a:spcBef>
-              <a:spcPct val="0"/>
-            </a:spcBef>
-            <a:spcAft>
-              <a:spcPct val="35000"/>
-            </a:spcAft>
-          </a:pPr>
-          <a:r>
-            <a:rPr lang="en-US" sz="6500" kern="1200" dirty="0" smtClean="0"/>
-            <a:t> </a:t>
-          </a:r>
-          <a:endParaRPr lang="en-US" sz="6500" kern="1200" dirty="0"/>
-        </a:p>
-      </dsp:txBody>
-      <dsp:txXfrm>
-        <a:off x="1052673" y="2178850"/>
-        <a:ext cx="3878913" cy="1709596"/>
-      </dsp:txXfrm>
-    </dsp:sp>
-    <dsp:sp modelId="{FE30DE2C-C7A2-4B15-8216-38B8E350332C}">
-      <dsp:nvSpPr>
-        <dsp:cNvPr id="0" name=""/>
-        <dsp:cNvSpPr/>
-      </dsp:nvSpPr>
-      <dsp:spPr>
-        <a:xfrm>
-          <a:off x="1006539" y="4237270"/>
-          <a:ext cx="5665357" cy="1815972"/>
-        </a:xfrm>
-        <a:prstGeom prst="roundRect">
-          <a:avLst>
-            <a:gd name="adj" fmla="val 10000"/>
-          </a:avLst>
-        </a:prstGeom>
-        <a:solidFill>
-          <a:schemeClr val="accent1">
-            <a:hueOff val="0"/>
-            <a:satOff val="0"/>
-            <a:lumOff val="0"/>
-            <a:alphaOff val="0"/>
-          </a:schemeClr>
-        </a:solidFill>
-        <a:ln w="25400" cap="flat" cmpd="sng" algn="ctr">
-          <a:solidFill>
-            <a:schemeClr val="lt1">
-              <a:hueOff val="0"/>
-              <a:satOff val="0"/>
-              <a:lumOff val="0"/>
-              <a:alphaOff val="0"/>
-            </a:schemeClr>
-          </a:solidFill>
-          <a:prstDash val="solid"/>
-        </a:ln>
-        <a:effectLst/>
-      </dsp:spPr>
-      <dsp:style>
-        <a:lnRef idx="2">
-          <a:scrgbClr r="0" g="0" b="0"/>
-        </a:lnRef>
-        <a:fillRef idx="1">
-          <a:scrgbClr r="0" g="0" b="0"/>
-        </a:fillRef>
-        <a:effectRef idx="0">
-          <a:scrgbClr r="0" g="0" b="0"/>
-        </a:effectRef>
-        <a:fontRef idx="minor">
-          <a:schemeClr val="lt1"/>
-        </a:fontRef>
-      </dsp:style>
-      <dsp:txBody>
-        <a:bodyPr spcFirstLastPara="0" vert="horz" wrap="square" lIns="247650" tIns="247650" rIns="247650" bIns="247650" numCol="1" spcCol="1270" anchor="ctr" anchorCtr="0">
-          <a:noAutofit/>
-        </a:bodyPr>
-        <a:lstStyle/>
-        <a:p>
-          <a:pPr lvl="0" algn="l" defTabSz="2889250">
-            <a:lnSpc>
-              <a:spcPct val="90000"/>
-            </a:lnSpc>
-            <a:spcBef>
-              <a:spcPct val="0"/>
-            </a:spcBef>
-            <a:spcAft>
-              <a:spcPct val="35000"/>
-            </a:spcAft>
-          </a:pPr>
-          <a:r>
-            <a:rPr lang="en-US" sz="6500" kern="1200" dirty="0" smtClean="0"/>
-            <a:t> </a:t>
-          </a:r>
-          <a:endParaRPr lang="en-US" sz="6500" kern="1200" dirty="0"/>
-        </a:p>
-      </dsp:txBody>
-      <dsp:txXfrm>
-        <a:off x="1059727" y="4290458"/>
-        <a:ext cx="3878714" cy="1709596"/>
-      </dsp:txXfrm>
-    </dsp:sp>
-    <dsp:sp modelId="{61599C62-4F73-4153-9B6B-7FC5AE26CD6E}">
-      <dsp:nvSpPr>
-        <dsp:cNvPr id="0" name=""/>
-        <dsp:cNvSpPr/>
-      </dsp:nvSpPr>
-      <dsp:spPr>
-        <a:xfrm>
-          <a:off x="4921769" y="1371600"/>
-          <a:ext cx="1180382" cy="1180382"/>
-        </a:xfrm>
-        <a:prstGeom prst="downArrow">
-          <a:avLst>
-            <a:gd name="adj1" fmla="val 55000"/>
-            <a:gd name="adj2" fmla="val 45000"/>
-          </a:avLst>
-        </a:prstGeom>
-        <a:solidFill>
-          <a:schemeClr val="accent1">
-            <a:alpha val="90000"/>
-            <a:tint val="40000"/>
-            <a:hueOff val="0"/>
-            <a:satOff val="0"/>
-            <a:lumOff val="0"/>
-            <a:alphaOff val="0"/>
-          </a:schemeClr>
-        </a:solidFill>
-        <a:ln w="25400" cap="flat" cmpd="sng" algn="ctr">
-          <a:solidFill>
-            <a:schemeClr val="accent1">
-              <a:alpha val="90000"/>
-              <a:tint val="40000"/>
-              <a:hueOff val="0"/>
-              <a:satOff val="0"/>
-              <a:lumOff val="0"/>
-              <a:alphaOff val="0"/>
-            </a:schemeClr>
-          </a:solidFill>
-          <a:prstDash val="solid"/>
-        </a:ln>
-        <a:effectLst/>
-      </dsp:spPr>
-      <dsp:style>
-        <a:lnRef idx="2">
-          <a:scrgbClr r="0" g="0" b="0"/>
-        </a:lnRef>
-        <a:fillRef idx="1">
-          <a:scrgbClr r="0" g="0" b="0"/>
-        </a:fillRef>
-        <a:effectRef idx="0">
-          <a:scrgbClr r="0" g="0" b="0"/>
-        </a:effectRef>
-        <a:fontRef idx="minor"/>
-      </dsp:style>
-      <dsp:txBody>
-        <a:bodyPr spcFirstLastPara="0" vert="horz" wrap="square" lIns="45720" tIns="45720" rIns="45720" bIns="45720" numCol="1" spcCol="1270" anchor="ctr" anchorCtr="0">
-          <a:noAutofit/>
-        </a:bodyPr>
-        <a:lstStyle/>
-        <a:p>
-          <a:pPr lvl="0" algn="ctr" defTabSz="1600200">
-            <a:lnSpc>
-              <a:spcPct val="90000"/>
-            </a:lnSpc>
-            <a:spcBef>
-              <a:spcPct val="0"/>
-            </a:spcBef>
-            <a:spcAft>
-              <a:spcPct val="35000"/>
-            </a:spcAft>
-          </a:pPr>
-          <a:endParaRPr lang="en-US" sz="3600" kern="1200"/>
-        </a:p>
-      </dsp:txBody>
-      <dsp:txXfrm>
-        <a:off x="5187355" y="1371600"/>
-        <a:ext cx="649210" cy="888237"/>
-      </dsp:txXfrm>
-    </dsp:sp>
-    <dsp:sp modelId="{4501A95C-C412-4557-AD87-F88243C736DA}">
-      <dsp:nvSpPr>
-        <dsp:cNvPr id="0" name=""/>
-        <dsp:cNvSpPr/>
-      </dsp:nvSpPr>
-      <dsp:spPr>
-        <a:xfrm>
-          <a:off x="4991629" y="3429001"/>
-          <a:ext cx="1180382" cy="1180382"/>
-        </a:xfrm>
-        <a:prstGeom prst="downArrow">
-          <a:avLst>
-            <a:gd name="adj1" fmla="val 55000"/>
-            <a:gd name="adj2" fmla="val 45000"/>
-          </a:avLst>
-        </a:prstGeom>
-        <a:solidFill>
-          <a:schemeClr val="accent1">
-            <a:alpha val="90000"/>
-            <a:tint val="40000"/>
-            <a:hueOff val="0"/>
-            <a:satOff val="0"/>
-            <a:lumOff val="0"/>
-            <a:alphaOff val="0"/>
-          </a:schemeClr>
-        </a:solidFill>
-        <a:ln w="25400" cap="flat" cmpd="sng" algn="ctr">
-          <a:solidFill>
-            <a:schemeClr val="accent1">
-              <a:alpha val="90000"/>
-              <a:tint val="40000"/>
-              <a:hueOff val="0"/>
-              <a:satOff val="0"/>
-              <a:lumOff val="0"/>
-              <a:alphaOff val="0"/>
-            </a:schemeClr>
-          </a:solidFill>
-          <a:prstDash val="solid"/>
-        </a:ln>
-        <a:effectLst/>
-      </dsp:spPr>
-      <dsp:style>
-        <a:lnRef idx="2">
-          <a:scrgbClr r="0" g="0" b="0"/>
-        </a:lnRef>
-        <a:fillRef idx="1">
-          <a:scrgbClr r="0" g="0" b="0"/>
-        </a:fillRef>
-        <a:effectRef idx="0">
-          <a:scrgbClr r="0" g="0" b="0"/>
-        </a:effectRef>
-        <a:fontRef idx="minor"/>
-      </dsp:style>
-      <dsp:txBody>
-        <a:bodyPr spcFirstLastPara="0" vert="horz" wrap="square" lIns="45720" tIns="45720" rIns="45720" bIns="45720" numCol="1" spcCol="1270" anchor="ctr" anchorCtr="0">
-          <a:noAutofit/>
-        </a:bodyPr>
-        <a:lstStyle/>
-        <a:p>
-          <a:pPr lvl="0" algn="ctr" defTabSz="1600200">
-            <a:lnSpc>
-              <a:spcPct val="90000"/>
-            </a:lnSpc>
-            <a:spcBef>
-              <a:spcPct val="0"/>
-            </a:spcBef>
-            <a:spcAft>
-              <a:spcPct val="35000"/>
-            </a:spcAft>
-          </a:pPr>
-          <a:endParaRPr lang="en-US" sz="3600" kern="1200" dirty="0"/>
-        </a:p>
-      </dsp:txBody>
-      <dsp:txXfrm>
-        <a:off x="5257215" y="3429001"/>
-        <a:ext cx="649210" cy="888237"/>
-      </dsp:txXfrm>
-    </dsp:sp>
   </dsp:spTree>
 </dsp:drawing>
 </file>
@@ -19905,13 +19512,15 @@
         <p:spPr>
           <a:xfrm>
             <a:off x="0" y="1219200"/>
-            <a:ext cx="1828800" cy="3657600"/>
+            <a:ext cx="1828800" cy="548640"/>
           </a:xfrm>
           <a:prstGeom prst="rect">
             <a:avLst/>
           </a:prstGeom>
           <a:solidFill>
-            <a:srgbClr val="7030A0"/>
+            <a:schemeClr val="bg1">
+              <a:lumMod val="50000"/>
+            </a:schemeClr>
           </a:solidFill>
           <a:ln>
             <a:noFill/>
@@ -19946,14 +19555,124 @@
       </p:sp>
       <p:sp>
         <p:nvSpPr>
-          <p:cNvPr id="17" name="TextBox 16"/>
+          <p:cNvPr id="13" name="Rectangle 12"/>
+          <p:cNvSpPr/>
+          <p:nvPr/>
+        </p:nvSpPr>
+        <p:spPr>
+          <a:xfrm>
+            <a:off x="0" y="2316480"/>
+            <a:ext cx="1828800" cy="548640"/>
+          </a:xfrm>
+          <a:prstGeom prst="rect">
+            <a:avLst/>
+          </a:prstGeom>
+          <a:solidFill>
+            <a:schemeClr val="bg1">
+              <a:lumMod val="95000"/>
+            </a:schemeClr>
+          </a:solidFill>
+          <a:ln>
+            <a:noFill/>
+          </a:ln>
+        </p:spPr>
+        <p:style>
+          <a:lnRef idx="2">
+            <a:schemeClr val="accent1">
+              <a:shade val="50000"/>
+            </a:schemeClr>
+          </a:lnRef>
+          <a:fillRef idx="1">
+            <a:schemeClr val="accent1"/>
+          </a:fillRef>
+          <a:effectRef idx="0">
+            <a:schemeClr val="accent1"/>
+          </a:effectRef>
+          <a:fontRef idx="minor">
+            <a:schemeClr val="lt1"/>
+          </a:fontRef>
+        </p:style>
+        <p:txBody>
+          <a:bodyPr lIns="822960" rtlCol="0" anchor="ctr"/>
+          <a:lstStyle/>
+          <a:p>
+            <a:endParaRPr lang="en-US" sz="2400" dirty="0">
+              <a:solidFill>
+                <a:schemeClr val="tx1">
+                  <a:lumMod val="75000"/>
+                  <a:lumOff val="25000"/>
+                </a:schemeClr>
+              </a:solidFill>
+              <a:latin typeface="Segoe UI Light" pitchFamily="34" charset="0"/>
+              <a:cs typeface="Segoe UI Light" pitchFamily="34" charset="0"/>
+            </a:endParaRPr>
+          </a:p>
+        </p:txBody>
+      </p:sp>
+      <p:sp>
+        <p:nvSpPr>
+          <p:cNvPr id="14" name="Rectangle 13"/>
+          <p:cNvSpPr/>
+          <p:nvPr/>
+        </p:nvSpPr>
+        <p:spPr>
+          <a:xfrm>
+            <a:off x="0" y="1753925"/>
+            <a:ext cx="1828800" cy="397431"/>
+          </a:xfrm>
+          <a:prstGeom prst="rect">
+            <a:avLst/>
+          </a:prstGeom>
+          <a:solidFill>
+            <a:srgbClr val="7030A0"/>
+          </a:solidFill>
+          <a:ln>
+            <a:noFill/>
+          </a:ln>
+        </p:spPr>
+        <p:style>
+          <a:lnRef idx="2">
+            <a:schemeClr val="accent1">
+              <a:shade val="50000"/>
+            </a:schemeClr>
+          </a:lnRef>
+          <a:fillRef idx="1">
+            <a:schemeClr val="accent1"/>
+          </a:fillRef>
+          <a:effectRef idx="0">
+            <a:schemeClr val="accent1"/>
+          </a:effectRef>
+          <a:fontRef idx="minor">
+            <a:schemeClr val="lt1"/>
+          </a:fontRef>
+        </p:style>
+        <p:txBody>
+          <a:bodyPr lIns="822960" rtlCol="0" anchor="ctr"/>
+          <a:lstStyle/>
+          <a:p>
+            <a:endParaRPr lang="en-US" sz="2400" dirty="0">
+              <a:solidFill>
+                <a:schemeClr val="tx1">
+                  <a:lumMod val="75000"/>
+                  <a:lumOff val="25000"/>
+                </a:schemeClr>
+              </a:solidFill>
+              <a:latin typeface="Segoe UI Light" pitchFamily="34" charset="0"/>
+              <a:cs typeface="Segoe UI Light" pitchFamily="34" charset="0"/>
+            </a:endParaRPr>
+          </a:p>
+        </p:txBody>
+      </p:sp>
+      <p:sp>
+        <p:nvSpPr>
+          <p:cNvPr id="18" name="TextBox 17"/>
           <p:cNvSpPr txBox="1"/>
           <p:nvPr/>
         </p:nvSpPr>
         <p:spPr>
           <a:xfrm>
-            <a:off x="2362200" y="1056620"/>
-            <a:ext cx="5867400" cy="3785652"/>
+            <a:off x="2019300" y="706011"/>
+            <a:ext cx="3238500" cy="2277547"/>
           </a:xfrm>
           <a:prstGeom prst="rect">
             <a:avLst/>
@@ -19966,127 +19685,154 @@
           </a:bodyPr>
           <a:lstStyle/>
           <a:p>
-            <a:pPr marL="457200" indent="-457200">
-              <a:buFont typeface="+mj-lt"/>
-              <a:buAutoNum type="arabicPeriod"/>
+            <a:pPr marL="625475" indent="-396875">
+              <a:spcBef>
+                <a:spcPts val="1200"/>
+              </a:spcBef>
+              <a:buClr>
+                <a:srgbClr val="7030A0"/>
+              </a:buClr>
+              <a:buFont typeface="Segoe UI Light" pitchFamily="34" charset="0"/>
+              <a:buChar char="■"/>
             </a:pPr>
             <a:r>
-              <a:rPr lang="en-US" sz="4000" b="1" dirty="0" smtClean="0">
+              <a:rPr lang="en-US" dirty="0" smtClean="0">
                 <a:solidFill>
-                  <a:srgbClr val="7030A0"/>
+                  <a:schemeClr val="tx1">
+                    <a:lumMod val="75000"/>
+                    <a:lumOff val="25000"/>
+                  </a:schemeClr>
                 </a:solidFill>
                 <a:latin typeface="Segoe UI Light" pitchFamily="34" charset="0"/>
                 <a:cs typeface="Segoe UI Light" pitchFamily="34" charset="0"/>
               </a:rPr>
-              <a:t>Introduction</a:t>
-            </a:r>
-          </a:p>
-          <a:p>
-            <a:pPr marL="457200" indent="-457200">
-              <a:buFont typeface="+mj-lt"/>
-              <a:buAutoNum type="arabicPeriod"/>
+              <a:t>Lê Khôi Phong</a:t>
+            </a:r>
+          </a:p>
+          <a:p>
+            <a:pPr marL="514350" indent="-285750">
+              <a:spcBef>
+                <a:spcPts val="1200"/>
+              </a:spcBef>
+              <a:buClr>
+                <a:srgbClr val="7030A0"/>
+              </a:buClr>
+              <a:buFont typeface="Wingdings" pitchFamily="2" charset="2"/>
+              <a:buChar char="§"/>
             </a:pPr>
             <a:r>
-              <a:rPr lang="en-US" sz="4000" b="1" dirty="0" smtClean="0">
+              <a:rPr lang="en-US" sz="1600" dirty="0" smtClean="0">
                 <a:solidFill>
-                  <a:srgbClr val="7030A0"/>
+                  <a:schemeClr val="tx1">
+                    <a:lumMod val="75000"/>
+                    <a:lumOff val="25000"/>
+                  </a:schemeClr>
                 </a:solidFill>
                 <a:latin typeface="Segoe UI Light" pitchFamily="34" charset="0"/>
                 <a:cs typeface="Segoe UI Light" pitchFamily="34" charset="0"/>
               </a:rPr>
-              <a:t>Drop It Project</a:t>
-            </a:r>
-            <a:endParaRPr lang="en-US" sz="4000" b="1" dirty="0">
+              <a:t>Project Leader</a:t>
+            </a:r>
+          </a:p>
+          <a:p>
+            <a:pPr marL="514350" indent="-285750">
+              <a:spcBef>
+                <a:spcPts val="1200"/>
+              </a:spcBef>
+              <a:buClr>
+                <a:srgbClr val="7030A0"/>
+              </a:buClr>
+              <a:buFont typeface="Wingdings" pitchFamily="2" charset="2"/>
+              <a:buChar char="§"/>
+            </a:pPr>
+            <a:r>
+              <a:rPr lang="en-US" sz="1600" dirty="0" smtClean="0">
+                <a:solidFill>
+                  <a:schemeClr val="tx1">
+                    <a:lumMod val="75000"/>
+                    <a:lumOff val="25000"/>
+                  </a:schemeClr>
+                </a:solidFill>
+                <a:latin typeface="Segoe UI Light" pitchFamily="34" charset="0"/>
+                <a:cs typeface="Segoe UI Light" pitchFamily="34" charset="0"/>
+              </a:rPr>
+              <a:t>Technical Leader</a:t>
+            </a:r>
+          </a:p>
+          <a:p>
+            <a:pPr marL="514350" indent="-285750">
+              <a:spcBef>
+                <a:spcPts val="1200"/>
+              </a:spcBef>
+              <a:buClr>
+                <a:srgbClr val="7030A0"/>
+              </a:buClr>
+              <a:buFont typeface="Wingdings" pitchFamily="2" charset="2"/>
+              <a:buChar char="§"/>
+            </a:pPr>
+            <a:r>
+              <a:rPr lang="en-US" sz="1600" dirty="0" smtClean="0">
+                <a:solidFill>
+                  <a:schemeClr val="tx1">
+                    <a:lumMod val="75000"/>
+                    <a:lumOff val="25000"/>
+                  </a:schemeClr>
+                </a:solidFill>
+                <a:latin typeface="Segoe UI Light" pitchFamily="34" charset="0"/>
+                <a:cs typeface="Segoe UI Light" pitchFamily="34" charset="0"/>
+              </a:rPr>
+              <a:t>Developer</a:t>
+            </a:r>
+          </a:p>
+          <a:p>
+            <a:pPr marL="514350" indent="-285750">
+              <a:spcBef>
+                <a:spcPts val="1200"/>
+              </a:spcBef>
+              <a:buClr>
+                <a:srgbClr val="7030A0"/>
+              </a:buClr>
+              <a:buFont typeface="Wingdings" pitchFamily="2" charset="2"/>
+              <a:buChar char="§"/>
+            </a:pPr>
+            <a:r>
+              <a:rPr lang="en-US" sz="1600" dirty="0" smtClean="0">
+                <a:solidFill>
+                  <a:schemeClr val="tx1">
+                    <a:lumMod val="75000"/>
+                    <a:lumOff val="25000"/>
+                  </a:schemeClr>
+                </a:solidFill>
+                <a:latin typeface="Segoe UI Light" pitchFamily="34" charset="0"/>
+                <a:cs typeface="Segoe UI Light" pitchFamily="34" charset="0"/>
+              </a:rPr>
+              <a:t>Tester</a:t>
+            </a:r>
+            <a:endParaRPr lang="en-US" sz="1600" dirty="0">
               <a:solidFill>
-                <a:srgbClr val="7030A0"/>
+                <a:schemeClr val="tx1">
+                  <a:lumMod val="75000"/>
+                  <a:lumOff val="25000"/>
+                </a:schemeClr>
               </a:solidFill>
               <a:latin typeface="Segoe UI Light" pitchFamily="34" charset="0"/>
               <a:cs typeface="Segoe UI Light" pitchFamily="34" charset="0"/>
             </a:endParaRPr>
           </a:p>
           <a:p>
-            <a:pPr marL="457200" indent="-457200">
-              <a:buFont typeface="+mj-lt"/>
-              <a:buAutoNum type="arabicPeriod"/>
+            <a:pPr marL="625475" indent="-396875">
+              <a:buClr>
+                <a:srgbClr val="7030A0"/>
+              </a:buClr>
+              <a:buFont typeface="Segoe UI Light" pitchFamily="34" charset="0"/>
+              <a:buChar char="■"/>
             </a:pPr>
-            <a:r>
-              <a:rPr lang="en-US" sz="4000" b="1" dirty="0">
-                <a:solidFill>
-                  <a:srgbClr val="7030A0"/>
-                </a:solidFill>
-                <a:latin typeface="Segoe UI Light" pitchFamily="34" charset="0"/>
-                <a:cs typeface="Segoe UI Light" pitchFamily="34" charset="0"/>
-              </a:rPr>
-              <a:t>Technologies &amp; Tools</a:t>
-            </a:r>
-          </a:p>
-          <a:p>
-            <a:pPr marL="457200" indent="-457200">
-              <a:buFont typeface="+mj-lt"/>
-              <a:buAutoNum type="arabicPeriod"/>
-            </a:pPr>
-            <a:r>
-              <a:rPr lang="en-US" sz="4000" b="1" dirty="0" smtClean="0">
-                <a:solidFill>
-                  <a:srgbClr val="7030A0"/>
-                </a:solidFill>
-                <a:latin typeface="Segoe UI Light" pitchFamily="34" charset="0"/>
-                <a:cs typeface="Segoe UI Light" pitchFamily="34" charset="0"/>
-              </a:rPr>
-              <a:t>Demo</a:t>
-            </a:r>
-            <a:endParaRPr lang="en-US" sz="4000" b="1" dirty="0">
+            <a:endParaRPr lang="en-US" sz="2000" dirty="0">
               <a:solidFill>
-                <a:srgbClr val="7030A0"/>
-              </a:solidFill>
-              <a:latin typeface="Segoe UI Light" pitchFamily="34" charset="0"/>
-              <a:cs typeface="Segoe UI Light" pitchFamily="34" charset="0"/>
-            </a:endParaRPr>
-          </a:p>
-          <a:p>
-            <a:pPr marL="457200" indent="-457200">
-              <a:buFont typeface="+mj-lt"/>
-              <a:buAutoNum type="arabicPeriod"/>
-            </a:pPr>
-            <a:r>
-              <a:rPr lang="en-US" sz="4000" b="1" dirty="0">
-                <a:solidFill>
-                  <a:srgbClr val="7030A0"/>
-                </a:solidFill>
-                <a:latin typeface="Segoe UI Light" pitchFamily="34" charset="0"/>
-                <a:cs typeface="Segoe UI Light" pitchFamily="34" charset="0"/>
-              </a:rPr>
-              <a:t>Disadvantages &amp; </a:t>
-            </a:r>
-            <a:r>
-              <a:rPr lang="en-US" sz="4000" b="1" dirty="0" smtClean="0">
-                <a:solidFill>
-                  <a:srgbClr val="7030A0"/>
-                </a:solidFill>
-                <a:latin typeface="Segoe UI Light" pitchFamily="34" charset="0"/>
-                <a:cs typeface="Segoe UI Light" pitchFamily="34" charset="0"/>
-              </a:rPr>
-              <a:t>Future</a:t>
-            </a:r>
-          </a:p>
-          <a:p>
-            <a:pPr marL="457200" indent="-457200">
-              <a:buFont typeface="+mj-lt"/>
-              <a:buAutoNum type="arabicPeriod"/>
-            </a:pPr>
-            <a:r>
-              <a:rPr lang="en-US" sz="4000" b="1" dirty="0" smtClean="0">
-                <a:solidFill>
-                  <a:srgbClr val="7030A0"/>
-                </a:solidFill>
-                <a:latin typeface="Segoe UI Light" pitchFamily="34" charset="0"/>
-                <a:cs typeface="Segoe UI Light" pitchFamily="34" charset="0"/>
-              </a:rPr>
-              <a:t>Q&amp;A</a:t>
-            </a:r>
-            <a:endParaRPr lang="en-US" sz="4000" b="1" dirty="0">
-              <a:solidFill>
-                <a:srgbClr val="7030A0"/>
+                <a:schemeClr val="tx1">
+                  <a:lumMod val="75000"/>
+                  <a:lumOff val="25000"/>
+                </a:schemeClr>
               </a:solidFill>
               <a:latin typeface="Segoe UI Light" pitchFamily="34" charset="0"/>
               <a:cs typeface="Segoe UI Light" pitchFamily="34" charset="0"/>
@@ -20143,8 +19889,8 @@
         </p:nvSpPr>
         <p:spPr>
           <a:xfrm>
-            <a:off x="119999" y="2637813"/>
-            <a:ext cx="1588801" cy="523220"/>
+            <a:off x="3313" y="1307471"/>
+            <a:ext cx="1749287" cy="430887"/>
           </a:xfrm>
           <a:prstGeom prst="rect">
             <a:avLst/>
@@ -20158,21 +19904,28 @@
           <a:lstStyle/>
           <a:p>
             <a:r>
-              <a:rPr lang="en-US" sz="2800" dirty="0">
+              <a:rPr lang="en-US" sz="2200" dirty="0" smtClean="0">
                 <a:solidFill>
                   <a:schemeClr val="bg1"/>
                 </a:solidFill>
                 <a:latin typeface="Segoe UI Light" pitchFamily="34" charset="0"/>
                 <a:cs typeface="Segoe UI Light" pitchFamily="34" charset="0"/>
               </a:rPr>
-              <a:t>Contents</a:t>
-            </a:r>
-          </a:p>
-        </p:txBody>
-      </p:sp>
-      <p:sp>
-        <p:nvSpPr>
-          <p:cNvPr id="19" name="TextBox 18"/>
+              <a:t>Introduction</a:t>
+            </a:r>
+            <a:endParaRPr lang="en-US" sz="2200" dirty="0">
+              <a:solidFill>
+                <a:schemeClr val="bg1"/>
+              </a:solidFill>
+              <a:latin typeface="Segoe UI Light" pitchFamily="34" charset="0"/>
+              <a:cs typeface="Segoe UI Light" pitchFamily="34" charset="0"/>
+            </a:endParaRPr>
+          </a:p>
+        </p:txBody>
+      </p:sp>
+      <p:sp>
+        <p:nvSpPr>
+          <p:cNvPr id="22" name="TextBox 21"/>
           <p:cNvSpPr txBox="1"/>
           <p:nvPr/>
         </p:nvSpPr>
@@ -20228,10 +19981,942 @@
           </a:p>
         </p:txBody>
       </p:sp>
+      <p:sp>
+        <p:nvSpPr>
+          <p:cNvPr id="6" name="TextBox 5"/>
+          <p:cNvSpPr txBox="1"/>
+          <p:nvPr/>
+        </p:nvSpPr>
+        <p:spPr>
+          <a:xfrm>
+            <a:off x="3313" y="1798751"/>
+            <a:ext cx="1736697" cy="369332"/>
+          </a:xfrm>
+          <a:prstGeom prst="rect">
+            <a:avLst/>
+          </a:prstGeom>
+          <a:noFill/>
+        </p:spPr>
+        <p:txBody>
+          <a:bodyPr wrap="square" rtlCol="0">
+            <a:spAutoFit/>
+          </a:bodyPr>
+          <a:lstStyle/>
+          <a:p>
+            <a:pPr marL="285750" indent="-285750">
+              <a:buFont typeface="Wingdings" pitchFamily="2" charset="2"/>
+              <a:buChar char="Ø"/>
+            </a:pPr>
+            <a:r>
+              <a:rPr lang="en-US" dirty="0">
+                <a:solidFill>
+                  <a:schemeClr val="bg1"/>
+                </a:solidFill>
+                <a:latin typeface="Segoe UI Light" pitchFamily="34" charset="0"/>
+                <a:cs typeface="Segoe UI Light" pitchFamily="34" charset="0"/>
+              </a:rPr>
+              <a:t>The People</a:t>
+            </a:r>
+          </a:p>
+        </p:txBody>
+      </p:sp>
+      <p:sp>
+        <p:nvSpPr>
+          <p:cNvPr id="23" name="Rectangle 22"/>
+          <p:cNvSpPr/>
+          <p:nvPr/>
+        </p:nvSpPr>
+        <p:spPr>
+          <a:xfrm>
+            <a:off x="0" y="2151356"/>
+            <a:ext cx="1828800" cy="397431"/>
+          </a:xfrm>
+          <a:prstGeom prst="rect">
+            <a:avLst/>
+          </a:prstGeom>
+          <a:solidFill>
+            <a:schemeClr val="bg1">
+              <a:lumMod val="50000"/>
+            </a:schemeClr>
+          </a:solidFill>
+          <a:ln>
+            <a:noFill/>
+          </a:ln>
+        </p:spPr>
+        <p:style>
+          <a:lnRef idx="2">
+            <a:schemeClr val="accent1">
+              <a:shade val="50000"/>
+            </a:schemeClr>
+          </a:lnRef>
+          <a:fillRef idx="1">
+            <a:schemeClr val="accent1"/>
+          </a:fillRef>
+          <a:effectRef idx="0">
+            <a:schemeClr val="accent1"/>
+          </a:effectRef>
+          <a:fontRef idx="minor">
+            <a:schemeClr val="lt1"/>
+          </a:fontRef>
+        </p:style>
+        <p:txBody>
+          <a:bodyPr lIns="822960" rtlCol="0" anchor="ctr"/>
+          <a:lstStyle/>
+          <a:p>
+            <a:endParaRPr lang="en-US" sz="2400" dirty="0">
+              <a:solidFill>
+                <a:schemeClr val="tx1">
+                  <a:lumMod val="75000"/>
+                  <a:lumOff val="25000"/>
+                </a:schemeClr>
+              </a:solidFill>
+              <a:latin typeface="Segoe UI Light" pitchFamily="34" charset="0"/>
+              <a:cs typeface="Segoe UI Light" pitchFamily="34" charset="0"/>
+            </a:endParaRPr>
+          </a:p>
+        </p:txBody>
+      </p:sp>
+      <p:sp>
+        <p:nvSpPr>
+          <p:cNvPr id="25" name="Rectangle 24"/>
+          <p:cNvSpPr/>
+          <p:nvPr/>
+        </p:nvSpPr>
+        <p:spPr>
+          <a:xfrm>
+            <a:off x="0" y="2548787"/>
+            <a:ext cx="1828800" cy="397431"/>
+          </a:xfrm>
+          <a:prstGeom prst="rect">
+            <a:avLst/>
+          </a:prstGeom>
+          <a:solidFill>
+            <a:schemeClr val="bg1">
+              <a:lumMod val="50000"/>
+            </a:schemeClr>
+          </a:solidFill>
+          <a:ln>
+            <a:noFill/>
+          </a:ln>
+        </p:spPr>
+        <p:style>
+          <a:lnRef idx="2">
+            <a:schemeClr val="accent1">
+              <a:shade val="50000"/>
+            </a:schemeClr>
+          </a:lnRef>
+          <a:fillRef idx="1">
+            <a:schemeClr val="accent1"/>
+          </a:fillRef>
+          <a:effectRef idx="0">
+            <a:schemeClr val="accent1"/>
+          </a:effectRef>
+          <a:fontRef idx="minor">
+            <a:schemeClr val="lt1"/>
+          </a:fontRef>
+        </p:style>
+        <p:txBody>
+          <a:bodyPr lIns="822960" rtlCol="0" anchor="ctr"/>
+          <a:lstStyle/>
+          <a:p>
+            <a:endParaRPr lang="en-US" sz="2400" dirty="0">
+              <a:solidFill>
+                <a:schemeClr val="tx1">
+                  <a:lumMod val="75000"/>
+                  <a:lumOff val="25000"/>
+                </a:schemeClr>
+              </a:solidFill>
+              <a:latin typeface="Segoe UI Light" pitchFamily="34" charset="0"/>
+              <a:cs typeface="Segoe UI Light" pitchFamily="34" charset="0"/>
+            </a:endParaRPr>
+          </a:p>
+        </p:txBody>
+      </p:sp>
+      <p:sp>
+        <p:nvSpPr>
+          <p:cNvPr id="26" name="Rectangle 25"/>
+          <p:cNvSpPr/>
+          <p:nvPr/>
+        </p:nvSpPr>
+        <p:spPr>
+          <a:xfrm>
+            <a:off x="3313" y="2946218"/>
+            <a:ext cx="1828800" cy="397431"/>
+          </a:xfrm>
+          <a:prstGeom prst="rect">
+            <a:avLst/>
+          </a:prstGeom>
+          <a:solidFill>
+            <a:schemeClr val="bg1">
+              <a:lumMod val="50000"/>
+            </a:schemeClr>
+          </a:solidFill>
+          <a:ln>
+            <a:noFill/>
+          </a:ln>
+        </p:spPr>
+        <p:style>
+          <a:lnRef idx="2">
+            <a:schemeClr val="accent1">
+              <a:shade val="50000"/>
+            </a:schemeClr>
+          </a:lnRef>
+          <a:fillRef idx="1">
+            <a:schemeClr val="accent1"/>
+          </a:fillRef>
+          <a:effectRef idx="0">
+            <a:schemeClr val="accent1"/>
+          </a:effectRef>
+          <a:fontRef idx="minor">
+            <a:schemeClr val="lt1"/>
+          </a:fontRef>
+        </p:style>
+        <p:txBody>
+          <a:bodyPr lIns="822960" rtlCol="0" anchor="ctr"/>
+          <a:lstStyle/>
+          <a:p>
+            <a:endParaRPr lang="en-US" sz="2400" dirty="0">
+              <a:solidFill>
+                <a:schemeClr val="tx1">
+                  <a:lumMod val="75000"/>
+                  <a:lumOff val="25000"/>
+                </a:schemeClr>
+              </a:solidFill>
+              <a:latin typeface="Segoe UI Light" pitchFamily="34" charset="0"/>
+              <a:cs typeface="Segoe UI Light" pitchFamily="34" charset="0"/>
+            </a:endParaRPr>
+          </a:p>
+        </p:txBody>
+      </p:sp>
+      <p:sp>
+        <p:nvSpPr>
+          <p:cNvPr id="28" name="TextBox 27"/>
+          <p:cNvSpPr txBox="1"/>
+          <p:nvPr/>
+        </p:nvSpPr>
+        <p:spPr>
+          <a:xfrm>
+            <a:off x="3313" y="2196182"/>
+            <a:ext cx="1749287" cy="369332"/>
+          </a:xfrm>
+          <a:prstGeom prst="rect">
+            <a:avLst/>
+          </a:prstGeom>
+          <a:noFill/>
+        </p:spPr>
+        <p:txBody>
+          <a:bodyPr wrap="square" rtlCol="0">
+            <a:spAutoFit/>
+          </a:bodyPr>
+          <a:lstStyle/>
+          <a:p>
+            <a:pPr marL="285750" indent="-285750">
+              <a:buFont typeface="Wingdings" pitchFamily="2" charset="2"/>
+              <a:buChar char="Ø"/>
+            </a:pPr>
+            <a:r>
+              <a:rPr lang="en-US" dirty="0">
+                <a:solidFill>
+                  <a:schemeClr val="bg1"/>
+                </a:solidFill>
+                <a:latin typeface="Segoe UI Light" pitchFamily="34" charset="0"/>
+                <a:cs typeface="Segoe UI Light" pitchFamily="34" charset="0"/>
+              </a:rPr>
+              <a:t>Ticket.St</a:t>
+            </a:r>
+          </a:p>
+        </p:txBody>
+      </p:sp>
+      <p:sp>
+        <p:nvSpPr>
+          <p:cNvPr id="29" name="TextBox 28"/>
+          <p:cNvSpPr txBox="1"/>
+          <p:nvPr/>
+        </p:nvSpPr>
+        <p:spPr>
+          <a:xfrm>
+            <a:off x="3313" y="2593613"/>
+            <a:ext cx="1749287" cy="369332"/>
+          </a:xfrm>
+          <a:prstGeom prst="rect">
+            <a:avLst/>
+          </a:prstGeom>
+          <a:noFill/>
+        </p:spPr>
+        <p:txBody>
+          <a:bodyPr wrap="square" rtlCol="0">
+            <a:spAutoFit/>
+          </a:bodyPr>
+          <a:lstStyle/>
+          <a:p>
+            <a:pPr marL="285750" indent="-285750">
+              <a:buFont typeface="Wingdings" pitchFamily="2" charset="2"/>
+              <a:buChar char="Ø"/>
+            </a:pPr>
+            <a:r>
+              <a:rPr lang="en-US" dirty="0">
+                <a:solidFill>
+                  <a:schemeClr val="bg1"/>
+                </a:solidFill>
+                <a:latin typeface="Segoe UI Light" pitchFamily="34" charset="0"/>
+                <a:cs typeface="Segoe UI Light" pitchFamily="34" charset="0"/>
+              </a:rPr>
+              <a:t>Problem</a:t>
+            </a:r>
+          </a:p>
+        </p:txBody>
+      </p:sp>
+      <p:sp>
+        <p:nvSpPr>
+          <p:cNvPr id="31" name="TextBox 30"/>
+          <p:cNvSpPr txBox="1"/>
+          <p:nvPr/>
+        </p:nvSpPr>
+        <p:spPr>
+          <a:xfrm>
+            <a:off x="3313" y="2971425"/>
+            <a:ext cx="1749287" cy="369332"/>
+          </a:xfrm>
+          <a:prstGeom prst="rect">
+            <a:avLst/>
+          </a:prstGeom>
+          <a:noFill/>
+        </p:spPr>
+        <p:txBody>
+          <a:bodyPr wrap="square" rtlCol="0">
+            <a:spAutoFit/>
+          </a:bodyPr>
+          <a:lstStyle/>
+          <a:p>
+            <a:pPr marL="285750" indent="-285750">
+              <a:buFont typeface="Wingdings" pitchFamily="2" charset="2"/>
+              <a:buChar char="Ø"/>
+            </a:pPr>
+            <a:r>
+              <a:rPr lang="en-US" dirty="0">
+                <a:solidFill>
+                  <a:schemeClr val="bg1"/>
+                </a:solidFill>
+                <a:latin typeface="Segoe UI Light" pitchFamily="34" charset="0"/>
+                <a:cs typeface="Segoe UI Light" pitchFamily="34" charset="0"/>
+              </a:rPr>
+              <a:t>Our Proposal</a:t>
+            </a:r>
+          </a:p>
+        </p:txBody>
+      </p:sp>
+      <p:sp>
+        <p:nvSpPr>
+          <p:cNvPr id="33" name="TextBox 32"/>
+          <p:cNvSpPr txBox="1"/>
+          <p:nvPr/>
+        </p:nvSpPr>
+        <p:spPr>
+          <a:xfrm>
+            <a:off x="5181600" y="777731"/>
+            <a:ext cx="3238500" cy="1877437"/>
+          </a:xfrm>
+          <a:prstGeom prst="rect">
+            <a:avLst/>
+          </a:prstGeom>
+          <a:noFill/>
+        </p:spPr>
+        <p:txBody>
+          <a:bodyPr wrap="square" rtlCol="0">
+            <a:spAutoFit/>
+          </a:bodyPr>
+          <a:lstStyle/>
+          <a:p>
+            <a:pPr marL="625475" indent="-396875">
+              <a:spcBef>
+                <a:spcPts val="1200"/>
+              </a:spcBef>
+              <a:buClr>
+                <a:srgbClr val="7030A0"/>
+              </a:buClr>
+              <a:buFont typeface="Segoe UI Light" pitchFamily="34" charset="0"/>
+              <a:buChar char="■"/>
+            </a:pPr>
+            <a:r>
+              <a:rPr lang="en-US" dirty="0" smtClean="0">
+                <a:solidFill>
+                  <a:schemeClr val="tx1">
+                    <a:lumMod val="75000"/>
+                    <a:lumOff val="25000"/>
+                  </a:schemeClr>
+                </a:solidFill>
+                <a:latin typeface="Segoe UI Light" pitchFamily="34" charset="0"/>
+                <a:cs typeface="Segoe UI Light" pitchFamily="34" charset="0"/>
+              </a:rPr>
+              <a:t>Công Minh Hiếu</a:t>
+            </a:r>
+          </a:p>
+          <a:p>
+            <a:pPr marL="514350" indent="-285750">
+              <a:spcBef>
+                <a:spcPts val="1200"/>
+              </a:spcBef>
+              <a:buClr>
+                <a:srgbClr val="7030A0"/>
+              </a:buClr>
+              <a:buFont typeface="Wingdings" pitchFamily="2" charset="2"/>
+              <a:buChar char="§"/>
+            </a:pPr>
+            <a:r>
+              <a:rPr lang="en-US" sz="1600" dirty="0" smtClean="0">
+                <a:solidFill>
+                  <a:schemeClr val="tx1">
+                    <a:lumMod val="75000"/>
+                    <a:lumOff val="25000"/>
+                  </a:schemeClr>
+                </a:solidFill>
+                <a:latin typeface="Segoe UI Light" pitchFamily="34" charset="0"/>
+                <a:cs typeface="Segoe UI Light" pitchFamily="34" charset="0"/>
+              </a:rPr>
+              <a:t>Business analysis</a:t>
+            </a:r>
+          </a:p>
+          <a:p>
+            <a:pPr marL="514350" indent="-285750">
+              <a:spcBef>
+                <a:spcPts val="1200"/>
+              </a:spcBef>
+              <a:buClr>
+                <a:srgbClr val="7030A0"/>
+              </a:buClr>
+              <a:buFont typeface="Wingdings" pitchFamily="2" charset="2"/>
+              <a:buChar char="§"/>
+            </a:pPr>
+            <a:r>
+              <a:rPr lang="en-US" sz="1600" dirty="0" smtClean="0">
+                <a:solidFill>
+                  <a:schemeClr val="tx1">
+                    <a:lumMod val="75000"/>
+                    <a:lumOff val="25000"/>
+                  </a:schemeClr>
+                </a:solidFill>
+                <a:latin typeface="Segoe UI Light" pitchFamily="34" charset="0"/>
+                <a:cs typeface="Segoe UI Light" pitchFamily="34" charset="0"/>
+              </a:rPr>
+              <a:t>Developer</a:t>
+            </a:r>
+          </a:p>
+          <a:p>
+            <a:pPr marL="514350" indent="-285750">
+              <a:spcBef>
+                <a:spcPts val="1200"/>
+              </a:spcBef>
+              <a:buClr>
+                <a:srgbClr val="7030A0"/>
+              </a:buClr>
+              <a:buFont typeface="Wingdings" pitchFamily="2" charset="2"/>
+              <a:buChar char="§"/>
+            </a:pPr>
+            <a:r>
+              <a:rPr lang="en-US" sz="1600" dirty="0" smtClean="0">
+                <a:solidFill>
+                  <a:schemeClr val="tx1">
+                    <a:lumMod val="75000"/>
+                    <a:lumOff val="25000"/>
+                  </a:schemeClr>
+                </a:solidFill>
+                <a:latin typeface="Segoe UI Light" pitchFamily="34" charset="0"/>
+                <a:cs typeface="Segoe UI Light" pitchFamily="34" charset="0"/>
+              </a:rPr>
+              <a:t>Tester</a:t>
+            </a:r>
+            <a:endParaRPr lang="en-US" sz="1600" dirty="0">
+              <a:solidFill>
+                <a:schemeClr val="tx1">
+                  <a:lumMod val="75000"/>
+                  <a:lumOff val="25000"/>
+                </a:schemeClr>
+              </a:solidFill>
+              <a:latin typeface="Segoe UI Light" pitchFamily="34" charset="0"/>
+              <a:cs typeface="Segoe UI Light" pitchFamily="34" charset="0"/>
+            </a:endParaRPr>
+          </a:p>
+          <a:p>
+            <a:pPr marL="625475" indent="-396875">
+              <a:buClr>
+                <a:srgbClr val="7030A0"/>
+              </a:buClr>
+              <a:buFont typeface="Segoe UI Light" pitchFamily="34" charset="0"/>
+              <a:buChar char="■"/>
+            </a:pPr>
+            <a:endParaRPr lang="en-US" sz="2000" dirty="0">
+              <a:solidFill>
+                <a:schemeClr val="tx1">
+                  <a:lumMod val="75000"/>
+                  <a:lumOff val="25000"/>
+                </a:schemeClr>
+              </a:solidFill>
+              <a:latin typeface="Segoe UI Light" pitchFamily="34" charset="0"/>
+              <a:cs typeface="Segoe UI Light" pitchFamily="34" charset="0"/>
+            </a:endParaRPr>
+          </a:p>
+        </p:txBody>
+      </p:sp>
+      <p:sp>
+        <p:nvSpPr>
+          <p:cNvPr id="34" name="TextBox 33"/>
+          <p:cNvSpPr txBox="1"/>
+          <p:nvPr/>
+        </p:nvSpPr>
+        <p:spPr>
+          <a:xfrm>
+            <a:off x="2019300" y="2661625"/>
+            <a:ext cx="2709738" cy="1877437"/>
+          </a:xfrm>
+          <a:prstGeom prst="rect">
+            <a:avLst/>
+          </a:prstGeom>
+          <a:noFill/>
+        </p:spPr>
+        <p:txBody>
+          <a:bodyPr wrap="square" rtlCol="0">
+            <a:spAutoFit/>
+          </a:bodyPr>
+          <a:lstStyle/>
+          <a:p>
+            <a:pPr marL="625475" indent="-396875">
+              <a:spcBef>
+                <a:spcPts val="1200"/>
+              </a:spcBef>
+              <a:buClr>
+                <a:srgbClr val="7030A0"/>
+              </a:buClr>
+              <a:buFont typeface="Segoe UI Light" pitchFamily="34" charset="0"/>
+              <a:buChar char="■"/>
+            </a:pPr>
+            <a:r>
+              <a:rPr lang="en-US" dirty="0" smtClean="0">
+                <a:solidFill>
+                  <a:schemeClr val="tx1">
+                    <a:lumMod val="75000"/>
+                    <a:lumOff val="25000"/>
+                  </a:schemeClr>
+                </a:solidFill>
+                <a:latin typeface="Segoe UI Light" pitchFamily="34" charset="0"/>
+                <a:cs typeface="Segoe UI Light" pitchFamily="34" charset="0"/>
+              </a:rPr>
+              <a:t>Đào Như Tùng</a:t>
+            </a:r>
+          </a:p>
+          <a:p>
+            <a:pPr marL="625475" indent="-396875">
+              <a:spcBef>
+                <a:spcPts val="1200"/>
+              </a:spcBef>
+              <a:buClr>
+                <a:srgbClr val="7030A0"/>
+              </a:buClr>
+              <a:buFont typeface="Wingdings" pitchFamily="2" charset="2"/>
+              <a:buChar char="§"/>
+            </a:pPr>
+            <a:r>
+              <a:rPr lang="en-US" sz="1600" dirty="0">
+                <a:solidFill>
+                  <a:schemeClr val="tx1">
+                    <a:lumMod val="75000"/>
+                    <a:lumOff val="25000"/>
+                  </a:schemeClr>
+                </a:solidFill>
+                <a:latin typeface="Segoe UI Light" pitchFamily="34" charset="0"/>
+                <a:cs typeface="Segoe UI Light" pitchFamily="34" charset="0"/>
+              </a:rPr>
+              <a:t>Business analysis</a:t>
+            </a:r>
+          </a:p>
+          <a:p>
+            <a:pPr marL="625475" indent="-396875">
+              <a:spcBef>
+                <a:spcPts val="1200"/>
+              </a:spcBef>
+              <a:buClr>
+                <a:srgbClr val="7030A0"/>
+              </a:buClr>
+              <a:buFont typeface="Wingdings" pitchFamily="2" charset="2"/>
+              <a:buChar char="§"/>
+            </a:pPr>
+            <a:r>
+              <a:rPr lang="en-US" sz="1600" dirty="0" smtClean="0">
+                <a:solidFill>
+                  <a:schemeClr val="tx1">
+                    <a:lumMod val="75000"/>
+                    <a:lumOff val="25000"/>
+                  </a:schemeClr>
+                </a:solidFill>
+                <a:latin typeface="Segoe UI Light" pitchFamily="34" charset="0"/>
+                <a:cs typeface="Segoe UI Light" pitchFamily="34" charset="0"/>
+              </a:rPr>
+              <a:t>Developer</a:t>
+            </a:r>
+          </a:p>
+          <a:p>
+            <a:pPr marL="625475" indent="-396875">
+              <a:spcBef>
+                <a:spcPts val="1200"/>
+              </a:spcBef>
+              <a:buClr>
+                <a:srgbClr val="7030A0"/>
+              </a:buClr>
+              <a:buFont typeface="Wingdings" pitchFamily="2" charset="2"/>
+              <a:buChar char="§"/>
+            </a:pPr>
+            <a:r>
+              <a:rPr lang="en-US" sz="1600" dirty="0" smtClean="0">
+                <a:solidFill>
+                  <a:schemeClr val="tx1">
+                    <a:lumMod val="75000"/>
+                    <a:lumOff val="25000"/>
+                  </a:schemeClr>
+                </a:solidFill>
+                <a:latin typeface="Segoe UI Light" pitchFamily="34" charset="0"/>
+                <a:cs typeface="Segoe UI Light" pitchFamily="34" charset="0"/>
+              </a:rPr>
+              <a:t>Tester</a:t>
+            </a:r>
+            <a:endParaRPr lang="en-US" sz="1600" dirty="0">
+              <a:solidFill>
+                <a:schemeClr val="tx1">
+                  <a:lumMod val="75000"/>
+                  <a:lumOff val="25000"/>
+                </a:schemeClr>
+              </a:solidFill>
+              <a:latin typeface="Segoe UI Light" pitchFamily="34" charset="0"/>
+              <a:cs typeface="Segoe UI Light" pitchFamily="34" charset="0"/>
+            </a:endParaRPr>
+          </a:p>
+          <a:p>
+            <a:pPr marL="625475" indent="-396875">
+              <a:buClr>
+                <a:srgbClr val="7030A0"/>
+              </a:buClr>
+              <a:buFont typeface="Segoe UI Light" pitchFamily="34" charset="0"/>
+              <a:buChar char="■"/>
+            </a:pPr>
+            <a:endParaRPr lang="en-US" sz="2000" dirty="0">
+              <a:solidFill>
+                <a:schemeClr val="tx1">
+                  <a:lumMod val="75000"/>
+                  <a:lumOff val="25000"/>
+                </a:schemeClr>
+              </a:solidFill>
+              <a:latin typeface="Segoe UI Light" pitchFamily="34" charset="0"/>
+              <a:cs typeface="Segoe UI Light" pitchFamily="34" charset="0"/>
+            </a:endParaRPr>
+          </a:p>
+        </p:txBody>
+      </p:sp>
+      <p:sp>
+        <p:nvSpPr>
+          <p:cNvPr id="35" name="TextBox 34"/>
+          <p:cNvSpPr txBox="1"/>
+          <p:nvPr/>
+        </p:nvSpPr>
+        <p:spPr>
+          <a:xfrm>
+            <a:off x="5257800" y="2759781"/>
+            <a:ext cx="2819400" cy="1877437"/>
+          </a:xfrm>
+          <a:prstGeom prst="rect">
+            <a:avLst/>
+          </a:prstGeom>
+          <a:noFill/>
+        </p:spPr>
+        <p:txBody>
+          <a:bodyPr wrap="square" rtlCol="0">
+            <a:spAutoFit/>
+          </a:bodyPr>
+          <a:lstStyle/>
+          <a:p>
+            <a:pPr marL="625475" indent="-396875">
+              <a:spcBef>
+                <a:spcPts val="1200"/>
+              </a:spcBef>
+              <a:buClr>
+                <a:srgbClr val="7030A0"/>
+              </a:buClr>
+              <a:buFont typeface="Segoe UI Light" pitchFamily="34" charset="0"/>
+              <a:buChar char="■"/>
+            </a:pPr>
+            <a:r>
+              <a:rPr lang="en-US" dirty="0" smtClean="0">
+                <a:solidFill>
+                  <a:schemeClr val="tx1">
+                    <a:lumMod val="75000"/>
+                    <a:lumOff val="25000"/>
+                  </a:schemeClr>
+                </a:solidFill>
+                <a:latin typeface="Segoe UI Light" pitchFamily="34" charset="0"/>
+                <a:cs typeface="Segoe UI Light" pitchFamily="34" charset="0"/>
+              </a:rPr>
+              <a:t>Nguyễn Thanh Tùng</a:t>
+            </a:r>
+          </a:p>
+          <a:p>
+            <a:pPr marL="625475" indent="-396875">
+              <a:spcBef>
+                <a:spcPts val="1200"/>
+              </a:spcBef>
+              <a:buClr>
+                <a:srgbClr val="7030A0"/>
+              </a:buClr>
+              <a:buFont typeface="Wingdings" pitchFamily="2" charset="2"/>
+              <a:buChar char="§"/>
+            </a:pPr>
+            <a:r>
+              <a:rPr lang="en-US" sz="1600" dirty="0" smtClean="0">
+                <a:solidFill>
+                  <a:schemeClr val="tx1">
+                    <a:lumMod val="75000"/>
+                    <a:lumOff val="25000"/>
+                  </a:schemeClr>
+                </a:solidFill>
+                <a:latin typeface="Segoe UI Light" pitchFamily="34" charset="0"/>
+                <a:cs typeface="Segoe UI Light" pitchFamily="34" charset="0"/>
+              </a:rPr>
+              <a:t>Quality Assurance</a:t>
+            </a:r>
+          </a:p>
+          <a:p>
+            <a:pPr marL="625475" indent="-396875">
+              <a:spcBef>
+                <a:spcPts val="1200"/>
+              </a:spcBef>
+              <a:buClr>
+                <a:srgbClr val="7030A0"/>
+              </a:buClr>
+              <a:buFont typeface="Wingdings" pitchFamily="2" charset="2"/>
+              <a:buChar char="§"/>
+            </a:pPr>
+            <a:r>
+              <a:rPr lang="en-US" sz="1600" dirty="0" smtClean="0">
+                <a:solidFill>
+                  <a:schemeClr val="tx1">
+                    <a:lumMod val="75000"/>
+                    <a:lumOff val="25000"/>
+                  </a:schemeClr>
+                </a:solidFill>
+                <a:latin typeface="Segoe UI Light" pitchFamily="34" charset="0"/>
+                <a:cs typeface="Segoe UI Light" pitchFamily="34" charset="0"/>
+              </a:rPr>
+              <a:t>Developer</a:t>
+            </a:r>
+          </a:p>
+          <a:p>
+            <a:pPr marL="625475" indent="-396875">
+              <a:spcBef>
+                <a:spcPts val="1200"/>
+              </a:spcBef>
+              <a:buClr>
+                <a:srgbClr val="7030A0"/>
+              </a:buClr>
+              <a:buFont typeface="Wingdings" pitchFamily="2" charset="2"/>
+              <a:buChar char="§"/>
+            </a:pPr>
+            <a:r>
+              <a:rPr lang="en-US" sz="1600" dirty="0" smtClean="0">
+                <a:solidFill>
+                  <a:schemeClr val="tx1">
+                    <a:lumMod val="75000"/>
+                    <a:lumOff val="25000"/>
+                  </a:schemeClr>
+                </a:solidFill>
+                <a:latin typeface="Segoe UI Light" pitchFamily="34" charset="0"/>
+                <a:cs typeface="Segoe UI Light" pitchFamily="34" charset="0"/>
+              </a:rPr>
+              <a:t>Tester</a:t>
+            </a:r>
+            <a:endParaRPr lang="en-US" sz="1600" dirty="0">
+              <a:solidFill>
+                <a:schemeClr val="tx1">
+                  <a:lumMod val="75000"/>
+                  <a:lumOff val="25000"/>
+                </a:schemeClr>
+              </a:solidFill>
+              <a:latin typeface="Segoe UI Light" pitchFamily="34" charset="0"/>
+              <a:cs typeface="Segoe UI Light" pitchFamily="34" charset="0"/>
+            </a:endParaRPr>
+          </a:p>
+          <a:p>
+            <a:pPr marL="625475" indent="-396875">
+              <a:buClr>
+                <a:srgbClr val="7030A0"/>
+              </a:buClr>
+              <a:buFont typeface="Segoe UI Light" pitchFamily="34" charset="0"/>
+              <a:buChar char="■"/>
+            </a:pPr>
+            <a:endParaRPr lang="en-US" sz="2000" dirty="0">
+              <a:solidFill>
+                <a:schemeClr val="tx1">
+                  <a:lumMod val="75000"/>
+                  <a:lumOff val="25000"/>
+                </a:schemeClr>
+              </a:solidFill>
+              <a:latin typeface="Segoe UI Light" pitchFamily="34" charset="0"/>
+              <a:cs typeface="Segoe UI Light" pitchFamily="34" charset="0"/>
+            </a:endParaRPr>
+          </a:p>
+        </p:txBody>
+      </p:sp>
+      <p:sp>
+        <p:nvSpPr>
+          <p:cNvPr id="36" name="TextBox 35"/>
+          <p:cNvSpPr txBox="1"/>
+          <p:nvPr/>
+        </p:nvSpPr>
+        <p:spPr>
+          <a:xfrm>
+            <a:off x="2019300" y="4419600"/>
+            <a:ext cx="2709738" cy="1877437"/>
+          </a:xfrm>
+          <a:prstGeom prst="rect">
+            <a:avLst/>
+          </a:prstGeom>
+          <a:noFill/>
+        </p:spPr>
+        <p:txBody>
+          <a:bodyPr wrap="square" rtlCol="0">
+            <a:spAutoFit/>
+          </a:bodyPr>
+          <a:lstStyle/>
+          <a:p>
+            <a:pPr marL="625475" indent="-396875">
+              <a:spcBef>
+                <a:spcPts val="1200"/>
+              </a:spcBef>
+              <a:buClr>
+                <a:srgbClr val="7030A0"/>
+              </a:buClr>
+              <a:buFont typeface="Segoe UI Light" pitchFamily="34" charset="0"/>
+              <a:buChar char="■"/>
+            </a:pPr>
+            <a:r>
+              <a:rPr lang="en-US" dirty="0" smtClean="0">
+                <a:solidFill>
+                  <a:schemeClr val="tx1">
+                    <a:lumMod val="75000"/>
+                    <a:lumOff val="25000"/>
+                  </a:schemeClr>
+                </a:solidFill>
+                <a:latin typeface="Segoe UI Light" pitchFamily="34" charset="0"/>
+                <a:cs typeface="Segoe UI Light" pitchFamily="34" charset="0"/>
+              </a:rPr>
+              <a:t>Đặng Quốc Duy</a:t>
+            </a:r>
+          </a:p>
+          <a:p>
+            <a:pPr marL="625475" indent="-396875">
+              <a:spcBef>
+                <a:spcPts val="1200"/>
+              </a:spcBef>
+              <a:buClr>
+                <a:srgbClr val="7030A0"/>
+              </a:buClr>
+              <a:buFont typeface="Wingdings" pitchFamily="2" charset="2"/>
+              <a:buChar char="§"/>
+            </a:pPr>
+            <a:r>
+              <a:rPr lang="en-US" sz="1600" dirty="0">
+                <a:solidFill>
+                  <a:schemeClr val="tx1">
+                    <a:lumMod val="75000"/>
+                    <a:lumOff val="25000"/>
+                  </a:schemeClr>
+                </a:solidFill>
+                <a:latin typeface="Segoe UI Light" pitchFamily="34" charset="0"/>
+                <a:cs typeface="Segoe UI Light" pitchFamily="34" charset="0"/>
+              </a:rPr>
+              <a:t>Quality Assurance</a:t>
+            </a:r>
+          </a:p>
+          <a:p>
+            <a:pPr marL="625475" indent="-396875">
+              <a:spcBef>
+                <a:spcPts val="1200"/>
+              </a:spcBef>
+              <a:buClr>
+                <a:srgbClr val="7030A0"/>
+              </a:buClr>
+              <a:buFont typeface="Wingdings" pitchFamily="2" charset="2"/>
+              <a:buChar char="§"/>
+            </a:pPr>
+            <a:r>
+              <a:rPr lang="en-US" sz="1600" dirty="0" smtClean="0">
+                <a:solidFill>
+                  <a:schemeClr val="tx1">
+                    <a:lumMod val="75000"/>
+                    <a:lumOff val="25000"/>
+                  </a:schemeClr>
+                </a:solidFill>
+                <a:latin typeface="Segoe UI Light" pitchFamily="34" charset="0"/>
+                <a:cs typeface="Segoe UI Light" pitchFamily="34" charset="0"/>
+              </a:rPr>
+              <a:t>Developer</a:t>
+            </a:r>
+          </a:p>
+          <a:p>
+            <a:pPr marL="625475" indent="-396875">
+              <a:spcBef>
+                <a:spcPts val="1200"/>
+              </a:spcBef>
+              <a:buClr>
+                <a:srgbClr val="7030A0"/>
+              </a:buClr>
+              <a:buFont typeface="Wingdings" pitchFamily="2" charset="2"/>
+              <a:buChar char="§"/>
+            </a:pPr>
+            <a:r>
+              <a:rPr lang="en-US" sz="1600" dirty="0" smtClean="0">
+                <a:solidFill>
+                  <a:schemeClr val="tx1">
+                    <a:lumMod val="75000"/>
+                    <a:lumOff val="25000"/>
+                  </a:schemeClr>
+                </a:solidFill>
+                <a:latin typeface="Segoe UI Light" pitchFamily="34" charset="0"/>
+                <a:cs typeface="Segoe UI Light" pitchFamily="34" charset="0"/>
+              </a:rPr>
+              <a:t>Tester</a:t>
+            </a:r>
+            <a:endParaRPr lang="en-US" sz="1600" dirty="0">
+              <a:solidFill>
+                <a:schemeClr val="tx1">
+                  <a:lumMod val="75000"/>
+                  <a:lumOff val="25000"/>
+                </a:schemeClr>
+              </a:solidFill>
+              <a:latin typeface="Segoe UI Light" pitchFamily="34" charset="0"/>
+              <a:cs typeface="Segoe UI Light" pitchFamily="34" charset="0"/>
+            </a:endParaRPr>
+          </a:p>
+          <a:p>
+            <a:pPr marL="625475" indent="-396875">
+              <a:buClr>
+                <a:srgbClr val="7030A0"/>
+              </a:buClr>
+              <a:buFont typeface="Segoe UI Light" pitchFamily="34" charset="0"/>
+              <a:buChar char="■"/>
+            </a:pPr>
+            <a:endParaRPr lang="en-US" sz="2000" dirty="0">
+              <a:solidFill>
+                <a:schemeClr val="tx1">
+                  <a:lumMod val="75000"/>
+                  <a:lumOff val="25000"/>
+                </a:schemeClr>
+              </a:solidFill>
+              <a:latin typeface="Segoe UI Light" pitchFamily="34" charset="0"/>
+              <a:cs typeface="Segoe UI Light" pitchFamily="34" charset="0"/>
+            </a:endParaRPr>
+          </a:p>
+        </p:txBody>
+      </p:sp>
     </p:spTree>
     <p:extLst>
       <p:ext uri="{BB962C8B-B14F-4D97-AF65-F5344CB8AC3E}">
-        <p14:creationId xmlns:p14="http://schemas.microsoft.com/office/powerpoint/2010/main" val="4100906987"/>
+        <p14:creationId xmlns:p14="http://schemas.microsoft.com/office/powerpoint/2010/main" val="2724724165"/>
       </p:ext>
     </p:extLst>
   </p:cSld>
@@ -20956,15 +21641,13 @@
         <p:spPr>
           <a:xfrm>
             <a:off x="0" y="1219200"/>
-            <a:ext cx="1828800" cy="548640"/>
+            <a:ext cx="1828800" cy="3657600"/>
           </a:xfrm>
           <a:prstGeom prst="rect">
             <a:avLst/>
           </a:prstGeom>
           <a:solidFill>
-            <a:schemeClr val="bg1">
-              <a:lumMod val="50000"/>
-            </a:schemeClr>
+            <a:srgbClr val="7030A0"/>
           </a:solidFill>
           <a:ln>
             <a:noFill/>
@@ -20999,284 +21682,147 @@
       </p:sp>
       <p:sp>
         <p:nvSpPr>
-          <p:cNvPr id="13" name="Rectangle 12"/>
-          <p:cNvSpPr/>
-          <p:nvPr/>
-        </p:nvSpPr>
-        <p:spPr>
-          <a:xfrm>
-            <a:off x="0" y="2316480"/>
-            <a:ext cx="1828800" cy="548640"/>
+          <p:cNvPr id="17" name="TextBox 16"/>
+          <p:cNvSpPr txBox="1"/>
+          <p:nvPr/>
+        </p:nvSpPr>
+        <p:spPr>
+          <a:xfrm>
+            <a:off x="2362200" y="1056620"/>
+            <a:ext cx="5867400" cy="3785652"/>
           </a:xfrm>
           <a:prstGeom prst="rect">
             <a:avLst/>
           </a:prstGeom>
-          <a:solidFill>
-            <a:schemeClr val="bg1">
-              <a:lumMod val="95000"/>
-            </a:schemeClr>
-          </a:solidFill>
-          <a:ln>
-            <a:noFill/>
-          </a:ln>
-        </p:spPr>
-        <p:style>
-          <a:lnRef idx="2">
-            <a:schemeClr val="accent1">
-              <a:shade val="50000"/>
-            </a:schemeClr>
-          </a:lnRef>
-          <a:fillRef idx="1">
-            <a:schemeClr val="accent1"/>
-          </a:fillRef>
-          <a:effectRef idx="0">
-            <a:schemeClr val="accent1"/>
-          </a:effectRef>
-          <a:fontRef idx="minor">
-            <a:schemeClr val="lt1"/>
-          </a:fontRef>
-        </p:style>
-        <p:txBody>
-          <a:bodyPr lIns="822960" rtlCol="0" anchor="ctr"/>
-          <a:lstStyle/>
-          <a:p>
-            <a:endParaRPr lang="en-US" sz="2400" dirty="0">
+          <a:noFill/>
+        </p:spPr>
+        <p:txBody>
+          <a:bodyPr wrap="square" rtlCol="0">
+            <a:spAutoFit/>
+          </a:bodyPr>
+          <a:lstStyle/>
+          <a:p>
+            <a:pPr marL="457200" indent="-457200">
+              <a:buFont typeface="+mj-lt"/>
+              <a:buAutoNum type="arabicPeriod"/>
+            </a:pPr>
+            <a:r>
+              <a:rPr lang="en-US" sz="4000" b="1" dirty="0" smtClean="0">
+                <a:solidFill>
+                  <a:srgbClr val="7030A0"/>
+                </a:solidFill>
+                <a:latin typeface="Segoe UI Light" pitchFamily="34" charset="0"/>
+                <a:cs typeface="Segoe UI Light" pitchFamily="34" charset="0"/>
+              </a:rPr>
+              <a:t>Introduction</a:t>
+            </a:r>
+          </a:p>
+          <a:p>
+            <a:pPr marL="457200" indent="-457200">
+              <a:buFont typeface="+mj-lt"/>
+              <a:buAutoNum type="arabicPeriod"/>
+            </a:pPr>
+            <a:r>
+              <a:rPr lang="en-US" sz="4000" b="1" dirty="0" smtClean="0">
+                <a:solidFill>
+                  <a:srgbClr val="7030A0"/>
+                </a:solidFill>
+                <a:latin typeface="Segoe UI Light" pitchFamily="34" charset="0"/>
+                <a:cs typeface="Segoe UI Light" pitchFamily="34" charset="0"/>
+              </a:rPr>
+              <a:t>Drop It Project</a:t>
+            </a:r>
+            <a:endParaRPr lang="en-US" sz="4000" b="1" dirty="0">
               <a:solidFill>
-                <a:schemeClr val="tx1">
-                  <a:lumMod val="75000"/>
-                  <a:lumOff val="25000"/>
-                </a:schemeClr>
+                <a:srgbClr val="7030A0"/>
               </a:solidFill>
               <a:latin typeface="Segoe UI Light" pitchFamily="34" charset="0"/>
               <a:cs typeface="Segoe UI Light" pitchFamily="34" charset="0"/>
             </a:endParaRPr>
           </a:p>
-        </p:txBody>
-      </p:sp>
-      <p:sp>
-        <p:nvSpPr>
-          <p:cNvPr id="14" name="Rectangle 13"/>
-          <p:cNvSpPr/>
-          <p:nvPr/>
-        </p:nvSpPr>
-        <p:spPr>
-          <a:xfrm>
-            <a:off x="0" y="1753925"/>
-            <a:ext cx="1828800" cy="397431"/>
-          </a:xfrm>
-          <a:prstGeom prst="rect">
-            <a:avLst/>
-          </a:prstGeom>
-          <a:solidFill>
-            <a:srgbClr val="7030A0"/>
-          </a:solidFill>
-          <a:ln>
-            <a:noFill/>
-          </a:ln>
-        </p:spPr>
-        <p:style>
-          <a:lnRef idx="2">
-            <a:schemeClr val="accent1">
-              <a:shade val="50000"/>
-            </a:schemeClr>
-          </a:lnRef>
-          <a:fillRef idx="1">
-            <a:schemeClr val="accent1"/>
-          </a:fillRef>
-          <a:effectRef idx="0">
-            <a:schemeClr val="accent1"/>
-          </a:effectRef>
-          <a:fontRef idx="minor">
-            <a:schemeClr val="lt1"/>
-          </a:fontRef>
-        </p:style>
-        <p:txBody>
-          <a:bodyPr lIns="822960" rtlCol="0" anchor="ctr"/>
-          <a:lstStyle/>
-          <a:p>
-            <a:endParaRPr lang="en-US" sz="2400" dirty="0">
+          <a:p>
+            <a:pPr marL="457200" indent="-457200">
+              <a:buFont typeface="+mj-lt"/>
+              <a:buAutoNum type="arabicPeriod"/>
+            </a:pPr>
+            <a:r>
+              <a:rPr lang="en-US" sz="4000" b="1" dirty="0">
+                <a:solidFill>
+                  <a:srgbClr val="7030A0"/>
+                </a:solidFill>
+                <a:latin typeface="Segoe UI Light" pitchFamily="34" charset="0"/>
+                <a:cs typeface="Segoe UI Light" pitchFamily="34" charset="0"/>
+              </a:rPr>
+              <a:t>Technologies &amp; Tools</a:t>
+            </a:r>
+          </a:p>
+          <a:p>
+            <a:pPr marL="457200" indent="-457200">
+              <a:buFont typeface="+mj-lt"/>
+              <a:buAutoNum type="arabicPeriod"/>
+            </a:pPr>
+            <a:r>
+              <a:rPr lang="en-US" sz="4000" b="1" dirty="0" smtClean="0">
+                <a:solidFill>
+                  <a:srgbClr val="7030A0"/>
+                </a:solidFill>
+                <a:latin typeface="Segoe UI Light" pitchFamily="34" charset="0"/>
+                <a:cs typeface="Segoe UI Light" pitchFamily="34" charset="0"/>
+              </a:rPr>
+              <a:t>Demo</a:t>
+            </a:r>
+            <a:endParaRPr lang="en-US" sz="4000" b="1" dirty="0">
               <a:solidFill>
-                <a:schemeClr val="tx1">
-                  <a:lumMod val="75000"/>
-                  <a:lumOff val="25000"/>
-                </a:schemeClr>
+                <a:srgbClr val="7030A0"/>
               </a:solidFill>
               <a:latin typeface="Segoe UI Light" pitchFamily="34" charset="0"/>
               <a:cs typeface="Segoe UI Light" pitchFamily="34" charset="0"/>
             </a:endParaRPr>
           </a:p>
-        </p:txBody>
-      </p:sp>
-      <p:sp>
-        <p:nvSpPr>
-          <p:cNvPr id="18" name="TextBox 17"/>
-          <p:cNvSpPr txBox="1"/>
-          <p:nvPr/>
-        </p:nvSpPr>
-        <p:spPr>
-          <a:xfrm>
-            <a:off x="2019300" y="706011"/>
-            <a:ext cx="3238500" cy="2277547"/>
-          </a:xfrm>
-          <a:prstGeom prst="rect">
-            <a:avLst/>
-          </a:prstGeom>
-          <a:noFill/>
-        </p:spPr>
-        <p:txBody>
-          <a:bodyPr wrap="square" rtlCol="0">
-            <a:spAutoFit/>
-          </a:bodyPr>
-          <a:lstStyle/>
-          <a:p>
-            <a:pPr marL="625475" indent="-396875">
-              <a:spcBef>
-                <a:spcPts val="1200"/>
-              </a:spcBef>
-              <a:buClr>
-                <a:srgbClr val="7030A0"/>
-              </a:buClr>
-              <a:buFont typeface="Segoe UI Light" pitchFamily="34" charset="0"/>
-              <a:buChar char="■"/>
+          <a:p>
+            <a:pPr marL="457200" indent="-457200">
+              <a:buFont typeface="+mj-lt"/>
+              <a:buAutoNum type="arabicPeriod"/>
             </a:pPr>
             <a:r>
-              <a:rPr lang="en-US" dirty="0" smtClean="0">
+              <a:rPr lang="en-US" sz="4000" b="1" dirty="0">
                 <a:solidFill>
-                  <a:schemeClr val="tx1">
-                    <a:lumMod val="75000"/>
-                    <a:lumOff val="25000"/>
-                  </a:schemeClr>
+                  <a:srgbClr val="7030A0"/>
                 </a:solidFill>
                 <a:latin typeface="Segoe UI Light" pitchFamily="34" charset="0"/>
                 <a:cs typeface="Segoe UI Light" pitchFamily="34" charset="0"/>
               </a:rPr>
-              <a:t>Lê Khôi Phong</a:t>
-            </a:r>
-          </a:p>
-          <a:p>
-            <a:pPr marL="514350" indent="-285750">
-              <a:spcBef>
-                <a:spcPts val="1200"/>
-              </a:spcBef>
-              <a:buClr>
-                <a:srgbClr val="7030A0"/>
-              </a:buClr>
-              <a:buFont typeface="Wingdings" pitchFamily="2" charset="2"/>
-              <a:buChar char="§"/>
-            </a:pPr>
-            <a:r>
-              <a:rPr lang="en-US" sz="1600" dirty="0" smtClean="0">
+              <a:t>Disadvantages &amp; </a:t>
+            </a:r>
+            <a:r>
+              <a:rPr lang="en-US" sz="4000" b="1" dirty="0" smtClean="0">
                 <a:solidFill>
-                  <a:schemeClr val="tx1">
-                    <a:lumMod val="75000"/>
-                    <a:lumOff val="25000"/>
-                  </a:schemeClr>
+                  <a:srgbClr val="7030A0"/>
                 </a:solidFill>
                 <a:latin typeface="Segoe UI Light" pitchFamily="34" charset="0"/>
                 <a:cs typeface="Segoe UI Light" pitchFamily="34" charset="0"/>
               </a:rPr>
-              <a:t>Project Leader</a:t>
-            </a:r>
-          </a:p>
-          <a:p>
-            <a:pPr marL="514350" indent="-285750">
-              <a:spcBef>
-                <a:spcPts val="1200"/>
-              </a:spcBef>
-              <a:buClr>
-                <a:srgbClr val="7030A0"/>
-              </a:buClr>
-              <a:buFont typeface="Wingdings" pitchFamily="2" charset="2"/>
-              <a:buChar char="§"/>
+              <a:t>Future</a:t>
+            </a:r>
+          </a:p>
+          <a:p>
+            <a:pPr marL="457200" indent="-457200">
+              <a:buFont typeface="+mj-lt"/>
+              <a:buAutoNum type="arabicPeriod"/>
             </a:pPr>
             <a:r>
-              <a:rPr lang="en-US" sz="1600" dirty="0" smtClean="0">
+              <a:rPr lang="en-US" sz="4000" b="1" dirty="0" smtClean="0">
                 <a:solidFill>
-                  <a:schemeClr val="tx1">
-                    <a:lumMod val="75000"/>
-                    <a:lumOff val="25000"/>
-                  </a:schemeClr>
+                  <a:srgbClr val="7030A0"/>
                 </a:solidFill>
                 <a:latin typeface="Segoe UI Light" pitchFamily="34" charset="0"/>
                 <a:cs typeface="Segoe UI Light" pitchFamily="34" charset="0"/>
               </a:rPr>
-              <a:t>Technical Leader</a:t>
-            </a:r>
-          </a:p>
-          <a:p>
-            <a:pPr marL="514350" indent="-285750">
-              <a:spcBef>
-                <a:spcPts val="1200"/>
-              </a:spcBef>
-              <a:buClr>
+              <a:t>Q&amp;A</a:t>
+            </a:r>
+            <a:endParaRPr lang="en-US" sz="4000" b="1" dirty="0">
+              <a:solidFill>
                 <a:srgbClr val="7030A0"/>
-              </a:buClr>
-              <a:buFont typeface="Wingdings" pitchFamily="2" charset="2"/>
-              <a:buChar char="§"/>
-            </a:pPr>
-            <a:r>
-              <a:rPr lang="en-US" sz="1600" dirty="0" smtClean="0">
-                <a:solidFill>
-                  <a:schemeClr val="tx1">
-                    <a:lumMod val="75000"/>
-                    <a:lumOff val="25000"/>
-                  </a:schemeClr>
-                </a:solidFill>
-                <a:latin typeface="Segoe UI Light" pitchFamily="34" charset="0"/>
-                <a:cs typeface="Segoe UI Light" pitchFamily="34" charset="0"/>
-              </a:rPr>
-              <a:t>Developer</a:t>
-            </a:r>
-          </a:p>
-          <a:p>
-            <a:pPr marL="514350" indent="-285750">
-              <a:spcBef>
-                <a:spcPts val="1200"/>
-              </a:spcBef>
-              <a:buClr>
-                <a:srgbClr val="7030A0"/>
-              </a:buClr>
-              <a:buFont typeface="Wingdings" pitchFamily="2" charset="2"/>
-              <a:buChar char="§"/>
-            </a:pPr>
-            <a:r>
-              <a:rPr lang="en-US" sz="1600" dirty="0" smtClean="0">
-                <a:solidFill>
-                  <a:schemeClr val="tx1">
-                    <a:lumMod val="75000"/>
-                    <a:lumOff val="25000"/>
-                  </a:schemeClr>
-                </a:solidFill>
-                <a:latin typeface="Segoe UI Light" pitchFamily="34" charset="0"/>
-                <a:cs typeface="Segoe UI Light" pitchFamily="34" charset="0"/>
-              </a:rPr>
-              <a:t>Tester</a:t>
-            </a:r>
-            <a:endParaRPr lang="en-US" sz="1600" dirty="0">
-              <a:solidFill>
-                <a:schemeClr val="tx1">
-                  <a:lumMod val="75000"/>
-                  <a:lumOff val="25000"/>
-                </a:schemeClr>
-              </a:solidFill>
-              <a:latin typeface="Segoe UI Light" pitchFamily="34" charset="0"/>
-              <a:cs typeface="Segoe UI Light" pitchFamily="34" charset="0"/>
-            </a:endParaRPr>
-          </a:p>
-          <a:p>
-            <a:pPr marL="625475" indent="-396875">
-              <a:buClr>
-                <a:srgbClr val="7030A0"/>
-              </a:buClr>
-              <a:buFont typeface="Segoe UI Light" pitchFamily="34" charset="0"/>
-              <a:buChar char="■"/>
-            </a:pPr>
-            <a:endParaRPr lang="en-US" sz="2000" dirty="0">
-              <a:solidFill>
-                <a:schemeClr val="tx1">
-                  <a:lumMod val="75000"/>
-                  <a:lumOff val="25000"/>
-                </a:schemeClr>
               </a:solidFill>
               <a:latin typeface="Segoe UI Light" pitchFamily="34" charset="0"/>
               <a:cs typeface="Segoe UI Light" pitchFamily="34" charset="0"/>
@@ -21333,8 +21879,8 @@
         </p:nvSpPr>
         <p:spPr>
           <a:xfrm>
-            <a:off x="3313" y="1307471"/>
-            <a:ext cx="1749287" cy="430887"/>
+            <a:off x="119999" y="2637813"/>
+            <a:ext cx="1588801" cy="523220"/>
           </a:xfrm>
           <a:prstGeom prst="rect">
             <a:avLst/>
@@ -21348,28 +21894,21 @@
           <a:lstStyle/>
           <a:p>
             <a:r>
-              <a:rPr lang="en-US" sz="2200" dirty="0" smtClean="0">
+              <a:rPr lang="en-US" sz="2800" dirty="0">
                 <a:solidFill>
                   <a:schemeClr val="bg1"/>
                 </a:solidFill>
                 <a:latin typeface="Segoe UI Light" pitchFamily="34" charset="0"/>
                 <a:cs typeface="Segoe UI Light" pitchFamily="34" charset="0"/>
               </a:rPr>
-              <a:t>Introduction</a:t>
-            </a:r>
-            <a:endParaRPr lang="en-US" sz="2200" dirty="0">
-              <a:solidFill>
-                <a:schemeClr val="bg1"/>
-              </a:solidFill>
-              <a:latin typeface="Segoe UI Light" pitchFamily="34" charset="0"/>
-              <a:cs typeface="Segoe UI Light" pitchFamily="34" charset="0"/>
-            </a:endParaRPr>
-          </a:p>
-        </p:txBody>
-      </p:sp>
-      <p:sp>
-        <p:nvSpPr>
-          <p:cNvPr id="22" name="TextBox 21"/>
+              <a:t>Contents</a:t>
+            </a:r>
+          </a:p>
+        </p:txBody>
+      </p:sp>
+      <p:sp>
+        <p:nvSpPr>
+          <p:cNvPr id="19" name="TextBox 18"/>
           <p:cNvSpPr txBox="1"/>
           <p:nvPr/>
         </p:nvSpPr>
@@ -21425,942 +21964,10 @@
           </a:p>
         </p:txBody>
       </p:sp>
-      <p:sp>
-        <p:nvSpPr>
-          <p:cNvPr id="6" name="TextBox 5"/>
-          <p:cNvSpPr txBox="1"/>
-          <p:nvPr/>
-        </p:nvSpPr>
-        <p:spPr>
-          <a:xfrm>
-            <a:off x="3313" y="1798751"/>
-            <a:ext cx="1736697" cy="369332"/>
-          </a:xfrm>
-          <a:prstGeom prst="rect">
-            <a:avLst/>
-          </a:prstGeom>
-          <a:noFill/>
-        </p:spPr>
-        <p:txBody>
-          <a:bodyPr wrap="square" rtlCol="0">
-            <a:spAutoFit/>
-          </a:bodyPr>
-          <a:lstStyle/>
-          <a:p>
-            <a:pPr marL="285750" indent="-285750">
-              <a:buFont typeface="Wingdings" pitchFamily="2" charset="2"/>
-              <a:buChar char="Ø"/>
-            </a:pPr>
-            <a:r>
-              <a:rPr lang="en-US" dirty="0">
-                <a:solidFill>
-                  <a:schemeClr val="bg1"/>
-                </a:solidFill>
-                <a:latin typeface="Segoe UI Light" pitchFamily="34" charset="0"/>
-                <a:cs typeface="Segoe UI Light" pitchFamily="34" charset="0"/>
-              </a:rPr>
-              <a:t>The People</a:t>
-            </a:r>
-          </a:p>
-        </p:txBody>
-      </p:sp>
-      <p:sp>
-        <p:nvSpPr>
-          <p:cNvPr id="23" name="Rectangle 22"/>
-          <p:cNvSpPr/>
-          <p:nvPr/>
-        </p:nvSpPr>
-        <p:spPr>
-          <a:xfrm>
-            <a:off x="0" y="2151356"/>
-            <a:ext cx="1828800" cy="397431"/>
-          </a:xfrm>
-          <a:prstGeom prst="rect">
-            <a:avLst/>
-          </a:prstGeom>
-          <a:solidFill>
-            <a:schemeClr val="bg1">
-              <a:lumMod val="50000"/>
-            </a:schemeClr>
-          </a:solidFill>
-          <a:ln>
-            <a:noFill/>
-          </a:ln>
-        </p:spPr>
-        <p:style>
-          <a:lnRef idx="2">
-            <a:schemeClr val="accent1">
-              <a:shade val="50000"/>
-            </a:schemeClr>
-          </a:lnRef>
-          <a:fillRef idx="1">
-            <a:schemeClr val="accent1"/>
-          </a:fillRef>
-          <a:effectRef idx="0">
-            <a:schemeClr val="accent1"/>
-          </a:effectRef>
-          <a:fontRef idx="minor">
-            <a:schemeClr val="lt1"/>
-          </a:fontRef>
-        </p:style>
-        <p:txBody>
-          <a:bodyPr lIns="822960" rtlCol="0" anchor="ctr"/>
-          <a:lstStyle/>
-          <a:p>
-            <a:endParaRPr lang="en-US" sz="2400" dirty="0">
-              <a:solidFill>
-                <a:schemeClr val="tx1">
-                  <a:lumMod val="75000"/>
-                  <a:lumOff val="25000"/>
-                </a:schemeClr>
-              </a:solidFill>
-              <a:latin typeface="Segoe UI Light" pitchFamily="34" charset="0"/>
-              <a:cs typeface="Segoe UI Light" pitchFamily="34" charset="0"/>
-            </a:endParaRPr>
-          </a:p>
-        </p:txBody>
-      </p:sp>
-      <p:sp>
-        <p:nvSpPr>
-          <p:cNvPr id="25" name="Rectangle 24"/>
-          <p:cNvSpPr/>
-          <p:nvPr/>
-        </p:nvSpPr>
-        <p:spPr>
-          <a:xfrm>
-            <a:off x="0" y="2548787"/>
-            <a:ext cx="1828800" cy="397431"/>
-          </a:xfrm>
-          <a:prstGeom prst="rect">
-            <a:avLst/>
-          </a:prstGeom>
-          <a:solidFill>
-            <a:schemeClr val="bg1">
-              <a:lumMod val="50000"/>
-            </a:schemeClr>
-          </a:solidFill>
-          <a:ln>
-            <a:noFill/>
-          </a:ln>
-        </p:spPr>
-        <p:style>
-          <a:lnRef idx="2">
-            <a:schemeClr val="accent1">
-              <a:shade val="50000"/>
-            </a:schemeClr>
-          </a:lnRef>
-          <a:fillRef idx="1">
-            <a:schemeClr val="accent1"/>
-          </a:fillRef>
-          <a:effectRef idx="0">
-            <a:schemeClr val="accent1"/>
-          </a:effectRef>
-          <a:fontRef idx="minor">
-            <a:schemeClr val="lt1"/>
-          </a:fontRef>
-        </p:style>
-        <p:txBody>
-          <a:bodyPr lIns="822960" rtlCol="0" anchor="ctr"/>
-          <a:lstStyle/>
-          <a:p>
-            <a:endParaRPr lang="en-US" sz="2400" dirty="0">
-              <a:solidFill>
-                <a:schemeClr val="tx1">
-                  <a:lumMod val="75000"/>
-                  <a:lumOff val="25000"/>
-                </a:schemeClr>
-              </a:solidFill>
-              <a:latin typeface="Segoe UI Light" pitchFamily="34" charset="0"/>
-              <a:cs typeface="Segoe UI Light" pitchFamily="34" charset="0"/>
-            </a:endParaRPr>
-          </a:p>
-        </p:txBody>
-      </p:sp>
-      <p:sp>
-        <p:nvSpPr>
-          <p:cNvPr id="26" name="Rectangle 25"/>
-          <p:cNvSpPr/>
-          <p:nvPr/>
-        </p:nvSpPr>
-        <p:spPr>
-          <a:xfrm>
-            <a:off x="3313" y="2946218"/>
-            <a:ext cx="1828800" cy="397431"/>
-          </a:xfrm>
-          <a:prstGeom prst="rect">
-            <a:avLst/>
-          </a:prstGeom>
-          <a:solidFill>
-            <a:schemeClr val="bg1">
-              <a:lumMod val="50000"/>
-            </a:schemeClr>
-          </a:solidFill>
-          <a:ln>
-            <a:noFill/>
-          </a:ln>
-        </p:spPr>
-        <p:style>
-          <a:lnRef idx="2">
-            <a:schemeClr val="accent1">
-              <a:shade val="50000"/>
-            </a:schemeClr>
-          </a:lnRef>
-          <a:fillRef idx="1">
-            <a:schemeClr val="accent1"/>
-          </a:fillRef>
-          <a:effectRef idx="0">
-            <a:schemeClr val="accent1"/>
-          </a:effectRef>
-          <a:fontRef idx="minor">
-            <a:schemeClr val="lt1"/>
-          </a:fontRef>
-        </p:style>
-        <p:txBody>
-          <a:bodyPr lIns="822960" rtlCol="0" anchor="ctr"/>
-          <a:lstStyle/>
-          <a:p>
-            <a:endParaRPr lang="en-US" sz="2400" dirty="0">
-              <a:solidFill>
-                <a:schemeClr val="tx1">
-                  <a:lumMod val="75000"/>
-                  <a:lumOff val="25000"/>
-                </a:schemeClr>
-              </a:solidFill>
-              <a:latin typeface="Segoe UI Light" pitchFamily="34" charset="0"/>
-              <a:cs typeface="Segoe UI Light" pitchFamily="34" charset="0"/>
-            </a:endParaRPr>
-          </a:p>
-        </p:txBody>
-      </p:sp>
-      <p:sp>
-        <p:nvSpPr>
-          <p:cNvPr id="28" name="TextBox 27"/>
-          <p:cNvSpPr txBox="1"/>
-          <p:nvPr/>
-        </p:nvSpPr>
-        <p:spPr>
-          <a:xfrm>
-            <a:off x="3313" y="2196182"/>
-            <a:ext cx="1749287" cy="369332"/>
-          </a:xfrm>
-          <a:prstGeom prst="rect">
-            <a:avLst/>
-          </a:prstGeom>
-          <a:noFill/>
-        </p:spPr>
-        <p:txBody>
-          <a:bodyPr wrap="square" rtlCol="0">
-            <a:spAutoFit/>
-          </a:bodyPr>
-          <a:lstStyle/>
-          <a:p>
-            <a:pPr marL="285750" indent="-285750">
-              <a:buFont typeface="Wingdings" pitchFamily="2" charset="2"/>
-              <a:buChar char="Ø"/>
-            </a:pPr>
-            <a:r>
-              <a:rPr lang="en-US" dirty="0">
-                <a:solidFill>
-                  <a:schemeClr val="bg1"/>
-                </a:solidFill>
-                <a:latin typeface="Segoe UI Light" pitchFamily="34" charset="0"/>
-                <a:cs typeface="Segoe UI Light" pitchFamily="34" charset="0"/>
-              </a:rPr>
-              <a:t>Ticket.St</a:t>
-            </a:r>
-          </a:p>
-        </p:txBody>
-      </p:sp>
-      <p:sp>
-        <p:nvSpPr>
-          <p:cNvPr id="29" name="TextBox 28"/>
-          <p:cNvSpPr txBox="1"/>
-          <p:nvPr/>
-        </p:nvSpPr>
-        <p:spPr>
-          <a:xfrm>
-            <a:off x="3313" y="2593613"/>
-            <a:ext cx="1749287" cy="369332"/>
-          </a:xfrm>
-          <a:prstGeom prst="rect">
-            <a:avLst/>
-          </a:prstGeom>
-          <a:noFill/>
-        </p:spPr>
-        <p:txBody>
-          <a:bodyPr wrap="square" rtlCol="0">
-            <a:spAutoFit/>
-          </a:bodyPr>
-          <a:lstStyle/>
-          <a:p>
-            <a:pPr marL="285750" indent="-285750">
-              <a:buFont typeface="Wingdings" pitchFamily="2" charset="2"/>
-              <a:buChar char="Ø"/>
-            </a:pPr>
-            <a:r>
-              <a:rPr lang="en-US" dirty="0">
-                <a:solidFill>
-                  <a:schemeClr val="bg1"/>
-                </a:solidFill>
-                <a:latin typeface="Segoe UI Light" pitchFamily="34" charset="0"/>
-                <a:cs typeface="Segoe UI Light" pitchFamily="34" charset="0"/>
-              </a:rPr>
-              <a:t>Problem</a:t>
-            </a:r>
-          </a:p>
-        </p:txBody>
-      </p:sp>
-      <p:sp>
-        <p:nvSpPr>
-          <p:cNvPr id="31" name="TextBox 30"/>
-          <p:cNvSpPr txBox="1"/>
-          <p:nvPr/>
-        </p:nvSpPr>
-        <p:spPr>
-          <a:xfrm>
-            <a:off x="3313" y="2971425"/>
-            <a:ext cx="1749287" cy="369332"/>
-          </a:xfrm>
-          <a:prstGeom prst="rect">
-            <a:avLst/>
-          </a:prstGeom>
-          <a:noFill/>
-        </p:spPr>
-        <p:txBody>
-          <a:bodyPr wrap="square" rtlCol="0">
-            <a:spAutoFit/>
-          </a:bodyPr>
-          <a:lstStyle/>
-          <a:p>
-            <a:pPr marL="285750" indent="-285750">
-              <a:buFont typeface="Wingdings" pitchFamily="2" charset="2"/>
-              <a:buChar char="Ø"/>
-            </a:pPr>
-            <a:r>
-              <a:rPr lang="en-US" dirty="0">
-                <a:solidFill>
-                  <a:schemeClr val="bg1"/>
-                </a:solidFill>
-                <a:latin typeface="Segoe UI Light" pitchFamily="34" charset="0"/>
-                <a:cs typeface="Segoe UI Light" pitchFamily="34" charset="0"/>
-              </a:rPr>
-              <a:t>Our Proposal</a:t>
-            </a:r>
-          </a:p>
-        </p:txBody>
-      </p:sp>
-      <p:sp>
-        <p:nvSpPr>
-          <p:cNvPr id="33" name="TextBox 32"/>
-          <p:cNvSpPr txBox="1"/>
-          <p:nvPr/>
-        </p:nvSpPr>
-        <p:spPr>
-          <a:xfrm>
-            <a:off x="5181600" y="777731"/>
-            <a:ext cx="3238500" cy="1877437"/>
-          </a:xfrm>
-          <a:prstGeom prst="rect">
-            <a:avLst/>
-          </a:prstGeom>
-          <a:noFill/>
-        </p:spPr>
-        <p:txBody>
-          <a:bodyPr wrap="square" rtlCol="0">
-            <a:spAutoFit/>
-          </a:bodyPr>
-          <a:lstStyle/>
-          <a:p>
-            <a:pPr marL="625475" indent="-396875">
-              <a:spcBef>
-                <a:spcPts val="1200"/>
-              </a:spcBef>
-              <a:buClr>
-                <a:srgbClr val="7030A0"/>
-              </a:buClr>
-              <a:buFont typeface="Segoe UI Light" pitchFamily="34" charset="0"/>
-              <a:buChar char="■"/>
-            </a:pPr>
-            <a:r>
-              <a:rPr lang="en-US" dirty="0" smtClean="0">
-                <a:solidFill>
-                  <a:schemeClr val="tx1">
-                    <a:lumMod val="75000"/>
-                    <a:lumOff val="25000"/>
-                  </a:schemeClr>
-                </a:solidFill>
-                <a:latin typeface="Segoe UI Light" pitchFamily="34" charset="0"/>
-                <a:cs typeface="Segoe UI Light" pitchFamily="34" charset="0"/>
-              </a:rPr>
-              <a:t>Công Minh Hiếu</a:t>
-            </a:r>
-          </a:p>
-          <a:p>
-            <a:pPr marL="514350" indent="-285750">
-              <a:spcBef>
-                <a:spcPts val="1200"/>
-              </a:spcBef>
-              <a:buClr>
-                <a:srgbClr val="7030A0"/>
-              </a:buClr>
-              <a:buFont typeface="Wingdings" pitchFamily="2" charset="2"/>
-              <a:buChar char="§"/>
-            </a:pPr>
-            <a:r>
-              <a:rPr lang="en-US" sz="1600" dirty="0" smtClean="0">
-                <a:solidFill>
-                  <a:schemeClr val="tx1">
-                    <a:lumMod val="75000"/>
-                    <a:lumOff val="25000"/>
-                  </a:schemeClr>
-                </a:solidFill>
-                <a:latin typeface="Segoe UI Light" pitchFamily="34" charset="0"/>
-                <a:cs typeface="Segoe UI Light" pitchFamily="34" charset="0"/>
-              </a:rPr>
-              <a:t>Business analysis</a:t>
-            </a:r>
-          </a:p>
-          <a:p>
-            <a:pPr marL="514350" indent="-285750">
-              <a:spcBef>
-                <a:spcPts val="1200"/>
-              </a:spcBef>
-              <a:buClr>
-                <a:srgbClr val="7030A0"/>
-              </a:buClr>
-              <a:buFont typeface="Wingdings" pitchFamily="2" charset="2"/>
-              <a:buChar char="§"/>
-            </a:pPr>
-            <a:r>
-              <a:rPr lang="en-US" sz="1600" dirty="0" smtClean="0">
-                <a:solidFill>
-                  <a:schemeClr val="tx1">
-                    <a:lumMod val="75000"/>
-                    <a:lumOff val="25000"/>
-                  </a:schemeClr>
-                </a:solidFill>
-                <a:latin typeface="Segoe UI Light" pitchFamily="34" charset="0"/>
-                <a:cs typeface="Segoe UI Light" pitchFamily="34" charset="0"/>
-              </a:rPr>
-              <a:t>Developer</a:t>
-            </a:r>
-          </a:p>
-          <a:p>
-            <a:pPr marL="514350" indent="-285750">
-              <a:spcBef>
-                <a:spcPts val="1200"/>
-              </a:spcBef>
-              <a:buClr>
-                <a:srgbClr val="7030A0"/>
-              </a:buClr>
-              <a:buFont typeface="Wingdings" pitchFamily="2" charset="2"/>
-              <a:buChar char="§"/>
-            </a:pPr>
-            <a:r>
-              <a:rPr lang="en-US" sz="1600" dirty="0" smtClean="0">
-                <a:solidFill>
-                  <a:schemeClr val="tx1">
-                    <a:lumMod val="75000"/>
-                    <a:lumOff val="25000"/>
-                  </a:schemeClr>
-                </a:solidFill>
-                <a:latin typeface="Segoe UI Light" pitchFamily="34" charset="0"/>
-                <a:cs typeface="Segoe UI Light" pitchFamily="34" charset="0"/>
-              </a:rPr>
-              <a:t>Tester</a:t>
-            </a:r>
-            <a:endParaRPr lang="en-US" sz="1600" dirty="0">
-              <a:solidFill>
-                <a:schemeClr val="tx1">
-                  <a:lumMod val="75000"/>
-                  <a:lumOff val="25000"/>
-                </a:schemeClr>
-              </a:solidFill>
-              <a:latin typeface="Segoe UI Light" pitchFamily="34" charset="0"/>
-              <a:cs typeface="Segoe UI Light" pitchFamily="34" charset="0"/>
-            </a:endParaRPr>
-          </a:p>
-          <a:p>
-            <a:pPr marL="625475" indent="-396875">
-              <a:buClr>
-                <a:srgbClr val="7030A0"/>
-              </a:buClr>
-              <a:buFont typeface="Segoe UI Light" pitchFamily="34" charset="0"/>
-              <a:buChar char="■"/>
-            </a:pPr>
-            <a:endParaRPr lang="en-US" sz="2000" dirty="0">
-              <a:solidFill>
-                <a:schemeClr val="tx1">
-                  <a:lumMod val="75000"/>
-                  <a:lumOff val="25000"/>
-                </a:schemeClr>
-              </a:solidFill>
-              <a:latin typeface="Segoe UI Light" pitchFamily="34" charset="0"/>
-              <a:cs typeface="Segoe UI Light" pitchFamily="34" charset="0"/>
-            </a:endParaRPr>
-          </a:p>
-        </p:txBody>
-      </p:sp>
-      <p:sp>
-        <p:nvSpPr>
-          <p:cNvPr id="34" name="TextBox 33"/>
-          <p:cNvSpPr txBox="1"/>
-          <p:nvPr/>
-        </p:nvSpPr>
-        <p:spPr>
-          <a:xfrm>
-            <a:off x="2019300" y="2661625"/>
-            <a:ext cx="2709738" cy="1877437"/>
-          </a:xfrm>
-          <a:prstGeom prst="rect">
-            <a:avLst/>
-          </a:prstGeom>
-          <a:noFill/>
-        </p:spPr>
-        <p:txBody>
-          <a:bodyPr wrap="square" rtlCol="0">
-            <a:spAutoFit/>
-          </a:bodyPr>
-          <a:lstStyle/>
-          <a:p>
-            <a:pPr marL="625475" indent="-396875">
-              <a:spcBef>
-                <a:spcPts val="1200"/>
-              </a:spcBef>
-              <a:buClr>
-                <a:srgbClr val="7030A0"/>
-              </a:buClr>
-              <a:buFont typeface="Segoe UI Light" pitchFamily="34" charset="0"/>
-              <a:buChar char="■"/>
-            </a:pPr>
-            <a:r>
-              <a:rPr lang="en-US" dirty="0" smtClean="0">
-                <a:solidFill>
-                  <a:schemeClr val="tx1">
-                    <a:lumMod val="75000"/>
-                    <a:lumOff val="25000"/>
-                  </a:schemeClr>
-                </a:solidFill>
-                <a:latin typeface="Segoe UI Light" pitchFamily="34" charset="0"/>
-                <a:cs typeface="Segoe UI Light" pitchFamily="34" charset="0"/>
-              </a:rPr>
-              <a:t>Đào Như Tùng</a:t>
-            </a:r>
-          </a:p>
-          <a:p>
-            <a:pPr marL="625475" indent="-396875">
-              <a:spcBef>
-                <a:spcPts val="1200"/>
-              </a:spcBef>
-              <a:buClr>
-                <a:srgbClr val="7030A0"/>
-              </a:buClr>
-              <a:buFont typeface="Wingdings" pitchFamily="2" charset="2"/>
-              <a:buChar char="§"/>
-            </a:pPr>
-            <a:r>
-              <a:rPr lang="en-US" sz="1600" dirty="0">
-                <a:solidFill>
-                  <a:schemeClr val="tx1">
-                    <a:lumMod val="75000"/>
-                    <a:lumOff val="25000"/>
-                  </a:schemeClr>
-                </a:solidFill>
-                <a:latin typeface="Segoe UI Light" pitchFamily="34" charset="0"/>
-                <a:cs typeface="Segoe UI Light" pitchFamily="34" charset="0"/>
-              </a:rPr>
-              <a:t>Business analysis</a:t>
-            </a:r>
-          </a:p>
-          <a:p>
-            <a:pPr marL="625475" indent="-396875">
-              <a:spcBef>
-                <a:spcPts val="1200"/>
-              </a:spcBef>
-              <a:buClr>
-                <a:srgbClr val="7030A0"/>
-              </a:buClr>
-              <a:buFont typeface="Wingdings" pitchFamily="2" charset="2"/>
-              <a:buChar char="§"/>
-            </a:pPr>
-            <a:r>
-              <a:rPr lang="en-US" sz="1600" dirty="0" smtClean="0">
-                <a:solidFill>
-                  <a:schemeClr val="tx1">
-                    <a:lumMod val="75000"/>
-                    <a:lumOff val="25000"/>
-                  </a:schemeClr>
-                </a:solidFill>
-                <a:latin typeface="Segoe UI Light" pitchFamily="34" charset="0"/>
-                <a:cs typeface="Segoe UI Light" pitchFamily="34" charset="0"/>
-              </a:rPr>
-              <a:t>Developer</a:t>
-            </a:r>
-          </a:p>
-          <a:p>
-            <a:pPr marL="625475" indent="-396875">
-              <a:spcBef>
-                <a:spcPts val="1200"/>
-              </a:spcBef>
-              <a:buClr>
-                <a:srgbClr val="7030A0"/>
-              </a:buClr>
-              <a:buFont typeface="Wingdings" pitchFamily="2" charset="2"/>
-              <a:buChar char="§"/>
-            </a:pPr>
-            <a:r>
-              <a:rPr lang="en-US" sz="1600" dirty="0" smtClean="0">
-                <a:solidFill>
-                  <a:schemeClr val="tx1">
-                    <a:lumMod val="75000"/>
-                    <a:lumOff val="25000"/>
-                  </a:schemeClr>
-                </a:solidFill>
-                <a:latin typeface="Segoe UI Light" pitchFamily="34" charset="0"/>
-                <a:cs typeface="Segoe UI Light" pitchFamily="34" charset="0"/>
-              </a:rPr>
-              <a:t>Tester</a:t>
-            </a:r>
-            <a:endParaRPr lang="en-US" sz="1600" dirty="0">
-              <a:solidFill>
-                <a:schemeClr val="tx1">
-                  <a:lumMod val="75000"/>
-                  <a:lumOff val="25000"/>
-                </a:schemeClr>
-              </a:solidFill>
-              <a:latin typeface="Segoe UI Light" pitchFamily="34" charset="0"/>
-              <a:cs typeface="Segoe UI Light" pitchFamily="34" charset="0"/>
-            </a:endParaRPr>
-          </a:p>
-          <a:p>
-            <a:pPr marL="625475" indent="-396875">
-              <a:buClr>
-                <a:srgbClr val="7030A0"/>
-              </a:buClr>
-              <a:buFont typeface="Segoe UI Light" pitchFamily="34" charset="0"/>
-              <a:buChar char="■"/>
-            </a:pPr>
-            <a:endParaRPr lang="en-US" sz="2000" dirty="0">
-              <a:solidFill>
-                <a:schemeClr val="tx1">
-                  <a:lumMod val="75000"/>
-                  <a:lumOff val="25000"/>
-                </a:schemeClr>
-              </a:solidFill>
-              <a:latin typeface="Segoe UI Light" pitchFamily="34" charset="0"/>
-              <a:cs typeface="Segoe UI Light" pitchFamily="34" charset="0"/>
-            </a:endParaRPr>
-          </a:p>
-        </p:txBody>
-      </p:sp>
-      <p:sp>
-        <p:nvSpPr>
-          <p:cNvPr id="35" name="TextBox 34"/>
-          <p:cNvSpPr txBox="1"/>
-          <p:nvPr/>
-        </p:nvSpPr>
-        <p:spPr>
-          <a:xfrm>
-            <a:off x="5257800" y="2759781"/>
-            <a:ext cx="2819400" cy="1877437"/>
-          </a:xfrm>
-          <a:prstGeom prst="rect">
-            <a:avLst/>
-          </a:prstGeom>
-          <a:noFill/>
-        </p:spPr>
-        <p:txBody>
-          <a:bodyPr wrap="square" rtlCol="0">
-            <a:spAutoFit/>
-          </a:bodyPr>
-          <a:lstStyle/>
-          <a:p>
-            <a:pPr marL="625475" indent="-396875">
-              <a:spcBef>
-                <a:spcPts val="1200"/>
-              </a:spcBef>
-              <a:buClr>
-                <a:srgbClr val="7030A0"/>
-              </a:buClr>
-              <a:buFont typeface="Segoe UI Light" pitchFamily="34" charset="0"/>
-              <a:buChar char="■"/>
-            </a:pPr>
-            <a:r>
-              <a:rPr lang="en-US" dirty="0" smtClean="0">
-                <a:solidFill>
-                  <a:schemeClr val="tx1">
-                    <a:lumMod val="75000"/>
-                    <a:lumOff val="25000"/>
-                  </a:schemeClr>
-                </a:solidFill>
-                <a:latin typeface="Segoe UI Light" pitchFamily="34" charset="0"/>
-                <a:cs typeface="Segoe UI Light" pitchFamily="34" charset="0"/>
-              </a:rPr>
-              <a:t>Nguyễn Thanh Tùng</a:t>
-            </a:r>
-          </a:p>
-          <a:p>
-            <a:pPr marL="625475" indent="-396875">
-              <a:spcBef>
-                <a:spcPts val="1200"/>
-              </a:spcBef>
-              <a:buClr>
-                <a:srgbClr val="7030A0"/>
-              </a:buClr>
-              <a:buFont typeface="Wingdings" pitchFamily="2" charset="2"/>
-              <a:buChar char="§"/>
-            </a:pPr>
-            <a:r>
-              <a:rPr lang="en-US" sz="1600" dirty="0" smtClean="0">
-                <a:solidFill>
-                  <a:schemeClr val="tx1">
-                    <a:lumMod val="75000"/>
-                    <a:lumOff val="25000"/>
-                  </a:schemeClr>
-                </a:solidFill>
-                <a:latin typeface="Segoe UI Light" pitchFamily="34" charset="0"/>
-                <a:cs typeface="Segoe UI Light" pitchFamily="34" charset="0"/>
-              </a:rPr>
-              <a:t>Quality Assurance</a:t>
-            </a:r>
-          </a:p>
-          <a:p>
-            <a:pPr marL="625475" indent="-396875">
-              <a:spcBef>
-                <a:spcPts val="1200"/>
-              </a:spcBef>
-              <a:buClr>
-                <a:srgbClr val="7030A0"/>
-              </a:buClr>
-              <a:buFont typeface="Wingdings" pitchFamily="2" charset="2"/>
-              <a:buChar char="§"/>
-            </a:pPr>
-            <a:r>
-              <a:rPr lang="en-US" sz="1600" dirty="0" smtClean="0">
-                <a:solidFill>
-                  <a:schemeClr val="tx1">
-                    <a:lumMod val="75000"/>
-                    <a:lumOff val="25000"/>
-                  </a:schemeClr>
-                </a:solidFill>
-                <a:latin typeface="Segoe UI Light" pitchFamily="34" charset="0"/>
-                <a:cs typeface="Segoe UI Light" pitchFamily="34" charset="0"/>
-              </a:rPr>
-              <a:t>Developer</a:t>
-            </a:r>
-          </a:p>
-          <a:p>
-            <a:pPr marL="625475" indent="-396875">
-              <a:spcBef>
-                <a:spcPts val="1200"/>
-              </a:spcBef>
-              <a:buClr>
-                <a:srgbClr val="7030A0"/>
-              </a:buClr>
-              <a:buFont typeface="Wingdings" pitchFamily="2" charset="2"/>
-              <a:buChar char="§"/>
-            </a:pPr>
-            <a:r>
-              <a:rPr lang="en-US" sz="1600" dirty="0" smtClean="0">
-                <a:solidFill>
-                  <a:schemeClr val="tx1">
-                    <a:lumMod val="75000"/>
-                    <a:lumOff val="25000"/>
-                  </a:schemeClr>
-                </a:solidFill>
-                <a:latin typeface="Segoe UI Light" pitchFamily="34" charset="0"/>
-                <a:cs typeface="Segoe UI Light" pitchFamily="34" charset="0"/>
-              </a:rPr>
-              <a:t>Tester</a:t>
-            </a:r>
-            <a:endParaRPr lang="en-US" sz="1600" dirty="0">
-              <a:solidFill>
-                <a:schemeClr val="tx1">
-                  <a:lumMod val="75000"/>
-                  <a:lumOff val="25000"/>
-                </a:schemeClr>
-              </a:solidFill>
-              <a:latin typeface="Segoe UI Light" pitchFamily="34" charset="0"/>
-              <a:cs typeface="Segoe UI Light" pitchFamily="34" charset="0"/>
-            </a:endParaRPr>
-          </a:p>
-          <a:p>
-            <a:pPr marL="625475" indent="-396875">
-              <a:buClr>
-                <a:srgbClr val="7030A0"/>
-              </a:buClr>
-              <a:buFont typeface="Segoe UI Light" pitchFamily="34" charset="0"/>
-              <a:buChar char="■"/>
-            </a:pPr>
-            <a:endParaRPr lang="en-US" sz="2000" dirty="0">
-              <a:solidFill>
-                <a:schemeClr val="tx1">
-                  <a:lumMod val="75000"/>
-                  <a:lumOff val="25000"/>
-                </a:schemeClr>
-              </a:solidFill>
-              <a:latin typeface="Segoe UI Light" pitchFamily="34" charset="0"/>
-              <a:cs typeface="Segoe UI Light" pitchFamily="34" charset="0"/>
-            </a:endParaRPr>
-          </a:p>
-        </p:txBody>
-      </p:sp>
-      <p:sp>
-        <p:nvSpPr>
-          <p:cNvPr id="36" name="TextBox 35"/>
-          <p:cNvSpPr txBox="1"/>
-          <p:nvPr/>
-        </p:nvSpPr>
-        <p:spPr>
-          <a:xfrm>
-            <a:off x="2019300" y="4419600"/>
-            <a:ext cx="2709738" cy="1877437"/>
-          </a:xfrm>
-          <a:prstGeom prst="rect">
-            <a:avLst/>
-          </a:prstGeom>
-          <a:noFill/>
-        </p:spPr>
-        <p:txBody>
-          <a:bodyPr wrap="square" rtlCol="0">
-            <a:spAutoFit/>
-          </a:bodyPr>
-          <a:lstStyle/>
-          <a:p>
-            <a:pPr marL="625475" indent="-396875">
-              <a:spcBef>
-                <a:spcPts val="1200"/>
-              </a:spcBef>
-              <a:buClr>
-                <a:srgbClr val="7030A0"/>
-              </a:buClr>
-              <a:buFont typeface="Segoe UI Light" pitchFamily="34" charset="0"/>
-              <a:buChar char="■"/>
-            </a:pPr>
-            <a:r>
-              <a:rPr lang="en-US" dirty="0" smtClean="0">
-                <a:solidFill>
-                  <a:schemeClr val="tx1">
-                    <a:lumMod val="75000"/>
-                    <a:lumOff val="25000"/>
-                  </a:schemeClr>
-                </a:solidFill>
-                <a:latin typeface="Segoe UI Light" pitchFamily="34" charset="0"/>
-                <a:cs typeface="Segoe UI Light" pitchFamily="34" charset="0"/>
-              </a:rPr>
-              <a:t>Đặng Quốc Duy</a:t>
-            </a:r>
-          </a:p>
-          <a:p>
-            <a:pPr marL="625475" indent="-396875">
-              <a:spcBef>
-                <a:spcPts val="1200"/>
-              </a:spcBef>
-              <a:buClr>
-                <a:srgbClr val="7030A0"/>
-              </a:buClr>
-              <a:buFont typeface="Wingdings" pitchFamily="2" charset="2"/>
-              <a:buChar char="§"/>
-            </a:pPr>
-            <a:r>
-              <a:rPr lang="en-US" sz="1600" dirty="0">
-                <a:solidFill>
-                  <a:schemeClr val="tx1">
-                    <a:lumMod val="75000"/>
-                    <a:lumOff val="25000"/>
-                  </a:schemeClr>
-                </a:solidFill>
-                <a:latin typeface="Segoe UI Light" pitchFamily="34" charset="0"/>
-                <a:cs typeface="Segoe UI Light" pitchFamily="34" charset="0"/>
-              </a:rPr>
-              <a:t>Quality Assurance</a:t>
-            </a:r>
-          </a:p>
-          <a:p>
-            <a:pPr marL="625475" indent="-396875">
-              <a:spcBef>
-                <a:spcPts val="1200"/>
-              </a:spcBef>
-              <a:buClr>
-                <a:srgbClr val="7030A0"/>
-              </a:buClr>
-              <a:buFont typeface="Wingdings" pitchFamily="2" charset="2"/>
-              <a:buChar char="§"/>
-            </a:pPr>
-            <a:r>
-              <a:rPr lang="en-US" sz="1600" dirty="0" smtClean="0">
-                <a:solidFill>
-                  <a:schemeClr val="tx1">
-                    <a:lumMod val="75000"/>
-                    <a:lumOff val="25000"/>
-                  </a:schemeClr>
-                </a:solidFill>
-                <a:latin typeface="Segoe UI Light" pitchFamily="34" charset="0"/>
-                <a:cs typeface="Segoe UI Light" pitchFamily="34" charset="0"/>
-              </a:rPr>
-              <a:t>Developer</a:t>
-            </a:r>
-          </a:p>
-          <a:p>
-            <a:pPr marL="625475" indent="-396875">
-              <a:spcBef>
-                <a:spcPts val="1200"/>
-              </a:spcBef>
-              <a:buClr>
-                <a:srgbClr val="7030A0"/>
-              </a:buClr>
-              <a:buFont typeface="Wingdings" pitchFamily="2" charset="2"/>
-              <a:buChar char="§"/>
-            </a:pPr>
-            <a:r>
-              <a:rPr lang="en-US" sz="1600" dirty="0" smtClean="0">
-                <a:solidFill>
-                  <a:schemeClr val="tx1">
-                    <a:lumMod val="75000"/>
-                    <a:lumOff val="25000"/>
-                  </a:schemeClr>
-                </a:solidFill>
-                <a:latin typeface="Segoe UI Light" pitchFamily="34" charset="0"/>
-                <a:cs typeface="Segoe UI Light" pitchFamily="34" charset="0"/>
-              </a:rPr>
-              <a:t>Tester</a:t>
-            </a:r>
-            <a:endParaRPr lang="en-US" sz="1600" dirty="0">
-              <a:solidFill>
-                <a:schemeClr val="tx1">
-                  <a:lumMod val="75000"/>
-                  <a:lumOff val="25000"/>
-                </a:schemeClr>
-              </a:solidFill>
-              <a:latin typeface="Segoe UI Light" pitchFamily="34" charset="0"/>
-              <a:cs typeface="Segoe UI Light" pitchFamily="34" charset="0"/>
-            </a:endParaRPr>
-          </a:p>
-          <a:p>
-            <a:pPr marL="625475" indent="-396875">
-              <a:buClr>
-                <a:srgbClr val="7030A0"/>
-              </a:buClr>
-              <a:buFont typeface="Segoe UI Light" pitchFamily="34" charset="0"/>
-              <a:buChar char="■"/>
-            </a:pPr>
-            <a:endParaRPr lang="en-US" sz="2000" dirty="0">
-              <a:solidFill>
-                <a:schemeClr val="tx1">
-                  <a:lumMod val="75000"/>
-                  <a:lumOff val="25000"/>
-                </a:schemeClr>
-              </a:solidFill>
-              <a:latin typeface="Segoe UI Light" pitchFamily="34" charset="0"/>
-              <a:cs typeface="Segoe UI Light" pitchFamily="34" charset="0"/>
-            </a:endParaRPr>
-          </a:p>
-        </p:txBody>
-      </p:sp>
     </p:spTree>
     <p:extLst>
       <p:ext uri="{BB962C8B-B14F-4D97-AF65-F5344CB8AC3E}">
-        <p14:creationId xmlns:p14="http://schemas.microsoft.com/office/powerpoint/2010/main" val="4222900080"/>
+        <p14:creationId xmlns:p14="http://schemas.microsoft.com/office/powerpoint/2010/main" val="4100906987"/>
       </p:ext>
     </p:extLst>
   </p:cSld>

--- a/Document/Present.pptx
+++ b/Document/Present.pptx
@@ -129,7 +129,7 @@
   </p:defaultTextStyle>
   <p:extLst>
     <p:ext uri="{EFAFB233-063F-42B5-8137-9DF3F51BA10A}">
-      <p15:sldGuideLst xmlns:p15="http://schemas.microsoft.com/office/powerpoint/2012/main" xmlns="">
+      <p15:sldGuideLst xmlns="" xmlns:p15="http://schemas.microsoft.com/office/powerpoint/2012/main">
         <p15:guide id="1" orient="horz" pos="2160">
           <p15:clr>
             <a:srgbClr val="A4A3A4"/>
@@ -19555,62 +19555,6 @@
       </p:sp>
       <p:sp>
         <p:nvSpPr>
-          <p:cNvPr id="13" name="Rectangle 12"/>
-          <p:cNvSpPr/>
-          <p:nvPr/>
-        </p:nvSpPr>
-        <p:spPr>
-          <a:xfrm>
-            <a:off x="0" y="2316480"/>
-            <a:ext cx="1828800" cy="548640"/>
-          </a:xfrm>
-          <a:prstGeom prst="rect">
-            <a:avLst/>
-          </a:prstGeom>
-          <a:solidFill>
-            <a:schemeClr val="bg1">
-              <a:lumMod val="95000"/>
-            </a:schemeClr>
-          </a:solidFill>
-          <a:ln>
-            <a:noFill/>
-          </a:ln>
-        </p:spPr>
-        <p:style>
-          <a:lnRef idx="2">
-            <a:schemeClr val="accent1">
-              <a:shade val="50000"/>
-            </a:schemeClr>
-          </a:lnRef>
-          <a:fillRef idx="1">
-            <a:schemeClr val="accent1"/>
-          </a:fillRef>
-          <a:effectRef idx="0">
-            <a:schemeClr val="accent1"/>
-          </a:effectRef>
-          <a:fontRef idx="minor">
-            <a:schemeClr val="lt1"/>
-          </a:fontRef>
-        </p:style>
-        <p:txBody>
-          <a:bodyPr lIns="822960" rtlCol="0" anchor="ctr"/>
-          <a:lstStyle/>
-          <a:p>
-            <a:endParaRPr lang="en-US" sz="2400" dirty="0">
-              <a:solidFill>
-                <a:schemeClr val="tx1">
-                  <a:lumMod val="75000"/>
-                  <a:lumOff val="25000"/>
-                </a:schemeClr>
-              </a:solidFill>
-              <a:latin typeface="Segoe UI Light" pitchFamily="34" charset="0"/>
-              <a:cs typeface="Segoe UI Light" pitchFamily="34" charset="0"/>
-            </a:endParaRPr>
-          </a:p>
-        </p:txBody>
-      </p:sp>
-      <p:sp>
-        <p:nvSpPr>
           <p:cNvPr id="14" name="Rectangle 13"/>
           <p:cNvSpPr/>
           <p:nvPr/>
@@ -20073,235 +20017,6 @@
               <a:latin typeface="Segoe UI Light" pitchFamily="34" charset="0"/>
               <a:cs typeface="Segoe UI Light" pitchFamily="34" charset="0"/>
             </a:endParaRPr>
-          </a:p>
-        </p:txBody>
-      </p:sp>
-      <p:sp>
-        <p:nvSpPr>
-          <p:cNvPr id="25" name="Rectangle 24"/>
-          <p:cNvSpPr/>
-          <p:nvPr/>
-        </p:nvSpPr>
-        <p:spPr>
-          <a:xfrm>
-            <a:off x="0" y="2548787"/>
-            <a:ext cx="1828800" cy="397431"/>
-          </a:xfrm>
-          <a:prstGeom prst="rect">
-            <a:avLst/>
-          </a:prstGeom>
-          <a:solidFill>
-            <a:schemeClr val="bg1">
-              <a:lumMod val="50000"/>
-            </a:schemeClr>
-          </a:solidFill>
-          <a:ln>
-            <a:noFill/>
-          </a:ln>
-        </p:spPr>
-        <p:style>
-          <a:lnRef idx="2">
-            <a:schemeClr val="accent1">
-              <a:shade val="50000"/>
-            </a:schemeClr>
-          </a:lnRef>
-          <a:fillRef idx="1">
-            <a:schemeClr val="accent1"/>
-          </a:fillRef>
-          <a:effectRef idx="0">
-            <a:schemeClr val="accent1"/>
-          </a:effectRef>
-          <a:fontRef idx="minor">
-            <a:schemeClr val="lt1"/>
-          </a:fontRef>
-        </p:style>
-        <p:txBody>
-          <a:bodyPr lIns="822960" rtlCol="0" anchor="ctr"/>
-          <a:lstStyle/>
-          <a:p>
-            <a:endParaRPr lang="en-US" sz="2400" dirty="0">
-              <a:solidFill>
-                <a:schemeClr val="tx1">
-                  <a:lumMod val="75000"/>
-                  <a:lumOff val="25000"/>
-                </a:schemeClr>
-              </a:solidFill>
-              <a:latin typeface="Segoe UI Light" pitchFamily="34" charset="0"/>
-              <a:cs typeface="Segoe UI Light" pitchFamily="34" charset="0"/>
-            </a:endParaRPr>
-          </a:p>
-        </p:txBody>
-      </p:sp>
-      <p:sp>
-        <p:nvSpPr>
-          <p:cNvPr id="26" name="Rectangle 25"/>
-          <p:cNvSpPr/>
-          <p:nvPr/>
-        </p:nvSpPr>
-        <p:spPr>
-          <a:xfrm>
-            <a:off x="3313" y="2946218"/>
-            <a:ext cx="1828800" cy="397431"/>
-          </a:xfrm>
-          <a:prstGeom prst="rect">
-            <a:avLst/>
-          </a:prstGeom>
-          <a:solidFill>
-            <a:schemeClr val="bg1">
-              <a:lumMod val="50000"/>
-            </a:schemeClr>
-          </a:solidFill>
-          <a:ln>
-            <a:noFill/>
-          </a:ln>
-        </p:spPr>
-        <p:style>
-          <a:lnRef idx="2">
-            <a:schemeClr val="accent1">
-              <a:shade val="50000"/>
-            </a:schemeClr>
-          </a:lnRef>
-          <a:fillRef idx="1">
-            <a:schemeClr val="accent1"/>
-          </a:fillRef>
-          <a:effectRef idx="0">
-            <a:schemeClr val="accent1"/>
-          </a:effectRef>
-          <a:fontRef idx="minor">
-            <a:schemeClr val="lt1"/>
-          </a:fontRef>
-        </p:style>
-        <p:txBody>
-          <a:bodyPr lIns="822960" rtlCol="0" anchor="ctr"/>
-          <a:lstStyle/>
-          <a:p>
-            <a:endParaRPr lang="en-US" sz="2400" dirty="0">
-              <a:solidFill>
-                <a:schemeClr val="tx1">
-                  <a:lumMod val="75000"/>
-                  <a:lumOff val="25000"/>
-                </a:schemeClr>
-              </a:solidFill>
-              <a:latin typeface="Segoe UI Light" pitchFamily="34" charset="0"/>
-              <a:cs typeface="Segoe UI Light" pitchFamily="34" charset="0"/>
-            </a:endParaRPr>
-          </a:p>
-        </p:txBody>
-      </p:sp>
-      <p:sp>
-        <p:nvSpPr>
-          <p:cNvPr id="28" name="TextBox 27"/>
-          <p:cNvSpPr txBox="1"/>
-          <p:nvPr/>
-        </p:nvSpPr>
-        <p:spPr>
-          <a:xfrm>
-            <a:off x="3313" y="2196182"/>
-            <a:ext cx="1749287" cy="369332"/>
-          </a:xfrm>
-          <a:prstGeom prst="rect">
-            <a:avLst/>
-          </a:prstGeom>
-          <a:noFill/>
-        </p:spPr>
-        <p:txBody>
-          <a:bodyPr wrap="square" rtlCol="0">
-            <a:spAutoFit/>
-          </a:bodyPr>
-          <a:lstStyle/>
-          <a:p>
-            <a:pPr marL="285750" indent="-285750">
-              <a:buFont typeface="Wingdings" pitchFamily="2" charset="2"/>
-              <a:buChar char="Ø"/>
-            </a:pPr>
-            <a:r>
-              <a:rPr lang="en-US" dirty="0">
-                <a:solidFill>
-                  <a:schemeClr val="bg1"/>
-                </a:solidFill>
-                <a:latin typeface="Segoe UI Light" pitchFamily="34" charset="0"/>
-                <a:cs typeface="Segoe UI Light" pitchFamily="34" charset="0"/>
-              </a:rPr>
-              <a:t>Ticket.St</a:t>
-            </a:r>
-          </a:p>
-        </p:txBody>
-      </p:sp>
-      <p:sp>
-        <p:nvSpPr>
-          <p:cNvPr id="29" name="TextBox 28"/>
-          <p:cNvSpPr txBox="1"/>
-          <p:nvPr/>
-        </p:nvSpPr>
-        <p:spPr>
-          <a:xfrm>
-            <a:off x="3313" y="2593613"/>
-            <a:ext cx="1749287" cy="369332"/>
-          </a:xfrm>
-          <a:prstGeom prst="rect">
-            <a:avLst/>
-          </a:prstGeom>
-          <a:noFill/>
-        </p:spPr>
-        <p:txBody>
-          <a:bodyPr wrap="square" rtlCol="0">
-            <a:spAutoFit/>
-          </a:bodyPr>
-          <a:lstStyle/>
-          <a:p>
-            <a:pPr marL="285750" indent="-285750">
-              <a:buFont typeface="Wingdings" pitchFamily="2" charset="2"/>
-              <a:buChar char="Ø"/>
-            </a:pPr>
-            <a:r>
-              <a:rPr lang="en-US" dirty="0">
-                <a:solidFill>
-                  <a:schemeClr val="bg1"/>
-                </a:solidFill>
-                <a:latin typeface="Segoe UI Light" pitchFamily="34" charset="0"/>
-                <a:cs typeface="Segoe UI Light" pitchFamily="34" charset="0"/>
-              </a:rPr>
-              <a:t>Problem</a:t>
-            </a:r>
-          </a:p>
-        </p:txBody>
-      </p:sp>
-      <p:sp>
-        <p:nvSpPr>
-          <p:cNvPr id="31" name="TextBox 30"/>
-          <p:cNvSpPr txBox="1"/>
-          <p:nvPr/>
-        </p:nvSpPr>
-        <p:spPr>
-          <a:xfrm>
-            <a:off x="3313" y="2971425"/>
-            <a:ext cx="1749287" cy="369332"/>
-          </a:xfrm>
-          <a:prstGeom prst="rect">
-            <a:avLst/>
-          </a:prstGeom>
-          <a:noFill/>
-        </p:spPr>
-        <p:txBody>
-          <a:bodyPr wrap="square" rtlCol="0">
-            <a:spAutoFit/>
-          </a:bodyPr>
-          <a:lstStyle/>
-          <a:p>
-            <a:pPr marL="285750" indent="-285750">
-              <a:buFont typeface="Wingdings" pitchFamily="2" charset="2"/>
-              <a:buChar char="Ø"/>
-            </a:pPr>
-            <a:r>
-              <a:rPr lang="en-US" dirty="0">
-                <a:solidFill>
-                  <a:schemeClr val="bg1"/>
-                </a:solidFill>
-                <a:latin typeface="Segoe UI Light" pitchFamily="34" charset="0"/>
-                <a:cs typeface="Segoe UI Light" pitchFamily="34" charset="0"/>
-              </a:rPr>
-              <a:t>Our Proposal</a:t>
-            </a:r>
           </a:p>
         </p:txBody>
       </p:sp>

--- a/Document/Present.pptx
+++ b/Document/Present.pptx
@@ -129,7 +129,7 @@
   </p:defaultTextStyle>
   <p:extLst>
     <p:ext uri="{EFAFB233-063F-42B5-8137-9DF3F51BA10A}">
-      <p15:sldGuideLst xmlns="" xmlns:p15="http://schemas.microsoft.com/office/powerpoint/2012/main">
+      <p15:sldGuideLst xmlns:p15="http://schemas.microsoft.com/office/powerpoint/2012/main" xmlns="">
         <p15:guide id="1" orient="horz" pos="2160">
           <p15:clr>
             <a:srgbClr val="A4A3A4"/>
@@ -1203,6 +1203,399 @@
       <dsp:cNvGrpSpPr/>
     </dsp:nvGrpSpPr>
     <dsp:grpSpPr/>
+    <dsp:sp modelId="{922539D6-1411-4F95-ABC6-9CA624F49588}">
+      <dsp:nvSpPr>
+        <dsp:cNvPr id="0" name=""/>
+        <dsp:cNvSpPr/>
+      </dsp:nvSpPr>
+      <dsp:spPr>
+        <a:xfrm>
+          <a:off x="972688" y="105853"/>
+          <a:ext cx="5692437" cy="1815972"/>
+        </a:xfrm>
+        <a:prstGeom prst="roundRect">
+          <a:avLst>
+            <a:gd name="adj" fmla="val 10000"/>
+          </a:avLst>
+        </a:prstGeom>
+        <a:solidFill>
+          <a:schemeClr val="accent1">
+            <a:hueOff val="0"/>
+            <a:satOff val="0"/>
+            <a:lumOff val="0"/>
+            <a:alphaOff val="0"/>
+          </a:schemeClr>
+        </a:solidFill>
+        <a:ln w="25400" cap="flat" cmpd="sng" algn="ctr">
+          <a:solidFill>
+            <a:schemeClr val="lt1">
+              <a:hueOff val="0"/>
+              <a:satOff val="0"/>
+              <a:lumOff val="0"/>
+              <a:alphaOff val="0"/>
+            </a:schemeClr>
+          </a:solidFill>
+          <a:prstDash val="solid"/>
+        </a:ln>
+        <a:effectLst/>
+      </dsp:spPr>
+      <dsp:style>
+        <a:lnRef idx="2">
+          <a:scrgbClr r="0" g="0" b="0"/>
+        </a:lnRef>
+        <a:fillRef idx="1">
+          <a:scrgbClr r="0" g="0" b="0"/>
+        </a:fillRef>
+        <a:effectRef idx="0">
+          <a:scrgbClr r="0" g="0" b="0"/>
+        </a:effectRef>
+        <a:fontRef idx="minor">
+          <a:schemeClr val="lt1"/>
+        </a:fontRef>
+      </dsp:style>
+      <dsp:txBody>
+        <a:bodyPr spcFirstLastPara="0" vert="horz" wrap="square" lIns="247650" tIns="247650" rIns="247650" bIns="247650" numCol="1" spcCol="1270" anchor="ctr" anchorCtr="0">
+          <a:noAutofit/>
+        </a:bodyPr>
+        <a:lstStyle/>
+        <a:p>
+          <a:pPr lvl="0" algn="l" defTabSz="2889250">
+            <a:lnSpc>
+              <a:spcPct val="90000"/>
+            </a:lnSpc>
+            <a:spcBef>
+              <a:spcPct val="0"/>
+            </a:spcBef>
+            <a:spcAft>
+              <a:spcPct val="35000"/>
+            </a:spcAft>
+          </a:pPr>
+          <a:r>
+            <a:rPr lang="en-US" sz="6500" kern="1200" dirty="0" smtClean="0"/>
+            <a:t> </a:t>
+          </a:r>
+          <a:endParaRPr lang="en-US" sz="6500" kern="1200" dirty="0"/>
+        </a:p>
+      </dsp:txBody>
+      <dsp:txXfrm>
+        <a:off x="1025876" y="159041"/>
+        <a:ext cx="3724002" cy="1709596"/>
+      </dsp:txXfrm>
+    </dsp:sp>
+    <dsp:sp modelId="{F412019C-E47A-465C-816F-304AD6E84017}">
+      <dsp:nvSpPr>
+        <dsp:cNvPr id="0" name=""/>
+        <dsp:cNvSpPr/>
+      </dsp:nvSpPr>
+      <dsp:spPr>
+        <a:xfrm>
+          <a:off x="999485" y="2125662"/>
+          <a:ext cx="5665640" cy="1815972"/>
+        </a:xfrm>
+        <a:prstGeom prst="roundRect">
+          <a:avLst>
+            <a:gd name="adj" fmla="val 10000"/>
+          </a:avLst>
+        </a:prstGeom>
+        <a:solidFill>
+          <a:schemeClr val="accent1">
+            <a:hueOff val="0"/>
+            <a:satOff val="0"/>
+            <a:lumOff val="0"/>
+            <a:alphaOff val="0"/>
+          </a:schemeClr>
+        </a:solidFill>
+        <a:ln w="25400" cap="flat" cmpd="sng" algn="ctr">
+          <a:solidFill>
+            <a:schemeClr val="lt1">
+              <a:hueOff val="0"/>
+              <a:satOff val="0"/>
+              <a:lumOff val="0"/>
+              <a:alphaOff val="0"/>
+            </a:schemeClr>
+          </a:solidFill>
+          <a:prstDash val="solid"/>
+        </a:ln>
+        <a:effectLst/>
+      </dsp:spPr>
+      <dsp:style>
+        <a:lnRef idx="2">
+          <a:scrgbClr r="0" g="0" b="0"/>
+        </a:lnRef>
+        <a:fillRef idx="1">
+          <a:scrgbClr r="0" g="0" b="0"/>
+        </a:fillRef>
+        <a:effectRef idx="0">
+          <a:scrgbClr r="0" g="0" b="0"/>
+        </a:effectRef>
+        <a:fontRef idx="minor">
+          <a:schemeClr val="lt1"/>
+        </a:fontRef>
+      </dsp:style>
+      <dsp:txBody>
+        <a:bodyPr spcFirstLastPara="0" vert="horz" wrap="square" lIns="247650" tIns="247650" rIns="247650" bIns="247650" numCol="1" spcCol="1270" anchor="ctr" anchorCtr="0">
+          <a:noAutofit/>
+        </a:bodyPr>
+        <a:lstStyle/>
+        <a:p>
+          <a:pPr lvl="0" algn="l" defTabSz="2889250">
+            <a:lnSpc>
+              <a:spcPct val="90000"/>
+            </a:lnSpc>
+            <a:spcBef>
+              <a:spcPct val="0"/>
+            </a:spcBef>
+            <a:spcAft>
+              <a:spcPct val="35000"/>
+            </a:spcAft>
+          </a:pPr>
+          <a:r>
+            <a:rPr lang="en-US" sz="6500" kern="1200" dirty="0" smtClean="0"/>
+            <a:t> </a:t>
+          </a:r>
+          <a:endParaRPr lang="en-US" sz="6500" kern="1200" dirty="0"/>
+        </a:p>
+      </dsp:txBody>
+      <dsp:txXfrm>
+        <a:off x="1052673" y="2178850"/>
+        <a:ext cx="3878913" cy="1709596"/>
+      </dsp:txXfrm>
+    </dsp:sp>
+    <dsp:sp modelId="{FE30DE2C-C7A2-4B15-8216-38B8E350332C}">
+      <dsp:nvSpPr>
+        <dsp:cNvPr id="0" name=""/>
+        <dsp:cNvSpPr/>
+      </dsp:nvSpPr>
+      <dsp:spPr>
+        <a:xfrm>
+          <a:off x="1006539" y="4237270"/>
+          <a:ext cx="5665357" cy="1815972"/>
+        </a:xfrm>
+        <a:prstGeom prst="roundRect">
+          <a:avLst>
+            <a:gd name="adj" fmla="val 10000"/>
+          </a:avLst>
+        </a:prstGeom>
+        <a:solidFill>
+          <a:schemeClr val="accent1">
+            <a:hueOff val="0"/>
+            <a:satOff val="0"/>
+            <a:lumOff val="0"/>
+            <a:alphaOff val="0"/>
+          </a:schemeClr>
+        </a:solidFill>
+        <a:ln w="25400" cap="flat" cmpd="sng" algn="ctr">
+          <a:solidFill>
+            <a:schemeClr val="lt1">
+              <a:hueOff val="0"/>
+              <a:satOff val="0"/>
+              <a:lumOff val="0"/>
+              <a:alphaOff val="0"/>
+            </a:schemeClr>
+          </a:solidFill>
+          <a:prstDash val="solid"/>
+        </a:ln>
+        <a:effectLst/>
+      </dsp:spPr>
+      <dsp:style>
+        <a:lnRef idx="2">
+          <a:scrgbClr r="0" g="0" b="0"/>
+        </a:lnRef>
+        <a:fillRef idx="1">
+          <a:scrgbClr r="0" g="0" b="0"/>
+        </a:fillRef>
+        <a:effectRef idx="0">
+          <a:scrgbClr r="0" g="0" b="0"/>
+        </a:effectRef>
+        <a:fontRef idx="minor">
+          <a:schemeClr val="lt1"/>
+        </a:fontRef>
+      </dsp:style>
+      <dsp:txBody>
+        <a:bodyPr spcFirstLastPara="0" vert="horz" wrap="square" lIns="247650" tIns="247650" rIns="247650" bIns="247650" numCol="1" spcCol="1270" anchor="ctr" anchorCtr="0">
+          <a:noAutofit/>
+        </a:bodyPr>
+        <a:lstStyle/>
+        <a:p>
+          <a:pPr lvl="0" algn="l" defTabSz="2889250">
+            <a:lnSpc>
+              <a:spcPct val="90000"/>
+            </a:lnSpc>
+            <a:spcBef>
+              <a:spcPct val="0"/>
+            </a:spcBef>
+            <a:spcAft>
+              <a:spcPct val="35000"/>
+            </a:spcAft>
+          </a:pPr>
+          <a:r>
+            <a:rPr lang="en-US" sz="6500" kern="1200" dirty="0" smtClean="0"/>
+            <a:t> </a:t>
+          </a:r>
+          <a:endParaRPr lang="en-US" sz="6500" kern="1200" dirty="0"/>
+        </a:p>
+      </dsp:txBody>
+      <dsp:txXfrm>
+        <a:off x="1059727" y="4290458"/>
+        <a:ext cx="3878714" cy="1709596"/>
+      </dsp:txXfrm>
+    </dsp:sp>
+    <dsp:sp modelId="{61599C62-4F73-4153-9B6B-7FC5AE26CD6E}">
+      <dsp:nvSpPr>
+        <dsp:cNvPr id="0" name=""/>
+        <dsp:cNvSpPr/>
+      </dsp:nvSpPr>
+      <dsp:spPr>
+        <a:xfrm>
+          <a:off x="4921769" y="1371600"/>
+          <a:ext cx="1180382" cy="1180382"/>
+        </a:xfrm>
+        <a:prstGeom prst="downArrow">
+          <a:avLst>
+            <a:gd name="adj1" fmla="val 55000"/>
+            <a:gd name="adj2" fmla="val 45000"/>
+          </a:avLst>
+        </a:prstGeom>
+        <a:solidFill>
+          <a:schemeClr val="accent1">
+            <a:alpha val="90000"/>
+            <a:tint val="40000"/>
+            <a:hueOff val="0"/>
+            <a:satOff val="0"/>
+            <a:lumOff val="0"/>
+            <a:alphaOff val="0"/>
+          </a:schemeClr>
+        </a:solidFill>
+        <a:ln w="25400" cap="flat" cmpd="sng" algn="ctr">
+          <a:solidFill>
+            <a:schemeClr val="accent1">
+              <a:alpha val="90000"/>
+              <a:tint val="40000"/>
+              <a:hueOff val="0"/>
+              <a:satOff val="0"/>
+              <a:lumOff val="0"/>
+              <a:alphaOff val="0"/>
+            </a:schemeClr>
+          </a:solidFill>
+          <a:prstDash val="solid"/>
+        </a:ln>
+        <a:effectLst/>
+      </dsp:spPr>
+      <dsp:style>
+        <a:lnRef idx="2">
+          <a:scrgbClr r="0" g="0" b="0"/>
+        </a:lnRef>
+        <a:fillRef idx="1">
+          <a:scrgbClr r="0" g="0" b="0"/>
+        </a:fillRef>
+        <a:effectRef idx="0">
+          <a:scrgbClr r="0" g="0" b="0"/>
+        </a:effectRef>
+        <a:fontRef idx="minor"/>
+      </dsp:style>
+      <dsp:txBody>
+        <a:bodyPr spcFirstLastPara="0" vert="horz" wrap="square" lIns="45720" tIns="45720" rIns="45720" bIns="45720" numCol="1" spcCol="1270" anchor="ctr" anchorCtr="0">
+          <a:noAutofit/>
+        </a:bodyPr>
+        <a:lstStyle/>
+        <a:p>
+          <a:pPr lvl="0" algn="ctr" defTabSz="1600200">
+            <a:lnSpc>
+              <a:spcPct val="90000"/>
+            </a:lnSpc>
+            <a:spcBef>
+              <a:spcPct val="0"/>
+            </a:spcBef>
+            <a:spcAft>
+              <a:spcPct val="35000"/>
+            </a:spcAft>
+          </a:pPr>
+          <a:endParaRPr lang="en-US" sz="3600" kern="1200"/>
+        </a:p>
+      </dsp:txBody>
+      <dsp:txXfrm>
+        <a:off x="5187355" y="1371600"/>
+        <a:ext cx="649210" cy="888237"/>
+      </dsp:txXfrm>
+    </dsp:sp>
+    <dsp:sp modelId="{4501A95C-C412-4557-AD87-F88243C736DA}">
+      <dsp:nvSpPr>
+        <dsp:cNvPr id="0" name=""/>
+        <dsp:cNvSpPr/>
+      </dsp:nvSpPr>
+      <dsp:spPr>
+        <a:xfrm>
+          <a:off x="4991629" y="3429001"/>
+          <a:ext cx="1180382" cy="1180382"/>
+        </a:xfrm>
+        <a:prstGeom prst="downArrow">
+          <a:avLst>
+            <a:gd name="adj1" fmla="val 55000"/>
+            <a:gd name="adj2" fmla="val 45000"/>
+          </a:avLst>
+        </a:prstGeom>
+        <a:solidFill>
+          <a:schemeClr val="accent1">
+            <a:alpha val="90000"/>
+            <a:tint val="40000"/>
+            <a:hueOff val="0"/>
+            <a:satOff val="0"/>
+            <a:lumOff val="0"/>
+            <a:alphaOff val="0"/>
+          </a:schemeClr>
+        </a:solidFill>
+        <a:ln w="25400" cap="flat" cmpd="sng" algn="ctr">
+          <a:solidFill>
+            <a:schemeClr val="accent1">
+              <a:alpha val="90000"/>
+              <a:tint val="40000"/>
+              <a:hueOff val="0"/>
+              <a:satOff val="0"/>
+              <a:lumOff val="0"/>
+              <a:alphaOff val="0"/>
+            </a:schemeClr>
+          </a:solidFill>
+          <a:prstDash val="solid"/>
+        </a:ln>
+        <a:effectLst/>
+      </dsp:spPr>
+      <dsp:style>
+        <a:lnRef idx="2">
+          <a:scrgbClr r="0" g="0" b="0"/>
+        </a:lnRef>
+        <a:fillRef idx="1">
+          <a:scrgbClr r="0" g="0" b="0"/>
+        </a:fillRef>
+        <a:effectRef idx="0">
+          <a:scrgbClr r="0" g="0" b="0"/>
+        </a:effectRef>
+        <a:fontRef idx="minor"/>
+      </dsp:style>
+      <dsp:txBody>
+        <a:bodyPr spcFirstLastPara="0" vert="horz" wrap="square" lIns="45720" tIns="45720" rIns="45720" bIns="45720" numCol="1" spcCol="1270" anchor="ctr" anchorCtr="0">
+          <a:noAutofit/>
+        </a:bodyPr>
+        <a:lstStyle/>
+        <a:p>
+          <a:pPr lvl="0" algn="ctr" defTabSz="1600200">
+            <a:lnSpc>
+              <a:spcPct val="90000"/>
+            </a:lnSpc>
+            <a:spcBef>
+              <a:spcPct val="0"/>
+            </a:spcBef>
+            <a:spcAft>
+              <a:spcPct val="35000"/>
+            </a:spcAft>
+          </a:pPr>
+          <a:endParaRPr lang="en-US" sz="3600" kern="1200" dirty="0"/>
+        </a:p>
+      </dsp:txBody>
+      <dsp:txXfrm>
+        <a:off x="5257215" y="3429001"/>
+        <a:ext cx="649210" cy="888237"/>
+      </dsp:txXfrm>
+    </dsp:sp>
   </dsp:spTree>
 </dsp:drawing>
 </file>
@@ -19555,60 +19948,6 @@
       </p:sp>
       <p:sp>
         <p:nvSpPr>
-          <p:cNvPr id="14" name="Rectangle 13"/>
-          <p:cNvSpPr/>
-          <p:nvPr/>
-        </p:nvSpPr>
-        <p:spPr>
-          <a:xfrm>
-            <a:off x="0" y="1753925"/>
-            <a:ext cx="1828800" cy="397431"/>
-          </a:xfrm>
-          <a:prstGeom prst="rect">
-            <a:avLst/>
-          </a:prstGeom>
-          <a:solidFill>
-            <a:srgbClr val="7030A0"/>
-          </a:solidFill>
-          <a:ln>
-            <a:noFill/>
-          </a:ln>
-        </p:spPr>
-        <p:style>
-          <a:lnRef idx="2">
-            <a:schemeClr val="accent1">
-              <a:shade val="50000"/>
-            </a:schemeClr>
-          </a:lnRef>
-          <a:fillRef idx="1">
-            <a:schemeClr val="accent1"/>
-          </a:fillRef>
-          <a:effectRef idx="0">
-            <a:schemeClr val="accent1"/>
-          </a:effectRef>
-          <a:fontRef idx="minor">
-            <a:schemeClr val="lt1"/>
-          </a:fontRef>
-        </p:style>
-        <p:txBody>
-          <a:bodyPr lIns="822960" rtlCol="0" anchor="ctr"/>
-          <a:lstStyle/>
-          <a:p>
-            <a:endParaRPr lang="en-US" sz="2400" dirty="0">
-              <a:solidFill>
-                <a:schemeClr val="tx1">
-                  <a:lumMod val="75000"/>
-                  <a:lumOff val="25000"/>
-                </a:schemeClr>
-              </a:solidFill>
-              <a:latin typeface="Segoe UI Light" pitchFamily="34" charset="0"/>
-              <a:cs typeface="Segoe UI Light" pitchFamily="34" charset="0"/>
-            </a:endParaRPr>
-          </a:p>
-        </p:txBody>
-      </p:sp>
-      <p:sp>
-        <p:nvSpPr>
           <p:cNvPr id="18" name="TextBox 17"/>
           <p:cNvSpPr txBox="1"/>
           <p:nvPr/>
@@ -19834,7 +20173,7 @@
         <p:spPr>
           <a:xfrm>
             <a:off x="3313" y="1307471"/>
-            <a:ext cx="1749287" cy="430887"/>
+            <a:ext cx="1749287" cy="800219"/>
           </a:xfrm>
           <a:prstGeom prst="rect">
             <a:avLst/>
@@ -19848,15 +20187,17 @@
           <a:lstStyle/>
           <a:p>
             <a:r>
-              <a:rPr lang="en-US" sz="2200" dirty="0" smtClean="0">
+              <a:rPr lang="en-US" sz="2400" dirty="0" smtClean="0">
                 <a:solidFill>
                   <a:schemeClr val="bg1"/>
                 </a:solidFill>
                 <a:latin typeface="Segoe UI Light" pitchFamily="34" charset="0"/>
                 <a:cs typeface="Segoe UI Light" pitchFamily="34" charset="0"/>
               </a:rPr>
-              <a:t>Introduction</a:t>
-            </a:r>
+              <a:t>The People</a:t>
+            </a:r>
+          </a:p>
+          <a:p>
             <a:endParaRPr lang="en-US" sz="2200" dirty="0">
               <a:solidFill>
                 <a:schemeClr val="bg1"/>
@@ -19922,101 +20263,6 @@
               </a:rPr>
               <a:t>It</a:t>
             </a:r>
-          </a:p>
-        </p:txBody>
-      </p:sp>
-      <p:sp>
-        <p:nvSpPr>
-          <p:cNvPr id="6" name="TextBox 5"/>
-          <p:cNvSpPr txBox="1"/>
-          <p:nvPr/>
-        </p:nvSpPr>
-        <p:spPr>
-          <a:xfrm>
-            <a:off x="3313" y="1798751"/>
-            <a:ext cx="1736697" cy="369332"/>
-          </a:xfrm>
-          <a:prstGeom prst="rect">
-            <a:avLst/>
-          </a:prstGeom>
-          <a:noFill/>
-        </p:spPr>
-        <p:txBody>
-          <a:bodyPr wrap="square" rtlCol="0">
-            <a:spAutoFit/>
-          </a:bodyPr>
-          <a:lstStyle/>
-          <a:p>
-            <a:pPr marL="285750" indent="-285750">
-              <a:buFont typeface="Wingdings" pitchFamily="2" charset="2"/>
-              <a:buChar char="Ø"/>
-            </a:pPr>
-            <a:r>
-              <a:rPr lang="en-US" dirty="0">
-                <a:solidFill>
-                  <a:schemeClr val="bg1"/>
-                </a:solidFill>
-                <a:latin typeface="Segoe UI Light" pitchFamily="34" charset="0"/>
-                <a:cs typeface="Segoe UI Light" pitchFamily="34" charset="0"/>
-              </a:rPr>
-              <a:t>The People</a:t>
-            </a:r>
-          </a:p>
-        </p:txBody>
-      </p:sp>
-      <p:sp>
-        <p:nvSpPr>
-          <p:cNvPr id="23" name="Rectangle 22"/>
-          <p:cNvSpPr/>
-          <p:nvPr/>
-        </p:nvSpPr>
-        <p:spPr>
-          <a:xfrm>
-            <a:off x="0" y="2151356"/>
-            <a:ext cx="1828800" cy="397431"/>
-          </a:xfrm>
-          <a:prstGeom prst="rect">
-            <a:avLst/>
-          </a:prstGeom>
-          <a:solidFill>
-            <a:schemeClr val="bg1">
-              <a:lumMod val="50000"/>
-            </a:schemeClr>
-          </a:solidFill>
-          <a:ln>
-            <a:noFill/>
-          </a:ln>
-        </p:spPr>
-        <p:style>
-          <a:lnRef idx="2">
-            <a:schemeClr val="accent1">
-              <a:shade val="50000"/>
-            </a:schemeClr>
-          </a:lnRef>
-          <a:fillRef idx="1">
-            <a:schemeClr val="accent1"/>
-          </a:fillRef>
-          <a:effectRef idx="0">
-            <a:schemeClr val="accent1"/>
-          </a:effectRef>
-          <a:fontRef idx="minor">
-            <a:schemeClr val="lt1"/>
-          </a:fontRef>
-        </p:style>
-        <p:txBody>
-          <a:bodyPr lIns="822960" rtlCol="0" anchor="ctr"/>
-          <a:lstStyle/>
-          <a:p>
-            <a:endParaRPr lang="en-US" sz="2400" dirty="0">
-              <a:solidFill>
-                <a:schemeClr val="tx1">
-                  <a:lumMod val="75000"/>
-                  <a:lumOff val="25000"/>
-                </a:schemeClr>
-              </a:solidFill>
-              <a:latin typeface="Segoe UI Light" pitchFamily="34" charset="0"/>
-              <a:cs typeface="Segoe UI Light" pitchFamily="34" charset="0"/>
-            </a:endParaRPr>
           </a:p>
         </p:txBody>
       </p:sp>
@@ -22118,7 +22364,7 @@
         </p:nvSpPr>
         <p:spPr>
           <a:xfrm>
-            <a:off x="0" y="2316480"/>
+            <a:off x="0" y="1841524"/>
             <a:ext cx="1828800" cy="548640"/>
           </a:xfrm>
           <a:prstGeom prst="rect">
@@ -22266,52 +22512,13 @@
       </p:sp>
       <p:sp>
         <p:nvSpPr>
-          <p:cNvPr id="34" name="TextBox 33"/>
-          <p:cNvSpPr txBox="1"/>
-          <p:nvPr/>
-        </p:nvSpPr>
-        <p:spPr>
-          <a:xfrm>
-            <a:off x="3313" y="1798751"/>
-            <a:ext cx="1736697" cy="369332"/>
-          </a:xfrm>
-          <a:prstGeom prst="rect">
-            <a:avLst/>
-          </a:prstGeom>
-          <a:noFill/>
-        </p:spPr>
-        <p:txBody>
-          <a:bodyPr wrap="square" rtlCol="0">
-            <a:spAutoFit/>
-          </a:bodyPr>
-          <a:lstStyle/>
-          <a:p>
-            <a:pPr marL="285750" indent="-285750">
-              <a:buFont typeface="Wingdings" pitchFamily="2" charset="2"/>
-              <a:buChar char="Ø"/>
-            </a:pPr>
-            <a:r>
-              <a:rPr lang="en-US" dirty="0">
-                <a:solidFill>
-                  <a:schemeClr val="bg1"/>
-                </a:solidFill>
-                <a:latin typeface="Segoe UI Light" pitchFamily="34" charset="0"/>
-                <a:cs typeface="Segoe UI Light" pitchFamily="34" charset="0"/>
-              </a:rPr>
-              <a:t>The People</a:t>
-            </a:r>
-          </a:p>
-        </p:txBody>
-      </p:sp>
-      <p:sp>
-        <p:nvSpPr>
           <p:cNvPr id="35" name="Rectangle 34"/>
           <p:cNvSpPr/>
           <p:nvPr/>
         </p:nvSpPr>
         <p:spPr>
           <a:xfrm>
-            <a:off x="0" y="2151356"/>
+            <a:off x="0" y="1676400"/>
             <a:ext cx="1828800" cy="397431"/>
           </a:xfrm>
           <a:prstGeom prst="rect">
@@ -22365,7 +22572,7 @@
         </p:nvSpPr>
         <p:spPr>
           <a:xfrm>
-            <a:off x="0" y="2548787"/>
+            <a:off x="0" y="2073831"/>
             <a:ext cx="1828800" cy="397431"/>
           </a:xfrm>
           <a:prstGeom prst="rect">
@@ -22421,7 +22628,7 @@
         </p:nvSpPr>
         <p:spPr>
           <a:xfrm>
-            <a:off x="3313" y="2946218"/>
+            <a:off x="3313" y="2471262"/>
             <a:ext cx="1828800" cy="397431"/>
           </a:xfrm>
           <a:prstGeom prst="rect">
@@ -22477,7 +22684,7 @@
         </p:nvSpPr>
         <p:spPr>
           <a:xfrm>
-            <a:off x="3313" y="2196182"/>
+            <a:off x="3313" y="1721226"/>
             <a:ext cx="1749287" cy="369332"/>
           </a:xfrm>
           <a:prstGeom prst="rect">
@@ -22516,7 +22723,7 @@
         </p:nvSpPr>
         <p:spPr>
           <a:xfrm>
-            <a:off x="3313" y="2593613"/>
+            <a:off x="3313" y="2118657"/>
             <a:ext cx="1749287" cy="369332"/>
           </a:xfrm>
           <a:prstGeom prst="rect">
@@ -22555,7 +22762,7 @@
         </p:nvSpPr>
         <p:spPr>
           <a:xfrm>
-            <a:off x="3313" y="2971425"/>
+            <a:off x="3313" y="2496469"/>
             <a:ext cx="1743986" cy="369332"/>
           </a:xfrm>
           <a:prstGeom prst="rect">
@@ -22673,168 +22880,6 @@
       </p:sp>
       <p:sp>
         <p:nvSpPr>
-          <p:cNvPr id="4" name="Rectangle 3"/>
-          <p:cNvSpPr/>
-          <p:nvPr/>
-        </p:nvSpPr>
-        <p:spPr>
-          <a:xfrm>
-            <a:off x="0" y="1219200"/>
-            <a:ext cx="1828800" cy="548640"/>
-          </a:xfrm>
-          <a:prstGeom prst="rect">
-            <a:avLst/>
-          </a:prstGeom>
-          <a:solidFill>
-            <a:schemeClr val="bg1">
-              <a:lumMod val="50000"/>
-            </a:schemeClr>
-          </a:solidFill>
-          <a:ln>
-            <a:noFill/>
-          </a:ln>
-        </p:spPr>
-        <p:style>
-          <a:lnRef idx="2">
-            <a:schemeClr val="accent1">
-              <a:shade val="50000"/>
-            </a:schemeClr>
-          </a:lnRef>
-          <a:fillRef idx="1">
-            <a:schemeClr val="accent1"/>
-          </a:fillRef>
-          <a:effectRef idx="0">
-            <a:schemeClr val="accent1"/>
-          </a:effectRef>
-          <a:fontRef idx="minor">
-            <a:schemeClr val="lt1"/>
-          </a:fontRef>
-        </p:style>
-        <p:txBody>
-          <a:bodyPr lIns="822960" rtlCol="0" anchor="ctr"/>
-          <a:lstStyle/>
-          <a:p>
-            <a:endParaRPr lang="en-US" sz="2400" dirty="0">
-              <a:latin typeface="Segoe UI Light" pitchFamily="34" charset="0"/>
-              <a:cs typeface="Segoe UI Light" pitchFamily="34" charset="0"/>
-            </a:endParaRPr>
-          </a:p>
-        </p:txBody>
-      </p:sp>
-      <p:sp>
-        <p:nvSpPr>
-          <p:cNvPr id="13" name="Rectangle 12"/>
-          <p:cNvSpPr/>
-          <p:nvPr/>
-        </p:nvSpPr>
-        <p:spPr>
-          <a:xfrm>
-            <a:off x="0" y="2316480"/>
-            <a:ext cx="1828800" cy="548640"/>
-          </a:xfrm>
-          <a:prstGeom prst="rect">
-            <a:avLst/>
-          </a:prstGeom>
-          <a:solidFill>
-            <a:schemeClr val="bg1">
-              <a:lumMod val="95000"/>
-            </a:schemeClr>
-          </a:solidFill>
-          <a:ln>
-            <a:noFill/>
-          </a:ln>
-        </p:spPr>
-        <p:style>
-          <a:lnRef idx="2">
-            <a:schemeClr val="accent1">
-              <a:shade val="50000"/>
-            </a:schemeClr>
-          </a:lnRef>
-          <a:fillRef idx="1">
-            <a:schemeClr val="accent1"/>
-          </a:fillRef>
-          <a:effectRef idx="0">
-            <a:schemeClr val="accent1"/>
-          </a:effectRef>
-          <a:fontRef idx="minor">
-            <a:schemeClr val="lt1"/>
-          </a:fontRef>
-        </p:style>
-        <p:txBody>
-          <a:bodyPr lIns="822960" rtlCol="0" anchor="ctr"/>
-          <a:lstStyle/>
-          <a:p>
-            <a:endParaRPr lang="en-US" sz="2400" dirty="0">
-              <a:solidFill>
-                <a:schemeClr val="tx1">
-                  <a:lumMod val="75000"/>
-                  <a:lumOff val="25000"/>
-                </a:schemeClr>
-              </a:solidFill>
-              <a:latin typeface="Segoe UI Light" pitchFamily="34" charset="0"/>
-              <a:cs typeface="Segoe UI Light" pitchFamily="34" charset="0"/>
-            </a:endParaRPr>
-          </a:p>
-        </p:txBody>
-      </p:sp>
-      <p:sp>
-        <p:nvSpPr>
-          <p:cNvPr id="14" name="Rectangle 13"/>
-          <p:cNvSpPr/>
-          <p:nvPr/>
-        </p:nvSpPr>
-        <p:spPr>
-          <a:xfrm>
-            <a:off x="0" y="1753925"/>
-            <a:ext cx="1828800" cy="397431"/>
-          </a:xfrm>
-          <a:prstGeom prst="rect">
-            <a:avLst/>
-          </a:prstGeom>
-          <a:solidFill>
-            <a:schemeClr val="bg1">
-              <a:lumMod val="50000"/>
-            </a:schemeClr>
-          </a:solidFill>
-          <a:ln>
-            <a:noFill/>
-          </a:ln>
-        </p:spPr>
-        <p:style>
-          <a:lnRef idx="2">
-            <a:schemeClr val="accent1">
-              <a:shade val="50000"/>
-            </a:schemeClr>
-          </a:lnRef>
-          <a:fillRef idx="1">
-            <a:schemeClr val="accent1"/>
-          </a:fillRef>
-          <a:effectRef idx="0">
-            <a:schemeClr val="accent1"/>
-          </a:effectRef>
-          <a:fontRef idx="minor">
-            <a:schemeClr val="lt1"/>
-          </a:fontRef>
-        </p:style>
-        <p:txBody>
-          <a:bodyPr lIns="822960" rtlCol="0" anchor="ctr"/>
-          <a:lstStyle/>
-          <a:p>
-            <a:endParaRPr lang="en-US" sz="2400" dirty="0">
-              <a:solidFill>
-                <a:schemeClr val="tx1">
-                  <a:lumMod val="75000"/>
-                  <a:lumOff val="25000"/>
-                </a:schemeClr>
-              </a:solidFill>
-              <a:latin typeface="Segoe UI Light" pitchFamily="34" charset="0"/>
-              <a:cs typeface="Segoe UI Light" pitchFamily="34" charset="0"/>
-            </a:endParaRPr>
-          </a:p>
-        </p:txBody>
-      </p:sp>
-      <p:sp>
-        <p:nvSpPr>
           <p:cNvPr id="18" name="TextBox 17"/>
           <p:cNvSpPr txBox="1"/>
           <p:nvPr/>
@@ -23120,48 +23165,6 @@
       </p:pic>
       <p:sp>
         <p:nvSpPr>
-          <p:cNvPr id="5" name="TextBox 4"/>
-          <p:cNvSpPr txBox="1"/>
-          <p:nvPr/>
-        </p:nvSpPr>
-        <p:spPr>
-          <a:xfrm>
-            <a:off x="3313" y="1307471"/>
-            <a:ext cx="1749287" cy="430887"/>
-          </a:xfrm>
-          <a:prstGeom prst="rect">
-            <a:avLst/>
-          </a:prstGeom>
-          <a:noFill/>
-        </p:spPr>
-        <p:txBody>
-          <a:bodyPr wrap="square" rtlCol="0">
-            <a:spAutoFit/>
-          </a:bodyPr>
-          <a:lstStyle/>
-          <a:p>
-            <a:r>
-              <a:rPr lang="en-US" sz="2200" dirty="0" smtClean="0">
-                <a:solidFill>
-                  <a:schemeClr val="bg1"/>
-                </a:solidFill>
-                <a:latin typeface="Segoe UI Light" pitchFamily="34" charset="0"/>
-                <a:cs typeface="Segoe UI Light" pitchFamily="34" charset="0"/>
-              </a:rPr>
-              <a:t>Introduction</a:t>
-            </a:r>
-            <a:endParaRPr lang="en-US" sz="2200" dirty="0">
-              <a:solidFill>
-                <a:schemeClr val="bg1"/>
-              </a:solidFill>
-              <a:latin typeface="Segoe UI Light" pitchFamily="34" charset="0"/>
-              <a:cs typeface="Segoe UI Light" pitchFamily="34" charset="0"/>
-            </a:endParaRPr>
-          </a:p>
-        </p:txBody>
-      </p:sp>
-      <p:sp>
-        <p:nvSpPr>
           <p:cNvPr id="22" name="TextBox 21"/>
           <p:cNvSpPr txBox="1"/>
           <p:nvPr/>
@@ -23214,328 +23217,6 @@
                 <a:cs typeface="Segoe UI Light" panose="020B0502040204020203" pitchFamily="34" charset="0"/>
               </a:rPr>
               <a:t>It</a:t>
-            </a:r>
-          </a:p>
-        </p:txBody>
-      </p:sp>
-      <p:sp>
-        <p:nvSpPr>
-          <p:cNvPr id="6" name="TextBox 5"/>
-          <p:cNvSpPr txBox="1"/>
-          <p:nvPr/>
-        </p:nvSpPr>
-        <p:spPr>
-          <a:xfrm>
-            <a:off x="3313" y="1798751"/>
-            <a:ext cx="1736697" cy="369332"/>
-          </a:xfrm>
-          <a:prstGeom prst="rect">
-            <a:avLst/>
-          </a:prstGeom>
-          <a:noFill/>
-        </p:spPr>
-        <p:txBody>
-          <a:bodyPr wrap="square" rtlCol="0">
-            <a:spAutoFit/>
-          </a:bodyPr>
-          <a:lstStyle/>
-          <a:p>
-            <a:pPr marL="285750" indent="-285750">
-              <a:buFont typeface="Wingdings" pitchFamily="2" charset="2"/>
-              <a:buChar char="Ø"/>
-            </a:pPr>
-            <a:r>
-              <a:rPr lang="en-US" dirty="0">
-                <a:solidFill>
-                  <a:schemeClr val="bg1"/>
-                </a:solidFill>
-                <a:latin typeface="Segoe UI Light" pitchFamily="34" charset="0"/>
-                <a:cs typeface="Segoe UI Light" pitchFamily="34" charset="0"/>
-              </a:rPr>
-              <a:t>The People</a:t>
-            </a:r>
-          </a:p>
-        </p:txBody>
-      </p:sp>
-      <p:sp>
-        <p:nvSpPr>
-          <p:cNvPr id="23" name="Rectangle 22"/>
-          <p:cNvSpPr/>
-          <p:nvPr/>
-        </p:nvSpPr>
-        <p:spPr>
-          <a:xfrm>
-            <a:off x="0" y="2151356"/>
-            <a:ext cx="1828800" cy="397431"/>
-          </a:xfrm>
-          <a:prstGeom prst="rect">
-            <a:avLst/>
-          </a:prstGeom>
-          <a:solidFill>
-            <a:srgbClr val="7030A0"/>
-          </a:solidFill>
-          <a:ln>
-            <a:noFill/>
-          </a:ln>
-        </p:spPr>
-        <p:style>
-          <a:lnRef idx="2">
-            <a:schemeClr val="accent1">
-              <a:shade val="50000"/>
-            </a:schemeClr>
-          </a:lnRef>
-          <a:fillRef idx="1">
-            <a:schemeClr val="accent1"/>
-          </a:fillRef>
-          <a:effectRef idx="0">
-            <a:schemeClr val="accent1"/>
-          </a:effectRef>
-          <a:fontRef idx="minor">
-            <a:schemeClr val="lt1"/>
-          </a:fontRef>
-        </p:style>
-        <p:txBody>
-          <a:bodyPr lIns="822960" rtlCol="0" anchor="ctr"/>
-          <a:lstStyle/>
-          <a:p>
-            <a:endParaRPr lang="en-US" sz="2400" dirty="0">
-              <a:solidFill>
-                <a:schemeClr val="tx1">
-                  <a:lumMod val="75000"/>
-                  <a:lumOff val="25000"/>
-                </a:schemeClr>
-              </a:solidFill>
-              <a:latin typeface="Segoe UI Light" pitchFamily="34" charset="0"/>
-              <a:cs typeface="Segoe UI Light" pitchFamily="34" charset="0"/>
-            </a:endParaRPr>
-          </a:p>
-        </p:txBody>
-      </p:sp>
-      <p:sp>
-        <p:nvSpPr>
-          <p:cNvPr id="25" name="Rectangle 24"/>
-          <p:cNvSpPr/>
-          <p:nvPr/>
-        </p:nvSpPr>
-        <p:spPr>
-          <a:xfrm>
-            <a:off x="0" y="2548787"/>
-            <a:ext cx="1828800" cy="397431"/>
-          </a:xfrm>
-          <a:prstGeom prst="rect">
-            <a:avLst/>
-          </a:prstGeom>
-          <a:solidFill>
-            <a:schemeClr val="bg1">
-              <a:lumMod val="50000"/>
-            </a:schemeClr>
-          </a:solidFill>
-          <a:ln>
-            <a:noFill/>
-          </a:ln>
-        </p:spPr>
-        <p:style>
-          <a:lnRef idx="2">
-            <a:schemeClr val="accent1">
-              <a:shade val="50000"/>
-            </a:schemeClr>
-          </a:lnRef>
-          <a:fillRef idx="1">
-            <a:schemeClr val="accent1"/>
-          </a:fillRef>
-          <a:effectRef idx="0">
-            <a:schemeClr val="accent1"/>
-          </a:effectRef>
-          <a:fontRef idx="minor">
-            <a:schemeClr val="lt1"/>
-          </a:fontRef>
-        </p:style>
-        <p:txBody>
-          <a:bodyPr lIns="822960" rtlCol="0" anchor="ctr"/>
-          <a:lstStyle/>
-          <a:p>
-            <a:endParaRPr lang="en-US" sz="2400" dirty="0">
-              <a:solidFill>
-                <a:schemeClr val="tx1">
-                  <a:lumMod val="75000"/>
-                  <a:lumOff val="25000"/>
-                </a:schemeClr>
-              </a:solidFill>
-              <a:latin typeface="Segoe UI Light" pitchFamily="34" charset="0"/>
-              <a:cs typeface="Segoe UI Light" pitchFamily="34" charset="0"/>
-            </a:endParaRPr>
-          </a:p>
-        </p:txBody>
-      </p:sp>
-      <p:sp>
-        <p:nvSpPr>
-          <p:cNvPr id="26" name="Rectangle 25"/>
-          <p:cNvSpPr/>
-          <p:nvPr/>
-        </p:nvSpPr>
-        <p:spPr>
-          <a:xfrm>
-            <a:off x="3313" y="2946218"/>
-            <a:ext cx="1828800" cy="397431"/>
-          </a:xfrm>
-          <a:prstGeom prst="rect">
-            <a:avLst/>
-          </a:prstGeom>
-          <a:solidFill>
-            <a:schemeClr val="bg1">
-              <a:lumMod val="50000"/>
-            </a:schemeClr>
-          </a:solidFill>
-          <a:ln>
-            <a:noFill/>
-          </a:ln>
-        </p:spPr>
-        <p:style>
-          <a:lnRef idx="2">
-            <a:schemeClr val="accent1">
-              <a:shade val="50000"/>
-            </a:schemeClr>
-          </a:lnRef>
-          <a:fillRef idx="1">
-            <a:schemeClr val="accent1"/>
-          </a:fillRef>
-          <a:effectRef idx="0">
-            <a:schemeClr val="accent1"/>
-          </a:effectRef>
-          <a:fontRef idx="minor">
-            <a:schemeClr val="lt1"/>
-          </a:fontRef>
-        </p:style>
-        <p:txBody>
-          <a:bodyPr lIns="822960" rtlCol="0" anchor="ctr"/>
-          <a:lstStyle/>
-          <a:p>
-            <a:endParaRPr lang="en-US" sz="2400" dirty="0">
-              <a:solidFill>
-                <a:schemeClr val="tx1">
-                  <a:lumMod val="75000"/>
-                  <a:lumOff val="25000"/>
-                </a:schemeClr>
-              </a:solidFill>
-              <a:latin typeface="Segoe UI Light" pitchFamily="34" charset="0"/>
-              <a:cs typeface="Segoe UI Light" pitchFamily="34" charset="0"/>
-            </a:endParaRPr>
-          </a:p>
-        </p:txBody>
-      </p:sp>
-      <p:sp>
-        <p:nvSpPr>
-          <p:cNvPr id="28" name="TextBox 27"/>
-          <p:cNvSpPr txBox="1"/>
-          <p:nvPr/>
-        </p:nvSpPr>
-        <p:spPr>
-          <a:xfrm>
-            <a:off x="3313" y="2196182"/>
-            <a:ext cx="1749287" cy="369332"/>
-          </a:xfrm>
-          <a:prstGeom prst="rect">
-            <a:avLst/>
-          </a:prstGeom>
-          <a:noFill/>
-        </p:spPr>
-        <p:txBody>
-          <a:bodyPr wrap="square" rtlCol="0">
-            <a:spAutoFit/>
-          </a:bodyPr>
-          <a:lstStyle/>
-          <a:p>
-            <a:pPr marL="285750" indent="-285750">
-              <a:buFont typeface="Wingdings" pitchFamily="2" charset="2"/>
-              <a:buChar char="Ø"/>
-            </a:pPr>
-            <a:r>
-              <a:rPr lang="en-US" dirty="0">
-                <a:solidFill>
-                  <a:schemeClr val="bg1"/>
-                </a:solidFill>
-                <a:latin typeface="Segoe UI Light" pitchFamily="34" charset="0"/>
-                <a:cs typeface="Segoe UI Light" pitchFamily="34" charset="0"/>
-              </a:rPr>
-              <a:t>Ticket.St</a:t>
-            </a:r>
-          </a:p>
-        </p:txBody>
-      </p:sp>
-      <p:sp>
-        <p:nvSpPr>
-          <p:cNvPr id="29" name="TextBox 28"/>
-          <p:cNvSpPr txBox="1"/>
-          <p:nvPr/>
-        </p:nvSpPr>
-        <p:spPr>
-          <a:xfrm>
-            <a:off x="3313" y="2593613"/>
-            <a:ext cx="1749287" cy="369332"/>
-          </a:xfrm>
-          <a:prstGeom prst="rect">
-            <a:avLst/>
-          </a:prstGeom>
-          <a:noFill/>
-        </p:spPr>
-        <p:txBody>
-          <a:bodyPr wrap="square" rtlCol="0">
-            <a:spAutoFit/>
-          </a:bodyPr>
-          <a:lstStyle/>
-          <a:p>
-            <a:pPr marL="285750" indent="-285750">
-              <a:buFont typeface="Wingdings" pitchFamily="2" charset="2"/>
-              <a:buChar char="Ø"/>
-            </a:pPr>
-            <a:r>
-              <a:rPr lang="en-US" dirty="0">
-                <a:solidFill>
-                  <a:schemeClr val="bg1"/>
-                </a:solidFill>
-                <a:latin typeface="Segoe UI Light" pitchFamily="34" charset="0"/>
-                <a:cs typeface="Segoe UI Light" pitchFamily="34" charset="0"/>
-              </a:rPr>
-              <a:t>Problem</a:t>
-            </a:r>
-          </a:p>
-        </p:txBody>
-      </p:sp>
-      <p:sp>
-        <p:nvSpPr>
-          <p:cNvPr id="31" name="TextBox 30"/>
-          <p:cNvSpPr txBox="1"/>
-          <p:nvPr/>
-        </p:nvSpPr>
-        <p:spPr>
-          <a:xfrm>
-            <a:off x="3313" y="2971425"/>
-            <a:ext cx="1743986" cy="369332"/>
-          </a:xfrm>
-          <a:prstGeom prst="rect">
-            <a:avLst/>
-          </a:prstGeom>
-          <a:noFill/>
-        </p:spPr>
-        <p:txBody>
-          <a:bodyPr wrap="square" rtlCol="0">
-            <a:spAutoFit/>
-          </a:bodyPr>
-          <a:lstStyle/>
-          <a:p>
-            <a:pPr marL="285750" indent="-285750">
-              <a:buFont typeface="Wingdings" pitchFamily="2" charset="2"/>
-              <a:buChar char="Ø"/>
-            </a:pPr>
-            <a:r>
-              <a:rPr lang="en-US" dirty="0">
-                <a:solidFill>
-                  <a:schemeClr val="bg1"/>
-                </a:solidFill>
-                <a:latin typeface="Segoe UI Light" pitchFamily="34" charset="0"/>
-                <a:cs typeface="Segoe UI Light" pitchFamily="34" charset="0"/>
-              </a:rPr>
-              <a:t>Our Proposal</a:t>
             </a:r>
           </a:p>
         </p:txBody>
@@ -23570,6 +23251,493 @@
           </a:prstGeom>
         </p:spPr>
       </p:pic>
+      <p:sp>
+        <p:nvSpPr>
+          <p:cNvPr id="19" name="Rectangle 18"/>
+          <p:cNvSpPr/>
+          <p:nvPr/>
+        </p:nvSpPr>
+        <p:spPr>
+          <a:xfrm>
+            <a:off x="0" y="1219200"/>
+            <a:ext cx="1828800" cy="548640"/>
+          </a:xfrm>
+          <a:prstGeom prst="rect">
+            <a:avLst/>
+          </a:prstGeom>
+          <a:solidFill>
+            <a:schemeClr val="bg1">
+              <a:lumMod val="50000"/>
+            </a:schemeClr>
+          </a:solidFill>
+          <a:ln>
+            <a:noFill/>
+          </a:ln>
+        </p:spPr>
+        <p:style>
+          <a:lnRef idx="2">
+            <a:schemeClr val="accent1">
+              <a:shade val="50000"/>
+            </a:schemeClr>
+          </a:lnRef>
+          <a:fillRef idx="1">
+            <a:schemeClr val="accent1"/>
+          </a:fillRef>
+          <a:effectRef idx="0">
+            <a:schemeClr val="accent1"/>
+          </a:effectRef>
+          <a:fontRef idx="minor">
+            <a:schemeClr val="lt1"/>
+          </a:fontRef>
+        </p:style>
+        <p:txBody>
+          <a:bodyPr lIns="822960" rtlCol="0" anchor="ctr"/>
+          <a:lstStyle/>
+          <a:p>
+            <a:endParaRPr lang="en-US" sz="2400" dirty="0">
+              <a:latin typeface="Segoe UI Light" pitchFamily="34" charset="0"/>
+              <a:cs typeface="Segoe UI Light" pitchFamily="34" charset="0"/>
+            </a:endParaRPr>
+          </a:p>
+        </p:txBody>
+      </p:sp>
+      <p:sp>
+        <p:nvSpPr>
+          <p:cNvPr id="20" name="Rectangle 19"/>
+          <p:cNvSpPr/>
+          <p:nvPr/>
+        </p:nvSpPr>
+        <p:spPr>
+          <a:xfrm>
+            <a:off x="0" y="1841524"/>
+            <a:ext cx="1828800" cy="548640"/>
+          </a:xfrm>
+          <a:prstGeom prst="rect">
+            <a:avLst/>
+          </a:prstGeom>
+          <a:solidFill>
+            <a:schemeClr val="bg1">
+              <a:lumMod val="95000"/>
+            </a:schemeClr>
+          </a:solidFill>
+          <a:ln>
+            <a:noFill/>
+          </a:ln>
+        </p:spPr>
+        <p:style>
+          <a:lnRef idx="2">
+            <a:schemeClr val="accent1">
+              <a:shade val="50000"/>
+            </a:schemeClr>
+          </a:lnRef>
+          <a:fillRef idx="1">
+            <a:schemeClr val="accent1"/>
+          </a:fillRef>
+          <a:effectRef idx="0">
+            <a:schemeClr val="accent1"/>
+          </a:effectRef>
+          <a:fontRef idx="minor">
+            <a:schemeClr val="lt1"/>
+          </a:fontRef>
+        </p:style>
+        <p:txBody>
+          <a:bodyPr lIns="822960" rtlCol="0" anchor="ctr"/>
+          <a:lstStyle/>
+          <a:p>
+            <a:endParaRPr lang="en-US" sz="2400" dirty="0">
+              <a:solidFill>
+                <a:schemeClr val="tx1">
+                  <a:lumMod val="75000"/>
+                  <a:lumOff val="25000"/>
+                </a:schemeClr>
+              </a:solidFill>
+              <a:latin typeface="Segoe UI Light" pitchFamily="34" charset="0"/>
+              <a:cs typeface="Segoe UI Light" pitchFamily="34" charset="0"/>
+            </a:endParaRPr>
+          </a:p>
+        </p:txBody>
+      </p:sp>
+      <p:sp>
+        <p:nvSpPr>
+          <p:cNvPr id="21" name="Rectangle 20"/>
+          <p:cNvSpPr/>
+          <p:nvPr/>
+        </p:nvSpPr>
+        <p:spPr>
+          <a:xfrm>
+            <a:off x="0" y="1753925"/>
+            <a:ext cx="1828800" cy="397431"/>
+          </a:xfrm>
+          <a:prstGeom prst="rect">
+            <a:avLst/>
+          </a:prstGeom>
+          <a:solidFill>
+            <a:schemeClr val="bg1">
+              <a:lumMod val="50000"/>
+            </a:schemeClr>
+          </a:solidFill>
+          <a:ln>
+            <a:noFill/>
+          </a:ln>
+        </p:spPr>
+        <p:style>
+          <a:lnRef idx="2">
+            <a:schemeClr val="accent1">
+              <a:shade val="50000"/>
+            </a:schemeClr>
+          </a:lnRef>
+          <a:fillRef idx="1">
+            <a:schemeClr val="accent1"/>
+          </a:fillRef>
+          <a:effectRef idx="0">
+            <a:schemeClr val="accent1"/>
+          </a:effectRef>
+          <a:fontRef idx="minor">
+            <a:schemeClr val="lt1"/>
+          </a:fontRef>
+        </p:style>
+        <p:txBody>
+          <a:bodyPr lIns="822960" rtlCol="0" anchor="ctr"/>
+          <a:lstStyle/>
+          <a:p>
+            <a:endParaRPr lang="en-US" sz="2400" dirty="0">
+              <a:solidFill>
+                <a:schemeClr val="tx1">
+                  <a:lumMod val="75000"/>
+                  <a:lumOff val="25000"/>
+                </a:schemeClr>
+              </a:solidFill>
+              <a:latin typeface="Segoe UI Light" pitchFamily="34" charset="0"/>
+              <a:cs typeface="Segoe UI Light" pitchFamily="34" charset="0"/>
+            </a:endParaRPr>
+          </a:p>
+        </p:txBody>
+      </p:sp>
+      <p:sp>
+        <p:nvSpPr>
+          <p:cNvPr id="24" name="TextBox 23"/>
+          <p:cNvSpPr txBox="1"/>
+          <p:nvPr/>
+        </p:nvSpPr>
+        <p:spPr>
+          <a:xfrm>
+            <a:off x="3313" y="1307471"/>
+            <a:ext cx="1749287" cy="430887"/>
+          </a:xfrm>
+          <a:prstGeom prst="rect">
+            <a:avLst/>
+          </a:prstGeom>
+          <a:noFill/>
+        </p:spPr>
+        <p:txBody>
+          <a:bodyPr wrap="square" rtlCol="0">
+            <a:spAutoFit/>
+          </a:bodyPr>
+          <a:lstStyle/>
+          <a:p>
+            <a:r>
+              <a:rPr lang="en-US" sz="2200" dirty="0" smtClean="0">
+                <a:solidFill>
+                  <a:schemeClr val="bg1"/>
+                </a:solidFill>
+                <a:latin typeface="Segoe UI Light" pitchFamily="34" charset="0"/>
+                <a:cs typeface="Segoe UI Light" pitchFamily="34" charset="0"/>
+              </a:rPr>
+              <a:t>Introduction</a:t>
+            </a:r>
+            <a:endParaRPr lang="en-US" sz="2200" dirty="0">
+              <a:solidFill>
+                <a:schemeClr val="bg1"/>
+              </a:solidFill>
+              <a:latin typeface="Segoe UI Light" pitchFamily="34" charset="0"/>
+              <a:cs typeface="Segoe UI Light" pitchFamily="34" charset="0"/>
+            </a:endParaRPr>
+          </a:p>
+        </p:txBody>
+      </p:sp>
+      <p:sp>
+        <p:nvSpPr>
+          <p:cNvPr id="27" name="Rectangle 26"/>
+          <p:cNvSpPr/>
+          <p:nvPr/>
+        </p:nvSpPr>
+        <p:spPr>
+          <a:xfrm>
+            <a:off x="0" y="1676400"/>
+            <a:ext cx="1828800" cy="397431"/>
+          </a:xfrm>
+          <a:prstGeom prst="rect">
+            <a:avLst/>
+          </a:prstGeom>
+          <a:solidFill>
+            <a:srgbClr val="7030A0"/>
+          </a:solidFill>
+          <a:ln>
+            <a:noFill/>
+          </a:ln>
+        </p:spPr>
+        <p:style>
+          <a:lnRef idx="2">
+            <a:schemeClr val="accent1">
+              <a:shade val="50000"/>
+            </a:schemeClr>
+          </a:lnRef>
+          <a:fillRef idx="1">
+            <a:schemeClr val="accent1"/>
+          </a:fillRef>
+          <a:effectRef idx="0">
+            <a:schemeClr val="accent1"/>
+          </a:effectRef>
+          <a:fontRef idx="minor">
+            <a:schemeClr val="lt1"/>
+          </a:fontRef>
+        </p:style>
+        <p:txBody>
+          <a:bodyPr lIns="822960" rtlCol="0" anchor="ctr"/>
+          <a:lstStyle/>
+          <a:p>
+            <a:endParaRPr lang="en-US" sz="2400" dirty="0">
+              <a:solidFill>
+                <a:schemeClr val="tx1">
+                  <a:lumMod val="75000"/>
+                  <a:lumOff val="25000"/>
+                </a:schemeClr>
+              </a:solidFill>
+              <a:latin typeface="Segoe UI Light" pitchFamily="34" charset="0"/>
+              <a:cs typeface="Segoe UI Light" pitchFamily="34" charset="0"/>
+            </a:endParaRPr>
+          </a:p>
+        </p:txBody>
+      </p:sp>
+      <p:sp>
+        <p:nvSpPr>
+          <p:cNvPr id="30" name="Rectangle 29"/>
+          <p:cNvSpPr/>
+          <p:nvPr/>
+        </p:nvSpPr>
+        <p:spPr>
+          <a:xfrm>
+            <a:off x="0" y="2073831"/>
+            <a:ext cx="1828800" cy="397431"/>
+          </a:xfrm>
+          <a:prstGeom prst="rect">
+            <a:avLst/>
+          </a:prstGeom>
+          <a:solidFill>
+            <a:schemeClr val="bg1">
+              <a:lumMod val="50000"/>
+            </a:schemeClr>
+          </a:solidFill>
+          <a:ln>
+            <a:noFill/>
+          </a:ln>
+        </p:spPr>
+        <p:style>
+          <a:lnRef idx="2">
+            <a:schemeClr val="accent1">
+              <a:shade val="50000"/>
+            </a:schemeClr>
+          </a:lnRef>
+          <a:fillRef idx="1">
+            <a:schemeClr val="accent1"/>
+          </a:fillRef>
+          <a:effectRef idx="0">
+            <a:schemeClr val="accent1"/>
+          </a:effectRef>
+          <a:fontRef idx="minor">
+            <a:schemeClr val="lt1"/>
+          </a:fontRef>
+        </p:style>
+        <p:txBody>
+          <a:bodyPr lIns="822960" rtlCol="0" anchor="ctr"/>
+          <a:lstStyle/>
+          <a:p>
+            <a:endParaRPr lang="en-US" sz="2400" dirty="0">
+              <a:solidFill>
+                <a:schemeClr val="tx1">
+                  <a:lumMod val="75000"/>
+                  <a:lumOff val="25000"/>
+                </a:schemeClr>
+              </a:solidFill>
+              <a:latin typeface="Segoe UI Light" pitchFamily="34" charset="0"/>
+              <a:cs typeface="Segoe UI Light" pitchFamily="34" charset="0"/>
+            </a:endParaRPr>
+          </a:p>
+        </p:txBody>
+      </p:sp>
+      <p:sp>
+        <p:nvSpPr>
+          <p:cNvPr id="32" name="Rectangle 31"/>
+          <p:cNvSpPr/>
+          <p:nvPr/>
+        </p:nvSpPr>
+        <p:spPr>
+          <a:xfrm>
+            <a:off x="3313" y="2471262"/>
+            <a:ext cx="1828800" cy="397431"/>
+          </a:xfrm>
+          <a:prstGeom prst="rect">
+            <a:avLst/>
+          </a:prstGeom>
+          <a:solidFill>
+            <a:schemeClr val="bg1">
+              <a:lumMod val="50000"/>
+            </a:schemeClr>
+          </a:solidFill>
+          <a:ln>
+            <a:noFill/>
+          </a:ln>
+        </p:spPr>
+        <p:style>
+          <a:lnRef idx="2">
+            <a:schemeClr val="accent1">
+              <a:shade val="50000"/>
+            </a:schemeClr>
+          </a:lnRef>
+          <a:fillRef idx="1">
+            <a:schemeClr val="accent1"/>
+          </a:fillRef>
+          <a:effectRef idx="0">
+            <a:schemeClr val="accent1"/>
+          </a:effectRef>
+          <a:fontRef idx="minor">
+            <a:schemeClr val="lt1"/>
+          </a:fontRef>
+        </p:style>
+        <p:txBody>
+          <a:bodyPr lIns="822960" rtlCol="0" anchor="ctr"/>
+          <a:lstStyle/>
+          <a:p>
+            <a:endParaRPr lang="en-US" sz="2400" dirty="0">
+              <a:solidFill>
+                <a:schemeClr val="tx1">
+                  <a:lumMod val="75000"/>
+                  <a:lumOff val="25000"/>
+                </a:schemeClr>
+              </a:solidFill>
+              <a:latin typeface="Segoe UI Light" pitchFamily="34" charset="0"/>
+              <a:cs typeface="Segoe UI Light" pitchFamily="34" charset="0"/>
+            </a:endParaRPr>
+          </a:p>
+        </p:txBody>
+      </p:sp>
+      <p:sp>
+        <p:nvSpPr>
+          <p:cNvPr id="34" name="TextBox 33"/>
+          <p:cNvSpPr txBox="1"/>
+          <p:nvPr/>
+        </p:nvSpPr>
+        <p:spPr>
+          <a:xfrm>
+            <a:off x="3313" y="1721226"/>
+            <a:ext cx="1749287" cy="369332"/>
+          </a:xfrm>
+          <a:prstGeom prst="rect">
+            <a:avLst/>
+          </a:prstGeom>
+          <a:noFill/>
+        </p:spPr>
+        <p:txBody>
+          <a:bodyPr wrap="square" rtlCol="0">
+            <a:spAutoFit/>
+          </a:bodyPr>
+          <a:lstStyle/>
+          <a:p>
+            <a:pPr marL="285750" indent="-285750">
+              <a:buFont typeface="Wingdings" pitchFamily="2" charset="2"/>
+              <a:buChar char="Ø"/>
+            </a:pPr>
+            <a:r>
+              <a:rPr lang="en-US" dirty="0">
+                <a:solidFill>
+                  <a:schemeClr val="bg1"/>
+                </a:solidFill>
+                <a:latin typeface="Segoe UI Light" pitchFamily="34" charset="0"/>
+                <a:cs typeface="Segoe UI Light" pitchFamily="34" charset="0"/>
+              </a:rPr>
+              <a:t>Ticket.St</a:t>
+            </a:r>
+          </a:p>
+        </p:txBody>
+      </p:sp>
+      <p:sp>
+        <p:nvSpPr>
+          <p:cNvPr id="35" name="TextBox 34"/>
+          <p:cNvSpPr txBox="1"/>
+          <p:nvPr/>
+        </p:nvSpPr>
+        <p:spPr>
+          <a:xfrm>
+            <a:off x="3313" y="2118657"/>
+            <a:ext cx="1749287" cy="369332"/>
+          </a:xfrm>
+          <a:prstGeom prst="rect">
+            <a:avLst/>
+          </a:prstGeom>
+          <a:noFill/>
+        </p:spPr>
+        <p:txBody>
+          <a:bodyPr wrap="square" rtlCol="0">
+            <a:spAutoFit/>
+          </a:bodyPr>
+          <a:lstStyle/>
+          <a:p>
+            <a:pPr marL="285750" indent="-285750">
+              <a:buFont typeface="Wingdings" pitchFamily="2" charset="2"/>
+              <a:buChar char="Ø"/>
+            </a:pPr>
+            <a:r>
+              <a:rPr lang="en-US" dirty="0">
+                <a:solidFill>
+                  <a:schemeClr val="bg1"/>
+                </a:solidFill>
+                <a:latin typeface="Segoe UI Light" pitchFamily="34" charset="0"/>
+                <a:cs typeface="Segoe UI Light" pitchFamily="34" charset="0"/>
+              </a:rPr>
+              <a:t>Problem</a:t>
+            </a:r>
+          </a:p>
+        </p:txBody>
+      </p:sp>
+      <p:sp>
+        <p:nvSpPr>
+          <p:cNvPr id="36" name="TextBox 35"/>
+          <p:cNvSpPr txBox="1"/>
+          <p:nvPr/>
+        </p:nvSpPr>
+        <p:spPr>
+          <a:xfrm>
+            <a:off x="3313" y="2496469"/>
+            <a:ext cx="1743986" cy="369332"/>
+          </a:xfrm>
+          <a:prstGeom prst="rect">
+            <a:avLst/>
+          </a:prstGeom>
+          <a:noFill/>
+        </p:spPr>
+        <p:txBody>
+          <a:bodyPr wrap="square" rtlCol="0">
+            <a:spAutoFit/>
+          </a:bodyPr>
+          <a:lstStyle/>
+          <a:p>
+            <a:pPr marL="285750" indent="-285750">
+              <a:buFont typeface="Wingdings" pitchFamily="2" charset="2"/>
+              <a:buChar char="Ø"/>
+            </a:pPr>
+            <a:r>
+              <a:rPr lang="en-US" dirty="0">
+                <a:solidFill>
+                  <a:schemeClr val="bg1"/>
+                </a:solidFill>
+                <a:latin typeface="Segoe UI Light" pitchFamily="34" charset="0"/>
+                <a:cs typeface="Segoe UI Light" pitchFamily="34" charset="0"/>
+              </a:rPr>
+              <a:t>Our Proposal</a:t>
+            </a:r>
+          </a:p>
+        </p:txBody>
+      </p:sp>
     </p:spTree>
     <p:extLst>
       <p:ext uri="{BB962C8B-B14F-4D97-AF65-F5344CB8AC3E}">
@@ -23774,7 +23942,7 @@
         </p:nvSpPr>
         <p:spPr>
           <a:xfrm>
-            <a:off x="0" y="2316480"/>
+            <a:off x="0" y="1868431"/>
             <a:ext cx="1828800" cy="548640"/>
           </a:xfrm>
           <a:prstGeom prst="rect">
@@ -24021,52 +24189,13 @@
       </p:sp>
       <p:sp>
         <p:nvSpPr>
-          <p:cNvPr id="6" name="TextBox 5"/>
-          <p:cNvSpPr txBox="1"/>
-          <p:nvPr/>
-        </p:nvSpPr>
-        <p:spPr>
-          <a:xfrm>
-            <a:off x="3313" y="1798751"/>
-            <a:ext cx="1736697" cy="369332"/>
-          </a:xfrm>
-          <a:prstGeom prst="rect">
-            <a:avLst/>
-          </a:prstGeom>
-          <a:noFill/>
-        </p:spPr>
-        <p:txBody>
-          <a:bodyPr wrap="square" rtlCol="0">
-            <a:spAutoFit/>
-          </a:bodyPr>
-          <a:lstStyle/>
-          <a:p>
-            <a:pPr marL="285750" indent="-285750">
-              <a:buFont typeface="Wingdings" pitchFamily="2" charset="2"/>
-              <a:buChar char="Ø"/>
-            </a:pPr>
-            <a:r>
-              <a:rPr lang="en-US" dirty="0">
-                <a:solidFill>
-                  <a:schemeClr val="bg1"/>
-                </a:solidFill>
-                <a:latin typeface="Segoe UI Light" pitchFamily="34" charset="0"/>
-                <a:cs typeface="Segoe UI Light" pitchFamily="34" charset="0"/>
-              </a:rPr>
-              <a:t>The People</a:t>
-            </a:r>
-          </a:p>
-        </p:txBody>
-      </p:sp>
-      <p:sp>
-        <p:nvSpPr>
           <p:cNvPr id="23" name="Rectangle 22"/>
           <p:cNvSpPr/>
           <p:nvPr/>
         </p:nvSpPr>
         <p:spPr>
           <a:xfrm>
-            <a:off x="0" y="2151356"/>
+            <a:off x="0" y="1703307"/>
             <a:ext cx="1828800" cy="397431"/>
           </a:xfrm>
           <a:prstGeom prst="rect">
@@ -24122,7 +24251,7 @@
         </p:nvSpPr>
         <p:spPr>
           <a:xfrm>
-            <a:off x="0" y="2548787"/>
+            <a:off x="0" y="2100738"/>
             <a:ext cx="1828800" cy="397431"/>
           </a:xfrm>
           <a:prstGeom prst="rect">
@@ -24176,7 +24305,7 @@
         </p:nvSpPr>
         <p:spPr>
           <a:xfrm>
-            <a:off x="3313" y="2946218"/>
+            <a:off x="3313" y="2498169"/>
             <a:ext cx="1828800" cy="397431"/>
           </a:xfrm>
           <a:prstGeom prst="rect">
@@ -24232,7 +24361,7 @@
         </p:nvSpPr>
         <p:spPr>
           <a:xfrm>
-            <a:off x="3313" y="2196182"/>
+            <a:off x="3313" y="1748133"/>
             <a:ext cx="1749287" cy="369332"/>
           </a:xfrm>
           <a:prstGeom prst="rect">
@@ -24271,7 +24400,7 @@
         </p:nvSpPr>
         <p:spPr>
           <a:xfrm>
-            <a:off x="3313" y="2593613"/>
+            <a:off x="3313" y="2145564"/>
             <a:ext cx="1749287" cy="369332"/>
           </a:xfrm>
           <a:prstGeom prst="rect">
@@ -24529,7 +24658,7 @@
         </p:nvSpPr>
         <p:spPr>
           <a:xfrm>
-            <a:off x="3313" y="2971425"/>
+            <a:off x="3313" y="2523376"/>
             <a:ext cx="1743986" cy="369332"/>
           </a:xfrm>
           <a:prstGeom prst="rect">
@@ -24703,7 +24832,7 @@
         </p:nvSpPr>
         <p:spPr>
           <a:xfrm>
-            <a:off x="0" y="2316480"/>
+            <a:off x="0" y="1841524"/>
             <a:ext cx="1828800" cy="548640"/>
           </a:xfrm>
           <a:prstGeom prst="rect">
@@ -24950,52 +25079,13 @@
       </p:sp>
       <p:sp>
         <p:nvSpPr>
-          <p:cNvPr id="6" name="TextBox 5"/>
-          <p:cNvSpPr txBox="1"/>
-          <p:nvPr/>
-        </p:nvSpPr>
-        <p:spPr>
-          <a:xfrm>
-            <a:off x="3313" y="1798751"/>
-            <a:ext cx="1736697" cy="369332"/>
-          </a:xfrm>
-          <a:prstGeom prst="rect">
-            <a:avLst/>
-          </a:prstGeom>
-          <a:noFill/>
-        </p:spPr>
-        <p:txBody>
-          <a:bodyPr wrap="square" rtlCol="0">
-            <a:spAutoFit/>
-          </a:bodyPr>
-          <a:lstStyle/>
-          <a:p>
-            <a:pPr marL="285750" indent="-285750">
-              <a:buFont typeface="Wingdings" pitchFamily="2" charset="2"/>
-              <a:buChar char="Ø"/>
-            </a:pPr>
-            <a:r>
-              <a:rPr lang="en-US" dirty="0">
-                <a:solidFill>
-                  <a:schemeClr val="bg1"/>
-                </a:solidFill>
-                <a:latin typeface="Segoe UI Light" pitchFamily="34" charset="0"/>
-                <a:cs typeface="Segoe UI Light" pitchFamily="34" charset="0"/>
-              </a:rPr>
-              <a:t>The People</a:t>
-            </a:r>
-          </a:p>
-        </p:txBody>
-      </p:sp>
-      <p:sp>
-        <p:nvSpPr>
           <p:cNvPr id="23" name="Rectangle 22"/>
           <p:cNvSpPr/>
           <p:nvPr/>
         </p:nvSpPr>
         <p:spPr>
           <a:xfrm>
-            <a:off x="0" y="2151356"/>
+            <a:off x="0" y="1676400"/>
             <a:ext cx="1828800" cy="397431"/>
           </a:xfrm>
           <a:prstGeom prst="rect">
@@ -25051,7 +25141,7 @@
         </p:nvSpPr>
         <p:spPr>
           <a:xfrm>
-            <a:off x="0" y="2548787"/>
+            <a:off x="0" y="2073831"/>
             <a:ext cx="1828800" cy="397431"/>
           </a:xfrm>
           <a:prstGeom prst="rect">
@@ -25107,7 +25197,7 @@
         </p:nvSpPr>
         <p:spPr>
           <a:xfrm>
-            <a:off x="3313" y="2946218"/>
+            <a:off x="3313" y="2471262"/>
             <a:ext cx="1828800" cy="397431"/>
           </a:xfrm>
           <a:prstGeom prst="rect">
@@ -25161,7 +25251,7 @@
         </p:nvSpPr>
         <p:spPr>
           <a:xfrm>
-            <a:off x="3313" y="2196182"/>
+            <a:off x="3313" y="1721226"/>
             <a:ext cx="1749287" cy="369332"/>
           </a:xfrm>
           <a:prstGeom prst="rect">
@@ -25200,7 +25290,7 @@
         </p:nvSpPr>
         <p:spPr>
           <a:xfrm>
-            <a:off x="3313" y="2593613"/>
+            <a:off x="3313" y="2118657"/>
             <a:ext cx="1749287" cy="369332"/>
           </a:xfrm>
           <a:prstGeom prst="rect">
@@ -25625,7 +25715,7 @@
         </p:nvSpPr>
         <p:spPr>
           <a:xfrm>
-            <a:off x="3313" y="2971425"/>
+            <a:off x="3313" y="2496469"/>
             <a:ext cx="1743986" cy="369332"/>
           </a:xfrm>
           <a:prstGeom prst="rect">

--- a/Document/Present.pptx
+++ b/Document/Present.pptx
@@ -129,7 +129,7 @@
   </p:defaultTextStyle>
   <p:extLst>
     <p:ext uri="{EFAFB233-063F-42B5-8137-9DF3F51BA10A}">
-      <p15:sldGuideLst xmlns:p15="http://schemas.microsoft.com/office/powerpoint/2012/main" xmlns="">
+      <p15:sldGuideLst xmlns="" xmlns:p15="http://schemas.microsoft.com/office/powerpoint/2012/main">
         <p15:guide id="1" orient="horz" pos="2160">
           <p15:clr>
             <a:srgbClr val="A4A3A4"/>
@@ -8124,7 +8124,11 @@
             <a:pPr algn="ctr"/>
             <a:r>
               <a:rPr lang="en-US" dirty="0" smtClean="0"/>
-              <a:t>Login or Registry</a:t>
+              <a:t>Login or </a:t>
+            </a:r>
+            <a:r>
+              <a:rPr lang="en-US" dirty="0" smtClean="0"/>
+              <a:t>Register</a:t>
             </a:r>
             <a:endParaRPr lang="en-US" dirty="0"/>
           </a:p>
@@ -27441,6 +27445,9 @@
                     <p:cTn id="3" fill="hold">
                       <p:stCondLst>
                         <p:cond delay="indefinite"/>
+                        <p:cond evt="onBegin" delay="0">
+                          <p:tn val="2"/>
+                        </p:cond>
                       </p:stCondLst>
                       <p:childTnLst>
                         <p:par>
@@ -27450,7 +27457,7 @@
                             </p:stCondLst>
                             <p:childTnLst>
                               <p:par>
-                                <p:cTn id="5" presetID="10" presetClass="entr" presetSubtype="0" fill="hold" grpId="0" nodeType="clickEffect">
+                                <p:cTn id="5" presetID="10" presetClass="entr" presetSubtype="0" fill="hold" nodeType="withEffect">
                                   <p:stCondLst>
                                     <p:cond delay="0"/>
                                   </p:stCondLst>
@@ -27463,7 +27470,7 @@
                                           </p:stCondLst>
                                         </p:cTn>
                                         <p:tgtEl>
-                                          <p:spTgt spid="42"/>
+                                          <p:spTgt spid="31"/>
                                         </p:tgtEl>
                                         <p:attrNameLst>
                                           <p:attrName>style.visibility</p:attrName>
@@ -27477,7 +27484,7 @@
                                       <p:cBhvr>
                                         <p:cTn id="7" dur="500"/>
                                         <p:tgtEl>
-                                          <p:spTgt spid="42"/>
+                                          <p:spTgt spid="31"/>
                                         </p:tgtEl>
                                       </p:cBhvr>
                                     </p:animEffect>
@@ -27516,7 +27523,7 @@
                                           </p:stCondLst>
                                         </p:cTn>
                                         <p:tgtEl>
-                                          <p:spTgt spid="43"/>
+                                          <p:spTgt spid="42"/>
                                         </p:tgtEl>
                                         <p:attrNameLst>
                                           <p:attrName>style.visibility</p:attrName>
@@ -27530,7 +27537,7 @@
                                       <p:cBhvr>
                                         <p:cTn id="12" dur="500"/>
                                         <p:tgtEl>
-                                          <p:spTgt spid="43"/>
+                                          <p:spTgt spid="42"/>
                                         </p:tgtEl>
                                       </p:cBhvr>
                                     </p:animEffect>
@@ -27569,7 +27576,7 @@
                                           </p:stCondLst>
                                         </p:cTn>
                                         <p:tgtEl>
-                                          <p:spTgt spid="44"/>
+                                          <p:spTgt spid="43"/>
                                         </p:tgtEl>
                                         <p:attrNameLst>
                                           <p:attrName>style.visibility</p:attrName>
@@ -27583,7 +27590,7 @@
                                       <p:cBhvr>
                                         <p:cTn id="17" dur="500"/>
                                         <p:tgtEl>
-                                          <p:spTgt spid="44"/>
+                                          <p:spTgt spid="43"/>
                                         </p:tgtEl>
                                       </p:cBhvr>
                                     </p:animEffect>
@@ -27622,7 +27629,7 @@
                                           </p:stCondLst>
                                         </p:cTn>
                                         <p:tgtEl>
-                                          <p:spTgt spid="45"/>
+                                          <p:spTgt spid="44"/>
                                         </p:tgtEl>
                                         <p:attrNameLst>
                                           <p:attrName>style.visibility</p:attrName>
@@ -27636,7 +27643,7 @@
                                       <p:cBhvr>
                                         <p:cTn id="22" dur="500"/>
                                         <p:tgtEl>
-                                          <p:spTgt spid="45"/>
+                                          <p:spTgt spid="44"/>
                                         </p:tgtEl>
                                       </p:cBhvr>
                                     </p:animEffect>
@@ -27675,7 +27682,7 @@
                                           </p:stCondLst>
                                         </p:cTn>
                                         <p:tgtEl>
-                                          <p:spTgt spid="10"/>
+                                          <p:spTgt spid="45"/>
                                         </p:tgtEl>
                                         <p:attrNameLst>
                                           <p:attrName>style.visibility</p:attrName>
@@ -27689,7 +27696,7 @@
                                       <p:cBhvr>
                                         <p:cTn id="27" dur="500"/>
                                         <p:tgtEl>
-                                          <p:spTgt spid="10"/>
+                                          <p:spTgt spid="45"/>
                                         </p:tgtEl>
                                       </p:cBhvr>
                                     </p:animEffect>
@@ -27728,7 +27735,7 @@
                                           </p:stCondLst>
                                         </p:cTn>
                                         <p:tgtEl>
-                                          <p:spTgt spid="29"/>
+                                          <p:spTgt spid="10"/>
                                         </p:tgtEl>
                                         <p:attrNameLst>
                                           <p:attrName>style.visibility</p:attrName>
@@ -27742,7 +27749,7 @@
                                       <p:cBhvr>
                                         <p:cTn id="32" dur="500"/>
                                         <p:tgtEl>
-                                          <p:spTgt spid="29"/>
+                                          <p:spTgt spid="10"/>
                                         </p:tgtEl>
                                       </p:cBhvr>
                                     </p:animEffect>
@@ -27781,7 +27788,7 @@
                                           </p:stCondLst>
                                         </p:cTn>
                                         <p:tgtEl>
-                                          <p:spTgt spid="30"/>
+                                          <p:spTgt spid="29"/>
                                         </p:tgtEl>
                                         <p:attrNameLst>
                                           <p:attrName>style.visibility</p:attrName>
@@ -27795,7 +27802,7 @@
                                       <p:cBhvr>
                                         <p:cTn id="37" dur="500"/>
                                         <p:tgtEl>
-                                          <p:spTgt spid="30"/>
+                                          <p:spTgt spid="29"/>
                                         </p:tgtEl>
                                       </p:cBhvr>
                                     </p:animEffect>
@@ -27834,7 +27841,7 @@
                                           </p:stCondLst>
                                         </p:cTn>
                                         <p:tgtEl>
-                                          <p:spTgt spid="32"/>
+                                          <p:spTgt spid="30"/>
                                         </p:tgtEl>
                                         <p:attrNameLst>
                                           <p:attrName>style.visibility</p:attrName>
@@ -27848,7 +27855,7 @@
                                       <p:cBhvr>
                                         <p:cTn id="42" dur="500"/>
                                         <p:tgtEl>
-                                          <p:spTgt spid="32"/>
+                                          <p:spTgt spid="30"/>
                                         </p:tgtEl>
                                       </p:cBhvr>
                                     </p:animEffect>
@@ -27887,7 +27894,7 @@
                                           </p:stCondLst>
                                         </p:cTn>
                                         <p:tgtEl>
-                                          <p:spTgt spid="34"/>
+                                          <p:spTgt spid="32"/>
                                         </p:tgtEl>
                                         <p:attrNameLst>
                                           <p:attrName>style.visibility</p:attrName>
@@ -27901,7 +27908,7 @@
                                       <p:cBhvr>
                                         <p:cTn id="47" dur="500"/>
                                         <p:tgtEl>
-                                          <p:spTgt spid="34"/>
+                                          <p:spTgt spid="32"/>
                                         </p:tgtEl>
                                       </p:cBhvr>
                                     </p:animEffect>
@@ -27940,7 +27947,7 @@
                                           </p:stCondLst>
                                         </p:cTn>
                                         <p:tgtEl>
-                                          <p:spTgt spid="36"/>
+                                          <p:spTgt spid="34"/>
                                         </p:tgtEl>
                                         <p:attrNameLst>
                                           <p:attrName>style.visibility</p:attrName>
@@ -27954,7 +27961,7 @@
                                       <p:cBhvr>
                                         <p:cTn id="52" dur="500"/>
                                         <p:tgtEl>
-                                          <p:spTgt spid="36"/>
+                                          <p:spTgt spid="34"/>
                                         </p:tgtEl>
                                       </p:cBhvr>
                                     </p:animEffect>
@@ -27993,7 +28000,7 @@
                                           </p:stCondLst>
                                         </p:cTn>
                                         <p:tgtEl>
-                                          <p:spTgt spid="39"/>
+                                          <p:spTgt spid="36"/>
                                         </p:tgtEl>
                                         <p:attrNameLst>
                                           <p:attrName>style.visibility</p:attrName>
@@ -28007,7 +28014,7 @@
                                       <p:cBhvr>
                                         <p:cTn id="57" dur="500"/>
                                         <p:tgtEl>
-                                          <p:spTgt spid="39"/>
+                                          <p:spTgt spid="36"/>
                                         </p:tgtEl>
                                       </p:cBhvr>
                                     </p:animEffect>
@@ -28046,7 +28053,7 @@
                                           </p:stCondLst>
                                         </p:cTn>
                                         <p:tgtEl>
-                                          <p:spTgt spid="37"/>
+                                          <p:spTgt spid="39"/>
                                         </p:tgtEl>
                                         <p:attrNameLst>
                                           <p:attrName>style.visibility</p:attrName>
@@ -28060,28 +28067,46 @@
                                       <p:cBhvr>
                                         <p:cTn id="62" dur="500"/>
                                         <p:tgtEl>
-                                          <p:spTgt spid="37"/>
+                                          <p:spTgt spid="39"/>
                                         </p:tgtEl>
                                       </p:cBhvr>
                                     </p:animEffect>
                                   </p:childTnLst>
                                 </p:cTn>
                               </p:par>
+                            </p:childTnLst>
+                          </p:cTn>
+                        </p:par>
+                      </p:childTnLst>
+                    </p:cTn>
+                  </p:par>
+                  <p:par>
+                    <p:cTn id="63" fill="hold">
+                      <p:stCondLst>
+                        <p:cond delay="indefinite"/>
+                      </p:stCondLst>
+                      <p:childTnLst>
+                        <p:par>
+                          <p:cTn id="64" fill="hold">
+                            <p:stCondLst>
+                              <p:cond delay="0"/>
+                            </p:stCondLst>
+                            <p:childTnLst>
                               <p:par>
-                                <p:cTn id="63" presetID="10" presetClass="entr" presetSubtype="0" fill="hold" nodeType="withEffect">
+                                <p:cTn id="65" presetID="10" presetClass="entr" presetSubtype="0" fill="hold" grpId="0" nodeType="clickEffect">
                                   <p:stCondLst>
                                     <p:cond delay="0"/>
                                   </p:stCondLst>
                                   <p:childTnLst>
                                     <p:set>
                                       <p:cBhvr>
-                                        <p:cTn id="64" dur="1" fill="hold">
+                                        <p:cTn id="66" dur="1" fill="hold">
                                           <p:stCondLst>
                                             <p:cond delay="0"/>
                                           </p:stCondLst>
                                         </p:cTn>
                                         <p:tgtEl>
-                                          <p:spTgt spid="31"/>
+                                          <p:spTgt spid="37"/>
                                         </p:tgtEl>
                                         <p:attrNameLst>
                                           <p:attrName>style.visibility</p:attrName>
@@ -28093,9 +28118,9 @@
                                     </p:set>
                                     <p:animEffect transition="in" filter="fade">
                                       <p:cBhvr>
-                                        <p:cTn id="65" dur="500"/>
+                                        <p:cTn id="67" dur="500"/>
                                         <p:tgtEl>
-                                          <p:spTgt spid="31"/>
+                                          <p:spTgt spid="37"/>
                                         </p:tgtEl>
                                       </p:cBhvr>
                                     </p:animEffect>
@@ -28152,7 +28177,7 @@
   <a:themeElements>
     <a:clrScheme name="Opulent">
       <a:dk1>
-        <a:sysClr val="windowText" lastClr="000000"/>
+        <a:sysClr val="windowText" lastClr="464646"/>
       </a:dk1>
       <a:lt1>
         <a:sysClr val="window" lastClr="FFFFFF"/>
@@ -28437,7 +28462,7 @@
   <a:themeElements>
     <a:clrScheme name="Office">
       <a:dk1>
-        <a:sysClr val="windowText" lastClr="000000"/>
+        <a:sysClr val="windowText" lastClr="464646"/>
       </a:dk1>
       <a:lt1>
         <a:sysClr val="window" lastClr="FFFFFF"/>

--- a/Document/Present.pptx
+++ b/Document/Present.pptx
@@ -129,7 +129,7 @@
   </p:defaultTextStyle>
   <p:extLst>
     <p:ext uri="{EFAFB233-063F-42B5-8137-9DF3F51BA10A}">
-      <p15:sldGuideLst xmlns="" xmlns:p15="http://schemas.microsoft.com/office/powerpoint/2012/main">
+      <p15:sldGuideLst xmlns:p15="http://schemas.microsoft.com/office/powerpoint/2012/main" xmlns="">
         <p15:guide id="1" orient="horz" pos="2160">
           <p15:clr>
             <a:srgbClr val="A4A3A4"/>
@@ -8124,11 +8124,7 @@
             <a:pPr algn="ctr"/>
             <a:r>
               <a:rPr lang="en-US" dirty="0" smtClean="0"/>
-              <a:t>Login or </a:t>
-            </a:r>
-            <a:r>
-              <a:rPr lang="en-US" dirty="0" smtClean="0"/>
-              <a:t>Register</a:t>
+              <a:t>Login or Register</a:t>
             </a:r>
             <a:endParaRPr lang="en-US" dirty="0"/>
           </a:p>
@@ -12676,33 +12672,15 @@
                                   </p:childTnLst>
                                 </p:cTn>
                               </p:par>
-                            </p:childTnLst>
-                          </p:cTn>
-                        </p:par>
-                      </p:childTnLst>
-                    </p:cTn>
-                  </p:par>
-                  <p:par>
-                    <p:cTn id="85" fill="hold">
-                      <p:stCondLst>
-                        <p:cond delay="indefinite"/>
-                      </p:stCondLst>
-                      <p:childTnLst>
-                        <p:par>
-                          <p:cTn id="86" fill="hold">
-                            <p:stCondLst>
-                              <p:cond delay="0"/>
-                            </p:stCondLst>
-                            <p:childTnLst>
                               <p:par>
-                                <p:cTn id="87" presetID="42" presetClass="entr" presetSubtype="0" fill="hold" grpId="0" nodeType="clickEffect">
+                                <p:cTn id="85" presetID="42" presetClass="entr" presetSubtype="0" fill="hold" grpId="0" nodeType="withEffect">
                                   <p:stCondLst>
                                     <p:cond delay="0"/>
                                   </p:stCondLst>
                                   <p:childTnLst>
                                     <p:set>
                                       <p:cBhvr>
-                                        <p:cTn id="88" dur="1" fill="hold">
+                                        <p:cTn id="86" dur="1" fill="hold">
                                           <p:stCondLst>
                                             <p:cond delay="0"/>
                                           </p:stCondLst>
@@ -12720,7 +12698,7 @@
                                     </p:set>
                                     <p:animEffect transition="in" filter="fade">
                                       <p:cBhvr>
-                                        <p:cTn id="89" dur="1000"/>
+                                        <p:cTn id="87" dur="1000"/>
                                         <p:tgtEl>
                                           <p:spTgt spid="11"/>
                                         </p:tgtEl>
@@ -12728,7 +12706,7 @@
                                     </p:animEffect>
                                     <p:anim calcmode="lin" valueType="num">
                                       <p:cBhvr>
-                                        <p:cTn id="90" dur="1000" fill="hold"/>
+                                        <p:cTn id="88" dur="1000" fill="hold"/>
                                         <p:tgtEl>
                                           <p:spTgt spid="11"/>
                                         </p:tgtEl>
@@ -12751,7 +12729,7 @@
                                     </p:anim>
                                     <p:anim calcmode="lin" valueType="num">
                                       <p:cBhvr>
-                                        <p:cTn id="91" dur="1000" fill="hold"/>
+                                        <p:cTn id="89" dur="1000" fill="hold"/>
                                         <p:tgtEl>
                                           <p:spTgt spid="11"/>
                                         </p:tgtEl>
@@ -12776,14 +12754,14 @@
                                 </p:cTn>
                               </p:par>
                               <p:par>
-                                <p:cTn id="92" presetID="42" presetClass="entr" presetSubtype="0" fill="hold" grpId="0" nodeType="withEffect">
+                                <p:cTn id="90" presetID="42" presetClass="entr" presetSubtype="0" fill="hold" grpId="0" nodeType="withEffect">
                                   <p:stCondLst>
                                     <p:cond delay="0"/>
                                   </p:stCondLst>
                                   <p:childTnLst>
                                     <p:set>
                                       <p:cBhvr>
-                                        <p:cTn id="93" dur="1" fill="hold">
+                                        <p:cTn id="91" dur="1" fill="hold">
                                           <p:stCondLst>
                                             <p:cond delay="0"/>
                                           </p:stCondLst>
@@ -12801,7 +12779,7 @@
                                     </p:set>
                                     <p:animEffect transition="in" filter="fade">
                                       <p:cBhvr>
-                                        <p:cTn id="94" dur="1000"/>
+                                        <p:cTn id="92" dur="1000"/>
                                         <p:tgtEl>
                                           <p:spTgt spid="8"/>
                                         </p:tgtEl>
@@ -12809,7 +12787,7 @@
                                     </p:animEffect>
                                     <p:anim calcmode="lin" valueType="num">
                                       <p:cBhvr>
-                                        <p:cTn id="95" dur="1000" fill="hold"/>
+                                        <p:cTn id="93" dur="1000" fill="hold"/>
                                         <p:tgtEl>
                                           <p:spTgt spid="8"/>
                                         </p:tgtEl>
@@ -12832,7 +12810,7 @@
                                     </p:anim>
                                     <p:anim calcmode="lin" valueType="num">
                                       <p:cBhvr>
-                                        <p:cTn id="96" dur="1000" fill="hold"/>
+                                        <p:cTn id="94" dur="1000" fill="hold"/>
                                         <p:tgtEl>
                                           <p:spTgt spid="8"/>
                                         </p:tgtEl>
